--- a/slides/0025.pptx
+++ b/slides/0025.pptx
@@ -7,8 +7,9 @@
   <p:sldIdLst>
     <p:sldId id="256" r:id="rId2"/>
     <p:sldId id="257" r:id="rId3"/>
-    <p:sldId id="258" r:id="rId4"/>
-    <p:sldId id="259" r:id="rId5"/>
+    <p:sldId id="260" r:id="rId4"/>
+    <p:sldId id="258" r:id="rId5"/>
+    <p:sldId id="259" r:id="rId6"/>
   </p:sldIdLst>
   <p:sldSz cx="12192000" cy="6858000"/>
   <p:notesSz cx="6858000" cy="9144000"/>
@@ -262,7 +263,7 @@
           <a:p>
             <a:fld id="{5AEC58D5-D0FD-5D43-AC21-2C9A8E377766}" type="datetimeFigureOut">
               <a:rPr lang="en-US" smtClean="0"/>
-              <a:t>4/23/18</a:t>
+              <a:t>4/25/18</a:t>
             </a:fld>
             <a:endParaRPr lang="en-US"/>
           </a:p>
@@ -460,7 +461,7 @@
           <a:p>
             <a:fld id="{5AEC58D5-D0FD-5D43-AC21-2C9A8E377766}" type="datetimeFigureOut">
               <a:rPr lang="en-US" smtClean="0"/>
-              <a:t>4/23/18</a:t>
+              <a:t>4/25/18</a:t>
             </a:fld>
             <a:endParaRPr lang="en-US"/>
           </a:p>
@@ -668,7 +669,7 @@
           <a:p>
             <a:fld id="{5AEC58D5-D0FD-5D43-AC21-2C9A8E377766}" type="datetimeFigureOut">
               <a:rPr lang="en-US" smtClean="0"/>
-              <a:t>4/23/18</a:t>
+              <a:t>4/25/18</a:t>
             </a:fld>
             <a:endParaRPr lang="en-US"/>
           </a:p>
@@ -866,7 +867,7 @@
           <a:p>
             <a:fld id="{5AEC58D5-D0FD-5D43-AC21-2C9A8E377766}" type="datetimeFigureOut">
               <a:rPr lang="en-US" smtClean="0"/>
-              <a:t>4/23/18</a:t>
+              <a:t>4/25/18</a:t>
             </a:fld>
             <a:endParaRPr lang="en-US"/>
           </a:p>
@@ -1141,7 +1142,7 @@
           <a:p>
             <a:fld id="{5AEC58D5-D0FD-5D43-AC21-2C9A8E377766}" type="datetimeFigureOut">
               <a:rPr lang="en-US" smtClean="0"/>
-              <a:t>4/23/18</a:t>
+              <a:t>4/25/18</a:t>
             </a:fld>
             <a:endParaRPr lang="en-US"/>
           </a:p>
@@ -1406,7 +1407,7 @@
           <a:p>
             <a:fld id="{5AEC58D5-D0FD-5D43-AC21-2C9A8E377766}" type="datetimeFigureOut">
               <a:rPr lang="en-US" smtClean="0"/>
-              <a:t>4/23/18</a:t>
+              <a:t>4/25/18</a:t>
             </a:fld>
             <a:endParaRPr lang="en-US"/>
           </a:p>
@@ -1818,7 +1819,7 @@
           <a:p>
             <a:fld id="{5AEC58D5-D0FD-5D43-AC21-2C9A8E377766}" type="datetimeFigureOut">
               <a:rPr lang="en-US" smtClean="0"/>
-              <a:t>4/23/18</a:t>
+              <a:t>4/25/18</a:t>
             </a:fld>
             <a:endParaRPr lang="en-US"/>
           </a:p>
@@ -1959,7 +1960,7 @@
           <a:p>
             <a:fld id="{5AEC58D5-D0FD-5D43-AC21-2C9A8E377766}" type="datetimeFigureOut">
               <a:rPr lang="en-US" smtClean="0"/>
-              <a:t>4/23/18</a:t>
+              <a:t>4/25/18</a:t>
             </a:fld>
             <a:endParaRPr lang="en-US"/>
           </a:p>
@@ -2072,7 +2073,7 @@
           <a:p>
             <a:fld id="{5AEC58D5-D0FD-5D43-AC21-2C9A8E377766}" type="datetimeFigureOut">
               <a:rPr lang="en-US" smtClean="0"/>
-              <a:t>4/23/18</a:t>
+              <a:t>4/25/18</a:t>
             </a:fld>
             <a:endParaRPr lang="en-US"/>
           </a:p>
@@ -2383,7 +2384,7 @@
           <a:p>
             <a:fld id="{5AEC58D5-D0FD-5D43-AC21-2C9A8E377766}" type="datetimeFigureOut">
               <a:rPr lang="en-US" smtClean="0"/>
-              <a:t>4/23/18</a:t>
+              <a:t>4/25/18</a:t>
             </a:fld>
             <a:endParaRPr lang="en-US"/>
           </a:p>
@@ -2671,7 +2672,7 @@
           <a:p>
             <a:fld id="{5AEC58D5-D0FD-5D43-AC21-2C9A8E377766}" type="datetimeFigureOut">
               <a:rPr lang="en-US" smtClean="0"/>
-              <a:t>4/23/18</a:t>
+              <a:t>4/25/18</a:t>
             </a:fld>
             <a:endParaRPr lang="en-US"/>
           </a:p>
@@ -2912,7 +2913,7 @@
           <a:p>
             <a:fld id="{5AEC58D5-D0FD-5D43-AC21-2C9A8E377766}" type="datetimeFigureOut">
               <a:rPr lang="en-US" smtClean="0"/>
-              <a:t>4/23/18</a:t>
+              <a:t>4/25/18</a:t>
             </a:fld>
             <a:endParaRPr lang="en-US"/>
           </a:p>
@@ -3457,7 +3458,7 @@
           <a:prstGeom prst="line">
             <a:avLst/>
           </a:prstGeom>
-          <a:ln w="76200">
+          <a:ln w="38100">
             <a:solidFill>
               <a:schemeClr val="tx1"/>
             </a:solidFill>
@@ -3500,7 +3501,7 @@
           <a:prstGeom prst="line">
             <a:avLst/>
           </a:prstGeom>
-          <a:ln w="76200">
+          <a:ln w="38100">
             <a:solidFill>
               <a:schemeClr val="tx1"/>
             </a:solidFill>
@@ -3543,7 +3544,7 @@
           <a:prstGeom prst="line">
             <a:avLst/>
           </a:prstGeom>
-          <a:ln w="76200">
+          <a:ln w="38100">
             <a:solidFill>
               <a:schemeClr val="tx1"/>
             </a:solidFill>
@@ -3586,7 +3587,7 @@
           <a:prstGeom prst="line">
             <a:avLst/>
           </a:prstGeom>
-          <a:ln w="76200">
+          <a:ln w="38100">
             <a:solidFill>
               <a:schemeClr val="tx1"/>
             </a:solidFill>
@@ -3629,7 +3630,7 @@
           <a:prstGeom prst="line">
             <a:avLst/>
           </a:prstGeom>
-          <a:ln w="76200">
+          <a:ln w="38100">
             <a:solidFill>
               <a:schemeClr val="tx1"/>
             </a:solidFill>
@@ -3672,7 +3673,7 @@
           <a:prstGeom prst="line">
             <a:avLst/>
           </a:prstGeom>
-          <a:ln w="76200">
+          <a:ln w="38100">
             <a:solidFill>
               <a:schemeClr val="tx1"/>
             </a:solidFill>
@@ -4505,7 +4506,7 @@
           <a:prstGeom prst="line">
             <a:avLst/>
           </a:prstGeom>
-          <a:ln w="76200">
+          <a:ln w="38100">
             <a:solidFill>
               <a:schemeClr val="tx1"/>
             </a:solidFill>
@@ -4548,7 +4549,7 @@
           <a:prstGeom prst="line">
             <a:avLst/>
           </a:prstGeom>
-          <a:ln w="76200">
+          <a:ln w="38100">
             <a:solidFill>
               <a:schemeClr val="tx1"/>
             </a:solidFill>
@@ -4663,7 +4664,7 @@
           <a:prstGeom prst="line">
             <a:avLst/>
           </a:prstGeom>
-          <a:ln w="76200">
+          <a:ln w="38100">
             <a:solidFill>
               <a:schemeClr val="tx1"/>
             </a:solidFill>
@@ -5193,120 +5194,12 @@
           <a:chExt cx="0" cy="0"/>
         </a:xfrm>
       </p:grpSpPr>
-      <p:sp>
-        <p:nvSpPr>
-          <p:cNvPr id="3" name="Rectangular Callout 2">
-            <a:extLst>
-              <a:ext uri="{FF2B5EF4-FFF2-40B4-BE49-F238E27FC236}">
-                <a16:creationId xmlns:a16="http://schemas.microsoft.com/office/drawing/2014/main" id="{D6C0643E-B09D-8143-9120-6B5DF4CCA66D}"/>
-              </a:ext>
-            </a:extLst>
-          </p:cNvPr>
-          <p:cNvSpPr/>
-          <p:nvPr/>
-        </p:nvSpPr>
-        <p:spPr>
-          <a:xfrm>
-            <a:off x="8206546" y="1938130"/>
-            <a:ext cx="3342723" cy="2753139"/>
-          </a:xfrm>
-          <a:prstGeom prst="wedgeRectCallout">
-            <a:avLst>
-              <a:gd name="adj1" fmla="val -63241"/>
-              <a:gd name="adj2" fmla="val 10994"/>
-            </a:avLst>
-          </a:prstGeom>
-          <a:solidFill>
-            <a:schemeClr val="accent2"/>
-          </a:solidFill>
-          <a:ln>
-            <a:noFill/>
-          </a:ln>
-        </p:spPr>
-        <p:style>
-          <a:lnRef idx="2">
-            <a:schemeClr val="accent1">
-              <a:shade val="50000"/>
-            </a:schemeClr>
-          </a:lnRef>
-          <a:fillRef idx="1">
-            <a:schemeClr val="accent1"/>
-          </a:fillRef>
-          <a:effectRef idx="0">
-            <a:schemeClr val="accent1"/>
-          </a:effectRef>
-          <a:fontRef idx="minor">
-            <a:schemeClr val="lt1"/>
-          </a:fontRef>
-        </p:style>
-        <p:txBody>
-          <a:bodyPr rtlCol="0" anchor="ctr"/>
-          <a:lstStyle/>
-          <a:p>
-            <a:pPr algn="ctr"/>
-            <a:endParaRPr lang="en-US"/>
-          </a:p>
-        </p:txBody>
-      </p:sp>
-      <p:sp>
-        <p:nvSpPr>
-          <p:cNvPr id="17" name="Rounded Rectangle 16">
-            <a:extLst>
-              <a:ext uri="{FF2B5EF4-FFF2-40B4-BE49-F238E27FC236}">
-                <a16:creationId xmlns:a16="http://schemas.microsoft.com/office/drawing/2014/main" id="{BD98CFC9-E81F-B24F-A668-DFDDF3B4C4F1}"/>
-              </a:ext>
-            </a:extLst>
-          </p:cNvPr>
-          <p:cNvSpPr/>
-          <p:nvPr/>
-        </p:nvSpPr>
-        <p:spPr>
-          <a:xfrm>
-            <a:off x="357807" y="1216280"/>
-            <a:ext cx="11499576" cy="4637867"/>
-          </a:xfrm>
-          <a:prstGeom prst="roundRect">
-            <a:avLst/>
-          </a:prstGeom>
-          <a:noFill/>
-          <a:ln w="76200">
-            <a:solidFill>
-              <a:schemeClr val="accent5"/>
-            </a:solidFill>
-            <a:prstDash val="dash"/>
-          </a:ln>
-        </p:spPr>
-        <p:style>
-          <a:lnRef idx="2">
-            <a:schemeClr val="accent1">
-              <a:shade val="50000"/>
-            </a:schemeClr>
-          </a:lnRef>
-          <a:fillRef idx="1">
-            <a:schemeClr val="accent1"/>
-          </a:fillRef>
-          <a:effectRef idx="0">
-            <a:schemeClr val="accent1"/>
-          </a:effectRef>
-          <a:fontRef idx="minor">
-            <a:schemeClr val="lt1"/>
-          </a:fontRef>
-        </p:style>
-        <p:txBody>
-          <a:bodyPr rtlCol="0" anchor="ctr"/>
-          <a:lstStyle/>
-          <a:p>
-            <a:pPr algn="ctr"/>
-            <a:endParaRPr lang="en-US"/>
-          </a:p>
-        </p:txBody>
-      </p:sp>
       <p:cxnSp>
         <p:nvCxnSpPr>
-          <p:cNvPr id="21" name="Straight Connector 20">
-            <a:extLst>
-              <a:ext uri="{FF2B5EF4-FFF2-40B4-BE49-F238E27FC236}">
-                <a16:creationId xmlns:a16="http://schemas.microsoft.com/office/drawing/2014/main" id="{D7F33E11-F8D9-8F46-A3ED-36FE137F8571}"/>
+          <p:cNvPr id="4" name="Straight Connector 3">
+            <a:extLst>
+              <a:ext uri="{FF2B5EF4-FFF2-40B4-BE49-F238E27FC236}">
+                <a16:creationId xmlns:a16="http://schemas.microsoft.com/office/drawing/2014/main" id="{3C6DA146-E65F-FD49-879E-10D854649A8D}"/>
               </a:ext>
             </a:extLst>
           </p:cNvPr>
@@ -5317,13 +5210,13 @@
         </p:nvCxnSpPr>
         <p:spPr>
           <a:xfrm>
-            <a:off x="4478484" y="1838431"/>
+            <a:off x="5869962" y="3607596"/>
             <a:ext cx="2724554" cy="1689960"/>
           </a:xfrm>
           <a:prstGeom prst="line">
             <a:avLst/>
           </a:prstGeom>
-          <a:ln w="76200">
+          <a:ln w="38100">
             <a:solidFill>
               <a:schemeClr val="tx1"/>
             </a:solidFill>
@@ -5346,10 +5239,10 @@
       </p:cxnSp>
       <p:cxnSp>
         <p:nvCxnSpPr>
-          <p:cNvPr id="25" name="Straight Connector 24">
-            <a:extLst>
-              <a:ext uri="{FF2B5EF4-FFF2-40B4-BE49-F238E27FC236}">
-                <a16:creationId xmlns:a16="http://schemas.microsoft.com/office/drawing/2014/main" id="{82F68239-DFD2-6E4A-9A31-A58481674091}"/>
+          <p:cNvPr id="5" name="Straight Connector 4">
+            <a:extLst>
+              <a:ext uri="{FF2B5EF4-FFF2-40B4-BE49-F238E27FC236}">
+                <a16:creationId xmlns:a16="http://schemas.microsoft.com/office/drawing/2014/main" id="{476E62D5-4608-8042-AFFD-B3218E87EDDA}"/>
               </a:ext>
             </a:extLst>
           </p:cNvPr>
@@ -5359,14 +5252,14 @@
           <p:nvPr/>
         </p:nvCxnSpPr>
         <p:spPr>
-          <a:xfrm flipV="1">
-            <a:off x="4588282" y="3737112"/>
-            <a:ext cx="2438683" cy="1576910"/>
+          <a:xfrm>
+            <a:off x="5822703" y="5377465"/>
+            <a:ext cx="2634410" cy="0"/>
           </a:xfrm>
           <a:prstGeom prst="line">
             <a:avLst/>
           </a:prstGeom>
-          <a:ln w="76200">
+          <a:ln w="38100">
             <a:solidFill>
               <a:schemeClr val="tx1"/>
             </a:solidFill>
@@ -5387,12 +5280,258 @@
           </a:fontRef>
         </p:style>
       </p:cxnSp>
+      <p:sp>
+        <p:nvSpPr>
+          <p:cNvPr id="6" name="TextBox 5">
+            <a:extLst>
+              <a:ext uri="{FF2B5EF4-FFF2-40B4-BE49-F238E27FC236}">
+                <a16:creationId xmlns:a16="http://schemas.microsoft.com/office/drawing/2014/main" id="{C21C5DAF-C389-5841-B606-842878E8EC7B}"/>
+              </a:ext>
+            </a:extLst>
+          </p:cNvPr>
+          <p:cNvSpPr txBox="1"/>
+          <p:nvPr/>
+        </p:nvSpPr>
+        <p:spPr>
+          <a:xfrm>
+            <a:off x="2098705" y="3313807"/>
+            <a:ext cx="2855269" cy="707886"/>
+          </a:xfrm>
+          <a:prstGeom prst="rect">
+            <a:avLst/>
+          </a:prstGeom>
+          <a:noFill/>
+        </p:spPr>
+        <p:txBody>
+          <a:bodyPr wrap="none" rtlCol="0">
+            <a:spAutoFit/>
+          </a:bodyPr>
+          <a:lstStyle/>
+          <a:p>
+            <a:r>
+              <a:rPr lang="en-US" sz="2000" b="1" dirty="0">
+                <a:latin typeface="Yu Gothic" panose="020B0400000000000000" pitchFamily="34" charset="-128"/>
+                <a:ea typeface="Yu Gothic" panose="020B0400000000000000" pitchFamily="34" charset="-128"/>
+              </a:rPr>
+              <a:t>IP : 10.0.0.101</a:t>
+            </a:r>
+          </a:p>
+          <a:p>
+            <a:r>
+              <a:rPr lang="en-US" sz="2000" b="1" dirty="0">
+                <a:latin typeface="Yu Gothic" panose="020B0400000000000000" pitchFamily="34" charset="-128"/>
+                <a:ea typeface="Yu Gothic" panose="020B0400000000000000" pitchFamily="34" charset="-128"/>
+              </a:rPr>
+              <a:t>MAC: 0000.0000.0101</a:t>
+            </a:r>
+          </a:p>
+        </p:txBody>
+      </p:sp>
+      <p:sp>
+        <p:nvSpPr>
+          <p:cNvPr id="7" name="TextBox 6">
+            <a:extLst>
+              <a:ext uri="{FF2B5EF4-FFF2-40B4-BE49-F238E27FC236}">
+                <a16:creationId xmlns:a16="http://schemas.microsoft.com/office/drawing/2014/main" id="{2390316B-8911-594F-BDEC-A591556692E5}"/>
+              </a:ext>
+            </a:extLst>
+          </p:cNvPr>
+          <p:cNvSpPr txBox="1"/>
+          <p:nvPr/>
+        </p:nvSpPr>
+        <p:spPr>
+          <a:xfrm>
+            <a:off x="2098704" y="4950435"/>
+            <a:ext cx="2855269" cy="707886"/>
+          </a:xfrm>
+          <a:prstGeom prst="rect">
+            <a:avLst/>
+          </a:prstGeom>
+          <a:noFill/>
+        </p:spPr>
+        <p:txBody>
+          <a:bodyPr wrap="none" rtlCol="0">
+            <a:spAutoFit/>
+          </a:bodyPr>
+          <a:lstStyle/>
+          <a:p>
+            <a:r>
+              <a:rPr lang="en-US" sz="2000" b="1" dirty="0">
+                <a:latin typeface="Yu Gothic" panose="020B0400000000000000" pitchFamily="34" charset="-128"/>
+                <a:ea typeface="Yu Gothic" panose="020B0400000000000000" pitchFamily="34" charset="-128"/>
+              </a:rPr>
+              <a:t>IP : 10.0.0.102</a:t>
+            </a:r>
+          </a:p>
+          <a:p>
+            <a:r>
+              <a:rPr lang="en-US" sz="2000" b="1" dirty="0">
+                <a:latin typeface="Yu Gothic" panose="020B0400000000000000" pitchFamily="34" charset="-128"/>
+                <a:ea typeface="Yu Gothic" panose="020B0400000000000000" pitchFamily="34" charset="-128"/>
+              </a:rPr>
+              <a:t>MAC: 0000.0000.0102</a:t>
+            </a:r>
+          </a:p>
+        </p:txBody>
+      </p:sp>
+      <p:sp>
+        <p:nvSpPr>
+          <p:cNvPr id="8" name="TextBox 7">
+            <a:extLst>
+              <a:ext uri="{FF2B5EF4-FFF2-40B4-BE49-F238E27FC236}">
+                <a16:creationId xmlns:a16="http://schemas.microsoft.com/office/drawing/2014/main" id="{A4EFF298-DAA1-D04B-9ED6-69F70B132474}"/>
+              </a:ext>
+            </a:extLst>
+          </p:cNvPr>
+          <p:cNvSpPr txBox="1"/>
+          <p:nvPr/>
+        </p:nvSpPr>
+        <p:spPr>
+          <a:xfrm>
+            <a:off x="6264261" y="4904268"/>
+            <a:ext cx="756938" cy="400110"/>
+          </a:xfrm>
+          <a:prstGeom prst="rect">
+            <a:avLst/>
+          </a:prstGeom>
+          <a:noFill/>
+        </p:spPr>
+        <p:txBody>
+          <a:bodyPr wrap="none" rtlCol="0">
+            <a:spAutoFit/>
+          </a:bodyPr>
+          <a:lstStyle/>
+          <a:p>
+            <a:r>
+              <a:rPr lang="en-US" sz="2000" b="1" dirty="0">
+                <a:latin typeface="Yu Gothic" panose="020B0400000000000000" pitchFamily="34" charset="-128"/>
+                <a:ea typeface="Yu Gothic" panose="020B0400000000000000" pitchFamily="34" charset="-128"/>
+              </a:rPr>
+              <a:t>g0/1</a:t>
+            </a:r>
+          </a:p>
+        </p:txBody>
+      </p:sp>
+      <p:sp>
+        <p:nvSpPr>
+          <p:cNvPr id="9" name="TextBox 8">
+            <a:extLst>
+              <a:ext uri="{FF2B5EF4-FFF2-40B4-BE49-F238E27FC236}">
+                <a16:creationId xmlns:a16="http://schemas.microsoft.com/office/drawing/2014/main" id="{0F458B57-4684-2C40-946D-040AA934F46B}"/>
+              </a:ext>
+            </a:extLst>
+          </p:cNvPr>
+          <p:cNvSpPr txBox="1"/>
+          <p:nvPr/>
+        </p:nvSpPr>
+        <p:spPr>
+          <a:xfrm>
+            <a:off x="6264261" y="3407541"/>
+            <a:ext cx="756938" cy="400110"/>
+          </a:xfrm>
+          <a:prstGeom prst="rect">
+            <a:avLst/>
+          </a:prstGeom>
+          <a:noFill/>
+        </p:spPr>
+        <p:txBody>
+          <a:bodyPr wrap="none" rtlCol="0">
+            <a:spAutoFit/>
+          </a:bodyPr>
+          <a:lstStyle/>
+          <a:p>
+            <a:r>
+              <a:rPr lang="en-US" sz="2000" b="1" dirty="0">
+                <a:latin typeface="Yu Gothic" panose="020B0400000000000000" pitchFamily="34" charset="-128"/>
+                <a:ea typeface="Yu Gothic" panose="020B0400000000000000" pitchFamily="34" charset="-128"/>
+              </a:rPr>
+              <a:t>g0/1</a:t>
+            </a:r>
+          </a:p>
+        </p:txBody>
+      </p:sp>
+      <p:sp>
+        <p:nvSpPr>
+          <p:cNvPr id="10" name="TextBox 9">
+            <a:extLst>
+              <a:ext uri="{FF2B5EF4-FFF2-40B4-BE49-F238E27FC236}">
+                <a16:creationId xmlns:a16="http://schemas.microsoft.com/office/drawing/2014/main" id="{36259F1D-CC00-F549-AD83-739D738904FA}"/>
+              </a:ext>
+            </a:extLst>
+          </p:cNvPr>
+          <p:cNvSpPr txBox="1"/>
+          <p:nvPr/>
+        </p:nvSpPr>
+        <p:spPr>
+          <a:xfrm>
+            <a:off x="7178168" y="4908622"/>
+            <a:ext cx="756938" cy="400110"/>
+          </a:xfrm>
+          <a:prstGeom prst="rect">
+            <a:avLst/>
+          </a:prstGeom>
+          <a:noFill/>
+        </p:spPr>
+        <p:txBody>
+          <a:bodyPr wrap="none" rtlCol="0">
+            <a:spAutoFit/>
+          </a:bodyPr>
+          <a:lstStyle/>
+          <a:p>
+            <a:r>
+              <a:rPr lang="en-US" sz="2000" b="1" dirty="0">
+                <a:latin typeface="Yu Gothic" panose="020B0400000000000000" pitchFamily="34" charset="-128"/>
+                <a:ea typeface="Yu Gothic" panose="020B0400000000000000" pitchFamily="34" charset="-128"/>
+              </a:rPr>
+              <a:t>g0/2</a:t>
+            </a:r>
+          </a:p>
+        </p:txBody>
+      </p:sp>
+      <p:sp>
+        <p:nvSpPr>
+          <p:cNvPr id="11" name="TextBox 10">
+            <a:extLst>
+              <a:ext uri="{FF2B5EF4-FFF2-40B4-BE49-F238E27FC236}">
+                <a16:creationId xmlns:a16="http://schemas.microsoft.com/office/drawing/2014/main" id="{7B7D1B93-E964-0F4F-B8B8-844A7F02F284}"/>
+              </a:ext>
+            </a:extLst>
+          </p:cNvPr>
+          <p:cNvSpPr txBox="1"/>
+          <p:nvPr/>
+        </p:nvSpPr>
+        <p:spPr>
+          <a:xfrm>
+            <a:off x="7994889" y="4495418"/>
+            <a:ext cx="756938" cy="400110"/>
+          </a:xfrm>
+          <a:prstGeom prst="rect">
+            <a:avLst/>
+          </a:prstGeom>
+          <a:noFill/>
+        </p:spPr>
+        <p:txBody>
+          <a:bodyPr wrap="none" rtlCol="0">
+            <a:spAutoFit/>
+          </a:bodyPr>
+          <a:lstStyle/>
+          <a:p>
+            <a:r>
+              <a:rPr lang="en-US" sz="2000" b="1" dirty="0">
+                <a:latin typeface="Yu Gothic" panose="020B0400000000000000" pitchFamily="34" charset="-128"/>
+                <a:ea typeface="Yu Gothic" panose="020B0400000000000000" pitchFamily="34" charset="-128"/>
+              </a:rPr>
+              <a:t>g0/1</a:t>
+            </a:r>
+          </a:p>
+        </p:txBody>
+      </p:sp>
       <p:pic>
         <p:nvPicPr>
-          <p:cNvPr id="46" name="Picture 45">
-            <a:extLst>
-              <a:ext uri="{FF2B5EF4-FFF2-40B4-BE49-F238E27FC236}">
-                <a16:creationId xmlns:a16="http://schemas.microsoft.com/office/drawing/2014/main" id="{2874AAC5-35F5-B742-9AD1-09FF158769E3}"/>
+          <p:cNvPr id="12" name="Picture 11">
+            <a:extLst>
+              <a:ext uri="{FF2B5EF4-FFF2-40B4-BE49-F238E27FC236}">
+                <a16:creationId xmlns:a16="http://schemas.microsoft.com/office/drawing/2014/main" id="{79DF538E-F6CC-2147-B556-A506FE402333}"/>
               </a:ext>
             </a:extLst>
           </p:cNvPr>
@@ -5415,7 +5554,7 @@
         </p:blipFill>
         <p:spPr>
           <a:xfrm>
-            <a:off x="3671386" y="1239570"/>
+            <a:off x="5062864" y="3008735"/>
             <a:ext cx="1318030" cy="1318030"/>
           </a:xfrm>
           <a:prstGeom prst="rect">
@@ -5425,10 +5564,10 @@
       </p:pic>
       <p:pic>
         <p:nvPicPr>
-          <p:cNvPr id="11" name="Picture 10">
-            <a:extLst>
-              <a:ext uri="{FF2B5EF4-FFF2-40B4-BE49-F238E27FC236}">
-                <a16:creationId xmlns:a16="http://schemas.microsoft.com/office/drawing/2014/main" id="{F52CD117-BF1F-F241-85F7-E82F20E86ECE}"/>
+          <p:cNvPr id="13" name="Picture 12">
+            <a:extLst>
+              <a:ext uri="{FF2B5EF4-FFF2-40B4-BE49-F238E27FC236}">
+                <a16:creationId xmlns:a16="http://schemas.microsoft.com/office/drawing/2014/main" id="{599FC3E7-FDD1-B54C-B470-7ABAC6565CF2}"/>
               </a:ext>
             </a:extLst>
           </p:cNvPr>
@@ -5438,7 +5577,7 @@
           <p:nvPr/>
         </p:nvPicPr>
         <p:blipFill>
-          <a:blip r:embed="rId2">
+          <a:blip r:embed="rId3">
             <a:extLst>
               <a:ext uri="{28A0092B-C50C-407E-A947-70E740481C1C}">
                 <a14:useLocalDpi xmlns:a14="http://schemas.microsoft.com/office/drawing/2010/main" val="0"/>
@@ -5451,7 +5590,43 @@
         </p:blipFill>
         <p:spPr>
           <a:xfrm>
-            <a:off x="3667323" y="4615855"/>
+            <a:off x="7989065" y="4772014"/>
+            <a:ext cx="1210903" cy="1210903"/>
+          </a:xfrm>
+          <a:prstGeom prst="rect">
+            <a:avLst/>
+          </a:prstGeom>
+        </p:spPr>
+      </p:pic>
+      <p:pic>
+        <p:nvPicPr>
+          <p:cNvPr id="14" name="Picture 13">
+            <a:extLst>
+              <a:ext uri="{FF2B5EF4-FFF2-40B4-BE49-F238E27FC236}">
+                <a16:creationId xmlns:a16="http://schemas.microsoft.com/office/drawing/2014/main" id="{156F7A81-0031-F44D-83DB-D9192AEA6D37}"/>
+              </a:ext>
+            </a:extLst>
+          </p:cNvPr>
+          <p:cNvPicPr>
+            <a:picLocks noChangeAspect="1"/>
+          </p:cNvPicPr>
+          <p:nvPr/>
+        </p:nvPicPr>
+        <p:blipFill>
+          <a:blip r:embed="rId2">
+            <a:extLst>
+              <a:ext uri="{28A0092B-C50C-407E-A947-70E740481C1C}">
+                <a14:useLocalDpi xmlns:a14="http://schemas.microsoft.com/office/drawing/2010/main" val="0"/>
+              </a:ext>
+            </a:extLst>
+          </a:blip>
+          <a:stretch>
+            <a:fillRect/>
+          </a:stretch>
+        </p:blipFill>
+        <p:spPr>
+          <a:xfrm>
+            <a:off x="5062864" y="4718450"/>
             <a:ext cx="1318030" cy="1318030"/>
           </a:xfrm>
           <a:prstGeom prst="rect">
@@ -5459,127 +5634,280 @@
           </a:prstGeom>
         </p:spPr>
       </p:pic>
-      <p:cxnSp>
-        <p:nvCxnSpPr>
-          <p:cNvPr id="14" name="Straight Connector 13">
-            <a:extLst>
-              <a:ext uri="{FF2B5EF4-FFF2-40B4-BE49-F238E27FC236}">
-                <a16:creationId xmlns:a16="http://schemas.microsoft.com/office/drawing/2014/main" id="{C3863D73-C491-4E4D-80D0-897146A5D57D}"/>
-              </a:ext>
-            </a:extLst>
-          </p:cNvPr>
-          <p:cNvCxnSpPr>
-            <a:cxnSpLocks/>
-          </p:cNvCxnSpPr>
-          <p:nvPr/>
-        </p:nvCxnSpPr>
-        <p:spPr>
-          <a:xfrm>
-            <a:off x="4431225" y="3608300"/>
-            <a:ext cx="2634410" cy="0"/>
-          </a:xfrm>
-          <a:prstGeom prst="line">
-            <a:avLst/>
-          </a:prstGeom>
-          <a:ln w="76200">
-            <a:solidFill>
-              <a:schemeClr val="tx1"/>
-            </a:solidFill>
+      <p:sp>
+        <p:nvSpPr>
+          <p:cNvPr id="3" name="Left Arrow 2">
+            <a:extLst>
+              <a:ext uri="{FF2B5EF4-FFF2-40B4-BE49-F238E27FC236}">
+                <a16:creationId xmlns:a16="http://schemas.microsoft.com/office/drawing/2014/main" id="{71C30DA1-826F-2D46-A14C-9E9CADF01721}"/>
+              </a:ext>
+            </a:extLst>
+          </p:cNvPr>
+          <p:cNvSpPr/>
+          <p:nvPr/>
+        </p:nvSpPr>
+        <p:spPr>
+          <a:xfrm>
+            <a:off x="1172818" y="1590261"/>
+            <a:ext cx="1063487" cy="526774"/>
+          </a:xfrm>
+          <a:prstGeom prst="leftArrow">
+            <a:avLst/>
+          </a:prstGeom>
+          <a:solidFill>
+            <a:schemeClr val="tx1"/>
+          </a:solidFill>
+          <a:ln>
+            <a:noFill/>
           </a:ln>
         </p:spPr>
         <p:style>
-          <a:lnRef idx="1">
-            <a:schemeClr val="accent1"/>
+          <a:lnRef idx="2">
+            <a:schemeClr val="accent1">
+              <a:shade val="50000"/>
+            </a:schemeClr>
           </a:lnRef>
-          <a:fillRef idx="0">
+          <a:fillRef idx="1">
             <a:schemeClr val="accent1"/>
           </a:fillRef>
           <a:effectRef idx="0">
             <a:schemeClr val="accent1"/>
           </a:effectRef>
           <a:fontRef idx="minor">
-            <a:schemeClr val="tx1"/>
+            <a:schemeClr val="lt1"/>
           </a:fontRef>
         </p:style>
-      </p:cxnSp>
-      <p:pic>
-        <p:nvPicPr>
-          <p:cNvPr id="18" name="Picture 17">
-            <a:extLst>
-              <a:ext uri="{FF2B5EF4-FFF2-40B4-BE49-F238E27FC236}">
-                <a16:creationId xmlns:a16="http://schemas.microsoft.com/office/drawing/2014/main" id="{9924E9B5-3169-584B-8FC2-F5775EF0CFC1}"/>
-              </a:ext>
-            </a:extLst>
-          </p:cNvPr>
-          <p:cNvPicPr>
-            <a:picLocks noChangeAspect="1"/>
-          </p:cNvPicPr>
-          <p:nvPr/>
-        </p:nvPicPr>
-        <p:blipFill>
-          <a:blip r:embed="rId3">
-            <a:extLst>
-              <a:ext uri="{28A0092B-C50C-407E-A947-70E740481C1C}">
-                <a14:useLocalDpi xmlns:a14="http://schemas.microsoft.com/office/drawing/2010/main" val="0"/>
-              </a:ext>
-            </a:extLst>
-          </a:blip>
-          <a:stretch>
-            <a:fillRect/>
-          </a:stretch>
-        </p:blipFill>
-        <p:spPr>
-          <a:xfrm>
-            <a:off x="6597587" y="3002849"/>
-            <a:ext cx="1210903" cy="1210903"/>
+        <p:txBody>
+          <a:bodyPr rtlCol="0" anchor="ctr"/>
+          <a:lstStyle/>
+          <a:p>
+            <a:pPr algn="ctr"/>
+            <a:endParaRPr lang="en-US"/>
+          </a:p>
+        </p:txBody>
+      </p:sp>
+      <p:sp>
+        <p:nvSpPr>
+          <p:cNvPr id="27" name="Rectangle 26">
+            <a:extLst>
+              <a:ext uri="{FF2B5EF4-FFF2-40B4-BE49-F238E27FC236}">
+                <a16:creationId xmlns:a16="http://schemas.microsoft.com/office/drawing/2014/main" id="{57282C45-88A8-0F41-B285-E1138B2624D6}"/>
+              </a:ext>
+            </a:extLst>
+          </p:cNvPr>
+          <p:cNvSpPr/>
+          <p:nvPr/>
+        </p:nvSpPr>
+        <p:spPr>
+          <a:xfrm>
+            <a:off x="1843283" y="1500754"/>
+            <a:ext cx="1734800" cy="695739"/>
           </a:xfrm>
           <a:prstGeom prst="rect">
             <a:avLst/>
           </a:prstGeom>
-        </p:spPr>
-      </p:pic>
-      <p:pic>
-        <p:nvPicPr>
-          <p:cNvPr id="19" name="Picture 18">
-            <a:extLst>
-              <a:ext uri="{FF2B5EF4-FFF2-40B4-BE49-F238E27FC236}">
-                <a16:creationId xmlns:a16="http://schemas.microsoft.com/office/drawing/2014/main" id="{9AE523C0-FDB4-524B-AB71-59A614D80C4C}"/>
-              </a:ext>
-            </a:extLst>
-          </p:cNvPr>
-          <p:cNvPicPr>
-            <a:picLocks noChangeAspect="1"/>
-          </p:cNvPicPr>
-          <p:nvPr/>
-        </p:nvPicPr>
-        <p:blipFill>
-          <a:blip r:embed="rId2">
-            <a:extLst>
-              <a:ext uri="{28A0092B-C50C-407E-A947-70E740481C1C}">
-                <a14:useLocalDpi xmlns:a14="http://schemas.microsoft.com/office/drawing/2010/main" val="0"/>
-              </a:ext>
-            </a:extLst>
-          </a:blip>
-          <a:stretch>
-            <a:fillRect/>
-          </a:stretch>
-        </p:blipFill>
-        <p:spPr>
-          <a:xfrm>
-            <a:off x="3671386" y="2949285"/>
-            <a:ext cx="1318030" cy="1318030"/>
+          <a:solidFill>
+            <a:schemeClr val="accent2"/>
+          </a:solidFill>
+          <a:ln w="38100">
+            <a:solidFill>
+              <a:schemeClr val="tx1"/>
+            </a:solidFill>
+          </a:ln>
+        </p:spPr>
+        <p:style>
+          <a:lnRef idx="2">
+            <a:schemeClr val="accent1">
+              <a:shade val="50000"/>
+            </a:schemeClr>
+          </a:lnRef>
+          <a:fillRef idx="1">
+            <a:schemeClr val="accent1"/>
+          </a:fillRef>
+          <a:effectRef idx="0">
+            <a:schemeClr val="accent1"/>
+          </a:effectRef>
+          <a:fontRef idx="minor">
+            <a:schemeClr val="lt1"/>
+          </a:fontRef>
+        </p:style>
+        <p:txBody>
+          <a:bodyPr rtlCol="0" anchor="ctr"/>
+          <a:lstStyle/>
+          <a:p>
+            <a:pPr algn="ctr"/>
+            <a:endParaRPr lang="en-US"/>
+          </a:p>
+        </p:txBody>
+      </p:sp>
+      <p:sp>
+        <p:nvSpPr>
+          <p:cNvPr id="28" name="Rectangle 27">
+            <a:extLst>
+              <a:ext uri="{FF2B5EF4-FFF2-40B4-BE49-F238E27FC236}">
+                <a16:creationId xmlns:a16="http://schemas.microsoft.com/office/drawing/2014/main" id="{F9C3FB03-5C62-4B4F-8829-5F68D98D7E7E}"/>
+              </a:ext>
+            </a:extLst>
+          </p:cNvPr>
+          <p:cNvSpPr/>
+          <p:nvPr/>
+        </p:nvSpPr>
+        <p:spPr>
+          <a:xfrm>
+            <a:off x="5307495" y="1500751"/>
+            <a:ext cx="924338" cy="695739"/>
           </a:xfrm>
           <a:prstGeom prst="rect">
             <a:avLst/>
           </a:prstGeom>
-        </p:spPr>
-      </p:pic>
-      <p:sp>
-        <p:nvSpPr>
-          <p:cNvPr id="20" name="TextBox 19">
-            <a:extLst>
-              <a:ext uri="{FF2B5EF4-FFF2-40B4-BE49-F238E27FC236}">
-                <a16:creationId xmlns:a16="http://schemas.microsoft.com/office/drawing/2014/main" id="{2E02E085-3CAF-BD47-B994-2BE369B03CBB}"/>
+          <a:solidFill>
+            <a:schemeClr val="accent2"/>
+          </a:solidFill>
+          <a:ln w="38100">
+            <a:solidFill>
+              <a:schemeClr val="tx1"/>
+            </a:solidFill>
+          </a:ln>
+        </p:spPr>
+        <p:style>
+          <a:lnRef idx="2">
+            <a:schemeClr val="accent1">
+              <a:shade val="50000"/>
+            </a:schemeClr>
+          </a:lnRef>
+          <a:fillRef idx="1">
+            <a:schemeClr val="accent1"/>
+          </a:fillRef>
+          <a:effectRef idx="0">
+            <a:schemeClr val="accent1"/>
+          </a:effectRef>
+          <a:fontRef idx="minor">
+            <a:schemeClr val="lt1"/>
+          </a:fontRef>
+        </p:style>
+        <p:txBody>
+          <a:bodyPr rtlCol="0" anchor="ctr"/>
+          <a:lstStyle/>
+          <a:p>
+            <a:pPr algn="ctr"/>
+            <a:endParaRPr lang="en-US"/>
+          </a:p>
+        </p:txBody>
+      </p:sp>
+      <p:sp>
+        <p:nvSpPr>
+          <p:cNvPr id="29" name="Rectangle 28">
+            <a:extLst>
+              <a:ext uri="{FF2B5EF4-FFF2-40B4-BE49-F238E27FC236}">
+                <a16:creationId xmlns:a16="http://schemas.microsoft.com/office/drawing/2014/main" id="{D9CA09D0-451E-F147-A44E-288483F9404E}"/>
+              </a:ext>
+            </a:extLst>
+          </p:cNvPr>
+          <p:cNvSpPr/>
+          <p:nvPr/>
+        </p:nvSpPr>
+        <p:spPr>
+          <a:xfrm>
+            <a:off x="6231833" y="1500751"/>
+            <a:ext cx="3156097" cy="695739"/>
+          </a:xfrm>
+          <a:prstGeom prst="rect">
+            <a:avLst/>
+          </a:prstGeom>
+          <a:solidFill>
+            <a:schemeClr val="bg2"/>
+          </a:solidFill>
+          <a:ln w="38100">
+            <a:solidFill>
+              <a:schemeClr val="tx1"/>
+            </a:solidFill>
+          </a:ln>
+        </p:spPr>
+        <p:style>
+          <a:lnRef idx="2">
+            <a:schemeClr val="accent1">
+              <a:shade val="50000"/>
+            </a:schemeClr>
+          </a:lnRef>
+          <a:fillRef idx="1">
+            <a:schemeClr val="accent1"/>
+          </a:fillRef>
+          <a:effectRef idx="0">
+            <a:schemeClr val="accent1"/>
+          </a:effectRef>
+          <a:fontRef idx="minor">
+            <a:schemeClr val="lt1"/>
+          </a:fontRef>
+        </p:style>
+        <p:txBody>
+          <a:bodyPr rtlCol="0" anchor="ctr"/>
+          <a:lstStyle/>
+          <a:p>
+            <a:pPr algn="ctr"/>
+            <a:endParaRPr lang="en-US"/>
+          </a:p>
+        </p:txBody>
+      </p:sp>
+      <p:sp>
+        <p:nvSpPr>
+          <p:cNvPr id="30" name="Rectangle 29">
+            <a:extLst>
+              <a:ext uri="{FF2B5EF4-FFF2-40B4-BE49-F238E27FC236}">
+                <a16:creationId xmlns:a16="http://schemas.microsoft.com/office/drawing/2014/main" id="{BC5574C6-C6EA-6641-94CB-8AB4038356AD}"/>
+              </a:ext>
+            </a:extLst>
+          </p:cNvPr>
+          <p:cNvSpPr/>
+          <p:nvPr/>
+        </p:nvSpPr>
+        <p:spPr>
+          <a:xfrm>
+            <a:off x="9387930" y="1500751"/>
+            <a:ext cx="924338" cy="695739"/>
+          </a:xfrm>
+          <a:prstGeom prst="rect">
+            <a:avLst/>
+          </a:prstGeom>
+          <a:solidFill>
+            <a:schemeClr val="accent2"/>
+          </a:solidFill>
+          <a:ln w="38100">
+            <a:solidFill>
+              <a:schemeClr val="tx1"/>
+            </a:solidFill>
+          </a:ln>
+        </p:spPr>
+        <p:style>
+          <a:lnRef idx="2">
+            <a:schemeClr val="accent1">
+              <a:shade val="50000"/>
+            </a:schemeClr>
+          </a:lnRef>
+          <a:fillRef idx="1">
+            <a:schemeClr val="accent1"/>
+          </a:fillRef>
+          <a:effectRef idx="0">
+            <a:schemeClr val="accent1"/>
+          </a:effectRef>
+          <a:fontRef idx="minor">
+            <a:schemeClr val="lt1"/>
+          </a:fontRef>
+        </p:style>
+        <p:txBody>
+          <a:bodyPr rtlCol="0" anchor="ctr"/>
+          <a:lstStyle/>
+          <a:p>
+            <a:pPr algn="ctr"/>
+            <a:endParaRPr lang="en-US"/>
+          </a:p>
+        </p:txBody>
+      </p:sp>
+      <p:sp>
+        <p:nvSpPr>
+          <p:cNvPr id="31" name="TextBox 30">
+            <a:extLst>
+              <a:ext uri="{FF2B5EF4-FFF2-40B4-BE49-F238E27FC236}">
+                <a16:creationId xmlns:a16="http://schemas.microsoft.com/office/drawing/2014/main" id="{D0822A6B-2B8B-8342-BEDB-3A5113DF2A33}"/>
               </a:ext>
             </a:extLst>
           </p:cNvPr>
@@ -5588,8 +5916,8 @@
         </p:nvSpPr>
         <p:spPr>
           <a:xfrm>
-            <a:off x="5218425" y="6039965"/>
-            <a:ext cx="1893467" cy="523220"/>
+            <a:off x="1893106" y="1550159"/>
+            <a:ext cx="1651414" cy="646331"/>
           </a:xfrm>
           <a:prstGeom prst="rect">
             <a:avLst/>
@@ -5602,971 +5930,108 @@
           </a:bodyPr>
           <a:lstStyle/>
           <a:p>
-            <a:r>
-              <a:rPr lang="en-US" sz="2800" b="1" dirty="0">
-                <a:latin typeface="Yu Gothic" panose="020B0400000000000000" pitchFamily="34" charset="-128"/>
-                <a:ea typeface="Yu Gothic" panose="020B0400000000000000" pitchFamily="34" charset="-128"/>
-              </a:rPr>
-              <a:t>10.0.0.0/8</a:t>
-            </a:r>
-          </a:p>
-        </p:txBody>
-      </p:sp>
-      <p:sp>
-        <p:nvSpPr>
-          <p:cNvPr id="22" name="TextBox 21">
-            <a:extLst>
-              <a:ext uri="{FF2B5EF4-FFF2-40B4-BE49-F238E27FC236}">
-                <a16:creationId xmlns:a16="http://schemas.microsoft.com/office/drawing/2014/main" id="{33376BAD-646D-6E42-B7D8-9B45445AC948}"/>
-              </a:ext>
-            </a:extLst>
-          </p:cNvPr>
-          <p:cNvSpPr txBox="1"/>
-          <p:nvPr/>
-        </p:nvSpPr>
-        <p:spPr>
-          <a:xfrm>
-            <a:off x="707227" y="1544642"/>
-            <a:ext cx="2855269" cy="707886"/>
-          </a:xfrm>
-          <a:prstGeom prst="rect">
-            <a:avLst/>
-          </a:prstGeom>
-          <a:noFill/>
-        </p:spPr>
-        <p:txBody>
-          <a:bodyPr wrap="none" rtlCol="0">
-            <a:spAutoFit/>
-          </a:bodyPr>
-          <a:lstStyle/>
-          <a:p>
-            <a:r>
-              <a:rPr lang="en-US" sz="2000" b="1" dirty="0">
-                <a:latin typeface="Yu Gothic" panose="020B0400000000000000" pitchFamily="34" charset="-128"/>
-                <a:ea typeface="Yu Gothic" panose="020B0400000000000000" pitchFamily="34" charset="-128"/>
-              </a:rPr>
-              <a:t>IP : 10.0.0.101</a:t>
-            </a:r>
-          </a:p>
-          <a:p>
-            <a:r>
-              <a:rPr lang="en-US" sz="2000" b="1" dirty="0">
-                <a:latin typeface="Yu Gothic" panose="020B0400000000000000" pitchFamily="34" charset="-128"/>
-                <a:ea typeface="Yu Gothic" panose="020B0400000000000000" pitchFamily="34" charset="-128"/>
-              </a:rPr>
-              <a:t>MAC: 0000.0000.0101</a:t>
-            </a:r>
-          </a:p>
-        </p:txBody>
-      </p:sp>
-      <p:sp>
-        <p:nvSpPr>
-          <p:cNvPr id="23" name="TextBox 22">
-            <a:extLst>
-              <a:ext uri="{FF2B5EF4-FFF2-40B4-BE49-F238E27FC236}">
-                <a16:creationId xmlns:a16="http://schemas.microsoft.com/office/drawing/2014/main" id="{A53B61CA-02A0-6F4F-BE0F-2F3C024E80BF}"/>
-              </a:ext>
-            </a:extLst>
-          </p:cNvPr>
-          <p:cNvSpPr txBox="1"/>
-          <p:nvPr/>
-        </p:nvSpPr>
-        <p:spPr>
-          <a:xfrm>
-            <a:off x="707226" y="3181270"/>
-            <a:ext cx="2855269" cy="707886"/>
-          </a:xfrm>
-          <a:prstGeom prst="rect">
-            <a:avLst/>
-          </a:prstGeom>
-          <a:noFill/>
-        </p:spPr>
-        <p:txBody>
-          <a:bodyPr wrap="none" rtlCol="0">
-            <a:spAutoFit/>
-          </a:bodyPr>
-          <a:lstStyle/>
-          <a:p>
-            <a:r>
-              <a:rPr lang="en-US" sz="2000" b="1" dirty="0">
-                <a:latin typeface="Yu Gothic" panose="020B0400000000000000" pitchFamily="34" charset="-128"/>
-                <a:ea typeface="Yu Gothic" panose="020B0400000000000000" pitchFamily="34" charset="-128"/>
-              </a:rPr>
-              <a:t>IP : 10.0.0.102</a:t>
-            </a:r>
-          </a:p>
-          <a:p>
-            <a:r>
-              <a:rPr lang="en-US" sz="2000" b="1" dirty="0">
-                <a:latin typeface="Yu Gothic" panose="020B0400000000000000" pitchFamily="34" charset="-128"/>
-                <a:ea typeface="Yu Gothic" panose="020B0400000000000000" pitchFamily="34" charset="-128"/>
-              </a:rPr>
-              <a:t>MAC: 0000.0000.0102</a:t>
-            </a:r>
-          </a:p>
-        </p:txBody>
-      </p:sp>
-      <p:sp>
-        <p:nvSpPr>
-          <p:cNvPr id="24" name="TextBox 23">
-            <a:extLst>
-              <a:ext uri="{FF2B5EF4-FFF2-40B4-BE49-F238E27FC236}">
-                <a16:creationId xmlns:a16="http://schemas.microsoft.com/office/drawing/2014/main" id="{D6A80AB9-CFC2-FD41-AAD2-60B5E0C259BD}"/>
-              </a:ext>
-            </a:extLst>
-          </p:cNvPr>
-          <p:cNvSpPr txBox="1"/>
-          <p:nvPr/>
-        </p:nvSpPr>
-        <p:spPr>
-          <a:xfrm>
-            <a:off x="707226" y="4920927"/>
-            <a:ext cx="2855269" cy="707886"/>
-          </a:xfrm>
-          <a:prstGeom prst="rect">
-            <a:avLst/>
-          </a:prstGeom>
-          <a:noFill/>
-        </p:spPr>
-        <p:txBody>
-          <a:bodyPr wrap="none" rtlCol="0">
-            <a:spAutoFit/>
-          </a:bodyPr>
-          <a:lstStyle/>
-          <a:p>
-            <a:r>
-              <a:rPr lang="en-US" sz="2000" b="1" dirty="0">
-                <a:latin typeface="Yu Gothic" panose="020B0400000000000000" pitchFamily="34" charset="-128"/>
-                <a:ea typeface="Yu Gothic" panose="020B0400000000000000" pitchFamily="34" charset="-128"/>
-              </a:rPr>
-              <a:t>IP : 10.0.0.102</a:t>
-            </a:r>
-          </a:p>
-          <a:p>
-            <a:r>
-              <a:rPr lang="en-US" sz="2000" b="1" dirty="0">
-                <a:latin typeface="Yu Gothic" panose="020B0400000000000000" pitchFamily="34" charset="-128"/>
-                <a:ea typeface="Yu Gothic" panose="020B0400000000000000" pitchFamily="34" charset="-128"/>
-              </a:rPr>
-              <a:t>MAC: 0000.0000.0103</a:t>
-            </a:r>
-          </a:p>
-        </p:txBody>
-      </p:sp>
-      <p:sp>
-        <p:nvSpPr>
-          <p:cNvPr id="26" name="TextBox 25">
-            <a:extLst>
-              <a:ext uri="{FF2B5EF4-FFF2-40B4-BE49-F238E27FC236}">
-                <a16:creationId xmlns:a16="http://schemas.microsoft.com/office/drawing/2014/main" id="{152A208E-A91A-8447-982B-97CBA7C622E2}"/>
-              </a:ext>
-            </a:extLst>
-          </p:cNvPr>
-          <p:cNvSpPr txBox="1"/>
-          <p:nvPr/>
-        </p:nvSpPr>
-        <p:spPr>
-          <a:xfrm>
-            <a:off x="4872390" y="3734400"/>
-            <a:ext cx="756938" cy="400110"/>
-          </a:xfrm>
-          <a:prstGeom prst="rect">
-            <a:avLst/>
-          </a:prstGeom>
-          <a:noFill/>
-        </p:spPr>
-        <p:txBody>
-          <a:bodyPr wrap="none" rtlCol="0">
-            <a:spAutoFit/>
-          </a:bodyPr>
-          <a:lstStyle/>
-          <a:p>
-            <a:r>
-              <a:rPr lang="en-US" sz="2000" b="1" dirty="0">
-                <a:latin typeface="Yu Gothic" panose="020B0400000000000000" pitchFamily="34" charset="-128"/>
-                <a:ea typeface="Yu Gothic" panose="020B0400000000000000" pitchFamily="34" charset="-128"/>
-              </a:rPr>
-              <a:t>g0/1</a:t>
-            </a:r>
-          </a:p>
-        </p:txBody>
-      </p:sp>
-      <p:sp>
-        <p:nvSpPr>
-          <p:cNvPr id="28" name="TextBox 27">
-            <a:extLst>
-              <a:ext uri="{FF2B5EF4-FFF2-40B4-BE49-F238E27FC236}">
-                <a16:creationId xmlns:a16="http://schemas.microsoft.com/office/drawing/2014/main" id="{D87D9620-6A03-CB48-8761-4DD357E4C665}"/>
-              </a:ext>
-            </a:extLst>
-          </p:cNvPr>
-          <p:cNvSpPr txBox="1"/>
-          <p:nvPr/>
-        </p:nvSpPr>
-        <p:spPr>
-          <a:xfrm>
-            <a:off x="5786690" y="3139457"/>
-            <a:ext cx="756938" cy="400110"/>
-          </a:xfrm>
-          <a:prstGeom prst="rect">
-            <a:avLst/>
-          </a:prstGeom>
-          <a:noFill/>
-        </p:spPr>
-        <p:txBody>
-          <a:bodyPr wrap="none" rtlCol="0">
-            <a:spAutoFit/>
-          </a:bodyPr>
-          <a:lstStyle/>
-          <a:p>
-            <a:r>
-              <a:rPr lang="en-US" sz="2000" b="1" dirty="0">
-                <a:latin typeface="Yu Gothic" panose="020B0400000000000000" pitchFamily="34" charset="-128"/>
-                <a:ea typeface="Yu Gothic" panose="020B0400000000000000" pitchFamily="34" charset="-128"/>
-              </a:rPr>
-              <a:t>g0/2</a:t>
-            </a:r>
-          </a:p>
-        </p:txBody>
-      </p:sp>
-      <p:sp>
-        <p:nvSpPr>
-          <p:cNvPr id="30" name="TextBox 29">
-            <a:extLst>
-              <a:ext uri="{FF2B5EF4-FFF2-40B4-BE49-F238E27FC236}">
-                <a16:creationId xmlns:a16="http://schemas.microsoft.com/office/drawing/2014/main" id="{5AFDAE47-B587-2247-8CF1-54E41A6636D8}"/>
-              </a:ext>
-            </a:extLst>
-          </p:cNvPr>
-          <p:cNvSpPr txBox="1"/>
-          <p:nvPr/>
-        </p:nvSpPr>
-        <p:spPr>
-          <a:xfrm>
-            <a:off x="6603411" y="2726253"/>
-            <a:ext cx="756938" cy="400110"/>
-          </a:xfrm>
-          <a:prstGeom prst="rect">
-            <a:avLst/>
-          </a:prstGeom>
-          <a:noFill/>
-        </p:spPr>
-        <p:txBody>
-          <a:bodyPr wrap="none" rtlCol="0">
-            <a:spAutoFit/>
-          </a:bodyPr>
-          <a:lstStyle/>
-          <a:p>
-            <a:r>
-              <a:rPr lang="en-US" sz="2000" b="1" dirty="0">
-                <a:latin typeface="Yu Gothic" panose="020B0400000000000000" pitchFamily="34" charset="-128"/>
-                <a:ea typeface="Yu Gothic" panose="020B0400000000000000" pitchFamily="34" charset="-128"/>
-              </a:rPr>
-              <a:t>g0/1</a:t>
-            </a:r>
-          </a:p>
-        </p:txBody>
-      </p:sp>
-      <p:sp>
-        <p:nvSpPr>
-          <p:cNvPr id="31" name="TextBox 30">
-            <a:extLst>
-              <a:ext uri="{FF2B5EF4-FFF2-40B4-BE49-F238E27FC236}">
-                <a16:creationId xmlns:a16="http://schemas.microsoft.com/office/drawing/2014/main" id="{5B92D4B7-3C93-6A41-8F11-0337C68ADDB0}"/>
-              </a:ext>
-            </a:extLst>
-          </p:cNvPr>
-          <p:cNvSpPr txBox="1"/>
-          <p:nvPr/>
-        </p:nvSpPr>
-        <p:spPr>
-          <a:xfrm>
-            <a:off x="6597587" y="4059457"/>
-            <a:ext cx="756938" cy="400110"/>
-          </a:xfrm>
-          <a:prstGeom prst="rect">
-            <a:avLst/>
-          </a:prstGeom>
-          <a:noFill/>
-        </p:spPr>
-        <p:txBody>
-          <a:bodyPr wrap="none" rtlCol="0">
-            <a:spAutoFit/>
-          </a:bodyPr>
-          <a:lstStyle/>
-          <a:p>
-            <a:r>
-              <a:rPr lang="en-US" sz="2000" b="1" dirty="0">
-                <a:latin typeface="Yu Gothic" panose="020B0400000000000000" pitchFamily="34" charset="-128"/>
-                <a:ea typeface="Yu Gothic" panose="020B0400000000000000" pitchFamily="34" charset="-128"/>
-              </a:rPr>
-              <a:t>g0/3</a:t>
-            </a:r>
-          </a:p>
-        </p:txBody>
-      </p:sp>
-      <p:graphicFrame>
-        <p:nvGraphicFramePr>
-          <p:cNvPr id="2" name="Table 1">
-            <a:extLst>
-              <a:ext uri="{FF2B5EF4-FFF2-40B4-BE49-F238E27FC236}">
-                <a16:creationId xmlns:a16="http://schemas.microsoft.com/office/drawing/2014/main" id="{CF89622C-A610-D94E-A6CE-5828C3C85F74}"/>
-              </a:ext>
-            </a:extLst>
-          </p:cNvPr>
-          <p:cNvGraphicFramePr>
-            <a:graphicFrameLocks noGrp="1"/>
-          </p:cNvGraphicFramePr>
-          <p:nvPr>
-            <p:extLst>
-              <p:ext uri="{D42A27DB-BD31-4B8C-83A1-F6EECF244321}">
-                <p14:modId xmlns:p14="http://schemas.microsoft.com/office/powerpoint/2010/main" val="669847707"/>
-              </p:ext>
-            </p:extLst>
-          </p:nvPr>
-        </p:nvGraphicFramePr>
-        <p:xfrm>
-          <a:off x="8319408" y="2587418"/>
-          <a:ext cx="3113630" cy="1951332"/>
-        </p:xfrm>
-        <a:graphic>
-          <a:graphicData uri="http://schemas.openxmlformats.org/drawingml/2006/table">
-            <a:tbl>
-              <a:tblPr firstRow="1" bandRow="1">
-                <a:tableStyleId>{5940675A-B579-460E-94D1-54222C63F5DA}</a:tableStyleId>
-              </a:tblPr>
-              <a:tblGrid>
-                <a:gridCol w="2265760">
-                  <a:extLst>
-                    <a:ext uri="{9D8B030D-6E8A-4147-A177-3AD203B41FA5}">
-                      <a16:colId xmlns:a16="http://schemas.microsoft.com/office/drawing/2014/main" val="3835641691"/>
-                    </a:ext>
-                  </a:extLst>
-                </a:gridCol>
-                <a:gridCol w="847870">
-                  <a:extLst>
-                    <a:ext uri="{9D8B030D-6E8A-4147-A177-3AD203B41FA5}">
-                      <a16:colId xmlns:a16="http://schemas.microsoft.com/office/drawing/2014/main" val="2513751279"/>
-                    </a:ext>
-                  </a:extLst>
-                </a:gridCol>
-              </a:tblGrid>
-              <a:tr h="494514">
-                <a:tc>
-                  <a:txBody>
-                    <a:bodyPr/>
-                    <a:lstStyle/>
-                    <a:p>
-                      <a:r>
-                        <a:rPr lang="en-US" sz="2000" b="1" i="0" dirty="0">
-                          <a:solidFill>
-                            <a:schemeClr val="bg1"/>
-                          </a:solidFill>
-                          <a:latin typeface="Yu Gothic" panose="020B0400000000000000" pitchFamily="34" charset="-128"/>
-                          <a:ea typeface="Yu Gothic" panose="020B0400000000000000" pitchFamily="34" charset="-128"/>
-                        </a:rPr>
-                        <a:t>Mac Address</a:t>
-                      </a:r>
-                    </a:p>
-                  </a:txBody>
-                  <a:tcPr>
-                    <a:lnL w="28575" cap="flat" cmpd="sng" algn="ctr">
-                      <a:solidFill>
-                        <a:schemeClr val="bg1"/>
-                      </a:solidFill>
-                      <a:prstDash val="solid"/>
-                      <a:round/>
-                      <a:headEnd type="none" w="med" len="med"/>
-                      <a:tailEnd type="none" w="med" len="med"/>
-                    </a:lnL>
-                    <a:lnR w="28575" cap="flat" cmpd="sng" algn="ctr">
-                      <a:solidFill>
-                        <a:schemeClr val="bg1"/>
-                      </a:solidFill>
-                      <a:prstDash val="solid"/>
-                      <a:round/>
-                      <a:headEnd type="none" w="med" len="med"/>
-                      <a:tailEnd type="none" w="med" len="med"/>
-                    </a:lnR>
-                    <a:lnT w="28575" cap="flat" cmpd="sng" algn="ctr">
-                      <a:solidFill>
-                        <a:schemeClr val="bg1"/>
-                      </a:solidFill>
-                      <a:prstDash val="solid"/>
-                      <a:round/>
-                      <a:headEnd type="none" w="med" len="med"/>
-                      <a:tailEnd type="none" w="med" len="med"/>
-                    </a:lnT>
-                    <a:lnB w="28575" cap="flat" cmpd="sng" algn="ctr">
-                      <a:solidFill>
-                        <a:schemeClr val="bg1"/>
-                      </a:solidFill>
-                      <a:prstDash val="solid"/>
-                      <a:round/>
-                      <a:headEnd type="none" w="med" len="med"/>
-                      <a:tailEnd type="none" w="med" len="med"/>
-                    </a:lnB>
-                    <a:lnTlToBr w="12700" cmpd="sng">
-                      <a:noFill/>
-                      <a:prstDash val="solid"/>
-                    </a:lnTlToBr>
-                    <a:lnBlToTr w="12700" cmpd="sng">
-                      <a:noFill/>
-                      <a:prstDash val="solid"/>
-                    </a:lnBlToTr>
-                  </a:tcPr>
-                </a:tc>
-                <a:tc>
-                  <a:txBody>
-                    <a:bodyPr/>
-                    <a:lstStyle/>
-                    <a:p>
-                      <a:r>
-                        <a:rPr lang="en-US" sz="2000" b="1" i="0" dirty="0">
-                          <a:solidFill>
-                            <a:schemeClr val="bg1"/>
-                          </a:solidFill>
-                          <a:latin typeface="Yu Gothic" panose="020B0400000000000000" pitchFamily="34" charset="-128"/>
-                          <a:ea typeface="Yu Gothic" panose="020B0400000000000000" pitchFamily="34" charset="-128"/>
-                        </a:rPr>
-                        <a:t>Ports</a:t>
-                      </a:r>
-                    </a:p>
-                  </a:txBody>
-                  <a:tcPr>
-                    <a:lnL w="28575" cap="flat" cmpd="sng" algn="ctr">
-                      <a:solidFill>
-                        <a:schemeClr val="bg1"/>
-                      </a:solidFill>
-                      <a:prstDash val="solid"/>
-                      <a:round/>
-                      <a:headEnd type="none" w="med" len="med"/>
-                      <a:tailEnd type="none" w="med" len="med"/>
-                    </a:lnL>
-                    <a:lnR w="28575" cap="flat" cmpd="sng" algn="ctr">
-                      <a:solidFill>
-                        <a:schemeClr val="bg1"/>
-                      </a:solidFill>
-                      <a:prstDash val="solid"/>
-                      <a:round/>
-                      <a:headEnd type="none" w="med" len="med"/>
-                      <a:tailEnd type="none" w="med" len="med"/>
-                    </a:lnR>
-                    <a:lnT w="28575" cap="flat" cmpd="sng" algn="ctr">
-                      <a:solidFill>
-                        <a:schemeClr val="bg1"/>
-                      </a:solidFill>
-                      <a:prstDash val="solid"/>
-                      <a:round/>
-                      <a:headEnd type="none" w="med" len="med"/>
-                      <a:tailEnd type="none" w="med" len="med"/>
-                    </a:lnT>
-                    <a:lnB w="28575" cap="flat" cmpd="sng" algn="ctr">
-                      <a:solidFill>
-                        <a:schemeClr val="bg1"/>
-                      </a:solidFill>
-                      <a:prstDash val="solid"/>
-                      <a:round/>
-                      <a:headEnd type="none" w="med" len="med"/>
-                      <a:tailEnd type="none" w="med" len="med"/>
-                    </a:lnB>
-                    <a:lnTlToBr w="12700" cmpd="sng">
-                      <a:noFill/>
-                      <a:prstDash val="solid"/>
-                    </a:lnTlToBr>
-                    <a:lnBlToTr w="12700" cmpd="sng">
-                      <a:noFill/>
-                      <a:prstDash val="solid"/>
-                    </a:lnBlToTr>
-                  </a:tcPr>
-                </a:tc>
-                <a:extLst>
-                  <a:ext uri="{0D108BD9-81ED-4DB2-BD59-A6C34878D82A}">
-                    <a16:rowId xmlns:a16="http://schemas.microsoft.com/office/drawing/2014/main" val="3830655834"/>
-                  </a:ext>
-                </a:extLst>
-              </a:tr>
-              <a:tr h="485606">
-                <a:tc>
-                  <a:txBody>
-                    <a:bodyPr/>
-                    <a:lstStyle/>
-                    <a:p>
-                      <a:r>
-                        <a:rPr lang="en-US" sz="2000" b="1" i="0" dirty="0">
-                          <a:solidFill>
-                            <a:schemeClr val="bg1"/>
-                          </a:solidFill>
-                          <a:latin typeface="Yu Gothic" panose="020B0400000000000000" pitchFamily="34" charset="-128"/>
-                          <a:ea typeface="Yu Gothic" panose="020B0400000000000000" pitchFamily="34" charset="-128"/>
-                        </a:rPr>
-                        <a:t>0000.0000.0101</a:t>
-                      </a:r>
-                    </a:p>
-                  </a:txBody>
-                  <a:tcPr>
-                    <a:lnL w="28575" cap="flat" cmpd="sng" algn="ctr">
-                      <a:solidFill>
-                        <a:schemeClr val="bg1"/>
-                      </a:solidFill>
-                      <a:prstDash val="solid"/>
-                      <a:round/>
-                      <a:headEnd type="none" w="med" len="med"/>
-                      <a:tailEnd type="none" w="med" len="med"/>
-                    </a:lnL>
-                    <a:lnR w="28575" cap="flat" cmpd="sng" algn="ctr">
-                      <a:solidFill>
-                        <a:schemeClr val="bg1"/>
-                      </a:solidFill>
-                      <a:prstDash val="solid"/>
-                      <a:round/>
-                      <a:headEnd type="none" w="med" len="med"/>
-                      <a:tailEnd type="none" w="med" len="med"/>
-                    </a:lnR>
-                    <a:lnT w="28575" cap="flat" cmpd="sng" algn="ctr">
-                      <a:solidFill>
-                        <a:schemeClr val="bg1"/>
-                      </a:solidFill>
-                      <a:prstDash val="solid"/>
-                      <a:round/>
-                      <a:headEnd type="none" w="med" len="med"/>
-                      <a:tailEnd type="none" w="med" len="med"/>
-                    </a:lnT>
-                    <a:lnB w="28575" cap="flat" cmpd="sng" algn="ctr">
-                      <a:solidFill>
-                        <a:schemeClr val="bg1"/>
-                      </a:solidFill>
-                      <a:prstDash val="solid"/>
-                      <a:round/>
-                      <a:headEnd type="none" w="med" len="med"/>
-                      <a:tailEnd type="none" w="med" len="med"/>
-                    </a:lnB>
-                    <a:lnTlToBr w="12700" cmpd="sng">
-                      <a:noFill/>
-                      <a:prstDash val="solid"/>
-                    </a:lnTlToBr>
-                    <a:lnBlToTr w="12700" cmpd="sng">
-                      <a:noFill/>
-                      <a:prstDash val="solid"/>
-                    </a:lnBlToTr>
-                  </a:tcPr>
-                </a:tc>
-                <a:tc>
-                  <a:txBody>
-                    <a:bodyPr/>
-                    <a:lstStyle/>
-                    <a:p>
-                      <a:r>
-                        <a:rPr lang="en-US" sz="2000" b="1" i="0" dirty="0">
-                          <a:solidFill>
-                            <a:schemeClr val="bg1"/>
-                          </a:solidFill>
-                          <a:latin typeface="Yu Gothic" panose="020B0400000000000000" pitchFamily="34" charset="-128"/>
-                          <a:ea typeface="Yu Gothic" panose="020B0400000000000000" pitchFamily="34" charset="-128"/>
-                        </a:rPr>
-                        <a:t>g0/1</a:t>
-                      </a:r>
-                    </a:p>
-                  </a:txBody>
-                  <a:tcPr>
-                    <a:lnL w="28575" cap="flat" cmpd="sng" algn="ctr">
-                      <a:solidFill>
-                        <a:schemeClr val="bg1"/>
-                      </a:solidFill>
-                      <a:prstDash val="solid"/>
-                      <a:round/>
-                      <a:headEnd type="none" w="med" len="med"/>
-                      <a:tailEnd type="none" w="med" len="med"/>
-                    </a:lnL>
-                    <a:lnR w="28575" cap="flat" cmpd="sng" algn="ctr">
-                      <a:solidFill>
-                        <a:schemeClr val="bg1"/>
-                      </a:solidFill>
-                      <a:prstDash val="solid"/>
-                      <a:round/>
-                      <a:headEnd type="none" w="med" len="med"/>
-                      <a:tailEnd type="none" w="med" len="med"/>
-                    </a:lnR>
-                    <a:lnT w="28575" cap="flat" cmpd="sng" algn="ctr">
-                      <a:solidFill>
-                        <a:schemeClr val="bg1"/>
-                      </a:solidFill>
-                      <a:prstDash val="solid"/>
-                      <a:round/>
-                      <a:headEnd type="none" w="med" len="med"/>
-                      <a:tailEnd type="none" w="med" len="med"/>
-                    </a:lnT>
-                    <a:lnB w="28575" cap="flat" cmpd="sng" algn="ctr">
-                      <a:solidFill>
-                        <a:schemeClr val="bg1"/>
-                      </a:solidFill>
-                      <a:prstDash val="solid"/>
-                      <a:round/>
-                      <a:headEnd type="none" w="med" len="med"/>
-                      <a:tailEnd type="none" w="med" len="med"/>
-                    </a:lnB>
-                    <a:lnTlToBr w="12700" cmpd="sng">
-                      <a:noFill/>
-                      <a:prstDash val="solid"/>
-                    </a:lnTlToBr>
-                    <a:lnBlToTr w="12700" cmpd="sng">
-                      <a:noFill/>
-                      <a:prstDash val="solid"/>
-                    </a:lnBlToTr>
-                  </a:tcPr>
-                </a:tc>
-                <a:extLst>
-                  <a:ext uri="{0D108BD9-81ED-4DB2-BD59-A6C34878D82A}">
-                    <a16:rowId xmlns:a16="http://schemas.microsoft.com/office/drawing/2014/main" val="3068683330"/>
-                  </a:ext>
-                </a:extLst>
-              </a:tr>
-              <a:tr h="485606">
-                <a:tc>
-                  <a:txBody>
-                    <a:bodyPr/>
-                    <a:lstStyle/>
-                    <a:p>
-                      <a:pPr marL="0" marR="0" lvl="0" indent="0" algn="l" defTabSz="914400" rtl="0" eaLnBrk="1" fontAlgn="auto" latinLnBrk="0" hangingPunct="1">
-                        <a:lnSpc>
-                          <a:spcPct val="100000"/>
-                        </a:lnSpc>
-                        <a:spcBef>
-                          <a:spcPts val="0"/>
-                        </a:spcBef>
-                        <a:spcAft>
-                          <a:spcPts val="0"/>
-                        </a:spcAft>
-                        <a:buClrTx/>
-                        <a:buSzTx/>
-                        <a:buFontTx/>
-                        <a:buNone/>
-                        <a:tabLst/>
-                        <a:defRPr/>
-                      </a:pPr>
-                      <a:r>
-                        <a:rPr lang="en-US" sz="2000" b="1" i="0" dirty="0">
-                          <a:solidFill>
-                            <a:schemeClr val="bg1"/>
-                          </a:solidFill>
-                          <a:latin typeface="Yu Gothic" panose="020B0400000000000000" pitchFamily="34" charset="-128"/>
-                          <a:ea typeface="Yu Gothic" panose="020B0400000000000000" pitchFamily="34" charset="-128"/>
-                        </a:rPr>
-                        <a:t>0000.0000.0102</a:t>
-                      </a:r>
-                    </a:p>
-                  </a:txBody>
-                  <a:tcPr>
-                    <a:lnL w="28575" cap="flat" cmpd="sng" algn="ctr">
-                      <a:solidFill>
-                        <a:schemeClr val="bg1"/>
-                      </a:solidFill>
-                      <a:prstDash val="solid"/>
-                      <a:round/>
-                      <a:headEnd type="none" w="med" len="med"/>
-                      <a:tailEnd type="none" w="med" len="med"/>
-                    </a:lnL>
-                    <a:lnR w="28575" cap="flat" cmpd="sng" algn="ctr">
-                      <a:solidFill>
-                        <a:schemeClr val="bg1"/>
-                      </a:solidFill>
-                      <a:prstDash val="solid"/>
-                      <a:round/>
-                      <a:headEnd type="none" w="med" len="med"/>
-                      <a:tailEnd type="none" w="med" len="med"/>
-                    </a:lnR>
-                    <a:lnT w="28575" cap="flat" cmpd="sng" algn="ctr">
-                      <a:solidFill>
-                        <a:schemeClr val="bg1"/>
-                      </a:solidFill>
-                      <a:prstDash val="solid"/>
-                      <a:round/>
-                      <a:headEnd type="none" w="med" len="med"/>
-                      <a:tailEnd type="none" w="med" len="med"/>
-                    </a:lnT>
-                    <a:lnB w="28575" cap="flat" cmpd="sng" algn="ctr">
-                      <a:solidFill>
-                        <a:schemeClr val="bg1"/>
-                      </a:solidFill>
-                      <a:prstDash val="solid"/>
-                      <a:round/>
-                      <a:headEnd type="none" w="med" len="med"/>
-                      <a:tailEnd type="none" w="med" len="med"/>
-                    </a:lnB>
-                    <a:lnTlToBr w="12700" cmpd="sng">
-                      <a:noFill/>
-                      <a:prstDash val="solid"/>
-                    </a:lnTlToBr>
-                    <a:lnBlToTr w="12700" cmpd="sng">
-                      <a:noFill/>
-                      <a:prstDash val="solid"/>
-                    </a:lnBlToTr>
-                  </a:tcPr>
-                </a:tc>
-                <a:tc>
-                  <a:txBody>
-                    <a:bodyPr/>
-                    <a:lstStyle/>
-                    <a:p>
-                      <a:r>
-                        <a:rPr lang="en-US" sz="2000" b="1" i="0" dirty="0">
-                          <a:solidFill>
-                            <a:schemeClr val="bg1"/>
-                          </a:solidFill>
-                          <a:latin typeface="Yu Gothic" panose="020B0400000000000000" pitchFamily="34" charset="-128"/>
-                          <a:ea typeface="Yu Gothic" panose="020B0400000000000000" pitchFamily="34" charset="-128"/>
-                        </a:rPr>
-                        <a:t>g0/2</a:t>
-                      </a:r>
-                    </a:p>
-                  </a:txBody>
-                  <a:tcPr>
-                    <a:lnL w="28575" cap="flat" cmpd="sng" algn="ctr">
-                      <a:solidFill>
-                        <a:schemeClr val="bg1"/>
-                      </a:solidFill>
-                      <a:prstDash val="solid"/>
-                      <a:round/>
-                      <a:headEnd type="none" w="med" len="med"/>
-                      <a:tailEnd type="none" w="med" len="med"/>
-                    </a:lnL>
-                    <a:lnR w="28575" cap="flat" cmpd="sng" algn="ctr">
-                      <a:solidFill>
-                        <a:schemeClr val="bg1"/>
-                      </a:solidFill>
-                      <a:prstDash val="solid"/>
-                      <a:round/>
-                      <a:headEnd type="none" w="med" len="med"/>
-                      <a:tailEnd type="none" w="med" len="med"/>
-                    </a:lnR>
-                    <a:lnT w="28575" cap="flat" cmpd="sng" algn="ctr">
-                      <a:solidFill>
-                        <a:schemeClr val="bg1"/>
-                      </a:solidFill>
-                      <a:prstDash val="solid"/>
-                      <a:round/>
-                      <a:headEnd type="none" w="med" len="med"/>
-                      <a:tailEnd type="none" w="med" len="med"/>
-                    </a:lnT>
-                    <a:lnB w="28575" cap="flat" cmpd="sng" algn="ctr">
-                      <a:solidFill>
-                        <a:schemeClr val="bg1"/>
-                      </a:solidFill>
-                      <a:prstDash val="solid"/>
-                      <a:round/>
-                      <a:headEnd type="none" w="med" len="med"/>
-                      <a:tailEnd type="none" w="med" len="med"/>
-                    </a:lnB>
-                    <a:lnTlToBr w="12700" cmpd="sng">
-                      <a:noFill/>
-                      <a:prstDash val="solid"/>
-                    </a:lnTlToBr>
-                    <a:lnBlToTr w="12700" cmpd="sng">
-                      <a:noFill/>
-                      <a:prstDash val="solid"/>
-                    </a:lnBlToTr>
-                  </a:tcPr>
-                </a:tc>
-                <a:extLst>
-                  <a:ext uri="{0D108BD9-81ED-4DB2-BD59-A6C34878D82A}">
-                    <a16:rowId xmlns:a16="http://schemas.microsoft.com/office/drawing/2014/main" val="1048302625"/>
-                  </a:ext>
-                </a:extLst>
-              </a:tr>
-              <a:tr h="485606">
-                <a:tc>
-                  <a:txBody>
-                    <a:bodyPr/>
-                    <a:lstStyle/>
-                    <a:p>
-                      <a:pPr marL="0" marR="0" lvl="0" indent="0" algn="l" defTabSz="914400" rtl="0" eaLnBrk="1" fontAlgn="auto" latinLnBrk="0" hangingPunct="1">
-                        <a:lnSpc>
-                          <a:spcPct val="100000"/>
-                        </a:lnSpc>
-                        <a:spcBef>
-                          <a:spcPts val="0"/>
-                        </a:spcBef>
-                        <a:spcAft>
-                          <a:spcPts val="0"/>
-                        </a:spcAft>
-                        <a:buClrTx/>
-                        <a:buSzTx/>
-                        <a:buFontTx/>
-                        <a:buNone/>
-                        <a:tabLst/>
-                        <a:defRPr/>
-                      </a:pPr>
-                      <a:r>
-                        <a:rPr lang="en-US" sz="2000" b="1" i="0" dirty="0">
-                          <a:solidFill>
-                            <a:schemeClr val="bg1"/>
-                          </a:solidFill>
-                          <a:latin typeface="Yu Gothic" panose="020B0400000000000000" pitchFamily="34" charset="-128"/>
-                          <a:ea typeface="Yu Gothic" panose="020B0400000000000000" pitchFamily="34" charset="-128"/>
-                        </a:rPr>
-                        <a:t>0000.0000.0103</a:t>
-                      </a:r>
-                    </a:p>
-                  </a:txBody>
-                  <a:tcPr>
-                    <a:lnL w="28575" cap="flat" cmpd="sng" algn="ctr">
-                      <a:solidFill>
-                        <a:schemeClr val="bg1"/>
-                      </a:solidFill>
-                      <a:prstDash val="solid"/>
-                      <a:round/>
-                      <a:headEnd type="none" w="med" len="med"/>
-                      <a:tailEnd type="none" w="med" len="med"/>
-                    </a:lnL>
-                    <a:lnR w="28575" cap="flat" cmpd="sng" algn="ctr">
-                      <a:solidFill>
-                        <a:schemeClr val="bg1"/>
-                      </a:solidFill>
-                      <a:prstDash val="solid"/>
-                      <a:round/>
-                      <a:headEnd type="none" w="med" len="med"/>
-                      <a:tailEnd type="none" w="med" len="med"/>
-                    </a:lnR>
-                    <a:lnT w="28575" cap="flat" cmpd="sng" algn="ctr">
-                      <a:solidFill>
-                        <a:schemeClr val="bg1"/>
-                      </a:solidFill>
-                      <a:prstDash val="solid"/>
-                      <a:round/>
-                      <a:headEnd type="none" w="med" len="med"/>
-                      <a:tailEnd type="none" w="med" len="med"/>
-                    </a:lnT>
-                    <a:lnB w="28575" cap="flat" cmpd="sng" algn="ctr">
-                      <a:solidFill>
-                        <a:schemeClr val="bg1"/>
-                      </a:solidFill>
-                      <a:prstDash val="solid"/>
-                      <a:round/>
-                      <a:headEnd type="none" w="med" len="med"/>
-                      <a:tailEnd type="none" w="med" len="med"/>
-                    </a:lnB>
-                    <a:lnTlToBr w="12700" cmpd="sng">
-                      <a:noFill/>
-                      <a:prstDash val="solid"/>
-                    </a:lnTlToBr>
-                    <a:lnBlToTr w="12700" cmpd="sng">
-                      <a:noFill/>
-                      <a:prstDash val="solid"/>
-                    </a:lnBlToTr>
-                  </a:tcPr>
-                </a:tc>
-                <a:tc>
-                  <a:txBody>
-                    <a:bodyPr/>
-                    <a:lstStyle/>
-                    <a:p>
-                      <a:r>
-                        <a:rPr lang="en-US" sz="2000" b="1" i="0" dirty="0">
-                          <a:solidFill>
-                            <a:schemeClr val="bg1"/>
-                          </a:solidFill>
-                          <a:latin typeface="Yu Gothic" panose="020B0400000000000000" pitchFamily="34" charset="-128"/>
-                          <a:ea typeface="Yu Gothic" panose="020B0400000000000000" pitchFamily="34" charset="-128"/>
-                        </a:rPr>
-                        <a:t>g0/3</a:t>
-                      </a:r>
-                    </a:p>
-                  </a:txBody>
-                  <a:tcPr>
-                    <a:lnL w="28575" cap="flat" cmpd="sng" algn="ctr">
-                      <a:solidFill>
-                        <a:schemeClr val="bg1"/>
-                      </a:solidFill>
-                      <a:prstDash val="solid"/>
-                      <a:round/>
-                      <a:headEnd type="none" w="med" len="med"/>
-                      <a:tailEnd type="none" w="med" len="med"/>
-                    </a:lnL>
-                    <a:lnR w="28575" cap="flat" cmpd="sng" algn="ctr">
-                      <a:solidFill>
-                        <a:schemeClr val="bg1"/>
-                      </a:solidFill>
-                      <a:prstDash val="solid"/>
-                      <a:round/>
-                      <a:headEnd type="none" w="med" len="med"/>
-                      <a:tailEnd type="none" w="med" len="med"/>
-                    </a:lnR>
-                    <a:lnT w="28575" cap="flat" cmpd="sng" algn="ctr">
-                      <a:solidFill>
-                        <a:schemeClr val="bg1"/>
-                      </a:solidFill>
-                      <a:prstDash val="solid"/>
-                      <a:round/>
-                      <a:headEnd type="none" w="med" len="med"/>
-                      <a:tailEnd type="none" w="med" len="med"/>
-                    </a:lnT>
-                    <a:lnB w="28575" cap="flat" cmpd="sng" algn="ctr">
-                      <a:solidFill>
-                        <a:schemeClr val="bg1"/>
-                      </a:solidFill>
-                      <a:prstDash val="solid"/>
-                      <a:round/>
-                      <a:headEnd type="none" w="med" len="med"/>
-                      <a:tailEnd type="none" w="med" len="med"/>
-                    </a:lnB>
-                    <a:lnTlToBr w="12700" cmpd="sng">
-                      <a:noFill/>
-                      <a:prstDash val="solid"/>
-                    </a:lnTlToBr>
-                    <a:lnBlToTr w="12700" cmpd="sng">
-                      <a:noFill/>
-                      <a:prstDash val="solid"/>
-                    </a:lnBlToTr>
-                  </a:tcPr>
-                </a:tc>
-                <a:extLst>
-                  <a:ext uri="{0D108BD9-81ED-4DB2-BD59-A6C34878D82A}">
-                    <a16:rowId xmlns:a16="http://schemas.microsoft.com/office/drawing/2014/main" val="1234729720"/>
-                  </a:ext>
-                </a:extLst>
-              </a:tr>
-            </a:tbl>
-          </a:graphicData>
-        </a:graphic>
-      </p:graphicFrame>
-      <p:sp>
-        <p:nvSpPr>
-          <p:cNvPr id="32" name="TextBox 31">
-            <a:extLst>
-              <a:ext uri="{FF2B5EF4-FFF2-40B4-BE49-F238E27FC236}">
-                <a16:creationId xmlns:a16="http://schemas.microsoft.com/office/drawing/2014/main" id="{5187253E-1A58-584A-88D6-C0F8C5435DA9}"/>
-              </a:ext>
-            </a:extLst>
-          </p:cNvPr>
-          <p:cNvSpPr txBox="1"/>
-          <p:nvPr/>
-        </p:nvSpPr>
-        <p:spPr>
-          <a:xfrm>
-            <a:off x="8365083" y="2033536"/>
-            <a:ext cx="3062057" cy="461665"/>
-          </a:xfrm>
-          <a:prstGeom prst="rect">
-            <a:avLst/>
-          </a:prstGeom>
-          <a:noFill/>
-        </p:spPr>
-        <p:txBody>
-          <a:bodyPr wrap="none" rtlCol="0">
-            <a:spAutoFit/>
-          </a:bodyPr>
-          <a:lstStyle/>
-          <a:p>
-            <a:r>
-              <a:rPr lang="en-US" sz="2400" b="1" dirty="0">
+            <a:pPr algn="ctr"/>
+            <a:r>
+              <a:rPr lang="ja-JP" altLang="en-US" b="1">
                 <a:solidFill>
                   <a:schemeClr val="bg1"/>
                 </a:solidFill>
                 <a:latin typeface="Yu Gothic" panose="020B0400000000000000" pitchFamily="34" charset="-128"/>
                 <a:ea typeface="Yu Gothic" panose="020B0400000000000000" pitchFamily="34" charset="-128"/>
               </a:rPr>
-              <a:t>Mac Address Table</a:t>
-            </a:r>
+              <a:t>宛先</a:t>
+            </a:r>
+            <a:endParaRPr lang="en-US" altLang="ja-JP" b="1" dirty="0">
+              <a:solidFill>
+                <a:schemeClr val="bg1"/>
+              </a:solidFill>
+              <a:latin typeface="Yu Gothic" panose="020B0400000000000000" pitchFamily="34" charset="-128"/>
+              <a:ea typeface="Yu Gothic" panose="020B0400000000000000" pitchFamily="34" charset="-128"/>
+            </a:endParaRPr>
+          </a:p>
+          <a:p>
+            <a:pPr algn="ctr"/>
+            <a:r>
+              <a:rPr lang="en-US" b="1" dirty="0">
+                <a:solidFill>
+                  <a:schemeClr val="bg1"/>
+                </a:solidFill>
+                <a:latin typeface="Yu Gothic" panose="020B0400000000000000" pitchFamily="34" charset="-128"/>
+                <a:ea typeface="Yu Gothic" panose="020B0400000000000000" pitchFamily="34" charset="-128"/>
+              </a:rPr>
+              <a:t>MAC</a:t>
+            </a:r>
+            <a:r>
+              <a:rPr lang="ja-JP" altLang="en-US" b="1">
+                <a:solidFill>
+                  <a:schemeClr val="bg1"/>
+                </a:solidFill>
+                <a:latin typeface="Yu Gothic" panose="020B0400000000000000" pitchFamily="34" charset="-128"/>
+                <a:ea typeface="Yu Gothic" panose="020B0400000000000000" pitchFamily="34" charset="-128"/>
+              </a:rPr>
+              <a:t>アドレス</a:t>
+            </a:r>
+            <a:endParaRPr lang="en-US" b="1" dirty="0">
+              <a:solidFill>
+                <a:schemeClr val="bg1"/>
+              </a:solidFill>
+              <a:latin typeface="Yu Gothic" panose="020B0400000000000000" pitchFamily="34" charset="-128"/>
+              <a:ea typeface="Yu Gothic" panose="020B0400000000000000" pitchFamily="34" charset="-128"/>
+            </a:endParaRPr>
+          </a:p>
+        </p:txBody>
+      </p:sp>
+      <p:sp>
+        <p:nvSpPr>
+          <p:cNvPr id="32" name="Rectangle 31">
+            <a:extLst>
+              <a:ext uri="{FF2B5EF4-FFF2-40B4-BE49-F238E27FC236}">
+                <a16:creationId xmlns:a16="http://schemas.microsoft.com/office/drawing/2014/main" id="{CE1B3C14-0119-1B4C-8BD9-3F291668E22C}"/>
+              </a:ext>
+            </a:extLst>
+          </p:cNvPr>
+          <p:cNvSpPr/>
+          <p:nvPr/>
+        </p:nvSpPr>
+        <p:spPr>
+          <a:xfrm>
+            <a:off x="3574465" y="1500754"/>
+            <a:ext cx="1734800" cy="695739"/>
+          </a:xfrm>
+          <a:prstGeom prst="rect">
+            <a:avLst/>
+          </a:prstGeom>
+          <a:solidFill>
+            <a:schemeClr val="accent2"/>
+          </a:solidFill>
+          <a:ln w="38100">
+            <a:solidFill>
+              <a:schemeClr val="tx1"/>
+            </a:solidFill>
+          </a:ln>
+        </p:spPr>
+        <p:style>
+          <a:lnRef idx="2">
+            <a:schemeClr val="accent1">
+              <a:shade val="50000"/>
+            </a:schemeClr>
+          </a:lnRef>
+          <a:fillRef idx="1">
+            <a:schemeClr val="accent1"/>
+          </a:fillRef>
+          <a:effectRef idx="0">
+            <a:schemeClr val="accent1"/>
+          </a:effectRef>
+          <a:fontRef idx="minor">
+            <a:schemeClr val="lt1"/>
+          </a:fontRef>
+        </p:style>
+        <p:txBody>
+          <a:bodyPr rtlCol="0" anchor="ctr"/>
+          <a:lstStyle/>
+          <a:p>
+            <a:pPr algn="ctr"/>
+            <a:endParaRPr lang="en-US"/>
           </a:p>
         </p:txBody>
       </p:sp>
@@ -6575,7 +6040,7 @@
           <p:cNvPr id="33" name="TextBox 32">
             <a:extLst>
               <a:ext uri="{FF2B5EF4-FFF2-40B4-BE49-F238E27FC236}">
-                <a16:creationId xmlns:a16="http://schemas.microsoft.com/office/drawing/2014/main" id="{99EA0067-5678-2A49-8B87-2ADEF9CB5546}"/>
+                <a16:creationId xmlns:a16="http://schemas.microsoft.com/office/drawing/2014/main" id="{6535A9B9-41D7-2847-9536-5447E1979CB9}"/>
               </a:ext>
             </a:extLst>
           </p:cNvPr>
@@ -6584,8 +6049,8 @@
         </p:nvSpPr>
         <p:spPr>
           <a:xfrm>
-            <a:off x="4872783" y="2531815"/>
-            <a:ext cx="756938" cy="400110"/>
+            <a:off x="3624288" y="1550159"/>
+            <a:ext cx="1651414" cy="646331"/>
           </a:xfrm>
           <a:prstGeom prst="rect">
             <a:avLst/>
@@ -6598,13 +6063,54 @@
           </a:bodyPr>
           <a:lstStyle/>
           <a:p>
-            <a:r>
-              <a:rPr lang="en-US" sz="2000" b="1" dirty="0">
+            <a:pPr algn="ctr"/>
+            <a:r>
+              <a:rPr lang="ja-JP" altLang="en-US" b="1">
+                <a:solidFill>
+                  <a:schemeClr val="bg1"/>
+                </a:solidFill>
                 <a:latin typeface="Yu Gothic" panose="020B0400000000000000" pitchFamily="34" charset="-128"/>
                 <a:ea typeface="Yu Gothic" panose="020B0400000000000000" pitchFamily="34" charset="-128"/>
               </a:rPr>
-              <a:t>g0/1</a:t>
-            </a:r>
+              <a:t>送信元</a:t>
+            </a:r>
+            <a:endParaRPr lang="en-US" altLang="ja-JP" b="1" dirty="0">
+              <a:solidFill>
+                <a:schemeClr val="bg1"/>
+              </a:solidFill>
+              <a:latin typeface="Yu Gothic" panose="020B0400000000000000" pitchFamily="34" charset="-128"/>
+              <a:ea typeface="Yu Gothic" panose="020B0400000000000000" pitchFamily="34" charset="-128"/>
+            </a:endParaRPr>
+          </a:p>
+          <a:p>
+            <a:pPr algn="ctr"/>
+            <a:r>
+              <a:rPr lang="en-US" b="1" dirty="0">
+                <a:solidFill>
+                  <a:schemeClr val="bg1"/>
+                </a:solidFill>
+                <a:latin typeface="Yu Gothic" panose="020B0400000000000000" pitchFamily="34" charset="-128"/>
+                <a:ea typeface="Yu Gothic" panose="020B0400000000000000" pitchFamily="34" charset="-128"/>
+              </a:rPr>
+              <a:t>MAC</a:t>
+            </a:r>
+            <a:r>
+              <a:rPr lang="ja-JP" altLang="en-US" b="1">
+                <a:solidFill>
+                  <a:schemeClr val="bg1"/>
+                </a:solidFill>
+                <a:latin typeface="Yu Gothic" panose="020B0400000000000000" pitchFamily="34" charset="-128"/>
+                <a:ea typeface="Yu Gothic" panose="020B0400000000000000" pitchFamily="34" charset="-128"/>
+              </a:rPr>
+              <a:t>アドレス</a:t>
+            </a:r>
+            <a:endParaRPr lang="en-US" b="1" dirty="0">
+              <a:solidFill>
+                <a:schemeClr val="bg1"/>
+              </a:solidFill>
+              <a:latin typeface="Yu Gothic" panose="020B0400000000000000" pitchFamily="34" charset="-128"/>
+              <a:ea typeface="Yu Gothic" panose="020B0400000000000000" pitchFamily="34" charset="-128"/>
+            </a:endParaRPr>
           </a:p>
         </p:txBody>
       </p:sp>
@@ -6613,7 +6119,7 @@
           <p:cNvPr id="34" name="TextBox 33">
             <a:extLst>
               <a:ext uri="{FF2B5EF4-FFF2-40B4-BE49-F238E27FC236}">
-                <a16:creationId xmlns:a16="http://schemas.microsoft.com/office/drawing/2014/main" id="{D716019F-01F3-6241-81AB-35929BEAA9E8}"/>
+                <a16:creationId xmlns:a16="http://schemas.microsoft.com/office/drawing/2014/main" id="{2A33CFA1-189F-124D-947C-150E07A00527}"/>
               </a:ext>
             </a:extLst>
           </p:cNvPr>
@@ -6622,8 +6128,8 @@
         </p:nvSpPr>
         <p:spPr>
           <a:xfrm>
-            <a:off x="4872783" y="5113967"/>
-            <a:ext cx="756938" cy="400110"/>
+            <a:off x="5321907" y="1688658"/>
+            <a:ext cx="877163" cy="369332"/>
           </a:xfrm>
           <a:prstGeom prst="rect">
             <a:avLst/>
@@ -6636,20 +6142,151 @@
           </a:bodyPr>
           <a:lstStyle/>
           <a:p>
-            <a:r>
-              <a:rPr lang="en-US" sz="2000" b="1" dirty="0">
+            <a:pPr algn="ctr"/>
+            <a:r>
+              <a:rPr lang="ja-JP" altLang="en-US" b="1">
+                <a:solidFill>
+                  <a:schemeClr val="bg1"/>
+                </a:solidFill>
                 <a:latin typeface="Yu Gothic" panose="020B0400000000000000" pitchFamily="34" charset="-128"/>
                 <a:ea typeface="Yu Gothic" panose="020B0400000000000000" pitchFamily="34" charset="-128"/>
               </a:rPr>
-              <a:t>g0/1</a:t>
-            </a:r>
+              <a:t>タイプ</a:t>
+            </a:r>
+            <a:endParaRPr lang="en-US" b="1" dirty="0">
+              <a:solidFill>
+                <a:schemeClr val="bg1"/>
+              </a:solidFill>
+              <a:latin typeface="Yu Gothic" panose="020B0400000000000000" pitchFamily="34" charset="-128"/>
+              <a:ea typeface="Yu Gothic" panose="020B0400000000000000" pitchFamily="34" charset="-128"/>
+            </a:endParaRPr>
+          </a:p>
+        </p:txBody>
+      </p:sp>
+      <p:sp>
+        <p:nvSpPr>
+          <p:cNvPr id="35" name="TextBox 34">
+            <a:extLst>
+              <a:ext uri="{FF2B5EF4-FFF2-40B4-BE49-F238E27FC236}">
+                <a16:creationId xmlns:a16="http://schemas.microsoft.com/office/drawing/2014/main" id="{90A8FEE7-9C61-D642-BD91-C289C0914F96}"/>
+              </a:ext>
+            </a:extLst>
+          </p:cNvPr>
+          <p:cNvSpPr txBox="1"/>
+          <p:nvPr/>
+        </p:nvSpPr>
+        <p:spPr>
+          <a:xfrm>
+            <a:off x="9526132" y="1662689"/>
+            <a:ext cx="647934" cy="369332"/>
+          </a:xfrm>
+          <a:prstGeom prst="rect">
+            <a:avLst/>
+          </a:prstGeom>
+          <a:noFill/>
+        </p:spPr>
+        <p:txBody>
+          <a:bodyPr wrap="none" rtlCol="0">
+            <a:spAutoFit/>
+          </a:bodyPr>
+          <a:lstStyle/>
+          <a:p>
+            <a:pPr algn="ctr"/>
+            <a:r>
+              <a:rPr lang="en-US" b="1" dirty="0">
+                <a:solidFill>
+                  <a:schemeClr val="bg1"/>
+                </a:solidFill>
+                <a:latin typeface="Yu Gothic" panose="020B0400000000000000" pitchFamily="34" charset="-128"/>
+                <a:ea typeface="Yu Gothic" panose="020B0400000000000000" pitchFamily="34" charset="-128"/>
+              </a:rPr>
+              <a:t>FCS</a:t>
+            </a:r>
+          </a:p>
+        </p:txBody>
+      </p:sp>
+      <p:sp>
+        <p:nvSpPr>
+          <p:cNvPr id="36" name="TextBox 35">
+            <a:extLst>
+              <a:ext uri="{FF2B5EF4-FFF2-40B4-BE49-F238E27FC236}">
+                <a16:creationId xmlns:a16="http://schemas.microsoft.com/office/drawing/2014/main" id="{A92EF017-8DD1-BA43-8F84-F36BDD3D92FF}"/>
+              </a:ext>
+            </a:extLst>
+          </p:cNvPr>
+          <p:cNvSpPr txBox="1"/>
+          <p:nvPr/>
+        </p:nvSpPr>
+        <p:spPr>
+          <a:xfrm>
+            <a:off x="6574606" y="1662689"/>
+            <a:ext cx="2470549" cy="369332"/>
+          </a:xfrm>
+          <a:prstGeom prst="rect">
+            <a:avLst/>
+          </a:prstGeom>
+          <a:noFill/>
+        </p:spPr>
+        <p:txBody>
+          <a:bodyPr wrap="none" rtlCol="0">
+            <a:spAutoFit/>
+          </a:bodyPr>
+          <a:lstStyle/>
+          <a:p>
+            <a:pPr algn="ctr"/>
+            <a:r>
+              <a:rPr lang="ja-JP" altLang="en-US" b="1">
+                <a:latin typeface="Yu Gothic" panose="020B0400000000000000" pitchFamily="34" charset="-128"/>
+                <a:ea typeface="Yu Gothic" panose="020B0400000000000000" pitchFamily="34" charset="-128"/>
+              </a:rPr>
+              <a:t>データ</a:t>
+            </a:r>
+            <a:r>
+              <a:rPr lang="en-US" altLang="ja-JP" b="1" dirty="0">
+                <a:latin typeface="Yu Gothic" panose="020B0400000000000000" pitchFamily="34" charset="-128"/>
+                <a:ea typeface="Yu Gothic" panose="020B0400000000000000" pitchFamily="34" charset="-128"/>
+              </a:rPr>
+              <a:t>(IP</a:t>
+            </a:r>
+            <a:r>
+              <a:rPr lang="ja-JP" altLang="en-US" b="1">
+                <a:latin typeface="Yu Gothic" panose="020B0400000000000000" pitchFamily="34" charset="-128"/>
+                <a:ea typeface="Yu Gothic" panose="020B0400000000000000" pitchFamily="34" charset="-128"/>
+              </a:rPr>
+              <a:t>や</a:t>
+            </a:r>
+            <a:r>
+              <a:rPr lang="en-US" altLang="ja-JP" b="1" dirty="0">
+                <a:latin typeface="Yu Gothic" panose="020B0400000000000000" pitchFamily="34" charset="-128"/>
+                <a:ea typeface="Yu Gothic" panose="020B0400000000000000" pitchFamily="34" charset="-128"/>
+              </a:rPr>
+              <a:t>ARP</a:t>
+            </a:r>
+            <a:r>
+              <a:rPr lang="ja-JP" altLang="en-US" b="1">
+                <a:latin typeface="Yu Gothic" panose="020B0400000000000000" pitchFamily="34" charset="-128"/>
+                <a:ea typeface="Yu Gothic" panose="020B0400000000000000" pitchFamily="34" charset="-128"/>
+              </a:rPr>
+              <a:t>など</a:t>
+            </a:r>
+            <a:r>
+              <a:rPr lang="en-US" altLang="ja-JP" b="1" dirty="0">
+                <a:latin typeface="Yu Gothic" panose="020B0400000000000000" pitchFamily="34" charset="-128"/>
+                <a:ea typeface="Yu Gothic" panose="020B0400000000000000" pitchFamily="34" charset="-128"/>
+              </a:rPr>
+              <a:t>)</a:t>
+            </a:r>
+            <a:endParaRPr lang="en-US" b="1" dirty="0">
+              <a:latin typeface="Yu Gothic" panose="020B0400000000000000" pitchFamily="34" charset="-128"/>
+              <a:ea typeface="Yu Gothic" panose="020B0400000000000000" pitchFamily="34" charset="-128"/>
+            </a:endParaRPr>
           </a:p>
         </p:txBody>
       </p:sp>
     </p:spTree>
     <p:extLst>
       <p:ext uri="{BB962C8B-B14F-4D97-AF65-F5344CB8AC3E}">
-        <p14:creationId xmlns:p14="http://schemas.microsoft.com/office/powerpoint/2010/main" val="3276356272"/>
+        <p14:creationId xmlns:p14="http://schemas.microsoft.com/office/powerpoint/2010/main" val="3836383412"/>
       </p:ext>
     </p:extLst>
   </p:cSld>
@@ -6690,17 +6327,17 @@
         </p:nvSpPr>
         <p:spPr>
           <a:xfrm>
-            <a:off x="7872733" y="1749794"/>
-            <a:ext cx="3656658" cy="2709774"/>
+            <a:off x="8385142" y="1630016"/>
+            <a:ext cx="3342723" cy="4838216"/>
           </a:xfrm>
           <a:prstGeom prst="wedgeRectCallout">
             <a:avLst>
-              <a:gd name="adj1" fmla="val -124995"/>
-              <a:gd name="adj2" fmla="val -44957"/>
+              <a:gd name="adj1" fmla="val -67403"/>
+              <a:gd name="adj2" fmla="val 8338"/>
             </a:avLst>
           </a:prstGeom>
           <a:solidFill>
-            <a:schemeClr val="accent1"/>
+            <a:schemeClr val="accent2"/>
           </a:solidFill>
           <a:ln>
             <a:noFill/>
@@ -6731,59 +6368,6 @@
           </a:p>
         </p:txBody>
       </p:sp>
-      <p:sp>
-        <p:nvSpPr>
-          <p:cNvPr id="17" name="Rounded Rectangle 16">
-            <a:extLst>
-              <a:ext uri="{FF2B5EF4-FFF2-40B4-BE49-F238E27FC236}">
-                <a16:creationId xmlns:a16="http://schemas.microsoft.com/office/drawing/2014/main" id="{BD98CFC9-E81F-B24F-A668-DFDDF3B4C4F1}"/>
-              </a:ext>
-            </a:extLst>
-          </p:cNvPr>
-          <p:cNvSpPr/>
-          <p:nvPr/>
-        </p:nvSpPr>
-        <p:spPr>
-          <a:xfrm>
-            <a:off x="357807" y="1216280"/>
-            <a:ext cx="11499576" cy="4637867"/>
-          </a:xfrm>
-          <a:prstGeom prst="roundRect">
-            <a:avLst/>
-          </a:prstGeom>
-          <a:noFill/>
-          <a:ln w="76200">
-            <a:solidFill>
-              <a:schemeClr val="accent5"/>
-            </a:solidFill>
-            <a:prstDash val="dash"/>
-          </a:ln>
-        </p:spPr>
-        <p:style>
-          <a:lnRef idx="2">
-            <a:schemeClr val="accent1">
-              <a:shade val="50000"/>
-            </a:schemeClr>
-          </a:lnRef>
-          <a:fillRef idx="1">
-            <a:schemeClr val="accent1"/>
-          </a:fillRef>
-          <a:effectRef idx="0">
-            <a:schemeClr val="accent1"/>
-          </a:effectRef>
-          <a:fontRef idx="minor">
-            <a:schemeClr val="lt1"/>
-          </a:fontRef>
-        </p:style>
-        <p:txBody>
-          <a:bodyPr rtlCol="0" anchor="ctr"/>
-          <a:lstStyle/>
-          <a:p>
-            <a:pPr algn="ctr"/>
-            <a:endParaRPr lang="en-US"/>
-          </a:p>
-        </p:txBody>
-      </p:sp>
       <p:cxnSp>
         <p:nvCxnSpPr>
           <p:cNvPr id="21" name="Straight Connector 20">
@@ -6800,13 +6384,13 @@
         </p:nvCxnSpPr>
         <p:spPr>
           <a:xfrm>
-            <a:off x="4478484" y="1838431"/>
+            <a:off x="4468545" y="2613683"/>
             <a:ext cx="2724554" cy="1689960"/>
           </a:xfrm>
           <a:prstGeom prst="line">
             <a:avLst/>
           </a:prstGeom>
-          <a:ln w="76200">
+          <a:ln w="38100">
             <a:solidFill>
               <a:schemeClr val="tx1"/>
             </a:solidFill>
@@ -6843,13 +6427,13 @@
         </p:nvCxnSpPr>
         <p:spPr>
           <a:xfrm flipV="1">
-            <a:off x="4588282" y="3737112"/>
+            <a:off x="4578343" y="4512364"/>
             <a:ext cx="2438683" cy="1576910"/>
           </a:xfrm>
           <a:prstGeom prst="line">
             <a:avLst/>
           </a:prstGeom>
-          <a:ln w="76200">
+          <a:ln w="38100">
             <a:solidFill>
               <a:schemeClr val="tx1"/>
             </a:solidFill>
@@ -6898,7 +6482,7 @@
         </p:blipFill>
         <p:spPr>
           <a:xfrm>
-            <a:off x="3671386" y="1239570"/>
+            <a:off x="3661447" y="2014822"/>
             <a:ext cx="1318030" cy="1318030"/>
           </a:xfrm>
           <a:prstGeom prst="rect">
@@ -6934,7 +6518,7 @@
         </p:blipFill>
         <p:spPr>
           <a:xfrm>
-            <a:off x="3667323" y="4615855"/>
+            <a:off x="3657384" y="5391107"/>
             <a:ext cx="1318030" cy="1318030"/>
           </a:xfrm>
           <a:prstGeom prst="rect">
@@ -6958,13 +6542,13 @@
         </p:nvCxnSpPr>
         <p:spPr>
           <a:xfrm>
-            <a:off x="4431225" y="3608300"/>
+            <a:off x="4421286" y="4383552"/>
             <a:ext cx="2634410" cy="0"/>
           </a:xfrm>
           <a:prstGeom prst="line">
             <a:avLst/>
           </a:prstGeom>
-          <a:ln w="76200">
+          <a:ln w="38100">
             <a:solidFill>
               <a:schemeClr val="tx1"/>
             </a:solidFill>
@@ -7013,7 +6597,7 @@
         </p:blipFill>
         <p:spPr>
           <a:xfrm>
-            <a:off x="6597587" y="3002849"/>
+            <a:off x="6587648" y="3778101"/>
             <a:ext cx="1210903" cy="1210903"/>
           </a:xfrm>
           <a:prstGeom prst="rect">
@@ -7049,7 +6633,7 @@
         </p:blipFill>
         <p:spPr>
           <a:xfrm>
-            <a:off x="3671386" y="2949285"/>
+            <a:off x="3661447" y="3724537"/>
             <a:ext cx="1318030" cy="1318030"/>
           </a:xfrm>
           <a:prstGeom prst="rect">
@@ -7059,10 +6643,10 @@
       </p:pic>
       <p:sp>
         <p:nvSpPr>
-          <p:cNvPr id="20" name="TextBox 19">
-            <a:extLst>
-              <a:ext uri="{FF2B5EF4-FFF2-40B4-BE49-F238E27FC236}">
-                <a16:creationId xmlns:a16="http://schemas.microsoft.com/office/drawing/2014/main" id="{2E02E085-3CAF-BD47-B994-2BE369B03CBB}"/>
+          <p:cNvPr id="22" name="TextBox 21">
+            <a:extLst>
+              <a:ext uri="{FF2B5EF4-FFF2-40B4-BE49-F238E27FC236}">
+                <a16:creationId xmlns:a16="http://schemas.microsoft.com/office/drawing/2014/main" id="{33376BAD-646D-6E42-B7D8-9B45445AC948}"/>
               </a:ext>
             </a:extLst>
           </p:cNvPr>
@@ -7071,46 +6655,8 @@
         </p:nvSpPr>
         <p:spPr>
           <a:xfrm>
-            <a:off x="5218425" y="6039965"/>
-            <a:ext cx="1893467" cy="523220"/>
-          </a:xfrm>
-          <a:prstGeom prst="rect">
-            <a:avLst/>
-          </a:prstGeom>
-          <a:noFill/>
-        </p:spPr>
-        <p:txBody>
-          <a:bodyPr wrap="none" rtlCol="0">
-            <a:spAutoFit/>
-          </a:bodyPr>
-          <a:lstStyle/>
-          <a:p>
-            <a:r>
-              <a:rPr lang="en-US" sz="2800" b="1" dirty="0">
-                <a:latin typeface="Yu Gothic" panose="020B0400000000000000" pitchFamily="34" charset="-128"/>
-                <a:ea typeface="Yu Gothic" panose="020B0400000000000000" pitchFamily="34" charset="-128"/>
-              </a:rPr>
-              <a:t>10.0.0.0/8</a:t>
-            </a:r>
-          </a:p>
-        </p:txBody>
-      </p:sp>
-      <p:sp>
-        <p:nvSpPr>
-          <p:cNvPr id="22" name="TextBox 21">
-            <a:extLst>
-              <a:ext uri="{FF2B5EF4-FFF2-40B4-BE49-F238E27FC236}">
-                <a16:creationId xmlns:a16="http://schemas.microsoft.com/office/drawing/2014/main" id="{33376BAD-646D-6E42-B7D8-9B45445AC948}"/>
-              </a:ext>
-            </a:extLst>
-          </p:cNvPr>
-          <p:cNvSpPr txBox="1"/>
-          <p:nvPr/>
-        </p:nvSpPr>
-        <p:spPr>
-          <a:xfrm>
-            <a:off x="707227" y="1544642"/>
-            <a:ext cx="2855269" cy="707886"/>
+            <a:off x="697287" y="2166005"/>
+            <a:ext cx="2855269" cy="1015663"/>
           </a:xfrm>
           <a:prstGeom prst="rect">
             <a:avLst/>
@@ -7128,7 +6674,16 @@
                 <a:latin typeface="Yu Gothic" panose="020B0400000000000000" pitchFamily="34" charset="-128"/>
                 <a:ea typeface="Yu Gothic" panose="020B0400000000000000" pitchFamily="34" charset="-128"/>
               </a:rPr>
-              <a:t>IP : 10.0.0.101</a:t>
+              <a:t>Host: PC1</a:t>
+            </a:r>
+          </a:p>
+          <a:p>
+            <a:r>
+              <a:rPr lang="en-US" sz="2000" b="1" dirty="0">
+                <a:latin typeface="Yu Gothic" panose="020B0400000000000000" pitchFamily="34" charset="-128"/>
+                <a:ea typeface="Yu Gothic" panose="020B0400000000000000" pitchFamily="34" charset="-128"/>
+              </a:rPr>
+              <a:t>IP: 10.0.0.101</a:t>
             </a:r>
           </a:p>
           <a:p>
@@ -7156,7 +6711,7 @@
         </p:nvSpPr>
         <p:spPr>
           <a:xfrm>
-            <a:off x="707226" y="3181270"/>
+            <a:off x="697287" y="3956522"/>
             <a:ext cx="2855269" cy="707886"/>
           </a:xfrm>
           <a:prstGeom prst="rect">
@@ -7175,7 +6730,7 @@
                 <a:latin typeface="Yu Gothic" panose="020B0400000000000000" pitchFamily="34" charset="-128"/>
                 <a:ea typeface="Yu Gothic" panose="020B0400000000000000" pitchFamily="34" charset="-128"/>
               </a:rPr>
-              <a:t>IP : 10.0.0.102</a:t>
+              <a:t>IP: 10.0.0.102</a:t>
             </a:r>
           </a:p>
           <a:p>
@@ -7203,7 +6758,7 @@
         </p:nvSpPr>
         <p:spPr>
           <a:xfrm>
-            <a:off x="707226" y="4920927"/>
+            <a:off x="697287" y="5696179"/>
             <a:ext cx="2855269" cy="707886"/>
           </a:xfrm>
           <a:prstGeom prst="rect">
@@ -7222,7 +6777,7 @@
                 <a:latin typeface="Yu Gothic" panose="020B0400000000000000" pitchFamily="34" charset="-128"/>
                 <a:ea typeface="Yu Gothic" panose="020B0400000000000000" pitchFamily="34" charset="-128"/>
               </a:rPr>
-              <a:t>IP : 10.0.0.102</a:t>
+              <a:t>IP: 10.0.0.102</a:t>
             </a:r>
           </a:p>
           <a:p>
@@ -7238,10 +6793,10 @@
       </p:sp>
       <p:sp>
         <p:nvSpPr>
-          <p:cNvPr id="27" name="TextBox 26">
-            <a:extLst>
-              <a:ext uri="{FF2B5EF4-FFF2-40B4-BE49-F238E27FC236}">
-                <a16:creationId xmlns:a16="http://schemas.microsoft.com/office/drawing/2014/main" id="{063C9D13-0FEB-9F47-9916-1F68D9973A9B}"/>
+          <p:cNvPr id="26" name="TextBox 25">
+            <a:extLst>
+              <a:ext uri="{FF2B5EF4-FFF2-40B4-BE49-F238E27FC236}">
+                <a16:creationId xmlns:a16="http://schemas.microsoft.com/office/drawing/2014/main" id="{152A208E-A91A-8447-982B-97CBA7C622E2}"/>
               </a:ext>
             </a:extLst>
           </p:cNvPr>
@@ -7250,7 +6805,7 @@
         </p:nvSpPr>
         <p:spPr>
           <a:xfrm>
-            <a:off x="4872783" y="2531815"/>
+            <a:off x="4862451" y="4509652"/>
             <a:ext cx="756938" cy="400110"/>
           </a:xfrm>
           <a:prstGeom prst="rect">
@@ -7288,7 +6843,7 @@
         </p:nvSpPr>
         <p:spPr>
           <a:xfrm>
-            <a:off x="5786690" y="3139457"/>
+            <a:off x="5755414" y="4470443"/>
             <a:ext cx="756938" cy="400110"/>
           </a:xfrm>
           <a:prstGeom prst="rect">
@@ -7314,10 +6869,10 @@
       </p:sp>
       <p:sp>
         <p:nvSpPr>
-          <p:cNvPr id="29" name="TextBox 28">
-            <a:extLst>
-              <a:ext uri="{FF2B5EF4-FFF2-40B4-BE49-F238E27FC236}">
-                <a16:creationId xmlns:a16="http://schemas.microsoft.com/office/drawing/2014/main" id="{0C51C334-015D-0F49-8039-B900E6E6866C}"/>
+          <p:cNvPr id="30" name="TextBox 29">
+            <a:extLst>
+              <a:ext uri="{FF2B5EF4-FFF2-40B4-BE49-F238E27FC236}">
+                <a16:creationId xmlns:a16="http://schemas.microsoft.com/office/drawing/2014/main" id="{5AFDAE47-B587-2247-8CF1-54E41A6636D8}"/>
               </a:ext>
             </a:extLst>
           </p:cNvPr>
@@ -7326,7 +6881,7 @@
         </p:nvSpPr>
         <p:spPr>
           <a:xfrm>
-            <a:off x="4872783" y="5113967"/>
+            <a:off x="6889926" y="3421781"/>
             <a:ext cx="756938" cy="400110"/>
           </a:xfrm>
           <a:prstGeom prst="rect">
@@ -7342,6 +6897,9 @@
           <a:p>
             <a:r>
               <a:rPr lang="en-US" sz="2000" b="1" dirty="0">
+                <a:solidFill>
+                  <a:schemeClr val="accent3"/>
+                </a:solidFill>
                 <a:latin typeface="Yu Gothic" panose="020B0400000000000000" pitchFamily="34" charset="-128"/>
                 <a:ea typeface="Yu Gothic" panose="020B0400000000000000" pitchFamily="34" charset="-128"/>
               </a:rPr>
@@ -7352,10 +6910,10 @@
       </p:sp>
       <p:sp>
         <p:nvSpPr>
-          <p:cNvPr id="30" name="TextBox 29">
-            <a:extLst>
-              <a:ext uri="{FF2B5EF4-FFF2-40B4-BE49-F238E27FC236}">
-                <a16:creationId xmlns:a16="http://schemas.microsoft.com/office/drawing/2014/main" id="{5AFDAE47-B587-2247-8CF1-54E41A6636D8}"/>
+          <p:cNvPr id="31" name="TextBox 30">
+            <a:extLst>
+              <a:ext uri="{FF2B5EF4-FFF2-40B4-BE49-F238E27FC236}">
+                <a16:creationId xmlns:a16="http://schemas.microsoft.com/office/drawing/2014/main" id="{5B92D4B7-3C93-6A41-8F11-0337C68ADDB0}"/>
               </a:ext>
             </a:extLst>
           </p:cNvPr>
@@ -7364,45 +6922,7 @@
         </p:nvSpPr>
         <p:spPr>
           <a:xfrm>
-            <a:off x="6603411" y="2726253"/>
-            <a:ext cx="756938" cy="400110"/>
-          </a:xfrm>
-          <a:prstGeom prst="rect">
-            <a:avLst/>
-          </a:prstGeom>
-          <a:noFill/>
-        </p:spPr>
-        <p:txBody>
-          <a:bodyPr wrap="none" rtlCol="0">
-            <a:spAutoFit/>
-          </a:bodyPr>
-          <a:lstStyle/>
-          <a:p>
-            <a:r>
-              <a:rPr lang="en-US" sz="2000" b="1" dirty="0">
-                <a:latin typeface="Yu Gothic" panose="020B0400000000000000" pitchFamily="34" charset="-128"/>
-                <a:ea typeface="Yu Gothic" panose="020B0400000000000000" pitchFamily="34" charset="-128"/>
-              </a:rPr>
-              <a:t>g0/1</a:t>
-            </a:r>
-          </a:p>
-        </p:txBody>
-      </p:sp>
-      <p:sp>
-        <p:nvSpPr>
-          <p:cNvPr id="31" name="TextBox 30">
-            <a:extLst>
-              <a:ext uri="{FF2B5EF4-FFF2-40B4-BE49-F238E27FC236}">
-                <a16:creationId xmlns:a16="http://schemas.microsoft.com/office/drawing/2014/main" id="{5B92D4B7-3C93-6A41-8F11-0337C68ADDB0}"/>
-              </a:ext>
-            </a:extLst>
-          </p:cNvPr>
-          <p:cNvSpPr txBox="1"/>
-          <p:nvPr/>
-        </p:nvSpPr>
-        <p:spPr>
-          <a:xfrm>
-            <a:off x="6597587" y="4059457"/>
+            <a:off x="6587648" y="4834709"/>
             <a:ext cx="756938" cy="400110"/>
           </a:xfrm>
           <a:prstGeom prst="rect">
@@ -7441,14 +6961,2591 @@
           <p:nvPr>
             <p:extLst>
               <p:ext uri="{D42A27DB-BD31-4B8C-83A1-F6EECF244321}">
-                <p14:modId xmlns:p14="http://schemas.microsoft.com/office/powerpoint/2010/main" val="3223342138"/>
+                <p14:modId xmlns:p14="http://schemas.microsoft.com/office/powerpoint/2010/main" val="1170777200"/>
               </p:ext>
             </p:extLst>
           </p:nvPr>
         </p:nvGraphicFramePr>
         <p:xfrm>
-          <a:off x="8042836" y="2359492"/>
-          <a:ext cx="3331580" cy="1951332"/>
+          <a:off x="8498004" y="2849807"/>
+          <a:ext cx="3113630" cy="1270255"/>
+        </p:xfrm>
+        <a:graphic>
+          <a:graphicData uri="http://schemas.openxmlformats.org/drawingml/2006/table">
+            <a:tbl>
+              <a:tblPr firstRow="1" bandRow="1">
+                <a:tableStyleId>{5940675A-B579-460E-94D1-54222C63F5DA}</a:tableStyleId>
+              </a:tblPr>
+              <a:tblGrid>
+                <a:gridCol w="2265760">
+                  <a:extLst>
+                    <a:ext uri="{9D8B030D-6E8A-4147-A177-3AD203B41FA5}">
+                      <a16:colId xmlns:a16="http://schemas.microsoft.com/office/drawing/2014/main" val="3835641691"/>
+                    </a:ext>
+                  </a:extLst>
+                </a:gridCol>
+                <a:gridCol w="847870">
+                  <a:extLst>
+                    <a:ext uri="{9D8B030D-6E8A-4147-A177-3AD203B41FA5}">
+                      <a16:colId xmlns:a16="http://schemas.microsoft.com/office/drawing/2014/main" val="2513751279"/>
+                    </a:ext>
+                  </a:extLst>
+                </a:gridCol>
+              </a:tblGrid>
+              <a:tr h="428565">
+                <a:tc>
+                  <a:txBody>
+                    <a:bodyPr/>
+                    <a:lstStyle/>
+                    <a:p>
+                      <a:r>
+                        <a:rPr lang="en-US" sz="2000" b="1" i="0" dirty="0">
+                          <a:solidFill>
+                            <a:schemeClr val="bg1"/>
+                          </a:solidFill>
+                          <a:latin typeface="Yu Gothic" panose="020B0400000000000000" pitchFamily="34" charset="-128"/>
+                          <a:ea typeface="Yu Gothic" panose="020B0400000000000000" pitchFamily="34" charset="-128"/>
+                        </a:rPr>
+                        <a:t>Mac Address</a:t>
+                      </a:r>
+                    </a:p>
+                  </a:txBody>
+                  <a:tcPr>
+                    <a:lnL w="28575" cap="flat" cmpd="sng" algn="ctr">
+                      <a:solidFill>
+                        <a:schemeClr val="bg1"/>
+                      </a:solidFill>
+                      <a:prstDash val="solid"/>
+                      <a:round/>
+                      <a:headEnd type="none" w="med" len="med"/>
+                      <a:tailEnd type="none" w="med" len="med"/>
+                    </a:lnL>
+                    <a:lnR w="28575" cap="flat" cmpd="sng" algn="ctr">
+                      <a:solidFill>
+                        <a:schemeClr val="bg1"/>
+                      </a:solidFill>
+                      <a:prstDash val="solid"/>
+                      <a:round/>
+                      <a:headEnd type="none" w="med" len="med"/>
+                      <a:tailEnd type="none" w="med" len="med"/>
+                    </a:lnR>
+                    <a:lnT w="28575" cap="flat" cmpd="sng" algn="ctr">
+                      <a:solidFill>
+                        <a:schemeClr val="bg1"/>
+                      </a:solidFill>
+                      <a:prstDash val="solid"/>
+                      <a:round/>
+                      <a:headEnd type="none" w="med" len="med"/>
+                      <a:tailEnd type="none" w="med" len="med"/>
+                    </a:lnT>
+                    <a:lnB w="28575" cap="flat" cmpd="sng" algn="ctr">
+                      <a:solidFill>
+                        <a:schemeClr val="bg1"/>
+                      </a:solidFill>
+                      <a:prstDash val="solid"/>
+                      <a:round/>
+                      <a:headEnd type="none" w="med" len="med"/>
+                      <a:tailEnd type="none" w="med" len="med"/>
+                    </a:lnB>
+                    <a:lnTlToBr w="12700" cmpd="sng">
+                      <a:noFill/>
+                      <a:prstDash val="solid"/>
+                    </a:lnTlToBr>
+                    <a:lnBlToTr w="12700" cmpd="sng">
+                      <a:noFill/>
+                      <a:prstDash val="solid"/>
+                    </a:lnBlToTr>
+                  </a:tcPr>
+                </a:tc>
+                <a:tc>
+                  <a:txBody>
+                    <a:bodyPr/>
+                    <a:lstStyle/>
+                    <a:p>
+                      <a:r>
+                        <a:rPr lang="en-US" sz="2000" b="1" i="0" dirty="0">
+                          <a:solidFill>
+                            <a:schemeClr val="bg1"/>
+                          </a:solidFill>
+                          <a:latin typeface="Yu Gothic" panose="020B0400000000000000" pitchFamily="34" charset="-128"/>
+                          <a:ea typeface="Yu Gothic" panose="020B0400000000000000" pitchFamily="34" charset="-128"/>
+                        </a:rPr>
+                        <a:t>Ports</a:t>
+                      </a:r>
+                    </a:p>
+                  </a:txBody>
+                  <a:tcPr>
+                    <a:lnL w="28575" cap="flat" cmpd="sng" algn="ctr">
+                      <a:solidFill>
+                        <a:schemeClr val="bg1"/>
+                      </a:solidFill>
+                      <a:prstDash val="solid"/>
+                      <a:round/>
+                      <a:headEnd type="none" w="med" len="med"/>
+                      <a:tailEnd type="none" w="med" len="med"/>
+                    </a:lnL>
+                    <a:lnR w="28575" cap="flat" cmpd="sng" algn="ctr">
+                      <a:solidFill>
+                        <a:schemeClr val="bg1"/>
+                      </a:solidFill>
+                      <a:prstDash val="solid"/>
+                      <a:round/>
+                      <a:headEnd type="none" w="med" len="med"/>
+                      <a:tailEnd type="none" w="med" len="med"/>
+                    </a:lnR>
+                    <a:lnT w="28575" cap="flat" cmpd="sng" algn="ctr">
+                      <a:solidFill>
+                        <a:schemeClr val="bg1"/>
+                      </a:solidFill>
+                      <a:prstDash val="solid"/>
+                      <a:round/>
+                      <a:headEnd type="none" w="med" len="med"/>
+                      <a:tailEnd type="none" w="med" len="med"/>
+                    </a:lnT>
+                    <a:lnB w="28575" cap="flat" cmpd="sng" algn="ctr">
+                      <a:solidFill>
+                        <a:schemeClr val="bg1"/>
+                      </a:solidFill>
+                      <a:prstDash val="solid"/>
+                      <a:round/>
+                      <a:headEnd type="none" w="med" len="med"/>
+                      <a:tailEnd type="none" w="med" len="med"/>
+                    </a:lnB>
+                    <a:lnTlToBr w="12700" cmpd="sng">
+                      <a:noFill/>
+                      <a:prstDash val="solid"/>
+                    </a:lnTlToBr>
+                    <a:lnBlToTr w="12700" cmpd="sng">
+                      <a:noFill/>
+                      <a:prstDash val="solid"/>
+                    </a:lnBlToTr>
+                  </a:tcPr>
+                </a:tc>
+                <a:extLst>
+                  <a:ext uri="{0D108BD9-81ED-4DB2-BD59-A6C34878D82A}">
+                    <a16:rowId xmlns:a16="http://schemas.microsoft.com/office/drawing/2014/main" val="3830655834"/>
+                  </a:ext>
+                </a:extLst>
+              </a:tr>
+              <a:tr h="420845">
+                <a:tc>
+                  <a:txBody>
+                    <a:bodyPr/>
+                    <a:lstStyle/>
+                    <a:p>
+                      <a:endParaRPr lang="en-US" sz="2000" b="1" i="0" dirty="0">
+                        <a:solidFill>
+                          <a:schemeClr val="bg1"/>
+                        </a:solidFill>
+                        <a:latin typeface="Yu Gothic" panose="020B0400000000000000" pitchFamily="34" charset="-128"/>
+                        <a:ea typeface="Yu Gothic" panose="020B0400000000000000" pitchFamily="34" charset="-128"/>
+                      </a:endParaRPr>
+                    </a:p>
+                  </a:txBody>
+                  <a:tcPr>
+                    <a:lnL w="28575" cap="flat" cmpd="sng" algn="ctr">
+                      <a:solidFill>
+                        <a:schemeClr val="bg1"/>
+                      </a:solidFill>
+                      <a:prstDash val="solid"/>
+                      <a:round/>
+                      <a:headEnd type="none" w="med" len="med"/>
+                      <a:tailEnd type="none" w="med" len="med"/>
+                    </a:lnL>
+                    <a:lnR w="28575" cap="flat" cmpd="sng" algn="ctr">
+                      <a:solidFill>
+                        <a:schemeClr val="bg1"/>
+                      </a:solidFill>
+                      <a:prstDash val="solid"/>
+                      <a:round/>
+                      <a:headEnd type="none" w="med" len="med"/>
+                      <a:tailEnd type="none" w="med" len="med"/>
+                    </a:lnR>
+                    <a:lnT w="28575" cap="flat" cmpd="sng" algn="ctr">
+                      <a:solidFill>
+                        <a:schemeClr val="bg1"/>
+                      </a:solidFill>
+                      <a:prstDash val="solid"/>
+                      <a:round/>
+                      <a:headEnd type="none" w="med" len="med"/>
+                      <a:tailEnd type="none" w="med" len="med"/>
+                    </a:lnT>
+                    <a:lnB w="28575" cap="flat" cmpd="sng" algn="ctr">
+                      <a:solidFill>
+                        <a:schemeClr val="bg1"/>
+                      </a:solidFill>
+                      <a:prstDash val="solid"/>
+                      <a:round/>
+                      <a:headEnd type="none" w="med" len="med"/>
+                      <a:tailEnd type="none" w="med" len="med"/>
+                    </a:lnB>
+                    <a:lnTlToBr w="12700" cmpd="sng">
+                      <a:noFill/>
+                      <a:prstDash val="solid"/>
+                    </a:lnTlToBr>
+                    <a:lnBlToTr w="12700" cmpd="sng">
+                      <a:noFill/>
+                      <a:prstDash val="solid"/>
+                    </a:lnBlToTr>
+                  </a:tcPr>
+                </a:tc>
+                <a:tc>
+                  <a:txBody>
+                    <a:bodyPr/>
+                    <a:lstStyle/>
+                    <a:p>
+                      <a:endParaRPr lang="en-US" sz="2000" b="1" i="0" dirty="0">
+                        <a:solidFill>
+                          <a:schemeClr val="bg1"/>
+                        </a:solidFill>
+                        <a:latin typeface="Yu Gothic" panose="020B0400000000000000" pitchFamily="34" charset="-128"/>
+                        <a:ea typeface="Yu Gothic" panose="020B0400000000000000" pitchFamily="34" charset="-128"/>
+                      </a:endParaRPr>
+                    </a:p>
+                  </a:txBody>
+                  <a:tcPr>
+                    <a:lnL w="28575" cap="flat" cmpd="sng" algn="ctr">
+                      <a:solidFill>
+                        <a:schemeClr val="bg1"/>
+                      </a:solidFill>
+                      <a:prstDash val="solid"/>
+                      <a:round/>
+                      <a:headEnd type="none" w="med" len="med"/>
+                      <a:tailEnd type="none" w="med" len="med"/>
+                    </a:lnL>
+                    <a:lnR w="28575" cap="flat" cmpd="sng" algn="ctr">
+                      <a:solidFill>
+                        <a:schemeClr val="bg1"/>
+                      </a:solidFill>
+                      <a:prstDash val="solid"/>
+                      <a:round/>
+                      <a:headEnd type="none" w="med" len="med"/>
+                      <a:tailEnd type="none" w="med" len="med"/>
+                    </a:lnR>
+                    <a:lnT w="28575" cap="flat" cmpd="sng" algn="ctr">
+                      <a:solidFill>
+                        <a:schemeClr val="bg1"/>
+                      </a:solidFill>
+                      <a:prstDash val="solid"/>
+                      <a:round/>
+                      <a:headEnd type="none" w="med" len="med"/>
+                      <a:tailEnd type="none" w="med" len="med"/>
+                    </a:lnT>
+                    <a:lnB w="28575" cap="flat" cmpd="sng" algn="ctr">
+                      <a:solidFill>
+                        <a:schemeClr val="bg1"/>
+                      </a:solidFill>
+                      <a:prstDash val="solid"/>
+                      <a:round/>
+                      <a:headEnd type="none" w="med" len="med"/>
+                      <a:tailEnd type="none" w="med" len="med"/>
+                    </a:lnB>
+                    <a:lnTlToBr w="12700" cmpd="sng">
+                      <a:noFill/>
+                      <a:prstDash val="solid"/>
+                    </a:lnTlToBr>
+                    <a:lnBlToTr w="12700" cmpd="sng">
+                      <a:noFill/>
+                      <a:prstDash val="solid"/>
+                    </a:lnBlToTr>
+                  </a:tcPr>
+                </a:tc>
+                <a:extLst>
+                  <a:ext uri="{0D108BD9-81ED-4DB2-BD59-A6C34878D82A}">
+                    <a16:rowId xmlns:a16="http://schemas.microsoft.com/office/drawing/2014/main" val="3068683330"/>
+                  </a:ext>
+                </a:extLst>
+              </a:tr>
+              <a:tr h="420845">
+                <a:tc>
+                  <a:txBody>
+                    <a:bodyPr/>
+                    <a:lstStyle/>
+                    <a:p>
+                      <a:pPr marL="0" marR="0" lvl="0" indent="0" algn="l" defTabSz="914400" rtl="0" eaLnBrk="1" fontAlgn="auto" latinLnBrk="0" hangingPunct="1">
+                        <a:lnSpc>
+                          <a:spcPct val="100000"/>
+                        </a:lnSpc>
+                        <a:spcBef>
+                          <a:spcPts val="0"/>
+                        </a:spcBef>
+                        <a:spcAft>
+                          <a:spcPts val="0"/>
+                        </a:spcAft>
+                        <a:buClrTx/>
+                        <a:buSzTx/>
+                        <a:buFontTx/>
+                        <a:buNone/>
+                        <a:tabLst/>
+                        <a:defRPr/>
+                      </a:pPr>
+                      <a:endParaRPr lang="en-US" sz="2000" b="1" i="0" dirty="0">
+                        <a:solidFill>
+                          <a:schemeClr val="bg1"/>
+                        </a:solidFill>
+                        <a:latin typeface="Yu Gothic" panose="020B0400000000000000" pitchFamily="34" charset="-128"/>
+                        <a:ea typeface="Yu Gothic" panose="020B0400000000000000" pitchFamily="34" charset="-128"/>
+                      </a:endParaRPr>
+                    </a:p>
+                  </a:txBody>
+                  <a:tcPr>
+                    <a:lnL w="28575" cap="flat" cmpd="sng" algn="ctr">
+                      <a:solidFill>
+                        <a:schemeClr val="bg1"/>
+                      </a:solidFill>
+                      <a:prstDash val="solid"/>
+                      <a:round/>
+                      <a:headEnd type="none" w="med" len="med"/>
+                      <a:tailEnd type="none" w="med" len="med"/>
+                    </a:lnL>
+                    <a:lnR w="28575" cap="flat" cmpd="sng" algn="ctr">
+                      <a:solidFill>
+                        <a:schemeClr val="bg1"/>
+                      </a:solidFill>
+                      <a:prstDash val="solid"/>
+                      <a:round/>
+                      <a:headEnd type="none" w="med" len="med"/>
+                      <a:tailEnd type="none" w="med" len="med"/>
+                    </a:lnR>
+                    <a:lnT w="28575" cap="flat" cmpd="sng" algn="ctr">
+                      <a:solidFill>
+                        <a:schemeClr val="bg1"/>
+                      </a:solidFill>
+                      <a:prstDash val="solid"/>
+                      <a:round/>
+                      <a:headEnd type="none" w="med" len="med"/>
+                      <a:tailEnd type="none" w="med" len="med"/>
+                    </a:lnT>
+                    <a:lnB w="28575" cap="flat" cmpd="sng" algn="ctr">
+                      <a:solidFill>
+                        <a:schemeClr val="bg1"/>
+                      </a:solidFill>
+                      <a:prstDash val="solid"/>
+                      <a:round/>
+                      <a:headEnd type="none" w="med" len="med"/>
+                      <a:tailEnd type="none" w="med" len="med"/>
+                    </a:lnB>
+                    <a:lnTlToBr w="12700" cmpd="sng">
+                      <a:noFill/>
+                      <a:prstDash val="solid"/>
+                    </a:lnTlToBr>
+                    <a:lnBlToTr w="12700" cmpd="sng">
+                      <a:noFill/>
+                      <a:prstDash val="solid"/>
+                    </a:lnBlToTr>
+                  </a:tcPr>
+                </a:tc>
+                <a:tc>
+                  <a:txBody>
+                    <a:bodyPr/>
+                    <a:lstStyle/>
+                    <a:p>
+                      <a:endParaRPr lang="en-US" sz="2000" b="1" i="0" dirty="0">
+                        <a:solidFill>
+                          <a:schemeClr val="bg1"/>
+                        </a:solidFill>
+                        <a:latin typeface="Yu Gothic" panose="020B0400000000000000" pitchFamily="34" charset="-128"/>
+                        <a:ea typeface="Yu Gothic" panose="020B0400000000000000" pitchFamily="34" charset="-128"/>
+                      </a:endParaRPr>
+                    </a:p>
+                  </a:txBody>
+                  <a:tcPr>
+                    <a:lnL w="28575" cap="flat" cmpd="sng" algn="ctr">
+                      <a:solidFill>
+                        <a:schemeClr val="bg1"/>
+                      </a:solidFill>
+                      <a:prstDash val="solid"/>
+                      <a:round/>
+                      <a:headEnd type="none" w="med" len="med"/>
+                      <a:tailEnd type="none" w="med" len="med"/>
+                    </a:lnL>
+                    <a:lnR w="28575" cap="flat" cmpd="sng" algn="ctr">
+                      <a:solidFill>
+                        <a:schemeClr val="bg1"/>
+                      </a:solidFill>
+                      <a:prstDash val="solid"/>
+                      <a:round/>
+                      <a:headEnd type="none" w="med" len="med"/>
+                      <a:tailEnd type="none" w="med" len="med"/>
+                    </a:lnR>
+                    <a:lnT w="28575" cap="flat" cmpd="sng" algn="ctr">
+                      <a:solidFill>
+                        <a:schemeClr val="bg1"/>
+                      </a:solidFill>
+                      <a:prstDash val="solid"/>
+                      <a:round/>
+                      <a:headEnd type="none" w="med" len="med"/>
+                      <a:tailEnd type="none" w="med" len="med"/>
+                    </a:lnT>
+                    <a:lnB w="28575" cap="flat" cmpd="sng" algn="ctr">
+                      <a:solidFill>
+                        <a:schemeClr val="bg1"/>
+                      </a:solidFill>
+                      <a:prstDash val="solid"/>
+                      <a:round/>
+                      <a:headEnd type="none" w="med" len="med"/>
+                      <a:tailEnd type="none" w="med" len="med"/>
+                    </a:lnB>
+                    <a:lnTlToBr w="12700" cmpd="sng">
+                      <a:noFill/>
+                      <a:prstDash val="solid"/>
+                    </a:lnTlToBr>
+                    <a:lnBlToTr w="12700" cmpd="sng">
+                      <a:noFill/>
+                      <a:prstDash val="solid"/>
+                    </a:lnBlToTr>
+                  </a:tcPr>
+                </a:tc>
+                <a:extLst>
+                  <a:ext uri="{0D108BD9-81ED-4DB2-BD59-A6C34878D82A}">
+                    <a16:rowId xmlns:a16="http://schemas.microsoft.com/office/drawing/2014/main" val="1048302625"/>
+                  </a:ext>
+                </a:extLst>
+              </a:tr>
+            </a:tbl>
+          </a:graphicData>
+        </a:graphic>
+      </p:graphicFrame>
+      <p:sp>
+        <p:nvSpPr>
+          <p:cNvPr id="32" name="TextBox 31">
+            <a:extLst>
+              <a:ext uri="{FF2B5EF4-FFF2-40B4-BE49-F238E27FC236}">
+                <a16:creationId xmlns:a16="http://schemas.microsoft.com/office/drawing/2014/main" id="{5187253E-1A58-584A-88D6-C0F8C5435DA9}"/>
+              </a:ext>
+            </a:extLst>
+          </p:cNvPr>
+          <p:cNvSpPr txBox="1"/>
+          <p:nvPr/>
+        </p:nvSpPr>
+        <p:spPr>
+          <a:xfrm>
+            <a:off x="8511767" y="2385710"/>
+            <a:ext cx="1834156" cy="461665"/>
+          </a:xfrm>
+          <a:prstGeom prst="rect">
+            <a:avLst/>
+          </a:prstGeom>
+          <a:noFill/>
+        </p:spPr>
+        <p:txBody>
+          <a:bodyPr wrap="none" rtlCol="0">
+            <a:spAutoFit/>
+          </a:bodyPr>
+          <a:lstStyle/>
+          <a:p>
+            <a:r>
+              <a:rPr lang="en-US" altLang="ja-JP" sz="2400" b="1" dirty="0">
+                <a:solidFill>
+                  <a:schemeClr val="bg1"/>
+                </a:solidFill>
+                <a:latin typeface="Yu Gothic" panose="020B0400000000000000" pitchFamily="34" charset="-128"/>
+                <a:ea typeface="Yu Gothic" panose="020B0400000000000000" pitchFamily="34" charset="-128"/>
+              </a:rPr>
+              <a:t>MAC</a:t>
+            </a:r>
+            <a:r>
+              <a:rPr lang="ja-JP" altLang="en-US" sz="2400" b="1">
+                <a:solidFill>
+                  <a:schemeClr val="bg1"/>
+                </a:solidFill>
+                <a:latin typeface="Yu Gothic" panose="020B0400000000000000" pitchFamily="34" charset="-128"/>
+                <a:ea typeface="Yu Gothic" panose="020B0400000000000000" pitchFamily="34" charset="-128"/>
+              </a:rPr>
+              <a:t>学習前</a:t>
+            </a:r>
+            <a:endParaRPr lang="en-US" sz="2400" b="1" dirty="0">
+              <a:solidFill>
+                <a:schemeClr val="bg1"/>
+              </a:solidFill>
+              <a:latin typeface="Yu Gothic" panose="020B0400000000000000" pitchFamily="34" charset="-128"/>
+              <a:ea typeface="Yu Gothic" panose="020B0400000000000000" pitchFamily="34" charset="-128"/>
+            </a:endParaRPr>
+          </a:p>
+        </p:txBody>
+      </p:sp>
+      <p:sp>
+        <p:nvSpPr>
+          <p:cNvPr id="33" name="TextBox 32">
+            <a:extLst>
+              <a:ext uri="{FF2B5EF4-FFF2-40B4-BE49-F238E27FC236}">
+                <a16:creationId xmlns:a16="http://schemas.microsoft.com/office/drawing/2014/main" id="{99EA0067-5678-2A49-8B87-2ADEF9CB5546}"/>
+              </a:ext>
+            </a:extLst>
+          </p:cNvPr>
+          <p:cNvSpPr txBox="1"/>
+          <p:nvPr/>
+        </p:nvSpPr>
+        <p:spPr>
+          <a:xfrm>
+            <a:off x="4862844" y="3307067"/>
+            <a:ext cx="756938" cy="400110"/>
+          </a:xfrm>
+          <a:prstGeom prst="rect">
+            <a:avLst/>
+          </a:prstGeom>
+          <a:noFill/>
+        </p:spPr>
+        <p:txBody>
+          <a:bodyPr wrap="none" rtlCol="0">
+            <a:spAutoFit/>
+          </a:bodyPr>
+          <a:lstStyle/>
+          <a:p>
+            <a:r>
+              <a:rPr lang="en-US" sz="2000" b="1" dirty="0">
+                <a:latin typeface="Yu Gothic" panose="020B0400000000000000" pitchFamily="34" charset="-128"/>
+                <a:ea typeface="Yu Gothic" panose="020B0400000000000000" pitchFamily="34" charset="-128"/>
+              </a:rPr>
+              <a:t>g0/1</a:t>
+            </a:r>
+          </a:p>
+        </p:txBody>
+      </p:sp>
+      <p:sp>
+        <p:nvSpPr>
+          <p:cNvPr id="34" name="TextBox 33">
+            <a:extLst>
+              <a:ext uri="{FF2B5EF4-FFF2-40B4-BE49-F238E27FC236}">
+                <a16:creationId xmlns:a16="http://schemas.microsoft.com/office/drawing/2014/main" id="{D716019F-01F3-6241-81AB-35929BEAA9E8}"/>
+              </a:ext>
+            </a:extLst>
+          </p:cNvPr>
+          <p:cNvSpPr txBox="1"/>
+          <p:nvPr/>
+        </p:nvSpPr>
+        <p:spPr>
+          <a:xfrm>
+            <a:off x="4862844" y="5889219"/>
+            <a:ext cx="756938" cy="400110"/>
+          </a:xfrm>
+          <a:prstGeom prst="rect">
+            <a:avLst/>
+          </a:prstGeom>
+          <a:noFill/>
+        </p:spPr>
+        <p:txBody>
+          <a:bodyPr wrap="none" rtlCol="0">
+            <a:spAutoFit/>
+          </a:bodyPr>
+          <a:lstStyle/>
+          <a:p>
+            <a:r>
+              <a:rPr lang="en-US" sz="2000" b="1" dirty="0">
+                <a:latin typeface="Yu Gothic" panose="020B0400000000000000" pitchFamily="34" charset="-128"/>
+                <a:ea typeface="Yu Gothic" panose="020B0400000000000000" pitchFamily="34" charset="-128"/>
+              </a:rPr>
+              <a:t>g0/1</a:t>
+            </a:r>
+          </a:p>
+        </p:txBody>
+      </p:sp>
+      <p:graphicFrame>
+        <p:nvGraphicFramePr>
+          <p:cNvPr id="27" name="Table 26">
+            <a:extLst>
+              <a:ext uri="{FF2B5EF4-FFF2-40B4-BE49-F238E27FC236}">
+                <a16:creationId xmlns:a16="http://schemas.microsoft.com/office/drawing/2014/main" id="{BC5B5227-A0D5-0F42-B1BF-6D59B7CF39FA}"/>
+              </a:ext>
+            </a:extLst>
+          </p:cNvPr>
+          <p:cNvGraphicFramePr>
+            <a:graphicFrameLocks noGrp="1"/>
+          </p:cNvGraphicFramePr>
+          <p:nvPr>
+            <p:extLst>
+              <p:ext uri="{D42A27DB-BD31-4B8C-83A1-F6EECF244321}">
+                <p14:modId xmlns:p14="http://schemas.microsoft.com/office/powerpoint/2010/main" val="466420211"/>
+              </p:ext>
+            </p:extLst>
+          </p:nvPr>
+        </p:nvGraphicFramePr>
+        <p:xfrm>
+          <a:off x="8492106" y="5101173"/>
+          <a:ext cx="3113630" cy="1188720"/>
+        </p:xfrm>
+        <a:graphic>
+          <a:graphicData uri="http://schemas.openxmlformats.org/drawingml/2006/table">
+            <a:tbl>
+              <a:tblPr firstRow="1" bandRow="1">
+                <a:tableStyleId>{5940675A-B579-460E-94D1-54222C63F5DA}</a:tableStyleId>
+              </a:tblPr>
+              <a:tblGrid>
+                <a:gridCol w="2265760">
+                  <a:extLst>
+                    <a:ext uri="{9D8B030D-6E8A-4147-A177-3AD203B41FA5}">
+                      <a16:colId xmlns:a16="http://schemas.microsoft.com/office/drawing/2014/main" val="3835641691"/>
+                    </a:ext>
+                  </a:extLst>
+                </a:gridCol>
+                <a:gridCol w="847870">
+                  <a:extLst>
+                    <a:ext uri="{9D8B030D-6E8A-4147-A177-3AD203B41FA5}">
+                      <a16:colId xmlns:a16="http://schemas.microsoft.com/office/drawing/2014/main" val="2513751279"/>
+                    </a:ext>
+                  </a:extLst>
+                </a:gridCol>
+              </a:tblGrid>
+              <a:tr h="393729">
+                <a:tc>
+                  <a:txBody>
+                    <a:bodyPr/>
+                    <a:lstStyle/>
+                    <a:p>
+                      <a:r>
+                        <a:rPr lang="en-US" sz="2000" b="1" i="0" dirty="0">
+                          <a:solidFill>
+                            <a:schemeClr val="bg1"/>
+                          </a:solidFill>
+                          <a:latin typeface="Yu Gothic" panose="020B0400000000000000" pitchFamily="34" charset="-128"/>
+                          <a:ea typeface="Yu Gothic" panose="020B0400000000000000" pitchFamily="34" charset="-128"/>
+                        </a:rPr>
+                        <a:t>Mac Address</a:t>
+                      </a:r>
+                    </a:p>
+                  </a:txBody>
+                  <a:tcPr>
+                    <a:lnL w="28575" cap="flat" cmpd="sng" algn="ctr">
+                      <a:solidFill>
+                        <a:schemeClr val="bg1"/>
+                      </a:solidFill>
+                      <a:prstDash val="solid"/>
+                      <a:round/>
+                      <a:headEnd type="none" w="med" len="med"/>
+                      <a:tailEnd type="none" w="med" len="med"/>
+                    </a:lnL>
+                    <a:lnR w="28575" cap="flat" cmpd="sng" algn="ctr">
+                      <a:solidFill>
+                        <a:schemeClr val="bg1"/>
+                      </a:solidFill>
+                      <a:prstDash val="solid"/>
+                      <a:round/>
+                      <a:headEnd type="none" w="med" len="med"/>
+                      <a:tailEnd type="none" w="med" len="med"/>
+                    </a:lnR>
+                    <a:lnT w="28575" cap="flat" cmpd="sng" algn="ctr">
+                      <a:solidFill>
+                        <a:schemeClr val="bg1"/>
+                      </a:solidFill>
+                      <a:prstDash val="solid"/>
+                      <a:round/>
+                      <a:headEnd type="none" w="med" len="med"/>
+                      <a:tailEnd type="none" w="med" len="med"/>
+                    </a:lnT>
+                    <a:lnB w="28575" cap="flat" cmpd="sng" algn="ctr">
+                      <a:solidFill>
+                        <a:schemeClr val="bg1"/>
+                      </a:solidFill>
+                      <a:prstDash val="solid"/>
+                      <a:round/>
+                      <a:headEnd type="none" w="med" len="med"/>
+                      <a:tailEnd type="none" w="med" len="med"/>
+                    </a:lnB>
+                    <a:lnTlToBr w="12700" cmpd="sng">
+                      <a:noFill/>
+                      <a:prstDash val="solid"/>
+                    </a:lnTlToBr>
+                    <a:lnBlToTr w="12700" cmpd="sng">
+                      <a:noFill/>
+                      <a:prstDash val="solid"/>
+                    </a:lnBlToTr>
+                  </a:tcPr>
+                </a:tc>
+                <a:tc>
+                  <a:txBody>
+                    <a:bodyPr/>
+                    <a:lstStyle/>
+                    <a:p>
+                      <a:r>
+                        <a:rPr lang="en-US" sz="2000" b="1" i="0" dirty="0">
+                          <a:solidFill>
+                            <a:schemeClr val="bg1"/>
+                          </a:solidFill>
+                          <a:latin typeface="Yu Gothic" panose="020B0400000000000000" pitchFamily="34" charset="-128"/>
+                          <a:ea typeface="Yu Gothic" panose="020B0400000000000000" pitchFamily="34" charset="-128"/>
+                        </a:rPr>
+                        <a:t>Ports</a:t>
+                      </a:r>
+                    </a:p>
+                  </a:txBody>
+                  <a:tcPr>
+                    <a:lnL w="28575" cap="flat" cmpd="sng" algn="ctr">
+                      <a:solidFill>
+                        <a:schemeClr val="bg1"/>
+                      </a:solidFill>
+                      <a:prstDash val="solid"/>
+                      <a:round/>
+                      <a:headEnd type="none" w="med" len="med"/>
+                      <a:tailEnd type="none" w="med" len="med"/>
+                    </a:lnL>
+                    <a:lnR w="28575" cap="flat" cmpd="sng" algn="ctr">
+                      <a:solidFill>
+                        <a:schemeClr val="bg1"/>
+                      </a:solidFill>
+                      <a:prstDash val="solid"/>
+                      <a:round/>
+                      <a:headEnd type="none" w="med" len="med"/>
+                      <a:tailEnd type="none" w="med" len="med"/>
+                    </a:lnR>
+                    <a:lnT w="28575" cap="flat" cmpd="sng" algn="ctr">
+                      <a:solidFill>
+                        <a:schemeClr val="bg1"/>
+                      </a:solidFill>
+                      <a:prstDash val="solid"/>
+                      <a:round/>
+                      <a:headEnd type="none" w="med" len="med"/>
+                      <a:tailEnd type="none" w="med" len="med"/>
+                    </a:lnT>
+                    <a:lnB w="28575" cap="flat" cmpd="sng" algn="ctr">
+                      <a:solidFill>
+                        <a:schemeClr val="bg1"/>
+                      </a:solidFill>
+                      <a:prstDash val="solid"/>
+                      <a:round/>
+                      <a:headEnd type="none" w="med" len="med"/>
+                      <a:tailEnd type="none" w="med" len="med"/>
+                    </a:lnB>
+                    <a:lnTlToBr w="12700" cmpd="sng">
+                      <a:noFill/>
+                      <a:prstDash val="solid"/>
+                    </a:lnTlToBr>
+                    <a:lnBlToTr w="12700" cmpd="sng">
+                      <a:noFill/>
+                      <a:prstDash val="solid"/>
+                    </a:lnBlToTr>
+                  </a:tcPr>
+                </a:tc>
+                <a:extLst>
+                  <a:ext uri="{0D108BD9-81ED-4DB2-BD59-A6C34878D82A}">
+                    <a16:rowId xmlns:a16="http://schemas.microsoft.com/office/drawing/2014/main" val="3830655834"/>
+                  </a:ext>
+                </a:extLst>
+              </a:tr>
+              <a:tr h="386637">
+                <a:tc>
+                  <a:txBody>
+                    <a:bodyPr/>
+                    <a:lstStyle/>
+                    <a:p>
+                      <a:r>
+                        <a:rPr lang="en-US" sz="2000" b="1" i="0" dirty="0">
+                          <a:solidFill>
+                            <a:schemeClr val="bg1"/>
+                          </a:solidFill>
+                          <a:latin typeface="Yu Gothic" panose="020B0400000000000000" pitchFamily="34" charset="-128"/>
+                          <a:ea typeface="Yu Gothic" panose="020B0400000000000000" pitchFamily="34" charset="-128"/>
+                        </a:rPr>
+                        <a:t>0000.0000.0101</a:t>
+                      </a:r>
+                    </a:p>
+                  </a:txBody>
+                  <a:tcPr>
+                    <a:lnL w="28575" cap="flat" cmpd="sng" algn="ctr">
+                      <a:solidFill>
+                        <a:schemeClr val="bg1"/>
+                      </a:solidFill>
+                      <a:prstDash val="solid"/>
+                      <a:round/>
+                      <a:headEnd type="none" w="med" len="med"/>
+                      <a:tailEnd type="none" w="med" len="med"/>
+                    </a:lnL>
+                    <a:lnR w="28575" cap="flat" cmpd="sng" algn="ctr">
+                      <a:solidFill>
+                        <a:schemeClr val="bg1"/>
+                      </a:solidFill>
+                      <a:prstDash val="solid"/>
+                      <a:round/>
+                      <a:headEnd type="none" w="med" len="med"/>
+                      <a:tailEnd type="none" w="med" len="med"/>
+                    </a:lnR>
+                    <a:lnT w="28575" cap="flat" cmpd="sng" algn="ctr">
+                      <a:solidFill>
+                        <a:schemeClr val="bg1"/>
+                      </a:solidFill>
+                      <a:prstDash val="solid"/>
+                      <a:round/>
+                      <a:headEnd type="none" w="med" len="med"/>
+                      <a:tailEnd type="none" w="med" len="med"/>
+                    </a:lnT>
+                    <a:lnB w="28575" cap="flat" cmpd="sng" algn="ctr">
+                      <a:solidFill>
+                        <a:schemeClr val="bg1"/>
+                      </a:solidFill>
+                      <a:prstDash val="solid"/>
+                      <a:round/>
+                      <a:headEnd type="none" w="med" len="med"/>
+                      <a:tailEnd type="none" w="med" len="med"/>
+                    </a:lnB>
+                    <a:lnTlToBr w="12700" cmpd="sng">
+                      <a:noFill/>
+                      <a:prstDash val="solid"/>
+                    </a:lnTlToBr>
+                    <a:lnBlToTr w="12700" cmpd="sng">
+                      <a:noFill/>
+                      <a:prstDash val="solid"/>
+                    </a:lnBlToTr>
+                  </a:tcPr>
+                </a:tc>
+                <a:tc>
+                  <a:txBody>
+                    <a:bodyPr/>
+                    <a:lstStyle/>
+                    <a:p>
+                      <a:r>
+                        <a:rPr lang="en-US" sz="2000" b="1" i="0" dirty="0">
+                          <a:solidFill>
+                            <a:schemeClr val="bg1"/>
+                          </a:solidFill>
+                          <a:latin typeface="Yu Gothic" panose="020B0400000000000000" pitchFamily="34" charset="-128"/>
+                          <a:ea typeface="Yu Gothic" panose="020B0400000000000000" pitchFamily="34" charset="-128"/>
+                        </a:rPr>
+                        <a:t>g0/1</a:t>
+                      </a:r>
+                    </a:p>
+                  </a:txBody>
+                  <a:tcPr>
+                    <a:lnL w="28575" cap="flat" cmpd="sng" algn="ctr">
+                      <a:solidFill>
+                        <a:schemeClr val="bg1"/>
+                      </a:solidFill>
+                      <a:prstDash val="solid"/>
+                      <a:round/>
+                      <a:headEnd type="none" w="med" len="med"/>
+                      <a:tailEnd type="none" w="med" len="med"/>
+                    </a:lnL>
+                    <a:lnR w="28575" cap="flat" cmpd="sng" algn="ctr">
+                      <a:solidFill>
+                        <a:schemeClr val="bg1"/>
+                      </a:solidFill>
+                      <a:prstDash val="solid"/>
+                      <a:round/>
+                      <a:headEnd type="none" w="med" len="med"/>
+                      <a:tailEnd type="none" w="med" len="med"/>
+                    </a:lnR>
+                    <a:lnT w="28575" cap="flat" cmpd="sng" algn="ctr">
+                      <a:solidFill>
+                        <a:schemeClr val="bg1"/>
+                      </a:solidFill>
+                      <a:prstDash val="solid"/>
+                      <a:round/>
+                      <a:headEnd type="none" w="med" len="med"/>
+                      <a:tailEnd type="none" w="med" len="med"/>
+                    </a:lnT>
+                    <a:lnB w="28575" cap="flat" cmpd="sng" algn="ctr">
+                      <a:solidFill>
+                        <a:schemeClr val="bg1"/>
+                      </a:solidFill>
+                      <a:prstDash val="solid"/>
+                      <a:round/>
+                      <a:headEnd type="none" w="med" len="med"/>
+                      <a:tailEnd type="none" w="med" len="med"/>
+                    </a:lnB>
+                    <a:lnTlToBr w="12700" cmpd="sng">
+                      <a:noFill/>
+                      <a:prstDash val="solid"/>
+                    </a:lnTlToBr>
+                    <a:lnBlToTr w="12700" cmpd="sng">
+                      <a:noFill/>
+                      <a:prstDash val="solid"/>
+                    </a:lnBlToTr>
+                  </a:tcPr>
+                </a:tc>
+                <a:extLst>
+                  <a:ext uri="{0D108BD9-81ED-4DB2-BD59-A6C34878D82A}">
+                    <a16:rowId xmlns:a16="http://schemas.microsoft.com/office/drawing/2014/main" val="3068683330"/>
+                  </a:ext>
+                </a:extLst>
+              </a:tr>
+              <a:tr h="386637">
+                <a:tc>
+                  <a:txBody>
+                    <a:bodyPr/>
+                    <a:lstStyle/>
+                    <a:p>
+                      <a:pPr marL="0" marR="0" lvl="0" indent="0" algn="l" defTabSz="914400" rtl="0" eaLnBrk="1" fontAlgn="auto" latinLnBrk="0" hangingPunct="1">
+                        <a:lnSpc>
+                          <a:spcPct val="100000"/>
+                        </a:lnSpc>
+                        <a:spcBef>
+                          <a:spcPts val="0"/>
+                        </a:spcBef>
+                        <a:spcAft>
+                          <a:spcPts val="0"/>
+                        </a:spcAft>
+                        <a:buClrTx/>
+                        <a:buSzTx/>
+                        <a:buFontTx/>
+                        <a:buNone/>
+                        <a:tabLst/>
+                        <a:defRPr/>
+                      </a:pPr>
+                      <a:endParaRPr lang="en-US" sz="2000" b="1" i="0" dirty="0">
+                        <a:solidFill>
+                          <a:schemeClr val="bg1"/>
+                        </a:solidFill>
+                        <a:latin typeface="Yu Gothic" panose="020B0400000000000000" pitchFamily="34" charset="-128"/>
+                        <a:ea typeface="Yu Gothic" panose="020B0400000000000000" pitchFamily="34" charset="-128"/>
+                      </a:endParaRPr>
+                    </a:p>
+                  </a:txBody>
+                  <a:tcPr>
+                    <a:lnL w="28575" cap="flat" cmpd="sng" algn="ctr">
+                      <a:solidFill>
+                        <a:schemeClr val="bg1"/>
+                      </a:solidFill>
+                      <a:prstDash val="solid"/>
+                      <a:round/>
+                      <a:headEnd type="none" w="med" len="med"/>
+                      <a:tailEnd type="none" w="med" len="med"/>
+                    </a:lnL>
+                    <a:lnR w="28575" cap="flat" cmpd="sng" algn="ctr">
+                      <a:solidFill>
+                        <a:schemeClr val="bg1"/>
+                      </a:solidFill>
+                      <a:prstDash val="solid"/>
+                      <a:round/>
+                      <a:headEnd type="none" w="med" len="med"/>
+                      <a:tailEnd type="none" w="med" len="med"/>
+                    </a:lnR>
+                    <a:lnT w="28575" cap="flat" cmpd="sng" algn="ctr">
+                      <a:solidFill>
+                        <a:schemeClr val="bg1"/>
+                      </a:solidFill>
+                      <a:prstDash val="solid"/>
+                      <a:round/>
+                      <a:headEnd type="none" w="med" len="med"/>
+                      <a:tailEnd type="none" w="med" len="med"/>
+                    </a:lnT>
+                    <a:lnB w="28575" cap="flat" cmpd="sng" algn="ctr">
+                      <a:solidFill>
+                        <a:schemeClr val="bg1"/>
+                      </a:solidFill>
+                      <a:prstDash val="solid"/>
+                      <a:round/>
+                      <a:headEnd type="none" w="med" len="med"/>
+                      <a:tailEnd type="none" w="med" len="med"/>
+                    </a:lnB>
+                    <a:lnTlToBr w="12700" cmpd="sng">
+                      <a:noFill/>
+                      <a:prstDash val="solid"/>
+                    </a:lnTlToBr>
+                    <a:lnBlToTr w="12700" cmpd="sng">
+                      <a:noFill/>
+                      <a:prstDash val="solid"/>
+                    </a:lnBlToTr>
+                  </a:tcPr>
+                </a:tc>
+                <a:tc>
+                  <a:txBody>
+                    <a:bodyPr/>
+                    <a:lstStyle/>
+                    <a:p>
+                      <a:endParaRPr lang="en-US" sz="2000" b="1" i="0" dirty="0">
+                        <a:solidFill>
+                          <a:schemeClr val="bg1"/>
+                        </a:solidFill>
+                        <a:latin typeface="Yu Gothic" panose="020B0400000000000000" pitchFamily="34" charset="-128"/>
+                        <a:ea typeface="Yu Gothic" panose="020B0400000000000000" pitchFamily="34" charset="-128"/>
+                      </a:endParaRPr>
+                    </a:p>
+                  </a:txBody>
+                  <a:tcPr>
+                    <a:lnL w="28575" cap="flat" cmpd="sng" algn="ctr">
+                      <a:solidFill>
+                        <a:schemeClr val="bg1"/>
+                      </a:solidFill>
+                      <a:prstDash val="solid"/>
+                      <a:round/>
+                      <a:headEnd type="none" w="med" len="med"/>
+                      <a:tailEnd type="none" w="med" len="med"/>
+                    </a:lnL>
+                    <a:lnR w="28575" cap="flat" cmpd="sng" algn="ctr">
+                      <a:solidFill>
+                        <a:schemeClr val="bg1"/>
+                      </a:solidFill>
+                      <a:prstDash val="solid"/>
+                      <a:round/>
+                      <a:headEnd type="none" w="med" len="med"/>
+                      <a:tailEnd type="none" w="med" len="med"/>
+                    </a:lnR>
+                    <a:lnT w="28575" cap="flat" cmpd="sng" algn="ctr">
+                      <a:solidFill>
+                        <a:schemeClr val="bg1"/>
+                      </a:solidFill>
+                      <a:prstDash val="solid"/>
+                      <a:round/>
+                      <a:headEnd type="none" w="med" len="med"/>
+                      <a:tailEnd type="none" w="med" len="med"/>
+                    </a:lnT>
+                    <a:lnB w="28575" cap="flat" cmpd="sng" algn="ctr">
+                      <a:solidFill>
+                        <a:schemeClr val="bg1"/>
+                      </a:solidFill>
+                      <a:prstDash val="solid"/>
+                      <a:round/>
+                      <a:headEnd type="none" w="med" len="med"/>
+                      <a:tailEnd type="none" w="med" len="med"/>
+                    </a:lnB>
+                    <a:lnTlToBr w="12700" cmpd="sng">
+                      <a:noFill/>
+                      <a:prstDash val="solid"/>
+                    </a:lnTlToBr>
+                    <a:lnBlToTr w="12700" cmpd="sng">
+                      <a:noFill/>
+                      <a:prstDash val="solid"/>
+                    </a:lnBlToTr>
+                  </a:tcPr>
+                </a:tc>
+                <a:extLst>
+                  <a:ext uri="{0D108BD9-81ED-4DB2-BD59-A6C34878D82A}">
+                    <a16:rowId xmlns:a16="http://schemas.microsoft.com/office/drawing/2014/main" val="1048302625"/>
+                  </a:ext>
+                </a:extLst>
+              </a:tr>
+            </a:tbl>
+          </a:graphicData>
+        </a:graphic>
+      </p:graphicFrame>
+      <p:sp>
+        <p:nvSpPr>
+          <p:cNvPr id="29" name="TextBox 28">
+            <a:extLst>
+              <a:ext uri="{FF2B5EF4-FFF2-40B4-BE49-F238E27FC236}">
+                <a16:creationId xmlns:a16="http://schemas.microsoft.com/office/drawing/2014/main" id="{BB73B94C-B722-AF44-99D2-70032CA18857}"/>
+              </a:ext>
+            </a:extLst>
+          </p:cNvPr>
+          <p:cNvSpPr txBox="1"/>
+          <p:nvPr/>
+        </p:nvSpPr>
+        <p:spPr>
+          <a:xfrm>
+            <a:off x="8543481" y="4589484"/>
+            <a:ext cx="1834156" cy="461665"/>
+          </a:xfrm>
+          <a:prstGeom prst="rect">
+            <a:avLst/>
+          </a:prstGeom>
+          <a:noFill/>
+        </p:spPr>
+        <p:txBody>
+          <a:bodyPr wrap="none" rtlCol="0">
+            <a:spAutoFit/>
+          </a:bodyPr>
+          <a:lstStyle/>
+          <a:p>
+            <a:r>
+              <a:rPr lang="en-US" altLang="ja-JP" sz="2400" b="1" dirty="0">
+                <a:solidFill>
+                  <a:schemeClr val="bg1"/>
+                </a:solidFill>
+                <a:latin typeface="Yu Gothic" panose="020B0400000000000000" pitchFamily="34" charset="-128"/>
+                <a:ea typeface="Yu Gothic" panose="020B0400000000000000" pitchFamily="34" charset="-128"/>
+              </a:rPr>
+              <a:t>MAC</a:t>
+            </a:r>
+            <a:r>
+              <a:rPr lang="ja-JP" altLang="en-US" sz="2400" b="1">
+                <a:solidFill>
+                  <a:schemeClr val="bg1"/>
+                </a:solidFill>
+                <a:latin typeface="Yu Gothic" panose="020B0400000000000000" pitchFamily="34" charset="-128"/>
+                <a:ea typeface="Yu Gothic" panose="020B0400000000000000" pitchFamily="34" charset="-128"/>
+              </a:rPr>
+              <a:t>学習後</a:t>
+            </a:r>
+            <a:endParaRPr lang="en-US" sz="2400" b="1" dirty="0">
+              <a:solidFill>
+                <a:schemeClr val="bg1"/>
+              </a:solidFill>
+              <a:latin typeface="Yu Gothic" panose="020B0400000000000000" pitchFamily="34" charset="-128"/>
+              <a:ea typeface="Yu Gothic" panose="020B0400000000000000" pitchFamily="34" charset="-128"/>
+            </a:endParaRPr>
+          </a:p>
+        </p:txBody>
+      </p:sp>
+      <p:sp>
+        <p:nvSpPr>
+          <p:cNvPr id="4" name="Down Arrow 3">
+            <a:extLst>
+              <a:ext uri="{FF2B5EF4-FFF2-40B4-BE49-F238E27FC236}">
+                <a16:creationId xmlns:a16="http://schemas.microsoft.com/office/drawing/2014/main" id="{D90863E9-B8D4-2B47-B349-BA1CBEFB4916}"/>
+              </a:ext>
+            </a:extLst>
+          </p:cNvPr>
+          <p:cNvSpPr/>
+          <p:nvPr/>
+        </p:nvSpPr>
+        <p:spPr>
+          <a:xfrm>
+            <a:off x="10876224" y="4333676"/>
+            <a:ext cx="655983" cy="553882"/>
+          </a:xfrm>
+          <a:prstGeom prst="downArrow">
+            <a:avLst/>
+          </a:prstGeom>
+          <a:solidFill>
+            <a:schemeClr val="bg1"/>
+          </a:solidFill>
+          <a:ln>
+            <a:noFill/>
+          </a:ln>
+        </p:spPr>
+        <p:style>
+          <a:lnRef idx="2">
+            <a:schemeClr val="accent1">
+              <a:shade val="50000"/>
+            </a:schemeClr>
+          </a:lnRef>
+          <a:fillRef idx="1">
+            <a:schemeClr val="accent1"/>
+          </a:fillRef>
+          <a:effectRef idx="0">
+            <a:schemeClr val="accent1"/>
+          </a:effectRef>
+          <a:fontRef idx="minor">
+            <a:schemeClr val="lt1"/>
+          </a:fontRef>
+        </p:style>
+        <p:txBody>
+          <a:bodyPr rtlCol="0" anchor="ctr"/>
+          <a:lstStyle/>
+          <a:p>
+            <a:pPr algn="ctr"/>
+            <a:endParaRPr lang="en-US"/>
+          </a:p>
+        </p:txBody>
+      </p:sp>
+      <p:sp>
+        <p:nvSpPr>
+          <p:cNvPr id="35" name="Left Arrow 34">
+            <a:extLst>
+              <a:ext uri="{FF2B5EF4-FFF2-40B4-BE49-F238E27FC236}">
+                <a16:creationId xmlns:a16="http://schemas.microsoft.com/office/drawing/2014/main" id="{A09DDC15-6E8A-1247-9B4A-143914A55259}"/>
+              </a:ext>
+            </a:extLst>
+          </p:cNvPr>
+          <p:cNvSpPr/>
+          <p:nvPr/>
+        </p:nvSpPr>
+        <p:spPr>
+          <a:xfrm>
+            <a:off x="1852989" y="573570"/>
+            <a:ext cx="1063487" cy="526774"/>
+          </a:xfrm>
+          <a:prstGeom prst="leftArrow">
+            <a:avLst/>
+          </a:prstGeom>
+          <a:solidFill>
+            <a:schemeClr val="tx1"/>
+          </a:solidFill>
+          <a:ln>
+            <a:noFill/>
+          </a:ln>
+        </p:spPr>
+        <p:style>
+          <a:lnRef idx="2">
+            <a:schemeClr val="accent1">
+              <a:shade val="50000"/>
+            </a:schemeClr>
+          </a:lnRef>
+          <a:fillRef idx="1">
+            <a:schemeClr val="accent1"/>
+          </a:fillRef>
+          <a:effectRef idx="0">
+            <a:schemeClr val="accent1"/>
+          </a:effectRef>
+          <a:fontRef idx="minor">
+            <a:schemeClr val="lt1"/>
+          </a:fontRef>
+        </p:style>
+        <p:txBody>
+          <a:bodyPr rtlCol="0" anchor="ctr"/>
+          <a:lstStyle/>
+          <a:p>
+            <a:pPr algn="ctr"/>
+            <a:endParaRPr lang="en-US"/>
+          </a:p>
+        </p:txBody>
+      </p:sp>
+      <p:sp>
+        <p:nvSpPr>
+          <p:cNvPr id="36" name="Rectangle 35">
+            <a:extLst>
+              <a:ext uri="{FF2B5EF4-FFF2-40B4-BE49-F238E27FC236}">
+                <a16:creationId xmlns:a16="http://schemas.microsoft.com/office/drawing/2014/main" id="{1BCA13B3-45E4-B940-A045-D248E9A42F08}"/>
+              </a:ext>
+            </a:extLst>
+          </p:cNvPr>
+          <p:cNvSpPr/>
+          <p:nvPr/>
+        </p:nvSpPr>
+        <p:spPr>
+          <a:xfrm>
+            <a:off x="2523454" y="484063"/>
+            <a:ext cx="2717466" cy="695739"/>
+          </a:xfrm>
+          <a:prstGeom prst="rect">
+            <a:avLst/>
+          </a:prstGeom>
+          <a:solidFill>
+            <a:schemeClr val="accent2"/>
+          </a:solidFill>
+          <a:ln w="38100">
+            <a:solidFill>
+              <a:schemeClr val="tx1"/>
+            </a:solidFill>
+          </a:ln>
+        </p:spPr>
+        <p:style>
+          <a:lnRef idx="2">
+            <a:schemeClr val="accent1">
+              <a:shade val="50000"/>
+            </a:schemeClr>
+          </a:lnRef>
+          <a:fillRef idx="1">
+            <a:schemeClr val="accent1"/>
+          </a:fillRef>
+          <a:effectRef idx="0">
+            <a:schemeClr val="accent1"/>
+          </a:effectRef>
+          <a:fontRef idx="minor">
+            <a:schemeClr val="lt1"/>
+          </a:fontRef>
+        </p:style>
+        <p:txBody>
+          <a:bodyPr rtlCol="0" anchor="ctr"/>
+          <a:lstStyle/>
+          <a:p>
+            <a:pPr algn="ctr"/>
+            <a:endParaRPr lang="en-US"/>
+          </a:p>
+        </p:txBody>
+      </p:sp>
+      <p:sp>
+        <p:nvSpPr>
+          <p:cNvPr id="38" name="Rectangle 37">
+            <a:extLst>
+              <a:ext uri="{FF2B5EF4-FFF2-40B4-BE49-F238E27FC236}">
+                <a16:creationId xmlns:a16="http://schemas.microsoft.com/office/drawing/2014/main" id="{FE911098-F526-694F-A762-59E64C30E9B5}"/>
+              </a:ext>
+            </a:extLst>
+          </p:cNvPr>
+          <p:cNvSpPr/>
+          <p:nvPr/>
+        </p:nvSpPr>
+        <p:spPr>
+          <a:xfrm>
+            <a:off x="7954305" y="484060"/>
+            <a:ext cx="1530626" cy="695739"/>
+          </a:xfrm>
+          <a:prstGeom prst="rect">
+            <a:avLst/>
+          </a:prstGeom>
+          <a:solidFill>
+            <a:schemeClr val="bg2"/>
+          </a:solidFill>
+          <a:ln w="38100">
+            <a:solidFill>
+              <a:schemeClr val="tx1"/>
+            </a:solidFill>
+          </a:ln>
+        </p:spPr>
+        <p:style>
+          <a:lnRef idx="2">
+            <a:schemeClr val="accent1">
+              <a:shade val="50000"/>
+            </a:schemeClr>
+          </a:lnRef>
+          <a:fillRef idx="1">
+            <a:schemeClr val="accent1"/>
+          </a:fillRef>
+          <a:effectRef idx="0">
+            <a:schemeClr val="accent1"/>
+          </a:effectRef>
+          <a:fontRef idx="minor">
+            <a:schemeClr val="lt1"/>
+          </a:fontRef>
+        </p:style>
+        <p:txBody>
+          <a:bodyPr rtlCol="0" anchor="ctr"/>
+          <a:lstStyle/>
+          <a:p>
+            <a:pPr algn="ctr"/>
+            <a:endParaRPr lang="en-US"/>
+          </a:p>
+        </p:txBody>
+      </p:sp>
+      <p:sp>
+        <p:nvSpPr>
+          <p:cNvPr id="40" name="TextBox 39">
+            <a:extLst>
+              <a:ext uri="{FF2B5EF4-FFF2-40B4-BE49-F238E27FC236}">
+                <a16:creationId xmlns:a16="http://schemas.microsoft.com/office/drawing/2014/main" id="{4FA191BA-1921-864D-B808-71F78740E520}"/>
+              </a:ext>
+            </a:extLst>
+          </p:cNvPr>
+          <p:cNvSpPr txBox="1"/>
+          <p:nvPr/>
+        </p:nvSpPr>
+        <p:spPr>
+          <a:xfrm>
+            <a:off x="2825647" y="494112"/>
+            <a:ext cx="2113079" cy="369332"/>
+          </a:xfrm>
+          <a:prstGeom prst="rect">
+            <a:avLst/>
+          </a:prstGeom>
+          <a:noFill/>
+        </p:spPr>
+        <p:txBody>
+          <a:bodyPr wrap="none" rtlCol="0">
+            <a:spAutoFit/>
+          </a:bodyPr>
+          <a:lstStyle/>
+          <a:p>
+            <a:pPr algn="ctr"/>
+            <a:r>
+              <a:rPr lang="ja-JP" altLang="en-US" b="1">
+                <a:solidFill>
+                  <a:schemeClr val="bg1"/>
+                </a:solidFill>
+                <a:latin typeface="Yu Gothic" panose="020B0400000000000000" pitchFamily="34" charset="-128"/>
+                <a:ea typeface="Yu Gothic" panose="020B0400000000000000" pitchFamily="34" charset="-128"/>
+              </a:rPr>
+              <a:t>宛先</a:t>
+            </a:r>
+            <a:r>
+              <a:rPr lang="en-US" b="1" dirty="0">
+                <a:solidFill>
+                  <a:schemeClr val="bg1"/>
+                </a:solidFill>
+                <a:latin typeface="Yu Gothic" panose="020B0400000000000000" pitchFamily="34" charset="-128"/>
+                <a:ea typeface="Yu Gothic" panose="020B0400000000000000" pitchFamily="34" charset="-128"/>
+              </a:rPr>
+              <a:t>MAC</a:t>
+            </a:r>
+            <a:r>
+              <a:rPr lang="ja-JP" altLang="en-US" b="1">
+                <a:solidFill>
+                  <a:schemeClr val="bg1"/>
+                </a:solidFill>
+                <a:latin typeface="Yu Gothic" panose="020B0400000000000000" pitchFamily="34" charset="-128"/>
+                <a:ea typeface="Yu Gothic" panose="020B0400000000000000" pitchFamily="34" charset="-128"/>
+              </a:rPr>
+              <a:t>アドレス</a:t>
+            </a:r>
+            <a:endParaRPr lang="en-US" b="1" dirty="0">
+              <a:solidFill>
+                <a:schemeClr val="bg1"/>
+              </a:solidFill>
+              <a:latin typeface="Yu Gothic" panose="020B0400000000000000" pitchFamily="34" charset="-128"/>
+              <a:ea typeface="Yu Gothic" panose="020B0400000000000000" pitchFamily="34" charset="-128"/>
+            </a:endParaRPr>
+          </a:p>
+        </p:txBody>
+      </p:sp>
+      <p:sp>
+        <p:nvSpPr>
+          <p:cNvPr id="45" name="TextBox 44">
+            <a:extLst>
+              <a:ext uri="{FF2B5EF4-FFF2-40B4-BE49-F238E27FC236}">
+                <a16:creationId xmlns:a16="http://schemas.microsoft.com/office/drawing/2014/main" id="{3A5BA3C2-8FED-3248-9DD0-DB56F576A689}"/>
+              </a:ext>
+            </a:extLst>
+          </p:cNvPr>
+          <p:cNvSpPr txBox="1"/>
+          <p:nvPr/>
+        </p:nvSpPr>
+        <p:spPr>
+          <a:xfrm>
+            <a:off x="8322743" y="663674"/>
+            <a:ext cx="877163" cy="369332"/>
+          </a:xfrm>
+          <a:prstGeom prst="rect">
+            <a:avLst/>
+          </a:prstGeom>
+          <a:noFill/>
+        </p:spPr>
+        <p:txBody>
+          <a:bodyPr wrap="none" rtlCol="0">
+            <a:spAutoFit/>
+          </a:bodyPr>
+          <a:lstStyle/>
+          <a:p>
+            <a:pPr algn="ctr"/>
+            <a:r>
+              <a:rPr lang="ja-JP" altLang="en-US" b="1">
+                <a:latin typeface="Yu Gothic" panose="020B0400000000000000" pitchFamily="34" charset="-128"/>
+                <a:ea typeface="Yu Gothic" panose="020B0400000000000000" pitchFamily="34" charset="-128"/>
+              </a:rPr>
+              <a:t>データ</a:t>
+            </a:r>
+            <a:endParaRPr lang="en-US" b="1" dirty="0">
+              <a:latin typeface="Yu Gothic" panose="020B0400000000000000" pitchFamily="34" charset="-128"/>
+              <a:ea typeface="Yu Gothic" panose="020B0400000000000000" pitchFamily="34" charset="-128"/>
+            </a:endParaRPr>
+          </a:p>
+        </p:txBody>
+      </p:sp>
+      <p:sp>
+        <p:nvSpPr>
+          <p:cNvPr id="47" name="TextBox 46">
+            <a:extLst>
+              <a:ext uri="{FF2B5EF4-FFF2-40B4-BE49-F238E27FC236}">
+                <a16:creationId xmlns:a16="http://schemas.microsoft.com/office/drawing/2014/main" id="{0C9EE466-7486-0E4A-B975-9B5BACCF1DD3}"/>
+              </a:ext>
+            </a:extLst>
+          </p:cNvPr>
+          <p:cNvSpPr txBox="1"/>
+          <p:nvPr/>
+        </p:nvSpPr>
+        <p:spPr>
+          <a:xfrm>
+            <a:off x="2949917" y="807624"/>
+            <a:ext cx="1909497" cy="369332"/>
+          </a:xfrm>
+          <a:prstGeom prst="rect">
+            <a:avLst/>
+          </a:prstGeom>
+          <a:noFill/>
+        </p:spPr>
+        <p:txBody>
+          <a:bodyPr wrap="none" rtlCol="0">
+            <a:spAutoFit/>
+          </a:bodyPr>
+          <a:lstStyle/>
+          <a:p>
+            <a:pPr algn="ctr"/>
+            <a:r>
+              <a:rPr lang="en-US" b="1" dirty="0">
+                <a:solidFill>
+                  <a:schemeClr val="bg1"/>
+                </a:solidFill>
+                <a:latin typeface="Yu Gothic" panose="020B0400000000000000" pitchFamily="34" charset="-128"/>
+                <a:ea typeface="Yu Gothic" panose="020B0400000000000000" pitchFamily="34" charset="-128"/>
+              </a:rPr>
+              <a:t>0000.0000.0102</a:t>
+            </a:r>
+          </a:p>
+        </p:txBody>
+      </p:sp>
+      <p:sp>
+        <p:nvSpPr>
+          <p:cNvPr id="48" name="Rectangle 47">
+            <a:extLst>
+              <a:ext uri="{FF2B5EF4-FFF2-40B4-BE49-F238E27FC236}">
+                <a16:creationId xmlns:a16="http://schemas.microsoft.com/office/drawing/2014/main" id="{AF5588C0-FD6B-8B45-A30A-605F00493296}"/>
+              </a:ext>
+            </a:extLst>
+          </p:cNvPr>
+          <p:cNvSpPr/>
+          <p:nvPr/>
+        </p:nvSpPr>
+        <p:spPr>
+          <a:xfrm>
+            <a:off x="5240919" y="487540"/>
+            <a:ext cx="2717466" cy="695739"/>
+          </a:xfrm>
+          <a:prstGeom prst="rect">
+            <a:avLst/>
+          </a:prstGeom>
+          <a:solidFill>
+            <a:schemeClr val="accent3"/>
+          </a:solidFill>
+          <a:ln w="38100">
+            <a:solidFill>
+              <a:schemeClr val="tx1"/>
+            </a:solidFill>
+          </a:ln>
+        </p:spPr>
+        <p:style>
+          <a:lnRef idx="2">
+            <a:schemeClr val="accent1">
+              <a:shade val="50000"/>
+            </a:schemeClr>
+          </a:lnRef>
+          <a:fillRef idx="1">
+            <a:schemeClr val="accent1"/>
+          </a:fillRef>
+          <a:effectRef idx="0">
+            <a:schemeClr val="accent1"/>
+          </a:effectRef>
+          <a:fontRef idx="minor">
+            <a:schemeClr val="lt1"/>
+          </a:fontRef>
+        </p:style>
+        <p:txBody>
+          <a:bodyPr rtlCol="0" anchor="ctr"/>
+          <a:lstStyle/>
+          <a:p>
+            <a:pPr algn="ctr"/>
+            <a:endParaRPr lang="en-US"/>
+          </a:p>
+        </p:txBody>
+      </p:sp>
+      <p:sp>
+        <p:nvSpPr>
+          <p:cNvPr id="49" name="TextBox 48">
+            <a:extLst>
+              <a:ext uri="{FF2B5EF4-FFF2-40B4-BE49-F238E27FC236}">
+                <a16:creationId xmlns:a16="http://schemas.microsoft.com/office/drawing/2014/main" id="{3CCABE21-5E09-DC46-A132-D7CA7A940A9C}"/>
+              </a:ext>
+            </a:extLst>
+          </p:cNvPr>
+          <p:cNvSpPr txBox="1"/>
+          <p:nvPr/>
+        </p:nvSpPr>
+        <p:spPr>
+          <a:xfrm>
+            <a:off x="5427668" y="494112"/>
+            <a:ext cx="2343911" cy="369332"/>
+          </a:xfrm>
+          <a:prstGeom prst="rect">
+            <a:avLst/>
+          </a:prstGeom>
+          <a:noFill/>
+        </p:spPr>
+        <p:txBody>
+          <a:bodyPr wrap="none" rtlCol="0">
+            <a:spAutoFit/>
+          </a:bodyPr>
+          <a:lstStyle/>
+          <a:p>
+            <a:pPr algn="ctr"/>
+            <a:r>
+              <a:rPr lang="ja-JP" altLang="en-US" b="1">
+                <a:solidFill>
+                  <a:schemeClr val="bg1"/>
+                </a:solidFill>
+                <a:latin typeface="Yu Gothic" panose="020B0400000000000000" pitchFamily="34" charset="-128"/>
+                <a:ea typeface="Yu Gothic" panose="020B0400000000000000" pitchFamily="34" charset="-128"/>
+              </a:rPr>
+              <a:t>送信元</a:t>
+            </a:r>
+            <a:r>
+              <a:rPr lang="en-US" b="1" dirty="0">
+                <a:solidFill>
+                  <a:schemeClr val="bg1"/>
+                </a:solidFill>
+                <a:latin typeface="Yu Gothic" panose="020B0400000000000000" pitchFamily="34" charset="-128"/>
+                <a:ea typeface="Yu Gothic" panose="020B0400000000000000" pitchFamily="34" charset="-128"/>
+              </a:rPr>
+              <a:t>MAC</a:t>
+            </a:r>
+            <a:r>
+              <a:rPr lang="ja-JP" altLang="en-US" b="1">
+                <a:solidFill>
+                  <a:schemeClr val="bg1"/>
+                </a:solidFill>
+                <a:latin typeface="Yu Gothic" panose="020B0400000000000000" pitchFamily="34" charset="-128"/>
+                <a:ea typeface="Yu Gothic" panose="020B0400000000000000" pitchFamily="34" charset="-128"/>
+              </a:rPr>
+              <a:t>アドレス</a:t>
+            </a:r>
+            <a:endParaRPr lang="en-US" b="1" dirty="0">
+              <a:solidFill>
+                <a:schemeClr val="bg1"/>
+              </a:solidFill>
+              <a:latin typeface="Yu Gothic" panose="020B0400000000000000" pitchFamily="34" charset="-128"/>
+              <a:ea typeface="Yu Gothic" panose="020B0400000000000000" pitchFamily="34" charset="-128"/>
+            </a:endParaRPr>
+          </a:p>
+        </p:txBody>
+      </p:sp>
+      <p:sp>
+        <p:nvSpPr>
+          <p:cNvPr id="50" name="TextBox 49">
+            <a:extLst>
+              <a:ext uri="{FF2B5EF4-FFF2-40B4-BE49-F238E27FC236}">
+                <a16:creationId xmlns:a16="http://schemas.microsoft.com/office/drawing/2014/main" id="{A0E0C7FC-33EA-114D-9DFB-38CC797B79AB}"/>
+              </a:ext>
+            </a:extLst>
+          </p:cNvPr>
+          <p:cNvSpPr txBox="1"/>
+          <p:nvPr/>
+        </p:nvSpPr>
+        <p:spPr>
+          <a:xfrm>
+            <a:off x="5622425" y="811625"/>
+            <a:ext cx="1909497" cy="369332"/>
+          </a:xfrm>
+          <a:prstGeom prst="rect">
+            <a:avLst/>
+          </a:prstGeom>
+          <a:noFill/>
+        </p:spPr>
+        <p:txBody>
+          <a:bodyPr wrap="none" rtlCol="0">
+            <a:spAutoFit/>
+          </a:bodyPr>
+          <a:lstStyle/>
+          <a:p>
+            <a:pPr algn="ctr"/>
+            <a:r>
+              <a:rPr lang="en-US" b="1" dirty="0">
+                <a:solidFill>
+                  <a:schemeClr val="bg1"/>
+                </a:solidFill>
+                <a:latin typeface="Yu Gothic" panose="020B0400000000000000" pitchFamily="34" charset="-128"/>
+                <a:ea typeface="Yu Gothic" panose="020B0400000000000000" pitchFamily="34" charset="-128"/>
+              </a:rPr>
+              <a:t>0000.0000.0101</a:t>
+            </a:r>
+          </a:p>
+        </p:txBody>
+      </p:sp>
+      <p:sp>
+        <p:nvSpPr>
+          <p:cNvPr id="51" name="Left Arrow 50">
+            <a:extLst>
+              <a:ext uri="{FF2B5EF4-FFF2-40B4-BE49-F238E27FC236}">
+                <a16:creationId xmlns:a16="http://schemas.microsoft.com/office/drawing/2014/main" id="{60CAD739-EF56-A242-A42E-6BE9A895A9AD}"/>
+              </a:ext>
+            </a:extLst>
+          </p:cNvPr>
+          <p:cNvSpPr/>
+          <p:nvPr/>
+        </p:nvSpPr>
+        <p:spPr>
+          <a:xfrm>
+            <a:off x="5558491" y="3979736"/>
+            <a:ext cx="1868736" cy="395895"/>
+          </a:xfrm>
+          <a:prstGeom prst="leftArrow">
+            <a:avLst>
+              <a:gd name="adj1" fmla="val 24894"/>
+              <a:gd name="adj2" fmla="val 50000"/>
+            </a:avLst>
+          </a:prstGeom>
+          <a:solidFill>
+            <a:schemeClr val="accent3"/>
+          </a:solidFill>
+          <a:ln>
+            <a:noFill/>
+          </a:ln>
+        </p:spPr>
+        <p:style>
+          <a:lnRef idx="2">
+            <a:schemeClr val="accent1">
+              <a:shade val="50000"/>
+            </a:schemeClr>
+          </a:lnRef>
+          <a:fillRef idx="1">
+            <a:schemeClr val="accent1"/>
+          </a:fillRef>
+          <a:effectRef idx="0">
+            <a:schemeClr val="accent1"/>
+          </a:effectRef>
+          <a:fontRef idx="minor">
+            <a:schemeClr val="lt1"/>
+          </a:fontRef>
+        </p:style>
+        <p:txBody>
+          <a:bodyPr rtlCol="0" anchor="ctr"/>
+          <a:lstStyle/>
+          <a:p>
+            <a:pPr algn="ctr"/>
+            <a:endParaRPr lang="en-US"/>
+          </a:p>
+        </p:txBody>
+      </p:sp>
+      <p:sp>
+        <p:nvSpPr>
+          <p:cNvPr id="5" name="Rectangle 4">
+            <a:extLst>
+              <a:ext uri="{FF2B5EF4-FFF2-40B4-BE49-F238E27FC236}">
+                <a16:creationId xmlns:a16="http://schemas.microsoft.com/office/drawing/2014/main" id="{B9923872-4471-E441-A8A5-9BCA1428037F}"/>
+              </a:ext>
+            </a:extLst>
+          </p:cNvPr>
+          <p:cNvSpPr/>
+          <p:nvPr/>
+        </p:nvSpPr>
+        <p:spPr>
+          <a:xfrm rot="1945716">
+            <a:off x="5806672" y="3650498"/>
+            <a:ext cx="1719900" cy="122692"/>
+          </a:xfrm>
+          <a:prstGeom prst="rect">
+            <a:avLst/>
+          </a:prstGeom>
+          <a:solidFill>
+            <a:schemeClr val="accent3"/>
+          </a:solidFill>
+          <a:ln>
+            <a:noFill/>
+          </a:ln>
+        </p:spPr>
+        <p:style>
+          <a:lnRef idx="2">
+            <a:schemeClr val="accent1">
+              <a:shade val="50000"/>
+            </a:schemeClr>
+          </a:lnRef>
+          <a:fillRef idx="1">
+            <a:schemeClr val="accent1"/>
+          </a:fillRef>
+          <a:effectRef idx="0">
+            <a:schemeClr val="accent1"/>
+          </a:effectRef>
+          <a:fontRef idx="minor">
+            <a:schemeClr val="lt1"/>
+          </a:fontRef>
+        </p:style>
+        <p:txBody>
+          <a:bodyPr rtlCol="0" anchor="ctr"/>
+          <a:lstStyle/>
+          <a:p>
+            <a:pPr algn="ctr"/>
+            <a:endParaRPr lang="en-US"/>
+          </a:p>
+        </p:txBody>
+      </p:sp>
+      <p:sp>
+        <p:nvSpPr>
+          <p:cNvPr id="52" name="TextBox 51">
+            <a:extLst>
+              <a:ext uri="{FF2B5EF4-FFF2-40B4-BE49-F238E27FC236}">
+                <a16:creationId xmlns:a16="http://schemas.microsoft.com/office/drawing/2014/main" id="{576D8E09-8F60-E145-B36F-35F9EAD0D87D}"/>
+              </a:ext>
+            </a:extLst>
+          </p:cNvPr>
+          <p:cNvSpPr txBox="1"/>
+          <p:nvPr/>
+        </p:nvSpPr>
+        <p:spPr>
+          <a:xfrm>
+            <a:off x="8511767" y="1714992"/>
+            <a:ext cx="3145413" cy="461665"/>
+          </a:xfrm>
+          <a:prstGeom prst="rect">
+            <a:avLst/>
+          </a:prstGeom>
+          <a:noFill/>
+        </p:spPr>
+        <p:txBody>
+          <a:bodyPr wrap="none" rtlCol="0">
+            <a:spAutoFit/>
+          </a:bodyPr>
+          <a:lstStyle/>
+          <a:p>
+            <a:r>
+              <a:rPr lang="en-US" sz="2400" b="1" dirty="0">
+                <a:solidFill>
+                  <a:schemeClr val="bg1"/>
+                </a:solidFill>
+                <a:latin typeface="Yu Gothic" panose="020B0400000000000000" pitchFamily="34" charset="-128"/>
+                <a:ea typeface="Yu Gothic" panose="020B0400000000000000" pitchFamily="34" charset="-128"/>
+              </a:rPr>
+              <a:t>MAC Address Table</a:t>
+            </a:r>
+          </a:p>
+        </p:txBody>
+      </p:sp>
+    </p:spTree>
+    <p:extLst>
+      <p:ext uri="{BB962C8B-B14F-4D97-AF65-F5344CB8AC3E}">
+        <p14:creationId xmlns:p14="http://schemas.microsoft.com/office/powerpoint/2010/main" val="3276356272"/>
+      </p:ext>
+    </p:extLst>
+  </p:cSld>
+  <p:clrMapOvr>
+    <a:masterClrMapping/>
+  </p:clrMapOvr>
+</p:sld>
+</file>
+
+<file path=ppt/slides/slide5.xml><?xml version="1.0" encoding="utf-8"?>
+<p:sld xmlns:a="http://schemas.openxmlformats.org/drawingml/2006/main" xmlns:r="http://schemas.openxmlformats.org/officeDocument/2006/relationships" xmlns:p="http://schemas.openxmlformats.org/presentationml/2006/main">
+  <p:cSld>
+    <p:spTree>
+      <p:nvGrpSpPr>
+        <p:cNvPr id="1" name=""/>
+        <p:cNvGrpSpPr/>
+        <p:nvPr/>
+      </p:nvGrpSpPr>
+      <p:grpSpPr>
+        <a:xfrm>
+          <a:off x="0" y="0"/>
+          <a:ext cx="0" cy="0"/>
+          <a:chOff x="0" y="0"/>
+          <a:chExt cx="0" cy="0"/>
+        </a:xfrm>
+      </p:grpSpPr>
+      <p:sp>
+        <p:nvSpPr>
+          <p:cNvPr id="3" name="Rectangular Callout 2">
+            <a:extLst>
+              <a:ext uri="{FF2B5EF4-FFF2-40B4-BE49-F238E27FC236}">
+                <a16:creationId xmlns:a16="http://schemas.microsoft.com/office/drawing/2014/main" id="{D6C0643E-B09D-8143-9120-6B5DF4CCA66D}"/>
+              </a:ext>
+            </a:extLst>
+          </p:cNvPr>
+          <p:cNvSpPr/>
+          <p:nvPr/>
+        </p:nvSpPr>
+        <p:spPr>
+          <a:xfrm>
+            <a:off x="7872733" y="1749794"/>
+            <a:ext cx="3656658" cy="2517521"/>
+          </a:xfrm>
+          <a:prstGeom prst="wedgeRectCallout">
+            <a:avLst>
+              <a:gd name="adj1" fmla="val -124995"/>
+              <a:gd name="adj2" fmla="val -44957"/>
+            </a:avLst>
+          </a:prstGeom>
+          <a:solidFill>
+            <a:schemeClr val="accent1"/>
+          </a:solidFill>
+          <a:ln>
+            <a:noFill/>
+          </a:ln>
+        </p:spPr>
+        <p:style>
+          <a:lnRef idx="2">
+            <a:schemeClr val="accent1">
+              <a:shade val="50000"/>
+            </a:schemeClr>
+          </a:lnRef>
+          <a:fillRef idx="1">
+            <a:schemeClr val="accent1"/>
+          </a:fillRef>
+          <a:effectRef idx="0">
+            <a:schemeClr val="accent1"/>
+          </a:effectRef>
+          <a:fontRef idx="minor">
+            <a:schemeClr val="lt1"/>
+          </a:fontRef>
+        </p:style>
+        <p:txBody>
+          <a:bodyPr rtlCol="0" anchor="ctr"/>
+          <a:lstStyle/>
+          <a:p>
+            <a:pPr algn="ctr"/>
+            <a:endParaRPr lang="en-US"/>
+          </a:p>
+        </p:txBody>
+      </p:sp>
+      <p:sp>
+        <p:nvSpPr>
+          <p:cNvPr id="17" name="Rounded Rectangle 16">
+            <a:extLst>
+              <a:ext uri="{FF2B5EF4-FFF2-40B4-BE49-F238E27FC236}">
+                <a16:creationId xmlns:a16="http://schemas.microsoft.com/office/drawing/2014/main" id="{BD98CFC9-E81F-B24F-A668-DFDDF3B4C4F1}"/>
+              </a:ext>
+            </a:extLst>
+          </p:cNvPr>
+          <p:cNvSpPr/>
+          <p:nvPr/>
+        </p:nvSpPr>
+        <p:spPr>
+          <a:xfrm>
+            <a:off x="357807" y="1216280"/>
+            <a:ext cx="11499576" cy="4637867"/>
+          </a:xfrm>
+          <a:prstGeom prst="roundRect">
+            <a:avLst/>
+          </a:prstGeom>
+          <a:noFill/>
+          <a:ln w="76200">
+            <a:solidFill>
+              <a:schemeClr val="accent5"/>
+            </a:solidFill>
+            <a:prstDash val="dash"/>
+          </a:ln>
+        </p:spPr>
+        <p:style>
+          <a:lnRef idx="2">
+            <a:schemeClr val="accent1">
+              <a:shade val="50000"/>
+            </a:schemeClr>
+          </a:lnRef>
+          <a:fillRef idx="1">
+            <a:schemeClr val="accent1"/>
+          </a:fillRef>
+          <a:effectRef idx="0">
+            <a:schemeClr val="accent1"/>
+          </a:effectRef>
+          <a:fontRef idx="minor">
+            <a:schemeClr val="lt1"/>
+          </a:fontRef>
+        </p:style>
+        <p:txBody>
+          <a:bodyPr rtlCol="0" anchor="ctr"/>
+          <a:lstStyle/>
+          <a:p>
+            <a:pPr algn="ctr"/>
+            <a:endParaRPr lang="en-US"/>
+          </a:p>
+        </p:txBody>
+      </p:sp>
+      <p:cxnSp>
+        <p:nvCxnSpPr>
+          <p:cNvPr id="21" name="Straight Connector 20">
+            <a:extLst>
+              <a:ext uri="{FF2B5EF4-FFF2-40B4-BE49-F238E27FC236}">
+                <a16:creationId xmlns:a16="http://schemas.microsoft.com/office/drawing/2014/main" id="{D7F33E11-F8D9-8F46-A3ED-36FE137F8571}"/>
+              </a:ext>
+            </a:extLst>
+          </p:cNvPr>
+          <p:cNvCxnSpPr>
+            <a:cxnSpLocks/>
+          </p:cNvCxnSpPr>
+          <p:nvPr/>
+        </p:nvCxnSpPr>
+        <p:spPr>
+          <a:xfrm>
+            <a:off x="4478484" y="1838431"/>
+            <a:ext cx="2724554" cy="1689960"/>
+          </a:xfrm>
+          <a:prstGeom prst="line">
+            <a:avLst/>
+          </a:prstGeom>
+          <a:ln w="76200">
+            <a:solidFill>
+              <a:schemeClr val="tx1"/>
+            </a:solidFill>
+          </a:ln>
+        </p:spPr>
+        <p:style>
+          <a:lnRef idx="1">
+            <a:schemeClr val="accent1"/>
+          </a:lnRef>
+          <a:fillRef idx="0">
+            <a:schemeClr val="accent1"/>
+          </a:fillRef>
+          <a:effectRef idx="0">
+            <a:schemeClr val="accent1"/>
+          </a:effectRef>
+          <a:fontRef idx="minor">
+            <a:schemeClr val="tx1"/>
+          </a:fontRef>
+        </p:style>
+      </p:cxnSp>
+      <p:cxnSp>
+        <p:nvCxnSpPr>
+          <p:cNvPr id="25" name="Straight Connector 24">
+            <a:extLst>
+              <a:ext uri="{FF2B5EF4-FFF2-40B4-BE49-F238E27FC236}">
+                <a16:creationId xmlns:a16="http://schemas.microsoft.com/office/drawing/2014/main" id="{82F68239-DFD2-6E4A-9A31-A58481674091}"/>
+              </a:ext>
+            </a:extLst>
+          </p:cNvPr>
+          <p:cNvCxnSpPr>
+            <a:cxnSpLocks/>
+          </p:cNvCxnSpPr>
+          <p:nvPr/>
+        </p:nvCxnSpPr>
+        <p:spPr>
+          <a:xfrm flipV="1">
+            <a:off x="4588282" y="3737112"/>
+            <a:ext cx="2438683" cy="1576910"/>
+          </a:xfrm>
+          <a:prstGeom prst="line">
+            <a:avLst/>
+          </a:prstGeom>
+          <a:ln w="76200">
+            <a:solidFill>
+              <a:schemeClr val="tx1"/>
+            </a:solidFill>
+          </a:ln>
+        </p:spPr>
+        <p:style>
+          <a:lnRef idx="1">
+            <a:schemeClr val="accent1"/>
+          </a:lnRef>
+          <a:fillRef idx="0">
+            <a:schemeClr val="accent1"/>
+          </a:fillRef>
+          <a:effectRef idx="0">
+            <a:schemeClr val="accent1"/>
+          </a:effectRef>
+          <a:fontRef idx="minor">
+            <a:schemeClr val="tx1"/>
+          </a:fontRef>
+        </p:style>
+      </p:cxnSp>
+      <p:pic>
+        <p:nvPicPr>
+          <p:cNvPr id="46" name="Picture 45">
+            <a:extLst>
+              <a:ext uri="{FF2B5EF4-FFF2-40B4-BE49-F238E27FC236}">
+                <a16:creationId xmlns:a16="http://schemas.microsoft.com/office/drawing/2014/main" id="{2874AAC5-35F5-B742-9AD1-09FF158769E3}"/>
+              </a:ext>
+            </a:extLst>
+          </p:cNvPr>
+          <p:cNvPicPr>
+            <a:picLocks noChangeAspect="1"/>
+          </p:cNvPicPr>
+          <p:nvPr/>
+        </p:nvPicPr>
+        <p:blipFill>
+          <a:blip r:embed="rId2">
+            <a:extLst>
+              <a:ext uri="{28A0092B-C50C-407E-A947-70E740481C1C}">
+                <a14:useLocalDpi xmlns:a14="http://schemas.microsoft.com/office/drawing/2010/main" val="0"/>
+              </a:ext>
+            </a:extLst>
+          </a:blip>
+          <a:stretch>
+            <a:fillRect/>
+          </a:stretch>
+        </p:blipFill>
+        <p:spPr>
+          <a:xfrm>
+            <a:off x="3671386" y="1239570"/>
+            <a:ext cx="1318030" cy="1318030"/>
+          </a:xfrm>
+          <a:prstGeom prst="rect">
+            <a:avLst/>
+          </a:prstGeom>
+        </p:spPr>
+      </p:pic>
+      <p:pic>
+        <p:nvPicPr>
+          <p:cNvPr id="11" name="Picture 10">
+            <a:extLst>
+              <a:ext uri="{FF2B5EF4-FFF2-40B4-BE49-F238E27FC236}">
+                <a16:creationId xmlns:a16="http://schemas.microsoft.com/office/drawing/2014/main" id="{F52CD117-BF1F-F241-85F7-E82F20E86ECE}"/>
+              </a:ext>
+            </a:extLst>
+          </p:cNvPr>
+          <p:cNvPicPr>
+            <a:picLocks noChangeAspect="1"/>
+          </p:cNvPicPr>
+          <p:nvPr/>
+        </p:nvPicPr>
+        <p:blipFill>
+          <a:blip r:embed="rId2">
+            <a:extLst>
+              <a:ext uri="{28A0092B-C50C-407E-A947-70E740481C1C}">
+                <a14:useLocalDpi xmlns:a14="http://schemas.microsoft.com/office/drawing/2010/main" val="0"/>
+              </a:ext>
+            </a:extLst>
+          </a:blip>
+          <a:stretch>
+            <a:fillRect/>
+          </a:stretch>
+        </p:blipFill>
+        <p:spPr>
+          <a:xfrm>
+            <a:off x="3667323" y="4615855"/>
+            <a:ext cx="1318030" cy="1318030"/>
+          </a:xfrm>
+          <a:prstGeom prst="rect">
+            <a:avLst/>
+          </a:prstGeom>
+        </p:spPr>
+      </p:pic>
+      <p:cxnSp>
+        <p:nvCxnSpPr>
+          <p:cNvPr id="14" name="Straight Connector 13">
+            <a:extLst>
+              <a:ext uri="{FF2B5EF4-FFF2-40B4-BE49-F238E27FC236}">
+                <a16:creationId xmlns:a16="http://schemas.microsoft.com/office/drawing/2014/main" id="{C3863D73-C491-4E4D-80D0-897146A5D57D}"/>
+              </a:ext>
+            </a:extLst>
+          </p:cNvPr>
+          <p:cNvCxnSpPr>
+            <a:cxnSpLocks/>
+          </p:cNvCxnSpPr>
+          <p:nvPr/>
+        </p:nvCxnSpPr>
+        <p:spPr>
+          <a:xfrm>
+            <a:off x="4431225" y="3608300"/>
+            <a:ext cx="2634410" cy="0"/>
+          </a:xfrm>
+          <a:prstGeom prst="line">
+            <a:avLst/>
+          </a:prstGeom>
+          <a:ln w="76200">
+            <a:solidFill>
+              <a:schemeClr val="tx1"/>
+            </a:solidFill>
+          </a:ln>
+        </p:spPr>
+        <p:style>
+          <a:lnRef idx="1">
+            <a:schemeClr val="accent1"/>
+          </a:lnRef>
+          <a:fillRef idx="0">
+            <a:schemeClr val="accent1"/>
+          </a:fillRef>
+          <a:effectRef idx="0">
+            <a:schemeClr val="accent1"/>
+          </a:effectRef>
+          <a:fontRef idx="minor">
+            <a:schemeClr val="tx1"/>
+          </a:fontRef>
+        </p:style>
+      </p:cxnSp>
+      <p:pic>
+        <p:nvPicPr>
+          <p:cNvPr id="18" name="Picture 17">
+            <a:extLst>
+              <a:ext uri="{FF2B5EF4-FFF2-40B4-BE49-F238E27FC236}">
+                <a16:creationId xmlns:a16="http://schemas.microsoft.com/office/drawing/2014/main" id="{9924E9B5-3169-584B-8FC2-F5775EF0CFC1}"/>
+              </a:ext>
+            </a:extLst>
+          </p:cNvPr>
+          <p:cNvPicPr>
+            <a:picLocks noChangeAspect="1"/>
+          </p:cNvPicPr>
+          <p:nvPr/>
+        </p:nvPicPr>
+        <p:blipFill>
+          <a:blip r:embed="rId3">
+            <a:extLst>
+              <a:ext uri="{28A0092B-C50C-407E-A947-70E740481C1C}">
+                <a14:useLocalDpi xmlns:a14="http://schemas.microsoft.com/office/drawing/2010/main" val="0"/>
+              </a:ext>
+            </a:extLst>
+          </a:blip>
+          <a:stretch>
+            <a:fillRect/>
+          </a:stretch>
+        </p:blipFill>
+        <p:spPr>
+          <a:xfrm>
+            <a:off x="6597587" y="3002849"/>
+            <a:ext cx="1210903" cy="1210903"/>
+          </a:xfrm>
+          <a:prstGeom prst="rect">
+            <a:avLst/>
+          </a:prstGeom>
+        </p:spPr>
+      </p:pic>
+      <p:pic>
+        <p:nvPicPr>
+          <p:cNvPr id="19" name="Picture 18">
+            <a:extLst>
+              <a:ext uri="{FF2B5EF4-FFF2-40B4-BE49-F238E27FC236}">
+                <a16:creationId xmlns:a16="http://schemas.microsoft.com/office/drawing/2014/main" id="{9AE523C0-FDB4-524B-AB71-59A614D80C4C}"/>
+              </a:ext>
+            </a:extLst>
+          </p:cNvPr>
+          <p:cNvPicPr>
+            <a:picLocks noChangeAspect="1"/>
+          </p:cNvPicPr>
+          <p:nvPr/>
+        </p:nvPicPr>
+        <p:blipFill>
+          <a:blip r:embed="rId2">
+            <a:extLst>
+              <a:ext uri="{28A0092B-C50C-407E-A947-70E740481C1C}">
+                <a14:useLocalDpi xmlns:a14="http://schemas.microsoft.com/office/drawing/2010/main" val="0"/>
+              </a:ext>
+            </a:extLst>
+          </a:blip>
+          <a:stretch>
+            <a:fillRect/>
+          </a:stretch>
+        </p:blipFill>
+        <p:spPr>
+          <a:xfrm>
+            <a:off x="3671386" y="2949285"/>
+            <a:ext cx="1318030" cy="1318030"/>
+          </a:xfrm>
+          <a:prstGeom prst="rect">
+            <a:avLst/>
+          </a:prstGeom>
+        </p:spPr>
+      </p:pic>
+      <p:sp>
+        <p:nvSpPr>
+          <p:cNvPr id="20" name="TextBox 19">
+            <a:extLst>
+              <a:ext uri="{FF2B5EF4-FFF2-40B4-BE49-F238E27FC236}">
+                <a16:creationId xmlns:a16="http://schemas.microsoft.com/office/drawing/2014/main" id="{2E02E085-3CAF-BD47-B994-2BE369B03CBB}"/>
+              </a:ext>
+            </a:extLst>
+          </p:cNvPr>
+          <p:cNvSpPr txBox="1"/>
+          <p:nvPr/>
+        </p:nvSpPr>
+        <p:spPr>
+          <a:xfrm>
+            <a:off x="5218425" y="6039965"/>
+            <a:ext cx="1893467" cy="523220"/>
+          </a:xfrm>
+          <a:prstGeom prst="rect">
+            <a:avLst/>
+          </a:prstGeom>
+          <a:noFill/>
+        </p:spPr>
+        <p:txBody>
+          <a:bodyPr wrap="none" rtlCol="0">
+            <a:spAutoFit/>
+          </a:bodyPr>
+          <a:lstStyle/>
+          <a:p>
+            <a:r>
+              <a:rPr lang="en-US" sz="2800" b="1" dirty="0">
+                <a:latin typeface="Yu Gothic" panose="020B0400000000000000" pitchFamily="34" charset="-128"/>
+                <a:ea typeface="Yu Gothic" panose="020B0400000000000000" pitchFamily="34" charset="-128"/>
+              </a:rPr>
+              <a:t>10.0.0.0/8</a:t>
+            </a:r>
+          </a:p>
+        </p:txBody>
+      </p:sp>
+      <p:sp>
+        <p:nvSpPr>
+          <p:cNvPr id="22" name="TextBox 21">
+            <a:extLst>
+              <a:ext uri="{FF2B5EF4-FFF2-40B4-BE49-F238E27FC236}">
+                <a16:creationId xmlns:a16="http://schemas.microsoft.com/office/drawing/2014/main" id="{33376BAD-646D-6E42-B7D8-9B45445AC948}"/>
+              </a:ext>
+            </a:extLst>
+          </p:cNvPr>
+          <p:cNvSpPr txBox="1"/>
+          <p:nvPr/>
+        </p:nvSpPr>
+        <p:spPr>
+          <a:xfrm>
+            <a:off x="707227" y="1544642"/>
+            <a:ext cx="2855269" cy="707886"/>
+          </a:xfrm>
+          <a:prstGeom prst="rect">
+            <a:avLst/>
+          </a:prstGeom>
+          <a:noFill/>
+        </p:spPr>
+        <p:txBody>
+          <a:bodyPr wrap="none" rtlCol="0">
+            <a:spAutoFit/>
+          </a:bodyPr>
+          <a:lstStyle/>
+          <a:p>
+            <a:r>
+              <a:rPr lang="en-US" sz="2000" b="1" dirty="0">
+                <a:latin typeface="Yu Gothic" panose="020B0400000000000000" pitchFamily="34" charset="-128"/>
+                <a:ea typeface="Yu Gothic" panose="020B0400000000000000" pitchFamily="34" charset="-128"/>
+              </a:rPr>
+              <a:t>IP : 10.0.0.101</a:t>
+            </a:r>
+          </a:p>
+          <a:p>
+            <a:r>
+              <a:rPr lang="en-US" sz="2000" b="1" dirty="0">
+                <a:latin typeface="Yu Gothic" panose="020B0400000000000000" pitchFamily="34" charset="-128"/>
+                <a:ea typeface="Yu Gothic" panose="020B0400000000000000" pitchFamily="34" charset="-128"/>
+              </a:rPr>
+              <a:t>MAC: 0000.0000.0101</a:t>
+            </a:r>
+          </a:p>
+        </p:txBody>
+      </p:sp>
+      <p:sp>
+        <p:nvSpPr>
+          <p:cNvPr id="23" name="TextBox 22">
+            <a:extLst>
+              <a:ext uri="{FF2B5EF4-FFF2-40B4-BE49-F238E27FC236}">
+                <a16:creationId xmlns:a16="http://schemas.microsoft.com/office/drawing/2014/main" id="{A53B61CA-02A0-6F4F-BE0F-2F3C024E80BF}"/>
+              </a:ext>
+            </a:extLst>
+          </p:cNvPr>
+          <p:cNvSpPr txBox="1"/>
+          <p:nvPr/>
+        </p:nvSpPr>
+        <p:spPr>
+          <a:xfrm>
+            <a:off x="707226" y="3181270"/>
+            <a:ext cx="2855269" cy="707886"/>
+          </a:xfrm>
+          <a:prstGeom prst="rect">
+            <a:avLst/>
+          </a:prstGeom>
+          <a:noFill/>
+        </p:spPr>
+        <p:txBody>
+          <a:bodyPr wrap="none" rtlCol="0">
+            <a:spAutoFit/>
+          </a:bodyPr>
+          <a:lstStyle/>
+          <a:p>
+            <a:r>
+              <a:rPr lang="en-US" sz="2000" b="1" dirty="0">
+                <a:latin typeface="Yu Gothic" panose="020B0400000000000000" pitchFamily="34" charset="-128"/>
+                <a:ea typeface="Yu Gothic" panose="020B0400000000000000" pitchFamily="34" charset="-128"/>
+              </a:rPr>
+              <a:t>IP : 10.0.0.102</a:t>
+            </a:r>
+          </a:p>
+          <a:p>
+            <a:r>
+              <a:rPr lang="en-US" sz="2000" b="1" dirty="0">
+                <a:latin typeface="Yu Gothic" panose="020B0400000000000000" pitchFamily="34" charset="-128"/>
+                <a:ea typeface="Yu Gothic" panose="020B0400000000000000" pitchFamily="34" charset="-128"/>
+              </a:rPr>
+              <a:t>MAC: 0000.0000.0102</a:t>
+            </a:r>
+          </a:p>
+        </p:txBody>
+      </p:sp>
+      <p:sp>
+        <p:nvSpPr>
+          <p:cNvPr id="24" name="TextBox 23">
+            <a:extLst>
+              <a:ext uri="{FF2B5EF4-FFF2-40B4-BE49-F238E27FC236}">
+                <a16:creationId xmlns:a16="http://schemas.microsoft.com/office/drawing/2014/main" id="{D6A80AB9-CFC2-FD41-AAD2-60B5E0C259BD}"/>
+              </a:ext>
+            </a:extLst>
+          </p:cNvPr>
+          <p:cNvSpPr txBox="1"/>
+          <p:nvPr/>
+        </p:nvSpPr>
+        <p:spPr>
+          <a:xfrm>
+            <a:off x="707226" y="4920927"/>
+            <a:ext cx="2855269" cy="707886"/>
+          </a:xfrm>
+          <a:prstGeom prst="rect">
+            <a:avLst/>
+          </a:prstGeom>
+          <a:noFill/>
+        </p:spPr>
+        <p:txBody>
+          <a:bodyPr wrap="none" rtlCol="0">
+            <a:spAutoFit/>
+          </a:bodyPr>
+          <a:lstStyle/>
+          <a:p>
+            <a:r>
+              <a:rPr lang="en-US" sz="2000" b="1" dirty="0">
+                <a:latin typeface="Yu Gothic" panose="020B0400000000000000" pitchFamily="34" charset="-128"/>
+                <a:ea typeface="Yu Gothic" panose="020B0400000000000000" pitchFamily="34" charset="-128"/>
+              </a:rPr>
+              <a:t>IP : 10.0.0.102</a:t>
+            </a:r>
+          </a:p>
+          <a:p>
+            <a:r>
+              <a:rPr lang="en-US" sz="2000" b="1" dirty="0">
+                <a:latin typeface="Yu Gothic" panose="020B0400000000000000" pitchFamily="34" charset="-128"/>
+                <a:ea typeface="Yu Gothic" panose="020B0400000000000000" pitchFamily="34" charset="-128"/>
+              </a:rPr>
+              <a:t>MAC: 0000.0000.0103</a:t>
+            </a:r>
+          </a:p>
+        </p:txBody>
+      </p:sp>
+      <p:sp>
+        <p:nvSpPr>
+          <p:cNvPr id="27" name="TextBox 26">
+            <a:extLst>
+              <a:ext uri="{FF2B5EF4-FFF2-40B4-BE49-F238E27FC236}">
+                <a16:creationId xmlns:a16="http://schemas.microsoft.com/office/drawing/2014/main" id="{063C9D13-0FEB-9F47-9916-1F68D9973A9B}"/>
+              </a:ext>
+            </a:extLst>
+          </p:cNvPr>
+          <p:cNvSpPr txBox="1"/>
+          <p:nvPr/>
+        </p:nvSpPr>
+        <p:spPr>
+          <a:xfrm>
+            <a:off x="4872783" y="2531815"/>
+            <a:ext cx="756938" cy="400110"/>
+          </a:xfrm>
+          <a:prstGeom prst="rect">
+            <a:avLst/>
+          </a:prstGeom>
+          <a:noFill/>
+        </p:spPr>
+        <p:txBody>
+          <a:bodyPr wrap="none" rtlCol="0">
+            <a:spAutoFit/>
+          </a:bodyPr>
+          <a:lstStyle/>
+          <a:p>
+            <a:r>
+              <a:rPr lang="en-US" sz="2000" b="1" dirty="0">
+                <a:latin typeface="Yu Gothic" panose="020B0400000000000000" pitchFamily="34" charset="-128"/>
+                <a:ea typeface="Yu Gothic" panose="020B0400000000000000" pitchFamily="34" charset="-128"/>
+              </a:rPr>
+              <a:t>g0/1</a:t>
+            </a:r>
+          </a:p>
+        </p:txBody>
+      </p:sp>
+      <p:sp>
+        <p:nvSpPr>
+          <p:cNvPr id="28" name="TextBox 27">
+            <a:extLst>
+              <a:ext uri="{FF2B5EF4-FFF2-40B4-BE49-F238E27FC236}">
+                <a16:creationId xmlns:a16="http://schemas.microsoft.com/office/drawing/2014/main" id="{D87D9620-6A03-CB48-8761-4DD357E4C665}"/>
+              </a:ext>
+            </a:extLst>
+          </p:cNvPr>
+          <p:cNvSpPr txBox="1"/>
+          <p:nvPr/>
+        </p:nvSpPr>
+        <p:spPr>
+          <a:xfrm>
+            <a:off x="5786690" y="3139457"/>
+            <a:ext cx="756938" cy="400110"/>
+          </a:xfrm>
+          <a:prstGeom prst="rect">
+            <a:avLst/>
+          </a:prstGeom>
+          <a:noFill/>
+        </p:spPr>
+        <p:txBody>
+          <a:bodyPr wrap="none" rtlCol="0">
+            <a:spAutoFit/>
+          </a:bodyPr>
+          <a:lstStyle/>
+          <a:p>
+            <a:r>
+              <a:rPr lang="en-US" sz="2000" b="1" dirty="0">
+                <a:latin typeface="Yu Gothic" panose="020B0400000000000000" pitchFamily="34" charset="-128"/>
+                <a:ea typeface="Yu Gothic" panose="020B0400000000000000" pitchFamily="34" charset="-128"/>
+              </a:rPr>
+              <a:t>g0/2</a:t>
+            </a:r>
+          </a:p>
+        </p:txBody>
+      </p:sp>
+      <p:sp>
+        <p:nvSpPr>
+          <p:cNvPr id="29" name="TextBox 28">
+            <a:extLst>
+              <a:ext uri="{FF2B5EF4-FFF2-40B4-BE49-F238E27FC236}">
+                <a16:creationId xmlns:a16="http://schemas.microsoft.com/office/drawing/2014/main" id="{0C51C334-015D-0F49-8039-B900E6E6866C}"/>
+              </a:ext>
+            </a:extLst>
+          </p:cNvPr>
+          <p:cNvSpPr txBox="1"/>
+          <p:nvPr/>
+        </p:nvSpPr>
+        <p:spPr>
+          <a:xfrm>
+            <a:off x="4872783" y="5113967"/>
+            <a:ext cx="756938" cy="400110"/>
+          </a:xfrm>
+          <a:prstGeom prst="rect">
+            <a:avLst/>
+          </a:prstGeom>
+          <a:noFill/>
+        </p:spPr>
+        <p:txBody>
+          <a:bodyPr wrap="none" rtlCol="0">
+            <a:spAutoFit/>
+          </a:bodyPr>
+          <a:lstStyle/>
+          <a:p>
+            <a:r>
+              <a:rPr lang="en-US" sz="2000" b="1" dirty="0">
+                <a:latin typeface="Yu Gothic" panose="020B0400000000000000" pitchFamily="34" charset="-128"/>
+                <a:ea typeface="Yu Gothic" panose="020B0400000000000000" pitchFamily="34" charset="-128"/>
+              </a:rPr>
+              <a:t>g0/1</a:t>
+            </a:r>
+          </a:p>
+        </p:txBody>
+      </p:sp>
+      <p:sp>
+        <p:nvSpPr>
+          <p:cNvPr id="30" name="TextBox 29">
+            <a:extLst>
+              <a:ext uri="{FF2B5EF4-FFF2-40B4-BE49-F238E27FC236}">
+                <a16:creationId xmlns:a16="http://schemas.microsoft.com/office/drawing/2014/main" id="{5AFDAE47-B587-2247-8CF1-54E41A6636D8}"/>
+              </a:ext>
+            </a:extLst>
+          </p:cNvPr>
+          <p:cNvSpPr txBox="1"/>
+          <p:nvPr/>
+        </p:nvSpPr>
+        <p:spPr>
+          <a:xfrm>
+            <a:off x="6603411" y="2726253"/>
+            <a:ext cx="756938" cy="400110"/>
+          </a:xfrm>
+          <a:prstGeom prst="rect">
+            <a:avLst/>
+          </a:prstGeom>
+          <a:noFill/>
+        </p:spPr>
+        <p:txBody>
+          <a:bodyPr wrap="none" rtlCol="0">
+            <a:spAutoFit/>
+          </a:bodyPr>
+          <a:lstStyle/>
+          <a:p>
+            <a:r>
+              <a:rPr lang="en-US" sz="2000" b="1" dirty="0">
+                <a:latin typeface="Yu Gothic" panose="020B0400000000000000" pitchFamily="34" charset="-128"/>
+                <a:ea typeface="Yu Gothic" panose="020B0400000000000000" pitchFamily="34" charset="-128"/>
+              </a:rPr>
+              <a:t>g0/1</a:t>
+            </a:r>
+          </a:p>
+        </p:txBody>
+      </p:sp>
+      <p:sp>
+        <p:nvSpPr>
+          <p:cNvPr id="31" name="TextBox 30">
+            <a:extLst>
+              <a:ext uri="{FF2B5EF4-FFF2-40B4-BE49-F238E27FC236}">
+                <a16:creationId xmlns:a16="http://schemas.microsoft.com/office/drawing/2014/main" id="{5B92D4B7-3C93-6A41-8F11-0337C68ADDB0}"/>
+              </a:ext>
+            </a:extLst>
+          </p:cNvPr>
+          <p:cNvSpPr txBox="1"/>
+          <p:nvPr/>
+        </p:nvSpPr>
+        <p:spPr>
+          <a:xfrm>
+            <a:off x="6597587" y="4059457"/>
+            <a:ext cx="756938" cy="400110"/>
+          </a:xfrm>
+          <a:prstGeom prst="rect">
+            <a:avLst/>
+          </a:prstGeom>
+          <a:noFill/>
+        </p:spPr>
+        <p:txBody>
+          <a:bodyPr wrap="none" rtlCol="0">
+            <a:spAutoFit/>
+          </a:bodyPr>
+          <a:lstStyle/>
+          <a:p>
+            <a:r>
+              <a:rPr lang="en-US" sz="2000" b="1" dirty="0">
+                <a:latin typeface="Yu Gothic" panose="020B0400000000000000" pitchFamily="34" charset="-128"/>
+                <a:ea typeface="Yu Gothic" panose="020B0400000000000000" pitchFamily="34" charset="-128"/>
+              </a:rPr>
+              <a:t>g0/3</a:t>
+            </a:r>
+          </a:p>
+        </p:txBody>
+      </p:sp>
+      <p:graphicFrame>
+        <p:nvGraphicFramePr>
+          <p:cNvPr id="2" name="Table 1">
+            <a:extLst>
+              <a:ext uri="{FF2B5EF4-FFF2-40B4-BE49-F238E27FC236}">
+                <a16:creationId xmlns:a16="http://schemas.microsoft.com/office/drawing/2014/main" id="{CF89622C-A610-D94E-A6CE-5828C3C85F74}"/>
+              </a:ext>
+            </a:extLst>
+          </p:cNvPr>
+          <p:cNvGraphicFramePr>
+            <a:graphicFrameLocks noGrp="1"/>
+          </p:cNvGraphicFramePr>
+          <p:nvPr>
+            <p:extLst>
+              <p:ext uri="{D42A27DB-BD31-4B8C-83A1-F6EECF244321}">
+                <p14:modId xmlns:p14="http://schemas.microsoft.com/office/powerpoint/2010/main" val="3379750956"/>
+              </p:ext>
+            </p:extLst>
+          </p:nvPr>
+        </p:nvGraphicFramePr>
+        <p:xfrm>
+          <a:off x="8048806" y="2347881"/>
+          <a:ext cx="3331580" cy="1775019"/>
         </p:xfrm>
         <a:graphic>
           <a:graphicData uri="http://schemas.openxmlformats.org/drawingml/2006/table">
@@ -7472,7 +9569,7 @@
                   </a:extLst>
                 </a:gridCol>
               </a:tblGrid>
-              <a:tr h="494514">
+              <a:tr h="449832">
                 <a:tc>
                   <a:txBody>
                     <a:bodyPr/>
@@ -7607,7 +9704,7 @@
                   </a:ext>
                 </a:extLst>
               </a:tr>
-              <a:tr h="485606">
+              <a:tr h="441729">
                 <a:tc>
                   <a:txBody>
                     <a:bodyPr/>
@@ -7742,7 +9839,7 @@
                   </a:ext>
                 </a:extLst>
               </a:tr>
-              <a:tr h="485606">
+              <a:tr h="441729">
                 <a:tc>
                   <a:txBody>
                     <a:bodyPr/>
@@ -7911,7 +10008,7 @@
                   </a:ext>
                 </a:extLst>
               </a:tr>
-              <a:tr h="485606">
+              <a:tr h="441729">
                 <a:tc>
                   <a:txBody>
                     <a:bodyPr/>

--- a/slides/0025.pptx
+++ b/slides/0025.pptx
@@ -263,7 +263,7 @@
           <a:p>
             <a:fld id="{5AEC58D5-D0FD-5D43-AC21-2C9A8E377766}" type="datetimeFigureOut">
               <a:rPr lang="en-US" smtClean="0"/>
-              <a:t>4/25/18</a:t>
+              <a:t>4/27/18</a:t>
             </a:fld>
             <a:endParaRPr lang="en-US"/>
           </a:p>
@@ -461,7 +461,7 @@
           <a:p>
             <a:fld id="{5AEC58D5-D0FD-5D43-AC21-2C9A8E377766}" type="datetimeFigureOut">
               <a:rPr lang="en-US" smtClean="0"/>
-              <a:t>4/25/18</a:t>
+              <a:t>4/27/18</a:t>
             </a:fld>
             <a:endParaRPr lang="en-US"/>
           </a:p>
@@ -669,7 +669,7 @@
           <a:p>
             <a:fld id="{5AEC58D5-D0FD-5D43-AC21-2C9A8E377766}" type="datetimeFigureOut">
               <a:rPr lang="en-US" smtClean="0"/>
-              <a:t>4/25/18</a:t>
+              <a:t>4/27/18</a:t>
             </a:fld>
             <a:endParaRPr lang="en-US"/>
           </a:p>
@@ -867,7 +867,7 @@
           <a:p>
             <a:fld id="{5AEC58D5-D0FD-5D43-AC21-2C9A8E377766}" type="datetimeFigureOut">
               <a:rPr lang="en-US" smtClean="0"/>
-              <a:t>4/25/18</a:t>
+              <a:t>4/27/18</a:t>
             </a:fld>
             <a:endParaRPr lang="en-US"/>
           </a:p>
@@ -1142,7 +1142,7 @@
           <a:p>
             <a:fld id="{5AEC58D5-D0FD-5D43-AC21-2C9A8E377766}" type="datetimeFigureOut">
               <a:rPr lang="en-US" smtClean="0"/>
-              <a:t>4/25/18</a:t>
+              <a:t>4/27/18</a:t>
             </a:fld>
             <a:endParaRPr lang="en-US"/>
           </a:p>
@@ -1407,7 +1407,7 @@
           <a:p>
             <a:fld id="{5AEC58D5-D0FD-5D43-AC21-2C9A8E377766}" type="datetimeFigureOut">
               <a:rPr lang="en-US" smtClean="0"/>
-              <a:t>4/25/18</a:t>
+              <a:t>4/27/18</a:t>
             </a:fld>
             <a:endParaRPr lang="en-US"/>
           </a:p>
@@ -1819,7 +1819,7 @@
           <a:p>
             <a:fld id="{5AEC58D5-D0FD-5D43-AC21-2C9A8E377766}" type="datetimeFigureOut">
               <a:rPr lang="en-US" smtClean="0"/>
-              <a:t>4/25/18</a:t>
+              <a:t>4/27/18</a:t>
             </a:fld>
             <a:endParaRPr lang="en-US"/>
           </a:p>
@@ -1960,7 +1960,7 @@
           <a:p>
             <a:fld id="{5AEC58D5-D0FD-5D43-AC21-2C9A8E377766}" type="datetimeFigureOut">
               <a:rPr lang="en-US" smtClean="0"/>
-              <a:t>4/25/18</a:t>
+              <a:t>4/27/18</a:t>
             </a:fld>
             <a:endParaRPr lang="en-US"/>
           </a:p>
@@ -2073,7 +2073,7 @@
           <a:p>
             <a:fld id="{5AEC58D5-D0FD-5D43-AC21-2C9A8E377766}" type="datetimeFigureOut">
               <a:rPr lang="en-US" smtClean="0"/>
-              <a:t>4/25/18</a:t>
+              <a:t>4/27/18</a:t>
             </a:fld>
             <a:endParaRPr lang="en-US"/>
           </a:p>
@@ -2384,7 +2384,7 @@
           <a:p>
             <a:fld id="{5AEC58D5-D0FD-5D43-AC21-2C9A8E377766}" type="datetimeFigureOut">
               <a:rPr lang="en-US" smtClean="0"/>
-              <a:t>4/25/18</a:t>
+              <a:t>4/27/18</a:t>
             </a:fld>
             <a:endParaRPr lang="en-US"/>
           </a:p>
@@ -2672,7 +2672,7 @@
           <a:p>
             <a:fld id="{5AEC58D5-D0FD-5D43-AC21-2C9A8E377766}" type="datetimeFigureOut">
               <a:rPr lang="en-US" smtClean="0"/>
-              <a:t>4/25/18</a:t>
+              <a:t>4/27/18</a:t>
             </a:fld>
             <a:endParaRPr lang="en-US"/>
           </a:p>
@@ -2913,7 +2913,7 @@
           <a:p>
             <a:fld id="{5AEC58D5-D0FD-5D43-AC21-2C9A8E377766}" type="datetimeFigureOut">
               <a:rPr lang="en-US" smtClean="0"/>
-              <a:t>4/25/18</a:t>
+              <a:t>4/27/18</a:t>
             </a:fld>
             <a:endParaRPr lang="en-US"/>
           </a:p>

--- a/slides/0025.pptx
+++ b/slides/0025.pptx
@@ -263,7 +263,7 @@
           <a:p>
             <a:fld id="{5AEC58D5-D0FD-5D43-AC21-2C9A8E377766}" type="datetimeFigureOut">
               <a:rPr lang="en-US" smtClean="0"/>
-              <a:t>4/27/18</a:t>
+              <a:t>5/16/18</a:t>
             </a:fld>
             <a:endParaRPr lang="en-US"/>
           </a:p>
@@ -461,7 +461,7 @@
           <a:p>
             <a:fld id="{5AEC58D5-D0FD-5D43-AC21-2C9A8E377766}" type="datetimeFigureOut">
               <a:rPr lang="en-US" smtClean="0"/>
-              <a:t>4/27/18</a:t>
+              <a:t>5/16/18</a:t>
             </a:fld>
             <a:endParaRPr lang="en-US"/>
           </a:p>
@@ -669,7 +669,7 @@
           <a:p>
             <a:fld id="{5AEC58D5-D0FD-5D43-AC21-2C9A8E377766}" type="datetimeFigureOut">
               <a:rPr lang="en-US" smtClean="0"/>
-              <a:t>4/27/18</a:t>
+              <a:t>5/16/18</a:t>
             </a:fld>
             <a:endParaRPr lang="en-US"/>
           </a:p>
@@ -867,7 +867,7 @@
           <a:p>
             <a:fld id="{5AEC58D5-D0FD-5D43-AC21-2C9A8E377766}" type="datetimeFigureOut">
               <a:rPr lang="en-US" smtClean="0"/>
-              <a:t>4/27/18</a:t>
+              <a:t>5/16/18</a:t>
             </a:fld>
             <a:endParaRPr lang="en-US"/>
           </a:p>
@@ -1142,7 +1142,7 @@
           <a:p>
             <a:fld id="{5AEC58D5-D0FD-5D43-AC21-2C9A8E377766}" type="datetimeFigureOut">
               <a:rPr lang="en-US" smtClean="0"/>
-              <a:t>4/27/18</a:t>
+              <a:t>5/16/18</a:t>
             </a:fld>
             <a:endParaRPr lang="en-US"/>
           </a:p>
@@ -1407,7 +1407,7 @@
           <a:p>
             <a:fld id="{5AEC58D5-D0FD-5D43-AC21-2C9A8E377766}" type="datetimeFigureOut">
               <a:rPr lang="en-US" smtClean="0"/>
-              <a:t>4/27/18</a:t>
+              <a:t>5/16/18</a:t>
             </a:fld>
             <a:endParaRPr lang="en-US"/>
           </a:p>
@@ -1819,7 +1819,7 @@
           <a:p>
             <a:fld id="{5AEC58D5-D0FD-5D43-AC21-2C9A8E377766}" type="datetimeFigureOut">
               <a:rPr lang="en-US" smtClean="0"/>
-              <a:t>4/27/18</a:t>
+              <a:t>5/16/18</a:t>
             </a:fld>
             <a:endParaRPr lang="en-US"/>
           </a:p>
@@ -1960,7 +1960,7 @@
           <a:p>
             <a:fld id="{5AEC58D5-D0FD-5D43-AC21-2C9A8E377766}" type="datetimeFigureOut">
               <a:rPr lang="en-US" smtClean="0"/>
-              <a:t>4/27/18</a:t>
+              <a:t>5/16/18</a:t>
             </a:fld>
             <a:endParaRPr lang="en-US"/>
           </a:p>
@@ -2073,7 +2073,7 @@
           <a:p>
             <a:fld id="{5AEC58D5-D0FD-5D43-AC21-2C9A8E377766}" type="datetimeFigureOut">
               <a:rPr lang="en-US" smtClean="0"/>
-              <a:t>4/27/18</a:t>
+              <a:t>5/16/18</a:t>
             </a:fld>
             <a:endParaRPr lang="en-US"/>
           </a:p>
@@ -2384,7 +2384,7 @@
           <a:p>
             <a:fld id="{5AEC58D5-D0FD-5D43-AC21-2C9A8E377766}" type="datetimeFigureOut">
               <a:rPr lang="en-US" smtClean="0"/>
-              <a:t>4/27/18</a:t>
+              <a:t>5/16/18</a:t>
             </a:fld>
             <a:endParaRPr lang="en-US"/>
           </a:p>
@@ -2672,7 +2672,7 @@
           <a:p>
             <a:fld id="{5AEC58D5-D0FD-5D43-AC21-2C9A8E377766}" type="datetimeFigureOut">
               <a:rPr lang="en-US" smtClean="0"/>
-              <a:t>4/27/18</a:t>
+              <a:t>5/16/18</a:t>
             </a:fld>
             <a:endParaRPr lang="en-US"/>
           </a:p>
@@ -2913,7 +2913,7 @@
           <a:p>
             <a:fld id="{5AEC58D5-D0FD-5D43-AC21-2C9A8E377766}" type="datetimeFigureOut">
               <a:rPr lang="en-US" smtClean="0"/>
-              <a:t>4/27/18</a:t>
+              <a:t>5/16/18</a:t>
             </a:fld>
             <a:endParaRPr lang="en-US"/>
           </a:p>
@@ -5711,7 +5711,7 @@
           </a:solidFill>
           <a:ln w="38100">
             <a:solidFill>
-              <a:schemeClr val="tx1"/>
+              <a:schemeClr val="bg1"/>
             </a:solidFill>
           </a:ln>
         </p:spPr>
@@ -5765,7 +5765,7 @@
           </a:solidFill>
           <a:ln w="38100">
             <a:solidFill>
-              <a:schemeClr val="tx1"/>
+              <a:schemeClr val="bg1"/>
             </a:solidFill>
           </a:ln>
         </p:spPr>
@@ -5819,7 +5819,7 @@
           </a:solidFill>
           <a:ln w="38100">
             <a:solidFill>
-              <a:schemeClr val="tx1"/>
+              <a:schemeClr val="bg1"/>
             </a:solidFill>
           </a:ln>
         </p:spPr>
@@ -5873,7 +5873,7 @@
           </a:solidFill>
           <a:ln w="38100">
             <a:solidFill>
-              <a:schemeClr val="tx1"/>
+              <a:schemeClr val="bg1"/>
             </a:solidFill>
           </a:ln>
         </p:spPr>
@@ -6006,7 +6006,7 @@
           </a:solidFill>
           <a:ln w="38100">
             <a:solidFill>
-              <a:schemeClr val="tx1"/>
+              <a:schemeClr val="bg1"/>
             </a:solidFill>
           </a:ln>
         </p:spPr>
@@ -8193,7 +8193,7 @@
           </a:solidFill>
           <a:ln w="38100">
             <a:solidFill>
-              <a:schemeClr val="tx1"/>
+              <a:schemeClr val="bg1"/>
             </a:solidFill>
           </a:ln>
         </p:spPr>
@@ -8247,7 +8247,7 @@
           </a:solidFill>
           <a:ln w="38100">
             <a:solidFill>
-              <a:schemeClr val="tx1"/>
+              <a:schemeClr val="bg1"/>
             </a:solidFill>
           </a:ln>
         </p:spPr>
@@ -8455,7 +8455,7 @@
           </a:solidFill>
           <a:ln w="38100">
             <a:solidFill>
-              <a:schemeClr val="tx1"/>
+              <a:schemeClr val="bg1"/>
             </a:solidFill>
           </a:ln>
         </p:spPr>
@@ -8903,7 +8903,7 @@
           <a:prstGeom prst="line">
             <a:avLst/>
           </a:prstGeom>
-          <a:ln w="76200">
+          <a:ln w="38100">
             <a:solidFill>
               <a:schemeClr val="tx1"/>
             </a:solidFill>
@@ -8946,7 +8946,7 @@
           <a:prstGeom prst="line">
             <a:avLst/>
           </a:prstGeom>
-          <a:ln w="76200">
+          <a:ln w="38100">
             <a:solidFill>
               <a:schemeClr val="tx1"/>
             </a:solidFill>
@@ -9061,7 +9061,7 @@
           <a:prstGeom prst="line">
             <a:avLst/>
           </a:prstGeom>
-          <a:ln w="76200">
+          <a:ln w="38100">
             <a:solidFill>
               <a:schemeClr val="tx1"/>
             </a:solidFill>

--- a/slides/0025.pptx
+++ b/slides/0025.pptx
@@ -14,9 +14,13 @@
     <p:sldId id="266" r:id="rId8"/>
     <p:sldId id="258" r:id="rId9"/>
     <p:sldId id="267" r:id="rId10"/>
-    <p:sldId id="256" r:id="rId11"/>
-    <p:sldId id="259" r:id="rId12"/>
-    <p:sldId id="261" r:id="rId13"/>
+    <p:sldId id="269" r:id="rId11"/>
+    <p:sldId id="270" r:id="rId12"/>
+    <p:sldId id="271" r:id="rId13"/>
+    <p:sldId id="268" r:id="rId14"/>
+    <p:sldId id="256" r:id="rId15"/>
+    <p:sldId id="259" r:id="rId16"/>
+    <p:sldId id="261" r:id="rId17"/>
   </p:sldIdLst>
   <p:sldSz cx="12192000" cy="6858000"/>
   <p:notesSz cx="6858000" cy="9144000"/>
@@ -270,7 +274,7 @@
           <a:p>
             <a:fld id="{5AEC58D5-D0FD-5D43-AC21-2C9A8E377766}" type="datetimeFigureOut">
               <a:rPr lang="en-US" smtClean="0"/>
-              <a:t>5/22/18</a:t>
+              <a:t>5/23/18</a:t>
             </a:fld>
             <a:endParaRPr lang="en-US"/>
           </a:p>
@@ -468,7 +472,7 @@
           <a:p>
             <a:fld id="{5AEC58D5-D0FD-5D43-AC21-2C9A8E377766}" type="datetimeFigureOut">
               <a:rPr lang="en-US" smtClean="0"/>
-              <a:t>5/22/18</a:t>
+              <a:t>5/23/18</a:t>
             </a:fld>
             <a:endParaRPr lang="en-US"/>
           </a:p>
@@ -676,7 +680,7 @@
           <a:p>
             <a:fld id="{5AEC58D5-D0FD-5D43-AC21-2C9A8E377766}" type="datetimeFigureOut">
               <a:rPr lang="en-US" smtClean="0"/>
-              <a:t>5/22/18</a:t>
+              <a:t>5/23/18</a:t>
             </a:fld>
             <a:endParaRPr lang="en-US"/>
           </a:p>
@@ -874,7 +878,7 @@
           <a:p>
             <a:fld id="{5AEC58D5-D0FD-5D43-AC21-2C9A8E377766}" type="datetimeFigureOut">
               <a:rPr lang="en-US" smtClean="0"/>
-              <a:t>5/22/18</a:t>
+              <a:t>5/23/18</a:t>
             </a:fld>
             <a:endParaRPr lang="en-US"/>
           </a:p>
@@ -1149,7 +1153,7 @@
           <a:p>
             <a:fld id="{5AEC58D5-D0FD-5D43-AC21-2C9A8E377766}" type="datetimeFigureOut">
               <a:rPr lang="en-US" smtClean="0"/>
-              <a:t>5/22/18</a:t>
+              <a:t>5/23/18</a:t>
             </a:fld>
             <a:endParaRPr lang="en-US"/>
           </a:p>
@@ -1414,7 +1418,7 @@
           <a:p>
             <a:fld id="{5AEC58D5-D0FD-5D43-AC21-2C9A8E377766}" type="datetimeFigureOut">
               <a:rPr lang="en-US" smtClean="0"/>
-              <a:t>5/22/18</a:t>
+              <a:t>5/23/18</a:t>
             </a:fld>
             <a:endParaRPr lang="en-US"/>
           </a:p>
@@ -1826,7 +1830,7 @@
           <a:p>
             <a:fld id="{5AEC58D5-D0FD-5D43-AC21-2C9A8E377766}" type="datetimeFigureOut">
               <a:rPr lang="en-US" smtClean="0"/>
-              <a:t>5/22/18</a:t>
+              <a:t>5/23/18</a:t>
             </a:fld>
             <a:endParaRPr lang="en-US"/>
           </a:p>
@@ -1967,7 +1971,7 @@
           <a:p>
             <a:fld id="{5AEC58D5-D0FD-5D43-AC21-2C9A8E377766}" type="datetimeFigureOut">
               <a:rPr lang="en-US" smtClean="0"/>
-              <a:t>5/22/18</a:t>
+              <a:t>5/23/18</a:t>
             </a:fld>
             <a:endParaRPr lang="en-US"/>
           </a:p>
@@ -2080,7 +2084,7 @@
           <a:p>
             <a:fld id="{5AEC58D5-D0FD-5D43-AC21-2C9A8E377766}" type="datetimeFigureOut">
               <a:rPr lang="en-US" smtClean="0"/>
-              <a:t>5/22/18</a:t>
+              <a:t>5/23/18</a:t>
             </a:fld>
             <a:endParaRPr lang="en-US"/>
           </a:p>
@@ -2391,7 +2395,7 @@
           <a:p>
             <a:fld id="{5AEC58D5-D0FD-5D43-AC21-2C9A8E377766}" type="datetimeFigureOut">
               <a:rPr lang="en-US" smtClean="0"/>
-              <a:t>5/22/18</a:t>
+              <a:t>5/23/18</a:t>
             </a:fld>
             <a:endParaRPr lang="en-US"/>
           </a:p>
@@ -2679,7 +2683,7 @@
           <a:p>
             <a:fld id="{5AEC58D5-D0FD-5D43-AC21-2C9A8E377766}" type="datetimeFigureOut">
               <a:rPr lang="en-US" smtClean="0"/>
-              <a:t>5/22/18</a:t>
+              <a:t>5/23/18</a:t>
             </a:fld>
             <a:endParaRPr lang="en-US"/>
           </a:p>
@@ -2920,7 +2924,7 @@
           <a:p>
             <a:fld id="{5AEC58D5-D0FD-5D43-AC21-2C9A8E377766}" type="datetimeFigureOut">
               <a:rPr lang="en-US" smtClean="0"/>
-              <a:t>5/22/18</a:t>
+              <a:t>5/23/18</a:t>
             </a:fld>
             <a:endParaRPr lang="en-US"/>
           </a:p>
@@ -5025,6 +5029,6025 @@
           <a:chExt cx="0" cy="0"/>
         </a:xfrm>
       </p:grpSpPr>
+      <p:cxnSp>
+        <p:nvCxnSpPr>
+          <p:cNvPr id="4" name="Straight Connector 3">
+            <a:extLst>
+              <a:ext uri="{FF2B5EF4-FFF2-40B4-BE49-F238E27FC236}">
+                <a16:creationId xmlns:a16="http://schemas.microsoft.com/office/drawing/2014/main" id="{3C6DA146-E65F-FD49-879E-10D854649A8D}"/>
+              </a:ext>
+            </a:extLst>
+          </p:cNvPr>
+          <p:cNvCxnSpPr>
+            <a:cxnSpLocks/>
+          </p:cNvCxnSpPr>
+          <p:nvPr/>
+        </p:nvCxnSpPr>
+        <p:spPr>
+          <a:xfrm>
+            <a:off x="6233644" y="3295870"/>
+            <a:ext cx="2733711" cy="0"/>
+          </a:xfrm>
+          <a:prstGeom prst="line">
+            <a:avLst/>
+          </a:prstGeom>
+          <a:ln w="38100">
+            <a:solidFill>
+              <a:schemeClr val="tx1"/>
+            </a:solidFill>
+          </a:ln>
+        </p:spPr>
+        <p:style>
+          <a:lnRef idx="1">
+            <a:schemeClr val="accent1"/>
+          </a:lnRef>
+          <a:fillRef idx="0">
+            <a:schemeClr val="accent1"/>
+          </a:fillRef>
+          <a:effectRef idx="0">
+            <a:schemeClr val="accent1"/>
+          </a:effectRef>
+          <a:fontRef idx="minor">
+            <a:schemeClr val="tx1"/>
+          </a:fontRef>
+        </p:style>
+      </p:cxnSp>
+      <p:cxnSp>
+        <p:nvCxnSpPr>
+          <p:cNvPr id="5" name="Straight Connector 4">
+            <a:extLst>
+              <a:ext uri="{FF2B5EF4-FFF2-40B4-BE49-F238E27FC236}">
+                <a16:creationId xmlns:a16="http://schemas.microsoft.com/office/drawing/2014/main" id="{476E62D5-4608-8042-AFFD-B3218E87EDDA}"/>
+              </a:ext>
+            </a:extLst>
+          </p:cNvPr>
+          <p:cNvCxnSpPr>
+            <a:cxnSpLocks/>
+          </p:cNvCxnSpPr>
+          <p:nvPr/>
+        </p:nvCxnSpPr>
+        <p:spPr>
+          <a:xfrm>
+            <a:off x="6186385" y="5564507"/>
+            <a:ext cx="2634410" cy="0"/>
+          </a:xfrm>
+          <a:prstGeom prst="line">
+            <a:avLst/>
+          </a:prstGeom>
+          <a:ln w="38100">
+            <a:solidFill>
+              <a:schemeClr val="tx1"/>
+            </a:solidFill>
+          </a:ln>
+        </p:spPr>
+        <p:style>
+          <a:lnRef idx="1">
+            <a:schemeClr val="accent1"/>
+          </a:lnRef>
+          <a:fillRef idx="0">
+            <a:schemeClr val="accent1"/>
+          </a:fillRef>
+          <a:effectRef idx="0">
+            <a:schemeClr val="accent1"/>
+          </a:effectRef>
+          <a:fontRef idx="minor">
+            <a:schemeClr val="tx1"/>
+          </a:fontRef>
+        </p:style>
+      </p:cxnSp>
+      <p:sp>
+        <p:nvSpPr>
+          <p:cNvPr id="6" name="TextBox 5">
+            <a:extLst>
+              <a:ext uri="{FF2B5EF4-FFF2-40B4-BE49-F238E27FC236}">
+                <a16:creationId xmlns:a16="http://schemas.microsoft.com/office/drawing/2014/main" id="{C21C5DAF-C389-5841-B606-842878E8EC7B}"/>
+              </a:ext>
+            </a:extLst>
+          </p:cNvPr>
+          <p:cNvSpPr txBox="1"/>
+          <p:nvPr/>
+        </p:nvSpPr>
+        <p:spPr>
+          <a:xfrm>
+            <a:off x="4814343" y="3687311"/>
+            <a:ext cx="2855269" cy="707886"/>
+          </a:xfrm>
+          <a:prstGeom prst="rect">
+            <a:avLst/>
+          </a:prstGeom>
+          <a:noFill/>
+        </p:spPr>
+        <p:txBody>
+          <a:bodyPr wrap="none" rtlCol="0">
+            <a:spAutoFit/>
+          </a:bodyPr>
+          <a:lstStyle/>
+          <a:p>
+            <a:r>
+              <a:rPr lang="en-US" sz="2000" b="1" dirty="0">
+                <a:latin typeface="Yu Gothic" panose="020B0400000000000000" pitchFamily="34" charset="-128"/>
+                <a:ea typeface="Yu Gothic" panose="020B0400000000000000" pitchFamily="34" charset="-128"/>
+              </a:rPr>
+              <a:t>IP : 10.0.0.101</a:t>
+            </a:r>
+          </a:p>
+          <a:p>
+            <a:r>
+              <a:rPr lang="en-US" sz="2000" b="1" dirty="0">
+                <a:latin typeface="Yu Gothic" panose="020B0400000000000000" pitchFamily="34" charset="-128"/>
+                <a:ea typeface="Yu Gothic" panose="020B0400000000000000" pitchFamily="34" charset="-128"/>
+              </a:rPr>
+              <a:t>MAC: 0000.0000.0101</a:t>
+            </a:r>
+          </a:p>
+        </p:txBody>
+      </p:sp>
+      <p:sp>
+        <p:nvSpPr>
+          <p:cNvPr id="7" name="TextBox 6">
+            <a:extLst>
+              <a:ext uri="{FF2B5EF4-FFF2-40B4-BE49-F238E27FC236}">
+                <a16:creationId xmlns:a16="http://schemas.microsoft.com/office/drawing/2014/main" id="{2390316B-8911-594F-BDEC-A591556692E5}"/>
+              </a:ext>
+            </a:extLst>
+          </p:cNvPr>
+          <p:cNvSpPr txBox="1"/>
+          <p:nvPr/>
+        </p:nvSpPr>
+        <p:spPr>
+          <a:xfrm>
+            <a:off x="4814342" y="5933231"/>
+            <a:ext cx="2855269" cy="707886"/>
+          </a:xfrm>
+          <a:prstGeom prst="rect">
+            <a:avLst/>
+          </a:prstGeom>
+          <a:noFill/>
+        </p:spPr>
+        <p:txBody>
+          <a:bodyPr wrap="none" rtlCol="0">
+            <a:spAutoFit/>
+          </a:bodyPr>
+          <a:lstStyle/>
+          <a:p>
+            <a:r>
+              <a:rPr lang="en-US" sz="2000" b="1" dirty="0">
+                <a:latin typeface="Yu Gothic" panose="020B0400000000000000" pitchFamily="34" charset="-128"/>
+                <a:ea typeface="Yu Gothic" panose="020B0400000000000000" pitchFamily="34" charset="-128"/>
+              </a:rPr>
+              <a:t>IP : 10.0.0.102</a:t>
+            </a:r>
+          </a:p>
+          <a:p>
+            <a:r>
+              <a:rPr lang="en-US" sz="2000" b="1" dirty="0">
+                <a:latin typeface="Yu Gothic" panose="020B0400000000000000" pitchFamily="34" charset="-128"/>
+                <a:ea typeface="Yu Gothic" panose="020B0400000000000000" pitchFamily="34" charset="-128"/>
+              </a:rPr>
+              <a:t>MAC: 0000.0000.0102</a:t>
+            </a:r>
+          </a:p>
+        </p:txBody>
+      </p:sp>
+      <p:sp>
+        <p:nvSpPr>
+          <p:cNvPr id="8" name="TextBox 7">
+            <a:extLst>
+              <a:ext uri="{FF2B5EF4-FFF2-40B4-BE49-F238E27FC236}">
+                <a16:creationId xmlns:a16="http://schemas.microsoft.com/office/drawing/2014/main" id="{A4EFF298-DAA1-D04B-9ED6-69F70B132474}"/>
+              </a:ext>
+            </a:extLst>
+          </p:cNvPr>
+          <p:cNvSpPr txBox="1"/>
+          <p:nvPr/>
+        </p:nvSpPr>
+        <p:spPr>
+          <a:xfrm>
+            <a:off x="6624521" y="5580332"/>
+            <a:ext cx="756938" cy="400110"/>
+          </a:xfrm>
+          <a:prstGeom prst="rect">
+            <a:avLst/>
+          </a:prstGeom>
+          <a:noFill/>
+        </p:spPr>
+        <p:txBody>
+          <a:bodyPr wrap="none" rtlCol="0">
+            <a:spAutoFit/>
+          </a:bodyPr>
+          <a:lstStyle/>
+          <a:p>
+            <a:r>
+              <a:rPr lang="en-US" sz="2000" b="1" dirty="0">
+                <a:latin typeface="Yu Gothic" panose="020B0400000000000000" pitchFamily="34" charset="-128"/>
+                <a:ea typeface="Yu Gothic" panose="020B0400000000000000" pitchFamily="34" charset="-128"/>
+              </a:rPr>
+              <a:t>g0/1</a:t>
+            </a:r>
+          </a:p>
+        </p:txBody>
+      </p:sp>
+      <p:sp>
+        <p:nvSpPr>
+          <p:cNvPr id="9" name="TextBox 8">
+            <a:extLst>
+              <a:ext uri="{FF2B5EF4-FFF2-40B4-BE49-F238E27FC236}">
+                <a16:creationId xmlns:a16="http://schemas.microsoft.com/office/drawing/2014/main" id="{0F458B57-4684-2C40-946D-040AA934F46B}"/>
+              </a:ext>
+            </a:extLst>
+          </p:cNvPr>
+          <p:cNvSpPr txBox="1"/>
+          <p:nvPr/>
+        </p:nvSpPr>
+        <p:spPr>
+          <a:xfrm>
+            <a:off x="6602246" y="3311696"/>
+            <a:ext cx="756938" cy="400110"/>
+          </a:xfrm>
+          <a:prstGeom prst="rect">
+            <a:avLst/>
+          </a:prstGeom>
+          <a:noFill/>
+        </p:spPr>
+        <p:txBody>
+          <a:bodyPr wrap="none" rtlCol="0">
+            <a:spAutoFit/>
+          </a:bodyPr>
+          <a:lstStyle/>
+          <a:p>
+            <a:r>
+              <a:rPr lang="en-US" sz="2000" b="1" dirty="0">
+                <a:latin typeface="Yu Gothic" panose="020B0400000000000000" pitchFamily="34" charset="-128"/>
+                <a:ea typeface="Yu Gothic" panose="020B0400000000000000" pitchFamily="34" charset="-128"/>
+              </a:rPr>
+              <a:t>g0/1</a:t>
+            </a:r>
+          </a:p>
+        </p:txBody>
+      </p:sp>
+      <p:sp>
+        <p:nvSpPr>
+          <p:cNvPr id="10" name="TextBox 9">
+            <a:extLst>
+              <a:ext uri="{FF2B5EF4-FFF2-40B4-BE49-F238E27FC236}">
+                <a16:creationId xmlns:a16="http://schemas.microsoft.com/office/drawing/2014/main" id="{36259F1D-CC00-F549-AD83-739D738904FA}"/>
+              </a:ext>
+            </a:extLst>
+          </p:cNvPr>
+          <p:cNvSpPr txBox="1"/>
+          <p:nvPr/>
+        </p:nvSpPr>
+        <p:spPr>
+          <a:xfrm>
+            <a:off x="7812581" y="5160850"/>
+            <a:ext cx="756938" cy="400110"/>
+          </a:xfrm>
+          <a:prstGeom prst="rect">
+            <a:avLst/>
+          </a:prstGeom>
+          <a:noFill/>
+        </p:spPr>
+        <p:txBody>
+          <a:bodyPr wrap="none" rtlCol="0">
+            <a:spAutoFit/>
+          </a:bodyPr>
+          <a:lstStyle/>
+          <a:p>
+            <a:r>
+              <a:rPr lang="en-US" sz="2000" b="1" dirty="0">
+                <a:latin typeface="Yu Gothic" panose="020B0400000000000000" pitchFamily="34" charset="-128"/>
+                <a:ea typeface="Yu Gothic" panose="020B0400000000000000" pitchFamily="34" charset="-128"/>
+              </a:rPr>
+              <a:t>g0/2</a:t>
+            </a:r>
+          </a:p>
+        </p:txBody>
+      </p:sp>
+      <p:sp>
+        <p:nvSpPr>
+          <p:cNvPr id="11" name="TextBox 10">
+            <a:extLst>
+              <a:ext uri="{FF2B5EF4-FFF2-40B4-BE49-F238E27FC236}">
+                <a16:creationId xmlns:a16="http://schemas.microsoft.com/office/drawing/2014/main" id="{7B7D1B93-E964-0F4F-B8B8-844A7F02F284}"/>
+              </a:ext>
+            </a:extLst>
+          </p:cNvPr>
+          <p:cNvSpPr txBox="1"/>
+          <p:nvPr/>
+        </p:nvSpPr>
+        <p:spPr>
+          <a:xfrm>
+            <a:off x="8993052" y="4873305"/>
+            <a:ext cx="756938" cy="400110"/>
+          </a:xfrm>
+          <a:prstGeom prst="rect">
+            <a:avLst/>
+          </a:prstGeom>
+          <a:noFill/>
+        </p:spPr>
+        <p:txBody>
+          <a:bodyPr wrap="none" rtlCol="0">
+            <a:spAutoFit/>
+          </a:bodyPr>
+          <a:lstStyle/>
+          <a:p>
+            <a:r>
+              <a:rPr lang="en-US" sz="2000" b="1" dirty="0">
+                <a:latin typeface="Yu Gothic" panose="020B0400000000000000" pitchFamily="34" charset="-128"/>
+                <a:ea typeface="Yu Gothic" panose="020B0400000000000000" pitchFamily="34" charset="-128"/>
+              </a:rPr>
+              <a:t>g0/1</a:t>
+            </a:r>
+          </a:p>
+        </p:txBody>
+      </p:sp>
+      <p:pic>
+        <p:nvPicPr>
+          <p:cNvPr id="12" name="Picture 11">
+            <a:extLst>
+              <a:ext uri="{FF2B5EF4-FFF2-40B4-BE49-F238E27FC236}">
+                <a16:creationId xmlns:a16="http://schemas.microsoft.com/office/drawing/2014/main" id="{79DF538E-F6CC-2147-B556-A506FE402333}"/>
+              </a:ext>
+            </a:extLst>
+          </p:cNvPr>
+          <p:cNvPicPr>
+            <a:picLocks noChangeAspect="1"/>
+          </p:cNvPicPr>
+          <p:nvPr/>
+        </p:nvPicPr>
+        <p:blipFill>
+          <a:blip r:embed="rId2">
+            <a:extLst>
+              <a:ext uri="{28A0092B-C50C-407E-A947-70E740481C1C}">
+                <a14:useLocalDpi xmlns:a14="http://schemas.microsoft.com/office/drawing/2010/main" val="0"/>
+              </a:ext>
+            </a:extLst>
+          </a:blip>
+          <a:stretch>
+            <a:fillRect/>
+          </a:stretch>
+        </p:blipFill>
+        <p:spPr>
+          <a:xfrm>
+            <a:off x="5426546" y="2697009"/>
+            <a:ext cx="1318030" cy="1318030"/>
+          </a:xfrm>
+          <a:prstGeom prst="rect">
+            <a:avLst/>
+          </a:prstGeom>
+        </p:spPr>
+      </p:pic>
+      <p:pic>
+        <p:nvPicPr>
+          <p:cNvPr id="14" name="Picture 13">
+            <a:extLst>
+              <a:ext uri="{FF2B5EF4-FFF2-40B4-BE49-F238E27FC236}">
+                <a16:creationId xmlns:a16="http://schemas.microsoft.com/office/drawing/2014/main" id="{156F7A81-0031-F44D-83DB-D9192AEA6D37}"/>
+              </a:ext>
+            </a:extLst>
+          </p:cNvPr>
+          <p:cNvPicPr>
+            <a:picLocks noChangeAspect="1"/>
+          </p:cNvPicPr>
+          <p:nvPr/>
+        </p:nvPicPr>
+        <p:blipFill>
+          <a:blip r:embed="rId2">
+            <a:extLst>
+              <a:ext uri="{28A0092B-C50C-407E-A947-70E740481C1C}">
+                <a14:useLocalDpi xmlns:a14="http://schemas.microsoft.com/office/drawing/2010/main" val="0"/>
+              </a:ext>
+            </a:extLst>
+          </a:blip>
+          <a:stretch>
+            <a:fillRect/>
+          </a:stretch>
+        </p:blipFill>
+        <p:spPr>
+          <a:xfrm>
+            <a:off x="5426546" y="4905492"/>
+            <a:ext cx="1318030" cy="1318030"/>
+          </a:xfrm>
+          <a:prstGeom prst="rect">
+            <a:avLst/>
+          </a:prstGeom>
+        </p:spPr>
+      </p:pic>
+      <p:sp>
+        <p:nvSpPr>
+          <p:cNvPr id="3" name="Left Arrow 2">
+            <a:extLst>
+              <a:ext uri="{FF2B5EF4-FFF2-40B4-BE49-F238E27FC236}">
+                <a16:creationId xmlns:a16="http://schemas.microsoft.com/office/drawing/2014/main" id="{71C30DA1-826F-2D46-A14C-9E9CADF01721}"/>
+              </a:ext>
+            </a:extLst>
+          </p:cNvPr>
+          <p:cNvSpPr/>
+          <p:nvPr/>
+        </p:nvSpPr>
+        <p:spPr>
+          <a:xfrm rot="10800000">
+            <a:off x="9724536" y="1153363"/>
+            <a:ext cx="1063487" cy="526774"/>
+          </a:xfrm>
+          <a:prstGeom prst="leftArrow">
+            <a:avLst/>
+          </a:prstGeom>
+          <a:solidFill>
+            <a:schemeClr val="tx1"/>
+          </a:solidFill>
+          <a:ln>
+            <a:noFill/>
+          </a:ln>
+        </p:spPr>
+        <p:style>
+          <a:lnRef idx="2">
+            <a:schemeClr val="accent1">
+              <a:shade val="50000"/>
+            </a:schemeClr>
+          </a:lnRef>
+          <a:fillRef idx="1">
+            <a:schemeClr val="accent1"/>
+          </a:fillRef>
+          <a:effectRef idx="0">
+            <a:schemeClr val="accent1"/>
+          </a:effectRef>
+          <a:fontRef idx="minor">
+            <a:schemeClr val="lt1"/>
+          </a:fontRef>
+        </p:style>
+        <p:txBody>
+          <a:bodyPr rtlCol="0" anchor="ctr"/>
+          <a:lstStyle/>
+          <a:p>
+            <a:pPr algn="ctr"/>
+            <a:endParaRPr lang="en-US"/>
+          </a:p>
+        </p:txBody>
+      </p:sp>
+      <p:sp>
+        <p:nvSpPr>
+          <p:cNvPr id="27" name="Rectangle 26">
+            <a:extLst>
+              <a:ext uri="{FF2B5EF4-FFF2-40B4-BE49-F238E27FC236}">
+                <a16:creationId xmlns:a16="http://schemas.microsoft.com/office/drawing/2014/main" id="{57282C45-88A8-0F41-B285-E1138B2624D6}"/>
+              </a:ext>
+            </a:extLst>
+          </p:cNvPr>
+          <p:cNvSpPr/>
+          <p:nvPr/>
+        </p:nvSpPr>
+        <p:spPr>
+          <a:xfrm>
+            <a:off x="8161753" y="1070149"/>
+            <a:ext cx="1972267" cy="695739"/>
+          </a:xfrm>
+          <a:prstGeom prst="rect">
+            <a:avLst/>
+          </a:prstGeom>
+          <a:solidFill>
+            <a:schemeClr val="accent2"/>
+          </a:solidFill>
+          <a:ln w="38100">
+            <a:solidFill>
+              <a:schemeClr val="bg1"/>
+            </a:solidFill>
+          </a:ln>
+        </p:spPr>
+        <p:style>
+          <a:lnRef idx="2">
+            <a:schemeClr val="accent1">
+              <a:shade val="50000"/>
+            </a:schemeClr>
+          </a:lnRef>
+          <a:fillRef idx="1">
+            <a:schemeClr val="accent1"/>
+          </a:fillRef>
+          <a:effectRef idx="0">
+            <a:schemeClr val="accent1"/>
+          </a:effectRef>
+          <a:fontRef idx="minor">
+            <a:schemeClr val="lt1"/>
+          </a:fontRef>
+        </p:style>
+        <p:txBody>
+          <a:bodyPr rtlCol="0" anchor="ctr"/>
+          <a:lstStyle/>
+          <a:p>
+            <a:pPr algn="ctr"/>
+            <a:endParaRPr lang="en-US"/>
+          </a:p>
+        </p:txBody>
+      </p:sp>
+      <p:sp>
+        <p:nvSpPr>
+          <p:cNvPr id="29" name="Rectangle 28">
+            <a:extLst>
+              <a:ext uri="{FF2B5EF4-FFF2-40B4-BE49-F238E27FC236}">
+                <a16:creationId xmlns:a16="http://schemas.microsoft.com/office/drawing/2014/main" id="{D9CA09D0-451E-F147-A44E-288483F9404E}"/>
+              </a:ext>
+            </a:extLst>
+          </p:cNvPr>
+          <p:cNvSpPr/>
+          <p:nvPr/>
+        </p:nvSpPr>
+        <p:spPr>
+          <a:xfrm>
+            <a:off x="1468160" y="1072486"/>
+            <a:ext cx="1720550" cy="695739"/>
+          </a:xfrm>
+          <a:prstGeom prst="rect">
+            <a:avLst/>
+          </a:prstGeom>
+          <a:solidFill>
+            <a:schemeClr val="bg2"/>
+          </a:solidFill>
+          <a:ln w="38100">
+            <a:solidFill>
+              <a:schemeClr val="bg1"/>
+            </a:solidFill>
+          </a:ln>
+        </p:spPr>
+        <p:style>
+          <a:lnRef idx="2">
+            <a:schemeClr val="accent1">
+              <a:shade val="50000"/>
+            </a:schemeClr>
+          </a:lnRef>
+          <a:fillRef idx="1">
+            <a:schemeClr val="accent1"/>
+          </a:fillRef>
+          <a:effectRef idx="0">
+            <a:schemeClr val="accent1"/>
+          </a:effectRef>
+          <a:fontRef idx="minor">
+            <a:schemeClr val="lt1"/>
+          </a:fontRef>
+        </p:style>
+        <p:txBody>
+          <a:bodyPr rtlCol="0" anchor="ctr"/>
+          <a:lstStyle/>
+          <a:p>
+            <a:pPr algn="ctr"/>
+            <a:endParaRPr lang="en-US"/>
+          </a:p>
+        </p:txBody>
+      </p:sp>
+      <p:sp>
+        <p:nvSpPr>
+          <p:cNvPr id="31" name="TextBox 30">
+            <a:extLst>
+              <a:ext uri="{FF2B5EF4-FFF2-40B4-BE49-F238E27FC236}">
+                <a16:creationId xmlns:a16="http://schemas.microsoft.com/office/drawing/2014/main" id="{D0822A6B-2B8B-8342-BEDB-3A5113DF2A33}"/>
+              </a:ext>
+            </a:extLst>
+          </p:cNvPr>
+          <p:cNvSpPr txBox="1"/>
+          <p:nvPr/>
+        </p:nvSpPr>
+        <p:spPr>
+          <a:xfrm>
+            <a:off x="8579910" y="1099224"/>
+            <a:ext cx="1189749" cy="369332"/>
+          </a:xfrm>
+          <a:prstGeom prst="rect">
+            <a:avLst/>
+          </a:prstGeom>
+          <a:noFill/>
+        </p:spPr>
+        <p:txBody>
+          <a:bodyPr wrap="none" rtlCol="0">
+            <a:spAutoFit/>
+          </a:bodyPr>
+          <a:lstStyle/>
+          <a:p>
+            <a:pPr algn="ctr"/>
+            <a:r>
+              <a:rPr lang="ja-JP" altLang="en-US" b="1">
+                <a:solidFill>
+                  <a:schemeClr val="bg1"/>
+                </a:solidFill>
+                <a:latin typeface="Yu Gothic" panose="020B0400000000000000" pitchFamily="34" charset="-128"/>
+                <a:ea typeface="Yu Gothic" panose="020B0400000000000000" pitchFamily="34" charset="-128"/>
+              </a:rPr>
+              <a:t>宛先</a:t>
+            </a:r>
+            <a:r>
+              <a:rPr lang="en-US" b="1" dirty="0">
+                <a:solidFill>
+                  <a:schemeClr val="bg1"/>
+                </a:solidFill>
+                <a:latin typeface="Yu Gothic" panose="020B0400000000000000" pitchFamily="34" charset="-128"/>
+                <a:ea typeface="Yu Gothic" panose="020B0400000000000000" pitchFamily="34" charset="-128"/>
+              </a:rPr>
+              <a:t>MAC</a:t>
+            </a:r>
+          </a:p>
+        </p:txBody>
+      </p:sp>
+      <p:sp>
+        <p:nvSpPr>
+          <p:cNvPr id="32" name="Rectangle 31">
+            <a:extLst>
+              <a:ext uri="{FF2B5EF4-FFF2-40B4-BE49-F238E27FC236}">
+                <a16:creationId xmlns:a16="http://schemas.microsoft.com/office/drawing/2014/main" id="{CE1B3C14-0119-1B4C-8BD9-3F291668E22C}"/>
+              </a:ext>
+            </a:extLst>
+          </p:cNvPr>
+          <p:cNvSpPr/>
+          <p:nvPr/>
+        </p:nvSpPr>
+        <p:spPr>
+          <a:xfrm>
+            <a:off x="6218693" y="1066406"/>
+            <a:ext cx="1942970" cy="695739"/>
+          </a:xfrm>
+          <a:prstGeom prst="rect">
+            <a:avLst/>
+          </a:prstGeom>
+          <a:solidFill>
+            <a:schemeClr val="accent2"/>
+          </a:solidFill>
+          <a:ln w="38100">
+            <a:solidFill>
+              <a:schemeClr val="bg1"/>
+            </a:solidFill>
+          </a:ln>
+        </p:spPr>
+        <p:style>
+          <a:lnRef idx="2">
+            <a:schemeClr val="accent1">
+              <a:shade val="50000"/>
+            </a:schemeClr>
+          </a:lnRef>
+          <a:fillRef idx="1">
+            <a:schemeClr val="accent1"/>
+          </a:fillRef>
+          <a:effectRef idx="0">
+            <a:schemeClr val="accent1"/>
+          </a:effectRef>
+          <a:fontRef idx="minor">
+            <a:schemeClr val="lt1"/>
+          </a:fontRef>
+        </p:style>
+        <p:txBody>
+          <a:bodyPr rtlCol="0" anchor="ctr"/>
+          <a:lstStyle/>
+          <a:p>
+            <a:pPr algn="ctr"/>
+            <a:endParaRPr lang="en-US"/>
+          </a:p>
+        </p:txBody>
+      </p:sp>
+      <p:sp>
+        <p:nvSpPr>
+          <p:cNvPr id="33" name="TextBox 32">
+            <a:extLst>
+              <a:ext uri="{FF2B5EF4-FFF2-40B4-BE49-F238E27FC236}">
+                <a16:creationId xmlns:a16="http://schemas.microsoft.com/office/drawing/2014/main" id="{6535A9B9-41D7-2847-9536-5447E1979CB9}"/>
+              </a:ext>
+            </a:extLst>
+          </p:cNvPr>
+          <p:cNvSpPr txBox="1"/>
+          <p:nvPr/>
+        </p:nvSpPr>
+        <p:spPr>
+          <a:xfrm>
+            <a:off x="6479887" y="1091446"/>
+            <a:ext cx="1420581" cy="369332"/>
+          </a:xfrm>
+          <a:prstGeom prst="rect">
+            <a:avLst/>
+          </a:prstGeom>
+          <a:noFill/>
+        </p:spPr>
+        <p:txBody>
+          <a:bodyPr wrap="none" rtlCol="0">
+            <a:spAutoFit/>
+          </a:bodyPr>
+          <a:lstStyle/>
+          <a:p>
+            <a:pPr algn="ctr"/>
+            <a:r>
+              <a:rPr lang="ja-JP" altLang="en-US" b="1">
+                <a:solidFill>
+                  <a:schemeClr val="bg1"/>
+                </a:solidFill>
+                <a:latin typeface="Yu Gothic" panose="020B0400000000000000" pitchFamily="34" charset="-128"/>
+                <a:ea typeface="Yu Gothic" panose="020B0400000000000000" pitchFamily="34" charset="-128"/>
+              </a:rPr>
+              <a:t>送信元</a:t>
+            </a:r>
+            <a:r>
+              <a:rPr lang="en-US" b="1" dirty="0">
+                <a:solidFill>
+                  <a:schemeClr val="bg1"/>
+                </a:solidFill>
+                <a:latin typeface="Yu Gothic" panose="020B0400000000000000" pitchFamily="34" charset="-128"/>
+                <a:ea typeface="Yu Gothic" panose="020B0400000000000000" pitchFamily="34" charset="-128"/>
+              </a:rPr>
+              <a:t>MAC</a:t>
+            </a:r>
+          </a:p>
+        </p:txBody>
+      </p:sp>
+      <p:sp>
+        <p:nvSpPr>
+          <p:cNvPr id="36" name="TextBox 35">
+            <a:extLst>
+              <a:ext uri="{FF2B5EF4-FFF2-40B4-BE49-F238E27FC236}">
+                <a16:creationId xmlns:a16="http://schemas.microsoft.com/office/drawing/2014/main" id="{A92EF017-8DD1-BA43-8F84-F36BDD3D92FF}"/>
+              </a:ext>
+            </a:extLst>
+          </p:cNvPr>
+          <p:cNvSpPr txBox="1"/>
+          <p:nvPr/>
+        </p:nvSpPr>
+        <p:spPr>
+          <a:xfrm>
+            <a:off x="1542322" y="1137565"/>
+            <a:ext cx="1611339" cy="369332"/>
+          </a:xfrm>
+          <a:prstGeom prst="rect">
+            <a:avLst/>
+          </a:prstGeom>
+          <a:noFill/>
+        </p:spPr>
+        <p:txBody>
+          <a:bodyPr wrap="none" rtlCol="0">
+            <a:spAutoFit/>
+          </a:bodyPr>
+          <a:lstStyle/>
+          <a:p>
+            <a:pPr algn="ctr"/>
+            <a:r>
+              <a:rPr lang="en-US" altLang="ja-JP" b="1" dirty="0">
+                <a:latin typeface="Yu Gothic" panose="020B0400000000000000" pitchFamily="34" charset="-128"/>
+                <a:ea typeface="Yu Gothic" panose="020B0400000000000000" pitchFamily="34" charset="-128"/>
+              </a:rPr>
+              <a:t>Ping</a:t>
+            </a:r>
+            <a:r>
+              <a:rPr lang="ja-JP" altLang="en-US" b="1">
+                <a:latin typeface="Yu Gothic" panose="020B0400000000000000" pitchFamily="34" charset="-128"/>
+                <a:ea typeface="Yu Gothic" panose="020B0400000000000000" pitchFamily="34" charset="-128"/>
+              </a:rPr>
+              <a:t>のデータ</a:t>
+            </a:r>
+            <a:endParaRPr lang="en-US" altLang="ja-JP" b="1" dirty="0">
+              <a:latin typeface="Yu Gothic" panose="020B0400000000000000" pitchFamily="34" charset="-128"/>
+              <a:ea typeface="Yu Gothic" panose="020B0400000000000000" pitchFamily="34" charset="-128"/>
+            </a:endParaRPr>
+          </a:p>
+        </p:txBody>
+      </p:sp>
+      <p:cxnSp>
+        <p:nvCxnSpPr>
+          <p:cNvPr id="25" name="Straight Connector 24">
+            <a:extLst>
+              <a:ext uri="{FF2B5EF4-FFF2-40B4-BE49-F238E27FC236}">
+                <a16:creationId xmlns:a16="http://schemas.microsoft.com/office/drawing/2014/main" id="{5C78533E-A5ED-7747-B02C-94A90BEC1EDE}"/>
+              </a:ext>
+            </a:extLst>
+          </p:cNvPr>
+          <p:cNvCxnSpPr>
+            <a:cxnSpLocks/>
+          </p:cNvCxnSpPr>
+          <p:nvPr/>
+        </p:nvCxnSpPr>
+        <p:spPr>
+          <a:xfrm flipV="1">
+            <a:off x="8967355" y="3295871"/>
+            <a:ext cx="0" cy="2190530"/>
+          </a:xfrm>
+          <a:prstGeom prst="line">
+            <a:avLst/>
+          </a:prstGeom>
+          <a:ln w="38100">
+            <a:solidFill>
+              <a:schemeClr val="tx1"/>
+            </a:solidFill>
+          </a:ln>
+        </p:spPr>
+        <p:style>
+          <a:lnRef idx="1">
+            <a:schemeClr val="accent1"/>
+          </a:lnRef>
+          <a:fillRef idx="0">
+            <a:schemeClr val="accent1"/>
+          </a:fillRef>
+          <a:effectRef idx="0">
+            <a:schemeClr val="accent1"/>
+          </a:effectRef>
+          <a:fontRef idx="minor">
+            <a:schemeClr val="tx1"/>
+          </a:fontRef>
+        </p:style>
+      </p:cxnSp>
+      <p:sp>
+        <p:nvSpPr>
+          <p:cNvPr id="39" name="Left Arrow 38">
+            <a:extLst>
+              <a:ext uri="{FF2B5EF4-FFF2-40B4-BE49-F238E27FC236}">
+                <a16:creationId xmlns:a16="http://schemas.microsoft.com/office/drawing/2014/main" id="{9DC59B6D-4BB6-AD4E-AB89-0A714BF230C7}"/>
+              </a:ext>
+            </a:extLst>
+          </p:cNvPr>
+          <p:cNvSpPr/>
+          <p:nvPr/>
+        </p:nvSpPr>
+        <p:spPr>
+          <a:xfrm rot="10800000">
+            <a:off x="8027644" y="2830149"/>
+            <a:ext cx="578920" cy="310586"/>
+          </a:xfrm>
+          <a:prstGeom prst="leftArrow">
+            <a:avLst/>
+          </a:prstGeom>
+          <a:solidFill>
+            <a:schemeClr val="tx1"/>
+          </a:solidFill>
+          <a:ln>
+            <a:noFill/>
+          </a:ln>
+        </p:spPr>
+        <p:style>
+          <a:lnRef idx="2">
+            <a:schemeClr val="accent1">
+              <a:shade val="50000"/>
+            </a:schemeClr>
+          </a:lnRef>
+          <a:fillRef idx="1">
+            <a:schemeClr val="accent1"/>
+          </a:fillRef>
+          <a:effectRef idx="0">
+            <a:schemeClr val="accent1"/>
+          </a:effectRef>
+          <a:fontRef idx="minor">
+            <a:schemeClr val="lt1"/>
+          </a:fontRef>
+        </p:style>
+        <p:txBody>
+          <a:bodyPr rtlCol="0" anchor="ctr"/>
+          <a:lstStyle/>
+          <a:p>
+            <a:pPr algn="ctr"/>
+            <a:endParaRPr lang="en-US"/>
+          </a:p>
+        </p:txBody>
+      </p:sp>
+      <p:sp>
+        <p:nvSpPr>
+          <p:cNvPr id="40" name="Rectangle 39">
+            <a:extLst>
+              <a:ext uri="{FF2B5EF4-FFF2-40B4-BE49-F238E27FC236}">
+                <a16:creationId xmlns:a16="http://schemas.microsoft.com/office/drawing/2014/main" id="{2DF9F9F6-269F-714B-B5CC-FC2C7AEDC8D4}"/>
+              </a:ext>
+            </a:extLst>
+          </p:cNvPr>
+          <p:cNvSpPr/>
+          <p:nvPr/>
+        </p:nvSpPr>
+        <p:spPr>
+          <a:xfrm>
+            <a:off x="7344414" y="2752765"/>
+            <a:ext cx="924338" cy="449344"/>
+          </a:xfrm>
+          <a:prstGeom prst="rect">
+            <a:avLst/>
+          </a:prstGeom>
+          <a:solidFill>
+            <a:schemeClr val="accent2"/>
+          </a:solidFill>
+          <a:ln w="38100">
+            <a:solidFill>
+              <a:schemeClr val="bg1"/>
+            </a:solidFill>
+          </a:ln>
+        </p:spPr>
+        <p:style>
+          <a:lnRef idx="2">
+            <a:schemeClr val="accent1">
+              <a:shade val="50000"/>
+            </a:schemeClr>
+          </a:lnRef>
+          <a:fillRef idx="1">
+            <a:schemeClr val="accent1"/>
+          </a:fillRef>
+          <a:effectRef idx="0">
+            <a:schemeClr val="accent1"/>
+          </a:effectRef>
+          <a:fontRef idx="minor">
+            <a:schemeClr val="lt1"/>
+          </a:fontRef>
+        </p:style>
+        <p:txBody>
+          <a:bodyPr rtlCol="0" anchor="ctr"/>
+          <a:lstStyle/>
+          <a:p>
+            <a:pPr algn="ctr"/>
+            <a:endParaRPr lang="en-US"/>
+          </a:p>
+        </p:txBody>
+      </p:sp>
+      <p:sp>
+        <p:nvSpPr>
+          <p:cNvPr id="41" name="TextBox 40">
+            <a:extLst>
+              <a:ext uri="{FF2B5EF4-FFF2-40B4-BE49-F238E27FC236}">
+                <a16:creationId xmlns:a16="http://schemas.microsoft.com/office/drawing/2014/main" id="{DB504305-1840-1C43-966D-61404B2A7EB2}"/>
+              </a:ext>
+            </a:extLst>
+          </p:cNvPr>
+          <p:cNvSpPr txBox="1"/>
+          <p:nvPr/>
+        </p:nvSpPr>
+        <p:spPr>
+          <a:xfrm>
+            <a:off x="7379566" y="2792771"/>
+            <a:ext cx="901209" cy="369332"/>
+          </a:xfrm>
+          <a:prstGeom prst="rect">
+            <a:avLst/>
+          </a:prstGeom>
+          <a:noFill/>
+        </p:spPr>
+        <p:txBody>
+          <a:bodyPr wrap="none" rtlCol="0">
+            <a:spAutoFit/>
+          </a:bodyPr>
+          <a:lstStyle/>
+          <a:p>
+            <a:pPr algn="ctr"/>
+            <a:r>
+              <a:rPr lang="en-US" b="1" dirty="0">
+                <a:solidFill>
+                  <a:schemeClr val="bg1"/>
+                </a:solidFill>
+                <a:latin typeface="Yu Gothic" panose="020B0400000000000000" pitchFamily="34" charset="-128"/>
+                <a:ea typeface="Yu Gothic" panose="020B0400000000000000" pitchFamily="34" charset="-128"/>
+              </a:rPr>
+              <a:t>Frame</a:t>
+            </a:r>
+          </a:p>
+        </p:txBody>
+      </p:sp>
+      <p:cxnSp>
+        <p:nvCxnSpPr>
+          <p:cNvPr id="42" name="Straight Connector 41">
+            <a:extLst>
+              <a:ext uri="{FF2B5EF4-FFF2-40B4-BE49-F238E27FC236}">
+                <a16:creationId xmlns:a16="http://schemas.microsoft.com/office/drawing/2014/main" id="{10EA1AA5-03A0-0E4F-BD2D-D3F1136467DC}"/>
+              </a:ext>
+            </a:extLst>
+          </p:cNvPr>
+          <p:cNvCxnSpPr>
+            <a:cxnSpLocks/>
+          </p:cNvCxnSpPr>
+          <p:nvPr/>
+        </p:nvCxnSpPr>
+        <p:spPr>
+          <a:xfrm flipV="1">
+            <a:off x="8268753" y="1765885"/>
+            <a:ext cx="1831704" cy="986881"/>
+          </a:xfrm>
+          <a:prstGeom prst="line">
+            <a:avLst/>
+          </a:prstGeom>
+          <a:ln w="38100">
+            <a:solidFill>
+              <a:schemeClr val="tx1"/>
+            </a:solidFill>
+            <a:prstDash val="dash"/>
+          </a:ln>
+        </p:spPr>
+        <p:style>
+          <a:lnRef idx="1">
+            <a:schemeClr val="accent1"/>
+          </a:lnRef>
+          <a:fillRef idx="0">
+            <a:schemeClr val="accent1"/>
+          </a:fillRef>
+          <a:effectRef idx="0">
+            <a:schemeClr val="accent1"/>
+          </a:effectRef>
+          <a:fontRef idx="minor">
+            <a:schemeClr val="tx1"/>
+          </a:fontRef>
+        </p:style>
+      </p:cxnSp>
+      <p:cxnSp>
+        <p:nvCxnSpPr>
+          <p:cNvPr id="43" name="Straight Connector 42">
+            <a:extLst>
+              <a:ext uri="{FF2B5EF4-FFF2-40B4-BE49-F238E27FC236}">
+                <a16:creationId xmlns:a16="http://schemas.microsoft.com/office/drawing/2014/main" id="{B5695EA6-7D99-FC45-94C2-2FEB756F1F2C}"/>
+              </a:ext>
+            </a:extLst>
+          </p:cNvPr>
+          <p:cNvCxnSpPr>
+            <a:cxnSpLocks/>
+          </p:cNvCxnSpPr>
+          <p:nvPr/>
+        </p:nvCxnSpPr>
+        <p:spPr>
+          <a:xfrm flipH="1" flipV="1">
+            <a:off x="1803073" y="1849583"/>
+            <a:ext cx="5541340" cy="940560"/>
+          </a:xfrm>
+          <a:prstGeom prst="line">
+            <a:avLst/>
+          </a:prstGeom>
+          <a:ln w="38100">
+            <a:solidFill>
+              <a:schemeClr val="tx1"/>
+            </a:solidFill>
+            <a:prstDash val="dash"/>
+          </a:ln>
+        </p:spPr>
+        <p:style>
+          <a:lnRef idx="1">
+            <a:schemeClr val="accent1"/>
+          </a:lnRef>
+          <a:fillRef idx="0">
+            <a:schemeClr val="accent1"/>
+          </a:fillRef>
+          <a:effectRef idx="0">
+            <a:schemeClr val="accent1"/>
+          </a:effectRef>
+          <a:fontRef idx="minor">
+            <a:schemeClr val="tx1"/>
+          </a:fontRef>
+        </p:style>
+      </p:cxnSp>
+      <p:sp>
+        <p:nvSpPr>
+          <p:cNvPr id="37" name="TextBox 36">
+            <a:extLst>
+              <a:ext uri="{FF2B5EF4-FFF2-40B4-BE49-F238E27FC236}">
+                <a16:creationId xmlns:a16="http://schemas.microsoft.com/office/drawing/2014/main" id="{A0CC2499-BFFE-694A-9A96-8577EE8F8E92}"/>
+              </a:ext>
+            </a:extLst>
+          </p:cNvPr>
+          <p:cNvSpPr txBox="1"/>
+          <p:nvPr/>
+        </p:nvSpPr>
+        <p:spPr>
+          <a:xfrm>
+            <a:off x="8191050" y="1376550"/>
+            <a:ext cx="1909497" cy="369332"/>
+          </a:xfrm>
+          <a:prstGeom prst="rect">
+            <a:avLst/>
+          </a:prstGeom>
+          <a:noFill/>
+        </p:spPr>
+        <p:txBody>
+          <a:bodyPr wrap="none" rtlCol="0">
+            <a:spAutoFit/>
+          </a:bodyPr>
+          <a:lstStyle/>
+          <a:p>
+            <a:r>
+              <a:rPr lang="en-US" b="1" dirty="0">
+                <a:solidFill>
+                  <a:schemeClr val="bg1"/>
+                </a:solidFill>
+                <a:latin typeface="Yu Gothic" panose="020B0400000000000000" pitchFamily="34" charset="-128"/>
+                <a:ea typeface="Yu Gothic" panose="020B0400000000000000" pitchFamily="34" charset="-128"/>
+              </a:rPr>
+              <a:t>0000.0000.0102</a:t>
+            </a:r>
+          </a:p>
+        </p:txBody>
+      </p:sp>
+      <p:sp>
+        <p:nvSpPr>
+          <p:cNvPr id="38" name="TextBox 37">
+            <a:extLst>
+              <a:ext uri="{FF2B5EF4-FFF2-40B4-BE49-F238E27FC236}">
+                <a16:creationId xmlns:a16="http://schemas.microsoft.com/office/drawing/2014/main" id="{41A30C38-6CC5-EB4C-B5F8-E140303BA9AD}"/>
+              </a:ext>
+            </a:extLst>
+          </p:cNvPr>
+          <p:cNvSpPr txBox="1"/>
+          <p:nvPr/>
+        </p:nvSpPr>
+        <p:spPr>
+          <a:xfrm>
+            <a:off x="6229084" y="1375364"/>
+            <a:ext cx="1909497" cy="369332"/>
+          </a:xfrm>
+          <a:prstGeom prst="rect">
+            <a:avLst/>
+          </a:prstGeom>
+          <a:noFill/>
+        </p:spPr>
+        <p:txBody>
+          <a:bodyPr wrap="none" rtlCol="0">
+            <a:spAutoFit/>
+          </a:bodyPr>
+          <a:lstStyle/>
+          <a:p>
+            <a:r>
+              <a:rPr lang="en-US" b="1" dirty="0">
+                <a:solidFill>
+                  <a:schemeClr val="bg1"/>
+                </a:solidFill>
+                <a:latin typeface="Yu Gothic" panose="020B0400000000000000" pitchFamily="34" charset="-128"/>
+                <a:ea typeface="Yu Gothic" panose="020B0400000000000000" pitchFamily="34" charset="-128"/>
+              </a:rPr>
+              <a:t>0000.0000.0101</a:t>
+            </a:r>
+          </a:p>
+        </p:txBody>
+      </p:sp>
+      <p:sp>
+        <p:nvSpPr>
+          <p:cNvPr id="44" name="Rectangle 43">
+            <a:extLst>
+              <a:ext uri="{FF2B5EF4-FFF2-40B4-BE49-F238E27FC236}">
+                <a16:creationId xmlns:a16="http://schemas.microsoft.com/office/drawing/2014/main" id="{89CAAFC2-834E-3D43-B5B3-DD42005878CF}"/>
+              </a:ext>
+            </a:extLst>
+          </p:cNvPr>
+          <p:cNvSpPr/>
+          <p:nvPr/>
+        </p:nvSpPr>
+        <p:spPr>
+          <a:xfrm>
+            <a:off x="4698473" y="1072329"/>
+            <a:ext cx="1520220" cy="695739"/>
+          </a:xfrm>
+          <a:prstGeom prst="rect">
+            <a:avLst/>
+          </a:prstGeom>
+          <a:solidFill>
+            <a:schemeClr val="accent1"/>
+          </a:solidFill>
+          <a:ln w="38100">
+            <a:solidFill>
+              <a:schemeClr val="bg1"/>
+            </a:solidFill>
+          </a:ln>
+        </p:spPr>
+        <p:style>
+          <a:lnRef idx="2">
+            <a:schemeClr val="accent1">
+              <a:shade val="50000"/>
+            </a:schemeClr>
+          </a:lnRef>
+          <a:fillRef idx="1">
+            <a:schemeClr val="accent1"/>
+          </a:fillRef>
+          <a:effectRef idx="0">
+            <a:schemeClr val="accent1"/>
+          </a:effectRef>
+          <a:fontRef idx="minor">
+            <a:schemeClr val="lt1"/>
+          </a:fontRef>
+        </p:style>
+        <p:txBody>
+          <a:bodyPr rtlCol="0" anchor="ctr"/>
+          <a:lstStyle/>
+          <a:p>
+            <a:pPr algn="ctr"/>
+            <a:endParaRPr lang="en-US"/>
+          </a:p>
+        </p:txBody>
+      </p:sp>
+      <p:sp>
+        <p:nvSpPr>
+          <p:cNvPr id="45" name="TextBox 44">
+            <a:extLst>
+              <a:ext uri="{FF2B5EF4-FFF2-40B4-BE49-F238E27FC236}">
+                <a16:creationId xmlns:a16="http://schemas.microsoft.com/office/drawing/2014/main" id="{579F8BAD-C37A-0A4F-A571-D61BA708E127}"/>
+              </a:ext>
+            </a:extLst>
+          </p:cNvPr>
+          <p:cNvSpPr txBox="1"/>
+          <p:nvPr/>
+        </p:nvSpPr>
+        <p:spPr>
+          <a:xfrm>
+            <a:off x="5036309" y="1099224"/>
+            <a:ext cx="880369" cy="369332"/>
+          </a:xfrm>
+          <a:prstGeom prst="rect">
+            <a:avLst/>
+          </a:prstGeom>
+          <a:noFill/>
+        </p:spPr>
+        <p:txBody>
+          <a:bodyPr wrap="none" rtlCol="0">
+            <a:spAutoFit/>
+          </a:bodyPr>
+          <a:lstStyle/>
+          <a:p>
+            <a:pPr algn="ctr"/>
+            <a:r>
+              <a:rPr lang="ja-JP" altLang="en-US" b="1">
+                <a:solidFill>
+                  <a:schemeClr val="bg1"/>
+                </a:solidFill>
+                <a:latin typeface="Yu Gothic" panose="020B0400000000000000" pitchFamily="34" charset="-128"/>
+                <a:ea typeface="Yu Gothic" panose="020B0400000000000000" pitchFamily="34" charset="-128"/>
+              </a:rPr>
+              <a:t>宛先</a:t>
+            </a:r>
+            <a:r>
+              <a:rPr lang="en-US" altLang="ja-JP" b="1" dirty="0">
+                <a:solidFill>
+                  <a:schemeClr val="bg1"/>
+                </a:solidFill>
+                <a:latin typeface="Yu Gothic" panose="020B0400000000000000" pitchFamily="34" charset="-128"/>
+                <a:ea typeface="Yu Gothic" panose="020B0400000000000000" pitchFamily="34" charset="-128"/>
+              </a:rPr>
+              <a:t>IP</a:t>
+            </a:r>
+            <a:endParaRPr lang="en-US" b="1" dirty="0">
+              <a:solidFill>
+                <a:schemeClr val="bg1"/>
+              </a:solidFill>
+              <a:latin typeface="Yu Gothic" panose="020B0400000000000000" pitchFamily="34" charset="-128"/>
+              <a:ea typeface="Yu Gothic" panose="020B0400000000000000" pitchFamily="34" charset="-128"/>
+            </a:endParaRPr>
+          </a:p>
+        </p:txBody>
+      </p:sp>
+      <p:sp>
+        <p:nvSpPr>
+          <p:cNvPr id="46" name="TextBox 45">
+            <a:extLst>
+              <a:ext uri="{FF2B5EF4-FFF2-40B4-BE49-F238E27FC236}">
+                <a16:creationId xmlns:a16="http://schemas.microsoft.com/office/drawing/2014/main" id="{577B813B-573E-EB42-84FC-D4205D08E7C5}"/>
+              </a:ext>
+            </a:extLst>
+          </p:cNvPr>
+          <p:cNvSpPr txBox="1"/>
+          <p:nvPr/>
+        </p:nvSpPr>
+        <p:spPr>
+          <a:xfrm>
+            <a:off x="4814343" y="1392813"/>
+            <a:ext cx="1308371" cy="369332"/>
+          </a:xfrm>
+          <a:prstGeom prst="rect">
+            <a:avLst/>
+          </a:prstGeom>
+          <a:noFill/>
+        </p:spPr>
+        <p:txBody>
+          <a:bodyPr wrap="none" rtlCol="0">
+            <a:spAutoFit/>
+          </a:bodyPr>
+          <a:lstStyle/>
+          <a:p>
+            <a:r>
+              <a:rPr lang="en-US" b="1" dirty="0">
+                <a:solidFill>
+                  <a:schemeClr val="bg1"/>
+                </a:solidFill>
+                <a:latin typeface="Yu Gothic" panose="020B0400000000000000" pitchFamily="34" charset="-128"/>
+                <a:ea typeface="Yu Gothic" panose="020B0400000000000000" pitchFamily="34" charset="-128"/>
+              </a:rPr>
+              <a:t>10.0.0.102</a:t>
+            </a:r>
+          </a:p>
+        </p:txBody>
+      </p:sp>
+      <p:sp>
+        <p:nvSpPr>
+          <p:cNvPr id="47" name="Rectangle 46">
+            <a:extLst>
+              <a:ext uri="{FF2B5EF4-FFF2-40B4-BE49-F238E27FC236}">
+                <a16:creationId xmlns:a16="http://schemas.microsoft.com/office/drawing/2014/main" id="{D3B1B512-5DEE-C244-A7F6-465FF4C134A3}"/>
+              </a:ext>
+            </a:extLst>
+          </p:cNvPr>
+          <p:cNvSpPr/>
+          <p:nvPr/>
+        </p:nvSpPr>
+        <p:spPr>
+          <a:xfrm>
+            <a:off x="3188799" y="1072329"/>
+            <a:ext cx="1520220" cy="695739"/>
+          </a:xfrm>
+          <a:prstGeom prst="rect">
+            <a:avLst/>
+          </a:prstGeom>
+          <a:solidFill>
+            <a:schemeClr val="accent1"/>
+          </a:solidFill>
+          <a:ln w="38100">
+            <a:solidFill>
+              <a:schemeClr val="bg1"/>
+            </a:solidFill>
+          </a:ln>
+        </p:spPr>
+        <p:style>
+          <a:lnRef idx="2">
+            <a:schemeClr val="accent1">
+              <a:shade val="50000"/>
+            </a:schemeClr>
+          </a:lnRef>
+          <a:fillRef idx="1">
+            <a:schemeClr val="accent1"/>
+          </a:fillRef>
+          <a:effectRef idx="0">
+            <a:schemeClr val="accent1"/>
+          </a:effectRef>
+          <a:fontRef idx="minor">
+            <a:schemeClr val="lt1"/>
+          </a:fontRef>
+        </p:style>
+        <p:txBody>
+          <a:bodyPr rtlCol="0" anchor="ctr"/>
+          <a:lstStyle/>
+          <a:p>
+            <a:pPr algn="ctr"/>
+            <a:endParaRPr lang="en-US"/>
+          </a:p>
+        </p:txBody>
+      </p:sp>
+      <p:sp>
+        <p:nvSpPr>
+          <p:cNvPr id="48" name="TextBox 47">
+            <a:extLst>
+              <a:ext uri="{FF2B5EF4-FFF2-40B4-BE49-F238E27FC236}">
+                <a16:creationId xmlns:a16="http://schemas.microsoft.com/office/drawing/2014/main" id="{9AD46A81-4D49-9A4E-95B3-45B4A5E46093}"/>
+              </a:ext>
+            </a:extLst>
+          </p:cNvPr>
+          <p:cNvSpPr txBox="1"/>
+          <p:nvPr/>
+        </p:nvSpPr>
+        <p:spPr>
+          <a:xfrm>
+            <a:off x="3411219" y="1099224"/>
+            <a:ext cx="1111202" cy="369332"/>
+          </a:xfrm>
+          <a:prstGeom prst="rect">
+            <a:avLst/>
+          </a:prstGeom>
+          <a:noFill/>
+        </p:spPr>
+        <p:txBody>
+          <a:bodyPr wrap="none" rtlCol="0">
+            <a:spAutoFit/>
+          </a:bodyPr>
+          <a:lstStyle/>
+          <a:p>
+            <a:pPr algn="ctr"/>
+            <a:r>
+              <a:rPr lang="ja-JP" altLang="en-US" b="1">
+                <a:solidFill>
+                  <a:schemeClr val="bg1"/>
+                </a:solidFill>
+                <a:latin typeface="Yu Gothic" panose="020B0400000000000000" pitchFamily="34" charset="-128"/>
+                <a:ea typeface="Yu Gothic" panose="020B0400000000000000" pitchFamily="34" charset="-128"/>
+              </a:rPr>
+              <a:t>送信元</a:t>
+            </a:r>
+            <a:r>
+              <a:rPr lang="en-US" altLang="ja-JP" b="1" dirty="0">
+                <a:solidFill>
+                  <a:schemeClr val="bg1"/>
+                </a:solidFill>
+                <a:latin typeface="Yu Gothic" panose="020B0400000000000000" pitchFamily="34" charset="-128"/>
+                <a:ea typeface="Yu Gothic" panose="020B0400000000000000" pitchFamily="34" charset="-128"/>
+              </a:rPr>
+              <a:t>IP</a:t>
+            </a:r>
+            <a:endParaRPr lang="en-US" b="1" dirty="0">
+              <a:solidFill>
+                <a:schemeClr val="bg1"/>
+              </a:solidFill>
+              <a:latin typeface="Yu Gothic" panose="020B0400000000000000" pitchFamily="34" charset="-128"/>
+              <a:ea typeface="Yu Gothic" panose="020B0400000000000000" pitchFamily="34" charset="-128"/>
+            </a:endParaRPr>
+          </a:p>
+        </p:txBody>
+      </p:sp>
+      <p:sp>
+        <p:nvSpPr>
+          <p:cNvPr id="49" name="TextBox 48">
+            <a:extLst>
+              <a:ext uri="{FF2B5EF4-FFF2-40B4-BE49-F238E27FC236}">
+                <a16:creationId xmlns:a16="http://schemas.microsoft.com/office/drawing/2014/main" id="{384E4355-CB03-4D45-AC27-BF39E5A191E6}"/>
+              </a:ext>
+            </a:extLst>
+          </p:cNvPr>
+          <p:cNvSpPr txBox="1"/>
+          <p:nvPr/>
+        </p:nvSpPr>
+        <p:spPr>
+          <a:xfrm>
+            <a:off x="3304669" y="1392813"/>
+            <a:ext cx="1308371" cy="369332"/>
+          </a:xfrm>
+          <a:prstGeom prst="rect">
+            <a:avLst/>
+          </a:prstGeom>
+          <a:noFill/>
+        </p:spPr>
+        <p:txBody>
+          <a:bodyPr wrap="none" rtlCol="0">
+            <a:spAutoFit/>
+          </a:bodyPr>
+          <a:lstStyle/>
+          <a:p>
+            <a:r>
+              <a:rPr lang="en-US" b="1" dirty="0">
+                <a:solidFill>
+                  <a:schemeClr val="bg1"/>
+                </a:solidFill>
+                <a:latin typeface="Yu Gothic" panose="020B0400000000000000" pitchFamily="34" charset="-128"/>
+                <a:ea typeface="Yu Gothic" panose="020B0400000000000000" pitchFamily="34" charset="-128"/>
+              </a:rPr>
+              <a:t>10.0.0.101</a:t>
+            </a:r>
+          </a:p>
+        </p:txBody>
+      </p:sp>
+      <p:pic>
+        <p:nvPicPr>
+          <p:cNvPr id="50" name="Picture 49">
+            <a:extLst>
+              <a:ext uri="{FF2B5EF4-FFF2-40B4-BE49-F238E27FC236}">
+                <a16:creationId xmlns:a16="http://schemas.microsoft.com/office/drawing/2014/main" id="{EBDFB564-FC3E-B447-81D3-86996EDA5469}"/>
+              </a:ext>
+            </a:extLst>
+          </p:cNvPr>
+          <p:cNvPicPr>
+            <a:picLocks noChangeAspect="1"/>
+          </p:cNvPicPr>
+          <p:nvPr/>
+        </p:nvPicPr>
+        <p:blipFill>
+          <a:blip r:embed="rId3">
+            <a:extLst>
+              <a:ext uri="{28A0092B-C50C-407E-A947-70E740481C1C}">
+                <a14:useLocalDpi xmlns:a14="http://schemas.microsoft.com/office/drawing/2010/main" val="0"/>
+              </a:ext>
+            </a:extLst>
+          </a:blip>
+          <a:stretch>
+            <a:fillRect/>
+          </a:stretch>
+        </p:blipFill>
+        <p:spPr>
+          <a:xfrm>
+            <a:off x="8352747" y="4959056"/>
+            <a:ext cx="1210903" cy="1210903"/>
+          </a:xfrm>
+          <a:prstGeom prst="rect">
+            <a:avLst/>
+          </a:prstGeom>
+        </p:spPr>
+      </p:pic>
+      <p:sp>
+        <p:nvSpPr>
+          <p:cNvPr id="51" name="Rectangle 50">
+            <a:extLst>
+              <a:ext uri="{FF2B5EF4-FFF2-40B4-BE49-F238E27FC236}">
+                <a16:creationId xmlns:a16="http://schemas.microsoft.com/office/drawing/2014/main" id="{50621624-A456-2449-B78A-5066B1173C02}"/>
+              </a:ext>
+            </a:extLst>
+          </p:cNvPr>
+          <p:cNvSpPr/>
+          <p:nvPr/>
+        </p:nvSpPr>
+        <p:spPr>
+          <a:xfrm>
+            <a:off x="641959" y="2871501"/>
+            <a:ext cx="3673198" cy="1443090"/>
+          </a:xfrm>
+          <a:prstGeom prst="rect">
+            <a:avLst/>
+          </a:prstGeom>
+          <a:solidFill>
+            <a:schemeClr val="tx1"/>
+          </a:solidFill>
+          <a:ln w="38100">
+            <a:solidFill>
+              <a:schemeClr val="bg1"/>
+            </a:solidFill>
+          </a:ln>
+        </p:spPr>
+        <p:style>
+          <a:lnRef idx="2">
+            <a:schemeClr val="accent1">
+              <a:shade val="50000"/>
+            </a:schemeClr>
+          </a:lnRef>
+          <a:fillRef idx="1">
+            <a:schemeClr val="accent1"/>
+          </a:fillRef>
+          <a:effectRef idx="0">
+            <a:schemeClr val="accent1"/>
+          </a:effectRef>
+          <a:fontRef idx="minor">
+            <a:schemeClr val="lt1"/>
+          </a:fontRef>
+        </p:style>
+        <p:txBody>
+          <a:bodyPr rtlCol="0" anchor="ctr"/>
+          <a:lstStyle/>
+          <a:p>
+            <a:pPr algn="ctr"/>
+            <a:endParaRPr lang="en-US"/>
+          </a:p>
+        </p:txBody>
+      </p:sp>
+      <p:sp>
+        <p:nvSpPr>
+          <p:cNvPr id="15" name="TextBox 14">
+            <a:extLst>
+              <a:ext uri="{FF2B5EF4-FFF2-40B4-BE49-F238E27FC236}">
+                <a16:creationId xmlns:a16="http://schemas.microsoft.com/office/drawing/2014/main" id="{A9456FAF-5A63-104D-ACEF-4B049E76CB96}"/>
+              </a:ext>
+            </a:extLst>
+          </p:cNvPr>
+          <p:cNvSpPr txBox="1"/>
+          <p:nvPr/>
+        </p:nvSpPr>
+        <p:spPr>
+          <a:xfrm>
+            <a:off x="752298" y="3021975"/>
+            <a:ext cx="3005951" cy="707886"/>
+          </a:xfrm>
+          <a:prstGeom prst="rect">
+            <a:avLst/>
+          </a:prstGeom>
+          <a:noFill/>
+        </p:spPr>
+        <p:txBody>
+          <a:bodyPr wrap="none" rtlCol="0">
+            <a:spAutoFit/>
+          </a:bodyPr>
+          <a:lstStyle/>
+          <a:p>
+            <a:r>
+              <a:rPr lang="en-US" sz="2000" b="1" dirty="0">
+                <a:solidFill>
+                  <a:schemeClr val="bg1"/>
+                </a:solidFill>
+                <a:latin typeface="Consolas" panose="020B0609020204030204" pitchFamily="49" charset="0"/>
+                <a:cs typeface="Consolas" panose="020B0609020204030204" pitchFamily="49" charset="0"/>
+              </a:rPr>
+              <a:t>PC1# ping 10.0.0.102</a:t>
+            </a:r>
+          </a:p>
+          <a:p>
+            <a:r>
+              <a:rPr lang="en-US" sz="2000" b="1" dirty="0">
+                <a:solidFill>
+                  <a:schemeClr val="bg1"/>
+                </a:solidFill>
+                <a:latin typeface="Consolas" panose="020B0609020204030204" pitchFamily="49" charset="0"/>
+                <a:cs typeface="Consolas" panose="020B0609020204030204" pitchFamily="49" charset="0"/>
+              </a:rPr>
+              <a:t>!!!!!</a:t>
+            </a:r>
+          </a:p>
+        </p:txBody>
+      </p:sp>
+      <p:sp>
+        <p:nvSpPr>
+          <p:cNvPr id="16" name="TextBox 15">
+            <a:extLst>
+              <a:ext uri="{FF2B5EF4-FFF2-40B4-BE49-F238E27FC236}">
+                <a16:creationId xmlns:a16="http://schemas.microsoft.com/office/drawing/2014/main" id="{1E8FD88C-02F7-DE4C-922F-A5CC14AF6FA9}"/>
+              </a:ext>
+            </a:extLst>
+          </p:cNvPr>
+          <p:cNvSpPr txBox="1"/>
+          <p:nvPr/>
+        </p:nvSpPr>
+        <p:spPr>
+          <a:xfrm>
+            <a:off x="4780068" y="287461"/>
+            <a:ext cx="1210588" cy="707886"/>
+          </a:xfrm>
+          <a:prstGeom prst="rect">
+            <a:avLst/>
+          </a:prstGeom>
+          <a:noFill/>
+        </p:spPr>
+        <p:txBody>
+          <a:bodyPr wrap="none" rtlCol="0">
+            <a:spAutoFit/>
+          </a:bodyPr>
+          <a:lstStyle/>
+          <a:p>
+            <a:pPr algn="ctr"/>
+            <a:r>
+              <a:rPr lang="ja-JP" altLang="en-US" sz="2000" b="1"/>
+              <a:t>ユーザが</a:t>
+            </a:r>
+            <a:endParaRPr lang="en-US" altLang="ja-JP" sz="2000" b="1" dirty="0"/>
+          </a:p>
+          <a:p>
+            <a:pPr algn="ctr"/>
+            <a:r>
+              <a:rPr lang="ja-JP" altLang="en-US" sz="2000" b="1"/>
+              <a:t>指定</a:t>
+            </a:r>
+            <a:endParaRPr lang="en-US" sz="2000" b="1" dirty="0"/>
+          </a:p>
+        </p:txBody>
+      </p:sp>
+      <p:sp>
+        <p:nvSpPr>
+          <p:cNvPr id="52" name="TextBox 51">
+            <a:extLst>
+              <a:ext uri="{FF2B5EF4-FFF2-40B4-BE49-F238E27FC236}">
+                <a16:creationId xmlns:a16="http://schemas.microsoft.com/office/drawing/2014/main" id="{A9A4B4D6-E472-B345-BF6D-E811E7862D94}"/>
+              </a:ext>
+            </a:extLst>
+          </p:cNvPr>
+          <p:cNvSpPr txBox="1"/>
+          <p:nvPr/>
+        </p:nvSpPr>
+        <p:spPr>
+          <a:xfrm>
+            <a:off x="3346195" y="292505"/>
+            <a:ext cx="1210588" cy="707886"/>
+          </a:xfrm>
+          <a:prstGeom prst="rect">
+            <a:avLst/>
+          </a:prstGeom>
+          <a:noFill/>
+        </p:spPr>
+        <p:txBody>
+          <a:bodyPr wrap="none" rtlCol="0">
+            <a:spAutoFit/>
+          </a:bodyPr>
+          <a:lstStyle/>
+          <a:p>
+            <a:pPr algn="ctr"/>
+            <a:r>
+              <a:rPr lang="ja-JP" altLang="en-US" sz="2000" b="1"/>
+              <a:t>自分の</a:t>
+            </a:r>
+            <a:endParaRPr lang="en-US" altLang="ja-JP" sz="2000" b="1" dirty="0"/>
+          </a:p>
+          <a:p>
+            <a:pPr algn="ctr"/>
+            <a:r>
+              <a:rPr lang="ja-JP" altLang="en-US" sz="2000" b="1"/>
+              <a:t>アドレス</a:t>
+            </a:r>
+            <a:endParaRPr lang="en-US" sz="2000" b="1" dirty="0"/>
+          </a:p>
+        </p:txBody>
+      </p:sp>
+      <p:sp>
+        <p:nvSpPr>
+          <p:cNvPr id="53" name="TextBox 52">
+            <a:extLst>
+              <a:ext uri="{FF2B5EF4-FFF2-40B4-BE49-F238E27FC236}">
+                <a16:creationId xmlns:a16="http://schemas.microsoft.com/office/drawing/2014/main" id="{75B56934-0791-D741-8B0C-E0DDE9FF483B}"/>
+              </a:ext>
+            </a:extLst>
+          </p:cNvPr>
+          <p:cNvSpPr txBox="1"/>
+          <p:nvPr/>
+        </p:nvSpPr>
+        <p:spPr>
+          <a:xfrm>
+            <a:off x="6595995" y="295437"/>
+            <a:ext cx="1210588" cy="707886"/>
+          </a:xfrm>
+          <a:prstGeom prst="rect">
+            <a:avLst/>
+          </a:prstGeom>
+          <a:noFill/>
+        </p:spPr>
+        <p:txBody>
+          <a:bodyPr wrap="none" rtlCol="0">
+            <a:spAutoFit/>
+          </a:bodyPr>
+          <a:lstStyle/>
+          <a:p>
+            <a:pPr algn="ctr"/>
+            <a:r>
+              <a:rPr lang="ja-JP" altLang="en-US" sz="2000" b="1"/>
+              <a:t>自分の</a:t>
+            </a:r>
+            <a:endParaRPr lang="en-US" altLang="ja-JP" sz="2000" b="1" dirty="0"/>
+          </a:p>
+          <a:p>
+            <a:pPr algn="ctr"/>
+            <a:r>
+              <a:rPr lang="ja-JP" altLang="en-US" sz="2000" b="1"/>
+              <a:t>アドレス</a:t>
+            </a:r>
+            <a:endParaRPr lang="en-US" sz="2000" b="1" dirty="0"/>
+          </a:p>
+        </p:txBody>
+      </p:sp>
+      <p:sp>
+        <p:nvSpPr>
+          <p:cNvPr id="54" name="TextBox 53">
+            <a:extLst>
+              <a:ext uri="{FF2B5EF4-FFF2-40B4-BE49-F238E27FC236}">
+                <a16:creationId xmlns:a16="http://schemas.microsoft.com/office/drawing/2014/main" id="{9B266F54-61DC-E248-A9BE-0E7DB62CD13B}"/>
+              </a:ext>
+            </a:extLst>
+          </p:cNvPr>
+          <p:cNvSpPr txBox="1"/>
+          <p:nvPr/>
+        </p:nvSpPr>
+        <p:spPr>
+          <a:xfrm>
+            <a:off x="8284844" y="283837"/>
+            <a:ext cx="1723549" cy="707886"/>
+          </a:xfrm>
+          <a:prstGeom prst="rect">
+            <a:avLst/>
+          </a:prstGeom>
+          <a:noFill/>
+        </p:spPr>
+        <p:txBody>
+          <a:bodyPr wrap="none" rtlCol="0">
+            <a:spAutoFit/>
+          </a:bodyPr>
+          <a:lstStyle/>
+          <a:p>
+            <a:pPr algn="ctr"/>
+            <a:r>
+              <a:rPr lang="ja-JP" altLang="en-US" sz="2000" b="1">
+                <a:solidFill>
+                  <a:schemeClr val="accent3"/>
+                </a:solidFill>
+              </a:rPr>
+              <a:t>知らないので</a:t>
+            </a:r>
+            <a:endParaRPr lang="en-US" sz="2000" b="1" dirty="0">
+              <a:solidFill>
+                <a:schemeClr val="accent3"/>
+              </a:solidFill>
+            </a:endParaRPr>
+          </a:p>
+          <a:p>
+            <a:pPr algn="ctr"/>
+            <a:r>
+              <a:rPr lang="en-US" sz="2000" b="1" dirty="0">
+                <a:solidFill>
+                  <a:schemeClr val="accent3"/>
+                </a:solidFill>
+              </a:rPr>
+              <a:t>ARP</a:t>
+            </a:r>
+            <a:r>
+              <a:rPr lang="ja-JP" altLang="en-US" sz="2000" b="1">
+                <a:solidFill>
+                  <a:schemeClr val="accent3"/>
+                </a:solidFill>
+              </a:rPr>
+              <a:t>で解決</a:t>
+            </a:r>
+            <a:endParaRPr lang="en-US" sz="2000" b="1" dirty="0">
+              <a:solidFill>
+                <a:schemeClr val="accent3"/>
+              </a:solidFill>
+            </a:endParaRPr>
+          </a:p>
+        </p:txBody>
+      </p:sp>
+    </p:spTree>
+    <p:extLst>
+      <p:ext uri="{BB962C8B-B14F-4D97-AF65-F5344CB8AC3E}">
+        <p14:creationId xmlns:p14="http://schemas.microsoft.com/office/powerpoint/2010/main" val="2425618668"/>
+      </p:ext>
+    </p:extLst>
+  </p:cSld>
+  <p:clrMapOvr>
+    <a:masterClrMapping/>
+  </p:clrMapOvr>
+</p:sld>
+</file>
+
+<file path=ppt/slides/slide11.xml><?xml version="1.0" encoding="utf-8"?>
+<p:sld xmlns:a="http://schemas.openxmlformats.org/drawingml/2006/main" xmlns:r="http://schemas.openxmlformats.org/officeDocument/2006/relationships" xmlns:p="http://schemas.openxmlformats.org/presentationml/2006/main">
+  <p:cSld>
+    <p:spTree>
+      <p:nvGrpSpPr>
+        <p:cNvPr id="1" name=""/>
+        <p:cNvGrpSpPr/>
+        <p:nvPr/>
+      </p:nvGrpSpPr>
+      <p:grpSpPr>
+        <a:xfrm>
+          <a:off x="0" y="0"/>
+          <a:ext cx="0" cy="0"/>
+          <a:chOff x="0" y="0"/>
+          <a:chExt cx="0" cy="0"/>
+        </a:xfrm>
+      </p:grpSpPr>
+      <p:cxnSp>
+        <p:nvCxnSpPr>
+          <p:cNvPr id="4" name="Straight Connector 3">
+            <a:extLst>
+              <a:ext uri="{FF2B5EF4-FFF2-40B4-BE49-F238E27FC236}">
+                <a16:creationId xmlns:a16="http://schemas.microsoft.com/office/drawing/2014/main" id="{4B4C0A45-F87D-EB4D-962F-6613F67F7058}"/>
+              </a:ext>
+            </a:extLst>
+          </p:cNvPr>
+          <p:cNvCxnSpPr>
+            <a:cxnSpLocks/>
+          </p:cNvCxnSpPr>
+          <p:nvPr/>
+        </p:nvCxnSpPr>
+        <p:spPr>
+          <a:xfrm>
+            <a:off x="4119711" y="2487637"/>
+            <a:ext cx="3334402" cy="0"/>
+          </a:xfrm>
+          <a:prstGeom prst="line">
+            <a:avLst/>
+          </a:prstGeom>
+          <a:ln w="38100">
+            <a:solidFill>
+              <a:schemeClr val="tx1"/>
+            </a:solidFill>
+          </a:ln>
+        </p:spPr>
+        <p:style>
+          <a:lnRef idx="1">
+            <a:schemeClr val="accent1"/>
+          </a:lnRef>
+          <a:fillRef idx="0">
+            <a:schemeClr val="accent1"/>
+          </a:fillRef>
+          <a:effectRef idx="0">
+            <a:schemeClr val="accent1"/>
+          </a:effectRef>
+          <a:fontRef idx="minor">
+            <a:schemeClr val="tx1"/>
+          </a:fontRef>
+        </p:style>
+      </p:cxnSp>
+      <p:pic>
+        <p:nvPicPr>
+          <p:cNvPr id="5" name="Picture 4">
+            <a:extLst>
+              <a:ext uri="{FF2B5EF4-FFF2-40B4-BE49-F238E27FC236}">
+                <a16:creationId xmlns:a16="http://schemas.microsoft.com/office/drawing/2014/main" id="{4E95FB95-AC80-424A-9FA5-D0F3DE10DA5A}"/>
+              </a:ext>
+            </a:extLst>
+          </p:cNvPr>
+          <p:cNvPicPr>
+            <a:picLocks noChangeAspect="1"/>
+          </p:cNvPicPr>
+          <p:nvPr/>
+        </p:nvPicPr>
+        <p:blipFill>
+          <a:blip r:embed="rId2">
+            <a:extLst>
+              <a:ext uri="{28A0092B-C50C-407E-A947-70E740481C1C}">
+                <a14:useLocalDpi xmlns:a14="http://schemas.microsoft.com/office/drawing/2010/main" val="0"/>
+              </a:ext>
+            </a:extLst>
+          </a:blip>
+          <a:stretch>
+            <a:fillRect/>
+          </a:stretch>
+        </p:blipFill>
+        <p:spPr>
+          <a:xfrm>
+            <a:off x="3668223" y="1828622"/>
+            <a:ext cx="1318030" cy="1318030"/>
+          </a:xfrm>
+          <a:prstGeom prst="rect">
+            <a:avLst/>
+          </a:prstGeom>
+        </p:spPr>
+      </p:pic>
+      <p:cxnSp>
+        <p:nvCxnSpPr>
+          <p:cNvPr id="6" name="Straight Connector 5">
+            <a:extLst>
+              <a:ext uri="{FF2B5EF4-FFF2-40B4-BE49-F238E27FC236}">
+                <a16:creationId xmlns:a16="http://schemas.microsoft.com/office/drawing/2014/main" id="{14A19404-458A-8443-BC36-045200A83067}"/>
+              </a:ext>
+            </a:extLst>
+          </p:cNvPr>
+          <p:cNvCxnSpPr>
+            <a:cxnSpLocks/>
+          </p:cNvCxnSpPr>
+          <p:nvPr/>
+        </p:nvCxnSpPr>
+        <p:spPr>
+          <a:xfrm>
+            <a:off x="4109027" y="4257506"/>
+            <a:ext cx="3155608" cy="0"/>
+          </a:xfrm>
+          <a:prstGeom prst="line">
+            <a:avLst/>
+          </a:prstGeom>
+          <a:ln w="38100">
+            <a:solidFill>
+              <a:schemeClr val="tx1"/>
+            </a:solidFill>
+          </a:ln>
+        </p:spPr>
+        <p:style>
+          <a:lnRef idx="1">
+            <a:schemeClr val="accent1"/>
+          </a:lnRef>
+          <a:fillRef idx="0">
+            <a:schemeClr val="accent1"/>
+          </a:fillRef>
+          <a:effectRef idx="0">
+            <a:schemeClr val="accent1"/>
+          </a:effectRef>
+          <a:fontRef idx="minor">
+            <a:schemeClr val="tx1"/>
+          </a:fontRef>
+        </p:style>
+      </p:cxnSp>
+      <p:pic>
+        <p:nvPicPr>
+          <p:cNvPr id="7" name="Picture 6">
+            <a:extLst>
+              <a:ext uri="{FF2B5EF4-FFF2-40B4-BE49-F238E27FC236}">
+                <a16:creationId xmlns:a16="http://schemas.microsoft.com/office/drawing/2014/main" id="{C6FE822E-B0CB-584F-9C5B-E10210295CAF}"/>
+              </a:ext>
+            </a:extLst>
+          </p:cNvPr>
+          <p:cNvPicPr>
+            <a:picLocks noChangeAspect="1"/>
+          </p:cNvPicPr>
+          <p:nvPr/>
+        </p:nvPicPr>
+        <p:blipFill>
+          <a:blip r:embed="rId3">
+            <a:extLst>
+              <a:ext uri="{28A0092B-C50C-407E-A947-70E740481C1C}">
+                <a14:useLocalDpi xmlns:a14="http://schemas.microsoft.com/office/drawing/2010/main" val="0"/>
+              </a:ext>
+            </a:extLst>
+          </a:blip>
+          <a:stretch>
+            <a:fillRect/>
+          </a:stretch>
+        </p:blipFill>
+        <p:spPr>
+          <a:xfrm>
+            <a:off x="6796587" y="3652055"/>
+            <a:ext cx="1210903" cy="1210903"/>
+          </a:xfrm>
+          <a:prstGeom prst="rect">
+            <a:avLst/>
+          </a:prstGeom>
+        </p:spPr>
+      </p:pic>
+      <p:pic>
+        <p:nvPicPr>
+          <p:cNvPr id="8" name="Picture 7">
+            <a:extLst>
+              <a:ext uri="{FF2B5EF4-FFF2-40B4-BE49-F238E27FC236}">
+                <a16:creationId xmlns:a16="http://schemas.microsoft.com/office/drawing/2014/main" id="{0A2335E1-7AF2-8243-A089-1525BE44C2AC}"/>
+              </a:ext>
+            </a:extLst>
+          </p:cNvPr>
+          <p:cNvPicPr>
+            <a:picLocks noChangeAspect="1"/>
+          </p:cNvPicPr>
+          <p:nvPr/>
+        </p:nvPicPr>
+        <p:blipFill>
+          <a:blip r:embed="rId2">
+            <a:extLst>
+              <a:ext uri="{28A0092B-C50C-407E-A947-70E740481C1C}">
+                <a14:useLocalDpi xmlns:a14="http://schemas.microsoft.com/office/drawing/2010/main" val="0"/>
+              </a:ext>
+            </a:extLst>
+          </a:blip>
+          <a:stretch>
+            <a:fillRect/>
+          </a:stretch>
+        </p:blipFill>
+        <p:spPr>
+          <a:xfrm>
+            <a:off x="3662566" y="3598491"/>
+            <a:ext cx="1318030" cy="1318030"/>
+          </a:xfrm>
+          <a:prstGeom prst="rect">
+            <a:avLst/>
+          </a:prstGeom>
+        </p:spPr>
+      </p:pic>
+      <p:sp>
+        <p:nvSpPr>
+          <p:cNvPr id="9" name="TextBox 8">
+            <a:extLst>
+              <a:ext uri="{FF2B5EF4-FFF2-40B4-BE49-F238E27FC236}">
+                <a16:creationId xmlns:a16="http://schemas.microsoft.com/office/drawing/2014/main" id="{50512F31-DBC1-A04E-B6DC-3D3B5C133256}"/>
+              </a:ext>
+            </a:extLst>
+          </p:cNvPr>
+          <p:cNvSpPr txBox="1"/>
+          <p:nvPr/>
+        </p:nvSpPr>
+        <p:spPr>
+          <a:xfrm>
+            <a:off x="397068" y="1958615"/>
+            <a:ext cx="2855269" cy="707886"/>
+          </a:xfrm>
+          <a:prstGeom prst="rect">
+            <a:avLst/>
+          </a:prstGeom>
+          <a:noFill/>
+        </p:spPr>
+        <p:txBody>
+          <a:bodyPr wrap="none" rtlCol="0">
+            <a:spAutoFit/>
+          </a:bodyPr>
+          <a:lstStyle/>
+          <a:p>
+            <a:r>
+              <a:rPr lang="en-US" sz="2000" b="1" dirty="0">
+                <a:latin typeface="Yu Gothic" panose="020B0400000000000000" pitchFamily="34" charset="-128"/>
+                <a:ea typeface="Yu Gothic" panose="020B0400000000000000" pitchFamily="34" charset="-128"/>
+              </a:rPr>
+              <a:t>IP : 10.0.0.101</a:t>
+            </a:r>
+          </a:p>
+          <a:p>
+            <a:r>
+              <a:rPr lang="en-US" sz="2000" b="1" dirty="0">
+                <a:latin typeface="Yu Gothic" panose="020B0400000000000000" pitchFamily="34" charset="-128"/>
+                <a:ea typeface="Yu Gothic" panose="020B0400000000000000" pitchFamily="34" charset="-128"/>
+              </a:rPr>
+              <a:t>MAC: 0000.0000.0101</a:t>
+            </a:r>
+          </a:p>
+        </p:txBody>
+      </p:sp>
+      <p:sp>
+        <p:nvSpPr>
+          <p:cNvPr id="10" name="TextBox 9">
+            <a:extLst>
+              <a:ext uri="{FF2B5EF4-FFF2-40B4-BE49-F238E27FC236}">
+                <a16:creationId xmlns:a16="http://schemas.microsoft.com/office/drawing/2014/main" id="{323A8C7A-C579-064A-B406-F80466D54CF3}"/>
+              </a:ext>
+            </a:extLst>
+          </p:cNvPr>
+          <p:cNvSpPr txBox="1"/>
+          <p:nvPr/>
+        </p:nvSpPr>
+        <p:spPr>
+          <a:xfrm>
+            <a:off x="397068" y="3645968"/>
+            <a:ext cx="2855269" cy="707886"/>
+          </a:xfrm>
+          <a:prstGeom prst="rect">
+            <a:avLst/>
+          </a:prstGeom>
+          <a:noFill/>
+        </p:spPr>
+        <p:txBody>
+          <a:bodyPr wrap="none" rtlCol="0">
+            <a:spAutoFit/>
+          </a:bodyPr>
+          <a:lstStyle/>
+          <a:p>
+            <a:r>
+              <a:rPr lang="en-US" sz="2000" b="1" dirty="0">
+                <a:latin typeface="Yu Gothic" panose="020B0400000000000000" pitchFamily="34" charset="-128"/>
+                <a:ea typeface="Yu Gothic" panose="020B0400000000000000" pitchFamily="34" charset="-128"/>
+              </a:rPr>
+              <a:t>IP : 10.0.0.102</a:t>
+            </a:r>
+          </a:p>
+          <a:p>
+            <a:r>
+              <a:rPr lang="en-US" sz="2000" b="1" dirty="0">
+                <a:latin typeface="Yu Gothic" panose="020B0400000000000000" pitchFamily="34" charset="-128"/>
+                <a:ea typeface="Yu Gothic" panose="020B0400000000000000" pitchFamily="34" charset="-128"/>
+              </a:rPr>
+              <a:t>MAC: 0000.0000.0102</a:t>
+            </a:r>
+          </a:p>
+        </p:txBody>
+      </p:sp>
+      <p:sp>
+        <p:nvSpPr>
+          <p:cNvPr id="11" name="TextBox 10">
+            <a:extLst>
+              <a:ext uri="{FF2B5EF4-FFF2-40B4-BE49-F238E27FC236}">
+                <a16:creationId xmlns:a16="http://schemas.microsoft.com/office/drawing/2014/main" id="{252E5065-DB98-054E-A619-65BD7D3CCB31}"/>
+              </a:ext>
+            </a:extLst>
+          </p:cNvPr>
+          <p:cNvSpPr txBox="1"/>
+          <p:nvPr/>
+        </p:nvSpPr>
+        <p:spPr>
+          <a:xfrm>
+            <a:off x="4778177" y="4296685"/>
+            <a:ext cx="756938" cy="400110"/>
+          </a:xfrm>
+          <a:prstGeom prst="rect">
+            <a:avLst/>
+          </a:prstGeom>
+          <a:noFill/>
+        </p:spPr>
+        <p:txBody>
+          <a:bodyPr wrap="none" rtlCol="0">
+            <a:spAutoFit/>
+          </a:bodyPr>
+          <a:lstStyle/>
+          <a:p>
+            <a:r>
+              <a:rPr lang="en-US" sz="2000" b="1" dirty="0">
+                <a:latin typeface="Yu Gothic" panose="020B0400000000000000" pitchFamily="34" charset="-128"/>
+                <a:ea typeface="Yu Gothic" panose="020B0400000000000000" pitchFamily="34" charset="-128"/>
+              </a:rPr>
+              <a:t>g0/1</a:t>
+            </a:r>
+          </a:p>
+        </p:txBody>
+      </p:sp>
+      <p:sp>
+        <p:nvSpPr>
+          <p:cNvPr id="12" name="TextBox 11">
+            <a:extLst>
+              <a:ext uri="{FF2B5EF4-FFF2-40B4-BE49-F238E27FC236}">
+                <a16:creationId xmlns:a16="http://schemas.microsoft.com/office/drawing/2014/main" id="{6A13144F-1A8C-9F43-9985-D4D8DA0090AA}"/>
+              </a:ext>
+            </a:extLst>
+          </p:cNvPr>
+          <p:cNvSpPr txBox="1"/>
+          <p:nvPr/>
+        </p:nvSpPr>
+        <p:spPr>
+          <a:xfrm>
+            <a:off x="4778167" y="2525812"/>
+            <a:ext cx="756938" cy="400110"/>
+          </a:xfrm>
+          <a:prstGeom prst="rect">
+            <a:avLst/>
+          </a:prstGeom>
+          <a:noFill/>
+        </p:spPr>
+        <p:txBody>
+          <a:bodyPr wrap="none" rtlCol="0">
+            <a:spAutoFit/>
+          </a:bodyPr>
+          <a:lstStyle/>
+          <a:p>
+            <a:r>
+              <a:rPr lang="en-US" sz="2000" b="1" dirty="0">
+                <a:latin typeface="Yu Gothic" panose="020B0400000000000000" pitchFamily="34" charset="-128"/>
+                <a:ea typeface="Yu Gothic" panose="020B0400000000000000" pitchFamily="34" charset="-128"/>
+              </a:rPr>
+              <a:t>g0/1</a:t>
+            </a:r>
+          </a:p>
+        </p:txBody>
+      </p:sp>
+      <p:sp>
+        <p:nvSpPr>
+          <p:cNvPr id="13" name="TextBox 12">
+            <a:extLst>
+              <a:ext uri="{FF2B5EF4-FFF2-40B4-BE49-F238E27FC236}">
+                <a16:creationId xmlns:a16="http://schemas.microsoft.com/office/drawing/2014/main" id="{4699F6F0-8D18-2447-988F-FF5372E813F0}"/>
+              </a:ext>
+            </a:extLst>
+          </p:cNvPr>
+          <p:cNvSpPr txBox="1"/>
+          <p:nvPr/>
+        </p:nvSpPr>
+        <p:spPr>
+          <a:xfrm>
+            <a:off x="6211732" y="3777658"/>
+            <a:ext cx="756938" cy="400110"/>
+          </a:xfrm>
+          <a:prstGeom prst="rect">
+            <a:avLst/>
+          </a:prstGeom>
+          <a:noFill/>
+        </p:spPr>
+        <p:txBody>
+          <a:bodyPr wrap="none" rtlCol="0">
+            <a:spAutoFit/>
+          </a:bodyPr>
+          <a:lstStyle/>
+          <a:p>
+            <a:r>
+              <a:rPr lang="en-US" sz="2000" b="1" dirty="0">
+                <a:latin typeface="Yu Gothic" panose="020B0400000000000000" pitchFamily="34" charset="-128"/>
+                <a:ea typeface="Yu Gothic" panose="020B0400000000000000" pitchFamily="34" charset="-128"/>
+              </a:rPr>
+              <a:t>g0/2</a:t>
+            </a:r>
+          </a:p>
+        </p:txBody>
+      </p:sp>
+      <p:sp>
+        <p:nvSpPr>
+          <p:cNvPr id="14" name="TextBox 13">
+            <a:extLst>
+              <a:ext uri="{FF2B5EF4-FFF2-40B4-BE49-F238E27FC236}">
+                <a16:creationId xmlns:a16="http://schemas.microsoft.com/office/drawing/2014/main" id="{D8CE870E-C16E-AD43-82E5-0109FCE30DF7}"/>
+              </a:ext>
+            </a:extLst>
+          </p:cNvPr>
+          <p:cNvSpPr txBox="1"/>
+          <p:nvPr/>
+        </p:nvSpPr>
+        <p:spPr>
+          <a:xfrm>
+            <a:off x="7502772" y="3572317"/>
+            <a:ext cx="756938" cy="400110"/>
+          </a:xfrm>
+          <a:prstGeom prst="rect">
+            <a:avLst/>
+          </a:prstGeom>
+          <a:noFill/>
+        </p:spPr>
+        <p:txBody>
+          <a:bodyPr wrap="none" rtlCol="0">
+            <a:spAutoFit/>
+          </a:bodyPr>
+          <a:lstStyle/>
+          <a:p>
+            <a:r>
+              <a:rPr lang="en-US" sz="2000" b="1" dirty="0">
+                <a:latin typeface="Yu Gothic" panose="020B0400000000000000" pitchFamily="34" charset="-128"/>
+                <a:ea typeface="Yu Gothic" panose="020B0400000000000000" pitchFamily="34" charset="-128"/>
+              </a:rPr>
+              <a:t>g0/1</a:t>
+            </a:r>
+          </a:p>
+        </p:txBody>
+      </p:sp>
+      <p:cxnSp>
+        <p:nvCxnSpPr>
+          <p:cNvPr id="16" name="Straight Connector 15">
+            <a:extLst>
+              <a:ext uri="{FF2B5EF4-FFF2-40B4-BE49-F238E27FC236}">
+                <a16:creationId xmlns:a16="http://schemas.microsoft.com/office/drawing/2014/main" id="{A89DA8B0-7E7D-F14B-AF0D-040121FB8D15}"/>
+              </a:ext>
+            </a:extLst>
+          </p:cNvPr>
+          <p:cNvCxnSpPr>
+            <a:cxnSpLocks/>
+          </p:cNvCxnSpPr>
+          <p:nvPr/>
+        </p:nvCxnSpPr>
+        <p:spPr>
+          <a:xfrm flipV="1">
+            <a:off x="7454113" y="2487637"/>
+            <a:ext cx="0" cy="1696782"/>
+          </a:xfrm>
+          <a:prstGeom prst="line">
+            <a:avLst/>
+          </a:prstGeom>
+          <a:ln w="38100">
+            <a:solidFill>
+              <a:schemeClr val="tx1"/>
+            </a:solidFill>
+          </a:ln>
+        </p:spPr>
+        <p:style>
+          <a:lnRef idx="1">
+            <a:schemeClr val="accent1"/>
+          </a:lnRef>
+          <a:fillRef idx="0">
+            <a:schemeClr val="accent1"/>
+          </a:fillRef>
+          <a:effectRef idx="0">
+            <a:schemeClr val="accent1"/>
+          </a:effectRef>
+          <a:fontRef idx="minor">
+            <a:schemeClr val="tx1"/>
+          </a:fontRef>
+        </p:style>
+      </p:cxnSp>
+      <p:sp>
+        <p:nvSpPr>
+          <p:cNvPr id="17" name="TextBox 16">
+            <a:extLst>
+              <a:ext uri="{FF2B5EF4-FFF2-40B4-BE49-F238E27FC236}">
+                <a16:creationId xmlns:a16="http://schemas.microsoft.com/office/drawing/2014/main" id="{F1E089C0-149C-DF44-AF81-0FE416C70F66}"/>
+              </a:ext>
+            </a:extLst>
+          </p:cNvPr>
+          <p:cNvSpPr txBox="1"/>
+          <p:nvPr/>
+        </p:nvSpPr>
+        <p:spPr>
+          <a:xfrm>
+            <a:off x="3992103" y="2858469"/>
+            <a:ext cx="694421" cy="400110"/>
+          </a:xfrm>
+          <a:prstGeom prst="rect">
+            <a:avLst/>
+          </a:prstGeom>
+          <a:noFill/>
+        </p:spPr>
+        <p:txBody>
+          <a:bodyPr wrap="none" rtlCol="0">
+            <a:spAutoFit/>
+          </a:bodyPr>
+          <a:lstStyle/>
+          <a:p>
+            <a:r>
+              <a:rPr lang="en-US" sz="2000" b="1" dirty="0">
+                <a:latin typeface="Yu Gothic" panose="020B0400000000000000" pitchFamily="34" charset="-128"/>
+                <a:ea typeface="Yu Gothic" panose="020B0400000000000000" pitchFamily="34" charset="-128"/>
+              </a:rPr>
+              <a:t>PC1</a:t>
+            </a:r>
+          </a:p>
+        </p:txBody>
+      </p:sp>
+      <p:sp>
+        <p:nvSpPr>
+          <p:cNvPr id="25" name="TextBox 24">
+            <a:extLst>
+              <a:ext uri="{FF2B5EF4-FFF2-40B4-BE49-F238E27FC236}">
+                <a16:creationId xmlns:a16="http://schemas.microsoft.com/office/drawing/2014/main" id="{7315BF08-A263-F148-B0E8-A2E107356B10}"/>
+              </a:ext>
+            </a:extLst>
+          </p:cNvPr>
+          <p:cNvSpPr txBox="1"/>
+          <p:nvPr/>
+        </p:nvSpPr>
+        <p:spPr>
+          <a:xfrm>
+            <a:off x="3990712" y="4597869"/>
+            <a:ext cx="694421" cy="400110"/>
+          </a:xfrm>
+          <a:prstGeom prst="rect">
+            <a:avLst/>
+          </a:prstGeom>
+          <a:noFill/>
+        </p:spPr>
+        <p:txBody>
+          <a:bodyPr wrap="none" rtlCol="0">
+            <a:spAutoFit/>
+          </a:bodyPr>
+          <a:lstStyle/>
+          <a:p>
+            <a:r>
+              <a:rPr lang="en-US" sz="2000" b="1" dirty="0">
+                <a:latin typeface="Yu Gothic" panose="020B0400000000000000" pitchFamily="34" charset="-128"/>
+                <a:ea typeface="Yu Gothic" panose="020B0400000000000000" pitchFamily="34" charset="-128"/>
+              </a:rPr>
+              <a:t>PC2</a:t>
+            </a:r>
+          </a:p>
+        </p:txBody>
+      </p:sp>
+      <p:sp>
+        <p:nvSpPr>
+          <p:cNvPr id="26" name="Left Arrow 25">
+            <a:extLst>
+              <a:ext uri="{FF2B5EF4-FFF2-40B4-BE49-F238E27FC236}">
+                <a16:creationId xmlns:a16="http://schemas.microsoft.com/office/drawing/2014/main" id="{AEF8CD41-F899-E846-9162-CA4B7B5AA441}"/>
+              </a:ext>
+            </a:extLst>
+          </p:cNvPr>
+          <p:cNvSpPr/>
+          <p:nvPr/>
+        </p:nvSpPr>
+        <p:spPr>
+          <a:xfrm rot="10800000">
+            <a:off x="9876237" y="392592"/>
+            <a:ext cx="1063487" cy="526774"/>
+          </a:xfrm>
+          <a:prstGeom prst="leftArrow">
+            <a:avLst/>
+          </a:prstGeom>
+          <a:solidFill>
+            <a:schemeClr val="tx1"/>
+          </a:solidFill>
+          <a:ln>
+            <a:noFill/>
+          </a:ln>
+        </p:spPr>
+        <p:style>
+          <a:lnRef idx="2">
+            <a:schemeClr val="accent1">
+              <a:shade val="50000"/>
+            </a:schemeClr>
+          </a:lnRef>
+          <a:fillRef idx="1">
+            <a:schemeClr val="accent1"/>
+          </a:fillRef>
+          <a:effectRef idx="0">
+            <a:schemeClr val="accent1"/>
+          </a:effectRef>
+          <a:fontRef idx="minor">
+            <a:schemeClr val="lt1"/>
+          </a:fontRef>
+        </p:style>
+        <p:txBody>
+          <a:bodyPr rtlCol="0" anchor="ctr"/>
+          <a:lstStyle/>
+          <a:p>
+            <a:pPr algn="ctr"/>
+            <a:endParaRPr lang="en-US"/>
+          </a:p>
+        </p:txBody>
+      </p:sp>
+      <p:sp>
+        <p:nvSpPr>
+          <p:cNvPr id="27" name="Rectangle 26">
+            <a:extLst>
+              <a:ext uri="{FF2B5EF4-FFF2-40B4-BE49-F238E27FC236}">
+                <a16:creationId xmlns:a16="http://schemas.microsoft.com/office/drawing/2014/main" id="{73A7036F-5C35-954D-B7B6-051E4B42ECBE}"/>
+              </a:ext>
+            </a:extLst>
+          </p:cNvPr>
+          <p:cNvSpPr/>
+          <p:nvPr/>
+        </p:nvSpPr>
+        <p:spPr>
+          <a:xfrm>
+            <a:off x="7966796" y="317121"/>
+            <a:ext cx="2335903" cy="695739"/>
+          </a:xfrm>
+          <a:prstGeom prst="rect">
+            <a:avLst/>
+          </a:prstGeom>
+          <a:solidFill>
+            <a:schemeClr val="accent2"/>
+          </a:solidFill>
+          <a:ln w="38100">
+            <a:solidFill>
+              <a:schemeClr val="bg1"/>
+            </a:solidFill>
+          </a:ln>
+        </p:spPr>
+        <p:style>
+          <a:lnRef idx="2">
+            <a:schemeClr val="accent1">
+              <a:shade val="50000"/>
+            </a:schemeClr>
+          </a:lnRef>
+          <a:fillRef idx="1">
+            <a:schemeClr val="accent1"/>
+          </a:fillRef>
+          <a:effectRef idx="0">
+            <a:schemeClr val="accent1"/>
+          </a:effectRef>
+          <a:fontRef idx="minor">
+            <a:schemeClr val="lt1"/>
+          </a:fontRef>
+        </p:style>
+        <p:txBody>
+          <a:bodyPr rtlCol="0" anchor="ctr"/>
+          <a:lstStyle/>
+          <a:p>
+            <a:pPr algn="ctr"/>
+            <a:endParaRPr lang="en-US"/>
+          </a:p>
+        </p:txBody>
+      </p:sp>
+      <p:sp>
+        <p:nvSpPr>
+          <p:cNvPr id="28" name="Rectangle 27">
+            <a:extLst>
+              <a:ext uri="{FF2B5EF4-FFF2-40B4-BE49-F238E27FC236}">
+                <a16:creationId xmlns:a16="http://schemas.microsoft.com/office/drawing/2014/main" id="{BA6A77CC-39EF-464B-A059-35440D2495C0}"/>
+              </a:ext>
+            </a:extLst>
+          </p:cNvPr>
+          <p:cNvSpPr/>
+          <p:nvPr/>
+        </p:nvSpPr>
+        <p:spPr>
+          <a:xfrm>
+            <a:off x="1569027" y="327170"/>
+            <a:ext cx="4060390" cy="695739"/>
+          </a:xfrm>
+          <a:prstGeom prst="rect">
+            <a:avLst/>
+          </a:prstGeom>
+          <a:solidFill>
+            <a:schemeClr val="accent3"/>
+          </a:solidFill>
+          <a:ln w="38100">
+            <a:solidFill>
+              <a:schemeClr val="bg1"/>
+            </a:solidFill>
+          </a:ln>
+        </p:spPr>
+        <p:style>
+          <a:lnRef idx="2">
+            <a:schemeClr val="accent1">
+              <a:shade val="50000"/>
+            </a:schemeClr>
+          </a:lnRef>
+          <a:fillRef idx="1">
+            <a:schemeClr val="accent1"/>
+          </a:fillRef>
+          <a:effectRef idx="0">
+            <a:schemeClr val="accent1"/>
+          </a:effectRef>
+          <a:fontRef idx="minor">
+            <a:schemeClr val="lt1"/>
+          </a:fontRef>
+        </p:style>
+        <p:txBody>
+          <a:bodyPr rtlCol="0" anchor="ctr"/>
+          <a:lstStyle/>
+          <a:p>
+            <a:pPr algn="ctr"/>
+            <a:endParaRPr lang="en-US"/>
+          </a:p>
+        </p:txBody>
+      </p:sp>
+      <p:sp>
+        <p:nvSpPr>
+          <p:cNvPr id="29" name="TextBox 28">
+            <a:extLst>
+              <a:ext uri="{FF2B5EF4-FFF2-40B4-BE49-F238E27FC236}">
+                <a16:creationId xmlns:a16="http://schemas.microsoft.com/office/drawing/2014/main" id="{BD1D8026-205E-C247-AF65-44C7676C1DDC}"/>
+              </a:ext>
+            </a:extLst>
+          </p:cNvPr>
+          <p:cNvSpPr txBox="1"/>
+          <p:nvPr/>
+        </p:nvSpPr>
+        <p:spPr>
+          <a:xfrm>
+            <a:off x="8515348" y="327170"/>
+            <a:ext cx="1189749" cy="369332"/>
+          </a:xfrm>
+          <a:prstGeom prst="rect">
+            <a:avLst/>
+          </a:prstGeom>
+          <a:noFill/>
+        </p:spPr>
+        <p:txBody>
+          <a:bodyPr wrap="none" rtlCol="0">
+            <a:spAutoFit/>
+          </a:bodyPr>
+          <a:lstStyle/>
+          <a:p>
+            <a:pPr algn="ctr"/>
+            <a:r>
+              <a:rPr lang="ja-JP" altLang="en-US" b="1">
+                <a:solidFill>
+                  <a:schemeClr val="bg1"/>
+                </a:solidFill>
+                <a:latin typeface="Yu Gothic" panose="020B0400000000000000" pitchFamily="34" charset="-128"/>
+                <a:ea typeface="Yu Gothic" panose="020B0400000000000000" pitchFamily="34" charset="-128"/>
+              </a:rPr>
+              <a:t>宛先</a:t>
+            </a:r>
+            <a:r>
+              <a:rPr lang="en-US" b="1" dirty="0">
+                <a:solidFill>
+                  <a:schemeClr val="bg1"/>
+                </a:solidFill>
+                <a:latin typeface="Yu Gothic" panose="020B0400000000000000" pitchFamily="34" charset="-128"/>
+                <a:ea typeface="Yu Gothic" panose="020B0400000000000000" pitchFamily="34" charset="-128"/>
+              </a:rPr>
+              <a:t>MAC</a:t>
+            </a:r>
+          </a:p>
+        </p:txBody>
+      </p:sp>
+      <p:sp>
+        <p:nvSpPr>
+          <p:cNvPr id="30" name="TextBox 29">
+            <a:extLst>
+              <a:ext uri="{FF2B5EF4-FFF2-40B4-BE49-F238E27FC236}">
+                <a16:creationId xmlns:a16="http://schemas.microsoft.com/office/drawing/2014/main" id="{0E078A39-3574-1945-AE3D-EACC8227D054}"/>
+              </a:ext>
+            </a:extLst>
+          </p:cNvPr>
+          <p:cNvSpPr txBox="1"/>
+          <p:nvPr/>
+        </p:nvSpPr>
+        <p:spPr>
+          <a:xfrm>
+            <a:off x="2781934" y="332178"/>
+            <a:ext cx="1661032" cy="369332"/>
+          </a:xfrm>
+          <a:prstGeom prst="rect">
+            <a:avLst/>
+          </a:prstGeom>
+          <a:noFill/>
+        </p:spPr>
+        <p:txBody>
+          <a:bodyPr wrap="none" rtlCol="0">
+            <a:spAutoFit/>
+          </a:bodyPr>
+          <a:lstStyle/>
+          <a:p>
+            <a:pPr algn="ctr"/>
+            <a:r>
+              <a:rPr lang="en-US" b="1" dirty="0">
+                <a:solidFill>
+                  <a:schemeClr val="bg1"/>
+                </a:solidFill>
+                <a:latin typeface="Yu Gothic" panose="020B0400000000000000" pitchFamily="34" charset="-128"/>
+                <a:ea typeface="Yu Gothic" panose="020B0400000000000000" pitchFamily="34" charset="-128"/>
+              </a:rPr>
+              <a:t>ARP Request</a:t>
+            </a:r>
+          </a:p>
+        </p:txBody>
+      </p:sp>
+      <p:sp>
+        <p:nvSpPr>
+          <p:cNvPr id="31" name="TextBox 30">
+            <a:extLst>
+              <a:ext uri="{FF2B5EF4-FFF2-40B4-BE49-F238E27FC236}">
+                <a16:creationId xmlns:a16="http://schemas.microsoft.com/office/drawing/2014/main" id="{AD22291F-2A49-C349-B032-CE701DB9A0A9}"/>
+              </a:ext>
+            </a:extLst>
+          </p:cNvPr>
+          <p:cNvSpPr txBox="1"/>
+          <p:nvPr/>
+        </p:nvSpPr>
+        <p:spPr>
+          <a:xfrm>
+            <a:off x="8101009" y="640682"/>
+            <a:ext cx="2063385" cy="369332"/>
+          </a:xfrm>
+          <a:prstGeom prst="rect">
+            <a:avLst/>
+          </a:prstGeom>
+          <a:noFill/>
+        </p:spPr>
+        <p:txBody>
+          <a:bodyPr wrap="none" rtlCol="0">
+            <a:spAutoFit/>
+          </a:bodyPr>
+          <a:lstStyle/>
+          <a:p>
+            <a:pPr algn="ctr"/>
+            <a:r>
+              <a:rPr lang="en-US" b="1" dirty="0">
+                <a:solidFill>
+                  <a:schemeClr val="bg1"/>
+                </a:solidFill>
+                <a:latin typeface="Yu Gothic" panose="020B0400000000000000" pitchFamily="34" charset="-128"/>
+                <a:ea typeface="Yu Gothic" panose="020B0400000000000000" pitchFamily="34" charset="-128"/>
+              </a:rPr>
+              <a:t>FFFF.FFFF.FFFF</a:t>
+            </a:r>
+          </a:p>
+        </p:txBody>
+      </p:sp>
+      <p:sp>
+        <p:nvSpPr>
+          <p:cNvPr id="32" name="Rectangle 31">
+            <a:extLst>
+              <a:ext uri="{FF2B5EF4-FFF2-40B4-BE49-F238E27FC236}">
+                <a16:creationId xmlns:a16="http://schemas.microsoft.com/office/drawing/2014/main" id="{64BD472F-6228-9945-A315-0ECCEC42D09E}"/>
+              </a:ext>
+            </a:extLst>
+          </p:cNvPr>
+          <p:cNvSpPr/>
+          <p:nvPr/>
+        </p:nvSpPr>
+        <p:spPr>
+          <a:xfrm>
+            <a:off x="5628286" y="314532"/>
+            <a:ext cx="2342402" cy="695739"/>
+          </a:xfrm>
+          <a:prstGeom prst="rect">
+            <a:avLst/>
+          </a:prstGeom>
+          <a:solidFill>
+            <a:schemeClr val="accent2"/>
+          </a:solidFill>
+          <a:ln w="38100">
+            <a:solidFill>
+              <a:schemeClr val="bg1"/>
+            </a:solidFill>
+          </a:ln>
+        </p:spPr>
+        <p:style>
+          <a:lnRef idx="2">
+            <a:schemeClr val="accent1">
+              <a:shade val="50000"/>
+            </a:schemeClr>
+          </a:lnRef>
+          <a:fillRef idx="1">
+            <a:schemeClr val="accent1"/>
+          </a:fillRef>
+          <a:effectRef idx="0">
+            <a:schemeClr val="accent1"/>
+          </a:effectRef>
+          <a:fontRef idx="minor">
+            <a:schemeClr val="lt1"/>
+          </a:fontRef>
+        </p:style>
+        <p:txBody>
+          <a:bodyPr rtlCol="0" anchor="ctr"/>
+          <a:lstStyle/>
+          <a:p>
+            <a:pPr algn="ctr"/>
+            <a:endParaRPr lang="en-US"/>
+          </a:p>
+        </p:txBody>
+      </p:sp>
+      <p:sp>
+        <p:nvSpPr>
+          <p:cNvPr id="33" name="TextBox 32">
+            <a:extLst>
+              <a:ext uri="{FF2B5EF4-FFF2-40B4-BE49-F238E27FC236}">
+                <a16:creationId xmlns:a16="http://schemas.microsoft.com/office/drawing/2014/main" id="{D6AE103B-05AB-1948-99D7-39B6875F33F1}"/>
+              </a:ext>
+            </a:extLst>
+          </p:cNvPr>
+          <p:cNvSpPr txBox="1"/>
+          <p:nvPr/>
+        </p:nvSpPr>
+        <p:spPr>
+          <a:xfrm>
+            <a:off x="6125636" y="329335"/>
+            <a:ext cx="1420581" cy="369332"/>
+          </a:xfrm>
+          <a:prstGeom prst="rect">
+            <a:avLst/>
+          </a:prstGeom>
+          <a:noFill/>
+        </p:spPr>
+        <p:txBody>
+          <a:bodyPr wrap="none" rtlCol="0">
+            <a:spAutoFit/>
+          </a:bodyPr>
+          <a:lstStyle/>
+          <a:p>
+            <a:pPr algn="ctr"/>
+            <a:r>
+              <a:rPr lang="ja-JP" altLang="en-US" b="1">
+                <a:solidFill>
+                  <a:schemeClr val="bg1"/>
+                </a:solidFill>
+                <a:latin typeface="Yu Gothic" panose="020B0400000000000000" pitchFamily="34" charset="-128"/>
+                <a:ea typeface="Yu Gothic" panose="020B0400000000000000" pitchFamily="34" charset="-128"/>
+              </a:rPr>
+              <a:t>送信元</a:t>
+            </a:r>
+            <a:r>
+              <a:rPr lang="en-US" b="1" dirty="0">
+                <a:solidFill>
+                  <a:schemeClr val="bg1"/>
+                </a:solidFill>
+                <a:latin typeface="Yu Gothic" panose="020B0400000000000000" pitchFamily="34" charset="-128"/>
+                <a:ea typeface="Yu Gothic" panose="020B0400000000000000" pitchFamily="34" charset="-128"/>
+              </a:rPr>
+              <a:t>MAC</a:t>
+            </a:r>
+          </a:p>
+        </p:txBody>
+      </p:sp>
+      <p:sp>
+        <p:nvSpPr>
+          <p:cNvPr id="34" name="TextBox 33">
+            <a:extLst>
+              <a:ext uri="{FF2B5EF4-FFF2-40B4-BE49-F238E27FC236}">
+                <a16:creationId xmlns:a16="http://schemas.microsoft.com/office/drawing/2014/main" id="{6944C051-6ED2-C64C-A2DB-A15684035BAB}"/>
+              </a:ext>
+            </a:extLst>
+          </p:cNvPr>
+          <p:cNvSpPr txBox="1"/>
+          <p:nvPr/>
+        </p:nvSpPr>
+        <p:spPr>
+          <a:xfrm>
+            <a:off x="5858729" y="646848"/>
+            <a:ext cx="1909497" cy="369332"/>
+          </a:xfrm>
+          <a:prstGeom prst="rect">
+            <a:avLst/>
+          </a:prstGeom>
+          <a:noFill/>
+        </p:spPr>
+        <p:txBody>
+          <a:bodyPr wrap="none" rtlCol="0">
+            <a:spAutoFit/>
+          </a:bodyPr>
+          <a:lstStyle/>
+          <a:p>
+            <a:pPr algn="ctr"/>
+            <a:r>
+              <a:rPr lang="en-US" b="1" dirty="0">
+                <a:solidFill>
+                  <a:schemeClr val="bg1"/>
+                </a:solidFill>
+                <a:latin typeface="Yu Gothic" panose="020B0400000000000000" pitchFamily="34" charset="-128"/>
+                <a:ea typeface="Yu Gothic" panose="020B0400000000000000" pitchFamily="34" charset="-128"/>
+              </a:rPr>
+              <a:t>0000.0000.0101</a:t>
+            </a:r>
+          </a:p>
+        </p:txBody>
+      </p:sp>
+      <p:cxnSp>
+        <p:nvCxnSpPr>
+          <p:cNvPr id="38" name="Straight Connector 37">
+            <a:extLst>
+              <a:ext uri="{FF2B5EF4-FFF2-40B4-BE49-F238E27FC236}">
+                <a16:creationId xmlns:a16="http://schemas.microsoft.com/office/drawing/2014/main" id="{3E33503C-2FCF-D342-940B-EF97395980E3}"/>
+              </a:ext>
+            </a:extLst>
+          </p:cNvPr>
+          <p:cNvCxnSpPr>
+            <a:cxnSpLocks/>
+          </p:cNvCxnSpPr>
+          <p:nvPr/>
+        </p:nvCxnSpPr>
+        <p:spPr>
+          <a:xfrm>
+            <a:off x="4109027" y="5974631"/>
+            <a:ext cx="3347868" cy="0"/>
+          </a:xfrm>
+          <a:prstGeom prst="line">
+            <a:avLst/>
+          </a:prstGeom>
+          <a:ln w="38100">
+            <a:solidFill>
+              <a:schemeClr val="tx1"/>
+            </a:solidFill>
+          </a:ln>
+        </p:spPr>
+        <p:style>
+          <a:lnRef idx="1">
+            <a:schemeClr val="accent1"/>
+          </a:lnRef>
+          <a:fillRef idx="0">
+            <a:schemeClr val="accent1"/>
+          </a:fillRef>
+          <a:effectRef idx="0">
+            <a:schemeClr val="accent1"/>
+          </a:effectRef>
+          <a:fontRef idx="minor">
+            <a:schemeClr val="tx1"/>
+          </a:fontRef>
+        </p:style>
+      </p:cxnSp>
+      <p:pic>
+        <p:nvPicPr>
+          <p:cNvPr id="39" name="Picture 38">
+            <a:extLst>
+              <a:ext uri="{FF2B5EF4-FFF2-40B4-BE49-F238E27FC236}">
+                <a16:creationId xmlns:a16="http://schemas.microsoft.com/office/drawing/2014/main" id="{A10537DF-D285-A043-8399-77AA867CB8B2}"/>
+              </a:ext>
+            </a:extLst>
+          </p:cNvPr>
+          <p:cNvPicPr>
+            <a:picLocks noChangeAspect="1"/>
+          </p:cNvPicPr>
+          <p:nvPr/>
+        </p:nvPicPr>
+        <p:blipFill>
+          <a:blip r:embed="rId2">
+            <a:extLst>
+              <a:ext uri="{28A0092B-C50C-407E-A947-70E740481C1C}">
+                <a14:useLocalDpi xmlns:a14="http://schemas.microsoft.com/office/drawing/2010/main" val="0"/>
+              </a:ext>
+            </a:extLst>
+          </a:blip>
+          <a:stretch>
+            <a:fillRect/>
+          </a:stretch>
+        </p:blipFill>
+        <p:spPr>
+          <a:xfrm>
+            <a:off x="3661285" y="5276464"/>
+            <a:ext cx="1318030" cy="1318030"/>
+          </a:xfrm>
+          <a:prstGeom prst="rect">
+            <a:avLst/>
+          </a:prstGeom>
+        </p:spPr>
+      </p:pic>
+      <p:sp>
+        <p:nvSpPr>
+          <p:cNvPr id="40" name="TextBox 39">
+            <a:extLst>
+              <a:ext uri="{FF2B5EF4-FFF2-40B4-BE49-F238E27FC236}">
+                <a16:creationId xmlns:a16="http://schemas.microsoft.com/office/drawing/2014/main" id="{64C9D4DE-8FC5-C748-8E86-B8997F40964D}"/>
+              </a:ext>
+            </a:extLst>
+          </p:cNvPr>
+          <p:cNvSpPr txBox="1"/>
+          <p:nvPr/>
+        </p:nvSpPr>
+        <p:spPr>
+          <a:xfrm>
+            <a:off x="401425" y="5361058"/>
+            <a:ext cx="2855269" cy="707886"/>
+          </a:xfrm>
+          <a:prstGeom prst="rect">
+            <a:avLst/>
+          </a:prstGeom>
+          <a:noFill/>
+        </p:spPr>
+        <p:txBody>
+          <a:bodyPr wrap="none" rtlCol="0">
+            <a:spAutoFit/>
+          </a:bodyPr>
+          <a:lstStyle/>
+          <a:p>
+            <a:r>
+              <a:rPr lang="en-US" sz="2000" b="1" dirty="0">
+                <a:latin typeface="Yu Gothic" panose="020B0400000000000000" pitchFamily="34" charset="-128"/>
+                <a:ea typeface="Yu Gothic" panose="020B0400000000000000" pitchFamily="34" charset="-128"/>
+              </a:rPr>
+              <a:t>IP : 10.0.0.103</a:t>
+            </a:r>
+          </a:p>
+          <a:p>
+            <a:r>
+              <a:rPr lang="en-US" sz="2000" b="1" dirty="0">
+                <a:latin typeface="Yu Gothic" panose="020B0400000000000000" pitchFamily="34" charset="-128"/>
+                <a:ea typeface="Yu Gothic" panose="020B0400000000000000" pitchFamily="34" charset="-128"/>
+              </a:rPr>
+              <a:t>MAC: 0000.0000.0103</a:t>
+            </a:r>
+          </a:p>
+        </p:txBody>
+      </p:sp>
+      <p:sp>
+        <p:nvSpPr>
+          <p:cNvPr id="41" name="TextBox 40">
+            <a:extLst>
+              <a:ext uri="{FF2B5EF4-FFF2-40B4-BE49-F238E27FC236}">
+                <a16:creationId xmlns:a16="http://schemas.microsoft.com/office/drawing/2014/main" id="{757129BB-7664-5243-897B-344F52B3BF8D}"/>
+              </a:ext>
+            </a:extLst>
+          </p:cNvPr>
+          <p:cNvSpPr txBox="1"/>
+          <p:nvPr/>
+        </p:nvSpPr>
+        <p:spPr>
+          <a:xfrm>
+            <a:off x="4801731" y="6003025"/>
+            <a:ext cx="756938" cy="400110"/>
+          </a:xfrm>
+          <a:prstGeom prst="rect">
+            <a:avLst/>
+          </a:prstGeom>
+          <a:noFill/>
+        </p:spPr>
+        <p:txBody>
+          <a:bodyPr wrap="none" rtlCol="0">
+            <a:spAutoFit/>
+          </a:bodyPr>
+          <a:lstStyle/>
+          <a:p>
+            <a:r>
+              <a:rPr lang="en-US" sz="2000" b="1" dirty="0">
+                <a:latin typeface="Yu Gothic" panose="020B0400000000000000" pitchFamily="34" charset="-128"/>
+                <a:ea typeface="Yu Gothic" panose="020B0400000000000000" pitchFamily="34" charset="-128"/>
+              </a:rPr>
+              <a:t>g0/1</a:t>
+            </a:r>
+          </a:p>
+        </p:txBody>
+      </p:sp>
+      <p:cxnSp>
+        <p:nvCxnSpPr>
+          <p:cNvPr id="42" name="Straight Connector 41">
+            <a:extLst>
+              <a:ext uri="{FF2B5EF4-FFF2-40B4-BE49-F238E27FC236}">
+                <a16:creationId xmlns:a16="http://schemas.microsoft.com/office/drawing/2014/main" id="{6D4B435A-CAFF-3647-B3D7-5BD426572535}"/>
+              </a:ext>
+            </a:extLst>
+          </p:cNvPr>
+          <p:cNvCxnSpPr>
+            <a:cxnSpLocks/>
+          </p:cNvCxnSpPr>
+          <p:nvPr/>
+        </p:nvCxnSpPr>
+        <p:spPr>
+          <a:xfrm>
+            <a:off x="7456895" y="4437930"/>
+            <a:ext cx="0" cy="1536701"/>
+          </a:xfrm>
+          <a:prstGeom prst="line">
+            <a:avLst/>
+          </a:prstGeom>
+          <a:ln w="38100">
+            <a:solidFill>
+              <a:schemeClr val="tx1"/>
+            </a:solidFill>
+          </a:ln>
+        </p:spPr>
+        <p:style>
+          <a:lnRef idx="1">
+            <a:schemeClr val="accent1"/>
+          </a:lnRef>
+          <a:fillRef idx="0">
+            <a:schemeClr val="accent1"/>
+          </a:fillRef>
+          <a:effectRef idx="0">
+            <a:schemeClr val="accent1"/>
+          </a:effectRef>
+          <a:fontRef idx="minor">
+            <a:schemeClr val="tx1"/>
+          </a:fontRef>
+        </p:style>
+      </p:cxnSp>
+      <p:sp>
+        <p:nvSpPr>
+          <p:cNvPr id="43" name="TextBox 42">
+            <a:extLst>
+              <a:ext uri="{FF2B5EF4-FFF2-40B4-BE49-F238E27FC236}">
+                <a16:creationId xmlns:a16="http://schemas.microsoft.com/office/drawing/2014/main" id="{3173623C-A0B6-AD48-888A-7C9199A51E1D}"/>
+              </a:ext>
+            </a:extLst>
+          </p:cNvPr>
+          <p:cNvSpPr txBox="1"/>
+          <p:nvPr/>
+        </p:nvSpPr>
+        <p:spPr>
+          <a:xfrm>
+            <a:off x="3993642" y="6237496"/>
+            <a:ext cx="694421" cy="400110"/>
+          </a:xfrm>
+          <a:prstGeom prst="rect">
+            <a:avLst/>
+          </a:prstGeom>
+          <a:noFill/>
+        </p:spPr>
+        <p:txBody>
+          <a:bodyPr wrap="none" rtlCol="0">
+            <a:spAutoFit/>
+          </a:bodyPr>
+          <a:lstStyle/>
+          <a:p>
+            <a:r>
+              <a:rPr lang="en-US" sz="2000" b="1" dirty="0">
+                <a:latin typeface="Yu Gothic" panose="020B0400000000000000" pitchFamily="34" charset="-128"/>
+                <a:ea typeface="Yu Gothic" panose="020B0400000000000000" pitchFamily="34" charset="-128"/>
+              </a:rPr>
+              <a:t>PC3</a:t>
+            </a:r>
+          </a:p>
+        </p:txBody>
+      </p:sp>
+      <p:sp>
+        <p:nvSpPr>
+          <p:cNvPr id="45" name="TextBox 44">
+            <a:extLst>
+              <a:ext uri="{FF2B5EF4-FFF2-40B4-BE49-F238E27FC236}">
+                <a16:creationId xmlns:a16="http://schemas.microsoft.com/office/drawing/2014/main" id="{7FDB7D68-B168-484C-AA05-CAC613EFA230}"/>
+              </a:ext>
+            </a:extLst>
+          </p:cNvPr>
+          <p:cNvSpPr txBox="1"/>
+          <p:nvPr/>
+        </p:nvSpPr>
+        <p:spPr>
+          <a:xfrm>
+            <a:off x="7523579" y="4574123"/>
+            <a:ext cx="756938" cy="400110"/>
+          </a:xfrm>
+          <a:prstGeom prst="rect">
+            <a:avLst/>
+          </a:prstGeom>
+          <a:noFill/>
+        </p:spPr>
+        <p:txBody>
+          <a:bodyPr wrap="none" rtlCol="0">
+            <a:spAutoFit/>
+          </a:bodyPr>
+          <a:lstStyle/>
+          <a:p>
+            <a:r>
+              <a:rPr lang="en-US" sz="2000" b="1" dirty="0">
+                <a:latin typeface="Yu Gothic" panose="020B0400000000000000" pitchFamily="34" charset="-128"/>
+                <a:ea typeface="Yu Gothic" panose="020B0400000000000000" pitchFamily="34" charset="-128"/>
+              </a:rPr>
+              <a:t>g0/3</a:t>
+            </a:r>
+          </a:p>
+        </p:txBody>
+      </p:sp>
+      <p:sp>
+        <p:nvSpPr>
+          <p:cNvPr id="47" name="Left Arrow 46">
+            <a:extLst>
+              <a:ext uri="{FF2B5EF4-FFF2-40B4-BE49-F238E27FC236}">
+                <a16:creationId xmlns:a16="http://schemas.microsoft.com/office/drawing/2014/main" id="{4AE825A1-25DA-E446-A898-93CBBFBDB6D1}"/>
+              </a:ext>
+            </a:extLst>
+          </p:cNvPr>
+          <p:cNvSpPr/>
+          <p:nvPr/>
+        </p:nvSpPr>
+        <p:spPr>
+          <a:xfrm rot="16200000">
+            <a:off x="6188326" y="4481792"/>
+            <a:ext cx="2091304" cy="395895"/>
+          </a:xfrm>
+          <a:prstGeom prst="leftArrow">
+            <a:avLst>
+              <a:gd name="adj1" fmla="val 35393"/>
+              <a:gd name="adj2" fmla="val 50000"/>
+            </a:avLst>
+          </a:prstGeom>
+          <a:solidFill>
+            <a:schemeClr val="accent3"/>
+          </a:solidFill>
+          <a:ln>
+            <a:noFill/>
+          </a:ln>
+        </p:spPr>
+        <p:style>
+          <a:lnRef idx="2">
+            <a:schemeClr val="accent1">
+              <a:shade val="50000"/>
+            </a:schemeClr>
+          </a:lnRef>
+          <a:fillRef idx="1">
+            <a:schemeClr val="accent1"/>
+          </a:fillRef>
+          <a:effectRef idx="0">
+            <a:schemeClr val="accent1"/>
+          </a:effectRef>
+          <a:fontRef idx="minor">
+            <a:schemeClr val="lt1"/>
+          </a:fontRef>
+        </p:style>
+        <p:txBody>
+          <a:bodyPr rtlCol="0" anchor="ctr"/>
+          <a:lstStyle/>
+          <a:p>
+            <a:pPr algn="ctr"/>
+            <a:endParaRPr lang="en-US"/>
+          </a:p>
+        </p:txBody>
+      </p:sp>
+      <p:sp>
+        <p:nvSpPr>
+          <p:cNvPr id="48" name="Left Arrow 47">
+            <a:extLst>
+              <a:ext uri="{FF2B5EF4-FFF2-40B4-BE49-F238E27FC236}">
+                <a16:creationId xmlns:a16="http://schemas.microsoft.com/office/drawing/2014/main" id="{D273B21C-F5D9-804F-BE4C-C11CB4B1C47D}"/>
+              </a:ext>
+            </a:extLst>
+          </p:cNvPr>
+          <p:cNvSpPr/>
+          <p:nvPr/>
+        </p:nvSpPr>
+        <p:spPr>
+          <a:xfrm>
+            <a:off x="5904573" y="4410736"/>
+            <a:ext cx="1328388" cy="395895"/>
+          </a:xfrm>
+          <a:prstGeom prst="leftArrow">
+            <a:avLst>
+              <a:gd name="adj1" fmla="val 35393"/>
+              <a:gd name="adj2" fmla="val 50000"/>
+            </a:avLst>
+          </a:prstGeom>
+          <a:solidFill>
+            <a:schemeClr val="accent3"/>
+          </a:solidFill>
+          <a:ln>
+            <a:noFill/>
+          </a:ln>
+        </p:spPr>
+        <p:style>
+          <a:lnRef idx="2">
+            <a:schemeClr val="accent1">
+              <a:shade val="50000"/>
+            </a:schemeClr>
+          </a:lnRef>
+          <a:fillRef idx="1">
+            <a:schemeClr val="accent1"/>
+          </a:fillRef>
+          <a:effectRef idx="0">
+            <a:schemeClr val="accent1"/>
+          </a:effectRef>
+          <a:fontRef idx="minor">
+            <a:schemeClr val="lt1"/>
+          </a:fontRef>
+        </p:style>
+        <p:txBody>
+          <a:bodyPr rtlCol="0" anchor="ctr"/>
+          <a:lstStyle/>
+          <a:p>
+            <a:pPr algn="ctr"/>
+            <a:endParaRPr lang="en-US"/>
+          </a:p>
+        </p:txBody>
+      </p:sp>
+      <p:sp>
+        <p:nvSpPr>
+          <p:cNvPr id="49" name="TextBox 48">
+            <a:extLst>
+              <a:ext uri="{FF2B5EF4-FFF2-40B4-BE49-F238E27FC236}">
+                <a16:creationId xmlns:a16="http://schemas.microsoft.com/office/drawing/2014/main" id="{0B0270CC-8DD4-784A-8075-B3DD2370F59D}"/>
+              </a:ext>
+            </a:extLst>
+          </p:cNvPr>
+          <p:cNvSpPr txBox="1"/>
+          <p:nvPr/>
+        </p:nvSpPr>
+        <p:spPr>
+          <a:xfrm>
+            <a:off x="8347200" y="3749674"/>
+            <a:ext cx="3610284" cy="1015663"/>
+          </a:xfrm>
+          <a:prstGeom prst="rect">
+            <a:avLst/>
+          </a:prstGeom>
+          <a:noFill/>
+        </p:spPr>
+        <p:txBody>
+          <a:bodyPr wrap="none" rtlCol="0">
+            <a:spAutoFit/>
+          </a:bodyPr>
+          <a:lstStyle/>
+          <a:p>
+            <a:r>
+              <a:rPr lang="ja-JP" altLang="en-US" sz="2000" b="1">
+                <a:solidFill>
+                  <a:schemeClr val="accent3"/>
+                </a:solidFill>
+                <a:latin typeface="Yu Gothic" panose="020B0400000000000000" pitchFamily="34" charset="-128"/>
+                <a:ea typeface="Yu Gothic" panose="020B0400000000000000" pitchFamily="34" charset="-128"/>
+              </a:rPr>
+              <a:t>宛先</a:t>
+            </a:r>
+            <a:r>
+              <a:rPr lang="en-US" altLang="ja-JP" sz="2000" b="1" dirty="0">
+                <a:solidFill>
+                  <a:schemeClr val="accent3"/>
+                </a:solidFill>
+                <a:latin typeface="Yu Gothic" panose="020B0400000000000000" pitchFamily="34" charset="-128"/>
+                <a:ea typeface="Yu Gothic" panose="020B0400000000000000" pitchFamily="34" charset="-128"/>
+              </a:rPr>
+              <a:t>MAC</a:t>
+            </a:r>
+            <a:r>
+              <a:rPr lang="ja-JP" altLang="en-US" sz="2000" b="1">
+                <a:solidFill>
+                  <a:schemeClr val="accent3"/>
+                </a:solidFill>
+                <a:latin typeface="Yu Gothic" panose="020B0400000000000000" pitchFamily="34" charset="-128"/>
+                <a:ea typeface="Yu Gothic" panose="020B0400000000000000" pitchFamily="34" charset="-128"/>
+              </a:rPr>
+              <a:t>がブロードキャスト</a:t>
+            </a:r>
+            <a:endParaRPr lang="en-US" altLang="ja-JP" sz="2000" b="1" dirty="0">
+              <a:solidFill>
+                <a:schemeClr val="accent3"/>
+              </a:solidFill>
+              <a:latin typeface="Yu Gothic" panose="020B0400000000000000" pitchFamily="34" charset="-128"/>
+              <a:ea typeface="Yu Gothic" panose="020B0400000000000000" pitchFamily="34" charset="-128"/>
+            </a:endParaRPr>
+          </a:p>
+          <a:p>
+            <a:r>
+              <a:rPr lang="ja-JP" altLang="en-US" sz="2000" b="1">
+                <a:solidFill>
+                  <a:schemeClr val="accent3"/>
+                </a:solidFill>
+                <a:latin typeface="Yu Gothic" panose="020B0400000000000000" pitchFamily="34" charset="-128"/>
+                <a:ea typeface="Yu Gothic" panose="020B0400000000000000" pitchFamily="34" charset="-128"/>
+              </a:rPr>
+              <a:t>アドレスのためフラッド。</a:t>
+            </a:r>
+            <a:endParaRPr lang="en-US" altLang="ja-JP" sz="2000" b="1" dirty="0">
+              <a:solidFill>
+                <a:schemeClr val="accent3"/>
+              </a:solidFill>
+              <a:latin typeface="Yu Gothic" panose="020B0400000000000000" pitchFamily="34" charset="-128"/>
+              <a:ea typeface="Yu Gothic" panose="020B0400000000000000" pitchFamily="34" charset="-128"/>
+            </a:endParaRPr>
+          </a:p>
+          <a:p>
+            <a:r>
+              <a:rPr lang="ja-JP" altLang="en-US" sz="2000" b="1">
+                <a:solidFill>
+                  <a:schemeClr val="accent3"/>
+                </a:solidFill>
+                <a:latin typeface="Yu Gothic" panose="020B0400000000000000" pitchFamily="34" charset="-128"/>
+                <a:ea typeface="Yu Gothic" panose="020B0400000000000000" pitchFamily="34" charset="-128"/>
+              </a:rPr>
+              <a:t>全ての機器に届く</a:t>
+            </a:r>
+            <a:endParaRPr lang="en-US" sz="2000" b="1" dirty="0">
+              <a:solidFill>
+                <a:schemeClr val="accent3"/>
+              </a:solidFill>
+              <a:latin typeface="Yu Gothic" panose="020B0400000000000000" pitchFamily="34" charset="-128"/>
+              <a:ea typeface="Yu Gothic" panose="020B0400000000000000" pitchFamily="34" charset="-128"/>
+            </a:endParaRPr>
+          </a:p>
+        </p:txBody>
+      </p:sp>
+      <p:sp>
+        <p:nvSpPr>
+          <p:cNvPr id="3" name="Oval Callout 2">
+            <a:extLst>
+              <a:ext uri="{FF2B5EF4-FFF2-40B4-BE49-F238E27FC236}">
+                <a16:creationId xmlns:a16="http://schemas.microsoft.com/office/drawing/2014/main" id="{20B49BAD-9B41-F44A-8AFF-A170F31E5BB0}"/>
+              </a:ext>
+            </a:extLst>
+          </p:cNvPr>
+          <p:cNvSpPr/>
+          <p:nvPr/>
+        </p:nvSpPr>
+        <p:spPr>
+          <a:xfrm>
+            <a:off x="4824049" y="3018849"/>
+            <a:ext cx="1036190" cy="800373"/>
+          </a:xfrm>
+          <a:prstGeom prst="wedgeEllipseCallout">
+            <a:avLst>
+              <a:gd name="adj1" fmla="val -48911"/>
+              <a:gd name="adj2" fmla="val 61003"/>
+            </a:avLst>
+          </a:prstGeom>
+          <a:solidFill>
+            <a:schemeClr val="accent3"/>
+          </a:solidFill>
+          <a:ln>
+            <a:noFill/>
+          </a:ln>
+        </p:spPr>
+        <p:style>
+          <a:lnRef idx="2">
+            <a:schemeClr val="accent1">
+              <a:shade val="50000"/>
+            </a:schemeClr>
+          </a:lnRef>
+          <a:fillRef idx="1">
+            <a:schemeClr val="accent1"/>
+          </a:fillRef>
+          <a:effectRef idx="0">
+            <a:schemeClr val="accent1"/>
+          </a:effectRef>
+          <a:fontRef idx="minor">
+            <a:schemeClr val="lt1"/>
+          </a:fontRef>
+        </p:style>
+        <p:txBody>
+          <a:bodyPr rtlCol="0" anchor="ctr"/>
+          <a:lstStyle/>
+          <a:p>
+            <a:pPr algn="ctr"/>
+            <a:endParaRPr lang="en-US"/>
+          </a:p>
+        </p:txBody>
+      </p:sp>
+      <p:sp>
+        <p:nvSpPr>
+          <p:cNvPr id="15" name="Oval 14">
+            <a:extLst>
+              <a:ext uri="{FF2B5EF4-FFF2-40B4-BE49-F238E27FC236}">
+                <a16:creationId xmlns:a16="http://schemas.microsoft.com/office/drawing/2014/main" id="{4048CF57-3DC9-6742-A809-CA0378752C71}"/>
+              </a:ext>
+            </a:extLst>
+          </p:cNvPr>
+          <p:cNvSpPr/>
+          <p:nvPr/>
+        </p:nvSpPr>
+        <p:spPr>
+          <a:xfrm>
+            <a:off x="5170693" y="3595328"/>
+            <a:ext cx="135082" cy="124691"/>
+          </a:xfrm>
+          <a:prstGeom prst="ellipse">
+            <a:avLst/>
+          </a:prstGeom>
+          <a:solidFill>
+            <a:schemeClr val="bg1"/>
+          </a:solidFill>
+          <a:ln>
+            <a:noFill/>
+          </a:ln>
+        </p:spPr>
+        <p:style>
+          <a:lnRef idx="2">
+            <a:schemeClr val="accent1">
+              <a:shade val="50000"/>
+            </a:schemeClr>
+          </a:lnRef>
+          <a:fillRef idx="1">
+            <a:schemeClr val="accent1"/>
+          </a:fillRef>
+          <a:effectRef idx="0">
+            <a:schemeClr val="accent1"/>
+          </a:effectRef>
+          <a:fontRef idx="minor">
+            <a:schemeClr val="lt1"/>
+          </a:fontRef>
+        </p:style>
+        <p:txBody>
+          <a:bodyPr rtlCol="0" anchor="ctr"/>
+          <a:lstStyle/>
+          <a:p>
+            <a:pPr algn="ctr"/>
+            <a:endParaRPr lang="en-US"/>
+          </a:p>
+        </p:txBody>
+      </p:sp>
+      <p:sp>
+        <p:nvSpPr>
+          <p:cNvPr id="19" name="Rounded Rectangle 18">
+            <a:extLst>
+              <a:ext uri="{FF2B5EF4-FFF2-40B4-BE49-F238E27FC236}">
+                <a16:creationId xmlns:a16="http://schemas.microsoft.com/office/drawing/2014/main" id="{E41A57AD-22B8-424D-BC1D-C9405563CFE2}"/>
+              </a:ext>
+            </a:extLst>
+          </p:cNvPr>
+          <p:cNvSpPr/>
+          <p:nvPr/>
+        </p:nvSpPr>
+        <p:spPr>
+          <a:xfrm rot="1813616">
+            <a:off x="5362686" y="3126674"/>
+            <a:ext cx="109655" cy="420588"/>
+          </a:xfrm>
+          <a:prstGeom prst="roundRect">
+            <a:avLst/>
+          </a:prstGeom>
+          <a:solidFill>
+            <a:schemeClr val="bg1"/>
+          </a:solidFill>
+          <a:ln>
+            <a:noFill/>
+          </a:ln>
+        </p:spPr>
+        <p:style>
+          <a:lnRef idx="2">
+            <a:schemeClr val="accent1">
+              <a:shade val="50000"/>
+            </a:schemeClr>
+          </a:lnRef>
+          <a:fillRef idx="1">
+            <a:schemeClr val="accent1"/>
+          </a:fillRef>
+          <a:effectRef idx="0">
+            <a:schemeClr val="accent1"/>
+          </a:effectRef>
+          <a:fontRef idx="minor">
+            <a:schemeClr val="lt1"/>
+          </a:fontRef>
+        </p:style>
+        <p:txBody>
+          <a:bodyPr rtlCol="0" anchor="ctr"/>
+          <a:lstStyle/>
+          <a:p>
+            <a:pPr algn="ctr"/>
+            <a:endParaRPr lang="en-US"/>
+          </a:p>
+        </p:txBody>
+      </p:sp>
+      <p:sp>
+        <p:nvSpPr>
+          <p:cNvPr id="44" name="TextBox 43">
+            <a:extLst>
+              <a:ext uri="{FF2B5EF4-FFF2-40B4-BE49-F238E27FC236}">
+                <a16:creationId xmlns:a16="http://schemas.microsoft.com/office/drawing/2014/main" id="{B8FD1C53-CBE1-3E4C-B313-D8226EFE1AE6}"/>
+              </a:ext>
+            </a:extLst>
+          </p:cNvPr>
+          <p:cNvSpPr txBox="1"/>
+          <p:nvPr/>
+        </p:nvSpPr>
+        <p:spPr>
+          <a:xfrm>
+            <a:off x="1695900" y="633065"/>
+            <a:ext cx="3833101" cy="369332"/>
+          </a:xfrm>
+          <a:prstGeom prst="rect">
+            <a:avLst/>
+          </a:prstGeom>
+          <a:noFill/>
+        </p:spPr>
+        <p:txBody>
+          <a:bodyPr wrap="none" rtlCol="0">
+            <a:spAutoFit/>
+          </a:bodyPr>
+          <a:lstStyle/>
+          <a:p>
+            <a:pPr algn="ctr"/>
+            <a:r>
+              <a:rPr lang="en-US" b="1" dirty="0">
+                <a:solidFill>
+                  <a:schemeClr val="bg1"/>
+                </a:solidFill>
+                <a:latin typeface="Yu Gothic" panose="020B0400000000000000" pitchFamily="34" charset="-128"/>
+                <a:ea typeface="Yu Gothic" panose="020B0400000000000000" pitchFamily="34" charset="-128"/>
+              </a:rPr>
+              <a:t>IP</a:t>
+            </a:r>
+            <a:r>
+              <a:rPr lang="ja-JP" altLang="en-US" b="1">
+                <a:solidFill>
+                  <a:schemeClr val="bg1"/>
+                </a:solidFill>
+                <a:latin typeface="Yu Gothic" panose="020B0400000000000000" pitchFamily="34" charset="-128"/>
+                <a:ea typeface="Yu Gothic" panose="020B0400000000000000" pitchFamily="34" charset="-128"/>
+              </a:rPr>
+              <a:t>が</a:t>
+            </a:r>
+            <a:r>
+              <a:rPr lang="en-US" b="1" dirty="0">
+                <a:solidFill>
+                  <a:schemeClr val="bg1"/>
+                </a:solidFill>
+                <a:latin typeface="Yu Gothic" panose="020B0400000000000000" pitchFamily="34" charset="-128"/>
+                <a:ea typeface="Yu Gothic" panose="020B0400000000000000" pitchFamily="34" charset="-128"/>
+              </a:rPr>
+              <a:t>10.0.0.102</a:t>
+            </a:r>
+            <a:r>
+              <a:rPr lang="ja-JP" altLang="en-US" b="1">
+                <a:solidFill>
+                  <a:schemeClr val="bg1"/>
+                </a:solidFill>
+                <a:latin typeface="Yu Gothic" panose="020B0400000000000000" pitchFamily="34" charset="-128"/>
+                <a:ea typeface="Yu Gothic" panose="020B0400000000000000" pitchFamily="34" charset="-128"/>
+              </a:rPr>
+              <a:t>の</a:t>
+            </a:r>
+            <a:r>
+              <a:rPr lang="en-US" altLang="ja-JP" b="1" dirty="0">
+                <a:solidFill>
+                  <a:schemeClr val="bg1"/>
+                </a:solidFill>
+                <a:latin typeface="Yu Gothic" panose="020B0400000000000000" pitchFamily="34" charset="-128"/>
+                <a:ea typeface="Yu Gothic" panose="020B0400000000000000" pitchFamily="34" charset="-128"/>
+              </a:rPr>
+              <a:t>MAC</a:t>
+            </a:r>
+            <a:r>
+              <a:rPr lang="ja-JP" altLang="en-US" b="1">
+                <a:solidFill>
+                  <a:schemeClr val="bg1"/>
+                </a:solidFill>
+                <a:latin typeface="Yu Gothic" panose="020B0400000000000000" pitchFamily="34" charset="-128"/>
+                <a:ea typeface="Yu Gothic" panose="020B0400000000000000" pitchFamily="34" charset="-128"/>
+              </a:rPr>
+              <a:t>アドレスは</a:t>
+            </a:r>
+            <a:r>
+              <a:rPr lang="en-US" altLang="ja-JP" b="1" dirty="0">
+                <a:solidFill>
+                  <a:schemeClr val="bg1"/>
+                </a:solidFill>
+                <a:latin typeface="Yu Gothic" panose="020B0400000000000000" pitchFamily="34" charset="-128"/>
+                <a:ea typeface="Yu Gothic" panose="020B0400000000000000" pitchFamily="34" charset="-128"/>
+              </a:rPr>
+              <a:t>?</a:t>
+            </a:r>
+            <a:endParaRPr lang="en-US" b="1" dirty="0">
+              <a:solidFill>
+                <a:schemeClr val="bg1"/>
+              </a:solidFill>
+              <a:latin typeface="Yu Gothic" panose="020B0400000000000000" pitchFamily="34" charset="-128"/>
+              <a:ea typeface="Yu Gothic" panose="020B0400000000000000" pitchFamily="34" charset="-128"/>
+            </a:endParaRPr>
+          </a:p>
+        </p:txBody>
+      </p:sp>
+      <p:sp>
+        <p:nvSpPr>
+          <p:cNvPr id="46" name="Left Arrow 45">
+            <a:extLst>
+              <a:ext uri="{FF2B5EF4-FFF2-40B4-BE49-F238E27FC236}">
+                <a16:creationId xmlns:a16="http://schemas.microsoft.com/office/drawing/2014/main" id="{E7A60FD6-66F4-D04B-A762-D0A833599997}"/>
+              </a:ext>
+            </a:extLst>
+          </p:cNvPr>
+          <p:cNvSpPr/>
+          <p:nvPr/>
+        </p:nvSpPr>
+        <p:spPr>
+          <a:xfrm rot="10800000">
+            <a:off x="6838049" y="1937263"/>
+            <a:ext cx="578920" cy="310586"/>
+          </a:xfrm>
+          <a:prstGeom prst="leftArrow">
+            <a:avLst/>
+          </a:prstGeom>
+          <a:solidFill>
+            <a:schemeClr val="tx1"/>
+          </a:solidFill>
+          <a:ln>
+            <a:noFill/>
+          </a:ln>
+        </p:spPr>
+        <p:style>
+          <a:lnRef idx="2">
+            <a:schemeClr val="accent1">
+              <a:shade val="50000"/>
+            </a:schemeClr>
+          </a:lnRef>
+          <a:fillRef idx="1">
+            <a:schemeClr val="accent1"/>
+          </a:fillRef>
+          <a:effectRef idx="0">
+            <a:schemeClr val="accent1"/>
+          </a:effectRef>
+          <a:fontRef idx="minor">
+            <a:schemeClr val="lt1"/>
+          </a:fontRef>
+        </p:style>
+        <p:txBody>
+          <a:bodyPr rtlCol="0" anchor="ctr"/>
+          <a:lstStyle/>
+          <a:p>
+            <a:pPr algn="ctr"/>
+            <a:endParaRPr lang="en-US"/>
+          </a:p>
+        </p:txBody>
+      </p:sp>
+      <p:sp>
+        <p:nvSpPr>
+          <p:cNvPr id="51" name="Rectangle 50">
+            <a:extLst>
+              <a:ext uri="{FF2B5EF4-FFF2-40B4-BE49-F238E27FC236}">
+                <a16:creationId xmlns:a16="http://schemas.microsoft.com/office/drawing/2014/main" id="{F1F635B0-C562-F645-8A0C-21C0D1583F35}"/>
+              </a:ext>
+            </a:extLst>
+          </p:cNvPr>
+          <p:cNvSpPr/>
+          <p:nvPr/>
+        </p:nvSpPr>
+        <p:spPr>
+          <a:xfrm>
+            <a:off x="5256170" y="1859879"/>
+            <a:ext cx="1822987" cy="449344"/>
+          </a:xfrm>
+          <a:prstGeom prst="rect">
+            <a:avLst/>
+          </a:prstGeom>
+          <a:solidFill>
+            <a:schemeClr val="accent2"/>
+          </a:solidFill>
+          <a:ln w="38100">
+            <a:solidFill>
+              <a:schemeClr val="bg1"/>
+            </a:solidFill>
+          </a:ln>
+        </p:spPr>
+        <p:style>
+          <a:lnRef idx="2">
+            <a:schemeClr val="accent1">
+              <a:shade val="50000"/>
+            </a:schemeClr>
+          </a:lnRef>
+          <a:fillRef idx="1">
+            <a:schemeClr val="accent1"/>
+          </a:fillRef>
+          <a:effectRef idx="0">
+            <a:schemeClr val="accent1"/>
+          </a:effectRef>
+          <a:fontRef idx="minor">
+            <a:schemeClr val="lt1"/>
+          </a:fontRef>
+        </p:style>
+        <p:txBody>
+          <a:bodyPr rtlCol="0" anchor="ctr"/>
+          <a:lstStyle/>
+          <a:p>
+            <a:pPr algn="ctr"/>
+            <a:endParaRPr lang="en-US"/>
+          </a:p>
+        </p:txBody>
+      </p:sp>
+      <p:sp>
+        <p:nvSpPr>
+          <p:cNvPr id="52" name="TextBox 51">
+            <a:extLst>
+              <a:ext uri="{FF2B5EF4-FFF2-40B4-BE49-F238E27FC236}">
+                <a16:creationId xmlns:a16="http://schemas.microsoft.com/office/drawing/2014/main" id="{3F3E5D5A-FC86-D742-AD2E-92D073185250}"/>
+              </a:ext>
+            </a:extLst>
+          </p:cNvPr>
+          <p:cNvSpPr txBox="1"/>
+          <p:nvPr/>
+        </p:nvSpPr>
+        <p:spPr>
+          <a:xfrm>
+            <a:off x="5343375" y="1904007"/>
+            <a:ext cx="1661032" cy="369332"/>
+          </a:xfrm>
+          <a:prstGeom prst="rect">
+            <a:avLst/>
+          </a:prstGeom>
+          <a:noFill/>
+        </p:spPr>
+        <p:txBody>
+          <a:bodyPr wrap="none" rtlCol="0">
+            <a:spAutoFit/>
+          </a:bodyPr>
+          <a:lstStyle/>
+          <a:p>
+            <a:pPr algn="ctr"/>
+            <a:r>
+              <a:rPr lang="en-US" b="1" dirty="0">
+                <a:solidFill>
+                  <a:schemeClr val="bg1"/>
+                </a:solidFill>
+                <a:latin typeface="Yu Gothic" panose="020B0400000000000000" pitchFamily="34" charset="-128"/>
+                <a:ea typeface="Yu Gothic" panose="020B0400000000000000" pitchFamily="34" charset="-128"/>
+              </a:rPr>
+              <a:t>ARP Request</a:t>
+            </a:r>
+          </a:p>
+        </p:txBody>
+      </p:sp>
+      <p:cxnSp>
+        <p:nvCxnSpPr>
+          <p:cNvPr id="53" name="Straight Connector 52">
+            <a:extLst>
+              <a:ext uri="{FF2B5EF4-FFF2-40B4-BE49-F238E27FC236}">
+                <a16:creationId xmlns:a16="http://schemas.microsoft.com/office/drawing/2014/main" id="{4614E459-0195-9445-8606-40127465661C}"/>
+              </a:ext>
+            </a:extLst>
+          </p:cNvPr>
+          <p:cNvCxnSpPr>
+            <a:cxnSpLocks/>
+          </p:cNvCxnSpPr>
+          <p:nvPr/>
+        </p:nvCxnSpPr>
+        <p:spPr>
+          <a:xfrm flipV="1">
+            <a:off x="7079157" y="1022909"/>
+            <a:ext cx="3223542" cy="881099"/>
+          </a:xfrm>
+          <a:prstGeom prst="line">
+            <a:avLst/>
+          </a:prstGeom>
+          <a:ln w="38100">
+            <a:solidFill>
+              <a:schemeClr val="tx1"/>
+            </a:solidFill>
+            <a:prstDash val="dash"/>
+          </a:ln>
+        </p:spPr>
+        <p:style>
+          <a:lnRef idx="1">
+            <a:schemeClr val="accent1"/>
+          </a:lnRef>
+          <a:fillRef idx="0">
+            <a:schemeClr val="accent1"/>
+          </a:fillRef>
+          <a:effectRef idx="0">
+            <a:schemeClr val="accent1"/>
+          </a:effectRef>
+          <a:fontRef idx="minor">
+            <a:schemeClr val="tx1"/>
+          </a:fontRef>
+        </p:style>
+      </p:cxnSp>
+      <p:cxnSp>
+        <p:nvCxnSpPr>
+          <p:cNvPr id="54" name="Straight Connector 53">
+            <a:extLst>
+              <a:ext uri="{FF2B5EF4-FFF2-40B4-BE49-F238E27FC236}">
+                <a16:creationId xmlns:a16="http://schemas.microsoft.com/office/drawing/2014/main" id="{A891F92F-3C0D-DD46-9220-67DC1E9678FB}"/>
+              </a:ext>
+            </a:extLst>
+          </p:cNvPr>
+          <p:cNvCxnSpPr>
+            <a:cxnSpLocks/>
+          </p:cNvCxnSpPr>
+          <p:nvPr/>
+        </p:nvCxnSpPr>
+        <p:spPr>
+          <a:xfrm flipH="1" flipV="1">
+            <a:off x="1569027" y="1022909"/>
+            <a:ext cx="3695245" cy="881098"/>
+          </a:xfrm>
+          <a:prstGeom prst="line">
+            <a:avLst/>
+          </a:prstGeom>
+          <a:ln w="38100">
+            <a:solidFill>
+              <a:schemeClr val="tx1"/>
+            </a:solidFill>
+            <a:prstDash val="dash"/>
+          </a:ln>
+        </p:spPr>
+        <p:style>
+          <a:lnRef idx="1">
+            <a:schemeClr val="accent1"/>
+          </a:lnRef>
+          <a:fillRef idx="0">
+            <a:schemeClr val="accent1"/>
+          </a:fillRef>
+          <a:effectRef idx="0">
+            <a:schemeClr val="accent1"/>
+          </a:effectRef>
+          <a:fontRef idx="minor">
+            <a:schemeClr val="tx1"/>
+          </a:fontRef>
+        </p:style>
+      </p:cxnSp>
+      <p:sp>
+        <p:nvSpPr>
+          <p:cNvPr id="55" name="TextBox 54">
+            <a:extLst>
+              <a:ext uri="{FF2B5EF4-FFF2-40B4-BE49-F238E27FC236}">
+                <a16:creationId xmlns:a16="http://schemas.microsoft.com/office/drawing/2014/main" id="{A75C3455-29F9-6A4C-9FEA-70A995914DE6}"/>
+              </a:ext>
+            </a:extLst>
+          </p:cNvPr>
+          <p:cNvSpPr txBox="1"/>
+          <p:nvPr/>
+        </p:nvSpPr>
+        <p:spPr>
+          <a:xfrm>
+            <a:off x="403480" y="2608348"/>
+            <a:ext cx="2848857" cy="400110"/>
+          </a:xfrm>
+          <a:prstGeom prst="rect">
+            <a:avLst/>
+          </a:prstGeom>
+          <a:noFill/>
+        </p:spPr>
+        <p:txBody>
+          <a:bodyPr wrap="none" rtlCol="0">
+            <a:spAutoFit/>
+          </a:bodyPr>
+          <a:lstStyle/>
+          <a:p>
+            <a:r>
+              <a:rPr lang="en-US" sz="2000" b="1" dirty="0">
+                <a:solidFill>
+                  <a:schemeClr val="accent3"/>
+                </a:solidFill>
+                <a:latin typeface="Yu Gothic" panose="020B0400000000000000" pitchFamily="34" charset="-128"/>
+                <a:ea typeface="Yu Gothic" panose="020B0400000000000000" pitchFamily="34" charset="-128"/>
+              </a:rPr>
+              <a:t>ARP Request</a:t>
+            </a:r>
+            <a:r>
+              <a:rPr lang="ja-JP" altLang="en-US" sz="2000" b="1">
+                <a:solidFill>
+                  <a:schemeClr val="accent3"/>
+                </a:solidFill>
+                <a:latin typeface="Yu Gothic" panose="020B0400000000000000" pitchFamily="34" charset="-128"/>
+                <a:ea typeface="Yu Gothic" panose="020B0400000000000000" pitchFamily="34" charset="-128"/>
+              </a:rPr>
+              <a:t>の送信元</a:t>
+            </a:r>
+            <a:endParaRPr lang="en-US" sz="2000" b="1" dirty="0">
+              <a:solidFill>
+                <a:schemeClr val="accent3"/>
+              </a:solidFill>
+              <a:latin typeface="Yu Gothic" panose="020B0400000000000000" pitchFamily="34" charset="-128"/>
+              <a:ea typeface="Yu Gothic" panose="020B0400000000000000" pitchFamily="34" charset="-128"/>
+            </a:endParaRPr>
+          </a:p>
+        </p:txBody>
+      </p:sp>
+      <p:sp>
+        <p:nvSpPr>
+          <p:cNvPr id="56" name="TextBox 55">
+            <a:extLst>
+              <a:ext uri="{FF2B5EF4-FFF2-40B4-BE49-F238E27FC236}">
+                <a16:creationId xmlns:a16="http://schemas.microsoft.com/office/drawing/2014/main" id="{37FBD98A-92CA-4B4C-AD2D-F75B14B8D1CA}"/>
+              </a:ext>
+            </a:extLst>
+          </p:cNvPr>
+          <p:cNvSpPr txBox="1"/>
+          <p:nvPr/>
+        </p:nvSpPr>
+        <p:spPr>
+          <a:xfrm>
+            <a:off x="394000" y="4312125"/>
+            <a:ext cx="2844048" cy="400110"/>
+          </a:xfrm>
+          <a:prstGeom prst="rect">
+            <a:avLst/>
+          </a:prstGeom>
+          <a:noFill/>
+        </p:spPr>
+        <p:txBody>
+          <a:bodyPr wrap="none" rtlCol="0">
+            <a:spAutoFit/>
+          </a:bodyPr>
+          <a:lstStyle/>
+          <a:p>
+            <a:r>
+              <a:rPr lang="ja-JP" altLang="en-US" sz="2000" b="1">
+                <a:solidFill>
+                  <a:schemeClr val="accent3"/>
+                </a:solidFill>
+                <a:latin typeface="Yu Gothic" panose="020B0400000000000000" pitchFamily="34" charset="-128"/>
+                <a:ea typeface="Yu Gothic" panose="020B0400000000000000" pitchFamily="34" charset="-128"/>
+              </a:rPr>
+              <a:t>自分宛ての</a:t>
+            </a:r>
+            <a:r>
+              <a:rPr lang="en-US" sz="2000" b="1" dirty="0">
+                <a:solidFill>
+                  <a:schemeClr val="accent3"/>
+                </a:solidFill>
+                <a:latin typeface="Yu Gothic" panose="020B0400000000000000" pitchFamily="34" charset="-128"/>
+                <a:ea typeface="Yu Gothic" panose="020B0400000000000000" pitchFamily="34" charset="-128"/>
+              </a:rPr>
+              <a:t>ARP</a:t>
+            </a:r>
+            <a:r>
+              <a:rPr lang="ja-JP" altLang="en-US" sz="2000" b="1">
+                <a:solidFill>
+                  <a:schemeClr val="accent3"/>
+                </a:solidFill>
+                <a:latin typeface="Yu Gothic" panose="020B0400000000000000" pitchFamily="34" charset="-128"/>
+                <a:ea typeface="Yu Gothic" panose="020B0400000000000000" pitchFamily="34" charset="-128"/>
+              </a:rPr>
+              <a:t>に応答</a:t>
+            </a:r>
+            <a:endParaRPr lang="en-US" sz="2000" b="1" dirty="0">
+              <a:solidFill>
+                <a:schemeClr val="accent3"/>
+              </a:solidFill>
+              <a:latin typeface="Yu Gothic" panose="020B0400000000000000" pitchFamily="34" charset="-128"/>
+              <a:ea typeface="Yu Gothic" panose="020B0400000000000000" pitchFamily="34" charset="-128"/>
+            </a:endParaRPr>
+          </a:p>
+        </p:txBody>
+      </p:sp>
+      <p:sp>
+        <p:nvSpPr>
+          <p:cNvPr id="57" name="TextBox 56">
+            <a:extLst>
+              <a:ext uri="{FF2B5EF4-FFF2-40B4-BE49-F238E27FC236}">
+                <a16:creationId xmlns:a16="http://schemas.microsoft.com/office/drawing/2014/main" id="{A9E5D613-89A5-D843-BFA0-4627254DDA24}"/>
+              </a:ext>
+            </a:extLst>
+          </p:cNvPr>
+          <p:cNvSpPr txBox="1"/>
+          <p:nvPr/>
+        </p:nvSpPr>
+        <p:spPr>
+          <a:xfrm>
+            <a:off x="392141" y="6027050"/>
+            <a:ext cx="3357009" cy="400110"/>
+          </a:xfrm>
+          <a:prstGeom prst="rect">
+            <a:avLst/>
+          </a:prstGeom>
+          <a:noFill/>
+        </p:spPr>
+        <p:txBody>
+          <a:bodyPr wrap="none" rtlCol="0">
+            <a:spAutoFit/>
+          </a:bodyPr>
+          <a:lstStyle/>
+          <a:p>
+            <a:r>
+              <a:rPr lang="ja-JP" altLang="en-US" sz="2000" b="1">
+                <a:solidFill>
+                  <a:schemeClr val="accent3"/>
+                </a:solidFill>
+                <a:latin typeface="Yu Gothic" panose="020B0400000000000000" pitchFamily="34" charset="-128"/>
+                <a:ea typeface="Yu Gothic" panose="020B0400000000000000" pitchFamily="34" charset="-128"/>
+              </a:rPr>
+              <a:t>自分宛てでない</a:t>
+            </a:r>
+            <a:r>
+              <a:rPr lang="en-US" sz="2000" b="1" dirty="0">
+                <a:solidFill>
+                  <a:schemeClr val="accent3"/>
+                </a:solidFill>
+                <a:latin typeface="Yu Gothic" panose="020B0400000000000000" pitchFamily="34" charset="-128"/>
+                <a:ea typeface="Yu Gothic" panose="020B0400000000000000" pitchFamily="34" charset="-128"/>
+              </a:rPr>
+              <a:t>ARP</a:t>
+            </a:r>
+            <a:r>
+              <a:rPr lang="ja-JP" altLang="en-US" sz="2000" b="1">
+                <a:solidFill>
+                  <a:schemeClr val="accent3"/>
+                </a:solidFill>
+                <a:latin typeface="Yu Gothic" panose="020B0400000000000000" pitchFamily="34" charset="-128"/>
+                <a:ea typeface="Yu Gothic" panose="020B0400000000000000" pitchFamily="34" charset="-128"/>
+              </a:rPr>
+              <a:t>を無視</a:t>
+            </a:r>
+            <a:endParaRPr lang="en-US" sz="2000" b="1" dirty="0">
+              <a:solidFill>
+                <a:schemeClr val="accent3"/>
+              </a:solidFill>
+              <a:latin typeface="Yu Gothic" panose="020B0400000000000000" pitchFamily="34" charset="-128"/>
+              <a:ea typeface="Yu Gothic" panose="020B0400000000000000" pitchFamily="34" charset="-128"/>
+            </a:endParaRPr>
+          </a:p>
+        </p:txBody>
+      </p:sp>
+    </p:spTree>
+    <p:extLst>
+      <p:ext uri="{BB962C8B-B14F-4D97-AF65-F5344CB8AC3E}">
+        <p14:creationId xmlns:p14="http://schemas.microsoft.com/office/powerpoint/2010/main" val="3787566606"/>
+      </p:ext>
+    </p:extLst>
+  </p:cSld>
+  <p:clrMapOvr>
+    <a:masterClrMapping/>
+  </p:clrMapOvr>
+</p:sld>
+</file>
+
+<file path=ppt/slides/slide12.xml><?xml version="1.0" encoding="utf-8"?>
+<p:sld xmlns:a="http://schemas.openxmlformats.org/drawingml/2006/main" xmlns:r="http://schemas.openxmlformats.org/officeDocument/2006/relationships" xmlns:p="http://schemas.openxmlformats.org/presentationml/2006/main">
+  <p:cSld>
+    <p:spTree>
+      <p:nvGrpSpPr>
+        <p:cNvPr id="1" name=""/>
+        <p:cNvGrpSpPr/>
+        <p:nvPr/>
+      </p:nvGrpSpPr>
+      <p:grpSpPr>
+        <a:xfrm>
+          <a:off x="0" y="0"/>
+          <a:ext cx="0" cy="0"/>
+          <a:chOff x="0" y="0"/>
+          <a:chExt cx="0" cy="0"/>
+        </a:xfrm>
+      </p:grpSpPr>
+      <p:cxnSp>
+        <p:nvCxnSpPr>
+          <p:cNvPr id="4" name="Straight Connector 3">
+            <a:extLst>
+              <a:ext uri="{FF2B5EF4-FFF2-40B4-BE49-F238E27FC236}">
+                <a16:creationId xmlns:a16="http://schemas.microsoft.com/office/drawing/2014/main" id="{4B4C0A45-F87D-EB4D-962F-6613F67F7058}"/>
+              </a:ext>
+            </a:extLst>
+          </p:cNvPr>
+          <p:cNvCxnSpPr>
+            <a:cxnSpLocks/>
+          </p:cNvCxnSpPr>
+          <p:nvPr/>
+        </p:nvCxnSpPr>
+        <p:spPr>
+          <a:xfrm>
+            <a:off x="4119711" y="2487637"/>
+            <a:ext cx="3334402" cy="0"/>
+          </a:xfrm>
+          <a:prstGeom prst="line">
+            <a:avLst/>
+          </a:prstGeom>
+          <a:ln w="38100">
+            <a:solidFill>
+              <a:schemeClr val="tx1"/>
+            </a:solidFill>
+          </a:ln>
+        </p:spPr>
+        <p:style>
+          <a:lnRef idx="1">
+            <a:schemeClr val="accent1"/>
+          </a:lnRef>
+          <a:fillRef idx="0">
+            <a:schemeClr val="accent1"/>
+          </a:fillRef>
+          <a:effectRef idx="0">
+            <a:schemeClr val="accent1"/>
+          </a:effectRef>
+          <a:fontRef idx="minor">
+            <a:schemeClr val="tx1"/>
+          </a:fontRef>
+        </p:style>
+      </p:cxnSp>
+      <p:pic>
+        <p:nvPicPr>
+          <p:cNvPr id="5" name="Picture 4">
+            <a:extLst>
+              <a:ext uri="{FF2B5EF4-FFF2-40B4-BE49-F238E27FC236}">
+                <a16:creationId xmlns:a16="http://schemas.microsoft.com/office/drawing/2014/main" id="{4E95FB95-AC80-424A-9FA5-D0F3DE10DA5A}"/>
+              </a:ext>
+            </a:extLst>
+          </p:cNvPr>
+          <p:cNvPicPr>
+            <a:picLocks noChangeAspect="1"/>
+          </p:cNvPicPr>
+          <p:nvPr/>
+        </p:nvPicPr>
+        <p:blipFill>
+          <a:blip r:embed="rId2">
+            <a:extLst>
+              <a:ext uri="{28A0092B-C50C-407E-A947-70E740481C1C}">
+                <a14:useLocalDpi xmlns:a14="http://schemas.microsoft.com/office/drawing/2010/main" val="0"/>
+              </a:ext>
+            </a:extLst>
+          </a:blip>
+          <a:stretch>
+            <a:fillRect/>
+          </a:stretch>
+        </p:blipFill>
+        <p:spPr>
+          <a:xfrm>
+            <a:off x="3668223" y="1828622"/>
+            <a:ext cx="1318030" cy="1318030"/>
+          </a:xfrm>
+          <a:prstGeom prst="rect">
+            <a:avLst/>
+          </a:prstGeom>
+        </p:spPr>
+      </p:pic>
+      <p:cxnSp>
+        <p:nvCxnSpPr>
+          <p:cNvPr id="6" name="Straight Connector 5">
+            <a:extLst>
+              <a:ext uri="{FF2B5EF4-FFF2-40B4-BE49-F238E27FC236}">
+                <a16:creationId xmlns:a16="http://schemas.microsoft.com/office/drawing/2014/main" id="{14A19404-458A-8443-BC36-045200A83067}"/>
+              </a:ext>
+            </a:extLst>
+          </p:cNvPr>
+          <p:cNvCxnSpPr>
+            <a:cxnSpLocks/>
+          </p:cNvCxnSpPr>
+          <p:nvPr/>
+        </p:nvCxnSpPr>
+        <p:spPr>
+          <a:xfrm>
+            <a:off x="4109027" y="4257506"/>
+            <a:ext cx="3155608" cy="0"/>
+          </a:xfrm>
+          <a:prstGeom prst="line">
+            <a:avLst/>
+          </a:prstGeom>
+          <a:ln w="38100">
+            <a:solidFill>
+              <a:schemeClr val="tx1"/>
+            </a:solidFill>
+          </a:ln>
+        </p:spPr>
+        <p:style>
+          <a:lnRef idx="1">
+            <a:schemeClr val="accent1"/>
+          </a:lnRef>
+          <a:fillRef idx="0">
+            <a:schemeClr val="accent1"/>
+          </a:fillRef>
+          <a:effectRef idx="0">
+            <a:schemeClr val="accent1"/>
+          </a:effectRef>
+          <a:fontRef idx="minor">
+            <a:schemeClr val="tx1"/>
+          </a:fontRef>
+        </p:style>
+      </p:cxnSp>
+      <p:pic>
+        <p:nvPicPr>
+          <p:cNvPr id="7" name="Picture 6">
+            <a:extLst>
+              <a:ext uri="{FF2B5EF4-FFF2-40B4-BE49-F238E27FC236}">
+                <a16:creationId xmlns:a16="http://schemas.microsoft.com/office/drawing/2014/main" id="{C6FE822E-B0CB-584F-9C5B-E10210295CAF}"/>
+              </a:ext>
+            </a:extLst>
+          </p:cNvPr>
+          <p:cNvPicPr>
+            <a:picLocks noChangeAspect="1"/>
+          </p:cNvPicPr>
+          <p:nvPr/>
+        </p:nvPicPr>
+        <p:blipFill>
+          <a:blip r:embed="rId3">
+            <a:extLst>
+              <a:ext uri="{28A0092B-C50C-407E-A947-70E740481C1C}">
+                <a14:useLocalDpi xmlns:a14="http://schemas.microsoft.com/office/drawing/2010/main" val="0"/>
+              </a:ext>
+            </a:extLst>
+          </a:blip>
+          <a:stretch>
+            <a:fillRect/>
+          </a:stretch>
+        </p:blipFill>
+        <p:spPr>
+          <a:xfrm>
+            <a:off x="6796587" y="3652055"/>
+            <a:ext cx="1210903" cy="1210903"/>
+          </a:xfrm>
+          <a:prstGeom prst="rect">
+            <a:avLst/>
+          </a:prstGeom>
+        </p:spPr>
+      </p:pic>
+      <p:pic>
+        <p:nvPicPr>
+          <p:cNvPr id="8" name="Picture 7">
+            <a:extLst>
+              <a:ext uri="{FF2B5EF4-FFF2-40B4-BE49-F238E27FC236}">
+                <a16:creationId xmlns:a16="http://schemas.microsoft.com/office/drawing/2014/main" id="{0A2335E1-7AF2-8243-A089-1525BE44C2AC}"/>
+              </a:ext>
+            </a:extLst>
+          </p:cNvPr>
+          <p:cNvPicPr>
+            <a:picLocks noChangeAspect="1"/>
+          </p:cNvPicPr>
+          <p:nvPr/>
+        </p:nvPicPr>
+        <p:blipFill>
+          <a:blip r:embed="rId2">
+            <a:extLst>
+              <a:ext uri="{28A0092B-C50C-407E-A947-70E740481C1C}">
+                <a14:useLocalDpi xmlns:a14="http://schemas.microsoft.com/office/drawing/2010/main" val="0"/>
+              </a:ext>
+            </a:extLst>
+          </a:blip>
+          <a:stretch>
+            <a:fillRect/>
+          </a:stretch>
+        </p:blipFill>
+        <p:spPr>
+          <a:xfrm>
+            <a:off x="3662566" y="3598491"/>
+            <a:ext cx="1318030" cy="1318030"/>
+          </a:xfrm>
+          <a:prstGeom prst="rect">
+            <a:avLst/>
+          </a:prstGeom>
+        </p:spPr>
+      </p:pic>
+      <p:sp>
+        <p:nvSpPr>
+          <p:cNvPr id="9" name="TextBox 8">
+            <a:extLst>
+              <a:ext uri="{FF2B5EF4-FFF2-40B4-BE49-F238E27FC236}">
+                <a16:creationId xmlns:a16="http://schemas.microsoft.com/office/drawing/2014/main" id="{50512F31-DBC1-A04E-B6DC-3D3B5C133256}"/>
+              </a:ext>
+            </a:extLst>
+          </p:cNvPr>
+          <p:cNvSpPr txBox="1"/>
+          <p:nvPr/>
+        </p:nvSpPr>
+        <p:spPr>
+          <a:xfrm>
+            <a:off x="397068" y="1958615"/>
+            <a:ext cx="2855269" cy="707886"/>
+          </a:xfrm>
+          <a:prstGeom prst="rect">
+            <a:avLst/>
+          </a:prstGeom>
+          <a:noFill/>
+        </p:spPr>
+        <p:txBody>
+          <a:bodyPr wrap="none" rtlCol="0">
+            <a:spAutoFit/>
+          </a:bodyPr>
+          <a:lstStyle/>
+          <a:p>
+            <a:r>
+              <a:rPr lang="en-US" sz="2000" b="1" dirty="0">
+                <a:latin typeface="Yu Gothic" panose="020B0400000000000000" pitchFamily="34" charset="-128"/>
+                <a:ea typeface="Yu Gothic" panose="020B0400000000000000" pitchFamily="34" charset="-128"/>
+              </a:rPr>
+              <a:t>IP : 10.0.0.101</a:t>
+            </a:r>
+          </a:p>
+          <a:p>
+            <a:r>
+              <a:rPr lang="en-US" sz="2000" b="1" dirty="0">
+                <a:latin typeface="Yu Gothic" panose="020B0400000000000000" pitchFamily="34" charset="-128"/>
+                <a:ea typeface="Yu Gothic" panose="020B0400000000000000" pitchFamily="34" charset="-128"/>
+              </a:rPr>
+              <a:t>MAC: 0000.0000.0101</a:t>
+            </a:r>
+          </a:p>
+        </p:txBody>
+      </p:sp>
+      <p:sp>
+        <p:nvSpPr>
+          <p:cNvPr id="10" name="TextBox 9">
+            <a:extLst>
+              <a:ext uri="{FF2B5EF4-FFF2-40B4-BE49-F238E27FC236}">
+                <a16:creationId xmlns:a16="http://schemas.microsoft.com/office/drawing/2014/main" id="{323A8C7A-C579-064A-B406-F80466D54CF3}"/>
+              </a:ext>
+            </a:extLst>
+          </p:cNvPr>
+          <p:cNvSpPr txBox="1"/>
+          <p:nvPr/>
+        </p:nvSpPr>
+        <p:spPr>
+          <a:xfrm>
+            <a:off x="397068" y="3645968"/>
+            <a:ext cx="2855269" cy="707886"/>
+          </a:xfrm>
+          <a:prstGeom prst="rect">
+            <a:avLst/>
+          </a:prstGeom>
+          <a:noFill/>
+        </p:spPr>
+        <p:txBody>
+          <a:bodyPr wrap="none" rtlCol="0">
+            <a:spAutoFit/>
+          </a:bodyPr>
+          <a:lstStyle/>
+          <a:p>
+            <a:r>
+              <a:rPr lang="en-US" sz="2000" b="1" dirty="0">
+                <a:latin typeface="Yu Gothic" panose="020B0400000000000000" pitchFamily="34" charset="-128"/>
+                <a:ea typeface="Yu Gothic" panose="020B0400000000000000" pitchFamily="34" charset="-128"/>
+              </a:rPr>
+              <a:t>IP : 10.0.0.102</a:t>
+            </a:r>
+          </a:p>
+          <a:p>
+            <a:r>
+              <a:rPr lang="en-US" sz="2000" b="1" dirty="0">
+                <a:latin typeface="Yu Gothic" panose="020B0400000000000000" pitchFamily="34" charset="-128"/>
+                <a:ea typeface="Yu Gothic" panose="020B0400000000000000" pitchFamily="34" charset="-128"/>
+              </a:rPr>
+              <a:t>MAC: 0000.0000.0102</a:t>
+            </a:r>
+          </a:p>
+        </p:txBody>
+      </p:sp>
+      <p:sp>
+        <p:nvSpPr>
+          <p:cNvPr id="11" name="TextBox 10">
+            <a:extLst>
+              <a:ext uri="{FF2B5EF4-FFF2-40B4-BE49-F238E27FC236}">
+                <a16:creationId xmlns:a16="http://schemas.microsoft.com/office/drawing/2014/main" id="{252E5065-DB98-054E-A619-65BD7D3CCB31}"/>
+              </a:ext>
+            </a:extLst>
+          </p:cNvPr>
+          <p:cNvSpPr txBox="1"/>
+          <p:nvPr/>
+        </p:nvSpPr>
+        <p:spPr>
+          <a:xfrm>
+            <a:off x="4778177" y="4296685"/>
+            <a:ext cx="756938" cy="400110"/>
+          </a:xfrm>
+          <a:prstGeom prst="rect">
+            <a:avLst/>
+          </a:prstGeom>
+          <a:noFill/>
+        </p:spPr>
+        <p:txBody>
+          <a:bodyPr wrap="none" rtlCol="0">
+            <a:spAutoFit/>
+          </a:bodyPr>
+          <a:lstStyle/>
+          <a:p>
+            <a:r>
+              <a:rPr lang="en-US" sz="2000" b="1" dirty="0">
+                <a:latin typeface="Yu Gothic" panose="020B0400000000000000" pitchFamily="34" charset="-128"/>
+                <a:ea typeface="Yu Gothic" panose="020B0400000000000000" pitchFamily="34" charset="-128"/>
+              </a:rPr>
+              <a:t>g0/1</a:t>
+            </a:r>
+          </a:p>
+        </p:txBody>
+      </p:sp>
+      <p:sp>
+        <p:nvSpPr>
+          <p:cNvPr id="12" name="TextBox 11">
+            <a:extLst>
+              <a:ext uri="{FF2B5EF4-FFF2-40B4-BE49-F238E27FC236}">
+                <a16:creationId xmlns:a16="http://schemas.microsoft.com/office/drawing/2014/main" id="{6A13144F-1A8C-9F43-9985-D4D8DA0090AA}"/>
+              </a:ext>
+            </a:extLst>
+          </p:cNvPr>
+          <p:cNvSpPr txBox="1"/>
+          <p:nvPr/>
+        </p:nvSpPr>
+        <p:spPr>
+          <a:xfrm>
+            <a:off x="4778167" y="2525812"/>
+            <a:ext cx="756938" cy="400110"/>
+          </a:xfrm>
+          <a:prstGeom prst="rect">
+            <a:avLst/>
+          </a:prstGeom>
+          <a:noFill/>
+        </p:spPr>
+        <p:txBody>
+          <a:bodyPr wrap="none" rtlCol="0">
+            <a:spAutoFit/>
+          </a:bodyPr>
+          <a:lstStyle/>
+          <a:p>
+            <a:r>
+              <a:rPr lang="en-US" sz="2000" b="1" dirty="0">
+                <a:latin typeface="Yu Gothic" panose="020B0400000000000000" pitchFamily="34" charset="-128"/>
+                <a:ea typeface="Yu Gothic" panose="020B0400000000000000" pitchFamily="34" charset="-128"/>
+              </a:rPr>
+              <a:t>g0/1</a:t>
+            </a:r>
+          </a:p>
+        </p:txBody>
+      </p:sp>
+      <p:sp>
+        <p:nvSpPr>
+          <p:cNvPr id="13" name="TextBox 12">
+            <a:extLst>
+              <a:ext uri="{FF2B5EF4-FFF2-40B4-BE49-F238E27FC236}">
+                <a16:creationId xmlns:a16="http://schemas.microsoft.com/office/drawing/2014/main" id="{4699F6F0-8D18-2447-988F-FF5372E813F0}"/>
+              </a:ext>
+            </a:extLst>
+          </p:cNvPr>
+          <p:cNvSpPr txBox="1"/>
+          <p:nvPr/>
+        </p:nvSpPr>
+        <p:spPr>
+          <a:xfrm>
+            <a:off x="6211732" y="3777658"/>
+            <a:ext cx="756938" cy="400110"/>
+          </a:xfrm>
+          <a:prstGeom prst="rect">
+            <a:avLst/>
+          </a:prstGeom>
+          <a:noFill/>
+        </p:spPr>
+        <p:txBody>
+          <a:bodyPr wrap="none" rtlCol="0">
+            <a:spAutoFit/>
+          </a:bodyPr>
+          <a:lstStyle/>
+          <a:p>
+            <a:r>
+              <a:rPr lang="en-US" sz="2000" b="1" dirty="0">
+                <a:latin typeface="Yu Gothic" panose="020B0400000000000000" pitchFamily="34" charset="-128"/>
+                <a:ea typeface="Yu Gothic" panose="020B0400000000000000" pitchFamily="34" charset="-128"/>
+              </a:rPr>
+              <a:t>g0/2</a:t>
+            </a:r>
+          </a:p>
+        </p:txBody>
+      </p:sp>
+      <p:sp>
+        <p:nvSpPr>
+          <p:cNvPr id="14" name="TextBox 13">
+            <a:extLst>
+              <a:ext uri="{FF2B5EF4-FFF2-40B4-BE49-F238E27FC236}">
+                <a16:creationId xmlns:a16="http://schemas.microsoft.com/office/drawing/2014/main" id="{D8CE870E-C16E-AD43-82E5-0109FCE30DF7}"/>
+              </a:ext>
+            </a:extLst>
+          </p:cNvPr>
+          <p:cNvSpPr txBox="1"/>
+          <p:nvPr/>
+        </p:nvSpPr>
+        <p:spPr>
+          <a:xfrm>
+            <a:off x="7502772" y="3572317"/>
+            <a:ext cx="756938" cy="400110"/>
+          </a:xfrm>
+          <a:prstGeom prst="rect">
+            <a:avLst/>
+          </a:prstGeom>
+          <a:noFill/>
+        </p:spPr>
+        <p:txBody>
+          <a:bodyPr wrap="none" rtlCol="0">
+            <a:spAutoFit/>
+          </a:bodyPr>
+          <a:lstStyle/>
+          <a:p>
+            <a:r>
+              <a:rPr lang="en-US" sz="2000" b="1" dirty="0">
+                <a:latin typeface="Yu Gothic" panose="020B0400000000000000" pitchFamily="34" charset="-128"/>
+                <a:ea typeface="Yu Gothic" panose="020B0400000000000000" pitchFamily="34" charset="-128"/>
+              </a:rPr>
+              <a:t>g0/1</a:t>
+            </a:r>
+          </a:p>
+        </p:txBody>
+      </p:sp>
+      <p:cxnSp>
+        <p:nvCxnSpPr>
+          <p:cNvPr id="16" name="Straight Connector 15">
+            <a:extLst>
+              <a:ext uri="{FF2B5EF4-FFF2-40B4-BE49-F238E27FC236}">
+                <a16:creationId xmlns:a16="http://schemas.microsoft.com/office/drawing/2014/main" id="{A89DA8B0-7E7D-F14B-AF0D-040121FB8D15}"/>
+              </a:ext>
+            </a:extLst>
+          </p:cNvPr>
+          <p:cNvCxnSpPr>
+            <a:cxnSpLocks/>
+          </p:cNvCxnSpPr>
+          <p:nvPr/>
+        </p:nvCxnSpPr>
+        <p:spPr>
+          <a:xfrm flipV="1">
+            <a:off x="7454113" y="2487637"/>
+            <a:ext cx="0" cy="1696782"/>
+          </a:xfrm>
+          <a:prstGeom prst="line">
+            <a:avLst/>
+          </a:prstGeom>
+          <a:ln w="38100">
+            <a:solidFill>
+              <a:schemeClr val="tx1"/>
+            </a:solidFill>
+          </a:ln>
+        </p:spPr>
+        <p:style>
+          <a:lnRef idx="1">
+            <a:schemeClr val="accent1"/>
+          </a:lnRef>
+          <a:fillRef idx="0">
+            <a:schemeClr val="accent1"/>
+          </a:fillRef>
+          <a:effectRef idx="0">
+            <a:schemeClr val="accent1"/>
+          </a:effectRef>
+          <a:fontRef idx="minor">
+            <a:schemeClr val="tx1"/>
+          </a:fontRef>
+        </p:style>
+      </p:cxnSp>
+      <p:sp>
+        <p:nvSpPr>
+          <p:cNvPr id="17" name="TextBox 16">
+            <a:extLst>
+              <a:ext uri="{FF2B5EF4-FFF2-40B4-BE49-F238E27FC236}">
+                <a16:creationId xmlns:a16="http://schemas.microsoft.com/office/drawing/2014/main" id="{F1E089C0-149C-DF44-AF81-0FE416C70F66}"/>
+              </a:ext>
+            </a:extLst>
+          </p:cNvPr>
+          <p:cNvSpPr txBox="1"/>
+          <p:nvPr/>
+        </p:nvSpPr>
+        <p:spPr>
+          <a:xfrm>
+            <a:off x="3992103" y="2858469"/>
+            <a:ext cx="694421" cy="400110"/>
+          </a:xfrm>
+          <a:prstGeom prst="rect">
+            <a:avLst/>
+          </a:prstGeom>
+          <a:noFill/>
+        </p:spPr>
+        <p:txBody>
+          <a:bodyPr wrap="none" rtlCol="0">
+            <a:spAutoFit/>
+          </a:bodyPr>
+          <a:lstStyle/>
+          <a:p>
+            <a:r>
+              <a:rPr lang="en-US" sz="2000" b="1" dirty="0">
+                <a:latin typeface="Yu Gothic" panose="020B0400000000000000" pitchFamily="34" charset="-128"/>
+                <a:ea typeface="Yu Gothic" panose="020B0400000000000000" pitchFamily="34" charset="-128"/>
+              </a:rPr>
+              <a:t>PC1</a:t>
+            </a:r>
+          </a:p>
+        </p:txBody>
+      </p:sp>
+      <p:sp>
+        <p:nvSpPr>
+          <p:cNvPr id="25" name="TextBox 24">
+            <a:extLst>
+              <a:ext uri="{FF2B5EF4-FFF2-40B4-BE49-F238E27FC236}">
+                <a16:creationId xmlns:a16="http://schemas.microsoft.com/office/drawing/2014/main" id="{7315BF08-A263-F148-B0E8-A2E107356B10}"/>
+              </a:ext>
+            </a:extLst>
+          </p:cNvPr>
+          <p:cNvSpPr txBox="1"/>
+          <p:nvPr/>
+        </p:nvSpPr>
+        <p:spPr>
+          <a:xfrm>
+            <a:off x="3990712" y="4597869"/>
+            <a:ext cx="694421" cy="400110"/>
+          </a:xfrm>
+          <a:prstGeom prst="rect">
+            <a:avLst/>
+          </a:prstGeom>
+          <a:noFill/>
+        </p:spPr>
+        <p:txBody>
+          <a:bodyPr wrap="none" rtlCol="0">
+            <a:spAutoFit/>
+          </a:bodyPr>
+          <a:lstStyle/>
+          <a:p>
+            <a:r>
+              <a:rPr lang="en-US" sz="2000" b="1" dirty="0">
+                <a:latin typeface="Yu Gothic" panose="020B0400000000000000" pitchFamily="34" charset="-128"/>
+                <a:ea typeface="Yu Gothic" panose="020B0400000000000000" pitchFamily="34" charset="-128"/>
+              </a:rPr>
+              <a:t>PC2</a:t>
+            </a:r>
+          </a:p>
+        </p:txBody>
+      </p:sp>
+      <p:sp>
+        <p:nvSpPr>
+          <p:cNvPr id="26" name="Left Arrow 25">
+            <a:extLst>
+              <a:ext uri="{FF2B5EF4-FFF2-40B4-BE49-F238E27FC236}">
+                <a16:creationId xmlns:a16="http://schemas.microsoft.com/office/drawing/2014/main" id="{AEF8CD41-F899-E846-9162-CA4B7B5AA441}"/>
+              </a:ext>
+            </a:extLst>
+          </p:cNvPr>
+          <p:cNvSpPr/>
+          <p:nvPr/>
+        </p:nvSpPr>
+        <p:spPr>
+          <a:xfrm>
+            <a:off x="906252" y="384139"/>
+            <a:ext cx="1063487" cy="526774"/>
+          </a:xfrm>
+          <a:prstGeom prst="leftArrow">
+            <a:avLst/>
+          </a:prstGeom>
+          <a:solidFill>
+            <a:schemeClr val="tx1"/>
+          </a:solidFill>
+          <a:ln>
+            <a:noFill/>
+          </a:ln>
+        </p:spPr>
+        <p:style>
+          <a:lnRef idx="2">
+            <a:schemeClr val="accent1">
+              <a:shade val="50000"/>
+            </a:schemeClr>
+          </a:lnRef>
+          <a:fillRef idx="1">
+            <a:schemeClr val="accent1"/>
+          </a:fillRef>
+          <a:effectRef idx="0">
+            <a:schemeClr val="accent1"/>
+          </a:effectRef>
+          <a:fontRef idx="minor">
+            <a:schemeClr val="lt1"/>
+          </a:fontRef>
+        </p:style>
+        <p:txBody>
+          <a:bodyPr rtlCol="0" anchor="ctr"/>
+          <a:lstStyle/>
+          <a:p>
+            <a:pPr algn="ctr"/>
+            <a:endParaRPr lang="en-US"/>
+          </a:p>
+        </p:txBody>
+      </p:sp>
+      <p:sp>
+        <p:nvSpPr>
+          <p:cNvPr id="27" name="Rectangle 26">
+            <a:extLst>
+              <a:ext uri="{FF2B5EF4-FFF2-40B4-BE49-F238E27FC236}">
+                <a16:creationId xmlns:a16="http://schemas.microsoft.com/office/drawing/2014/main" id="{73A7036F-5C35-954D-B7B6-051E4B42ECBE}"/>
+              </a:ext>
+            </a:extLst>
+          </p:cNvPr>
+          <p:cNvSpPr/>
+          <p:nvPr/>
+        </p:nvSpPr>
+        <p:spPr>
+          <a:xfrm>
+            <a:off x="1509227" y="286840"/>
+            <a:ext cx="2335903" cy="695739"/>
+          </a:xfrm>
+          <a:prstGeom prst="rect">
+            <a:avLst/>
+          </a:prstGeom>
+          <a:solidFill>
+            <a:schemeClr val="accent2"/>
+          </a:solidFill>
+          <a:ln w="38100">
+            <a:solidFill>
+              <a:schemeClr val="bg1"/>
+            </a:solidFill>
+          </a:ln>
+        </p:spPr>
+        <p:style>
+          <a:lnRef idx="2">
+            <a:schemeClr val="accent1">
+              <a:shade val="50000"/>
+            </a:schemeClr>
+          </a:lnRef>
+          <a:fillRef idx="1">
+            <a:schemeClr val="accent1"/>
+          </a:fillRef>
+          <a:effectRef idx="0">
+            <a:schemeClr val="accent1"/>
+          </a:effectRef>
+          <a:fontRef idx="minor">
+            <a:schemeClr val="lt1"/>
+          </a:fontRef>
+        </p:style>
+        <p:txBody>
+          <a:bodyPr rtlCol="0" anchor="ctr"/>
+          <a:lstStyle/>
+          <a:p>
+            <a:pPr algn="ctr"/>
+            <a:endParaRPr lang="en-US"/>
+          </a:p>
+        </p:txBody>
+      </p:sp>
+      <p:sp>
+        <p:nvSpPr>
+          <p:cNvPr id="28" name="Rectangle 27">
+            <a:extLst>
+              <a:ext uri="{FF2B5EF4-FFF2-40B4-BE49-F238E27FC236}">
+                <a16:creationId xmlns:a16="http://schemas.microsoft.com/office/drawing/2014/main" id="{BA6A77CC-39EF-464B-A059-35440D2495C0}"/>
+              </a:ext>
+            </a:extLst>
+          </p:cNvPr>
+          <p:cNvSpPr/>
+          <p:nvPr/>
+        </p:nvSpPr>
+        <p:spPr>
+          <a:xfrm>
+            <a:off x="6188392" y="277270"/>
+            <a:ext cx="4224197" cy="695739"/>
+          </a:xfrm>
+          <a:prstGeom prst="rect">
+            <a:avLst/>
+          </a:prstGeom>
+          <a:solidFill>
+            <a:schemeClr val="accent3"/>
+          </a:solidFill>
+          <a:ln w="38100">
+            <a:solidFill>
+              <a:schemeClr val="bg1"/>
+            </a:solidFill>
+          </a:ln>
+        </p:spPr>
+        <p:style>
+          <a:lnRef idx="2">
+            <a:schemeClr val="accent1">
+              <a:shade val="50000"/>
+            </a:schemeClr>
+          </a:lnRef>
+          <a:fillRef idx="1">
+            <a:schemeClr val="accent1"/>
+          </a:fillRef>
+          <a:effectRef idx="0">
+            <a:schemeClr val="accent1"/>
+          </a:effectRef>
+          <a:fontRef idx="minor">
+            <a:schemeClr val="lt1"/>
+          </a:fontRef>
+        </p:style>
+        <p:txBody>
+          <a:bodyPr rtlCol="0" anchor="ctr"/>
+          <a:lstStyle/>
+          <a:p>
+            <a:pPr algn="ctr"/>
+            <a:endParaRPr lang="en-US"/>
+          </a:p>
+        </p:txBody>
+      </p:sp>
+      <p:sp>
+        <p:nvSpPr>
+          <p:cNvPr id="29" name="TextBox 28">
+            <a:extLst>
+              <a:ext uri="{FF2B5EF4-FFF2-40B4-BE49-F238E27FC236}">
+                <a16:creationId xmlns:a16="http://schemas.microsoft.com/office/drawing/2014/main" id="{BD1D8026-205E-C247-AF65-44C7676C1DDC}"/>
+              </a:ext>
+            </a:extLst>
+          </p:cNvPr>
+          <p:cNvSpPr txBox="1"/>
+          <p:nvPr/>
+        </p:nvSpPr>
+        <p:spPr>
+          <a:xfrm>
+            <a:off x="2057779" y="296889"/>
+            <a:ext cx="1189749" cy="369332"/>
+          </a:xfrm>
+          <a:prstGeom prst="rect">
+            <a:avLst/>
+          </a:prstGeom>
+          <a:noFill/>
+        </p:spPr>
+        <p:txBody>
+          <a:bodyPr wrap="none" rtlCol="0">
+            <a:spAutoFit/>
+          </a:bodyPr>
+          <a:lstStyle/>
+          <a:p>
+            <a:pPr algn="ctr"/>
+            <a:r>
+              <a:rPr lang="ja-JP" altLang="en-US" b="1">
+                <a:solidFill>
+                  <a:schemeClr val="bg1"/>
+                </a:solidFill>
+                <a:latin typeface="Yu Gothic" panose="020B0400000000000000" pitchFamily="34" charset="-128"/>
+                <a:ea typeface="Yu Gothic" panose="020B0400000000000000" pitchFamily="34" charset="-128"/>
+              </a:rPr>
+              <a:t>宛先</a:t>
+            </a:r>
+            <a:r>
+              <a:rPr lang="en-US" b="1" dirty="0">
+                <a:solidFill>
+                  <a:schemeClr val="bg1"/>
+                </a:solidFill>
+                <a:latin typeface="Yu Gothic" panose="020B0400000000000000" pitchFamily="34" charset="-128"/>
+                <a:ea typeface="Yu Gothic" panose="020B0400000000000000" pitchFamily="34" charset="-128"/>
+              </a:rPr>
+              <a:t>MAC</a:t>
+            </a:r>
+          </a:p>
+        </p:txBody>
+      </p:sp>
+      <p:sp>
+        <p:nvSpPr>
+          <p:cNvPr id="30" name="TextBox 29">
+            <a:extLst>
+              <a:ext uri="{FF2B5EF4-FFF2-40B4-BE49-F238E27FC236}">
+                <a16:creationId xmlns:a16="http://schemas.microsoft.com/office/drawing/2014/main" id="{0E078A39-3574-1945-AE3D-EACC8227D054}"/>
+              </a:ext>
+            </a:extLst>
+          </p:cNvPr>
+          <p:cNvSpPr txBox="1"/>
+          <p:nvPr/>
+        </p:nvSpPr>
+        <p:spPr>
+          <a:xfrm>
+            <a:off x="7603935" y="282278"/>
+            <a:ext cx="1359668" cy="369332"/>
+          </a:xfrm>
+          <a:prstGeom prst="rect">
+            <a:avLst/>
+          </a:prstGeom>
+          <a:noFill/>
+        </p:spPr>
+        <p:txBody>
+          <a:bodyPr wrap="none" rtlCol="0">
+            <a:spAutoFit/>
+          </a:bodyPr>
+          <a:lstStyle/>
+          <a:p>
+            <a:pPr algn="ctr"/>
+            <a:r>
+              <a:rPr lang="en-US" b="1" dirty="0">
+                <a:solidFill>
+                  <a:schemeClr val="bg1"/>
+                </a:solidFill>
+                <a:latin typeface="Yu Gothic" panose="020B0400000000000000" pitchFamily="34" charset="-128"/>
+                <a:ea typeface="Yu Gothic" panose="020B0400000000000000" pitchFamily="34" charset="-128"/>
+              </a:rPr>
+              <a:t>ARP Reply</a:t>
+            </a:r>
+          </a:p>
+        </p:txBody>
+      </p:sp>
+      <p:sp>
+        <p:nvSpPr>
+          <p:cNvPr id="31" name="TextBox 30">
+            <a:extLst>
+              <a:ext uri="{FF2B5EF4-FFF2-40B4-BE49-F238E27FC236}">
+                <a16:creationId xmlns:a16="http://schemas.microsoft.com/office/drawing/2014/main" id="{AD22291F-2A49-C349-B032-CE701DB9A0A9}"/>
+              </a:ext>
+            </a:extLst>
+          </p:cNvPr>
+          <p:cNvSpPr txBox="1"/>
+          <p:nvPr/>
+        </p:nvSpPr>
+        <p:spPr>
+          <a:xfrm>
+            <a:off x="1720384" y="610401"/>
+            <a:ext cx="1909497" cy="369332"/>
+          </a:xfrm>
+          <a:prstGeom prst="rect">
+            <a:avLst/>
+          </a:prstGeom>
+          <a:noFill/>
+        </p:spPr>
+        <p:txBody>
+          <a:bodyPr wrap="none" rtlCol="0">
+            <a:spAutoFit/>
+          </a:bodyPr>
+          <a:lstStyle/>
+          <a:p>
+            <a:pPr algn="ctr"/>
+            <a:r>
+              <a:rPr lang="en-US" b="1" dirty="0">
+                <a:solidFill>
+                  <a:schemeClr val="bg1"/>
+                </a:solidFill>
+                <a:latin typeface="Yu Gothic" panose="020B0400000000000000" pitchFamily="34" charset="-128"/>
+                <a:ea typeface="Yu Gothic" panose="020B0400000000000000" pitchFamily="34" charset="-128"/>
+              </a:rPr>
+              <a:t>0000.0000.0101</a:t>
+            </a:r>
+          </a:p>
+        </p:txBody>
+      </p:sp>
+      <p:sp>
+        <p:nvSpPr>
+          <p:cNvPr id="32" name="Rectangle 31">
+            <a:extLst>
+              <a:ext uri="{FF2B5EF4-FFF2-40B4-BE49-F238E27FC236}">
+                <a16:creationId xmlns:a16="http://schemas.microsoft.com/office/drawing/2014/main" id="{64BD472F-6228-9945-A315-0ECCEC42D09E}"/>
+              </a:ext>
+            </a:extLst>
+          </p:cNvPr>
+          <p:cNvSpPr/>
+          <p:nvPr/>
+        </p:nvSpPr>
+        <p:spPr>
+          <a:xfrm>
+            <a:off x="3848875" y="283994"/>
+            <a:ext cx="2342402" cy="695739"/>
+          </a:xfrm>
+          <a:prstGeom prst="rect">
+            <a:avLst/>
+          </a:prstGeom>
+          <a:solidFill>
+            <a:schemeClr val="accent2"/>
+          </a:solidFill>
+          <a:ln w="38100">
+            <a:solidFill>
+              <a:schemeClr val="bg1"/>
+            </a:solidFill>
+          </a:ln>
+        </p:spPr>
+        <p:style>
+          <a:lnRef idx="2">
+            <a:schemeClr val="accent1">
+              <a:shade val="50000"/>
+            </a:schemeClr>
+          </a:lnRef>
+          <a:fillRef idx="1">
+            <a:schemeClr val="accent1"/>
+          </a:fillRef>
+          <a:effectRef idx="0">
+            <a:schemeClr val="accent1"/>
+          </a:effectRef>
+          <a:fontRef idx="minor">
+            <a:schemeClr val="lt1"/>
+          </a:fontRef>
+        </p:style>
+        <p:txBody>
+          <a:bodyPr rtlCol="0" anchor="ctr"/>
+          <a:lstStyle/>
+          <a:p>
+            <a:pPr algn="ctr"/>
+            <a:endParaRPr lang="en-US"/>
+          </a:p>
+        </p:txBody>
+      </p:sp>
+      <p:sp>
+        <p:nvSpPr>
+          <p:cNvPr id="33" name="TextBox 32">
+            <a:extLst>
+              <a:ext uri="{FF2B5EF4-FFF2-40B4-BE49-F238E27FC236}">
+                <a16:creationId xmlns:a16="http://schemas.microsoft.com/office/drawing/2014/main" id="{D6AE103B-05AB-1948-99D7-39B6875F33F1}"/>
+              </a:ext>
+            </a:extLst>
+          </p:cNvPr>
+          <p:cNvSpPr txBox="1"/>
+          <p:nvPr/>
+        </p:nvSpPr>
+        <p:spPr>
+          <a:xfrm>
+            <a:off x="4346225" y="298797"/>
+            <a:ext cx="1420581" cy="369332"/>
+          </a:xfrm>
+          <a:prstGeom prst="rect">
+            <a:avLst/>
+          </a:prstGeom>
+          <a:noFill/>
+        </p:spPr>
+        <p:txBody>
+          <a:bodyPr wrap="none" rtlCol="0">
+            <a:spAutoFit/>
+          </a:bodyPr>
+          <a:lstStyle/>
+          <a:p>
+            <a:pPr algn="ctr"/>
+            <a:r>
+              <a:rPr lang="ja-JP" altLang="en-US" b="1">
+                <a:solidFill>
+                  <a:schemeClr val="bg1"/>
+                </a:solidFill>
+                <a:latin typeface="Yu Gothic" panose="020B0400000000000000" pitchFamily="34" charset="-128"/>
+                <a:ea typeface="Yu Gothic" panose="020B0400000000000000" pitchFamily="34" charset="-128"/>
+              </a:rPr>
+              <a:t>送信元</a:t>
+            </a:r>
+            <a:r>
+              <a:rPr lang="en-US" b="1" dirty="0">
+                <a:solidFill>
+                  <a:schemeClr val="bg1"/>
+                </a:solidFill>
+                <a:latin typeface="Yu Gothic" panose="020B0400000000000000" pitchFamily="34" charset="-128"/>
+                <a:ea typeface="Yu Gothic" panose="020B0400000000000000" pitchFamily="34" charset="-128"/>
+              </a:rPr>
+              <a:t>MAC</a:t>
+            </a:r>
+          </a:p>
+        </p:txBody>
+      </p:sp>
+      <p:sp>
+        <p:nvSpPr>
+          <p:cNvPr id="34" name="TextBox 33">
+            <a:extLst>
+              <a:ext uri="{FF2B5EF4-FFF2-40B4-BE49-F238E27FC236}">
+                <a16:creationId xmlns:a16="http://schemas.microsoft.com/office/drawing/2014/main" id="{6944C051-6ED2-C64C-A2DB-A15684035BAB}"/>
+              </a:ext>
+            </a:extLst>
+          </p:cNvPr>
+          <p:cNvSpPr txBox="1"/>
+          <p:nvPr/>
+        </p:nvSpPr>
+        <p:spPr>
+          <a:xfrm>
+            <a:off x="4079318" y="616310"/>
+            <a:ext cx="1909497" cy="369332"/>
+          </a:xfrm>
+          <a:prstGeom prst="rect">
+            <a:avLst/>
+          </a:prstGeom>
+          <a:noFill/>
+        </p:spPr>
+        <p:txBody>
+          <a:bodyPr wrap="none" rtlCol="0">
+            <a:spAutoFit/>
+          </a:bodyPr>
+          <a:lstStyle/>
+          <a:p>
+            <a:pPr algn="ctr"/>
+            <a:r>
+              <a:rPr lang="en-US" b="1" dirty="0">
+                <a:solidFill>
+                  <a:schemeClr val="bg1"/>
+                </a:solidFill>
+                <a:latin typeface="Yu Gothic" panose="020B0400000000000000" pitchFamily="34" charset="-128"/>
+                <a:ea typeface="Yu Gothic" panose="020B0400000000000000" pitchFamily="34" charset="-128"/>
+              </a:rPr>
+              <a:t>0000.0000.0102</a:t>
+            </a:r>
+          </a:p>
+        </p:txBody>
+      </p:sp>
+      <p:cxnSp>
+        <p:nvCxnSpPr>
+          <p:cNvPr id="38" name="Straight Connector 37">
+            <a:extLst>
+              <a:ext uri="{FF2B5EF4-FFF2-40B4-BE49-F238E27FC236}">
+                <a16:creationId xmlns:a16="http://schemas.microsoft.com/office/drawing/2014/main" id="{3E33503C-2FCF-D342-940B-EF97395980E3}"/>
+              </a:ext>
+            </a:extLst>
+          </p:cNvPr>
+          <p:cNvCxnSpPr>
+            <a:cxnSpLocks/>
+          </p:cNvCxnSpPr>
+          <p:nvPr/>
+        </p:nvCxnSpPr>
+        <p:spPr>
+          <a:xfrm>
+            <a:off x="4109027" y="5974631"/>
+            <a:ext cx="3347868" cy="0"/>
+          </a:xfrm>
+          <a:prstGeom prst="line">
+            <a:avLst/>
+          </a:prstGeom>
+          <a:ln w="38100">
+            <a:solidFill>
+              <a:schemeClr val="tx1"/>
+            </a:solidFill>
+          </a:ln>
+        </p:spPr>
+        <p:style>
+          <a:lnRef idx="1">
+            <a:schemeClr val="accent1"/>
+          </a:lnRef>
+          <a:fillRef idx="0">
+            <a:schemeClr val="accent1"/>
+          </a:fillRef>
+          <a:effectRef idx="0">
+            <a:schemeClr val="accent1"/>
+          </a:effectRef>
+          <a:fontRef idx="minor">
+            <a:schemeClr val="tx1"/>
+          </a:fontRef>
+        </p:style>
+      </p:cxnSp>
+      <p:pic>
+        <p:nvPicPr>
+          <p:cNvPr id="39" name="Picture 38">
+            <a:extLst>
+              <a:ext uri="{FF2B5EF4-FFF2-40B4-BE49-F238E27FC236}">
+                <a16:creationId xmlns:a16="http://schemas.microsoft.com/office/drawing/2014/main" id="{A10537DF-D285-A043-8399-77AA867CB8B2}"/>
+              </a:ext>
+            </a:extLst>
+          </p:cNvPr>
+          <p:cNvPicPr>
+            <a:picLocks noChangeAspect="1"/>
+          </p:cNvPicPr>
+          <p:nvPr/>
+        </p:nvPicPr>
+        <p:blipFill>
+          <a:blip r:embed="rId2">
+            <a:extLst>
+              <a:ext uri="{28A0092B-C50C-407E-A947-70E740481C1C}">
+                <a14:useLocalDpi xmlns:a14="http://schemas.microsoft.com/office/drawing/2010/main" val="0"/>
+              </a:ext>
+            </a:extLst>
+          </a:blip>
+          <a:stretch>
+            <a:fillRect/>
+          </a:stretch>
+        </p:blipFill>
+        <p:spPr>
+          <a:xfrm>
+            <a:off x="3661285" y="5276464"/>
+            <a:ext cx="1318030" cy="1318030"/>
+          </a:xfrm>
+          <a:prstGeom prst="rect">
+            <a:avLst/>
+          </a:prstGeom>
+        </p:spPr>
+      </p:pic>
+      <p:sp>
+        <p:nvSpPr>
+          <p:cNvPr id="40" name="TextBox 39">
+            <a:extLst>
+              <a:ext uri="{FF2B5EF4-FFF2-40B4-BE49-F238E27FC236}">
+                <a16:creationId xmlns:a16="http://schemas.microsoft.com/office/drawing/2014/main" id="{64C9D4DE-8FC5-C748-8E86-B8997F40964D}"/>
+              </a:ext>
+            </a:extLst>
+          </p:cNvPr>
+          <p:cNvSpPr txBox="1"/>
+          <p:nvPr/>
+        </p:nvSpPr>
+        <p:spPr>
+          <a:xfrm>
+            <a:off x="401425" y="5361058"/>
+            <a:ext cx="2855269" cy="707886"/>
+          </a:xfrm>
+          <a:prstGeom prst="rect">
+            <a:avLst/>
+          </a:prstGeom>
+          <a:noFill/>
+        </p:spPr>
+        <p:txBody>
+          <a:bodyPr wrap="none" rtlCol="0">
+            <a:spAutoFit/>
+          </a:bodyPr>
+          <a:lstStyle/>
+          <a:p>
+            <a:r>
+              <a:rPr lang="en-US" sz="2000" b="1" dirty="0">
+                <a:latin typeface="Yu Gothic" panose="020B0400000000000000" pitchFamily="34" charset="-128"/>
+                <a:ea typeface="Yu Gothic" panose="020B0400000000000000" pitchFamily="34" charset="-128"/>
+              </a:rPr>
+              <a:t>IP : 10.0.0.103</a:t>
+            </a:r>
+          </a:p>
+          <a:p>
+            <a:r>
+              <a:rPr lang="en-US" sz="2000" b="1" dirty="0">
+                <a:latin typeface="Yu Gothic" panose="020B0400000000000000" pitchFamily="34" charset="-128"/>
+                <a:ea typeface="Yu Gothic" panose="020B0400000000000000" pitchFamily="34" charset="-128"/>
+              </a:rPr>
+              <a:t>MAC: 0000.0000.0103</a:t>
+            </a:r>
+          </a:p>
+        </p:txBody>
+      </p:sp>
+      <p:sp>
+        <p:nvSpPr>
+          <p:cNvPr id="41" name="TextBox 40">
+            <a:extLst>
+              <a:ext uri="{FF2B5EF4-FFF2-40B4-BE49-F238E27FC236}">
+                <a16:creationId xmlns:a16="http://schemas.microsoft.com/office/drawing/2014/main" id="{757129BB-7664-5243-897B-344F52B3BF8D}"/>
+              </a:ext>
+            </a:extLst>
+          </p:cNvPr>
+          <p:cNvSpPr txBox="1"/>
+          <p:nvPr/>
+        </p:nvSpPr>
+        <p:spPr>
+          <a:xfrm>
+            <a:off x="4801731" y="6003025"/>
+            <a:ext cx="756938" cy="400110"/>
+          </a:xfrm>
+          <a:prstGeom prst="rect">
+            <a:avLst/>
+          </a:prstGeom>
+          <a:noFill/>
+        </p:spPr>
+        <p:txBody>
+          <a:bodyPr wrap="none" rtlCol="0">
+            <a:spAutoFit/>
+          </a:bodyPr>
+          <a:lstStyle/>
+          <a:p>
+            <a:r>
+              <a:rPr lang="en-US" sz="2000" b="1" dirty="0">
+                <a:latin typeface="Yu Gothic" panose="020B0400000000000000" pitchFamily="34" charset="-128"/>
+                <a:ea typeface="Yu Gothic" panose="020B0400000000000000" pitchFamily="34" charset="-128"/>
+              </a:rPr>
+              <a:t>g0/1</a:t>
+            </a:r>
+          </a:p>
+        </p:txBody>
+      </p:sp>
+      <p:cxnSp>
+        <p:nvCxnSpPr>
+          <p:cNvPr id="42" name="Straight Connector 41">
+            <a:extLst>
+              <a:ext uri="{FF2B5EF4-FFF2-40B4-BE49-F238E27FC236}">
+                <a16:creationId xmlns:a16="http://schemas.microsoft.com/office/drawing/2014/main" id="{6D4B435A-CAFF-3647-B3D7-5BD426572535}"/>
+              </a:ext>
+            </a:extLst>
+          </p:cNvPr>
+          <p:cNvCxnSpPr>
+            <a:cxnSpLocks/>
+          </p:cNvCxnSpPr>
+          <p:nvPr/>
+        </p:nvCxnSpPr>
+        <p:spPr>
+          <a:xfrm>
+            <a:off x="7456895" y="4437930"/>
+            <a:ext cx="0" cy="1536701"/>
+          </a:xfrm>
+          <a:prstGeom prst="line">
+            <a:avLst/>
+          </a:prstGeom>
+          <a:ln w="38100">
+            <a:solidFill>
+              <a:schemeClr val="tx1"/>
+            </a:solidFill>
+          </a:ln>
+        </p:spPr>
+        <p:style>
+          <a:lnRef idx="1">
+            <a:schemeClr val="accent1"/>
+          </a:lnRef>
+          <a:fillRef idx="0">
+            <a:schemeClr val="accent1"/>
+          </a:fillRef>
+          <a:effectRef idx="0">
+            <a:schemeClr val="accent1"/>
+          </a:effectRef>
+          <a:fontRef idx="minor">
+            <a:schemeClr val="tx1"/>
+          </a:fontRef>
+        </p:style>
+      </p:cxnSp>
+      <p:sp>
+        <p:nvSpPr>
+          <p:cNvPr id="43" name="TextBox 42">
+            <a:extLst>
+              <a:ext uri="{FF2B5EF4-FFF2-40B4-BE49-F238E27FC236}">
+                <a16:creationId xmlns:a16="http://schemas.microsoft.com/office/drawing/2014/main" id="{3173623C-A0B6-AD48-888A-7C9199A51E1D}"/>
+              </a:ext>
+            </a:extLst>
+          </p:cNvPr>
+          <p:cNvSpPr txBox="1"/>
+          <p:nvPr/>
+        </p:nvSpPr>
+        <p:spPr>
+          <a:xfrm>
+            <a:off x="3993642" y="6237496"/>
+            <a:ext cx="694421" cy="400110"/>
+          </a:xfrm>
+          <a:prstGeom prst="rect">
+            <a:avLst/>
+          </a:prstGeom>
+          <a:noFill/>
+        </p:spPr>
+        <p:txBody>
+          <a:bodyPr wrap="none" rtlCol="0">
+            <a:spAutoFit/>
+          </a:bodyPr>
+          <a:lstStyle/>
+          <a:p>
+            <a:r>
+              <a:rPr lang="en-US" sz="2000" b="1" dirty="0">
+                <a:latin typeface="Yu Gothic" panose="020B0400000000000000" pitchFamily="34" charset="-128"/>
+                <a:ea typeface="Yu Gothic" panose="020B0400000000000000" pitchFamily="34" charset="-128"/>
+              </a:rPr>
+              <a:t>PC3</a:t>
+            </a:r>
+          </a:p>
+        </p:txBody>
+      </p:sp>
+      <p:sp>
+        <p:nvSpPr>
+          <p:cNvPr id="45" name="TextBox 44">
+            <a:extLst>
+              <a:ext uri="{FF2B5EF4-FFF2-40B4-BE49-F238E27FC236}">
+                <a16:creationId xmlns:a16="http://schemas.microsoft.com/office/drawing/2014/main" id="{7FDB7D68-B168-484C-AA05-CAC613EFA230}"/>
+              </a:ext>
+            </a:extLst>
+          </p:cNvPr>
+          <p:cNvSpPr txBox="1"/>
+          <p:nvPr/>
+        </p:nvSpPr>
+        <p:spPr>
+          <a:xfrm>
+            <a:off x="7523579" y="4574123"/>
+            <a:ext cx="756938" cy="400110"/>
+          </a:xfrm>
+          <a:prstGeom prst="rect">
+            <a:avLst/>
+          </a:prstGeom>
+          <a:noFill/>
+        </p:spPr>
+        <p:txBody>
+          <a:bodyPr wrap="none" rtlCol="0">
+            <a:spAutoFit/>
+          </a:bodyPr>
+          <a:lstStyle/>
+          <a:p>
+            <a:r>
+              <a:rPr lang="en-US" sz="2000" b="1" dirty="0">
+                <a:latin typeface="Yu Gothic" panose="020B0400000000000000" pitchFamily="34" charset="-128"/>
+                <a:ea typeface="Yu Gothic" panose="020B0400000000000000" pitchFamily="34" charset="-128"/>
+              </a:rPr>
+              <a:t>g0/3</a:t>
+            </a:r>
+          </a:p>
+        </p:txBody>
+      </p:sp>
+      <p:sp>
+        <p:nvSpPr>
+          <p:cNvPr id="48" name="Left Arrow 47">
+            <a:extLst>
+              <a:ext uri="{FF2B5EF4-FFF2-40B4-BE49-F238E27FC236}">
+                <a16:creationId xmlns:a16="http://schemas.microsoft.com/office/drawing/2014/main" id="{D273B21C-F5D9-804F-BE4C-C11CB4B1C47D}"/>
+              </a:ext>
+            </a:extLst>
+          </p:cNvPr>
+          <p:cNvSpPr/>
+          <p:nvPr/>
+        </p:nvSpPr>
+        <p:spPr>
+          <a:xfrm>
+            <a:off x="5905590" y="2572274"/>
+            <a:ext cx="1328388" cy="395895"/>
+          </a:xfrm>
+          <a:prstGeom prst="leftArrow">
+            <a:avLst>
+              <a:gd name="adj1" fmla="val 35393"/>
+              <a:gd name="adj2" fmla="val 50000"/>
+            </a:avLst>
+          </a:prstGeom>
+          <a:solidFill>
+            <a:schemeClr val="accent3"/>
+          </a:solidFill>
+          <a:ln>
+            <a:noFill/>
+          </a:ln>
+        </p:spPr>
+        <p:style>
+          <a:lnRef idx="2">
+            <a:schemeClr val="accent1">
+              <a:shade val="50000"/>
+            </a:schemeClr>
+          </a:lnRef>
+          <a:fillRef idx="1">
+            <a:schemeClr val="accent1"/>
+          </a:fillRef>
+          <a:effectRef idx="0">
+            <a:schemeClr val="accent1"/>
+          </a:effectRef>
+          <a:fontRef idx="minor">
+            <a:schemeClr val="lt1"/>
+          </a:fontRef>
+        </p:style>
+        <p:txBody>
+          <a:bodyPr rtlCol="0" anchor="ctr"/>
+          <a:lstStyle/>
+          <a:p>
+            <a:pPr algn="ctr"/>
+            <a:endParaRPr lang="en-US"/>
+          </a:p>
+        </p:txBody>
+      </p:sp>
+      <p:sp>
+        <p:nvSpPr>
+          <p:cNvPr id="49" name="TextBox 48">
+            <a:extLst>
+              <a:ext uri="{FF2B5EF4-FFF2-40B4-BE49-F238E27FC236}">
+                <a16:creationId xmlns:a16="http://schemas.microsoft.com/office/drawing/2014/main" id="{0B0270CC-8DD4-784A-8075-B3DD2370F59D}"/>
+              </a:ext>
+            </a:extLst>
+          </p:cNvPr>
+          <p:cNvSpPr txBox="1"/>
+          <p:nvPr/>
+        </p:nvSpPr>
+        <p:spPr>
+          <a:xfrm>
+            <a:off x="8280517" y="3999911"/>
+            <a:ext cx="3097323" cy="400110"/>
+          </a:xfrm>
+          <a:prstGeom prst="rect">
+            <a:avLst/>
+          </a:prstGeom>
+          <a:noFill/>
+        </p:spPr>
+        <p:txBody>
+          <a:bodyPr wrap="none" rtlCol="0">
+            <a:spAutoFit/>
+          </a:bodyPr>
+          <a:lstStyle/>
+          <a:p>
+            <a:r>
+              <a:rPr lang="ja-JP" altLang="en-US" sz="2000" b="1">
+                <a:solidFill>
+                  <a:schemeClr val="accent3"/>
+                </a:solidFill>
+                <a:latin typeface="Yu Gothic" panose="020B0400000000000000" pitchFamily="34" charset="-128"/>
+                <a:ea typeface="Yu Gothic" panose="020B0400000000000000" pitchFamily="34" charset="-128"/>
+              </a:rPr>
+              <a:t>宛先</a:t>
+            </a:r>
+            <a:r>
+              <a:rPr lang="en-US" altLang="ja-JP" sz="2000" b="1" dirty="0">
+                <a:solidFill>
+                  <a:schemeClr val="accent3"/>
+                </a:solidFill>
+                <a:latin typeface="Yu Gothic" panose="020B0400000000000000" pitchFamily="34" charset="-128"/>
+                <a:ea typeface="Yu Gothic" panose="020B0400000000000000" pitchFamily="34" charset="-128"/>
+              </a:rPr>
+              <a:t>MAC</a:t>
+            </a:r>
+            <a:r>
+              <a:rPr lang="ja-JP" altLang="en-US" sz="2000" b="1">
+                <a:solidFill>
+                  <a:schemeClr val="accent3"/>
+                </a:solidFill>
+                <a:latin typeface="Yu Gothic" panose="020B0400000000000000" pitchFamily="34" charset="-128"/>
+                <a:ea typeface="Yu Gothic" panose="020B0400000000000000" pitchFamily="34" charset="-128"/>
+              </a:rPr>
+              <a:t>はユニキャスト</a:t>
+            </a:r>
+            <a:endParaRPr lang="en-US" altLang="ja-JP" sz="2000" b="1" dirty="0">
+              <a:solidFill>
+                <a:schemeClr val="accent3"/>
+              </a:solidFill>
+              <a:latin typeface="Yu Gothic" panose="020B0400000000000000" pitchFamily="34" charset="-128"/>
+              <a:ea typeface="Yu Gothic" panose="020B0400000000000000" pitchFamily="34" charset="-128"/>
+            </a:endParaRPr>
+          </a:p>
+        </p:txBody>
+      </p:sp>
+      <p:sp>
+        <p:nvSpPr>
+          <p:cNvPr id="44" name="TextBox 43">
+            <a:extLst>
+              <a:ext uri="{FF2B5EF4-FFF2-40B4-BE49-F238E27FC236}">
+                <a16:creationId xmlns:a16="http://schemas.microsoft.com/office/drawing/2014/main" id="{B8FD1C53-CBE1-3E4C-B313-D8226EFE1AE6}"/>
+              </a:ext>
+            </a:extLst>
+          </p:cNvPr>
+          <p:cNvSpPr txBox="1"/>
+          <p:nvPr/>
+        </p:nvSpPr>
+        <p:spPr>
+          <a:xfrm>
+            <a:off x="6211732" y="583165"/>
+            <a:ext cx="4144083" cy="369332"/>
+          </a:xfrm>
+          <a:prstGeom prst="rect">
+            <a:avLst/>
+          </a:prstGeom>
+          <a:noFill/>
+        </p:spPr>
+        <p:txBody>
+          <a:bodyPr wrap="none" rtlCol="0">
+            <a:spAutoFit/>
+          </a:bodyPr>
+          <a:lstStyle/>
+          <a:p>
+            <a:pPr algn="ctr"/>
+            <a:r>
+              <a:rPr lang="en-US" b="1" dirty="0">
+                <a:solidFill>
+                  <a:schemeClr val="bg1"/>
+                </a:solidFill>
+                <a:latin typeface="Yu Gothic" panose="020B0400000000000000" pitchFamily="34" charset="-128"/>
+                <a:ea typeface="Yu Gothic" panose="020B0400000000000000" pitchFamily="34" charset="-128"/>
+              </a:rPr>
+              <a:t>IP 10.0.0.102 : MAC 0000.0000.0102</a:t>
+            </a:r>
+          </a:p>
+        </p:txBody>
+      </p:sp>
+      <p:sp>
+        <p:nvSpPr>
+          <p:cNvPr id="46" name="Left Arrow 45">
+            <a:extLst>
+              <a:ext uri="{FF2B5EF4-FFF2-40B4-BE49-F238E27FC236}">
+                <a16:creationId xmlns:a16="http://schemas.microsoft.com/office/drawing/2014/main" id="{E7A60FD6-66F4-D04B-A762-D0A833599997}"/>
+              </a:ext>
+            </a:extLst>
+          </p:cNvPr>
+          <p:cNvSpPr/>
+          <p:nvPr/>
+        </p:nvSpPr>
+        <p:spPr>
+          <a:xfrm>
+            <a:off x="4867176" y="1939024"/>
+            <a:ext cx="578920" cy="310586"/>
+          </a:xfrm>
+          <a:prstGeom prst="leftArrow">
+            <a:avLst/>
+          </a:prstGeom>
+          <a:solidFill>
+            <a:schemeClr val="tx1"/>
+          </a:solidFill>
+          <a:ln>
+            <a:noFill/>
+          </a:ln>
+        </p:spPr>
+        <p:style>
+          <a:lnRef idx="2">
+            <a:schemeClr val="accent1">
+              <a:shade val="50000"/>
+            </a:schemeClr>
+          </a:lnRef>
+          <a:fillRef idx="1">
+            <a:schemeClr val="accent1"/>
+          </a:fillRef>
+          <a:effectRef idx="0">
+            <a:schemeClr val="accent1"/>
+          </a:effectRef>
+          <a:fontRef idx="minor">
+            <a:schemeClr val="lt1"/>
+          </a:fontRef>
+        </p:style>
+        <p:txBody>
+          <a:bodyPr rtlCol="0" anchor="ctr"/>
+          <a:lstStyle/>
+          <a:p>
+            <a:pPr algn="ctr"/>
+            <a:endParaRPr lang="en-US"/>
+          </a:p>
+        </p:txBody>
+      </p:sp>
+      <p:sp>
+        <p:nvSpPr>
+          <p:cNvPr id="51" name="Rectangle 50">
+            <a:extLst>
+              <a:ext uri="{FF2B5EF4-FFF2-40B4-BE49-F238E27FC236}">
+                <a16:creationId xmlns:a16="http://schemas.microsoft.com/office/drawing/2014/main" id="{F1F635B0-C562-F645-8A0C-21C0D1583F35}"/>
+              </a:ext>
+            </a:extLst>
+          </p:cNvPr>
+          <p:cNvSpPr/>
+          <p:nvPr/>
+        </p:nvSpPr>
+        <p:spPr>
+          <a:xfrm>
+            <a:off x="5256170" y="1859879"/>
+            <a:ext cx="1822987" cy="449344"/>
+          </a:xfrm>
+          <a:prstGeom prst="rect">
+            <a:avLst/>
+          </a:prstGeom>
+          <a:solidFill>
+            <a:schemeClr val="accent2"/>
+          </a:solidFill>
+          <a:ln w="38100">
+            <a:solidFill>
+              <a:schemeClr val="bg1"/>
+            </a:solidFill>
+          </a:ln>
+        </p:spPr>
+        <p:style>
+          <a:lnRef idx="2">
+            <a:schemeClr val="accent1">
+              <a:shade val="50000"/>
+            </a:schemeClr>
+          </a:lnRef>
+          <a:fillRef idx="1">
+            <a:schemeClr val="accent1"/>
+          </a:fillRef>
+          <a:effectRef idx="0">
+            <a:schemeClr val="accent1"/>
+          </a:effectRef>
+          <a:fontRef idx="minor">
+            <a:schemeClr val="lt1"/>
+          </a:fontRef>
+        </p:style>
+        <p:txBody>
+          <a:bodyPr rtlCol="0" anchor="ctr"/>
+          <a:lstStyle/>
+          <a:p>
+            <a:pPr algn="ctr"/>
+            <a:endParaRPr lang="en-US"/>
+          </a:p>
+        </p:txBody>
+      </p:sp>
+      <p:sp>
+        <p:nvSpPr>
+          <p:cNvPr id="52" name="TextBox 51">
+            <a:extLst>
+              <a:ext uri="{FF2B5EF4-FFF2-40B4-BE49-F238E27FC236}">
+                <a16:creationId xmlns:a16="http://schemas.microsoft.com/office/drawing/2014/main" id="{3F3E5D5A-FC86-D742-AD2E-92D073185250}"/>
+              </a:ext>
+            </a:extLst>
+          </p:cNvPr>
+          <p:cNvSpPr txBox="1"/>
+          <p:nvPr/>
+        </p:nvSpPr>
+        <p:spPr>
+          <a:xfrm>
+            <a:off x="5494055" y="1904007"/>
+            <a:ext cx="1359668" cy="369332"/>
+          </a:xfrm>
+          <a:prstGeom prst="rect">
+            <a:avLst/>
+          </a:prstGeom>
+          <a:noFill/>
+        </p:spPr>
+        <p:txBody>
+          <a:bodyPr wrap="none" rtlCol="0">
+            <a:spAutoFit/>
+          </a:bodyPr>
+          <a:lstStyle/>
+          <a:p>
+            <a:pPr algn="ctr"/>
+            <a:r>
+              <a:rPr lang="en-US" b="1" dirty="0">
+                <a:solidFill>
+                  <a:schemeClr val="bg1"/>
+                </a:solidFill>
+                <a:latin typeface="Yu Gothic" panose="020B0400000000000000" pitchFamily="34" charset="-128"/>
+                <a:ea typeface="Yu Gothic" panose="020B0400000000000000" pitchFamily="34" charset="-128"/>
+              </a:rPr>
+              <a:t>ARP Reply</a:t>
+            </a:r>
+          </a:p>
+        </p:txBody>
+      </p:sp>
+      <p:cxnSp>
+        <p:nvCxnSpPr>
+          <p:cNvPr id="53" name="Straight Connector 52">
+            <a:extLst>
+              <a:ext uri="{FF2B5EF4-FFF2-40B4-BE49-F238E27FC236}">
+                <a16:creationId xmlns:a16="http://schemas.microsoft.com/office/drawing/2014/main" id="{4614E459-0195-9445-8606-40127465661C}"/>
+              </a:ext>
+            </a:extLst>
+          </p:cNvPr>
+          <p:cNvCxnSpPr>
+            <a:cxnSpLocks/>
+          </p:cNvCxnSpPr>
+          <p:nvPr/>
+        </p:nvCxnSpPr>
+        <p:spPr>
+          <a:xfrm flipV="1">
+            <a:off x="7079157" y="1022909"/>
+            <a:ext cx="3276658" cy="881100"/>
+          </a:xfrm>
+          <a:prstGeom prst="line">
+            <a:avLst/>
+          </a:prstGeom>
+          <a:ln w="38100">
+            <a:solidFill>
+              <a:schemeClr val="tx1"/>
+            </a:solidFill>
+            <a:prstDash val="dash"/>
+          </a:ln>
+        </p:spPr>
+        <p:style>
+          <a:lnRef idx="1">
+            <a:schemeClr val="accent1"/>
+          </a:lnRef>
+          <a:fillRef idx="0">
+            <a:schemeClr val="accent1"/>
+          </a:fillRef>
+          <a:effectRef idx="0">
+            <a:schemeClr val="accent1"/>
+          </a:effectRef>
+          <a:fontRef idx="minor">
+            <a:schemeClr val="tx1"/>
+          </a:fontRef>
+        </p:style>
+      </p:cxnSp>
+      <p:cxnSp>
+        <p:nvCxnSpPr>
+          <p:cNvPr id="54" name="Straight Connector 53">
+            <a:extLst>
+              <a:ext uri="{FF2B5EF4-FFF2-40B4-BE49-F238E27FC236}">
+                <a16:creationId xmlns:a16="http://schemas.microsoft.com/office/drawing/2014/main" id="{A891F92F-3C0D-DD46-9220-67DC1E9678FB}"/>
+              </a:ext>
+            </a:extLst>
+          </p:cNvPr>
+          <p:cNvCxnSpPr>
+            <a:cxnSpLocks/>
+          </p:cNvCxnSpPr>
+          <p:nvPr/>
+        </p:nvCxnSpPr>
+        <p:spPr>
+          <a:xfrm flipH="1" flipV="1">
+            <a:off x="1569027" y="1022909"/>
+            <a:ext cx="3695245" cy="881098"/>
+          </a:xfrm>
+          <a:prstGeom prst="line">
+            <a:avLst/>
+          </a:prstGeom>
+          <a:ln w="38100">
+            <a:solidFill>
+              <a:schemeClr val="tx1"/>
+            </a:solidFill>
+            <a:prstDash val="dash"/>
+          </a:ln>
+        </p:spPr>
+        <p:style>
+          <a:lnRef idx="1">
+            <a:schemeClr val="accent1"/>
+          </a:lnRef>
+          <a:fillRef idx="0">
+            <a:schemeClr val="accent1"/>
+          </a:fillRef>
+          <a:effectRef idx="0">
+            <a:schemeClr val="accent1"/>
+          </a:effectRef>
+          <a:fontRef idx="minor">
+            <a:schemeClr val="tx1"/>
+          </a:fontRef>
+        </p:style>
+      </p:cxnSp>
+      <p:sp>
+        <p:nvSpPr>
+          <p:cNvPr id="55" name="TextBox 54">
+            <a:extLst>
+              <a:ext uri="{FF2B5EF4-FFF2-40B4-BE49-F238E27FC236}">
+                <a16:creationId xmlns:a16="http://schemas.microsoft.com/office/drawing/2014/main" id="{A75C3455-29F9-6A4C-9FEA-70A995914DE6}"/>
+              </a:ext>
+            </a:extLst>
+          </p:cNvPr>
+          <p:cNvSpPr txBox="1"/>
+          <p:nvPr/>
+        </p:nvSpPr>
+        <p:spPr>
+          <a:xfrm>
+            <a:off x="417134" y="4320315"/>
+            <a:ext cx="2515432" cy="400110"/>
+          </a:xfrm>
+          <a:prstGeom prst="rect">
+            <a:avLst/>
+          </a:prstGeom>
+          <a:noFill/>
+        </p:spPr>
+        <p:txBody>
+          <a:bodyPr wrap="none" rtlCol="0">
+            <a:spAutoFit/>
+          </a:bodyPr>
+          <a:lstStyle/>
+          <a:p>
+            <a:r>
+              <a:rPr lang="en-US" sz="2000" b="1" dirty="0">
+                <a:solidFill>
+                  <a:schemeClr val="accent3"/>
+                </a:solidFill>
+                <a:latin typeface="Yu Gothic" panose="020B0400000000000000" pitchFamily="34" charset="-128"/>
+                <a:ea typeface="Yu Gothic" panose="020B0400000000000000" pitchFamily="34" charset="-128"/>
+              </a:rPr>
+              <a:t>ARP Reply</a:t>
+            </a:r>
+            <a:r>
+              <a:rPr lang="ja-JP" altLang="en-US" sz="2000" b="1">
+                <a:solidFill>
+                  <a:schemeClr val="accent3"/>
+                </a:solidFill>
+                <a:latin typeface="Yu Gothic" panose="020B0400000000000000" pitchFamily="34" charset="-128"/>
+                <a:ea typeface="Yu Gothic" panose="020B0400000000000000" pitchFamily="34" charset="-128"/>
+              </a:rPr>
+              <a:t>の送信元</a:t>
+            </a:r>
+            <a:endParaRPr lang="en-US" sz="2000" b="1" dirty="0">
+              <a:solidFill>
+                <a:schemeClr val="accent3"/>
+              </a:solidFill>
+              <a:latin typeface="Yu Gothic" panose="020B0400000000000000" pitchFamily="34" charset="-128"/>
+              <a:ea typeface="Yu Gothic" panose="020B0400000000000000" pitchFamily="34" charset="-128"/>
+            </a:endParaRPr>
+          </a:p>
+        </p:txBody>
+      </p:sp>
+      <p:sp>
+        <p:nvSpPr>
+          <p:cNvPr id="56" name="TextBox 55">
+            <a:extLst>
+              <a:ext uri="{FF2B5EF4-FFF2-40B4-BE49-F238E27FC236}">
+                <a16:creationId xmlns:a16="http://schemas.microsoft.com/office/drawing/2014/main" id="{37FBD98A-92CA-4B4C-AD2D-F75B14B8D1CA}"/>
+              </a:ext>
+            </a:extLst>
+          </p:cNvPr>
+          <p:cNvSpPr txBox="1"/>
+          <p:nvPr/>
+        </p:nvSpPr>
+        <p:spPr>
+          <a:xfrm>
+            <a:off x="401425" y="2633613"/>
+            <a:ext cx="2771913" cy="400110"/>
+          </a:xfrm>
+          <a:prstGeom prst="rect">
+            <a:avLst/>
+          </a:prstGeom>
+          <a:noFill/>
+        </p:spPr>
+        <p:txBody>
+          <a:bodyPr wrap="none" rtlCol="0">
+            <a:spAutoFit/>
+          </a:bodyPr>
+          <a:lstStyle/>
+          <a:p>
+            <a:r>
+              <a:rPr lang="en-US" sz="2000" b="1" dirty="0">
+                <a:solidFill>
+                  <a:schemeClr val="accent3"/>
+                </a:solidFill>
+                <a:latin typeface="Yu Gothic" panose="020B0400000000000000" pitchFamily="34" charset="-128"/>
+                <a:ea typeface="Yu Gothic" panose="020B0400000000000000" pitchFamily="34" charset="-128"/>
+              </a:rPr>
+              <a:t>ARP Reply</a:t>
+            </a:r>
+            <a:r>
+              <a:rPr lang="ja-JP" altLang="en-US" sz="2000" b="1">
+                <a:solidFill>
+                  <a:schemeClr val="accent3"/>
+                </a:solidFill>
+                <a:latin typeface="Yu Gothic" panose="020B0400000000000000" pitchFamily="34" charset="-128"/>
+                <a:ea typeface="Yu Gothic" panose="020B0400000000000000" pitchFamily="34" charset="-128"/>
+              </a:rPr>
+              <a:t>を受け取る</a:t>
+            </a:r>
+            <a:endParaRPr lang="en-US" sz="2000" b="1" dirty="0">
+              <a:solidFill>
+                <a:schemeClr val="accent3"/>
+              </a:solidFill>
+              <a:latin typeface="Yu Gothic" panose="020B0400000000000000" pitchFamily="34" charset="-128"/>
+              <a:ea typeface="Yu Gothic" panose="020B0400000000000000" pitchFamily="34" charset="-128"/>
+            </a:endParaRPr>
+          </a:p>
+        </p:txBody>
+      </p:sp>
+      <p:sp>
+        <p:nvSpPr>
+          <p:cNvPr id="57" name="TextBox 56">
+            <a:extLst>
+              <a:ext uri="{FF2B5EF4-FFF2-40B4-BE49-F238E27FC236}">
+                <a16:creationId xmlns:a16="http://schemas.microsoft.com/office/drawing/2014/main" id="{A9E5D613-89A5-D843-BFA0-4627254DDA24}"/>
+              </a:ext>
+            </a:extLst>
+          </p:cNvPr>
+          <p:cNvSpPr txBox="1"/>
+          <p:nvPr/>
+        </p:nvSpPr>
+        <p:spPr>
+          <a:xfrm>
+            <a:off x="392141" y="6027050"/>
+            <a:ext cx="2771913" cy="400110"/>
+          </a:xfrm>
+          <a:prstGeom prst="rect">
+            <a:avLst/>
+          </a:prstGeom>
+          <a:noFill/>
+        </p:spPr>
+        <p:txBody>
+          <a:bodyPr wrap="none" rtlCol="0">
+            <a:spAutoFit/>
+          </a:bodyPr>
+          <a:lstStyle/>
+          <a:p>
+            <a:r>
+              <a:rPr lang="en-US" sz="2000" b="1" dirty="0">
+                <a:solidFill>
+                  <a:schemeClr val="accent3"/>
+                </a:solidFill>
+                <a:latin typeface="Yu Gothic" panose="020B0400000000000000" pitchFamily="34" charset="-128"/>
+                <a:ea typeface="Yu Gothic" panose="020B0400000000000000" pitchFamily="34" charset="-128"/>
+              </a:rPr>
+              <a:t>ARP Reply</a:t>
+            </a:r>
+            <a:r>
+              <a:rPr lang="ja-JP" altLang="en-US" sz="2000" b="1">
+                <a:solidFill>
+                  <a:schemeClr val="accent3"/>
+                </a:solidFill>
+                <a:latin typeface="Yu Gothic" panose="020B0400000000000000" pitchFamily="34" charset="-128"/>
+                <a:ea typeface="Yu Gothic" panose="020B0400000000000000" pitchFamily="34" charset="-128"/>
+              </a:rPr>
+              <a:t>は届かない</a:t>
+            </a:r>
+            <a:endParaRPr lang="en-US" sz="2000" b="1" dirty="0">
+              <a:solidFill>
+                <a:schemeClr val="accent3"/>
+              </a:solidFill>
+              <a:latin typeface="Yu Gothic" panose="020B0400000000000000" pitchFamily="34" charset="-128"/>
+              <a:ea typeface="Yu Gothic" panose="020B0400000000000000" pitchFamily="34" charset="-128"/>
+            </a:endParaRPr>
+          </a:p>
+        </p:txBody>
+      </p:sp>
+    </p:spTree>
+    <p:extLst>
+      <p:ext uri="{BB962C8B-B14F-4D97-AF65-F5344CB8AC3E}">
+        <p14:creationId xmlns:p14="http://schemas.microsoft.com/office/powerpoint/2010/main" val="3680136024"/>
+      </p:ext>
+    </p:extLst>
+  </p:cSld>
+  <p:clrMapOvr>
+    <a:masterClrMapping/>
+  </p:clrMapOvr>
+</p:sld>
+</file>
+
+<file path=ppt/slides/slide13.xml><?xml version="1.0" encoding="utf-8"?>
+<p:sld xmlns:a="http://schemas.openxmlformats.org/drawingml/2006/main" xmlns:r="http://schemas.openxmlformats.org/officeDocument/2006/relationships" xmlns:p="http://schemas.openxmlformats.org/presentationml/2006/main">
+  <p:cSld>
+    <p:spTree>
+      <p:nvGrpSpPr>
+        <p:cNvPr id="1" name=""/>
+        <p:cNvGrpSpPr/>
+        <p:nvPr/>
+      </p:nvGrpSpPr>
+      <p:grpSpPr>
+        <a:xfrm>
+          <a:off x="0" y="0"/>
+          <a:ext cx="0" cy="0"/>
+          <a:chOff x="0" y="0"/>
+          <a:chExt cx="0" cy="0"/>
+        </a:xfrm>
+      </p:grpSpPr>
+      <p:sp>
+        <p:nvSpPr>
+          <p:cNvPr id="2" name="Title 1">
+            <a:extLst>
+              <a:ext uri="{FF2B5EF4-FFF2-40B4-BE49-F238E27FC236}">
+                <a16:creationId xmlns:a16="http://schemas.microsoft.com/office/drawing/2014/main" id="{17EF528B-430C-684E-8F31-7DD0B837B733}"/>
+              </a:ext>
+            </a:extLst>
+          </p:cNvPr>
+          <p:cNvSpPr>
+            <a:spLocks noGrp="1"/>
+          </p:cNvSpPr>
+          <p:nvPr>
+            <p:ph type="title"/>
+          </p:nvPr>
+        </p:nvSpPr>
+        <p:spPr/>
+        <p:txBody>
+          <a:bodyPr/>
+          <a:lstStyle/>
+          <a:p>
+            <a:endParaRPr lang="en-US"/>
+          </a:p>
+        </p:txBody>
+      </p:sp>
+      <p:sp>
+        <p:nvSpPr>
+          <p:cNvPr id="3" name="Content Placeholder 2">
+            <a:extLst>
+              <a:ext uri="{FF2B5EF4-FFF2-40B4-BE49-F238E27FC236}">
+                <a16:creationId xmlns:a16="http://schemas.microsoft.com/office/drawing/2014/main" id="{8E264F0B-607D-DF49-A50A-8921AA29D0A5}"/>
+              </a:ext>
+            </a:extLst>
+          </p:cNvPr>
+          <p:cNvSpPr>
+            <a:spLocks noGrp="1"/>
+          </p:cNvSpPr>
+          <p:nvPr>
+            <p:ph idx="1"/>
+          </p:nvPr>
+        </p:nvSpPr>
+        <p:spPr/>
+        <p:txBody>
+          <a:bodyPr/>
+          <a:lstStyle/>
+          <a:p>
+            <a:endParaRPr lang="en-US"/>
+          </a:p>
+        </p:txBody>
+      </p:sp>
+    </p:spTree>
+    <p:extLst>
+      <p:ext uri="{BB962C8B-B14F-4D97-AF65-F5344CB8AC3E}">
+        <p14:creationId xmlns:p14="http://schemas.microsoft.com/office/powerpoint/2010/main" val="3684759717"/>
+      </p:ext>
+    </p:extLst>
+  </p:cSld>
+  <p:clrMapOvr>
+    <a:masterClrMapping/>
+  </p:clrMapOvr>
+</p:sld>
+</file>
+
+<file path=ppt/slides/slide14.xml><?xml version="1.0" encoding="utf-8"?>
+<p:sld xmlns:a="http://schemas.openxmlformats.org/drawingml/2006/main" xmlns:r="http://schemas.openxmlformats.org/officeDocument/2006/relationships" xmlns:p="http://schemas.openxmlformats.org/presentationml/2006/main">
+  <p:cSld>
+    <p:spTree>
+      <p:nvGrpSpPr>
+        <p:cNvPr id="1" name=""/>
+        <p:cNvGrpSpPr/>
+        <p:nvPr/>
+      </p:nvGrpSpPr>
+      <p:grpSpPr>
+        <a:xfrm>
+          <a:off x="0" y="0"/>
+          <a:ext cx="0" cy="0"/>
+          <a:chOff x="0" y="0"/>
+          <a:chExt cx="0" cy="0"/>
+        </a:xfrm>
+      </p:grpSpPr>
       <p:sp>
         <p:nvSpPr>
           <p:cNvPr id="17" name="Rounded Rectangle 16">
@@ -6121,7 +12144,7 @@
 </p:sld>
 </file>
 
-<file path=ppt/slides/slide11.xml><?xml version="1.0" encoding="utf-8"?>
+<file path=ppt/slides/slide15.xml><?xml version="1.0" encoding="utf-8"?>
 <p:sld xmlns:a="http://schemas.openxmlformats.org/drawingml/2006/main" xmlns:r="http://schemas.openxmlformats.org/officeDocument/2006/relationships" xmlns:p="http://schemas.openxmlformats.org/presentationml/2006/main">
   <p:cSld>
     <p:spTree>
@@ -7638,7 +13661,7 @@
 </p:sld>
 </file>
 
-<file path=ppt/slides/slide12.xml><?xml version="1.0" encoding="utf-8"?>
+<file path=ppt/slides/slide16.xml><?xml version="1.0" encoding="utf-8"?>
 <p:sld xmlns:a="http://schemas.openxmlformats.org/drawingml/2006/main" xmlns:r="http://schemas.openxmlformats.org/officeDocument/2006/relationships" xmlns:p="http://schemas.openxmlformats.org/presentationml/2006/main">
   <p:cSld>
     <p:spTree>
@@ -24943,13 +30966,13 @@
         </p:nvSpPr>
         <p:spPr>
           <a:xfrm>
-            <a:off x="8223379" y="285131"/>
-            <a:ext cx="3342723" cy="2348944"/>
+            <a:off x="7824355" y="285131"/>
+            <a:ext cx="3741747" cy="2348944"/>
           </a:xfrm>
           <a:prstGeom prst="wedgeRectCallout">
             <a:avLst>
-              <a:gd name="adj1" fmla="val -68957"/>
-              <a:gd name="adj2" fmla="val 50207"/>
+              <a:gd name="adj1" fmla="val -59515"/>
+              <a:gd name="adj2" fmla="val 48438"/>
             </a:avLst>
           </a:prstGeom>
           <a:solidFill>
@@ -25680,13 +31703,13 @@
         </p:nvSpPr>
         <p:spPr>
           <a:xfrm>
-            <a:off x="7824355" y="4312830"/>
+            <a:off x="7824355" y="4219311"/>
             <a:ext cx="3741747" cy="2348944"/>
           </a:xfrm>
           <a:prstGeom prst="wedgeRectCallout">
             <a:avLst>
-              <a:gd name="adj1" fmla="val 9912"/>
-              <a:gd name="adj2" fmla="val -89138"/>
+              <a:gd name="adj1" fmla="val 12411"/>
+              <a:gd name="adj2" fmla="val -83830"/>
             </a:avLst>
           </a:prstGeom>
           <a:solidFill>
@@ -25736,13 +31759,13 @@
           <p:nvPr>
             <p:extLst>
               <p:ext uri="{D42A27DB-BD31-4B8C-83A1-F6EECF244321}">
-                <p14:modId xmlns:p14="http://schemas.microsoft.com/office/powerpoint/2010/main" val="714671297"/>
+                <p14:modId xmlns:p14="http://schemas.microsoft.com/office/powerpoint/2010/main" val="2277918165"/>
               </p:ext>
             </p:extLst>
           </p:nvPr>
         </p:nvGraphicFramePr>
         <p:xfrm>
-          <a:off x="8349197" y="4894690"/>
+          <a:off x="8349197" y="4801171"/>
           <a:ext cx="3113630" cy="1584960"/>
         </p:xfrm>
         <a:graphic>
@@ -26376,7 +32399,7 @@
         </p:nvSpPr>
         <p:spPr>
           <a:xfrm>
-            <a:off x="8350004" y="4397806"/>
+            <a:off x="8350004" y="4304287"/>
             <a:ext cx="3145413" cy="461665"/>
           </a:xfrm>
           <a:prstGeom prst="rect">
@@ -26569,7 +32592,7 @@
           <a:prstGeom prst="line">
             <a:avLst/>
           </a:prstGeom>
-          <a:ln w="76200">
+          <a:ln w="57150">
             <a:solidFill>
               <a:schemeClr val="accent3"/>
             </a:solidFill>
@@ -26604,8 +32627,8 @@
         </p:nvSpPr>
         <p:spPr>
           <a:xfrm rot="10800000">
-            <a:off x="7439967" y="5687170"/>
-            <a:ext cx="805955" cy="395895"/>
+            <a:off x="5584356" y="5593650"/>
+            <a:ext cx="2661565" cy="395895"/>
           </a:xfrm>
           <a:prstGeom prst="leftArrow">
             <a:avLst>
@@ -26642,6 +32665,267 @@
           <a:p>
             <a:pPr algn="ctr"/>
             <a:endParaRPr lang="en-US"/>
+          </a:p>
+        </p:txBody>
+      </p:sp>
+      <p:sp>
+        <p:nvSpPr>
+          <p:cNvPr id="45" name="Left Arrow 44">
+            <a:extLst>
+              <a:ext uri="{FF2B5EF4-FFF2-40B4-BE49-F238E27FC236}">
+                <a16:creationId xmlns:a16="http://schemas.microsoft.com/office/drawing/2014/main" id="{1CF85925-200A-E748-B60C-A86E8364E26A}"/>
+              </a:ext>
+            </a:extLst>
+          </p:cNvPr>
+          <p:cNvSpPr/>
+          <p:nvPr/>
+        </p:nvSpPr>
+        <p:spPr>
+          <a:xfrm rot="10800000">
+            <a:off x="5584357" y="1672110"/>
+            <a:ext cx="2596932" cy="395895"/>
+          </a:xfrm>
+          <a:prstGeom prst="leftArrow">
+            <a:avLst>
+              <a:gd name="adj1" fmla="val 40642"/>
+              <a:gd name="adj2" fmla="val 50000"/>
+            </a:avLst>
+          </a:prstGeom>
+          <a:solidFill>
+            <a:schemeClr val="accent3"/>
+          </a:solidFill>
+          <a:ln>
+            <a:noFill/>
+          </a:ln>
+        </p:spPr>
+        <p:style>
+          <a:lnRef idx="2">
+            <a:schemeClr val="accent1">
+              <a:shade val="50000"/>
+            </a:schemeClr>
+          </a:lnRef>
+          <a:fillRef idx="1">
+            <a:schemeClr val="accent1"/>
+          </a:fillRef>
+          <a:effectRef idx="0">
+            <a:schemeClr val="accent1"/>
+          </a:effectRef>
+          <a:fontRef idx="minor">
+            <a:schemeClr val="lt1"/>
+          </a:fontRef>
+        </p:style>
+        <p:txBody>
+          <a:bodyPr rtlCol="0" anchor="ctr"/>
+          <a:lstStyle/>
+          <a:p>
+            <a:pPr algn="ctr"/>
+            <a:endParaRPr lang="en-US"/>
+          </a:p>
+        </p:txBody>
+      </p:sp>
+      <p:cxnSp>
+        <p:nvCxnSpPr>
+          <p:cNvPr id="47" name="Straight Connector 46">
+            <a:extLst>
+              <a:ext uri="{FF2B5EF4-FFF2-40B4-BE49-F238E27FC236}">
+                <a16:creationId xmlns:a16="http://schemas.microsoft.com/office/drawing/2014/main" id="{68768093-0747-7443-BAFF-C9437C19F5BC}"/>
+              </a:ext>
+            </a:extLst>
+          </p:cNvPr>
+          <p:cNvCxnSpPr>
+            <a:cxnSpLocks/>
+          </p:cNvCxnSpPr>
+          <p:nvPr/>
+        </p:nvCxnSpPr>
+        <p:spPr>
+          <a:xfrm>
+            <a:off x="8430338" y="5791598"/>
+            <a:ext cx="2926925" cy="1"/>
+          </a:xfrm>
+          <a:prstGeom prst="line">
+            <a:avLst/>
+          </a:prstGeom>
+          <a:ln w="57150">
+            <a:solidFill>
+              <a:schemeClr val="accent3"/>
+            </a:solidFill>
+          </a:ln>
+        </p:spPr>
+        <p:style>
+          <a:lnRef idx="1">
+            <a:schemeClr val="accent1"/>
+          </a:lnRef>
+          <a:fillRef idx="0">
+            <a:schemeClr val="accent1"/>
+          </a:fillRef>
+          <a:effectRef idx="0">
+            <a:schemeClr val="accent1"/>
+          </a:effectRef>
+          <a:fontRef idx="minor">
+            <a:schemeClr val="tx1"/>
+          </a:fontRef>
+        </p:style>
+      </p:cxnSp>
+      <p:sp>
+        <p:nvSpPr>
+          <p:cNvPr id="48" name="TextBox 47">
+            <a:extLst>
+              <a:ext uri="{FF2B5EF4-FFF2-40B4-BE49-F238E27FC236}">
+                <a16:creationId xmlns:a16="http://schemas.microsoft.com/office/drawing/2014/main" id="{BB25EF8D-0896-AB45-A78E-FC71E4760DA7}"/>
+              </a:ext>
+            </a:extLst>
+          </p:cNvPr>
+          <p:cNvSpPr txBox="1"/>
+          <p:nvPr/>
+        </p:nvSpPr>
+        <p:spPr>
+          <a:xfrm>
+            <a:off x="3861394" y="2132507"/>
+            <a:ext cx="800219" cy="461665"/>
+          </a:xfrm>
+          <a:prstGeom prst="rect">
+            <a:avLst/>
+          </a:prstGeom>
+          <a:noFill/>
+        </p:spPr>
+        <p:txBody>
+          <a:bodyPr wrap="none" rtlCol="0">
+            <a:spAutoFit/>
+          </a:bodyPr>
+          <a:lstStyle/>
+          <a:p>
+            <a:r>
+              <a:rPr lang="ja-JP" altLang="en-US" sz="2400" b="1">
+                <a:solidFill>
+                  <a:schemeClr val="accent3"/>
+                </a:solidFill>
+                <a:latin typeface="Yu Gothic" panose="020B0400000000000000" pitchFamily="34" charset="-128"/>
+                <a:ea typeface="Yu Gothic" panose="020B0400000000000000" pitchFamily="34" charset="-128"/>
+              </a:rPr>
+              <a:t>移動</a:t>
+            </a:r>
+            <a:endParaRPr lang="en-US" sz="2400" b="1" dirty="0">
+              <a:solidFill>
+                <a:schemeClr val="accent3"/>
+              </a:solidFill>
+              <a:latin typeface="Yu Gothic" panose="020B0400000000000000" pitchFamily="34" charset="-128"/>
+              <a:ea typeface="Yu Gothic" panose="020B0400000000000000" pitchFamily="34" charset="-128"/>
+            </a:endParaRPr>
+          </a:p>
+        </p:txBody>
+      </p:sp>
+      <p:sp>
+        <p:nvSpPr>
+          <p:cNvPr id="55" name="TextBox 54">
+            <a:extLst>
+              <a:ext uri="{FF2B5EF4-FFF2-40B4-BE49-F238E27FC236}">
+                <a16:creationId xmlns:a16="http://schemas.microsoft.com/office/drawing/2014/main" id="{3B5A4E46-7A54-3748-83B1-9DBFED740B10}"/>
+              </a:ext>
+            </a:extLst>
+          </p:cNvPr>
+          <p:cNvSpPr txBox="1"/>
+          <p:nvPr/>
+        </p:nvSpPr>
+        <p:spPr>
+          <a:xfrm>
+            <a:off x="4882794" y="1984409"/>
+            <a:ext cx="2262158" cy="369332"/>
+          </a:xfrm>
+          <a:prstGeom prst="rect">
+            <a:avLst/>
+          </a:prstGeom>
+          <a:noFill/>
+        </p:spPr>
+        <p:txBody>
+          <a:bodyPr wrap="none" rtlCol="0">
+            <a:spAutoFit/>
+          </a:bodyPr>
+          <a:lstStyle/>
+          <a:p>
+            <a:r>
+              <a:rPr lang="ja-JP" altLang="en-US" b="1">
+                <a:solidFill>
+                  <a:schemeClr val="accent3"/>
+                </a:solidFill>
+                <a:latin typeface="Yu Gothic" panose="020B0400000000000000" pitchFamily="34" charset="-128"/>
+                <a:ea typeface="Yu Gothic" panose="020B0400000000000000" pitchFamily="34" charset="-128"/>
+              </a:rPr>
+              <a:t>ポートダウンで削除</a:t>
+            </a:r>
+            <a:endParaRPr lang="en-US" b="1" dirty="0">
+              <a:solidFill>
+                <a:schemeClr val="accent3"/>
+              </a:solidFill>
+              <a:latin typeface="Yu Gothic" panose="020B0400000000000000" pitchFamily="34" charset="-128"/>
+              <a:ea typeface="Yu Gothic" panose="020B0400000000000000" pitchFamily="34" charset="-128"/>
+            </a:endParaRPr>
+          </a:p>
+        </p:txBody>
+      </p:sp>
+      <p:sp>
+        <p:nvSpPr>
+          <p:cNvPr id="57" name="TextBox 56">
+            <a:extLst>
+              <a:ext uri="{FF2B5EF4-FFF2-40B4-BE49-F238E27FC236}">
+                <a16:creationId xmlns:a16="http://schemas.microsoft.com/office/drawing/2014/main" id="{D2C676B8-4EDD-434A-AD8B-67DBBFC94108}"/>
+              </a:ext>
+            </a:extLst>
+          </p:cNvPr>
+          <p:cNvSpPr txBox="1"/>
+          <p:nvPr/>
+        </p:nvSpPr>
+        <p:spPr>
+          <a:xfrm>
+            <a:off x="5442106" y="5934060"/>
+            <a:ext cx="2262158" cy="646331"/>
+          </a:xfrm>
+          <a:prstGeom prst="rect">
+            <a:avLst/>
+          </a:prstGeom>
+          <a:noFill/>
+        </p:spPr>
+        <p:txBody>
+          <a:bodyPr wrap="none" rtlCol="0">
+            <a:spAutoFit/>
+          </a:bodyPr>
+          <a:lstStyle/>
+          <a:p>
+            <a:r>
+              <a:rPr lang="ja-JP" altLang="en-US" b="1">
+                <a:solidFill>
+                  <a:schemeClr val="accent3"/>
+                </a:solidFill>
+                <a:latin typeface="Yu Gothic" panose="020B0400000000000000" pitchFamily="34" charset="-128"/>
+                <a:ea typeface="Yu Gothic" panose="020B0400000000000000" pitchFamily="34" charset="-128"/>
+              </a:rPr>
+              <a:t>通信がこなくなり</a:t>
+            </a:r>
+            <a:endParaRPr lang="en-US" altLang="ja-JP" b="1" dirty="0">
+              <a:solidFill>
+                <a:schemeClr val="accent3"/>
+              </a:solidFill>
+              <a:latin typeface="Yu Gothic" panose="020B0400000000000000" pitchFamily="34" charset="-128"/>
+              <a:ea typeface="Yu Gothic" panose="020B0400000000000000" pitchFamily="34" charset="-128"/>
+            </a:endParaRPr>
+          </a:p>
+          <a:p>
+            <a:r>
+              <a:rPr lang="ja-JP" altLang="en-US" b="1">
+                <a:solidFill>
+                  <a:schemeClr val="accent3"/>
+                </a:solidFill>
+                <a:latin typeface="Yu Gothic" panose="020B0400000000000000" pitchFamily="34" charset="-128"/>
+                <a:ea typeface="Yu Gothic" panose="020B0400000000000000" pitchFamily="34" charset="-128"/>
+              </a:rPr>
+              <a:t>タイムアウトで削除</a:t>
+            </a:r>
+            <a:endParaRPr lang="en-US" b="1" dirty="0">
+              <a:solidFill>
+                <a:schemeClr val="accent3"/>
+              </a:solidFill>
+              <a:latin typeface="Yu Gothic" panose="020B0400000000000000" pitchFamily="34" charset="-128"/>
+              <a:ea typeface="Yu Gothic" panose="020B0400000000000000" pitchFamily="34" charset="-128"/>
+            </a:endParaRPr>
           </a:p>
         </p:txBody>
       </p:sp>

--- a/slides/0025.pptx
+++ b/slides/0025.pptx
@@ -17,10 +17,11 @@
     <p:sldId id="269" r:id="rId11"/>
     <p:sldId id="270" r:id="rId12"/>
     <p:sldId id="271" r:id="rId13"/>
-    <p:sldId id="268" r:id="rId14"/>
-    <p:sldId id="256" r:id="rId15"/>
-    <p:sldId id="259" r:id="rId16"/>
-    <p:sldId id="261" r:id="rId17"/>
+    <p:sldId id="272" r:id="rId14"/>
+    <p:sldId id="273" r:id="rId15"/>
+    <p:sldId id="268" r:id="rId16"/>
+    <p:sldId id="256" r:id="rId17"/>
+    <p:sldId id="261" r:id="rId18"/>
   </p:sldIdLst>
   <p:sldSz cx="12192000" cy="6858000"/>
   <p:notesSz cx="6858000" cy="9144000"/>
@@ -274,7 +275,7 @@
           <a:p>
             <a:fld id="{5AEC58D5-D0FD-5D43-AC21-2C9A8E377766}" type="datetimeFigureOut">
               <a:rPr lang="en-US" smtClean="0"/>
-              <a:t>5/23/18</a:t>
+              <a:t>5/25/18</a:t>
             </a:fld>
             <a:endParaRPr lang="en-US"/>
           </a:p>
@@ -472,7 +473,7 @@
           <a:p>
             <a:fld id="{5AEC58D5-D0FD-5D43-AC21-2C9A8E377766}" type="datetimeFigureOut">
               <a:rPr lang="en-US" smtClean="0"/>
-              <a:t>5/23/18</a:t>
+              <a:t>5/25/18</a:t>
             </a:fld>
             <a:endParaRPr lang="en-US"/>
           </a:p>
@@ -680,7 +681,7 @@
           <a:p>
             <a:fld id="{5AEC58D5-D0FD-5D43-AC21-2C9A8E377766}" type="datetimeFigureOut">
               <a:rPr lang="en-US" smtClean="0"/>
-              <a:t>5/23/18</a:t>
+              <a:t>5/25/18</a:t>
             </a:fld>
             <a:endParaRPr lang="en-US"/>
           </a:p>
@@ -878,7 +879,7 @@
           <a:p>
             <a:fld id="{5AEC58D5-D0FD-5D43-AC21-2C9A8E377766}" type="datetimeFigureOut">
               <a:rPr lang="en-US" smtClean="0"/>
-              <a:t>5/23/18</a:t>
+              <a:t>5/25/18</a:t>
             </a:fld>
             <a:endParaRPr lang="en-US"/>
           </a:p>
@@ -1153,7 +1154,7 @@
           <a:p>
             <a:fld id="{5AEC58D5-D0FD-5D43-AC21-2C9A8E377766}" type="datetimeFigureOut">
               <a:rPr lang="en-US" smtClean="0"/>
-              <a:t>5/23/18</a:t>
+              <a:t>5/25/18</a:t>
             </a:fld>
             <a:endParaRPr lang="en-US"/>
           </a:p>
@@ -1418,7 +1419,7 @@
           <a:p>
             <a:fld id="{5AEC58D5-D0FD-5D43-AC21-2C9A8E377766}" type="datetimeFigureOut">
               <a:rPr lang="en-US" smtClean="0"/>
-              <a:t>5/23/18</a:t>
+              <a:t>5/25/18</a:t>
             </a:fld>
             <a:endParaRPr lang="en-US"/>
           </a:p>
@@ -1830,7 +1831,7 @@
           <a:p>
             <a:fld id="{5AEC58D5-D0FD-5D43-AC21-2C9A8E377766}" type="datetimeFigureOut">
               <a:rPr lang="en-US" smtClean="0"/>
-              <a:t>5/23/18</a:t>
+              <a:t>5/25/18</a:t>
             </a:fld>
             <a:endParaRPr lang="en-US"/>
           </a:p>
@@ -1971,7 +1972,7 @@
           <a:p>
             <a:fld id="{5AEC58D5-D0FD-5D43-AC21-2C9A8E377766}" type="datetimeFigureOut">
               <a:rPr lang="en-US" smtClean="0"/>
-              <a:t>5/23/18</a:t>
+              <a:t>5/25/18</a:t>
             </a:fld>
             <a:endParaRPr lang="en-US"/>
           </a:p>
@@ -2084,7 +2085,7 @@
           <a:p>
             <a:fld id="{5AEC58D5-D0FD-5D43-AC21-2C9A8E377766}" type="datetimeFigureOut">
               <a:rPr lang="en-US" smtClean="0"/>
-              <a:t>5/23/18</a:t>
+              <a:t>5/25/18</a:t>
             </a:fld>
             <a:endParaRPr lang="en-US"/>
           </a:p>
@@ -2395,7 +2396,7 @@
           <a:p>
             <a:fld id="{5AEC58D5-D0FD-5D43-AC21-2C9A8E377766}" type="datetimeFigureOut">
               <a:rPr lang="en-US" smtClean="0"/>
-              <a:t>5/23/18</a:t>
+              <a:t>5/25/18</a:t>
             </a:fld>
             <a:endParaRPr lang="en-US"/>
           </a:p>
@@ -2683,7 +2684,7 @@
           <a:p>
             <a:fld id="{5AEC58D5-D0FD-5D43-AC21-2C9A8E377766}" type="datetimeFigureOut">
               <a:rPr lang="en-US" smtClean="0"/>
-              <a:t>5/23/18</a:t>
+              <a:t>5/25/18</a:t>
             </a:fld>
             <a:endParaRPr lang="en-US"/>
           </a:p>
@@ -2924,7 +2925,7 @@
           <a:p>
             <a:fld id="{5AEC58D5-D0FD-5D43-AC21-2C9A8E377766}" type="datetimeFigureOut">
               <a:rPr lang="en-US" smtClean="0"/>
-              <a:t>5/23/18</a:t>
+              <a:t>5/25/18</a:t>
             </a:fld>
             <a:endParaRPr lang="en-US"/>
           </a:p>
@@ -5045,7 +5046,7 @@
         </p:nvCxnSpPr>
         <p:spPr>
           <a:xfrm>
-            <a:off x="6233644" y="3295870"/>
+            <a:off x="6233644" y="2890621"/>
             <a:ext cx="2733711" cy="0"/>
           </a:xfrm>
           <a:prstGeom prst="line">
@@ -5088,7 +5089,7 @@
         </p:nvCxnSpPr>
         <p:spPr>
           <a:xfrm>
-            <a:off x="6186385" y="5564507"/>
+            <a:off x="6186385" y="5159258"/>
             <a:ext cx="2634410" cy="0"/>
           </a:xfrm>
           <a:prstGeom prst="line">
@@ -5129,7 +5130,7 @@
         </p:nvSpPr>
         <p:spPr>
           <a:xfrm>
-            <a:off x="4814343" y="3687311"/>
+            <a:off x="4814342" y="3525021"/>
             <a:ext cx="2855269" cy="707886"/>
           </a:xfrm>
           <a:prstGeom prst="rect">
@@ -5176,7 +5177,7 @@
         </p:nvSpPr>
         <p:spPr>
           <a:xfrm>
-            <a:off x="4814342" y="5933231"/>
+            <a:off x="4814342" y="5805689"/>
             <a:ext cx="2855269" cy="707886"/>
           </a:xfrm>
           <a:prstGeom prst="rect">
@@ -5223,7 +5224,7 @@
         </p:nvSpPr>
         <p:spPr>
           <a:xfrm>
-            <a:off x="6624521" y="5580332"/>
+            <a:off x="6624521" y="5175083"/>
             <a:ext cx="756938" cy="400110"/>
           </a:xfrm>
           <a:prstGeom prst="rect">
@@ -5261,7 +5262,7 @@
         </p:nvSpPr>
         <p:spPr>
           <a:xfrm>
-            <a:off x="6602246" y="3311696"/>
+            <a:off x="6602246" y="2906447"/>
             <a:ext cx="756938" cy="400110"/>
           </a:xfrm>
           <a:prstGeom prst="rect">
@@ -5299,7 +5300,7 @@
         </p:nvSpPr>
         <p:spPr>
           <a:xfrm>
-            <a:off x="7812581" y="5160850"/>
+            <a:off x="7812581" y="4755601"/>
             <a:ext cx="756938" cy="400110"/>
           </a:xfrm>
           <a:prstGeom prst="rect">
@@ -5337,7 +5338,7 @@
         </p:nvSpPr>
         <p:spPr>
           <a:xfrm>
-            <a:off x="8993052" y="4873305"/>
+            <a:off x="8993052" y="4468056"/>
             <a:ext cx="756938" cy="400110"/>
           </a:xfrm>
           <a:prstGeom prst="rect">
@@ -5389,7 +5390,7 @@
         </p:blipFill>
         <p:spPr>
           <a:xfrm>
-            <a:off x="5426546" y="2697009"/>
+            <a:off x="5426546" y="2291760"/>
             <a:ext cx="1318030" cy="1318030"/>
           </a:xfrm>
           <a:prstGeom prst="rect">
@@ -5425,7 +5426,7 @@
         </p:blipFill>
         <p:spPr>
           <a:xfrm>
-            <a:off x="5426546" y="4905492"/>
+            <a:off x="5426546" y="4500243"/>
             <a:ext cx="1318030" cy="1318030"/>
           </a:xfrm>
           <a:prstGeom prst="rect">
@@ -5447,7 +5448,7 @@
         </p:nvSpPr>
         <p:spPr>
           <a:xfrm rot="10800000">
-            <a:off x="9724536" y="1153363"/>
+            <a:off x="9724536" y="1070235"/>
             <a:ext cx="1063487" cy="526774"/>
           </a:xfrm>
           <a:prstGeom prst="leftArrow">
@@ -5499,8 +5500,168 @@
         </p:nvSpPr>
         <p:spPr>
           <a:xfrm>
-            <a:off x="8161753" y="1070149"/>
+            <a:off x="8161753" y="987021"/>
             <a:ext cx="1972267" cy="695739"/>
+          </a:xfrm>
+          <a:prstGeom prst="rect">
+            <a:avLst/>
+          </a:prstGeom>
+          <a:solidFill>
+            <a:schemeClr val="accent3"/>
+          </a:solidFill>
+          <a:ln w="38100">
+            <a:solidFill>
+              <a:schemeClr val="bg1"/>
+            </a:solidFill>
+          </a:ln>
+        </p:spPr>
+        <p:style>
+          <a:lnRef idx="2">
+            <a:schemeClr val="accent1">
+              <a:shade val="50000"/>
+            </a:schemeClr>
+          </a:lnRef>
+          <a:fillRef idx="1">
+            <a:schemeClr val="accent1"/>
+          </a:fillRef>
+          <a:effectRef idx="0">
+            <a:schemeClr val="accent1"/>
+          </a:effectRef>
+          <a:fontRef idx="minor">
+            <a:schemeClr val="lt1"/>
+          </a:fontRef>
+        </p:style>
+        <p:txBody>
+          <a:bodyPr rtlCol="0" anchor="ctr"/>
+          <a:lstStyle/>
+          <a:p>
+            <a:pPr algn="ctr"/>
+            <a:endParaRPr lang="en-US"/>
+          </a:p>
+        </p:txBody>
+      </p:sp>
+      <p:sp>
+        <p:nvSpPr>
+          <p:cNvPr id="29" name="Rectangle 28">
+            <a:extLst>
+              <a:ext uri="{FF2B5EF4-FFF2-40B4-BE49-F238E27FC236}">
+                <a16:creationId xmlns:a16="http://schemas.microsoft.com/office/drawing/2014/main" id="{D9CA09D0-451E-F147-A44E-288483F9404E}"/>
+              </a:ext>
+            </a:extLst>
+          </p:cNvPr>
+          <p:cNvSpPr/>
+          <p:nvPr/>
+        </p:nvSpPr>
+        <p:spPr>
+          <a:xfrm>
+            <a:off x="1468160" y="989358"/>
+            <a:ext cx="1720550" cy="695739"/>
+          </a:xfrm>
+          <a:prstGeom prst="rect">
+            <a:avLst/>
+          </a:prstGeom>
+          <a:solidFill>
+            <a:schemeClr val="bg2"/>
+          </a:solidFill>
+          <a:ln w="38100">
+            <a:solidFill>
+              <a:schemeClr val="bg1"/>
+            </a:solidFill>
+          </a:ln>
+        </p:spPr>
+        <p:style>
+          <a:lnRef idx="2">
+            <a:schemeClr val="accent1">
+              <a:shade val="50000"/>
+            </a:schemeClr>
+          </a:lnRef>
+          <a:fillRef idx="1">
+            <a:schemeClr val="accent1"/>
+          </a:fillRef>
+          <a:effectRef idx="0">
+            <a:schemeClr val="accent1"/>
+          </a:effectRef>
+          <a:fontRef idx="minor">
+            <a:schemeClr val="lt1"/>
+          </a:fontRef>
+        </p:style>
+        <p:txBody>
+          <a:bodyPr rtlCol="0" anchor="ctr"/>
+          <a:lstStyle/>
+          <a:p>
+            <a:pPr algn="ctr"/>
+            <a:endParaRPr lang="en-US"/>
+          </a:p>
+        </p:txBody>
+      </p:sp>
+      <p:sp>
+        <p:nvSpPr>
+          <p:cNvPr id="31" name="TextBox 30">
+            <a:extLst>
+              <a:ext uri="{FF2B5EF4-FFF2-40B4-BE49-F238E27FC236}">
+                <a16:creationId xmlns:a16="http://schemas.microsoft.com/office/drawing/2014/main" id="{D0822A6B-2B8B-8342-BEDB-3A5113DF2A33}"/>
+              </a:ext>
+            </a:extLst>
+          </p:cNvPr>
+          <p:cNvSpPr txBox="1"/>
+          <p:nvPr/>
+        </p:nvSpPr>
+        <p:spPr>
+          <a:xfrm>
+            <a:off x="8579910" y="1016096"/>
+            <a:ext cx="1189749" cy="369332"/>
+          </a:xfrm>
+          <a:prstGeom prst="rect">
+            <a:avLst/>
+          </a:prstGeom>
+          <a:noFill/>
+        </p:spPr>
+        <p:txBody>
+          <a:bodyPr wrap="none" rtlCol="0">
+            <a:spAutoFit/>
+          </a:bodyPr>
+          <a:lstStyle/>
+          <a:p>
+            <a:pPr algn="ctr"/>
+            <a:r>
+              <a:rPr lang="ja-JP" altLang="en-US" b="1">
+                <a:solidFill>
+                  <a:schemeClr val="bg1"/>
+                </a:solidFill>
+                <a:latin typeface="Yu Gothic" panose="020B0400000000000000" pitchFamily="34" charset="-128"/>
+                <a:ea typeface="Yu Gothic" panose="020B0400000000000000" pitchFamily="34" charset="-128"/>
+              </a:rPr>
+              <a:t>宛先</a:t>
+            </a:r>
+            <a:r>
+              <a:rPr lang="en-US" b="1" dirty="0">
+                <a:solidFill>
+                  <a:schemeClr val="bg1"/>
+                </a:solidFill>
+                <a:latin typeface="Yu Gothic" panose="020B0400000000000000" pitchFamily="34" charset="-128"/>
+                <a:ea typeface="Yu Gothic" panose="020B0400000000000000" pitchFamily="34" charset="-128"/>
+              </a:rPr>
+              <a:t>MAC</a:t>
+            </a:r>
+          </a:p>
+        </p:txBody>
+      </p:sp>
+      <p:sp>
+        <p:nvSpPr>
+          <p:cNvPr id="32" name="Rectangle 31">
+            <a:extLst>
+              <a:ext uri="{FF2B5EF4-FFF2-40B4-BE49-F238E27FC236}">
+                <a16:creationId xmlns:a16="http://schemas.microsoft.com/office/drawing/2014/main" id="{CE1B3C14-0119-1B4C-8BD9-3F291668E22C}"/>
+              </a:ext>
+            </a:extLst>
+          </p:cNvPr>
+          <p:cNvSpPr/>
+          <p:nvPr/>
+        </p:nvSpPr>
+        <p:spPr>
+          <a:xfrm>
+            <a:off x="6218693" y="983278"/>
+            <a:ext cx="1942970" cy="695739"/>
           </a:xfrm>
           <a:prstGeom prst="rect">
             <a:avLst/>
@@ -5541,31 +5702,174 @@
       </p:sp>
       <p:sp>
         <p:nvSpPr>
-          <p:cNvPr id="29" name="Rectangle 28">
-            <a:extLst>
-              <a:ext uri="{FF2B5EF4-FFF2-40B4-BE49-F238E27FC236}">
-                <a16:creationId xmlns:a16="http://schemas.microsoft.com/office/drawing/2014/main" id="{D9CA09D0-451E-F147-A44E-288483F9404E}"/>
-              </a:ext>
-            </a:extLst>
-          </p:cNvPr>
-          <p:cNvSpPr/>
-          <p:nvPr/>
-        </p:nvSpPr>
-        <p:spPr>
-          <a:xfrm>
-            <a:off x="1468160" y="1072486"/>
-            <a:ext cx="1720550" cy="695739"/>
-          </a:xfrm>
-          <a:prstGeom prst="rect">
-            <a:avLst/>
-          </a:prstGeom>
-          <a:solidFill>
-            <a:schemeClr val="bg2"/>
-          </a:solidFill>
+          <p:cNvPr id="33" name="TextBox 32">
+            <a:extLst>
+              <a:ext uri="{FF2B5EF4-FFF2-40B4-BE49-F238E27FC236}">
+                <a16:creationId xmlns:a16="http://schemas.microsoft.com/office/drawing/2014/main" id="{6535A9B9-41D7-2847-9536-5447E1979CB9}"/>
+              </a:ext>
+            </a:extLst>
+          </p:cNvPr>
+          <p:cNvSpPr txBox="1"/>
+          <p:nvPr/>
+        </p:nvSpPr>
+        <p:spPr>
+          <a:xfrm>
+            <a:off x="6479887" y="1008318"/>
+            <a:ext cx="1420581" cy="369332"/>
+          </a:xfrm>
+          <a:prstGeom prst="rect">
+            <a:avLst/>
+          </a:prstGeom>
+          <a:noFill/>
+        </p:spPr>
+        <p:txBody>
+          <a:bodyPr wrap="none" rtlCol="0">
+            <a:spAutoFit/>
+          </a:bodyPr>
+          <a:lstStyle/>
+          <a:p>
+            <a:pPr algn="ctr"/>
+            <a:r>
+              <a:rPr lang="ja-JP" altLang="en-US" b="1">
+                <a:solidFill>
+                  <a:schemeClr val="bg1"/>
+                </a:solidFill>
+                <a:latin typeface="Yu Gothic" panose="020B0400000000000000" pitchFamily="34" charset="-128"/>
+                <a:ea typeface="Yu Gothic" panose="020B0400000000000000" pitchFamily="34" charset="-128"/>
+              </a:rPr>
+              <a:t>送信元</a:t>
+            </a:r>
+            <a:r>
+              <a:rPr lang="en-US" b="1" dirty="0">
+                <a:solidFill>
+                  <a:schemeClr val="bg1"/>
+                </a:solidFill>
+                <a:latin typeface="Yu Gothic" panose="020B0400000000000000" pitchFamily="34" charset="-128"/>
+                <a:ea typeface="Yu Gothic" panose="020B0400000000000000" pitchFamily="34" charset="-128"/>
+              </a:rPr>
+              <a:t>MAC</a:t>
+            </a:r>
+          </a:p>
+        </p:txBody>
+      </p:sp>
+      <p:sp>
+        <p:nvSpPr>
+          <p:cNvPr id="36" name="TextBox 35">
+            <a:extLst>
+              <a:ext uri="{FF2B5EF4-FFF2-40B4-BE49-F238E27FC236}">
+                <a16:creationId xmlns:a16="http://schemas.microsoft.com/office/drawing/2014/main" id="{A92EF017-8DD1-BA43-8F84-F36BDD3D92FF}"/>
+              </a:ext>
+            </a:extLst>
+          </p:cNvPr>
+          <p:cNvSpPr txBox="1"/>
+          <p:nvPr/>
+        </p:nvSpPr>
+        <p:spPr>
+          <a:xfrm>
+            <a:off x="1542322" y="1054437"/>
+            <a:ext cx="1611339" cy="369332"/>
+          </a:xfrm>
+          <a:prstGeom prst="rect">
+            <a:avLst/>
+          </a:prstGeom>
+          <a:noFill/>
+        </p:spPr>
+        <p:txBody>
+          <a:bodyPr wrap="none" rtlCol="0">
+            <a:spAutoFit/>
+          </a:bodyPr>
+          <a:lstStyle/>
+          <a:p>
+            <a:pPr algn="ctr"/>
+            <a:r>
+              <a:rPr lang="en-US" altLang="ja-JP" b="1" dirty="0">
+                <a:latin typeface="Yu Gothic" panose="020B0400000000000000" pitchFamily="34" charset="-128"/>
+                <a:ea typeface="Yu Gothic" panose="020B0400000000000000" pitchFamily="34" charset="-128"/>
+              </a:rPr>
+              <a:t>Ping</a:t>
+            </a:r>
+            <a:r>
+              <a:rPr lang="ja-JP" altLang="en-US" b="1">
+                <a:latin typeface="Yu Gothic" panose="020B0400000000000000" pitchFamily="34" charset="-128"/>
+                <a:ea typeface="Yu Gothic" panose="020B0400000000000000" pitchFamily="34" charset="-128"/>
+              </a:rPr>
+              <a:t>のデータ</a:t>
+            </a:r>
+            <a:endParaRPr lang="en-US" altLang="ja-JP" b="1" dirty="0">
+              <a:latin typeface="Yu Gothic" panose="020B0400000000000000" pitchFamily="34" charset="-128"/>
+              <a:ea typeface="Yu Gothic" panose="020B0400000000000000" pitchFamily="34" charset="-128"/>
+            </a:endParaRPr>
+          </a:p>
+        </p:txBody>
+      </p:sp>
+      <p:cxnSp>
+        <p:nvCxnSpPr>
+          <p:cNvPr id="25" name="Straight Connector 24">
+            <a:extLst>
+              <a:ext uri="{FF2B5EF4-FFF2-40B4-BE49-F238E27FC236}">
+                <a16:creationId xmlns:a16="http://schemas.microsoft.com/office/drawing/2014/main" id="{5C78533E-A5ED-7747-B02C-94A90BEC1EDE}"/>
+              </a:ext>
+            </a:extLst>
+          </p:cNvPr>
+          <p:cNvCxnSpPr>
+            <a:cxnSpLocks/>
+          </p:cNvCxnSpPr>
+          <p:nvPr/>
+        </p:nvCxnSpPr>
+        <p:spPr>
+          <a:xfrm flipV="1">
+            <a:off x="8967355" y="2890622"/>
+            <a:ext cx="0" cy="2190530"/>
+          </a:xfrm>
+          <a:prstGeom prst="line">
+            <a:avLst/>
+          </a:prstGeom>
           <a:ln w="38100">
             <a:solidFill>
-              <a:schemeClr val="bg1"/>
+              <a:schemeClr val="tx1"/>
             </a:solidFill>
+          </a:ln>
+        </p:spPr>
+        <p:style>
+          <a:lnRef idx="1">
+            <a:schemeClr val="accent1"/>
+          </a:lnRef>
+          <a:fillRef idx="0">
+            <a:schemeClr val="accent1"/>
+          </a:fillRef>
+          <a:effectRef idx="0">
+            <a:schemeClr val="accent1"/>
+          </a:effectRef>
+          <a:fontRef idx="minor">
+            <a:schemeClr val="tx1"/>
+          </a:fontRef>
+        </p:style>
+      </p:cxnSp>
+      <p:sp>
+        <p:nvSpPr>
+          <p:cNvPr id="39" name="Left Arrow 38">
+            <a:extLst>
+              <a:ext uri="{FF2B5EF4-FFF2-40B4-BE49-F238E27FC236}">
+                <a16:creationId xmlns:a16="http://schemas.microsoft.com/office/drawing/2014/main" id="{9DC59B6D-4BB6-AD4E-AB89-0A714BF230C7}"/>
+              </a:ext>
+            </a:extLst>
+          </p:cNvPr>
+          <p:cNvSpPr/>
+          <p:nvPr/>
+        </p:nvSpPr>
+        <p:spPr>
+          <a:xfrm rot="10800000">
+            <a:off x="8027644" y="2424900"/>
+            <a:ext cx="578920" cy="310586"/>
+          </a:xfrm>
+          <a:prstGeom prst="leftArrow">
+            <a:avLst/>
+          </a:prstGeom>
+          <a:solidFill>
+            <a:schemeClr val="tx1"/>
+          </a:solidFill>
+          <a:ln>
+            <a:noFill/>
           </a:ln>
         </p:spPr>
         <p:style>
@@ -5595,62 +5899,10 @@
       </p:sp>
       <p:sp>
         <p:nvSpPr>
-          <p:cNvPr id="31" name="TextBox 30">
-            <a:extLst>
-              <a:ext uri="{FF2B5EF4-FFF2-40B4-BE49-F238E27FC236}">
-                <a16:creationId xmlns:a16="http://schemas.microsoft.com/office/drawing/2014/main" id="{D0822A6B-2B8B-8342-BEDB-3A5113DF2A33}"/>
-              </a:ext>
-            </a:extLst>
-          </p:cNvPr>
-          <p:cNvSpPr txBox="1"/>
-          <p:nvPr/>
-        </p:nvSpPr>
-        <p:spPr>
-          <a:xfrm>
-            <a:off x="8579910" y="1099224"/>
-            <a:ext cx="1189749" cy="369332"/>
-          </a:xfrm>
-          <a:prstGeom prst="rect">
-            <a:avLst/>
-          </a:prstGeom>
-          <a:noFill/>
-        </p:spPr>
-        <p:txBody>
-          <a:bodyPr wrap="none" rtlCol="0">
-            <a:spAutoFit/>
-          </a:bodyPr>
-          <a:lstStyle/>
-          <a:p>
-            <a:pPr algn="ctr"/>
-            <a:r>
-              <a:rPr lang="ja-JP" altLang="en-US" b="1">
-                <a:solidFill>
-                  <a:schemeClr val="bg1"/>
-                </a:solidFill>
-                <a:latin typeface="Yu Gothic" panose="020B0400000000000000" pitchFamily="34" charset="-128"/>
-                <a:ea typeface="Yu Gothic" panose="020B0400000000000000" pitchFamily="34" charset="-128"/>
-              </a:rPr>
-              <a:t>宛先</a:t>
-            </a:r>
-            <a:r>
-              <a:rPr lang="en-US" b="1" dirty="0">
-                <a:solidFill>
-                  <a:schemeClr val="bg1"/>
-                </a:solidFill>
-                <a:latin typeface="Yu Gothic" panose="020B0400000000000000" pitchFamily="34" charset="-128"/>
-                <a:ea typeface="Yu Gothic" panose="020B0400000000000000" pitchFamily="34" charset="-128"/>
-              </a:rPr>
-              <a:t>MAC</a:t>
-            </a:r>
-          </a:p>
-        </p:txBody>
-      </p:sp>
-      <p:sp>
-        <p:nvSpPr>
-          <p:cNvPr id="32" name="Rectangle 31">
-            <a:extLst>
-              <a:ext uri="{FF2B5EF4-FFF2-40B4-BE49-F238E27FC236}">
-                <a16:creationId xmlns:a16="http://schemas.microsoft.com/office/drawing/2014/main" id="{CE1B3C14-0119-1B4C-8BD9-3F291668E22C}"/>
+          <p:cNvPr id="40" name="Rectangle 39">
+            <a:extLst>
+              <a:ext uri="{FF2B5EF4-FFF2-40B4-BE49-F238E27FC236}">
+                <a16:creationId xmlns:a16="http://schemas.microsoft.com/office/drawing/2014/main" id="{2DF9F9F6-269F-714B-B5CC-FC2C7AEDC8D4}"/>
               </a:ext>
             </a:extLst>
           </p:cNvPr>
@@ -5659,8 +5911,8 @@
         </p:nvSpPr>
         <p:spPr>
           <a:xfrm>
-            <a:off x="6218693" y="1066406"/>
-            <a:ext cx="1942970" cy="695739"/>
+            <a:off x="7169727" y="2347516"/>
+            <a:ext cx="1099025" cy="449344"/>
           </a:xfrm>
           <a:prstGeom prst="rect">
             <a:avLst/>
@@ -5701,10 +5953,10 @@
       </p:sp>
       <p:sp>
         <p:nvSpPr>
-          <p:cNvPr id="33" name="TextBox 32">
-            <a:extLst>
-              <a:ext uri="{FF2B5EF4-FFF2-40B4-BE49-F238E27FC236}">
-                <a16:creationId xmlns:a16="http://schemas.microsoft.com/office/drawing/2014/main" id="{6535A9B9-41D7-2847-9536-5447E1979CB9}"/>
+          <p:cNvPr id="41" name="TextBox 40">
+            <a:extLst>
+              <a:ext uri="{FF2B5EF4-FFF2-40B4-BE49-F238E27FC236}">
+                <a16:creationId xmlns:a16="http://schemas.microsoft.com/office/drawing/2014/main" id="{DB504305-1840-1C43-966D-61404B2A7EB2}"/>
               </a:ext>
             </a:extLst>
           </p:cNvPr>
@@ -5713,8 +5965,8 @@
         </p:nvSpPr>
         <p:spPr>
           <a:xfrm>
-            <a:off x="6479887" y="1091446"/>
-            <a:ext cx="1420581" cy="369332"/>
+            <a:off x="7218728" y="2396795"/>
+            <a:ext cx="997389" cy="369332"/>
           </a:xfrm>
           <a:prstGeom prst="rect">
             <a:avLst/>
@@ -5728,16 +5980,6 @@
           <a:lstStyle/>
           <a:p>
             <a:pPr algn="ctr"/>
-            <a:r>
-              <a:rPr lang="ja-JP" altLang="en-US" b="1">
-                <a:solidFill>
-                  <a:schemeClr val="bg1"/>
-                </a:solidFill>
-                <a:latin typeface="Yu Gothic" panose="020B0400000000000000" pitchFamily="34" charset="-128"/>
-                <a:ea typeface="Yu Gothic" panose="020B0400000000000000" pitchFamily="34" charset="-128"/>
-              </a:rPr>
-              <a:t>送信元</a:t>
-            </a:r>
             <a:r>
               <a:rPr lang="en-US" b="1" dirty="0">
                 <a:solidFill>
@@ -5746,67 +5988,17 @@
                 <a:latin typeface="Yu Gothic" panose="020B0400000000000000" pitchFamily="34" charset="-128"/>
                 <a:ea typeface="Yu Gothic" panose="020B0400000000000000" pitchFamily="34" charset="-128"/>
               </a:rPr>
-              <a:t>MAC</a:t>
-            </a:r>
-          </a:p>
-        </p:txBody>
-      </p:sp>
-      <p:sp>
-        <p:nvSpPr>
-          <p:cNvPr id="36" name="TextBox 35">
-            <a:extLst>
-              <a:ext uri="{FF2B5EF4-FFF2-40B4-BE49-F238E27FC236}">
-                <a16:creationId xmlns:a16="http://schemas.microsoft.com/office/drawing/2014/main" id="{A92EF017-8DD1-BA43-8F84-F36BDD3D92FF}"/>
-              </a:ext>
-            </a:extLst>
-          </p:cNvPr>
-          <p:cNvSpPr txBox="1"/>
-          <p:nvPr/>
-        </p:nvSpPr>
-        <p:spPr>
-          <a:xfrm>
-            <a:off x="1542322" y="1137565"/>
-            <a:ext cx="1611339" cy="369332"/>
-          </a:xfrm>
-          <a:prstGeom prst="rect">
-            <a:avLst/>
-          </a:prstGeom>
-          <a:noFill/>
-        </p:spPr>
-        <p:txBody>
-          <a:bodyPr wrap="none" rtlCol="0">
-            <a:spAutoFit/>
-          </a:bodyPr>
-          <a:lstStyle/>
-          <a:p>
-            <a:pPr algn="ctr"/>
-            <a:r>
-              <a:rPr lang="en-US" altLang="ja-JP" b="1" dirty="0">
-                <a:latin typeface="Yu Gothic" panose="020B0400000000000000" pitchFamily="34" charset="-128"/>
-                <a:ea typeface="Yu Gothic" panose="020B0400000000000000" pitchFamily="34" charset="-128"/>
-              </a:rPr>
-              <a:t>Ping</a:t>
-            </a:r>
-            <a:r>
-              <a:rPr lang="ja-JP" altLang="en-US" b="1">
-                <a:latin typeface="Yu Gothic" panose="020B0400000000000000" pitchFamily="34" charset="-128"/>
-                <a:ea typeface="Yu Gothic" panose="020B0400000000000000" pitchFamily="34" charset="-128"/>
-              </a:rPr>
-              <a:t>のデータ</a:t>
-            </a:r>
-            <a:endParaRPr lang="en-US" altLang="ja-JP" b="1" dirty="0">
-              <a:latin typeface="Yu Gothic" panose="020B0400000000000000" pitchFamily="34" charset="-128"/>
-              <a:ea typeface="Yu Gothic" panose="020B0400000000000000" pitchFamily="34" charset="-128"/>
-            </a:endParaRPr>
+              <a:t>To PC2</a:t>
+            </a:r>
           </a:p>
         </p:txBody>
       </p:sp>
       <p:cxnSp>
         <p:nvCxnSpPr>
-          <p:cNvPr id="25" name="Straight Connector 24">
-            <a:extLst>
-              <a:ext uri="{FF2B5EF4-FFF2-40B4-BE49-F238E27FC236}">
-                <a16:creationId xmlns:a16="http://schemas.microsoft.com/office/drawing/2014/main" id="{5C78533E-A5ED-7747-B02C-94A90BEC1EDE}"/>
+          <p:cNvPr id="42" name="Straight Connector 41">
+            <a:extLst>
+              <a:ext uri="{FF2B5EF4-FFF2-40B4-BE49-F238E27FC236}">
+                <a16:creationId xmlns:a16="http://schemas.microsoft.com/office/drawing/2014/main" id="{10EA1AA5-03A0-0E4F-BD2D-D3F1136467DC}"/>
               </a:ext>
             </a:extLst>
           </p:cNvPr>
@@ -5817,199 +6009,8 @@
         </p:nvCxnSpPr>
         <p:spPr>
           <a:xfrm flipV="1">
-            <a:off x="8967355" y="3295871"/>
-            <a:ext cx="0" cy="2190530"/>
-          </a:xfrm>
-          <a:prstGeom prst="line">
-            <a:avLst/>
-          </a:prstGeom>
-          <a:ln w="38100">
-            <a:solidFill>
-              <a:schemeClr val="tx1"/>
-            </a:solidFill>
-          </a:ln>
-        </p:spPr>
-        <p:style>
-          <a:lnRef idx="1">
-            <a:schemeClr val="accent1"/>
-          </a:lnRef>
-          <a:fillRef idx="0">
-            <a:schemeClr val="accent1"/>
-          </a:fillRef>
-          <a:effectRef idx="0">
-            <a:schemeClr val="accent1"/>
-          </a:effectRef>
-          <a:fontRef idx="minor">
-            <a:schemeClr val="tx1"/>
-          </a:fontRef>
-        </p:style>
-      </p:cxnSp>
-      <p:sp>
-        <p:nvSpPr>
-          <p:cNvPr id="39" name="Left Arrow 38">
-            <a:extLst>
-              <a:ext uri="{FF2B5EF4-FFF2-40B4-BE49-F238E27FC236}">
-                <a16:creationId xmlns:a16="http://schemas.microsoft.com/office/drawing/2014/main" id="{9DC59B6D-4BB6-AD4E-AB89-0A714BF230C7}"/>
-              </a:ext>
-            </a:extLst>
-          </p:cNvPr>
-          <p:cNvSpPr/>
-          <p:nvPr/>
-        </p:nvSpPr>
-        <p:spPr>
-          <a:xfrm rot="10800000">
-            <a:off x="8027644" y="2830149"/>
-            <a:ext cx="578920" cy="310586"/>
-          </a:xfrm>
-          <a:prstGeom prst="leftArrow">
-            <a:avLst/>
-          </a:prstGeom>
-          <a:solidFill>
-            <a:schemeClr val="tx1"/>
-          </a:solidFill>
-          <a:ln>
-            <a:noFill/>
-          </a:ln>
-        </p:spPr>
-        <p:style>
-          <a:lnRef idx="2">
-            <a:schemeClr val="accent1">
-              <a:shade val="50000"/>
-            </a:schemeClr>
-          </a:lnRef>
-          <a:fillRef idx="1">
-            <a:schemeClr val="accent1"/>
-          </a:fillRef>
-          <a:effectRef idx="0">
-            <a:schemeClr val="accent1"/>
-          </a:effectRef>
-          <a:fontRef idx="minor">
-            <a:schemeClr val="lt1"/>
-          </a:fontRef>
-        </p:style>
-        <p:txBody>
-          <a:bodyPr rtlCol="0" anchor="ctr"/>
-          <a:lstStyle/>
-          <a:p>
-            <a:pPr algn="ctr"/>
-            <a:endParaRPr lang="en-US"/>
-          </a:p>
-        </p:txBody>
-      </p:sp>
-      <p:sp>
-        <p:nvSpPr>
-          <p:cNvPr id="40" name="Rectangle 39">
-            <a:extLst>
-              <a:ext uri="{FF2B5EF4-FFF2-40B4-BE49-F238E27FC236}">
-                <a16:creationId xmlns:a16="http://schemas.microsoft.com/office/drawing/2014/main" id="{2DF9F9F6-269F-714B-B5CC-FC2C7AEDC8D4}"/>
-              </a:ext>
-            </a:extLst>
-          </p:cNvPr>
-          <p:cNvSpPr/>
-          <p:nvPr/>
-        </p:nvSpPr>
-        <p:spPr>
-          <a:xfrm>
-            <a:off x="7344414" y="2752765"/>
-            <a:ext cx="924338" cy="449344"/>
-          </a:xfrm>
-          <a:prstGeom prst="rect">
-            <a:avLst/>
-          </a:prstGeom>
-          <a:solidFill>
-            <a:schemeClr val="accent2"/>
-          </a:solidFill>
-          <a:ln w="38100">
-            <a:solidFill>
-              <a:schemeClr val="bg1"/>
-            </a:solidFill>
-          </a:ln>
-        </p:spPr>
-        <p:style>
-          <a:lnRef idx="2">
-            <a:schemeClr val="accent1">
-              <a:shade val="50000"/>
-            </a:schemeClr>
-          </a:lnRef>
-          <a:fillRef idx="1">
-            <a:schemeClr val="accent1"/>
-          </a:fillRef>
-          <a:effectRef idx="0">
-            <a:schemeClr val="accent1"/>
-          </a:effectRef>
-          <a:fontRef idx="minor">
-            <a:schemeClr val="lt1"/>
-          </a:fontRef>
-        </p:style>
-        <p:txBody>
-          <a:bodyPr rtlCol="0" anchor="ctr"/>
-          <a:lstStyle/>
-          <a:p>
-            <a:pPr algn="ctr"/>
-            <a:endParaRPr lang="en-US"/>
-          </a:p>
-        </p:txBody>
-      </p:sp>
-      <p:sp>
-        <p:nvSpPr>
-          <p:cNvPr id="41" name="TextBox 40">
-            <a:extLst>
-              <a:ext uri="{FF2B5EF4-FFF2-40B4-BE49-F238E27FC236}">
-                <a16:creationId xmlns:a16="http://schemas.microsoft.com/office/drawing/2014/main" id="{DB504305-1840-1C43-966D-61404B2A7EB2}"/>
-              </a:ext>
-            </a:extLst>
-          </p:cNvPr>
-          <p:cNvSpPr txBox="1"/>
-          <p:nvPr/>
-        </p:nvSpPr>
-        <p:spPr>
-          <a:xfrm>
-            <a:off x="7379566" y="2792771"/>
-            <a:ext cx="901209" cy="369332"/>
-          </a:xfrm>
-          <a:prstGeom prst="rect">
-            <a:avLst/>
-          </a:prstGeom>
-          <a:noFill/>
-        </p:spPr>
-        <p:txBody>
-          <a:bodyPr wrap="none" rtlCol="0">
-            <a:spAutoFit/>
-          </a:bodyPr>
-          <a:lstStyle/>
-          <a:p>
-            <a:pPr algn="ctr"/>
-            <a:r>
-              <a:rPr lang="en-US" b="1" dirty="0">
-                <a:solidFill>
-                  <a:schemeClr val="bg1"/>
-                </a:solidFill>
-                <a:latin typeface="Yu Gothic" panose="020B0400000000000000" pitchFamily="34" charset="-128"/>
-                <a:ea typeface="Yu Gothic" panose="020B0400000000000000" pitchFamily="34" charset="-128"/>
-              </a:rPr>
-              <a:t>Frame</a:t>
-            </a:r>
-          </a:p>
-        </p:txBody>
-      </p:sp>
-      <p:cxnSp>
-        <p:nvCxnSpPr>
-          <p:cNvPr id="42" name="Straight Connector 41">
-            <a:extLst>
-              <a:ext uri="{FF2B5EF4-FFF2-40B4-BE49-F238E27FC236}">
-                <a16:creationId xmlns:a16="http://schemas.microsoft.com/office/drawing/2014/main" id="{10EA1AA5-03A0-0E4F-BD2D-D3F1136467DC}"/>
-              </a:ext>
-            </a:extLst>
-          </p:cNvPr>
-          <p:cNvCxnSpPr>
-            <a:cxnSpLocks/>
-          </p:cNvCxnSpPr>
-          <p:nvPr/>
-        </p:nvCxnSpPr>
-        <p:spPr>
-          <a:xfrm flipV="1">
-            <a:off x="8268753" y="1765885"/>
-            <a:ext cx="1831704" cy="986881"/>
+            <a:off x="8268753" y="1700132"/>
+            <a:ext cx="1812558" cy="647386"/>
           </a:xfrm>
           <a:prstGeom prst="line">
             <a:avLst/>
@@ -6052,8 +6053,8 @@
         </p:nvCxnSpPr>
         <p:spPr>
           <a:xfrm flipH="1" flipV="1">
-            <a:off x="1803073" y="1849583"/>
-            <a:ext cx="5541340" cy="940560"/>
+            <a:off x="1456137" y="1652764"/>
+            <a:ext cx="5727695" cy="724352"/>
           </a:xfrm>
           <a:prstGeom prst="line">
             <a:avLst/>
@@ -6094,8 +6095,8 @@
         </p:nvSpPr>
         <p:spPr>
           <a:xfrm>
-            <a:off x="8191050" y="1376550"/>
-            <a:ext cx="1909497" cy="369332"/>
+            <a:off x="8191050" y="1293422"/>
+            <a:ext cx="1890261" cy="369332"/>
           </a:xfrm>
           <a:prstGeom prst="rect">
             <a:avLst/>
@@ -6116,7 +6117,7 @@
                 <a:latin typeface="Yu Gothic" panose="020B0400000000000000" pitchFamily="34" charset="-128"/>
                 <a:ea typeface="Yu Gothic" panose="020B0400000000000000" pitchFamily="34" charset="-128"/>
               </a:rPr>
-              <a:t>0000.0000.0102</a:t>
+              <a:t>????.????.????</a:t>
             </a:r>
           </a:p>
         </p:txBody>
@@ -6135,7 +6136,7 @@
         </p:nvSpPr>
         <p:spPr>
           <a:xfrm>
-            <a:off x="6229084" y="1375364"/>
+            <a:off x="6229084" y="1292236"/>
             <a:ext cx="1909497" cy="369332"/>
           </a:xfrm>
           <a:prstGeom prst="rect">
@@ -6176,7 +6177,7 @@
         </p:nvSpPr>
         <p:spPr>
           <a:xfrm>
-            <a:off x="4698473" y="1072329"/>
+            <a:off x="4698473" y="989201"/>
             <a:ext cx="1520220" cy="695739"/>
           </a:xfrm>
           <a:prstGeom prst="rect">
@@ -6230,7 +6231,7 @@
         </p:nvSpPr>
         <p:spPr>
           <a:xfrm>
-            <a:off x="5036309" y="1099224"/>
+            <a:off x="5036309" y="1016096"/>
             <a:ext cx="880369" cy="369332"/>
           </a:xfrm>
           <a:prstGeom prst="rect">
@@ -6289,7 +6290,7 @@
         </p:nvSpPr>
         <p:spPr>
           <a:xfrm>
-            <a:off x="4814343" y="1392813"/>
+            <a:off x="4814343" y="1309685"/>
             <a:ext cx="1308371" cy="369332"/>
           </a:xfrm>
           <a:prstGeom prst="rect">
@@ -6330,7 +6331,7 @@
         </p:nvSpPr>
         <p:spPr>
           <a:xfrm>
-            <a:off x="3188799" y="1072329"/>
+            <a:off x="3188799" y="989201"/>
             <a:ext cx="1520220" cy="695739"/>
           </a:xfrm>
           <a:prstGeom prst="rect">
@@ -6384,7 +6385,7 @@
         </p:nvSpPr>
         <p:spPr>
           <a:xfrm>
-            <a:off x="3411219" y="1099224"/>
+            <a:off x="3411219" y="1016096"/>
             <a:ext cx="1111202" cy="369332"/>
           </a:xfrm>
           <a:prstGeom prst="rect">
@@ -6443,7 +6444,7 @@
         </p:nvSpPr>
         <p:spPr>
           <a:xfrm>
-            <a:off x="3304669" y="1392813"/>
+            <a:off x="3304669" y="1309685"/>
             <a:ext cx="1308371" cy="369332"/>
           </a:xfrm>
           <a:prstGeom prst="rect">
@@ -6498,7 +6499,7 @@
         </p:blipFill>
         <p:spPr>
           <a:xfrm>
-            <a:off x="8352747" y="4959056"/>
+            <a:off x="8352747" y="4553807"/>
             <a:ext cx="1210903" cy="1210903"/>
           </a:xfrm>
           <a:prstGeom prst="rect">
@@ -6508,10 +6509,214 @@
       </p:pic>
       <p:sp>
         <p:nvSpPr>
-          <p:cNvPr id="51" name="Rectangle 50">
-            <a:extLst>
-              <a:ext uri="{FF2B5EF4-FFF2-40B4-BE49-F238E27FC236}">
-                <a16:creationId xmlns:a16="http://schemas.microsoft.com/office/drawing/2014/main" id="{50621624-A456-2449-B78A-5066B1173C02}"/>
+          <p:cNvPr id="16" name="TextBox 15">
+            <a:extLst>
+              <a:ext uri="{FF2B5EF4-FFF2-40B4-BE49-F238E27FC236}">
+                <a16:creationId xmlns:a16="http://schemas.microsoft.com/office/drawing/2014/main" id="{1E8FD88C-02F7-DE4C-922F-A5CC14AF6FA9}"/>
+              </a:ext>
+            </a:extLst>
+          </p:cNvPr>
+          <p:cNvSpPr txBox="1"/>
+          <p:nvPr/>
+        </p:nvSpPr>
+        <p:spPr>
+          <a:xfrm>
+            <a:off x="4780068" y="204333"/>
+            <a:ext cx="1210588" cy="707886"/>
+          </a:xfrm>
+          <a:prstGeom prst="rect">
+            <a:avLst/>
+          </a:prstGeom>
+          <a:noFill/>
+        </p:spPr>
+        <p:txBody>
+          <a:bodyPr wrap="none" rtlCol="0">
+            <a:spAutoFit/>
+          </a:bodyPr>
+          <a:lstStyle/>
+          <a:p>
+            <a:pPr algn="ctr"/>
+            <a:r>
+              <a:rPr lang="ja-JP" altLang="en-US" sz="2000" b="1"/>
+              <a:t>ユーザが</a:t>
+            </a:r>
+            <a:endParaRPr lang="en-US" altLang="ja-JP" sz="2000" b="1" dirty="0"/>
+          </a:p>
+          <a:p>
+            <a:pPr algn="ctr"/>
+            <a:r>
+              <a:rPr lang="ja-JP" altLang="en-US" sz="2000" b="1"/>
+              <a:t>指定</a:t>
+            </a:r>
+            <a:endParaRPr lang="en-US" sz="2000" b="1" dirty="0"/>
+          </a:p>
+        </p:txBody>
+      </p:sp>
+      <p:sp>
+        <p:nvSpPr>
+          <p:cNvPr id="52" name="TextBox 51">
+            <a:extLst>
+              <a:ext uri="{FF2B5EF4-FFF2-40B4-BE49-F238E27FC236}">
+                <a16:creationId xmlns:a16="http://schemas.microsoft.com/office/drawing/2014/main" id="{A9A4B4D6-E472-B345-BF6D-E811E7862D94}"/>
+              </a:ext>
+            </a:extLst>
+          </p:cNvPr>
+          <p:cNvSpPr txBox="1"/>
+          <p:nvPr/>
+        </p:nvSpPr>
+        <p:spPr>
+          <a:xfrm>
+            <a:off x="3346195" y="209377"/>
+            <a:ext cx="1210588" cy="707886"/>
+          </a:xfrm>
+          <a:prstGeom prst="rect">
+            <a:avLst/>
+          </a:prstGeom>
+          <a:noFill/>
+        </p:spPr>
+        <p:txBody>
+          <a:bodyPr wrap="none" rtlCol="0">
+            <a:spAutoFit/>
+          </a:bodyPr>
+          <a:lstStyle/>
+          <a:p>
+            <a:pPr algn="ctr"/>
+            <a:r>
+              <a:rPr lang="ja-JP" altLang="en-US" sz="2000" b="1"/>
+              <a:t>自分の</a:t>
+            </a:r>
+            <a:endParaRPr lang="en-US" altLang="ja-JP" sz="2000" b="1" dirty="0"/>
+          </a:p>
+          <a:p>
+            <a:pPr algn="ctr"/>
+            <a:r>
+              <a:rPr lang="ja-JP" altLang="en-US" sz="2000" b="1"/>
+              <a:t>アドレス</a:t>
+            </a:r>
+            <a:endParaRPr lang="en-US" sz="2000" b="1" dirty="0"/>
+          </a:p>
+        </p:txBody>
+      </p:sp>
+      <p:sp>
+        <p:nvSpPr>
+          <p:cNvPr id="53" name="TextBox 52">
+            <a:extLst>
+              <a:ext uri="{FF2B5EF4-FFF2-40B4-BE49-F238E27FC236}">
+                <a16:creationId xmlns:a16="http://schemas.microsoft.com/office/drawing/2014/main" id="{75B56934-0791-D741-8B0C-E0DDE9FF483B}"/>
+              </a:ext>
+            </a:extLst>
+          </p:cNvPr>
+          <p:cNvSpPr txBox="1"/>
+          <p:nvPr/>
+        </p:nvSpPr>
+        <p:spPr>
+          <a:xfrm>
+            <a:off x="6595995" y="212309"/>
+            <a:ext cx="1210588" cy="707886"/>
+          </a:xfrm>
+          <a:prstGeom prst="rect">
+            <a:avLst/>
+          </a:prstGeom>
+          <a:noFill/>
+        </p:spPr>
+        <p:txBody>
+          <a:bodyPr wrap="none" rtlCol="0">
+            <a:spAutoFit/>
+          </a:bodyPr>
+          <a:lstStyle/>
+          <a:p>
+            <a:pPr algn="ctr"/>
+            <a:r>
+              <a:rPr lang="ja-JP" altLang="en-US" sz="2000" b="1"/>
+              <a:t>自分の</a:t>
+            </a:r>
+            <a:endParaRPr lang="en-US" altLang="ja-JP" sz="2000" b="1" dirty="0"/>
+          </a:p>
+          <a:p>
+            <a:pPr algn="ctr"/>
+            <a:r>
+              <a:rPr lang="ja-JP" altLang="en-US" sz="2000" b="1"/>
+              <a:t>アドレス</a:t>
+            </a:r>
+            <a:endParaRPr lang="en-US" sz="2000" b="1" dirty="0"/>
+          </a:p>
+        </p:txBody>
+      </p:sp>
+      <p:sp>
+        <p:nvSpPr>
+          <p:cNvPr id="54" name="TextBox 53">
+            <a:extLst>
+              <a:ext uri="{FF2B5EF4-FFF2-40B4-BE49-F238E27FC236}">
+                <a16:creationId xmlns:a16="http://schemas.microsoft.com/office/drawing/2014/main" id="{9B266F54-61DC-E248-A9BE-0E7DB62CD13B}"/>
+              </a:ext>
+            </a:extLst>
+          </p:cNvPr>
+          <p:cNvSpPr txBox="1"/>
+          <p:nvPr/>
+        </p:nvSpPr>
+        <p:spPr>
+          <a:xfrm>
+            <a:off x="8284844" y="200709"/>
+            <a:ext cx="1723549" cy="707886"/>
+          </a:xfrm>
+          <a:prstGeom prst="rect">
+            <a:avLst/>
+          </a:prstGeom>
+          <a:noFill/>
+        </p:spPr>
+        <p:txBody>
+          <a:bodyPr wrap="none" rtlCol="0">
+            <a:spAutoFit/>
+          </a:bodyPr>
+          <a:lstStyle/>
+          <a:p>
+            <a:pPr algn="ctr"/>
+            <a:r>
+              <a:rPr lang="ja-JP" altLang="en-US" sz="2000" b="1">
+                <a:solidFill>
+                  <a:schemeClr val="accent3"/>
+                </a:solidFill>
+              </a:rPr>
+              <a:t>知らないので</a:t>
+            </a:r>
+            <a:endParaRPr lang="en-US" sz="2000" b="1" dirty="0">
+              <a:solidFill>
+                <a:schemeClr val="accent3"/>
+              </a:solidFill>
+            </a:endParaRPr>
+          </a:p>
+          <a:p>
+            <a:pPr algn="ctr"/>
+            <a:r>
+              <a:rPr lang="en-US" sz="2000" b="1" dirty="0">
+                <a:solidFill>
+                  <a:schemeClr val="accent3"/>
+                </a:solidFill>
+              </a:rPr>
+              <a:t>ARP</a:t>
+            </a:r>
+            <a:r>
+              <a:rPr lang="ja-JP" altLang="en-US" sz="2000" b="1">
+                <a:solidFill>
+                  <a:schemeClr val="accent3"/>
+                </a:solidFill>
+              </a:rPr>
+              <a:t>で解決</a:t>
+            </a:r>
+            <a:endParaRPr lang="en-US" sz="2000" b="1" dirty="0">
+              <a:solidFill>
+                <a:schemeClr val="accent3"/>
+              </a:solidFill>
+            </a:endParaRPr>
+          </a:p>
+        </p:txBody>
+      </p:sp>
+      <p:sp>
+        <p:nvSpPr>
+          <p:cNvPr id="55" name="Rectangular Callout 54">
+            <a:extLst>
+              <a:ext uri="{FF2B5EF4-FFF2-40B4-BE49-F238E27FC236}">
+                <a16:creationId xmlns:a16="http://schemas.microsoft.com/office/drawing/2014/main" id="{6E587A7A-9317-7F43-BF49-649F6AE487F9}"/>
               </a:ext>
             </a:extLst>
           </p:cNvPr>
@@ -6520,19 +6725,20 @@
         </p:nvSpPr>
         <p:spPr>
           <a:xfrm>
-            <a:off x="641959" y="2871501"/>
-            <a:ext cx="3673198" cy="1443090"/>
-          </a:xfrm>
-          <a:prstGeom prst="rect">
-            <a:avLst/>
+            <a:off x="646285" y="2471925"/>
+            <a:ext cx="3668871" cy="1299972"/>
+          </a:xfrm>
+          <a:prstGeom prst="wedgeRectCallout">
+            <a:avLst>
+              <a:gd name="adj1" fmla="val 67202"/>
+              <a:gd name="adj2" fmla="val -14411"/>
+            </a:avLst>
           </a:prstGeom>
           <a:solidFill>
             <a:schemeClr val="tx1"/>
           </a:solidFill>
-          <a:ln w="38100">
-            <a:solidFill>
-              <a:schemeClr val="bg1"/>
-            </a:solidFill>
+          <a:ln>
+            <a:noFill/>
           </a:ln>
         </p:spPr>
         <p:style>
@@ -6562,10 +6768,10 @@
       </p:sp>
       <p:sp>
         <p:nvSpPr>
-          <p:cNvPr id="15" name="TextBox 14">
-            <a:extLst>
-              <a:ext uri="{FF2B5EF4-FFF2-40B4-BE49-F238E27FC236}">
-                <a16:creationId xmlns:a16="http://schemas.microsoft.com/office/drawing/2014/main" id="{A9456FAF-5A63-104D-ACEF-4B049E76CB96}"/>
+          <p:cNvPr id="56" name="TextBox 55">
+            <a:extLst>
+              <a:ext uri="{FF2B5EF4-FFF2-40B4-BE49-F238E27FC236}">
+                <a16:creationId xmlns:a16="http://schemas.microsoft.com/office/drawing/2014/main" id="{9A84784E-910D-1B45-83BC-643D345A83FB}"/>
               </a:ext>
             </a:extLst>
           </p:cNvPr>
@@ -6574,7 +6780,7 @@
         </p:nvSpPr>
         <p:spPr>
           <a:xfrm>
-            <a:off x="752298" y="3021975"/>
+            <a:off x="752298" y="2616726"/>
             <a:ext cx="3005951" cy="707886"/>
           </a:xfrm>
           <a:prstGeom prst="rect">
@@ -6608,17 +6814,17 @@
                 <a:latin typeface="Consolas" panose="020B0609020204030204" pitchFamily="49" charset="0"/>
                 <a:cs typeface="Consolas" panose="020B0609020204030204" pitchFamily="49" charset="0"/>
               </a:rPr>
-              <a:t>!!!!!</a:t>
-            </a:r>
-          </a:p>
-        </p:txBody>
-      </p:sp>
-      <p:sp>
-        <p:nvSpPr>
-          <p:cNvPr id="16" name="TextBox 15">
-            <a:extLst>
-              <a:ext uri="{FF2B5EF4-FFF2-40B4-BE49-F238E27FC236}">
-                <a16:creationId xmlns:a16="http://schemas.microsoft.com/office/drawing/2014/main" id="{1E8FD88C-02F7-DE4C-922F-A5CC14AF6FA9}"/>
+              <a:t>.!!!!</a:t>
+            </a:r>
+          </a:p>
+        </p:txBody>
+      </p:sp>
+      <p:sp>
+        <p:nvSpPr>
+          <p:cNvPr id="57" name="TextBox 56">
+            <a:extLst>
+              <a:ext uri="{FF2B5EF4-FFF2-40B4-BE49-F238E27FC236}">
+                <a16:creationId xmlns:a16="http://schemas.microsoft.com/office/drawing/2014/main" id="{4594BC1E-9FC4-C347-B601-3B10A311AE51}"/>
               </a:ext>
             </a:extLst>
           </p:cNvPr>
@@ -6627,8 +6833,8 @@
         </p:nvSpPr>
         <p:spPr>
           <a:xfrm>
-            <a:off x="4780068" y="287461"/>
-            <a:ext cx="1210588" cy="707886"/>
+            <a:off x="5775503" y="3198488"/>
+            <a:ext cx="694421" cy="400110"/>
           </a:xfrm>
           <a:prstGeom prst="rect">
             <a:avLst/>
@@ -6641,29 +6847,22 @@
           </a:bodyPr>
           <a:lstStyle/>
           <a:p>
-            <a:pPr algn="ctr"/>
-            <a:r>
-              <a:rPr lang="ja-JP" altLang="en-US" sz="2000" b="1"/>
-              <a:t>ユーザが</a:t>
-            </a:r>
-            <a:endParaRPr lang="en-US" altLang="ja-JP" sz="2000" b="1" dirty="0"/>
-          </a:p>
-          <a:p>
-            <a:pPr algn="ctr"/>
-            <a:r>
-              <a:rPr lang="ja-JP" altLang="en-US" sz="2000" b="1"/>
-              <a:t>指定</a:t>
-            </a:r>
-            <a:endParaRPr lang="en-US" sz="2000" b="1" dirty="0"/>
-          </a:p>
-        </p:txBody>
-      </p:sp>
-      <p:sp>
-        <p:nvSpPr>
-          <p:cNvPr id="52" name="TextBox 51">
-            <a:extLst>
-              <a:ext uri="{FF2B5EF4-FFF2-40B4-BE49-F238E27FC236}">
-                <a16:creationId xmlns:a16="http://schemas.microsoft.com/office/drawing/2014/main" id="{A9A4B4D6-E472-B345-BF6D-E811E7862D94}"/>
+            <a:r>
+              <a:rPr lang="en-US" sz="2000" b="1" dirty="0">
+                <a:latin typeface="Yu Gothic" panose="020B0400000000000000" pitchFamily="34" charset="-128"/>
+                <a:ea typeface="Yu Gothic" panose="020B0400000000000000" pitchFamily="34" charset="-128"/>
+              </a:rPr>
+              <a:t>PC1</a:t>
+            </a:r>
+          </a:p>
+        </p:txBody>
+      </p:sp>
+      <p:sp>
+        <p:nvSpPr>
+          <p:cNvPr id="58" name="TextBox 57">
+            <a:extLst>
+              <a:ext uri="{FF2B5EF4-FFF2-40B4-BE49-F238E27FC236}">
+                <a16:creationId xmlns:a16="http://schemas.microsoft.com/office/drawing/2014/main" id="{4C67987D-437D-7B4E-9F96-371748ADF42C}"/>
               </a:ext>
             </a:extLst>
           </p:cNvPr>
@@ -6672,8 +6871,8 @@
         </p:nvSpPr>
         <p:spPr>
           <a:xfrm>
-            <a:off x="3346195" y="292505"/>
-            <a:ext cx="1210588" cy="707886"/>
+            <a:off x="5774782" y="5448240"/>
+            <a:ext cx="694421" cy="400110"/>
           </a:xfrm>
           <a:prstGeom prst="rect">
             <a:avLst/>
@@ -6686,134 +6885,13 @@
           </a:bodyPr>
           <a:lstStyle/>
           <a:p>
-            <a:pPr algn="ctr"/>
-            <a:r>
-              <a:rPr lang="ja-JP" altLang="en-US" sz="2000" b="1"/>
-              <a:t>自分の</a:t>
-            </a:r>
-            <a:endParaRPr lang="en-US" altLang="ja-JP" sz="2000" b="1" dirty="0"/>
-          </a:p>
-          <a:p>
-            <a:pPr algn="ctr"/>
-            <a:r>
-              <a:rPr lang="ja-JP" altLang="en-US" sz="2000" b="1"/>
-              <a:t>アドレス</a:t>
-            </a:r>
-            <a:endParaRPr lang="en-US" sz="2000" b="1" dirty="0"/>
-          </a:p>
-        </p:txBody>
-      </p:sp>
-      <p:sp>
-        <p:nvSpPr>
-          <p:cNvPr id="53" name="TextBox 52">
-            <a:extLst>
-              <a:ext uri="{FF2B5EF4-FFF2-40B4-BE49-F238E27FC236}">
-                <a16:creationId xmlns:a16="http://schemas.microsoft.com/office/drawing/2014/main" id="{75B56934-0791-D741-8B0C-E0DDE9FF483B}"/>
-              </a:ext>
-            </a:extLst>
-          </p:cNvPr>
-          <p:cNvSpPr txBox="1"/>
-          <p:nvPr/>
-        </p:nvSpPr>
-        <p:spPr>
-          <a:xfrm>
-            <a:off x="6595995" y="295437"/>
-            <a:ext cx="1210588" cy="707886"/>
-          </a:xfrm>
-          <a:prstGeom prst="rect">
-            <a:avLst/>
-          </a:prstGeom>
-          <a:noFill/>
-        </p:spPr>
-        <p:txBody>
-          <a:bodyPr wrap="none" rtlCol="0">
-            <a:spAutoFit/>
-          </a:bodyPr>
-          <a:lstStyle/>
-          <a:p>
-            <a:pPr algn="ctr"/>
-            <a:r>
-              <a:rPr lang="ja-JP" altLang="en-US" sz="2000" b="1"/>
-              <a:t>自分の</a:t>
-            </a:r>
-            <a:endParaRPr lang="en-US" altLang="ja-JP" sz="2000" b="1" dirty="0"/>
-          </a:p>
-          <a:p>
-            <a:pPr algn="ctr"/>
-            <a:r>
-              <a:rPr lang="ja-JP" altLang="en-US" sz="2000" b="1"/>
-              <a:t>アドレス</a:t>
-            </a:r>
-            <a:endParaRPr lang="en-US" sz="2000" b="1" dirty="0"/>
-          </a:p>
-        </p:txBody>
-      </p:sp>
-      <p:sp>
-        <p:nvSpPr>
-          <p:cNvPr id="54" name="TextBox 53">
-            <a:extLst>
-              <a:ext uri="{FF2B5EF4-FFF2-40B4-BE49-F238E27FC236}">
-                <a16:creationId xmlns:a16="http://schemas.microsoft.com/office/drawing/2014/main" id="{9B266F54-61DC-E248-A9BE-0E7DB62CD13B}"/>
-              </a:ext>
-            </a:extLst>
-          </p:cNvPr>
-          <p:cNvSpPr txBox="1"/>
-          <p:nvPr/>
-        </p:nvSpPr>
-        <p:spPr>
-          <a:xfrm>
-            <a:off x="8284844" y="283837"/>
-            <a:ext cx="1723549" cy="707886"/>
-          </a:xfrm>
-          <a:prstGeom prst="rect">
-            <a:avLst/>
-          </a:prstGeom>
-          <a:noFill/>
-        </p:spPr>
-        <p:txBody>
-          <a:bodyPr wrap="none" rtlCol="0">
-            <a:spAutoFit/>
-          </a:bodyPr>
-          <a:lstStyle/>
-          <a:p>
-            <a:pPr algn="ctr"/>
-            <a:r>
-              <a:rPr lang="ja-JP" altLang="en-US" sz="2000" b="1">
-                <a:solidFill>
-                  <a:schemeClr val="accent3"/>
-                </a:solidFill>
-              </a:rPr>
-              <a:t>知らないので</a:t>
-            </a:r>
-            <a:endParaRPr lang="en-US" sz="2000" b="1" dirty="0">
-              <a:solidFill>
-                <a:schemeClr val="accent3"/>
-              </a:solidFill>
-            </a:endParaRPr>
-          </a:p>
-          <a:p>
-            <a:pPr algn="ctr"/>
             <a:r>
               <a:rPr lang="en-US" sz="2000" b="1" dirty="0">
-                <a:solidFill>
-                  <a:schemeClr val="accent3"/>
-                </a:solidFill>
-              </a:rPr>
-              <a:t>ARP</a:t>
-            </a:r>
-            <a:r>
-              <a:rPr lang="ja-JP" altLang="en-US" sz="2000" b="1">
-                <a:solidFill>
-                  <a:schemeClr val="accent3"/>
-                </a:solidFill>
-              </a:rPr>
-              <a:t>で解決</a:t>
-            </a:r>
-            <a:endParaRPr lang="en-US" sz="2000" b="1" dirty="0">
-              <a:solidFill>
-                <a:schemeClr val="accent3"/>
-              </a:solidFill>
-            </a:endParaRPr>
+                <a:latin typeface="Yu Gothic" panose="020B0400000000000000" pitchFamily="34" charset="-128"/>
+                <a:ea typeface="Yu Gothic" panose="020B0400000000000000" pitchFamily="34" charset="-128"/>
+              </a:rPr>
+              <a:t>PC2</a:t>
+            </a:r>
           </a:p>
         </p:txBody>
       </p:sp>
@@ -8147,8 +8225,8 @@
         </p:nvSpPr>
         <p:spPr>
           <a:xfrm rot="16200000">
-            <a:off x="6188326" y="4481792"/>
-            <a:ext cx="2091304" cy="395895"/>
+            <a:off x="5742883" y="4036348"/>
+            <a:ext cx="2982192" cy="395895"/>
           </a:xfrm>
           <a:prstGeom prst="leftArrow">
             <a:avLst>
@@ -8868,7 +8946,7 @@
         <p:spPr>
           <a:xfrm>
             <a:off x="403480" y="2608348"/>
-            <a:ext cx="2848857" cy="400110"/>
+            <a:ext cx="2592376" cy="400110"/>
           </a:xfrm>
           <a:prstGeom prst="rect">
             <a:avLst/>
@@ -8899,7 +8977,7 @@
                 <a:latin typeface="Yu Gothic" panose="020B0400000000000000" pitchFamily="34" charset="-128"/>
                 <a:ea typeface="Yu Gothic" panose="020B0400000000000000" pitchFamily="34" charset="-128"/>
               </a:rPr>
-              <a:t>の送信元</a:t>
+              <a:t>を送信</a:t>
             </a:r>
             <a:endParaRPr lang="en-US" sz="2000" b="1" dirty="0">
               <a:solidFill>
@@ -9455,7 +9533,7 @@
         </p:nvSpPr>
         <p:spPr>
           <a:xfrm>
-            <a:off x="6211732" y="3777658"/>
+            <a:off x="6184975" y="4310789"/>
             <a:ext cx="756938" cy="400110"/>
           </a:xfrm>
           <a:prstGeom prst="rect">
@@ -10432,8 +10510,8 @@
         </p:nvSpPr>
         <p:spPr>
           <a:xfrm>
-            <a:off x="8280517" y="3999911"/>
-            <a:ext cx="3097323" cy="400110"/>
+            <a:off x="8289974" y="3889983"/>
+            <a:ext cx="3724096" cy="707886"/>
           </a:xfrm>
           <a:prstGeom prst="rect">
             <a:avLst/>
@@ -10446,6 +10524,7 @@
           </a:bodyPr>
           <a:lstStyle/>
           <a:p>
+            <a:pPr algn="ctr"/>
             <a:r>
               <a:rPr lang="ja-JP" altLang="en-US" sz="2000" b="1">
                 <a:solidFill>
@@ -10483,6 +10562,39 @@
               <a:latin typeface="Yu Gothic" panose="020B0400000000000000" pitchFamily="34" charset="-128"/>
               <a:ea typeface="Yu Gothic" panose="020B0400000000000000" pitchFamily="34" charset="-128"/>
             </a:endParaRPr>
+          </a:p>
+          <a:p>
+            <a:pPr algn="ctr"/>
+            <a:r>
+              <a:rPr lang="en-US" altLang="ja-JP" sz="2000" b="1" dirty="0">
+                <a:solidFill>
+                  <a:schemeClr val="accent3"/>
+                </a:solidFill>
+                <a:latin typeface="Yu Gothic" panose="020B0400000000000000" pitchFamily="34" charset="-128"/>
+                <a:ea typeface="Yu Gothic" panose="020B0400000000000000" pitchFamily="34" charset="-128"/>
+              </a:rPr>
+              <a:t>(</a:t>
+            </a:r>
+            <a:r>
+              <a:rPr lang="ja-JP" altLang="en-US" sz="2000" b="1">
+                <a:solidFill>
+                  <a:schemeClr val="accent3"/>
+                </a:solidFill>
+                <a:latin typeface="Yu Gothic" panose="020B0400000000000000" pitchFamily="34" charset="-128"/>
+                <a:ea typeface="Yu Gothic" panose="020B0400000000000000" pitchFamily="34" charset="-128"/>
+              </a:rPr>
+              <a:t>関係ないホストには届かない</a:t>
+            </a:r>
+            <a:r>
+              <a:rPr lang="en-US" altLang="ja-JP" sz="2000" b="1" dirty="0">
+                <a:solidFill>
+                  <a:schemeClr val="accent3"/>
+                </a:solidFill>
+                <a:latin typeface="Yu Gothic" panose="020B0400000000000000" pitchFamily="34" charset="-128"/>
+                <a:ea typeface="Yu Gothic" panose="020B0400000000000000" pitchFamily="34" charset="-128"/>
+              </a:rPr>
+              <a:t>)</a:t>
+            </a:r>
           </a:p>
         </p:txBody>
       </p:sp>
@@ -10837,7 +10949,7 @@
         <p:spPr>
           <a:xfrm>
             <a:off x="401425" y="2633613"/>
-            <a:ext cx="2771913" cy="400110"/>
+            <a:ext cx="3097323" cy="707886"/>
           </a:xfrm>
           <a:prstGeom prst="rect">
             <a:avLst/>
@@ -10868,7 +10980,46 @@
                 <a:latin typeface="Yu Gothic" panose="020B0400000000000000" pitchFamily="34" charset="-128"/>
                 <a:ea typeface="Yu Gothic" panose="020B0400000000000000" pitchFamily="34" charset="-128"/>
               </a:rPr>
-              <a:t>を受け取る</a:t>
+              <a:t>を受け取り、</a:t>
+            </a:r>
+            <a:endParaRPr lang="en-US" altLang="ja-JP" sz="2000" b="1" dirty="0">
+              <a:solidFill>
+                <a:schemeClr val="accent3"/>
+              </a:solidFill>
+              <a:latin typeface="Yu Gothic" panose="020B0400000000000000" pitchFamily="34" charset="-128"/>
+              <a:ea typeface="Yu Gothic" panose="020B0400000000000000" pitchFamily="34" charset="-128"/>
+            </a:endParaRPr>
+          </a:p>
+          <a:p>
+            <a:r>
+              <a:rPr lang="ja-JP" altLang="en-US" sz="2000" b="1">
+                <a:solidFill>
+                  <a:schemeClr val="accent3"/>
+                </a:solidFill>
+                <a:latin typeface="Yu Gothic" panose="020B0400000000000000" pitchFamily="34" charset="-128"/>
+                <a:ea typeface="Yu Gothic" panose="020B0400000000000000" pitchFamily="34" charset="-128"/>
+              </a:rPr>
+              <a:t>宛先</a:t>
+            </a:r>
+            <a:r>
+              <a:rPr lang="en-US" altLang="ja-JP" sz="2000" b="1" dirty="0">
+                <a:solidFill>
+                  <a:schemeClr val="accent3"/>
+                </a:solidFill>
+                <a:latin typeface="Yu Gothic" panose="020B0400000000000000" pitchFamily="34" charset="-128"/>
+                <a:ea typeface="Yu Gothic" panose="020B0400000000000000" pitchFamily="34" charset="-128"/>
+              </a:rPr>
+              <a:t>MAC</a:t>
+            </a:r>
+            <a:r>
+              <a:rPr lang="ja-JP" altLang="en-US" sz="2000" b="1">
+                <a:solidFill>
+                  <a:schemeClr val="accent3"/>
+                </a:solidFill>
+                <a:latin typeface="Yu Gothic" panose="020B0400000000000000" pitchFamily="34" charset="-128"/>
+                <a:ea typeface="Yu Gothic" panose="020B0400000000000000" pitchFamily="34" charset="-128"/>
+              </a:rPr>
+              <a:t>アドレスを把握</a:t>
             </a:r>
             <a:endParaRPr lang="en-US" sz="2000" b="1" dirty="0">
               <a:solidFill>
@@ -10935,6 +11086,110 @@
               <a:latin typeface="Yu Gothic" panose="020B0400000000000000" pitchFamily="34" charset="-128"/>
               <a:ea typeface="Yu Gothic" panose="020B0400000000000000" pitchFamily="34" charset="-128"/>
             </a:endParaRPr>
+          </a:p>
+        </p:txBody>
+      </p:sp>
+      <p:sp>
+        <p:nvSpPr>
+          <p:cNvPr id="47" name="Rectangle 46">
+            <a:extLst>
+              <a:ext uri="{FF2B5EF4-FFF2-40B4-BE49-F238E27FC236}">
+                <a16:creationId xmlns:a16="http://schemas.microsoft.com/office/drawing/2014/main" id="{C27FBBDB-AE1E-B34C-9860-A351576F241C}"/>
+              </a:ext>
+            </a:extLst>
+          </p:cNvPr>
+          <p:cNvSpPr/>
+          <p:nvPr/>
+        </p:nvSpPr>
+        <p:spPr>
+          <a:xfrm>
+            <a:off x="5905590" y="3999911"/>
+            <a:ext cx="1328388" cy="132675"/>
+          </a:xfrm>
+          <a:prstGeom prst="rect">
+            <a:avLst/>
+          </a:prstGeom>
+          <a:solidFill>
+            <a:schemeClr val="accent3"/>
+          </a:solidFill>
+          <a:ln w="38100">
+            <a:noFill/>
+          </a:ln>
+        </p:spPr>
+        <p:style>
+          <a:lnRef idx="2">
+            <a:schemeClr val="accent1">
+              <a:shade val="50000"/>
+            </a:schemeClr>
+          </a:lnRef>
+          <a:fillRef idx="1">
+            <a:schemeClr val="accent1"/>
+          </a:fillRef>
+          <a:effectRef idx="0">
+            <a:schemeClr val="accent1"/>
+          </a:effectRef>
+          <a:fontRef idx="minor">
+            <a:schemeClr val="lt1"/>
+          </a:fontRef>
+        </p:style>
+        <p:txBody>
+          <a:bodyPr rtlCol="0" anchor="ctr"/>
+          <a:lstStyle/>
+          <a:p>
+            <a:pPr algn="ctr"/>
+            <a:endParaRPr lang="en-US"/>
+          </a:p>
+        </p:txBody>
+      </p:sp>
+      <p:sp>
+        <p:nvSpPr>
+          <p:cNvPr id="50" name="Rectangle 49">
+            <a:extLst>
+              <a:ext uri="{FF2B5EF4-FFF2-40B4-BE49-F238E27FC236}">
+                <a16:creationId xmlns:a16="http://schemas.microsoft.com/office/drawing/2014/main" id="{8B445D37-5649-D64F-9138-ADC450479D46}"/>
+              </a:ext>
+            </a:extLst>
+          </p:cNvPr>
+          <p:cNvSpPr/>
+          <p:nvPr/>
+        </p:nvSpPr>
+        <p:spPr>
+          <a:xfrm rot="5400000">
+            <a:off x="6504376" y="3351365"/>
+            <a:ext cx="1328388" cy="132675"/>
+          </a:xfrm>
+          <a:prstGeom prst="rect">
+            <a:avLst/>
+          </a:prstGeom>
+          <a:solidFill>
+            <a:schemeClr val="accent3"/>
+          </a:solidFill>
+          <a:ln w="38100">
+            <a:noFill/>
+          </a:ln>
+        </p:spPr>
+        <p:style>
+          <a:lnRef idx="2">
+            <a:schemeClr val="accent1">
+              <a:shade val="50000"/>
+            </a:schemeClr>
+          </a:lnRef>
+          <a:fillRef idx="1">
+            <a:schemeClr val="accent1"/>
+          </a:fillRef>
+          <a:effectRef idx="0">
+            <a:schemeClr val="accent1"/>
+          </a:effectRef>
+          <a:fontRef idx="minor">
+            <a:schemeClr val="lt1"/>
+          </a:fontRef>
+        </p:style>
+        <p:txBody>
+          <a:bodyPr rtlCol="0" anchor="ctr"/>
+          <a:lstStyle/>
+          <a:p>
+            <a:pPr algn="ctr"/>
+            <a:endParaRPr lang="en-US"/>
           </a:p>
         </p:txBody>
       </p:sp>
@@ -10970,90 +11225,10 @@
       </p:grpSpPr>
       <p:sp>
         <p:nvSpPr>
-          <p:cNvPr id="2" name="Title 1">
-            <a:extLst>
-              <a:ext uri="{FF2B5EF4-FFF2-40B4-BE49-F238E27FC236}">
-                <a16:creationId xmlns:a16="http://schemas.microsoft.com/office/drawing/2014/main" id="{17EF528B-430C-684E-8F31-7DD0B837B733}"/>
-              </a:ext>
-            </a:extLst>
-          </p:cNvPr>
-          <p:cNvSpPr>
-            <a:spLocks noGrp="1"/>
-          </p:cNvSpPr>
-          <p:nvPr>
-            <p:ph type="title"/>
-          </p:nvPr>
-        </p:nvSpPr>
-        <p:spPr/>
-        <p:txBody>
-          <a:bodyPr/>
-          <a:lstStyle/>
-          <a:p>
-            <a:endParaRPr lang="en-US"/>
-          </a:p>
-        </p:txBody>
-      </p:sp>
-      <p:sp>
-        <p:nvSpPr>
-          <p:cNvPr id="3" name="Content Placeholder 2">
-            <a:extLst>
-              <a:ext uri="{FF2B5EF4-FFF2-40B4-BE49-F238E27FC236}">
-                <a16:creationId xmlns:a16="http://schemas.microsoft.com/office/drawing/2014/main" id="{8E264F0B-607D-DF49-A50A-8921AA29D0A5}"/>
-              </a:ext>
-            </a:extLst>
-          </p:cNvPr>
-          <p:cNvSpPr>
-            <a:spLocks noGrp="1"/>
-          </p:cNvSpPr>
-          <p:nvPr>
-            <p:ph idx="1"/>
-          </p:nvPr>
-        </p:nvSpPr>
-        <p:spPr/>
-        <p:txBody>
-          <a:bodyPr/>
-          <a:lstStyle/>
-          <a:p>
-            <a:endParaRPr lang="en-US"/>
-          </a:p>
-        </p:txBody>
-      </p:sp>
-    </p:spTree>
-    <p:extLst>
-      <p:ext uri="{BB962C8B-B14F-4D97-AF65-F5344CB8AC3E}">
-        <p14:creationId xmlns:p14="http://schemas.microsoft.com/office/powerpoint/2010/main" val="3684759717"/>
-      </p:ext>
-    </p:extLst>
-  </p:cSld>
-  <p:clrMapOvr>
-    <a:masterClrMapping/>
-  </p:clrMapOvr>
-</p:sld>
-</file>
-
-<file path=ppt/slides/slide14.xml><?xml version="1.0" encoding="utf-8"?>
-<p:sld xmlns:a="http://schemas.openxmlformats.org/drawingml/2006/main" xmlns:r="http://schemas.openxmlformats.org/officeDocument/2006/relationships" xmlns:p="http://schemas.openxmlformats.org/presentationml/2006/main">
-  <p:cSld>
-    <p:spTree>
-      <p:nvGrpSpPr>
-        <p:cNvPr id="1" name=""/>
-        <p:cNvGrpSpPr/>
-        <p:nvPr/>
-      </p:nvGrpSpPr>
-      <p:grpSpPr>
-        <a:xfrm>
-          <a:off x="0" y="0"/>
-          <a:ext cx="0" cy="0"/>
-          <a:chOff x="0" y="0"/>
-          <a:chExt cx="0" cy="0"/>
-        </a:xfrm>
-      </p:grpSpPr>
-      <p:sp>
-        <p:nvSpPr>
-          <p:cNvPr id="17" name="Rounded Rectangle 16">
-            <a:extLst>
-              <a:ext uri="{FF2B5EF4-FFF2-40B4-BE49-F238E27FC236}">
-                <a16:creationId xmlns:a16="http://schemas.microsoft.com/office/drawing/2014/main" id="{BD98CFC9-E81F-B24F-A668-DFDDF3B4C4F1}"/>
+          <p:cNvPr id="2" name="Rectangular Callout 1">
+            <a:extLst>
+              <a:ext uri="{FF2B5EF4-FFF2-40B4-BE49-F238E27FC236}">
+                <a16:creationId xmlns:a16="http://schemas.microsoft.com/office/drawing/2014/main" id="{DBEBA542-80E1-6841-A1B9-43D41E4B542A}"/>
               </a:ext>
             </a:extLst>
           </p:cNvPr>
@@ -11062,18 +11237,20 @@
         </p:nvSpPr>
         <p:spPr>
           <a:xfrm>
-            <a:off x="1371600" y="933659"/>
-            <a:ext cx="5549882" cy="4374321"/>
-          </a:xfrm>
-          <a:prstGeom prst="roundRect">
-            <a:avLst/>
-          </a:prstGeom>
-          <a:noFill/>
-          <a:ln w="57150">
-            <a:solidFill>
-              <a:schemeClr val="accent5"/>
-            </a:solidFill>
-            <a:prstDash val="dash"/>
+            <a:off x="646285" y="4111771"/>
+            <a:ext cx="3668872" cy="1977299"/>
+          </a:xfrm>
+          <a:prstGeom prst="wedgeRectCallout">
+            <a:avLst>
+              <a:gd name="adj1" fmla="val 71241"/>
+              <a:gd name="adj2" fmla="val -44794"/>
+            </a:avLst>
+          </a:prstGeom>
+          <a:solidFill>
+            <a:schemeClr val="accent2"/>
+          </a:solidFill>
+          <a:ln>
+            <a:noFill/>
           </a:ln>
         </p:spPr>
         <p:style>
@@ -11103,10 +11280,10 @@
       </p:sp>
       <p:sp>
         <p:nvSpPr>
-          <p:cNvPr id="18" name="Rounded Rectangle 17">
-            <a:extLst>
-              <a:ext uri="{FF2B5EF4-FFF2-40B4-BE49-F238E27FC236}">
-                <a16:creationId xmlns:a16="http://schemas.microsoft.com/office/drawing/2014/main" id="{E7B80113-21DC-1644-9302-F1E129ED7ECB}"/>
+          <p:cNvPr id="76" name="Rectangle 75">
+            <a:extLst>
+              <a:ext uri="{FF2B5EF4-FFF2-40B4-BE49-F238E27FC236}">
+                <a16:creationId xmlns:a16="http://schemas.microsoft.com/office/drawing/2014/main" id="{3A4E6D64-F981-C64F-90D4-A9FA0EFB1522}"/>
               </a:ext>
             </a:extLst>
           </p:cNvPr>
@@ -11115,18 +11292,17 @@
         </p:nvSpPr>
         <p:spPr>
           <a:xfrm>
-            <a:off x="7221958" y="939699"/>
-            <a:ext cx="4115349" cy="4368281"/>
-          </a:xfrm>
-          <a:prstGeom prst="roundRect">
-            <a:avLst/>
-          </a:prstGeom>
-          <a:noFill/>
-          <a:ln w="57150">
-            <a:solidFill>
-              <a:schemeClr val="accent5"/>
-            </a:solidFill>
-            <a:prstDash val="dash"/>
+            <a:off x="825035" y="5538828"/>
+            <a:ext cx="3331580" cy="442317"/>
+          </a:xfrm>
+          <a:prstGeom prst="rect">
+            <a:avLst/>
+          </a:prstGeom>
+          <a:solidFill>
+            <a:schemeClr val="accent3"/>
+          </a:solidFill>
+          <a:ln w="38100">
+            <a:noFill/>
           </a:ln>
         </p:spPr>
         <p:style>
@@ -11154,12 +11330,435 @@
           </a:p>
         </p:txBody>
       </p:sp>
+      <p:sp>
+        <p:nvSpPr>
+          <p:cNvPr id="58" name="Rectangular Callout 57">
+            <a:extLst>
+              <a:ext uri="{FF2B5EF4-FFF2-40B4-BE49-F238E27FC236}">
+                <a16:creationId xmlns:a16="http://schemas.microsoft.com/office/drawing/2014/main" id="{8E8028A2-7ADE-A04F-9FCB-DCAC680AAF41}"/>
+              </a:ext>
+            </a:extLst>
+          </p:cNvPr>
+          <p:cNvSpPr/>
+          <p:nvPr/>
+        </p:nvSpPr>
+        <p:spPr>
+          <a:xfrm>
+            <a:off x="646285" y="2523880"/>
+            <a:ext cx="3668871" cy="1299972"/>
+          </a:xfrm>
+          <a:prstGeom prst="wedgeRectCallout">
+            <a:avLst>
+              <a:gd name="adj1" fmla="val 67202"/>
+              <a:gd name="adj2" fmla="val -14411"/>
+            </a:avLst>
+          </a:prstGeom>
+          <a:solidFill>
+            <a:schemeClr val="tx1"/>
+          </a:solidFill>
+          <a:ln>
+            <a:noFill/>
+          </a:ln>
+        </p:spPr>
+        <p:style>
+          <a:lnRef idx="2">
+            <a:schemeClr val="accent1">
+              <a:shade val="50000"/>
+            </a:schemeClr>
+          </a:lnRef>
+          <a:fillRef idx="1">
+            <a:schemeClr val="accent1"/>
+          </a:fillRef>
+          <a:effectRef idx="0">
+            <a:schemeClr val="accent1"/>
+          </a:effectRef>
+          <a:fontRef idx="minor">
+            <a:schemeClr val="lt1"/>
+          </a:fontRef>
+        </p:style>
+        <p:txBody>
+          <a:bodyPr rtlCol="0" anchor="ctr"/>
+          <a:lstStyle/>
+          <a:p>
+            <a:pPr algn="ctr"/>
+            <a:endParaRPr lang="en-US"/>
+          </a:p>
+        </p:txBody>
+      </p:sp>
+      <p:sp>
+        <p:nvSpPr>
+          <p:cNvPr id="3" name="Left Arrow 2">
+            <a:extLst>
+              <a:ext uri="{FF2B5EF4-FFF2-40B4-BE49-F238E27FC236}">
+                <a16:creationId xmlns:a16="http://schemas.microsoft.com/office/drawing/2014/main" id="{71C30DA1-826F-2D46-A14C-9E9CADF01721}"/>
+              </a:ext>
+            </a:extLst>
+          </p:cNvPr>
+          <p:cNvSpPr/>
+          <p:nvPr/>
+        </p:nvSpPr>
+        <p:spPr>
+          <a:xfrm rot="10800000">
+            <a:off x="9724536" y="1091017"/>
+            <a:ext cx="1063487" cy="526774"/>
+          </a:xfrm>
+          <a:prstGeom prst="leftArrow">
+            <a:avLst/>
+          </a:prstGeom>
+          <a:solidFill>
+            <a:schemeClr val="tx1"/>
+          </a:solidFill>
+          <a:ln>
+            <a:noFill/>
+          </a:ln>
+        </p:spPr>
+        <p:style>
+          <a:lnRef idx="2">
+            <a:schemeClr val="accent1">
+              <a:shade val="50000"/>
+            </a:schemeClr>
+          </a:lnRef>
+          <a:fillRef idx="1">
+            <a:schemeClr val="accent1"/>
+          </a:fillRef>
+          <a:effectRef idx="0">
+            <a:schemeClr val="accent1"/>
+          </a:effectRef>
+          <a:fontRef idx="minor">
+            <a:schemeClr val="lt1"/>
+          </a:fontRef>
+        </p:style>
+        <p:txBody>
+          <a:bodyPr rtlCol="0" anchor="ctr"/>
+          <a:lstStyle/>
+          <a:p>
+            <a:pPr algn="ctr"/>
+            <a:endParaRPr lang="en-US"/>
+          </a:p>
+        </p:txBody>
+      </p:sp>
+      <p:sp>
+        <p:nvSpPr>
+          <p:cNvPr id="27" name="Rectangle 26">
+            <a:extLst>
+              <a:ext uri="{FF2B5EF4-FFF2-40B4-BE49-F238E27FC236}">
+                <a16:creationId xmlns:a16="http://schemas.microsoft.com/office/drawing/2014/main" id="{57282C45-88A8-0F41-B285-E1138B2624D6}"/>
+              </a:ext>
+            </a:extLst>
+          </p:cNvPr>
+          <p:cNvSpPr/>
+          <p:nvPr/>
+        </p:nvSpPr>
+        <p:spPr>
+          <a:xfrm>
+            <a:off x="8161753" y="1007803"/>
+            <a:ext cx="1972267" cy="695739"/>
+          </a:xfrm>
+          <a:prstGeom prst="rect">
+            <a:avLst/>
+          </a:prstGeom>
+          <a:solidFill>
+            <a:schemeClr val="accent3"/>
+          </a:solidFill>
+          <a:ln w="38100">
+            <a:solidFill>
+              <a:schemeClr val="bg1"/>
+            </a:solidFill>
+          </a:ln>
+        </p:spPr>
+        <p:style>
+          <a:lnRef idx="2">
+            <a:schemeClr val="accent1">
+              <a:shade val="50000"/>
+            </a:schemeClr>
+          </a:lnRef>
+          <a:fillRef idx="1">
+            <a:schemeClr val="accent1"/>
+          </a:fillRef>
+          <a:effectRef idx="0">
+            <a:schemeClr val="accent1"/>
+          </a:effectRef>
+          <a:fontRef idx="minor">
+            <a:schemeClr val="lt1"/>
+          </a:fontRef>
+        </p:style>
+        <p:txBody>
+          <a:bodyPr rtlCol="0" anchor="ctr"/>
+          <a:lstStyle/>
+          <a:p>
+            <a:pPr algn="ctr"/>
+            <a:endParaRPr lang="en-US"/>
+          </a:p>
+        </p:txBody>
+      </p:sp>
+      <p:sp>
+        <p:nvSpPr>
+          <p:cNvPr id="29" name="Rectangle 28">
+            <a:extLst>
+              <a:ext uri="{FF2B5EF4-FFF2-40B4-BE49-F238E27FC236}">
+                <a16:creationId xmlns:a16="http://schemas.microsoft.com/office/drawing/2014/main" id="{D9CA09D0-451E-F147-A44E-288483F9404E}"/>
+              </a:ext>
+            </a:extLst>
+          </p:cNvPr>
+          <p:cNvSpPr/>
+          <p:nvPr/>
+        </p:nvSpPr>
+        <p:spPr>
+          <a:xfrm>
+            <a:off x="1468160" y="1010140"/>
+            <a:ext cx="1720550" cy="695739"/>
+          </a:xfrm>
+          <a:prstGeom prst="rect">
+            <a:avLst/>
+          </a:prstGeom>
+          <a:solidFill>
+            <a:schemeClr val="bg2"/>
+          </a:solidFill>
+          <a:ln w="38100">
+            <a:solidFill>
+              <a:schemeClr val="bg1"/>
+            </a:solidFill>
+          </a:ln>
+        </p:spPr>
+        <p:style>
+          <a:lnRef idx="2">
+            <a:schemeClr val="accent1">
+              <a:shade val="50000"/>
+            </a:schemeClr>
+          </a:lnRef>
+          <a:fillRef idx="1">
+            <a:schemeClr val="accent1"/>
+          </a:fillRef>
+          <a:effectRef idx="0">
+            <a:schemeClr val="accent1"/>
+          </a:effectRef>
+          <a:fontRef idx="minor">
+            <a:schemeClr val="lt1"/>
+          </a:fontRef>
+        </p:style>
+        <p:txBody>
+          <a:bodyPr rtlCol="0" anchor="ctr"/>
+          <a:lstStyle/>
+          <a:p>
+            <a:pPr algn="ctr"/>
+            <a:endParaRPr lang="en-US"/>
+          </a:p>
+        </p:txBody>
+      </p:sp>
+      <p:sp>
+        <p:nvSpPr>
+          <p:cNvPr id="31" name="TextBox 30">
+            <a:extLst>
+              <a:ext uri="{FF2B5EF4-FFF2-40B4-BE49-F238E27FC236}">
+                <a16:creationId xmlns:a16="http://schemas.microsoft.com/office/drawing/2014/main" id="{D0822A6B-2B8B-8342-BEDB-3A5113DF2A33}"/>
+              </a:ext>
+            </a:extLst>
+          </p:cNvPr>
+          <p:cNvSpPr txBox="1"/>
+          <p:nvPr/>
+        </p:nvSpPr>
+        <p:spPr>
+          <a:xfrm>
+            <a:off x="8579910" y="1036878"/>
+            <a:ext cx="1189749" cy="369332"/>
+          </a:xfrm>
+          <a:prstGeom prst="rect">
+            <a:avLst/>
+          </a:prstGeom>
+          <a:noFill/>
+        </p:spPr>
+        <p:txBody>
+          <a:bodyPr wrap="none" rtlCol="0">
+            <a:spAutoFit/>
+          </a:bodyPr>
+          <a:lstStyle/>
+          <a:p>
+            <a:pPr algn="ctr"/>
+            <a:r>
+              <a:rPr lang="ja-JP" altLang="en-US" b="1">
+                <a:solidFill>
+                  <a:schemeClr val="bg1"/>
+                </a:solidFill>
+                <a:latin typeface="Yu Gothic" panose="020B0400000000000000" pitchFamily="34" charset="-128"/>
+                <a:ea typeface="Yu Gothic" panose="020B0400000000000000" pitchFamily="34" charset="-128"/>
+              </a:rPr>
+              <a:t>宛先</a:t>
+            </a:r>
+            <a:r>
+              <a:rPr lang="en-US" b="1" dirty="0">
+                <a:solidFill>
+                  <a:schemeClr val="bg1"/>
+                </a:solidFill>
+                <a:latin typeface="Yu Gothic" panose="020B0400000000000000" pitchFamily="34" charset="-128"/>
+                <a:ea typeface="Yu Gothic" panose="020B0400000000000000" pitchFamily="34" charset="-128"/>
+              </a:rPr>
+              <a:t>MAC</a:t>
+            </a:r>
+          </a:p>
+        </p:txBody>
+      </p:sp>
+      <p:sp>
+        <p:nvSpPr>
+          <p:cNvPr id="32" name="Rectangle 31">
+            <a:extLst>
+              <a:ext uri="{FF2B5EF4-FFF2-40B4-BE49-F238E27FC236}">
+                <a16:creationId xmlns:a16="http://schemas.microsoft.com/office/drawing/2014/main" id="{CE1B3C14-0119-1B4C-8BD9-3F291668E22C}"/>
+              </a:ext>
+            </a:extLst>
+          </p:cNvPr>
+          <p:cNvSpPr/>
+          <p:nvPr/>
+        </p:nvSpPr>
+        <p:spPr>
+          <a:xfrm>
+            <a:off x="6218693" y="1004060"/>
+            <a:ext cx="1942970" cy="695739"/>
+          </a:xfrm>
+          <a:prstGeom prst="rect">
+            <a:avLst/>
+          </a:prstGeom>
+          <a:solidFill>
+            <a:schemeClr val="accent2"/>
+          </a:solidFill>
+          <a:ln w="38100">
+            <a:solidFill>
+              <a:schemeClr val="bg1"/>
+            </a:solidFill>
+          </a:ln>
+        </p:spPr>
+        <p:style>
+          <a:lnRef idx="2">
+            <a:schemeClr val="accent1">
+              <a:shade val="50000"/>
+            </a:schemeClr>
+          </a:lnRef>
+          <a:fillRef idx="1">
+            <a:schemeClr val="accent1"/>
+          </a:fillRef>
+          <a:effectRef idx="0">
+            <a:schemeClr val="accent1"/>
+          </a:effectRef>
+          <a:fontRef idx="minor">
+            <a:schemeClr val="lt1"/>
+          </a:fontRef>
+        </p:style>
+        <p:txBody>
+          <a:bodyPr rtlCol="0" anchor="ctr"/>
+          <a:lstStyle/>
+          <a:p>
+            <a:pPr algn="ctr"/>
+            <a:endParaRPr lang="en-US"/>
+          </a:p>
+        </p:txBody>
+      </p:sp>
+      <p:sp>
+        <p:nvSpPr>
+          <p:cNvPr id="33" name="TextBox 32">
+            <a:extLst>
+              <a:ext uri="{FF2B5EF4-FFF2-40B4-BE49-F238E27FC236}">
+                <a16:creationId xmlns:a16="http://schemas.microsoft.com/office/drawing/2014/main" id="{6535A9B9-41D7-2847-9536-5447E1979CB9}"/>
+              </a:ext>
+            </a:extLst>
+          </p:cNvPr>
+          <p:cNvSpPr txBox="1"/>
+          <p:nvPr/>
+        </p:nvSpPr>
+        <p:spPr>
+          <a:xfrm>
+            <a:off x="6479887" y="1029100"/>
+            <a:ext cx="1420581" cy="369332"/>
+          </a:xfrm>
+          <a:prstGeom prst="rect">
+            <a:avLst/>
+          </a:prstGeom>
+          <a:noFill/>
+        </p:spPr>
+        <p:txBody>
+          <a:bodyPr wrap="none" rtlCol="0">
+            <a:spAutoFit/>
+          </a:bodyPr>
+          <a:lstStyle/>
+          <a:p>
+            <a:pPr algn="ctr"/>
+            <a:r>
+              <a:rPr lang="ja-JP" altLang="en-US" b="1">
+                <a:solidFill>
+                  <a:schemeClr val="bg1"/>
+                </a:solidFill>
+                <a:latin typeface="Yu Gothic" panose="020B0400000000000000" pitchFamily="34" charset="-128"/>
+                <a:ea typeface="Yu Gothic" panose="020B0400000000000000" pitchFamily="34" charset="-128"/>
+              </a:rPr>
+              <a:t>送信元</a:t>
+            </a:r>
+            <a:r>
+              <a:rPr lang="en-US" b="1" dirty="0">
+                <a:solidFill>
+                  <a:schemeClr val="bg1"/>
+                </a:solidFill>
+                <a:latin typeface="Yu Gothic" panose="020B0400000000000000" pitchFamily="34" charset="-128"/>
+                <a:ea typeface="Yu Gothic" panose="020B0400000000000000" pitchFamily="34" charset="-128"/>
+              </a:rPr>
+              <a:t>MAC</a:t>
+            </a:r>
+          </a:p>
+        </p:txBody>
+      </p:sp>
+      <p:sp>
+        <p:nvSpPr>
+          <p:cNvPr id="36" name="TextBox 35">
+            <a:extLst>
+              <a:ext uri="{FF2B5EF4-FFF2-40B4-BE49-F238E27FC236}">
+                <a16:creationId xmlns:a16="http://schemas.microsoft.com/office/drawing/2014/main" id="{A92EF017-8DD1-BA43-8F84-F36BDD3D92FF}"/>
+              </a:ext>
+            </a:extLst>
+          </p:cNvPr>
+          <p:cNvSpPr txBox="1"/>
+          <p:nvPr/>
+        </p:nvSpPr>
+        <p:spPr>
+          <a:xfrm>
+            <a:off x="1542322" y="1075219"/>
+            <a:ext cx="1611339" cy="369332"/>
+          </a:xfrm>
+          <a:prstGeom prst="rect">
+            <a:avLst/>
+          </a:prstGeom>
+          <a:noFill/>
+        </p:spPr>
+        <p:txBody>
+          <a:bodyPr wrap="none" rtlCol="0">
+            <a:spAutoFit/>
+          </a:bodyPr>
+          <a:lstStyle/>
+          <a:p>
+            <a:pPr algn="ctr"/>
+            <a:r>
+              <a:rPr lang="en-US" altLang="ja-JP" b="1" dirty="0">
+                <a:latin typeface="Yu Gothic" panose="020B0400000000000000" pitchFamily="34" charset="-128"/>
+                <a:ea typeface="Yu Gothic" panose="020B0400000000000000" pitchFamily="34" charset="-128"/>
+              </a:rPr>
+              <a:t>Ping</a:t>
+            </a:r>
+            <a:r>
+              <a:rPr lang="ja-JP" altLang="en-US" b="1">
+                <a:latin typeface="Yu Gothic" panose="020B0400000000000000" pitchFamily="34" charset="-128"/>
+                <a:ea typeface="Yu Gothic" panose="020B0400000000000000" pitchFamily="34" charset="-128"/>
+              </a:rPr>
+              <a:t>のデータ</a:t>
+            </a:r>
+            <a:endParaRPr lang="en-US" altLang="ja-JP" b="1" dirty="0">
+              <a:latin typeface="Yu Gothic" panose="020B0400000000000000" pitchFamily="34" charset="-128"/>
+              <a:ea typeface="Yu Gothic" panose="020B0400000000000000" pitchFamily="34" charset="-128"/>
+            </a:endParaRPr>
+          </a:p>
+        </p:txBody>
+      </p:sp>
       <p:cxnSp>
         <p:nvCxnSpPr>
-          <p:cNvPr id="21" name="Straight Connector 20">
-            <a:extLst>
-              <a:ext uri="{FF2B5EF4-FFF2-40B4-BE49-F238E27FC236}">
-                <a16:creationId xmlns:a16="http://schemas.microsoft.com/office/drawing/2014/main" id="{D7F33E11-F8D9-8F46-A3ED-36FE137F8571}"/>
+          <p:cNvPr id="42" name="Straight Connector 41">
+            <a:extLst>
+              <a:ext uri="{FF2B5EF4-FFF2-40B4-BE49-F238E27FC236}">
+                <a16:creationId xmlns:a16="http://schemas.microsoft.com/office/drawing/2014/main" id="{10EA1AA5-03A0-0E4F-BD2D-D3F1136467DC}"/>
               </a:ext>
             </a:extLst>
           </p:cNvPr>
@@ -11169,9 +11768,9 @@
           <p:nvPr/>
         </p:nvCxnSpPr>
         <p:spPr>
-          <a:xfrm>
-            <a:off x="3111975" y="1782918"/>
-            <a:ext cx="1749957" cy="1138702"/>
+          <a:xfrm flipV="1">
+            <a:off x="8268752" y="1765886"/>
+            <a:ext cx="1831705" cy="630909"/>
           </a:xfrm>
           <a:prstGeom prst="line">
             <a:avLst/>
@@ -11180,6 +11779,7 @@
             <a:solidFill>
               <a:schemeClr val="tx1"/>
             </a:solidFill>
+            <a:prstDash val="dash"/>
           </a:ln>
         </p:spPr>
         <p:style>
@@ -11199,10 +11799,10 @@
       </p:cxnSp>
       <p:cxnSp>
         <p:nvCxnSpPr>
-          <p:cNvPr id="25" name="Straight Connector 24">
-            <a:extLst>
-              <a:ext uri="{FF2B5EF4-FFF2-40B4-BE49-F238E27FC236}">
-                <a16:creationId xmlns:a16="http://schemas.microsoft.com/office/drawing/2014/main" id="{82F68239-DFD2-6E4A-9A31-A58481674091}"/>
+          <p:cNvPr id="43" name="Straight Connector 42">
+            <a:extLst>
+              <a:ext uri="{FF2B5EF4-FFF2-40B4-BE49-F238E27FC236}">
+                <a16:creationId xmlns:a16="http://schemas.microsoft.com/office/drawing/2014/main" id="{B5695EA6-7D99-FC45-94C2-2FEB756F1F2C}"/>
               </a:ext>
             </a:extLst>
           </p:cNvPr>
@@ -11212,9 +11812,9 @@
           <p:nvPr/>
         </p:nvCxnSpPr>
         <p:spPr>
-          <a:xfrm flipV="1">
-            <a:off x="3221218" y="3222703"/>
-            <a:ext cx="1530360" cy="1070517"/>
+          <a:xfrm flipH="1" flipV="1">
+            <a:off x="1468160" y="1699799"/>
+            <a:ext cx="5701567" cy="696996"/>
           </a:xfrm>
           <a:prstGeom prst="line">
             <a:avLst/>
@@ -11223,6 +11823,7 @@
             <a:solidFill>
               <a:schemeClr val="tx1"/>
             </a:solidFill>
+            <a:prstDash val="dash"/>
           </a:ln>
         </p:spPr>
         <p:style>
@@ -11240,383 +11841,115 @@
           </a:fontRef>
         </p:style>
       </p:cxnSp>
-      <p:cxnSp>
-        <p:nvCxnSpPr>
-          <p:cNvPr id="32" name="Straight Connector 31">
-            <a:extLst>
-              <a:ext uri="{FF2B5EF4-FFF2-40B4-BE49-F238E27FC236}">
-                <a16:creationId xmlns:a16="http://schemas.microsoft.com/office/drawing/2014/main" id="{8FCE3C15-A2CC-EA4D-8AC3-8816408BFAAF}"/>
-              </a:ext>
-            </a:extLst>
-          </p:cNvPr>
-          <p:cNvCxnSpPr>
-            <a:cxnSpLocks/>
-          </p:cNvCxnSpPr>
-          <p:nvPr/>
-        </p:nvCxnSpPr>
-        <p:spPr>
-          <a:xfrm flipH="1">
-            <a:off x="4957235" y="2978891"/>
-            <a:ext cx="3393395" cy="0"/>
-          </a:xfrm>
-          <a:prstGeom prst="line">
-            <a:avLst/>
-          </a:prstGeom>
+      <p:sp>
+        <p:nvSpPr>
+          <p:cNvPr id="37" name="TextBox 36">
+            <a:extLst>
+              <a:ext uri="{FF2B5EF4-FFF2-40B4-BE49-F238E27FC236}">
+                <a16:creationId xmlns:a16="http://schemas.microsoft.com/office/drawing/2014/main" id="{A0CC2499-BFFE-694A-9A96-8577EE8F8E92}"/>
+              </a:ext>
+            </a:extLst>
+          </p:cNvPr>
+          <p:cNvSpPr txBox="1"/>
+          <p:nvPr/>
+        </p:nvSpPr>
+        <p:spPr>
+          <a:xfrm>
+            <a:off x="8191050" y="1314204"/>
+            <a:ext cx="1909497" cy="369332"/>
+          </a:xfrm>
+          <a:prstGeom prst="rect">
+            <a:avLst/>
+          </a:prstGeom>
+          <a:noFill/>
+        </p:spPr>
+        <p:txBody>
+          <a:bodyPr wrap="none" rtlCol="0">
+            <a:spAutoFit/>
+          </a:bodyPr>
+          <a:lstStyle/>
+          <a:p>
+            <a:r>
+              <a:rPr lang="en-US" b="1" dirty="0">
+                <a:solidFill>
+                  <a:schemeClr val="bg1"/>
+                </a:solidFill>
+                <a:latin typeface="Yu Gothic" panose="020B0400000000000000" pitchFamily="34" charset="-128"/>
+                <a:ea typeface="Yu Gothic" panose="020B0400000000000000" pitchFamily="34" charset="-128"/>
+              </a:rPr>
+              <a:t>0000.0000.0102</a:t>
+            </a:r>
+          </a:p>
+        </p:txBody>
+      </p:sp>
+      <p:sp>
+        <p:nvSpPr>
+          <p:cNvPr id="38" name="TextBox 37">
+            <a:extLst>
+              <a:ext uri="{FF2B5EF4-FFF2-40B4-BE49-F238E27FC236}">
+                <a16:creationId xmlns:a16="http://schemas.microsoft.com/office/drawing/2014/main" id="{41A30C38-6CC5-EB4C-B5F8-E140303BA9AD}"/>
+              </a:ext>
+            </a:extLst>
+          </p:cNvPr>
+          <p:cNvSpPr txBox="1"/>
+          <p:nvPr/>
+        </p:nvSpPr>
+        <p:spPr>
+          <a:xfrm>
+            <a:off x="6229084" y="1313018"/>
+            <a:ext cx="1909497" cy="369332"/>
+          </a:xfrm>
+          <a:prstGeom prst="rect">
+            <a:avLst/>
+          </a:prstGeom>
+          <a:noFill/>
+        </p:spPr>
+        <p:txBody>
+          <a:bodyPr wrap="none" rtlCol="0">
+            <a:spAutoFit/>
+          </a:bodyPr>
+          <a:lstStyle/>
+          <a:p>
+            <a:r>
+              <a:rPr lang="en-US" b="1" dirty="0">
+                <a:solidFill>
+                  <a:schemeClr val="bg1"/>
+                </a:solidFill>
+                <a:latin typeface="Yu Gothic" panose="020B0400000000000000" pitchFamily="34" charset="-128"/>
+                <a:ea typeface="Yu Gothic" panose="020B0400000000000000" pitchFamily="34" charset="-128"/>
+              </a:rPr>
+              <a:t>0000.0000.0101</a:t>
+            </a:r>
+          </a:p>
+        </p:txBody>
+      </p:sp>
+      <p:sp>
+        <p:nvSpPr>
+          <p:cNvPr id="44" name="Rectangle 43">
+            <a:extLst>
+              <a:ext uri="{FF2B5EF4-FFF2-40B4-BE49-F238E27FC236}">
+                <a16:creationId xmlns:a16="http://schemas.microsoft.com/office/drawing/2014/main" id="{89CAAFC2-834E-3D43-B5B3-DD42005878CF}"/>
+              </a:ext>
+            </a:extLst>
+          </p:cNvPr>
+          <p:cNvSpPr/>
+          <p:nvPr/>
+        </p:nvSpPr>
+        <p:spPr>
+          <a:xfrm>
+            <a:off x="4698473" y="1009983"/>
+            <a:ext cx="1520220" cy="695739"/>
+          </a:xfrm>
+          <a:prstGeom prst="rect">
+            <a:avLst/>
+          </a:prstGeom>
+          <a:solidFill>
+            <a:schemeClr val="accent1"/>
+          </a:solidFill>
           <a:ln w="38100">
             <a:solidFill>
-              <a:schemeClr val="tx1"/>
+              <a:schemeClr val="bg1"/>
             </a:solidFill>
-          </a:ln>
-        </p:spPr>
-        <p:style>
-          <a:lnRef idx="1">
-            <a:schemeClr val="accent1"/>
-          </a:lnRef>
-          <a:fillRef idx="0">
-            <a:schemeClr val="accent1"/>
-          </a:fillRef>
-          <a:effectRef idx="0">
-            <a:schemeClr val="accent1"/>
-          </a:effectRef>
-          <a:fontRef idx="minor">
-            <a:schemeClr val="tx1"/>
-          </a:fontRef>
-        </p:style>
-      </p:cxnSp>
-      <p:cxnSp>
-        <p:nvCxnSpPr>
-          <p:cNvPr id="33" name="Straight Connector 32">
-            <a:extLst>
-              <a:ext uri="{FF2B5EF4-FFF2-40B4-BE49-F238E27FC236}">
-                <a16:creationId xmlns:a16="http://schemas.microsoft.com/office/drawing/2014/main" id="{047AB4D0-09DB-484C-911C-0C2E070FCA02}"/>
-              </a:ext>
-            </a:extLst>
-          </p:cNvPr>
-          <p:cNvCxnSpPr>
-            <a:cxnSpLocks/>
-          </p:cNvCxnSpPr>
-          <p:nvPr/>
-        </p:nvCxnSpPr>
-        <p:spPr>
-          <a:xfrm flipV="1">
-            <a:off x="8350630" y="1686190"/>
-            <a:ext cx="0" cy="3057132"/>
-          </a:xfrm>
-          <a:prstGeom prst="line">
-            <a:avLst/>
-          </a:prstGeom>
-          <a:ln w="38100">
-            <a:solidFill>
-              <a:schemeClr val="tx1"/>
-            </a:solidFill>
-          </a:ln>
-        </p:spPr>
-        <p:style>
-          <a:lnRef idx="1">
-            <a:schemeClr val="accent1"/>
-          </a:lnRef>
-          <a:fillRef idx="0">
-            <a:schemeClr val="accent1"/>
-          </a:fillRef>
-          <a:effectRef idx="0">
-            <a:schemeClr val="accent1"/>
-          </a:effectRef>
-          <a:fontRef idx="minor">
-            <a:schemeClr val="tx1"/>
-          </a:fontRef>
-        </p:style>
-      </p:cxnSp>
-      <p:cxnSp>
-        <p:nvCxnSpPr>
-          <p:cNvPr id="38" name="Straight Connector 37">
-            <a:extLst>
-              <a:ext uri="{FF2B5EF4-FFF2-40B4-BE49-F238E27FC236}">
-                <a16:creationId xmlns:a16="http://schemas.microsoft.com/office/drawing/2014/main" id="{4098BAD4-D6A3-8A46-98CA-356622C0A353}"/>
-              </a:ext>
-            </a:extLst>
-          </p:cNvPr>
-          <p:cNvCxnSpPr>
-            <a:cxnSpLocks/>
-          </p:cNvCxnSpPr>
-          <p:nvPr/>
-        </p:nvCxnSpPr>
-        <p:spPr>
-          <a:xfrm flipH="1">
-            <a:off x="8350630" y="4342208"/>
-            <a:ext cx="1563970" cy="0"/>
-          </a:xfrm>
-          <a:prstGeom prst="line">
-            <a:avLst/>
-          </a:prstGeom>
-          <a:ln w="38100">
-            <a:solidFill>
-              <a:schemeClr val="tx1"/>
-            </a:solidFill>
-          </a:ln>
-        </p:spPr>
-        <p:style>
-          <a:lnRef idx="1">
-            <a:schemeClr val="accent1"/>
-          </a:lnRef>
-          <a:fillRef idx="0">
-            <a:schemeClr val="accent1"/>
-          </a:fillRef>
-          <a:effectRef idx="0">
-            <a:schemeClr val="accent1"/>
-          </a:effectRef>
-          <a:fontRef idx="minor">
-            <a:schemeClr val="tx1"/>
-          </a:fontRef>
-        </p:style>
-      </p:cxnSp>
-      <p:cxnSp>
-        <p:nvCxnSpPr>
-          <p:cNvPr id="40" name="Straight Connector 39">
-            <a:extLst>
-              <a:ext uri="{FF2B5EF4-FFF2-40B4-BE49-F238E27FC236}">
-                <a16:creationId xmlns:a16="http://schemas.microsoft.com/office/drawing/2014/main" id="{E1C4F913-ABCB-DE43-AD1A-BEADCE4A3E81}"/>
-              </a:ext>
-            </a:extLst>
-          </p:cNvPr>
-          <p:cNvCxnSpPr>
-            <a:cxnSpLocks/>
-          </p:cNvCxnSpPr>
-          <p:nvPr/>
-        </p:nvCxnSpPr>
-        <p:spPr>
-          <a:xfrm flipH="1">
-            <a:off x="8327323" y="1986943"/>
-            <a:ext cx="1563970" cy="0"/>
-          </a:xfrm>
-          <a:prstGeom prst="line">
-            <a:avLst/>
-          </a:prstGeom>
-          <a:ln w="38100">
-            <a:solidFill>
-              <a:schemeClr val="tx1"/>
-            </a:solidFill>
-          </a:ln>
-        </p:spPr>
-        <p:style>
-          <a:lnRef idx="1">
-            <a:schemeClr val="accent1"/>
-          </a:lnRef>
-          <a:fillRef idx="0">
-            <a:schemeClr val="accent1"/>
-          </a:fillRef>
-          <a:effectRef idx="0">
-            <a:schemeClr val="accent1"/>
-          </a:effectRef>
-          <a:fontRef idx="minor">
-            <a:schemeClr val="tx1"/>
-          </a:fontRef>
-        </p:style>
-      </p:cxnSp>
-      <p:pic>
-        <p:nvPicPr>
-          <p:cNvPr id="41" name="Picture 40">
-            <a:extLst>
-              <a:ext uri="{FF2B5EF4-FFF2-40B4-BE49-F238E27FC236}">
-                <a16:creationId xmlns:a16="http://schemas.microsoft.com/office/drawing/2014/main" id="{85B21018-043A-3E4C-8F1D-2F1F0A22B8BF}"/>
-              </a:ext>
-            </a:extLst>
-          </p:cNvPr>
-          <p:cNvPicPr>
-            <a:picLocks noChangeAspect="1"/>
-          </p:cNvPicPr>
-          <p:nvPr/>
-        </p:nvPicPr>
-        <p:blipFill>
-          <a:blip r:embed="rId2">
-            <a:extLst>
-              <a:ext uri="{28A0092B-C50C-407E-A947-70E740481C1C}">
-                <a14:useLocalDpi xmlns:a14="http://schemas.microsoft.com/office/drawing/2010/main" val="0"/>
-              </a:ext>
-            </a:extLst>
-          </a:blip>
-          <a:stretch>
-            <a:fillRect/>
-          </a:stretch>
-        </p:blipFill>
-        <p:spPr>
-          <a:xfrm>
-            <a:off x="2304877" y="3683193"/>
-            <a:ext cx="1318030" cy="1318030"/>
-          </a:xfrm>
-          <a:prstGeom prst="rect">
-            <a:avLst/>
-          </a:prstGeom>
-        </p:spPr>
-      </p:pic>
-      <p:pic>
-        <p:nvPicPr>
-          <p:cNvPr id="42" name="Picture 41">
-            <a:extLst>
-              <a:ext uri="{FF2B5EF4-FFF2-40B4-BE49-F238E27FC236}">
-                <a16:creationId xmlns:a16="http://schemas.microsoft.com/office/drawing/2014/main" id="{74B1009B-8AD8-6448-A251-B0D52BE57D05}"/>
-              </a:ext>
-            </a:extLst>
-          </p:cNvPr>
-          <p:cNvPicPr>
-            <a:picLocks noChangeAspect="1"/>
-          </p:cNvPicPr>
-          <p:nvPr/>
-        </p:nvPicPr>
-        <p:blipFill>
-          <a:blip r:embed="rId2">
-            <a:extLst>
-              <a:ext uri="{28A0092B-C50C-407E-A947-70E740481C1C}">
-                <a14:useLocalDpi xmlns:a14="http://schemas.microsoft.com/office/drawing/2010/main" val="0"/>
-              </a:ext>
-            </a:extLst>
-          </a:blip>
-          <a:stretch>
-            <a:fillRect/>
-          </a:stretch>
-        </p:blipFill>
-        <p:spPr>
-          <a:xfrm>
-            <a:off x="9109308" y="3683193"/>
-            <a:ext cx="1318030" cy="1318030"/>
-          </a:xfrm>
-          <a:prstGeom prst="rect">
-            <a:avLst/>
-          </a:prstGeom>
-        </p:spPr>
-      </p:pic>
-      <p:pic>
-        <p:nvPicPr>
-          <p:cNvPr id="43" name="Picture 42">
-            <a:extLst>
-              <a:ext uri="{FF2B5EF4-FFF2-40B4-BE49-F238E27FC236}">
-                <a16:creationId xmlns:a16="http://schemas.microsoft.com/office/drawing/2014/main" id="{63A039D2-4928-AE4F-BF72-460D33ABF011}"/>
-              </a:ext>
-            </a:extLst>
-          </p:cNvPr>
-          <p:cNvPicPr>
-            <a:picLocks noChangeAspect="1"/>
-          </p:cNvPicPr>
-          <p:nvPr/>
-        </p:nvPicPr>
-        <p:blipFill>
-          <a:blip r:embed="rId2">
-            <a:extLst>
-              <a:ext uri="{28A0092B-C50C-407E-A947-70E740481C1C}">
-                <a14:useLocalDpi xmlns:a14="http://schemas.microsoft.com/office/drawing/2010/main" val="0"/>
-              </a:ext>
-            </a:extLst>
-          </a:blip>
-          <a:stretch>
-            <a:fillRect/>
-          </a:stretch>
-        </p:blipFill>
-        <p:spPr>
-          <a:xfrm>
-            <a:off x="9109308" y="1327928"/>
-            <a:ext cx="1318030" cy="1318030"/>
-          </a:xfrm>
-          <a:prstGeom prst="rect">
-            <a:avLst/>
-          </a:prstGeom>
-        </p:spPr>
-      </p:pic>
-      <p:pic>
-        <p:nvPicPr>
-          <p:cNvPr id="45" name="Picture 44">
-            <a:extLst>
-              <a:ext uri="{FF2B5EF4-FFF2-40B4-BE49-F238E27FC236}">
-                <a16:creationId xmlns:a16="http://schemas.microsoft.com/office/drawing/2014/main" id="{364C8925-A456-0C42-B9FA-47DC20C56CC7}"/>
-              </a:ext>
-            </a:extLst>
-          </p:cNvPr>
-          <p:cNvPicPr>
-            <a:picLocks noChangeAspect="1"/>
-          </p:cNvPicPr>
-          <p:nvPr/>
-        </p:nvPicPr>
-        <p:blipFill>
-          <a:blip r:embed="rId3">
-            <a:extLst>
-              <a:ext uri="{28A0092B-C50C-407E-A947-70E740481C1C}">
-                <a14:useLocalDpi xmlns:a14="http://schemas.microsoft.com/office/drawing/2010/main" val="0"/>
-              </a:ext>
-            </a:extLst>
-          </a:blip>
-          <a:stretch>
-            <a:fillRect/>
-          </a:stretch>
-        </p:blipFill>
-        <p:spPr>
-          <a:xfrm>
-            <a:off x="4351784" y="2455821"/>
-            <a:ext cx="1210903" cy="1210903"/>
-          </a:xfrm>
-          <a:prstGeom prst="rect">
-            <a:avLst/>
-          </a:prstGeom>
-        </p:spPr>
-      </p:pic>
-      <p:pic>
-        <p:nvPicPr>
-          <p:cNvPr id="46" name="Picture 45">
-            <a:extLst>
-              <a:ext uri="{FF2B5EF4-FFF2-40B4-BE49-F238E27FC236}">
-                <a16:creationId xmlns:a16="http://schemas.microsoft.com/office/drawing/2014/main" id="{2874AAC5-35F5-B742-9AD1-09FF158769E3}"/>
-              </a:ext>
-            </a:extLst>
-          </p:cNvPr>
-          <p:cNvPicPr>
-            <a:picLocks noChangeAspect="1"/>
-          </p:cNvPicPr>
-          <p:nvPr/>
-        </p:nvPicPr>
-        <p:blipFill>
-          <a:blip r:embed="rId2">
-            <a:extLst>
-              <a:ext uri="{28A0092B-C50C-407E-A947-70E740481C1C}">
-                <a14:useLocalDpi xmlns:a14="http://schemas.microsoft.com/office/drawing/2010/main" val="0"/>
-              </a:ext>
-            </a:extLst>
-          </a:blip>
-          <a:stretch>
-            <a:fillRect/>
-          </a:stretch>
-        </p:blipFill>
-        <p:spPr>
-          <a:xfrm>
-            <a:off x="2304877" y="1184057"/>
-            <a:ext cx="1318030" cy="1318030"/>
-          </a:xfrm>
-          <a:prstGeom prst="rect">
-            <a:avLst/>
-          </a:prstGeom>
-        </p:spPr>
-      </p:pic>
-      <p:sp>
-        <p:nvSpPr>
-          <p:cNvPr id="47" name="Rectangle 46">
-            <a:extLst>
-              <a:ext uri="{FF2B5EF4-FFF2-40B4-BE49-F238E27FC236}">
-                <a16:creationId xmlns:a16="http://schemas.microsoft.com/office/drawing/2014/main" id="{44B3603F-F1C6-A044-A401-2DBC844AA9AC}"/>
-              </a:ext>
-            </a:extLst>
-          </p:cNvPr>
-          <p:cNvSpPr/>
-          <p:nvPr/>
-        </p:nvSpPr>
-        <p:spPr>
-          <a:xfrm>
-            <a:off x="6683615" y="2368775"/>
-            <a:ext cx="674273" cy="1155794"/>
-          </a:xfrm>
-          <a:prstGeom prst="rect">
-            <a:avLst/>
-          </a:prstGeom>
-          <a:solidFill>
-            <a:schemeClr val="bg1"/>
-          </a:solidFill>
-          <a:ln>
-            <a:noFill/>
           </a:ln>
         </p:spPr>
         <p:style>
@@ -11644,49 +11977,112 @@
           </a:p>
         </p:txBody>
       </p:sp>
-      <p:pic>
-        <p:nvPicPr>
-          <p:cNvPr id="48" name="Picture 47">
-            <a:extLst>
-              <a:ext uri="{FF2B5EF4-FFF2-40B4-BE49-F238E27FC236}">
-                <a16:creationId xmlns:a16="http://schemas.microsoft.com/office/drawing/2014/main" id="{DB41DA7E-B2F5-634C-B9B9-54BCB2F577DB}"/>
-              </a:ext>
-            </a:extLst>
-          </p:cNvPr>
-          <p:cNvPicPr>
-            <a:picLocks noChangeAspect="1"/>
-          </p:cNvPicPr>
-          <p:nvPr/>
-        </p:nvPicPr>
-        <p:blipFill>
-          <a:blip r:embed="rId4">
-            <a:extLst>
-              <a:ext uri="{28A0092B-C50C-407E-A947-70E740481C1C}">
-                <a14:useLocalDpi xmlns:a14="http://schemas.microsoft.com/office/drawing/2010/main" val="0"/>
-              </a:ext>
-            </a:extLst>
-          </a:blip>
-          <a:stretch>
-            <a:fillRect/>
-          </a:stretch>
-        </p:blipFill>
-        <p:spPr>
-          <a:xfrm>
-            <a:off x="6521203" y="2417025"/>
-            <a:ext cx="1059293" cy="1059293"/>
+      <p:sp>
+        <p:nvSpPr>
+          <p:cNvPr id="45" name="TextBox 44">
+            <a:extLst>
+              <a:ext uri="{FF2B5EF4-FFF2-40B4-BE49-F238E27FC236}">
+                <a16:creationId xmlns:a16="http://schemas.microsoft.com/office/drawing/2014/main" id="{579F8BAD-C37A-0A4F-A571-D61BA708E127}"/>
+              </a:ext>
+            </a:extLst>
+          </p:cNvPr>
+          <p:cNvSpPr txBox="1"/>
+          <p:nvPr/>
+        </p:nvSpPr>
+        <p:spPr>
+          <a:xfrm>
+            <a:off x="5036309" y="1036878"/>
+            <a:ext cx="880369" cy="369332"/>
           </a:xfrm>
           <a:prstGeom prst="rect">
             <a:avLst/>
           </a:prstGeom>
           <a:noFill/>
         </p:spPr>
-      </p:pic>
-      <p:sp>
-        <p:nvSpPr>
-          <p:cNvPr id="51" name="Left-Right Arrow 50">
-            <a:extLst>
-              <a:ext uri="{FF2B5EF4-FFF2-40B4-BE49-F238E27FC236}">
-                <a16:creationId xmlns:a16="http://schemas.microsoft.com/office/drawing/2014/main" id="{09E5B9FB-144D-034F-93D6-9D5B6213BCBB}"/>
+        <p:txBody>
+          <a:bodyPr wrap="none" rtlCol="0">
+            <a:spAutoFit/>
+          </a:bodyPr>
+          <a:lstStyle/>
+          <a:p>
+            <a:pPr algn="ctr"/>
+            <a:r>
+              <a:rPr lang="ja-JP" altLang="en-US" b="1">
+                <a:solidFill>
+                  <a:schemeClr val="bg1"/>
+                </a:solidFill>
+                <a:latin typeface="Yu Gothic" panose="020B0400000000000000" pitchFamily="34" charset="-128"/>
+                <a:ea typeface="Yu Gothic" panose="020B0400000000000000" pitchFamily="34" charset="-128"/>
+              </a:rPr>
+              <a:t>宛先</a:t>
+            </a:r>
+            <a:r>
+              <a:rPr lang="en-US" altLang="ja-JP" b="1" dirty="0">
+                <a:solidFill>
+                  <a:schemeClr val="bg1"/>
+                </a:solidFill>
+                <a:latin typeface="Yu Gothic" panose="020B0400000000000000" pitchFamily="34" charset="-128"/>
+                <a:ea typeface="Yu Gothic" panose="020B0400000000000000" pitchFamily="34" charset="-128"/>
+              </a:rPr>
+              <a:t>IP</a:t>
+            </a:r>
+            <a:endParaRPr lang="en-US" b="1" dirty="0">
+              <a:solidFill>
+                <a:schemeClr val="bg1"/>
+              </a:solidFill>
+              <a:latin typeface="Yu Gothic" panose="020B0400000000000000" pitchFamily="34" charset="-128"/>
+              <a:ea typeface="Yu Gothic" panose="020B0400000000000000" pitchFamily="34" charset="-128"/>
+            </a:endParaRPr>
+          </a:p>
+        </p:txBody>
+      </p:sp>
+      <p:sp>
+        <p:nvSpPr>
+          <p:cNvPr id="46" name="TextBox 45">
+            <a:extLst>
+              <a:ext uri="{FF2B5EF4-FFF2-40B4-BE49-F238E27FC236}">
+                <a16:creationId xmlns:a16="http://schemas.microsoft.com/office/drawing/2014/main" id="{577B813B-573E-EB42-84FC-D4205D08E7C5}"/>
+              </a:ext>
+            </a:extLst>
+          </p:cNvPr>
+          <p:cNvSpPr txBox="1"/>
+          <p:nvPr/>
+        </p:nvSpPr>
+        <p:spPr>
+          <a:xfrm>
+            <a:off x="4814343" y="1330467"/>
+            <a:ext cx="1308371" cy="369332"/>
+          </a:xfrm>
+          <a:prstGeom prst="rect">
+            <a:avLst/>
+          </a:prstGeom>
+          <a:noFill/>
+        </p:spPr>
+        <p:txBody>
+          <a:bodyPr wrap="none" rtlCol="0">
+            <a:spAutoFit/>
+          </a:bodyPr>
+          <a:lstStyle/>
+          <a:p>
+            <a:r>
+              <a:rPr lang="en-US" b="1" dirty="0">
+                <a:solidFill>
+                  <a:schemeClr val="bg1"/>
+                </a:solidFill>
+                <a:latin typeface="Yu Gothic" panose="020B0400000000000000" pitchFamily="34" charset="-128"/>
+                <a:ea typeface="Yu Gothic" panose="020B0400000000000000" pitchFamily="34" charset="-128"/>
+              </a:rPr>
+              <a:t>10.0.0.102</a:t>
+            </a:r>
+          </a:p>
+        </p:txBody>
+      </p:sp>
+      <p:sp>
+        <p:nvSpPr>
+          <p:cNvPr id="47" name="Rectangle 46">
+            <a:extLst>
+              <a:ext uri="{FF2B5EF4-FFF2-40B4-BE49-F238E27FC236}">
+                <a16:creationId xmlns:a16="http://schemas.microsoft.com/office/drawing/2014/main" id="{D3B1B512-5DEE-C244-A7F6-465FF4C134A3}"/>
               </a:ext>
             </a:extLst>
           </p:cNvPr>
@@ -11694,18 +12090,20 @@
           <p:nvPr/>
         </p:nvSpPr>
         <p:spPr>
-          <a:xfrm rot="5400000">
-            <a:off x="2184549" y="2826943"/>
-            <a:ext cx="1572322" cy="468658"/>
-          </a:xfrm>
-          <a:prstGeom prst="leftRightArrow">
+          <a:xfrm>
+            <a:off x="3188799" y="1009983"/>
+            <a:ext cx="1520220" cy="695739"/>
+          </a:xfrm>
+          <a:prstGeom prst="rect">
             <a:avLst/>
           </a:prstGeom>
           <a:solidFill>
-            <a:schemeClr val="accent2"/>
+            <a:schemeClr val="accent1"/>
           </a:solidFill>
-          <a:ln>
-            <a:noFill/>
+          <a:ln w="38100">
+            <a:solidFill>
+              <a:schemeClr val="bg1"/>
+            </a:solidFill>
           </a:ln>
         </p:spPr>
         <p:style>
@@ -11735,117 +12133,10 @@
       </p:sp>
       <p:sp>
         <p:nvSpPr>
-          <p:cNvPr id="52" name="Left-Right Arrow 51">
-            <a:extLst>
-              <a:ext uri="{FF2B5EF4-FFF2-40B4-BE49-F238E27FC236}">
-                <a16:creationId xmlns:a16="http://schemas.microsoft.com/office/drawing/2014/main" id="{F94EAC0B-93CB-C240-8097-D0BD479112B3}"/>
-              </a:ext>
-            </a:extLst>
-          </p:cNvPr>
-          <p:cNvSpPr/>
-          <p:nvPr/>
-        </p:nvSpPr>
-        <p:spPr>
-          <a:xfrm rot="5400000">
-            <a:off x="8982162" y="2920606"/>
-            <a:ext cx="1572322" cy="468658"/>
-          </a:xfrm>
-          <a:prstGeom prst="leftRightArrow">
-            <a:avLst/>
-          </a:prstGeom>
-          <a:solidFill>
-            <a:schemeClr val="accent2"/>
-          </a:solidFill>
-          <a:ln>
-            <a:noFill/>
-          </a:ln>
-        </p:spPr>
-        <p:style>
-          <a:lnRef idx="2">
-            <a:schemeClr val="accent1">
-              <a:shade val="50000"/>
-            </a:schemeClr>
-          </a:lnRef>
-          <a:fillRef idx="1">
-            <a:schemeClr val="accent1"/>
-          </a:fillRef>
-          <a:effectRef idx="0">
-            <a:schemeClr val="accent1"/>
-          </a:effectRef>
-          <a:fontRef idx="minor">
-            <a:schemeClr val="lt1"/>
-          </a:fontRef>
-        </p:style>
-        <p:txBody>
-          <a:bodyPr rtlCol="0" anchor="ctr"/>
-          <a:lstStyle/>
-          <a:p>
-            <a:pPr algn="ctr"/>
-            <a:endParaRPr lang="en-US"/>
-          </a:p>
-        </p:txBody>
-      </p:sp>
-      <p:sp>
-        <p:nvSpPr>
-          <p:cNvPr id="54" name="Left-Right Arrow 53">
-            <a:extLst>
-              <a:ext uri="{FF2B5EF4-FFF2-40B4-BE49-F238E27FC236}">
-                <a16:creationId xmlns:a16="http://schemas.microsoft.com/office/drawing/2014/main" id="{6949B934-4C38-1E40-90A1-EC8B2A31BE7E}"/>
-              </a:ext>
-            </a:extLst>
-          </p:cNvPr>
-          <p:cNvSpPr/>
-          <p:nvPr/>
-        </p:nvSpPr>
-        <p:spPr>
-          <a:xfrm rot="10800000">
-            <a:off x="3622907" y="1148943"/>
-            <a:ext cx="5463094" cy="608935"/>
-          </a:xfrm>
-          <a:prstGeom prst="leftRightArrow">
-            <a:avLst>
-              <a:gd name="adj1" fmla="val 35350"/>
-              <a:gd name="adj2" fmla="val 50000"/>
-            </a:avLst>
-          </a:prstGeom>
-          <a:solidFill>
-            <a:schemeClr val="accent1"/>
-          </a:solidFill>
-          <a:ln>
-            <a:noFill/>
-          </a:ln>
-        </p:spPr>
-        <p:style>
-          <a:lnRef idx="2">
-            <a:schemeClr val="accent1">
-              <a:shade val="50000"/>
-            </a:schemeClr>
-          </a:lnRef>
-          <a:fillRef idx="1">
-            <a:schemeClr val="accent1"/>
-          </a:fillRef>
-          <a:effectRef idx="0">
-            <a:schemeClr val="accent1"/>
-          </a:effectRef>
-          <a:fontRef idx="minor">
-            <a:schemeClr val="lt1"/>
-          </a:fontRef>
-        </p:style>
-        <p:txBody>
-          <a:bodyPr rtlCol="0" anchor="ctr"/>
-          <a:lstStyle/>
-          <a:p>
-            <a:pPr algn="ctr"/>
-            <a:endParaRPr lang="en-US"/>
-          </a:p>
-        </p:txBody>
-      </p:sp>
-      <p:sp>
-        <p:nvSpPr>
-          <p:cNvPr id="57" name="TextBox 56">
-            <a:extLst>
-              <a:ext uri="{FF2B5EF4-FFF2-40B4-BE49-F238E27FC236}">
-                <a16:creationId xmlns:a16="http://schemas.microsoft.com/office/drawing/2014/main" id="{D2931D55-C56C-D544-8119-B8703A9EFBD3}"/>
+          <p:cNvPr id="48" name="TextBox 47">
+            <a:extLst>
+              <a:ext uri="{FF2B5EF4-FFF2-40B4-BE49-F238E27FC236}">
+                <a16:creationId xmlns:a16="http://schemas.microsoft.com/office/drawing/2014/main" id="{9AD46A81-4D49-9A4E-95B3-45B4A5E46093}"/>
               </a:ext>
             </a:extLst>
           </p:cNvPr>
@@ -11854,8 +12145,8 @@
         </p:nvSpPr>
         <p:spPr>
           <a:xfrm>
-            <a:off x="3622907" y="5495363"/>
-            <a:ext cx="1893467" cy="523220"/>
+            <a:off x="3411219" y="1036878"/>
+            <a:ext cx="1111202" cy="369332"/>
           </a:xfrm>
           <a:prstGeom prst="rect">
             <a:avLst/>
@@ -11868,118 +12159,30 @@
           </a:bodyPr>
           <a:lstStyle/>
           <a:p>
-            <a:r>
-              <a:rPr lang="en-US" sz="2800" b="1" dirty="0">
-                <a:latin typeface="Yu Gothic" panose="020B0400000000000000" pitchFamily="34" charset="-128"/>
-                <a:ea typeface="Yu Gothic" panose="020B0400000000000000" pitchFamily="34" charset="-128"/>
-              </a:rPr>
-              <a:t>10.0.0.0/8</a:t>
-            </a:r>
-          </a:p>
-        </p:txBody>
-      </p:sp>
-      <p:sp>
-        <p:nvSpPr>
-          <p:cNvPr id="58" name="TextBox 57">
-            <a:extLst>
-              <a:ext uri="{FF2B5EF4-FFF2-40B4-BE49-F238E27FC236}">
-                <a16:creationId xmlns:a16="http://schemas.microsoft.com/office/drawing/2014/main" id="{74C8D693-B703-3049-BECD-63F8FF2AABEA}"/>
-              </a:ext>
-            </a:extLst>
-          </p:cNvPr>
-          <p:cNvSpPr txBox="1"/>
-          <p:nvPr/>
-        </p:nvSpPr>
-        <p:spPr>
-          <a:xfrm>
-            <a:off x="7818336" y="5473659"/>
-            <a:ext cx="2714205" cy="523220"/>
-          </a:xfrm>
-          <a:prstGeom prst="rect">
-            <a:avLst/>
-          </a:prstGeom>
-          <a:noFill/>
-        </p:spPr>
-        <p:txBody>
-          <a:bodyPr wrap="none" rtlCol="0">
-            <a:spAutoFit/>
-          </a:bodyPr>
-          <a:lstStyle/>
-          <a:p>
-            <a:r>
-              <a:rPr lang="en-US" sz="2800" b="1" dirty="0">
-                <a:latin typeface="Yu Gothic" panose="020B0400000000000000" pitchFamily="34" charset="-128"/>
-                <a:ea typeface="Yu Gothic" panose="020B0400000000000000" pitchFamily="34" charset="-128"/>
-              </a:rPr>
-              <a:t>192.168.0.0/24</a:t>
-            </a:r>
-          </a:p>
-        </p:txBody>
-      </p:sp>
-      <p:sp>
-        <p:nvSpPr>
-          <p:cNvPr id="59" name="TextBox 58">
-            <a:extLst>
-              <a:ext uri="{FF2B5EF4-FFF2-40B4-BE49-F238E27FC236}">
-                <a16:creationId xmlns:a16="http://schemas.microsoft.com/office/drawing/2014/main" id="{AC102A99-5AA9-0147-B2D2-FC8FD0FBC089}"/>
-              </a:ext>
-            </a:extLst>
-          </p:cNvPr>
-          <p:cNvSpPr txBox="1"/>
-          <p:nvPr/>
-        </p:nvSpPr>
-        <p:spPr>
-          <a:xfrm>
-            <a:off x="6179962" y="1560552"/>
-            <a:ext cx="1718740" cy="461665"/>
-          </a:xfrm>
-          <a:prstGeom prst="rect">
-            <a:avLst/>
-          </a:prstGeom>
-          <a:solidFill>
-            <a:schemeClr val="bg1"/>
-          </a:solidFill>
-        </p:spPr>
-        <p:txBody>
-          <a:bodyPr wrap="none" rtlCol="0">
-            <a:spAutoFit/>
-          </a:bodyPr>
-          <a:lstStyle/>
-          <a:p>
             <a:pPr algn="ctr"/>
             <a:r>
-              <a:rPr lang="en-US" sz="2400" b="1" dirty="0">
+              <a:rPr lang="ja-JP" altLang="en-US" b="1">
                 <a:solidFill>
-                  <a:schemeClr val="accent1"/>
+                  <a:schemeClr val="bg1"/>
                 </a:solidFill>
                 <a:latin typeface="Yu Gothic" panose="020B0400000000000000" pitchFamily="34" charset="-128"/>
                 <a:ea typeface="Yu Gothic" panose="020B0400000000000000" pitchFamily="34" charset="-128"/>
               </a:rPr>
-              <a:t>L3</a:t>
-            </a:r>
-            <a:r>
-              <a:rPr lang="ja-JP" altLang="en-US" sz="2400" b="1">
+              <a:t>送信元</a:t>
+            </a:r>
+            <a:r>
+              <a:rPr lang="en-US" altLang="ja-JP" b="1" dirty="0">
                 <a:solidFill>
-                  <a:schemeClr val="accent1"/>
+                  <a:schemeClr val="bg1"/>
                 </a:solidFill>
                 <a:latin typeface="Yu Gothic" panose="020B0400000000000000" pitchFamily="34" charset="-128"/>
                 <a:ea typeface="Yu Gothic" panose="020B0400000000000000" pitchFamily="34" charset="-128"/>
               </a:rPr>
-              <a:t>通信</a:t>
-            </a:r>
-            <a:r>
-              <a:rPr lang="en-US" altLang="ja-JP" sz="2400" b="1" dirty="0">
-                <a:solidFill>
-                  <a:schemeClr val="accent1"/>
-                </a:solidFill>
-                <a:latin typeface="Yu Gothic" panose="020B0400000000000000" pitchFamily="34" charset="-128"/>
-                <a:ea typeface="Yu Gothic" panose="020B0400000000000000" pitchFamily="34" charset="-128"/>
-              </a:rPr>
-              <a:t>(IP)</a:t>
-            </a:r>
-            <a:endParaRPr lang="en-US" sz="2400" b="1" dirty="0">
+              <a:t>IP</a:t>
+            </a:r>
+            <a:endParaRPr lang="en-US" b="1" dirty="0">
               <a:solidFill>
-                <a:schemeClr val="accent1"/>
+                <a:schemeClr val="bg1"/>
               </a:solidFill>
               <a:latin typeface="Yu Gothic" panose="020B0400000000000000" pitchFamily="34" charset="-128"/>
               <a:ea typeface="Yu Gothic" panose="020B0400000000000000" pitchFamily="34" charset="-128"/>
@@ -11989,10 +12192,10 @@
       </p:sp>
       <p:sp>
         <p:nvSpPr>
-          <p:cNvPr id="60" name="TextBox 59">
-            <a:extLst>
-              <a:ext uri="{FF2B5EF4-FFF2-40B4-BE49-F238E27FC236}">
-                <a16:creationId xmlns:a16="http://schemas.microsoft.com/office/drawing/2014/main" id="{9FAD4404-F7FA-4248-A016-E4436F60121A}"/>
+          <p:cNvPr id="49" name="TextBox 48">
+            <a:extLst>
+              <a:ext uri="{FF2B5EF4-FFF2-40B4-BE49-F238E27FC236}">
+                <a16:creationId xmlns:a16="http://schemas.microsoft.com/office/drawing/2014/main" id="{384E4355-CB03-4D45-AC27-BF39E5A191E6}"/>
               </a:ext>
             </a:extLst>
           </p:cNvPr>
@@ -12001,8 +12204,8 @@
         </p:nvSpPr>
         <p:spPr>
           <a:xfrm>
-            <a:off x="1580572" y="2694629"/>
-            <a:ext cx="1159292" cy="830997"/>
+            <a:off x="3304669" y="1330467"/>
+            <a:ext cx="1308371" cy="369332"/>
           </a:xfrm>
           <a:prstGeom prst="rect">
             <a:avLst/>
@@ -12015,56 +12218,25 @@
           </a:bodyPr>
           <a:lstStyle/>
           <a:p>
-            <a:pPr algn="ctr"/>
-            <a:r>
-              <a:rPr lang="en-US" sz="2400" b="1" dirty="0">
+            <a:r>
+              <a:rPr lang="en-US" b="1" dirty="0">
                 <a:solidFill>
-                  <a:schemeClr val="accent2"/>
+                  <a:schemeClr val="bg1"/>
                 </a:solidFill>
                 <a:latin typeface="Yu Gothic" panose="020B0400000000000000" pitchFamily="34" charset="-128"/>
                 <a:ea typeface="Yu Gothic" panose="020B0400000000000000" pitchFamily="34" charset="-128"/>
               </a:rPr>
-              <a:t>L2</a:t>
-            </a:r>
-            <a:r>
-              <a:rPr lang="ja-JP" altLang="en-US" sz="2400" b="1">
-                <a:solidFill>
-                  <a:schemeClr val="accent2"/>
-                </a:solidFill>
-                <a:latin typeface="Yu Gothic" panose="020B0400000000000000" pitchFamily="34" charset="-128"/>
-                <a:ea typeface="Yu Gothic" panose="020B0400000000000000" pitchFamily="34" charset="-128"/>
-              </a:rPr>
-              <a:t>通信</a:t>
-            </a:r>
-            <a:endParaRPr lang="en-US" altLang="ja-JP" sz="2400" b="1" dirty="0">
-              <a:solidFill>
-                <a:schemeClr val="accent2"/>
-              </a:solidFill>
-              <a:latin typeface="Yu Gothic" panose="020B0400000000000000" pitchFamily="34" charset="-128"/>
-              <a:ea typeface="Yu Gothic" panose="020B0400000000000000" pitchFamily="34" charset="-128"/>
-            </a:endParaRPr>
-          </a:p>
-          <a:p>
-            <a:pPr algn="ctr"/>
-            <a:r>
-              <a:rPr lang="en-US" sz="2400" b="1" dirty="0">
-                <a:solidFill>
-                  <a:schemeClr val="accent2"/>
-                </a:solidFill>
-                <a:latin typeface="Yu Gothic" panose="020B0400000000000000" pitchFamily="34" charset="-128"/>
-                <a:ea typeface="Yu Gothic" panose="020B0400000000000000" pitchFamily="34" charset="-128"/>
-              </a:rPr>
-              <a:t>(MAC)</a:t>
-            </a:r>
-          </a:p>
-        </p:txBody>
-      </p:sp>
-      <p:sp>
-        <p:nvSpPr>
-          <p:cNvPr id="61" name="TextBox 60">
-            <a:extLst>
-              <a:ext uri="{FF2B5EF4-FFF2-40B4-BE49-F238E27FC236}">
-                <a16:creationId xmlns:a16="http://schemas.microsoft.com/office/drawing/2014/main" id="{AD38FC90-611A-2F49-9F50-EF8269303A15}"/>
+              <a:t>10.0.0.101</a:t>
+            </a:r>
+          </a:p>
+        </p:txBody>
+      </p:sp>
+      <p:sp>
+        <p:nvSpPr>
+          <p:cNvPr id="15" name="TextBox 14">
+            <a:extLst>
+              <a:ext uri="{FF2B5EF4-FFF2-40B4-BE49-F238E27FC236}">
+                <a16:creationId xmlns:a16="http://schemas.microsoft.com/office/drawing/2014/main" id="{A9456FAF-5A63-104D-ACEF-4B049E76CB96}"/>
               </a:ext>
             </a:extLst>
           </p:cNvPr>
@@ -12073,8 +12245,8 @@
         </p:nvSpPr>
         <p:spPr>
           <a:xfrm>
-            <a:off x="9966054" y="2703561"/>
-            <a:ext cx="1159292" cy="830997"/>
+            <a:off x="752298" y="2668681"/>
+            <a:ext cx="3005951" cy="707886"/>
           </a:xfrm>
           <a:prstGeom prst="rect">
             <a:avLst/>
@@ -12087,467 +12259,37 @@
           </a:bodyPr>
           <a:lstStyle/>
           <a:p>
-            <a:pPr algn="ctr"/>
-            <a:r>
-              <a:rPr lang="en-US" sz="2400" b="1" dirty="0">
+            <a:r>
+              <a:rPr lang="en-US" sz="2000" b="1" dirty="0">
                 <a:solidFill>
-                  <a:schemeClr val="accent2"/>
+                  <a:schemeClr val="bg1"/>
                 </a:solidFill>
-                <a:latin typeface="Yu Gothic" panose="020B0400000000000000" pitchFamily="34" charset="-128"/>
-                <a:ea typeface="Yu Gothic" panose="020B0400000000000000" pitchFamily="34" charset="-128"/>
-              </a:rPr>
-              <a:t>L2</a:t>
-            </a:r>
-            <a:r>
-              <a:rPr lang="ja-JP" altLang="en-US" sz="2400" b="1">
+                <a:latin typeface="Consolas" panose="020B0609020204030204" pitchFamily="49" charset="0"/>
+                <a:cs typeface="Consolas" panose="020B0609020204030204" pitchFamily="49" charset="0"/>
+              </a:rPr>
+              <a:t>PC1# ping 10.0.0.102</a:t>
+            </a:r>
+          </a:p>
+          <a:p>
+            <a:r>
+              <a:rPr lang="en-US" sz="2000" b="1" dirty="0">
                 <a:solidFill>
-                  <a:schemeClr val="accent2"/>
+                  <a:schemeClr val="bg1"/>
                 </a:solidFill>
-                <a:latin typeface="Yu Gothic" panose="020B0400000000000000" pitchFamily="34" charset="-128"/>
-                <a:ea typeface="Yu Gothic" panose="020B0400000000000000" pitchFamily="34" charset="-128"/>
-              </a:rPr>
-              <a:t>通信</a:t>
-            </a:r>
-            <a:endParaRPr lang="en-US" altLang="ja-JP" sz="2400" b="1" dirty="0">
-              <a:solidFill>
-                <a:schemeClr val="accent2"/>
-              </a:solidFill>
-              <a:latin typeface="Yu Gothic" panose="020B0400000000000000" pitchFamily="34" charset="-128"/>
-              <a:ea typeface="Yu Gothic" panose="020B0400000000000000" pitchFamily="34" charset="-128"/>
-            </a:endParaRPr>
-          </a:p>
-          <a:p>
-            <a:pPr algn="ctr"/>
-            <a:r>
-              <a:rPr lang="en-US" sz="2400" b="1" dirty="0">
-                <a:solidFill>
-                  <a:schemeClr val="accent2"/>
-                </a:solidFill>
-                <a:latin typeface="Yu Gothic" panose="020B0400000000000000" pitchFamily="34" charset="-128"/>
-                <a:ea typeface="Yu Gothic" panose="020B0400000000000000" pitchFamily="34" charset="-128"/>
-              </a:rPr>
-              <a:t>(MAC)</a:t>
-            </a:r>
-          </a:p>
-        </p:txBody>
-      </p:sp>
-    </p:spTree>
-    <p:extLst>
-      <p:ext uri="{BB962C8B-B14F-4D97-AF65-F5344CB8AC3E}">
-        <p14:creationId xmlns:p14="http://schemas.microsoft.com/office/powerpoint/2010/main" val="365925002"/>
-      </p:ext>
-    </p:extLst>
-  </p:cSld>
-  <p:clrMapOvr>
-    <a:masterClrMapping/>
-  </p:clrMapOvr>
-</p:sld>
-</file>
-
-<file path=ppt/slides/slide15.xml><?xml version="1.0" encoding="utf-8"?>
-<p:sld xmlns:a="http://schemas.openxmlformats.org/drawingml/2006/main" xmlns:r="http://schemas.openxmlformats.org/officeDocument/2006/relationships" xmlns:p="http://schemas.openxmlformats.org/presentationml/2006/main">
-  <p:cSld>
-    <p:spTree>
-      <p:nvGrpSpPr>
-        <p:cNvPr id="1" name=""/>
-        <p:cNvGrpSpPr/>
-        <p:nvPr/>
-      </p:nvGrpSpPr>
-      <p:grpSpPr>
-        <a:xfrm>
-          <a:off x="0" y="0"/>
-          <a:ext cx="0" cy="0"/>
-          <a:chOff x="0" y="0"/>
-          <a:chExt cx="0" cy="0"/>
-        </a:xfrm>
-      </p:grpSpPr>
-      <p:sp>
-        <p:nvSpPr>
-          <p:cNvPr id="3" name="Rectangular Callout 2">
-            <a:extLst>
-              <a:ext uri="{FF2B5EF4-FFF2-40B4-BE49-F238E27FC236}">
-                <a16:creationId xmlns:a16="http://schemas.microsoft.com/office/drawing/2014/main" id="{D6C0643E-B09D-8143-9120-6B5DF4CCA66D}"/>
-              </a:ext>
-            </a:extLst>
-          </p:cNvPr>
-          <p:cNvSpPr/>
-          <p:nvPr/>
-        </p:nvSpPr>
-        <p:spPr>
-          <a:xfrm>
-            <a:off x="7872733" y="1749794"/>
-            <a:ext cx="3656658" cy="2517521"/>
-          </a:xfrm>
-          <a:prstGeom prst="wedgeRectCallout">
-            <a:avLst>
-              <a:gd name="adj1" fmla="val -124995"/>
-              <a:gd name="adj2" fmla="val -44957"/>
-            </a:avLst>
-          </a:prstGeom>
-          <a:solidFill>
-            <a:schemeClr val="accent1"/>
-          </a:solidFill>
-          <a:ln>
-            <a:noFill/>
-          </a:ln>
-        </p:spPr>
-        <p:style>
-          <a:lnRef idx="2">
-            <a:schemeClr val="accent1">
-              <a:shade val="50000"/>
-            </a:schemeClr>
-          </a:lnRef>
-          <a:fillRef idx="1">
-            <a:schemeClr val="accent1"/>
-          </a:fillRef>
-          <a:effectRef idx="0">
-            <a:schemeClr val="accent1"/>
-          </a:effectRef>
-          <a:fontRef idx="minor">
-            <a:schemeClr val="lt1"/>
-          </a:fontRef>
-        </p:style>
-        <p:txBody>
-          <a:bodyPr rtlCol="0" anchor="ctr"/>
-          <a:lstStyle/>
-          <a:p>
-            <a:pPr algn="ctr"/>
-            <a:endParaRPr lang="en-US"/>
-          </a:p>
-        </p:txBody>
-      </p:sp>
-      <p:sp>
-        <p:nvSpPr>
-          <p:cNvPr id="17" name="Rounded Rectangle 16">
-            <a:extLst>
-              <a:ext uri="{FF2B5EF4-FFF2-40B4-BE49-F238E27FC236}">
-                <a16:creationId xmlns:a16="http://schemas.microsoft.com/office/drawing/2014/main" id="{BD98CFC9-E81F-B24F-A668-DFDDF3B4C4F1}"/>
-              </a:ext>
-            </a:extLst>
-          </p:cNvPr>
-          <p:cNvSpPr/>
-          <p:nvPr/>
-        </p:nvSpPr>
-        <p:spPr>
-          <a:xfrm>
-            <a:off x="357807" y="1216280"/>
-            <a:ext cx="11499576" cy="4637867"/>
-          </a:xfrm>
-          <a:prstGeom prst="roundRect">
-            <a:avLst/>
-          </a:prstGeom>
-          <a:noFill/>
-          <a:ln w="76200">
-            <a:solidFill>
-              <a:schemeClr val="accent5"/>
-            </a:solidFill>
-            <a:prstDash val="dash"/>
-          </a:ln>
-        </p:spPr>
-        <p:style>
-          <a:lnRef idx="2">
-            <a:schemeClr val="accent1">
-              <a:shade val="50000"/>
-            </a:schemeClr>
-          </a:lnRef>
-          <a:fillRef idx="1">
-            <a:schemeClr val="accent1"/>
-          </a:fillRef>
-          <a:effectRef idx="0">
-            <a:schemeClr val="accent1"/>
-          </a:effectRef>
-          <a:fontRef idx="minor">
-            <a:schemeClr val="lt1"/>
-          </a:fontRef>
-        </p:style>
-        <p:txBody>
-          <a:bodyPr rtlCol="0" anchor="ctr"/>
-          <a:lstStyle/>
-          <a:p>
-            <a:pPr algn="ctr"/>
-            <a:endParaRPr lang="en-US"/>
-          </a:p>
-        </p:txBody>
-      </p:sp>
-      <p:cxnSp>
-        <p:nvCxnSpPr>
-          <p:cNvPr id="21" name="Straight Connector 20">
-            <a:extLst>
-              <a:ext uri="{FF2B5EF4-FFF2-40B4-BE49-F238E27FC236}">
-                <a16:creationId xmlns:a16="http://schemas.microsoft.com/office/drawing/2014/main" id="{D7F33E11-F8D9-8F46-A3ED-36FE137F8571}"/>
-              </a:ext>
-            </a:extLst>
-          </p:cNvPr>
-          <p:cNvCxnSpPr>
-            <a:cxnSpLocks/>
-          </p:cNvCxnSpPr>
-          <p:nvPr/>
-        </p:nvCxnSpPr>
-        <p:spPr>
-          <a:xfrm>
-            <a:off x="4478484" y="1838431"/>
-            <a:ext cx="2724554" cy="1689960"/>
-          </a:xfrm>
-          <a:prstGeom prst="line">
-            <a:avLst/>
-          </a:prstGeom>
-          <a:ln w="38100">
-            <a:solidFill>
-              <a:schemeClr val="tx1"/>
-            </a:solidFill>
-          </a:ln>
-        </p:spPr>
-        <p:style>
-          <a:lnRef idx="1">
-            <a:schemeClr val="accent1"/>
-          </a:lnRef>
-          <a:fillRef idx="0">
-            <a:schemeClr val="accent1"/>
-          </a:fillRef>
-          <a:effectRef idx="0">
-            <a:schemeClr val="accent1"/>
-          </a:effectRef>
-          <a:fontRef idx="minor">
-            <a:schemeClr val="tx1"/>
-          </a:fontRef>
-        </p:style>
-      </p:cxnSp>
-      <p:cxnSp>
-        <p:nvCxnSpPr>
-          <p:cNvPr id="25" name="Straight Connector 24">
-            <a:extLst>
-              <a:ext uri="{FF2B5EF4-FFF2-40B4-BE49-F238E27FC236}">
-                <a16:creationId xmlns:a16="http://schemas.microsoft.com/office/drawing/2014/main" id="{82F68239-DFD2-6E4A-9A31-A58481674091}"/>
-              </a:ext>
-            </a:extLst>
-          </p:cNvPr>
-          <p:cNvCxnSpPr>
-            <a:cxnSpLocks/>
-          </p:cNvCxnSpPr>
-          <p:nvPr/>
-        </p:nvCxnSpPr>
-        <p:spPr>
-          <a:xfrm flipV="1">
-            <a:off x="4588282" y="3737112"/>
-            <a:ext cx="2438683" cy="1576910"/>
-          </a:xfrm>
-          <a:prstGeom prst="line">
-            <a:avLst/>
-          </a:prstGeom>
-          <a:ln w="38100">
-            <a:solidFill>
-              <a:schemeClr val="tx1"/>
-            </a:solidFill>
-          </a:ln>
-        </p:spPr>
-        <p:style>
-          <a:lnRef idx="1">
-            <a:schemeClr val="accent1"/>
-          </a:lnRef>
-          <a:fillRef idx="0">
-            <a:schemeClr val="accent1"/>
-          </a:fillRef>
-          <a:effectRef idx="0">
-            <a:schemeClr val="accent1"/>
-          </a:effectRef>
-          <a:fontRef idx="minor">
-            <a:schemeClr val="tx1"/>
-          </a:fontRef>
-        </p:style>
-      </p:cxnSp>
-      <p:pic>
-        <p:nvPicPr>
-          <p:cNvPr id="46" name="Picture 45">
-            <a:extLst>
-              <a:ext uri="{FF2B5EF4-FFF2-40B4-BE49-F238E27FC236}">
-                <a16:creationId xmlns:a16="http://schemas.microsoft.com/office/drawing/2014/main" id="{2874AAC5-35F5-B742-9AD1-09FF158769E3}"/>
-              </a:ext>
-            </a:extLst>
-          </p:cNvPr>
-          <p:cNvPicPr>
-            <a:picLocks noChangeAspect="1"/>
-          </p:cNvPicPr>
-          <p:nvPr/>
-        </p:nvPicPr>
-        <p:blipFill>
-          <a:blip r:embed="rId2">
-            <a:extLst>
-              <a:ext uri="{28A0092B-C50C-407E-A947-70E740481C1C}">
-                <a14:useLocalDpi xmlns:a14="http://schemas.microsoft.com/office/drawing/2010/main" val="0"/>
-              </a:ext>
-            </a:extLst>
-          </a:blip>
-          <a:stretch>
-            <a:fillRect/>
-          </a:stretch>
-        </p:blipFill>
-        <p:spPr>
-          <a:xfrm>
-            <a:off x="3671386" y="1239570"/>
-            <a:ext cx="1318030" cy="1318030"/>
-          </a:xfrm>
-          <a:prstGeom prst="rect">
-            <a:avLst/>
-          </a:prstGeom>
-        </p:spPr>
-      </p:pic>
-      <p:pic>
-        <p:nvPicPr>
-          <p:cNvPr id="11" name="Picture 10">
-            <a:extLst>
-              <a:ext uri="{FF2B5EF4-FFF2-40B4-BE49-F238E27FC236}">
-                <a16:creationId xmlns:a16="http://schemas.microsoft.com/office/drawing/2014/main" id="{F52CD117-BF1F-F241-85F7-E82F20E86ECE}"/>
-              </a:ext>
-            </a:extLst>
-          </p:cNvPr>
-          <p:cNvPicPr>
-            <a:picLocks noChangeAspect="1"/>
-          </p:cNvPicPr>
-          <p:nvPr/>
-        </p:nvPicPr>
-        <p:blipFill>
-          <a:blip r:embed="rId2">
-            <a:extLst>
-              <a:ext uri="{28A0092B-C50C-407E-A947-70E740481C1C}">
-                <a14:useLocalDpi xmlns:a14="http://schemas.microsoft.com/office/drawing/2010/main" val="0"/>
-              </a:ext>
-            </a:extLst>
-          </a:blip>
-          <a:stretch>
-            <a:fillRect/>
-          </a:stretch>
-        </p:blipFill>
-        <p:spPr>
-          <a:xfrm>
-            <a:off x="3667323" y="4615855"/>
-            <a:ext cx="1318030" cy="1318030"/>
-          </a:xfrm>
-          <a:prstGeom prst="rect">
-            <a:avLst/>
-          </a:prstGeom>
-        </p:spPr>
-      </p:pic>
-      <p:cxnSp>
-        <p:nvCxnSpPr>
-          <p:cNvPr id="14" name="Straight Connector 13">
-            <a:extLst>
-              <a:ext uri="{FF2B5EF4-FFF2-40B4-BE49-F238E27FC236}">
-                <a16:creationId xmlns:a16="http://schemas.microsoft.com/office/drawing/2014/main" id="{C3863D73-C491-4E4D-80D0-897146A5D57D}"/>
-              </a:ext>
-            </a:extLst>
-          </p:cNvPr>
-          <p:cNvCxnSpPr>
-            <a:cxnSpLocks/>
-          </p:cNvCxnSpPr>
-          <p:nvPr/>
-        </p:nvCxnSpPr>
-        <p:spPr>
-          <a:xfrm>
-            <a:off x="4431225" y="3608300"/>
-            <a:ext cx="2634410" cy="0"/>
-          </a:xfrm>
-          <a:prstGeom prst="line">
-            <a:avLst/>
-          </a:prstGeom>
-          <a:ln w="38100">
-            <a:solidFill>
-              <a:schemeClr val="tx1"/>
-            </a:solidFill>
-          </a:ln>
-        </p:spPr>
-        <p:style>
-          <a:lnRef idx="1">
-            <a:schemeClr val="accent1"/>
-          </a:lnRef>
-          <a:fillRef idx="0">
-            <a:schemeClr val="accent1"/>
-          </a:fillRef>
-          <a:effectRef idx="0">
-            <a:schemeClr val="accent1"/>
-          </a:effectRef>
-          <a:fontRef idx="minor">
-            <a:schemeClr val="tx1"/>
-          </a:fontRef>
-        </p:style>
-      </p:cxnSp>
-      <p:pic>
-        <p:nvPicPr>
-          <p:cNvPr id="18" name="Picture 17">
-            <a:extLst>
-              <a:ext uri="{FF2B5EF4-FFF2-40B4-BE49-F238E27FC236}">
-                <a16:creationId xmlns:a16="http://schemas.microsoft.com/office/drawing/2014/main" id="{9924E9B5-3169-584B-8FC2-F5775EF0CFC1}"/>
-              </a:ext>
-            </a:extLst>
-          </p:cNvPr>
-          <p:cNvPicPr>
-            <a:picLocks noChangeAspect="1"/>
-          </p:cNvPicPr>
-          <p:nvPr/>
-        </p:nvPicPr>
-        <p:blipFill>
-          <a:blip r:embed="rId3">
-            <a:extLst>
-              <a:ext uri="{28A0092B-C50C-407E-A947-70E740481C1C}">
-                <a14:useLocalDpi xmlns:a14="http://schemas.microsoft.com/office/drawing/2010/main" val="0"/>
-              </a:ext>
-            </a:extLst>
-          </a:blip>
-          <a:stretch>
-            <a:fillRect/>
-          </a:stretch>
-        </p:blipFill>
-        <p:spPr>
-          <a:xfrm>
-            <a:off x="6597587" y="3002849"/>
-            <a:ext cx="1210903" cy="1210903"/>
-          </a:xfrm>
-          <a:prstGeom prst="rect">
-            <a:avLst/>
-          </a:prstGeom>
-        </p:spPr>
-      </p:pic>
-      <p:pic>
-        <p:nvPicPr>
-          <p:cNvPr id="19" name="Picture 18">
-            <a:extLst>
-              <a:ext uri="{FF2B5EF4-FFF2-40B4-BE49-F238E27FC236}">
-                <a16:creationId xmlns:a16="http://schemas.microsoft.com/office/drawing/2014/main" id="{9AE523C0-FDB4-524B-AB71-59A614D80C4C}"/>
-              </a:ext>
-            </a:extLst>
-          </p:cNvPr>
-          <p:cNvPicPr>
-            <a:picLocks noChangeAspect="1"/>
-          </p:cNvPicPr>
-          <p:nvPr/>
-        </p:nvPicPr>
-        <p:blipFill>
-          <a:blip r:embed="rId2">
-            <a:extLst>
-              <a:ext uri="{28A0092B-C50C-407E-A947-70E740481C1C}">
-                <a14:useLocalDpi xmlns:a14="http://schemas.microsoft.com/office/drawing/2010/main" val="0"/>
-              </a:ext>
-            </a:extLst>
-          </a:blip>
-          <a:stretch>
-            <a:fillRect/>
-          </a:stretch>
-        </p:blipFill>
-        <p:spPr>
-          <a:xfrm>
-            <a:off x="3671386" y="2949285"/>
-            <a:ext cx="1318030" cy="1318030"/>
-          </a:xfrm>
-          <a:prstGeom prst="rect">
-            <a:avLst/>
-          </a:prstGeom>
-        </p:spPr>
-      </p:pic>
-      <p:sp>
-        <p:nvSpPr>
-          <p:cNvPr id="20" name="TextBox 19">
-            <a:extLst>
-              <a:ext uri="{FF2B5EF4-FFF2-40B4-BE49-F238E27FC236}">
-                <a16:creationId xmlns:a16="http://schemas.microsoft.com/office/drawing/2014/main" id="{2E02E085-3CAF-BD47-B994-2BE369B03CBB}"/>
+                <a:latin typeface="Consolas" panose="020B0609020204030204" pitchFamily="49" charset="0"/>
+                <a:cs typeface="Consolas" panose="020B0609020204030204" pitchFamily="49" charset="0"/>
+              </a:rPr>
+              <a:t>.!!!!</a:t>
+            </a:r>
+          </a:p>
+        </p:txBody>
+      </p:sp>
+      <p:sp>
+        <p:nvSpPr>
+          <p:cNvPr id="16" name="TextBox 15">
+            <a:extLst>
+              <a:ext uri="{FF2B5EF4-FFF2-40B4-BE49-F238E27FC236}">
+                <a16:creationId xmlns:a16="http://schemas.microsoft.com/office/drawing/2014/main" id="{1E8FD88C-02F7-DE4C-922F-A5CC14AF6FA9}"/>
               </a:ext>
             </a:extLst>
           </p:cNvPr>
@@ -12556,8 +12298,8 @@
         </p:nvSpPr>
         <p:spPr>
           <a:xfrm>
-            <a:off x="5218425" y="6039965"/>
-            <a:ext cx="1893467" cy="523220"/>
+            <a:off x="4780068" y="225115"/>
+            <a:ext cx="1210588" cy="707886"/>
           </a:xfrm>
           <a:prstGeom prst="rect">
             <a:avLst/>
@@ -12570,22 +12312,29 @@
           </a:bodyPr>
           <a:lstStyle/>
           <a:p>
-            <a:r>
-              <a:rPr lang="en-US" sz="2800" b="1" dirty="0">
-                <a:latin typeface="Yu Gothic" panose="020B0400000000000000" pitchFamily="34" charset="-128"/>
-                <a:ea typeface="Yu Gothic" panose="020B0400000000000000" pitchFamily="34" charset="-128"/>
-              </a:rPr>
-              <a:t>10.0.0.0/8</a:t>
-            </a:r>
-          </a:p>
-        </p:txBody>
-      </p:sp>
-      <p:sp>
-        <p:nvSpPr>
-          <p:cNvPr id="22" name="TextBox 21">
-            <a:extLst>
-              <a:ext uri="{FF2B5EF4-FFF2-40B4-BE49-F238E27FC236}">
-                <a16:creationId xmlns:a16="http://schemas.microsoft.com/office/drawing/2014/main" id="{33376BAD-646D-6E42-B7D8-9B45445AC948}"/>
+            <a:pPr algn="ctr"/>
+            <a:r>
+              <a:rPr lang="ja-JP" altLang="en-US" sz="2000" b="1"/>
+              <a:t>ユーザが</a:t>
+            </a:r>
+            <a:endParaRPr lang="en-US" altLang="ja-JP" sz="2000" b="1" dirty="0"/>
+          </a:p>
+          <a:p>
+            <a:pPr algn="ctr"/>
+            <a:r>
+              <a:rPr lang="ja-JP" altLang="en-US" sz="2000" b="1"/>
+              <a:t>指定</a:t>
+            </a:r>
+            <a:endParaRPr lang="en-US" sz="2000" b="1" dirty="0"/>
+          </a:p>
+        </p:txBody>
+      </p:sp>
+      <p:sp>
+        <p:nvSpPr>
+          <p:cNvPr id="52" name="TextBox 51">
+            <a:extLst>
+              <a:ext uri="{FF2B5EF4-FFF2-40B4-BE49-F238E27FC236}">
+                <a16:creationId xmlns:a16="http://schemas.microsoft.com/office/drawing/2014/main" id="{A9A4B4D6-E472-B345-BF6D-E811E7862D94}"/>
               </a:ext>
             </a:extLst>
           </p:cNvPr>
@@ -12594,8 +12343,8 @@
         </p:nvSpPr>
         <p:spPr>
           <a:xfrm>
-            <a:off x="707227" y="1544642"/>
-            <a:ext cx="2855269" cy="707886"/>
+            <a:off x="3346195" y="230159"/>
+            <a:ext cx="1210588" cy="707886"/>
           </a:xfrm>
           <a:prstGeom prst="rect">
             <a:avLst/>
@@ -12608,31 +12357,29 @@
           </a:bodyPr>
           <a:lstStyle/>
           <a:p>
-            <a:r>
-              <a:rPr lang="en-US" sz="2000" b="1" dirty="0">
-                <a:latin typeface="Yu Gothic" panose="020B0400000000000000" pitchFamily="34" charset="-128"/>
-                <a:ea typeface="Yu Gothic" panose="020B0400000000000000" pitchFamily="34" charset="-128"/>
-              </a:rPr>
-              <a:t>IP : 10.0.0.101</a:t>
-            </a:r>
-          </a:p>
-          <a:p>
-            <a:r>
-              <a:rPr lang="en-US" sz="2000" b="1" dirty="0">
-                <a:latin typeface="Yu Gothic" panose="020B0400000000000000" pitchFamily="34" charset="-128"/>
-                <a:ea typeface="Yu Gothic" panose="020B0400000000000000" pitchFamily="34" charset="-128"/>
-              </a:rPr>
-              <a:t>MAC: 0000.0000.0101</a:t>
-            </a:r>
-          </a:p>
-        </p:txBody>
-      </p:sp>
-      <p:sp>
-        <p:nvSpPr>
-          <p:cNvPr id="23" name="TextBox 22">
-            <a:extLst>
-              <a:ext uri="{FF2B5EF4-FFF2-40B4-BE49-F238E27FC236}">
-                <a16:creationId xmlns:a16="http://schemas.microsoft.com/office/drawing/2014/main" id="{A53B61CA-02A0-6F4F-BE0F-2F3C024E80BF}"/>
+            <a:pPr algn="ctr"/>
+            <a:r>
+              <a:rPr lang="ja-JP" altLang="en-US" sz="2000" b="1"/>
+              <a:t>自分の</a:t>
+            </a:r>
+            <a:endParaRPr lang="en-US" altLang="ja-JP" sz="2000" b="1" dirty="0"/>
+          </a:p>
+          <a:p>
+            <a:pPr algn="ctr"/>
+            <a:r>
+              <a:rPr lang="ja-JP" altLang="en-US" sz="2000" b="1"/>
+              <a:t>アドレス</a:t>
+            </a:r>
+            <a:endParaRPr lang="en-US" sz="2000" b="1" dirty="0"/>
+          </a:p>
+        </p:txBody>
+      </p:sp>
+      <p:sp>
+        <p:nvSpPr>
+          <p:cNvPr id="53" name="TextBox 52">
+            <a:extLst>
+              <a:ext uri="{FF2B5EF4-FFF2-40B4-BE49-F238E27FC236}">
+                <a16:creationId xmlns:a16="http://schemas.microsoft.com/office/drawing/2014/main" id="{75B56934-0791-D741-8B0C-E0DDE9FF483B}"/>
               </a:ext>
             </a:extLst>
           </p:cNvPr>
@@ -12641,8 +12388,8 @@
         </p:nvSpPr>
         <p:spPr>
           <a:xfrm>
-            <a:off x="707226" y="3181270"/>
-            <a:ext cx="2855269" cy="707886"/>
+            <a:off x="6595995" y="233091"/>
+            <a:ext cx="1210588" cy="707886"/>
           </a:xfrm>
           <a:prstGeom prst="rect">
             <a:avLst/>
@@ -12655,31 +12402,29 @@
           </a:bodyPr>
           <a:lstStyle/>
           <a:p>
-            <a:r>
-              <a:rPr lang="en-US" sz="2000" b="1" dirty="0">
-                <a:latin typeface="Yu Gothic" panose="020B0400000000000000" pitchFamily="34" charset="-128"/>
-                <a:ea typeface="Yu Gothic" panose="020B0400000000000000" pitchFamily="34" charset="-128"/>
-              </a:rPr>
-              <a:t>IP : 10.0.0.102</a:t>
-            </a:r>
-          </a:p>
-          <a:p>
-            <a:r>
-              <a:rPr lang="en-US" sz="2000" b="1" dirty="0">
-                <a:latin typeface="Yu Gothic" panose="020B0400000000000000" pitchFamily="34" charset="-128"/>
-                <a:ea typeface="Yu Gothic" panose="020B0400000000000000" pitchFamily="34" charset="-128"/>
-              </a:rPr>
-              <a:t>MAC: 0000.0000.0102</a:t>
-            </a:r>
-          </a:p>
-        </p:txBody>
-      </p:sp>
-      <p:sp>
-        <p:nvSpPr>
-          <p:cNvPr id="24" name="TextBox 23">
-            <a:extLst>
-              <a:ext uri="{FF2B5EF4-FFF2-40B4-BE49-F238E27FC236}">
-                <a16:creationId xmlns:a16="http://schemas.microsoft.com/office/drawing/2014/main" id="{D6A80AB9-CFC2-FD41-AAD2-60B5E0C259BD}"/>
+            <a:pPr algn="ctr"/>
+            <a:r>
+              <a:rPr lang="ja-JP" altLang="en-US" sz="2000" b="1"/>
+              <a:t>自分の</a:t>
+            </a:r>
+            <a:endParaRPr lang="en-US" altLang="ja-JP" sz="2000" b="1" dirty="0"/>
+          </a:p>
+          <a:p>
+            <a:pPr algn="ctr"/>
+            <a:r>
+              <a:rPr lang="ja-JP" altLang="en-US" sz="2000" b="1"/>
+              <a:t>アドレス</a:t>
+            </a:r>
+            <a:endParaRPr lang="en-US" sz="2000" b="1" dirty="0"/>
+          </a:p>
+        </p:txBody>
+      </p:sp>
+      <p:sp>
+        <p:nvSpPr>
+          <p:cNvPr id="54" name="TextBox 53">
+            <a:extLst>
+              <a:ext uri="{FF2B5EF4-FFF2-40B4-BE49-F238E27FC236}">
+                <a16:creationId xmlns:a16="http://schemas.microsoft.com/office/drawing/2014/main" id="{9B266F54-61DC-E248-A9BE-0E7DB62CD13B}"/>
               </a:ext>
             </a:extLst>
           </p:cNvPr>
@@ -12688,8 +12433,8 @@
         </p:nvSpPr>
         <p:spPr>
           <a:xfrm>
-            <a:off x="707226" y="4920927"/>
-            <a:ext cx="2855269" cy="707886"/>
+            <a:off x="8139850" y="387635"/>
+            <a:ext cx="2011896" cy="400110"/>
           </a:xfrm>
           <a:prstGeom prst="rect">
             <a:avLst/>
@@ -12702,221 +12447,37 @@
           </a:bodyPr>
           <a:lstStyle/>
           <a:p>
+            <a:pPr algn="ctr"/>
             <a:r>
               <a:rPr lang="en-US" sz="2000" b="1" dirty="0">
-                <a:latin typeface="Yu Gothic" panose="020B0400000000000000" pitchFamily="34" charset="-128"/>
-                <a:ea typeface="Yu Gothic" panose="020B0400000000000000" pitchFamily="34" charset="-128"/>
-              </a:rPr>
-              <a:t>IP : 10.0.0.102</a:t>
-            </a:r>
-          </a:p>
-          <a:p>
-            <a:r>
-              <a:rPr lang="en-US" sz="2000" b="1" dirty="0">
-                <a:latin typeface="Yu Gothic" panose="020B0400000000000000" pitchFamily="34" charset="-128"/>
-                <a:ea typeface="Yu Gothic" panose="020B0400000000000000" pitchFamily="34" charset="-128"/>
-              </a:rPr>
-              <a:t>MAC: 0000.0000.0103</a:t>
-            </a:r>
-          </a:p>
-        </p:txBody>
-      </p:sp>
-      <p:sp>
-        <p:nvSpPr>
-          <p:cNvPr id="27" name="TextBox 26">
-            <a:extLst>
-              <a:ext uri="{FF2B5EF4-FFF2-40B4-BE49-F238E27FC236}">
-                <a16:creationId xmlns:a16="http://schemas.microsoft.com/office/drawing/2014/main" id="{063C9D13-0FEB-9F47-9916-1F68D9973A9B}"/>
-              </a:ext>
-            </a:extLst>
-          </p:cNvPr>
-          <p:cNvSpPr txBox="1"/>
-          <p:nvPr/>
-        </p:nvSpPr>
-        <p:spPr>
-          <a:xfrm>
-            <a:off x="4872783" y="2531815"/>
-            <a:ext cx="756938" cy="400110"/>
-          </a:xfrm>
-          <a:prstGeom prst="rect">
-            <a:avLst/>
-          </a:prstGeom>
-          <a:noFill/>
-        </p:spPr>
-        <p:txBody>
-          <a:bodyPr wrap="none" rtlCol="0">
-            <a:spAutoFit/>
-          </a:bodyPr>
-          <a:lstStyle/>
-          <a:p>
-            <a:r>
-              <a:rPr lang="en-US" sz="2000" b="1" dirty="0">
-                <a:latin typeface="Yu Gothic" panose="020B0400000000000000" pitchFamily="34" charset="-128"/>
-                <a:ea typeface="Yu Gothic" panose="020B0400000000000000" pitchFamily="34" charset="-128"/>
-              </a:rPr>
-              <a:t>g0/1</a:t>
-            </a:r>
-          </a:p>
-        </p:txBody>
-      </p:sp>
-      <p:sp>
-        <p:nvSpPr>
-          <p:cNvPr id="28" name="TextBox 27">
-            <a:extLst>
-              <a:ext uri="{FF2B5EF4-FFF2-40B4-BE49-F238E27FC236}">
-                <a16:creationId xmlns:a16="http://schemas.microsoft.com/office/drawing/2014/main" id="{D87D9620-6A03-CB48-8761-4DD357E4C665}"/>
-              </a:ext>
-            </a:extLst>
-          </p:cNvPr>
-          <p:cNvSpPr txBox="1"/>
-          <p:nvPr/>
-        </p:nvSpPr>
-        <p:spPr>
-          <a:xfrm>
-            <a:off x="5786690" y="3139457"/>
-            <a:ext cx="756938" cy="400110"/>
-          </a:xfrm>
-          <a:prstGeom prst="rect">
-            <a:avLst/>
-          </a:prstGeom>
-          <a:noFill/>
-        </p:spPr>
-        <p:txBody>
-          <a:bodyPr wrap="none" rtlCol="0">
-            <a:spAutoFit/>
-          </a:bodyPr>
-          <a:lstStyle/>
-          <a:p>
-            <a:r>
-              <a:rPr lang="en-US" sz="2000" b="1" dirty="0">
-                <a:latin typeface="Yu Gothic" panose="020B0400000000000000" pitchFamily="34" charset="-128"/>
-                <a:ea typeface="Yu Gothic" panose="020B0400000000000000" pitchFamily="34" charset="-128"/>
-              </a:rPr>
-              <a:t>g0/2</a:t>
-            </a:r>
-          </a:p>
-        </p:txBody>
-      </p:sp>
-      <p:sp>
-        <p:nvSpPr>
-          <p:cNvPr id="29" name="TextBox 28">
-            <a:extLst>
-              <a:ext uri="{FF2B5EF4-FFF2-40B4-BE49-F238E27FC236}">
-                <a16:creationId xmlns:a16="http://schemas.microsoft.com/office/drawing/2014/main" id="{0C51C334-015D-0F49-8039-B900E6E6866C}"/>
-              </a:ext>
-            </a:extLst>
-          </p:cNvPr>
-          <p:cNvSpPr txBox="1"/>
-          <p:nvPr/>
-        </p:nvSpPr>
-        <p:spPr>
-          <a:xfrm>
-            <a:off x="4872783" y="5113967"/>
-            <a:ext cx="756938" cy="400110"/>
-          </a:xfrm>
-          <a:prstGeom prst="rect">
-            <a:avLst/>
-          </a:prstGeom>
-          <a:noFill/>
-        </p:spPr>
-        <p:txBody>
-          <a:bodyPr wrap="none" rtlCol="0">
-            <a:spAutoFit/>
-          </a:bodyPr>
-          <a:lstStyle/>
-          <a:p>
-            <a:r>
-              <a:rPr lang="en-US" sz="2000" b="1" dirty="0">
-                <a:latin typeface="Yu Gothic" panose="020B0400000000000000" pitchFamily="34" charset="-128"/>
-                <a:ea typeface="Yu Gothic" panose="020B0400000000000000" pitchFamily="34" charset="-128"/>
-              </a:rPr>
-              <a:t>g0/1</a:t>
-            </a:r>
-          </a:p>
-        </p:txBody>
-      </p:sp>
-      <p:sp>
-        <p:nvSpPr>
-          <p:cNvPr id="30" name="TextBox 29">
-            <a:extLst>
-              <a:ext uri="{FF2B5EF4-FFF2-40B4-BE49-F238E27FC236}">
-                <a16:creationId xmlns:a16="http://schemas.microsoft.com/office/drawing/2014/main" id="{5AFDAE47-B587-2247-8CF1-54E41A6636D8}"/>
-              </a:ext>
-            </a:extLst>
-          </p:cNvPr>
-          <p:cNvSpPr txBox="1"/>
-          <p:nvPr/>
-        </p:nvSpPr>
-        <p:spPr>
-          <a:xfrm>
-            <a:off x="6603411" y="2726253"/>
-            <a:ext cx="756938" cy="400110"/>
-          </a:xfrm>
-          <a:prstGeom prst="rect">
-            <a:avLst/>
-          </a:prstGeom>
-          <a:noFill/>
-        </p:spPr>
-        <p:txBody>
-          <a:bodyPr wrap="none" rtlCol="0">
-            <a:spAutoFit/>
-          </a:bodyPr>
-          <a:lstStyle/>
-          <a:p>
-            <a:r>
-              <a:rPr lang="en-US" sz="2000" b="1" dirty="0">
-                <a:latin typeface="Yu Gothic" panose="020B0400000000000000" pitchFamily="34" charset="-128"/>
-                <a:ea typeface="Yu Gothic" panose="020B0400000000000000" pitchFamily="34" charset="-128"/>
-              </a:rPr>
-              <a:t>g0/1</a:t>
-            </a:r>
-          </a:p>
-        </p:txBody>
-      </p:sp>
-      <p:sp>
-        <p:nvSpPr>
-          <p:cNvPr id="31" name="TextBox 30">
-            <a:extLst>
-              <a:ext uri="{FF2B5EF4-FFF2-40B4-BE49-F238E27FC236}">
-                <a16:creationId xmlns:a16="http://schemas.microsoft.com/office/drawing/2014/main" id="{5B92D4B7-3C93-6A41-8F11-0337C68ADDB0}"/>
-              </a:ext>
-            </a:extLst>
-          </p:cNvPr>
-          <p:cNvSpPr txBox="1"/>
-          <p:nvPr/>
-        </p:nvSpPr>
-        <p:spPr>
-          <a:xfrm>
-            <a:off x="6597587" y="4059457"/>
-            <a:ext cx="756938" cy="400110"/>
-          </a:xfrm>
-          <a:prstGeom prst="rect">
-            <a:avLst/>
-          </a:prstGeom>
-          <a:noFill/>
-        </p:spPr>
-        <p:txBody>
-          <a:bodyPr wrap="none" rtlCol="0">
-            <a:spAutoFit/>
-          </a:bodyPr>
-          <a:lstStyle/>
-          <a:p>
-            <a:r>
-              <a:rPr lang="en-US" sz="2000" b="1" dirty="0">
-                <a:latin typeface="Yu Gothic" panose="020B0400000000000000" pitchFamily="34" charset="-128"/>
-                <a:ea typeface="Yu Gothic" panose="020B0400000000000000" pitchFamily="34" charset="-128"/>
-              </a:rPr>
-              <a:t>g0/3</a:t>
-            </a:r>
+                <a:solidFill>
+                  <a:schemeClr val="accent3"/>
+                </a:solidFill>
+              </a:rPr>
+              <a:t>ARP Table</a:t>
+            </a:r>
+            <a:r>
+              <a:rPr lang="ja-JP" altLang="en-US" sz="2000" b="1">
+                <a:solidFill>
+                  <a:schemeClr val="accent3"/>
+                </a:solidFill>
+              </a:rPr>
+              <a:t>で解決</a:t>
+            </a:r>
+            <a:endParaRPr lang="en-US" sz="2000" b="1" dirty="0">
+              <a:solidFill>
+                <a:schemeClr val="accent3"/>
+              </a:solidFill>
+            </a:endParaRPr>
           </a:p>
         </p:txBody>
       </p:sp>
       <p:graphicFrame>
         <p:nvGraphicFramePr>
-          <p:cNvPr id="2" name="Table 1">
-            <a:extLst>
-              <a:ext uri="{FF2B5EF4-FFF2-40B4-BE49-F238E27FC236}">
-                <a16:creationId xmlns:a16="http://schemas.microsoft.com/office/drawing/2014/main" id="{CF89622C-A610-D94E-A6CE-5828C3C85F74}"/>
+          <p:cNvPr id="56" name="Table 55">
+            <a:extLst>
+              <a:ext uri="{FF2B5EF4-FFF2-40B4-BE49-F238E27FC236}">
+                <a16:creationId xmlns:a16="http://schemas.microsoft.com/office/drawing/2014/main" id="{5B7BCBA5-F94B-314E-A33B-B83860DB9FB4}"/>
               </a:ext>
             </a:extLst>
           </p:cNvPr>
@@ -12926,14 +12487,14 @@
           <p:nvPr>
             <p:extLst>
               <p:ext uri="{D42A27DB-BD31-4B8C-83A1-F6EECF244321}">
-                <p14:modId xmlns:p14="http://schemas.microsoft.com/office/powerpoint/2010/main" val="3379750956"/>
+                <p14:modId xmlns:p14="http://schemas.microsoft.com/office/powerpoint/2010/main" val="421247362"/>
               </p:ext>
             </p:extLst>
           </p:nvPr>
         </p:nvGraphicFramePr>
         <p:xfrm>
-          <a:off x="8048806" y="2347881"/>
-          <a:ext cx="3331580" cy="1775019"/>
+          <a:off x="825035" y="4647855"/>
+          <a:ext cx="3331580" cy="1333290"/>
         </p:xfrm>
         <a:graphic>
           <a:graphicData uri="http://schemas.openxmlformats.org/drawingml/2006/table">
@@ -13396,7 +12957,2935 @@
                   </a:ext>
                 </a:extLst>
               </a:tr>
-              <a:tr h="441729">
+            </a:tbl>
+          </a:graphicData>
+        </a:graphic>
+      </p:graphicFrame>
+      <p:sp>
+        <p:nvSpPr>
+          <p:cNvPr id="57" name="TextBox 56">
+            <a:extLst>
+              <a:ext uri="{FF2B5EF4-FFF2-40B4-BE49-F238E27FC236}">
+                <a16:creationId xmlns:a16="http://schemas.microsoft.com/office/drawing/2014/main" id="{44AA21AB-8885-EF47-94BE-F9CF407F28A1}"/>
+              </a:ext>
+            </a:extLst>
+          </p:cNvPr>
+          <p:cNvSpPr txBox="1"/>
+          <p:nvPr/>
+        </p:nvSpPr>
+        <p:spPr>
+          <a:xfrm>
+            <a:off x="1434833" y="4149236"/>
+            <a:ext cx="1752403" cy="461665"/>
+          </a:xfrm>
+          <a:prstGeom prst="rect">
+            <a:avLst/>
+          </a:prstGeom>
+          <a:noFill/>
+        </p:spPr>
+        <p:txBody>
+          <a:bodyPr wrap="none" rtlCol="0">
+            <a:spAutoFit/>
+          </a:bodyPr>
+          <a:lstStyle/>
+          <a:p>
+            <a:r>
+              <a:rPr lang="en-US" sz="2400" b="1" dirty="0">
+                <a:solidFill>
+                  <a:schemeClr val="bg1"/>
+                </a:solidFill>
+                <a:latin typeface="Yu Gothic" panose="020B0400000000000000" pitchFamily="34" charset="-128"/>
+                <a:ea typeface="Yu Gothic" panose="020B0400000000000000" pitchFamily="34" charset="-128"/>
+              </a:rPr>
+              <a:t>ARP Table</a:t>
+            </a:r>
+          </a:p>
+        </p:txBody>
+      </p:sp>
+      <p:cxnSp>
+        <p:nvCxnSpPr>
+          <p:cNvPr id="59" name="Straight Connector 58">
+            <a:extLst>
+              <a:ext uri="{FF2B5EF4-FFF2-40B4-BE49-F238E27FC236}">
+                <a16:creationId xmlns:a16="http://schemas.microsoft.com/office/drawing/2014/main" id="{63B11192-3502-DB43-964D-81BBA3C3BF2F}"/>
+              </a:ext>
+            </a:extLst>
+          </p:cNvPr>
+          <p:cNvCxnSpPr>
+            <a:cxnSpLocks/>
+          </p:cNvCxnSpPr>
+          <p:nvPr/>
+        </p:nvCxnSpPr>
+        <p:spPr>
+          <a:xfrm>
+            <a:off x="6233644" y="2890621"/>
+            <a:ext cx="2733711" cy="0"/>
+          </a:xfrm>
+          <a:prstGeom prst="line">
+            <a:avLst/>
+          </a:prstGeom>
+          <a:ln w="38100">
+            <a:solidFill>
+              <a:schemeClr val="tx1"/>
+            </a:solidFill>
+          </a:ln>
+        </p:spPr>
+        <p:style>
+          <a:lnRef idx="1">
+            <a:schemeClr val="accent1"/>
+          </a:lnRef>
+          <a:fillRef idx="0">
+            <a:schemeClr val="accent1"/>
+          </a:fillRef>
+          <a:effectRef idx="0">
+            <a:schemeClr val="accent1"/>
+          </a:effectRef>
+          <a:fontRef idx="minor">
+            <a:schemeClr val="tx1"/>
+          </a:fontRef>
+        </p:style>
+      </p:cxnSp>
+      <p:cxnSp>
+        <p:nvCxnSpPr>
+          <p:cNvPr id="60" name="Straight Connector 59">
+            <a:extLst>
+              <a:ext uri="{FF2B5EF4-FFF2-40B4-BE49-F238E27FC236}">
+                <a16:creationId xmlns:a16="http://schemas.microsoft.com/office/drawing/2014/main" id="{DA83DEFB-A908-EA42-83FB-50C8AD2915D6}"/>
+              </a:ext>
+            </a:extLst>
+          </p:cNvPr>
+          <p:cNvCxnSpPr>
+            <a:cxnSpLocks/>
+          </p:cNvCxnSpPr>
+          <p:nvPr/>
+        </p:nvCxnSpPr>
+        <p:spPr>
+          <a:xfrm>
+            <a:off x="6186385" y="5159258"/>
+            <a:ext cx="2634410" cy="0"/>
+          </a:xfrm>
+          <a:prstGeom prst="line">
+            <a:avLst/>
+          </a:prstGeom>
+          <a:ln w="38100">
+            <a:solidFill>
+              <a:schemeClr val="tx1"/>
+            </a:solidFill>
+          </a:ln>
+        </p:spPr>
+        <p:style>
+          <a:lnRef idx="1">
+            <a:schemeClr val="accent1"/>
+          </a:lnRef>
+          <a:fillRef idx="0">
+            <a:schemeClr val="accent1"/>
+          </a:fillRef>
+          <a:effectRef idx="0">
+            <a:schemeClr val="accent1"/>
+          </a:effectRef>
+          <a:fontRef idx="minor">
+            <a:schemeClr val="tx1"/>
+          </a:fontRef>
+        </p:style>
+      </p:cxnSp>
+      <p:sp>
+        <p:nvSpPr>
+          <p:cNvPr id="61" name="TextBox 60">
+            <a:extLst>
+              <a:ext uri="{FF2B5EF4-FFF2-40B4-BE49-F238E27FC236}">
+                <a16:creationId xmlns:a16="http://schemas.microsoft.com/office/drawing/2014/main" id="{FACFCD96-F047-2B4E-87C2-B71DAAEDBD7B}"/>
+              </a:ext>
+            </a:extLst>
+          </p:cNvPr>
+          <p:cNvSpPr txBox="1"/>
+          <p:nvPr/>
+        </p:nvSpPr>
+        <p:spPr>
+          <a:xfrm>
+            <a:off x="4814342" y="3525021"/>
+            <a:ext cx="2855269" cy="707886"/>
+          </a:xfrm>
+          <a:prstGeom prst="rect">
+            <a:avLst/>
+          </a:prstGeom>
+          <a:noFill/>
+        </p:spPr>
+        <p:txBody>
+          <a:bodyPr wrap="none" rtlCol="0">
+            <a:spAutoFit/>
+          </a:bodyPr>
+          <a:lstStyle/>
+          <a:p>
+            <a:r>
+              <a:rPr lang="en-US" sz="2000" b="1" dirty="0">
+                <a:latin typeface="Yu Gothic" panose="020B0400000000000000" pitchFamily="34" charset="-128"/>
+                <a:ea typeface="Yu Gothic" panose="020B0400000000000000" pitchFamily="34" charset="-128"/>
+              </a:rPr>
+              <a:t>IP : 10.0.0.101</a:t>
+            </a:r>
+          </a:p>
+          <a:p>
+            <a:r>
+              <a:rPr lang="en-US" sz="2000" b="1" dirty="0">
+                <a:latin typeface="Yu Gothic" panose="020B0400000000000000" pitchFamily="34" charset="-128"/>
+                <a:ea typeface="Yu Gothic" panose="020B0400000000000000" pitchFamily="34" charset="-128"/>
+              </a:rPr>
+              <a:t>MAC: 0000.0000.0101</a:t>
+            </a:r>
+          </a:p>
+        </p:txBody>
+      </p:sp>
+      <p:sp>
+        <p:nvSpPr>
+          <p:cNvPr id="62" name="TextBox 61">
+            <a:extLst>
+              <a:ext uri="{FF2B5EF4-FFF2-40B4-BE49-F238E27FC236}">
+                <a16:creationId xmlns:a16="http://schemas.microsoft.com/office/drawing/2014/main" id="{47BCC6F6-CED0-CA40-A747-F4358AFC875E}"/>
+              </a:ext>
+            </a:extLst>
+          </p:cNvPr>
+          <p:cNvSpPr txBox="1"/>
+          <p:nvPr/>
+        </p:nvSpPr>
+        <p:spPr>
+          <a:xfrm>
+            <a:off x="4814342" y="5805689"/>
+            <a:ext cx="2855269" cy="707886"/>
+          </a:xfrm>
+          <a:prstGeom prst="rect">
+            <a:avLst/>
+          </a:prstGeom>
+          <a:noFill/>
+        </p:spPr>
+        <p:txBody>
+          <a:bodyPr wrap="none" rtlCol="0">
+            <a:spAutoFit/>
+          </a:bodyPr>
+          <a:lstStyle/>
+          <a:p>
+            <a:r>
+              <a:rPr lang="en-US" sz="2000" b="1" dirty="0">
+                <a:latin typeface="Yu Gothic" panose="020B0400000000000000" pitchFamily="34" charset="-128"/>
+                <a:ea typeface="Yu Gothic" panose="020B0400000000000000" pitchFamily="34" charset="-128"/>
+              </a:rPr>
+              <a:t>IP : 10.0.0.102</a:t>
+            </a:r>
+          </a:p>
+          <a:p>
+            <a:r>
+              <a:rPr lang="en-US" sz="2000" b="1" dirty="0">
+                <a:latin typeface="Yu Gothic" panose="020B0400000000000000" pitchFamily="34" charset="-128"/>
+                <a:ea typeface="Yu Gothic" panose="020B0400000000000000" pitchFamily="34" charset="-128"/>
+              </a:rPr>
+              <a:t>MAC: 0000.0000.0102</a:t>
+            </a:r>
+          </a:p>
+        </p:txBody>
+      </p:sp>
+      <p:sp>
+        <p:nvSpPr>
+          <p:cNvPr id="63" name="TextBox 62">
+            <a:extLst>
+              <a:ext uri="{FF2B5EF4-FFF2-40B4-BE49-F238E27FC236}">
+                <a16:creationId xmlns:a16="http://schemas.microsoft.com/office/drawing/2014/main" id="{02DCA946-8902-2B4C-B19A-27C62ACFE4D7}"/>
+              </a:ext>
+            </a:extLst>
+          </p:cNvPr>
+          <p:cNvSpPr txBox="1"/>
+          <p:nvPr/>
+        </p:nvSpPr>
+        <p:spPr>
+          <a:xfrm>
+            <a:off x="6624521" y="5175083"/>
+            <a:ext cx="756938" cy="400110"/>
+          </a:xfrm>
+          <a:prstGeom prst="rect">
+            <a:avLst/>
+          </a:prstGeom>
+          <a:noFill/>
+        </p:spPr>
+        <p:txBody>
+          <a:bodyPr wrap="none" rtlCol="0">
+            <a:spAutoFit/>
+          </a:bodyPr>
+          <a:lstStyle/>
+          <a:p>
+            <a:r>
+              <a:rPr lang="en-US" sz="2000" b="1" dirty="0">
+                <a:latin typeface="Yu Gothic" panose="020B0400000000000000" pitchFamily="34" charset="-128"/>
+                <a:ea typeface="Yu Gothic" panose="020B0400000000000000" pitchFamily="34" charset="-128"/>
+              </a:rPr>
+              <a:t>g0/1</a:t>
+            </a:r>
+          </a:p>
+        </p:txBody>
+      </p:sp>
+      <p:sp>
+        <p:nvSpPr>
+          <p:cNvPr id="64" name="TextBox 63">
+            <a:extLst>
+              <a:ext uri="{FF2B5EF4-FFF2-40B4-BE49-F238E27FC236}">
+                <a16:creationId xmlns:a16="http://schemas.microsoft.com/office/drawing/2014/main" id="{17C917BF-656E-BD4C-AE32-F4A228367865}"/>
+              </a:ext>
+            </a:extLst>
+          </p:cNvPr>
+          <p:cNvSpPr txBox="1"/>
+          <p:nvPr/>
+        </p:nvSpPr>
+        <p:spPr>
+          <a:xfrm>
+            <a:off x="6602246" y="2906447"/>
+            <a:ext cx="756938" cy="400110"/>
+          </a:xfrm>
+          <a:prstGeom prst="rect">
+            <a:avLst/>
+          </a:prstGeom>
+          <a:noFill/>
+        </p:spPr>
+        <p:txBody>
+          <a:bodyPr wrap="none" rtlCol="0">
+            <a:spAutoFit/>
+          </a:bodyPr>
+          <a:lstStyle/>
+          <a:p>
+            <a:r>
+              <a:rPr lang="en-US" sz="2000" b="1" dirty="0">
+                <a:latin typeface="Yu Gothic" panose="020B0400000000000000" pitchFamily="34" charset="-128"/>
+                <a:ea typeface="Yu Gothic" panose="020B0400000000000000" pitchFamily="34" charset="-128"/>
+              </a:rPr>
+              <a:t>g0/1</a:t>
+            </a:r>
+          </a:p>
+        </p:txBody>
+      </p:sp>
+      <p:sp>
+        <p:nvSpPr>
+          <p:cNvPr id="65" name="TextBox 64">
+            <a:extLst>
+              <a:ext uri="{FF2B5EF4-FFF2-40B4-BE49-F238E27FC236}">
+                <a16:creationId xmlns:a16="http://schemas.microsoft.com/office/drawing/2014/main" id="{8E3D5E22-C922-8B4F-BF20-305A9B860B90}"/>
+              </a:ext>
+            </a:extLst>
+          </p:cNvPr>
+          <p:cNvSpPr txBox="1"/>
+          <p:nvPr/>
+        </p:nvSpPr>
+        <p:spPr>
+          <a:xfrm>
+            <a:off x="7812581" y="4755601"/>
+            <a:ext cx="756938" cy="400110"/>
+          </a:xfrm>
+          <a:prstGeom prst="rect">
+            <a:avLst/>
+          </a:prstGeom>
+          <a:noFill/>
+        </p:spPr>
+        <p:txBody>
+          <a:bodyPr wrap="none" rtlCol="0">
+            <a:spAutoFit/>
+          </a:bodyPr>
+          <a:lstStyle/>
+          <a:p>
+            <a:r>
+              <a:rPr lang="en-US" sz="2000" b="1" dirty="0">
+                <a:latin typeface="Yu Gothic" panose="020B0400000000000000" pitchFamily="34" charset="-128"/>
+                <a:ea typeface="Yu Gothic" panose="020B0400000000000000" pitchFamily="34" charset="-128"/>
+              </a:rPr>
+              <a:t>g0/2</a:t>
+            </a:r>
+          </a:p>
+        </p:txBody>
+      </p:sp>
+      <p:sp>
+        <p:nvSpPr>
+          <p:cNvPr id="66" name="TextBox 65">
+            <a:extLst>
+              <a:ext uri="{FF2B5EF4-FFF2-40B4-BE49-F238E27FC236}">
+                <a16:creationId xmlns:a16="http://schemas.microsoft.com/office/drawing/2014/main" id="{57A786B1-72CA-0145-8BBD-0737A8CF7101}"/>
+              </a:ext>
+            </a:extLst>
+          </p:cNvPr>
+          <p:cNvSpPr txBox="1"/>
+          <p:nvPr/>
+        </p:nvSpPr>
+        <p:spPr>
+          <a:xfrm>
+            <a:off x="8993052" y="4468056"/>
+            <a:ext cx="756938" cy="400110"/>
+          </a:xfrm>
+          <a:prstGeom prst="rect">
+            <a:avLst/>
+          </a:prstGeom>
+          <a:noFill/>
+        </p:spPr>
+        <p:txBody>
+          <a:bodyPr wrap="none" rtlCol="0">
+            <a:spAutoFit/>
+          </a:bodyPr>
+          <a:lstStyle/>
+          <a:p>
+            <a:r>
+              <a:rPr lang="en-US" sz="2000" b="1" dirty="0">
+                <a:latin typeface="Yu Gothic" panose="020B0400000000000000" pitchFamily="34" charset="-128"/>
+                <a:ea typeface="Yu Gothic" panose="020B0400000000000000" pitchFamily="34" charset="-128"/>
+              </a:rPr>
+              <a:t>g0/1</a:t>
+            </a:r>
+          </a:p>
+        </p:txBody>
+      </p:sp>
+      <p:pic>
+        <p:nvPicPr>
+          <p:cNvPr id="67" name="Picture 66">
+            <a:extLst>
+              <a:ext uri="{FF2B5EF4-FFF2-40B4-BE49-F238E27FC236}">
+                <a16:creationId xmlns:a16="http://schemas.microsoft.com/office/drawing/2014/main" id="{1EDB54E0-7B3D-9B4C-9D82-7FCBEE0B1A45}"/>
+              </a:ext>
+            </a:extLst>
+          </p:cNvPr>
+          <p:cNvPicPr>
+            <a:picLocks noChangeAspect="1"/>
+          </p:cNvPicPr>
+          <p:nvPr/>
+        </p:nvPicPr>
+        <p:blipFill>
+          <a:blip r:embed="rId2">
+            <a:extLst>
+              <a:ext uri="{28A0092B-C50C-407E-A947-70E740481C1C}">
+                <a14:useLocalDpi xmlns:a14="http://schemas.microsoft.com/office/drawing/2010/main" val="0"/>
+              </a:ext>
+            </a:extLst>
+          </a:blip>
+          <a:stretch>
+            <a:fillRect/>
+          </a:stretch>
+        </p:blipFill>
+        <p:spPr>
+          <a:xfrm>
+            <a:off x="5426546" y="2291760"/>
+            <a:ext cx="1318030" cy="1318030"/>
+          </a:xfrm>
+          <a:prstGeom prst="rect">
+            <a:avLst/>
+          </a:prstGeom>
+        </p:spPr>
+      </p:pic>
+      <p:pic>
+        <p:nvPicPr>
+          <p:cNvPr id="68" name="Picture 67">
+            <a:extLst>
+              <a:ext uri="{FF2B5EF4-FFF2-40B4-BE49-F238E27FC236}">
+                <a16:creationId xmlns:a16="http://schemas.microsoft.com/office/drawing/2014/main" id="{5653937F-D851-DE40-871A-AB6C88D1365E}"/>
+              </a:ext>
+            </a:extLst>
+          </p:cNvPr>
+          <p:cNvPicPr>
+            <a:picLocks noChangeAspect="1"/>
+          </p:cNvPicPr>
+          <p:nvPr/>
+        </p:nvPicPr>
+        <p:blipFill>
+          <a:blip r:embed="rId2">
+            <a:extLst>
+              <a:ext uri="{28A0092B-C50C-407E-A947-70E740481C1C}">
+                <a14:useLocalDpi xmlns:a14="http://schemas.microsoft.com/office/drawing/2010/main" val="0"/>
+              </a:ext>
+            </a:extLst>
+          </a:blip>
+          <a:stretch>
+            <a:fillRect/>
+          </a:stretch>
+        </p:blipFill>
+        <p:spPr>
+          <a:xfrm>
+            <a:off x="5426546" y="4500243"/>
+            <a:ext cx="1318030" cy="1318030"/>
+          </a:xfrm>
+          <a:prstGeom prst="rect">
+            <a:avLst/>
+          </a:prstGeom>
+        </p:spPr>
+      </p:pic>
+      <p:cxnSp>
+        <p:nvCxnSpPr>
+          <p:cNvPr id="69" name="Straight Connector 68">
+            <a:extLst>
+              <a:ext uri="{FF2B5EF4-FFF2-40B4-BE49-F238E27FC236}">
+                <a16:creationId xmlns:a16="http://schemas.microsoft.com/office/drawing/2014/main" id="{9BFBE288-AD2B-164A-8DD2-D1EDB35E17BF}"/>
+              </a:ext>
+            </a:extLst>
+          </p:cNvPr>
+          <p:cNvCxnSpPr>
+            <a:cxnSpLocks/>
+          </p:cNvCxnSpPr>
+          <p:nvPr/>
+        </p:nvCxnSpPr>
+        <p:spPr>
+          <a:xfrm flipV="1">
+            <a:off x="8967355" y="2890622"/>
+            <a:ext cx="0" cy="2190530"/>
+          </a:xfrm>
+          <a:prstGeom prst="line">
+            <a:avLst/>
+          </a:prstGeom>
+          <a:ln w="38100">
+            <a:solidFill>
+              <a:schemeClr val="tx1"/>
+            </a:solidFill>
+          </a:ln>
+        </p:spPr>
+        <p:style>
+          <a:lnRef idx="1">
+            <a:schemeClr val="accent1"/>
+          </a:lnRef>
+          <a:fillRef idx="0">
+            <a:schemeClr val="accent1"/>
+          </a:fillRef>
+          <a:effectRef idx="0">
+            <a:schemeClr val="accent1"/>
+          </a:effectRef>
+          <a:fontRef idx="minor">
+            <a:schemeClr val="tx1"/>
+          </a:fontRef>
+        </p:style>
+      </p:cxnSp>
+      <p:sp>
+        <p:nvSpPr>
+          <p:cNvPr id="70" name="Left Arrow 69">
+            <a:extLst>
+              <a:ext uri="{FF2B5EF4-FFF2-40B4-BE49-F238E27FC236}">
+                <a16:creationId xmlns:a16="http://schemas.microsoft.com/office/drawing/2014/main" id="{89F075E4-BDCD-714E-9D8D-7988F7A4830B}"/>
+              </a:ext>
+            </a:extLst>
+          </p:cNvPr>
+          <p:cNvSpPr/>
+          <p:nvPr/>
+        </p:nvSpPr>
+        <p:spPr>
+          <a:xfrm rot="10800000">
+            <a:off x="8027644" y="2424900"/>
+            <a:ext cx="578920" cy="310586"/>
+          </a:xfrm>
+          <a:prstGeom prst="leftArrow">
+            <a:avLst/>
+          </a:prstGeom>
+          <a:solidFill>
+            <a:schemeClr val="tx1"/>
+          </a:solidFill>
+          <a:ln>
+            <a:noFill/>
+          </a:ln>
+        </p:spPr>
+        <p:style>
+          <a:lnRef idx="2">
+            <a:schemeClr val="accent1">
+              <a:shade val="50000"/>
+            </a:schemeClr>
+          </a:lnRef>
+          <a:fillRef idx="1">
+            <a:schemeClr val="accent1"/>
+          </a:fillRef>
+          <a:effectRef idx="0">
+            <a:schemeClr val="accent1"/>
+          </a:effectRef>
+          <a:fontRef idx="minor">
+            <a:schemeClr val="lt1"/>
+          </a:fontRef>
+        </p:style>
+        <p:txBody>
+          <a:bodyPr rtlCol="0" anchor="ctr"/>
+          <a:lstStyle/>
+          <a:p>
+            <a:pPr algn="ctr"/>
+            <a:endParaRPr lang="en-US"/>
+          </a:p>
+        </p:txBody>
+      </p:sp>
+      <p:sp>
+        <p:nvSpPr>
+          <p:cNvPr id="71" name="Rectangle 70">
+            <a:extLst>
+              <a:ext uri="{FF2B5EF4-FFF2-40B4-BE49-F238E27FC236}">
+                <a16:creationId xmlns:a16="http://schemas.microsoft.com/office/drawing/2014/main" id="{4150B06A-1EF8-6549-BE92-7598E0EF25DD}"/>
+              </a:ext>
+            </a:extLst>
+          </p:cNvPr>
+          <p:cNvSpPr/>
+          <p:nvPr/>
+        </p:nvSpPr>
+        <p:spPr>
+          <a:xfrm>
+            <a:off x="7169727" y="2347516"/>
+            <a:ext cx="1099025" cy="449344"/>
+          </a:xfrm>
+          <a:prstGeom prst="rect">
+            <a:avLst/>
+          </a:prstGeom>
+          <a:solidFill>
+            <a:schemeClr val="accent2"/>
+          </a:solidFill>
+          <a:ln w="38100">
+            <a:solidFill>
+              <a:schemeClr val="bg1"/>
+            </a:solidFill>
+          </a:ln>
+        </p:spPr>
+        <p:style>
+          <a:lnRef idx="2">
+            <a:schemeClr val="accent1">
+              <a:shade val="50000"/>
+            </a:schemeClr>
+          </a:lnRef>
+          <a:fillRef idx="1">
+            <a:schemeClr val="accent1"/>
+          </a:fillRef>
+          <a:effectRef idx="0">
+            <a:schemeClr val="accent1"/>
+          </a:effectRef>
+          <a:fontRef idx="minor">
+            <a:schemeClr val="lt1"/>
+          </a:fontRef>
+        </p:style>
+        <p:txBody>
+          <a:bodyPr rtlCol="0" anchor="ctr"/>
+          <a:lstStyle/>
+          <a:p>
+            <a:pPr algn="ctr"/>
+            <a:endParaRPr lang="en-US"/>
+          </a:p>
+        </p:txBody>
+      </p:sp>
+      <p:sp>
+        <p:nvSpPr>
+          <p:cNvPr id="72" name="TextBox 71">
+            <a:extLst>
+              <a:ext uri="{FF2B5EF4-FFF2-40B4-BE49-F238E27FC236}">
+                <a16:creationId xmlns:a16="http://schemas.microsoft.com/office/drawing/2014/main" id="{202C52D8-213C-5643-83EE-3441B46AF3E7}"/>
+              </a:ext>
+            </a:extLst>
+          </p:cNvPr>
+          <p:cNvSpPr txBox="1"/>
+          <p:nvPr/>
+        </p:nvSpPr>
+        <p:spPr>
+          <a:xfrm>
+            <a:off x="7218728" y="2396795"/>
+            <a:ext cx="997389" cy="369332"/>
+          </a:xfrm>
+          <a:prstGeom prst="rect">
+            <a:avLst/>
+          </a:prstGeom>
+          <a:noFill/>
+        </p:spPr>
+        <p:txBody>
+          <a:bodyPr wrap="none" rtlCol="0">
+            <a:spAutoFit/>
+          </a:bodyPr>
+          <a:lstStyle/>
+          <a:p>
+            <a:pPr algn="ctr"/>
+            <a:r>
+              <a:rPr lang="en-US" b="1" dirty="0">
+                <a:solidFill>
+                  <a:schemeClr val="bg1"/>
+                </a:solidFill>
+                <a:latin typeface="Yu Gothic" panose="020B0400000000000000" pitchFamily="34" charset="-128"/>
+                <a:ea typeface="Yu Gothic" panose="020B0400000000000000" pitchFamily="34" charset="-128"/>
+              </a:rPr>
+              <a:t>To PC2</a:t>
+            </a:r>
+          </a:p>
+        </p:txBody>
+      </p:sp>
+      <p:pic>
+        <p:nvPicPr>
+          <p:cNvPr id="73" name="Picture 72">
+            <a:extLst>
+              <a:ext uri="{FF2B5EF4-FFF2-40B4-BE49-F238E27FC236}">
+                <a16:creationId xmlns:a16="http://schemas.microsoft.com/office/drawing/2014/main" id="{74BB6624-AA5F-8E48-B51D-4E6E9F4EE362}"/>
+              </a:ext>
+            </a:extLst>
+          </p:cNvPr>
+          <p:cNvPicPr>
+            <a:picLocks noChangeAspect="1"/>
+          </p:cNvPicPr>
+          <p:nvPr/>
+        </p:nvPicPr>
+        <p:blipFill>
+          <a:blip r:embed="rId3">
+            <a:extLst>
+              <a:ext uri="{28A0092B-C50C-407E-A947-70E740481C1C}">
+                <a14:useLocalDpi xmlns:a14="http://schemas.microsoft.com/office/drawing/2010/main" val="0"/>
+              </a:ext>
+            </a:extLst>
+          </a:blip>
+          <a:stretch>
+            <a:fillRect/>
+          </a:stretch>
+        </p:blipFill>
+        <p:spPr>
+          <a:xfrm>
+            <a:off x="8352747" y="4553807"/>
+            <a:ext cx="1210903" cy="1210903"/>
+          </a:xfrm>
+          <a:prstGeom prst="rect">
+            <a:avLst/>
+          </a:prstGeom>
+        </p:spPr>
+      </p:pic>
+      <p:sp>
+        <p:nvSpPr>
+          <p:cNvPr id="74" name="TextBox 73">
+            <a:extLst>
+              <a:ext uri="{FF2B5EF4-FFF2-40B4-BE49-F238E27FC236}">
+                <a16:creationId xmlns:a16="http://schemas.microsoft.com/office/drawing/2014/main" id="{9691BA2D-A9C1-3641-AA2B-FA9656CE28F1}"/>
+              </a:ext>
+            </a:extLst>
+          </p:cNvPr>
+          <p:cNvSpPr txBox="1"/>
+          <p:nvPr/>
+        </p:nvSpPr>
+        <p:spPr>
+          <a:xfrm>
+            <a:off x="5775503" y="3198488"/>
+            <a:ext cx="694421" cy="400110"/>
+          </a:xfrm>
+          <a:prstGeom prst="rect">
+            <a:avLst/>
+          </a:prstGeom>
+          <a:noFill/>
+        </p:spPr>
+        <p:txBody>
+          <a:bodyPr wrap="none" rtlCol="0">
+            <a:spAutoFit/>
+          </a:bodyPr>
+          <a:lstStyle/>
+          <a:p>
+            <a:r>
+              <a:rPr lang="en-US" sz="2000" b="1" dirty="0">
+                <a:latin typeface="Yu Gothic" panose="020B0400000000000000" pitchFamily="34" charset="-128"/>
+                <a:ea typeface="Yu Gothic" panose="020B0400000000000000" pitchFamily="34" charset="-128"/>
+              </a:rPr>
+              <a:t>PC1</a:t>
+            </a:r>
+          </a:p>
+        </p:txBody>
+      </p:sp>
+      <p:sp>
+        <p:nvSpPr>
+          <p:cNvPr id="75" name="TextBox 74">
+            <a:extLst>
+              <a:ext uri="{FF2B5EF4-FFF2-40B4-BE49-F238E27FC236}">
+                <a16:creationId xmlns:a16="http://schemas.microsoft.com/office/drawing/2014/main" id="{DC29EC52-5F36-7B44-8580-6D5BD0CBAD30}"/>
+              </a:ext>
+            </a:extLst>
+          </p:cNvPr>
+          <p:cNvSpPr txBox="1"/>
+          <p:nvPr/>
+        </p:nvSpPr>
+        <p:spPr>
+          <a:xfrm>
+            <a:off x="5774782" y="5448240"/>
+            <a:ext cx="694421" cy="400110"/>
+          </a:xfrm>
+          <a:prstGeom prst="rect">
+            <a:avLst/>
+          </a:prstGeom>
+          <a:noFill/>
+        </p:spPr>
+        <p:txBody>
+          <a:bodyPr wrap="none" rtlCol="0">
+            <a:spAutoFit/>
+          </a:bodyPr>
+          <a:lstStyle/>
+          <a:p>
+            <a:r>
+              <a:rPr lang="en-US" sz="2000" b="1" dirty="0">
+                <a:latin typeface="Yu Gothic" panose="020B0400000000000000" pitchFamily="34" charset="-128"/>
+                <a:ea typeface="Yu Gothic" panose="020B0400000000000000" pitchFamily="34" charset="-128"/>
+              </a:rPr>
+              <a:t>PC2</a:t>
+            </a:r>
+          </a:p>
+        </p:txBody>
+      </p:sp>
+    </p:spTree>
+    <p:extLst>
+      <p:ext uri="{BB962C8B-B14F-4D97-AF65-F5344CB8AC3E}">
+        <p14:creationId xmlns:p14="http://schemas.microsoft.com/office/powerpoint/2010/main" val="2292248755"/>
+      </p:ext>
+    </p:extLst>
+  </p:cSld>
+  <p:clrMapOvr>
+    <a:masterClrMapping/>
+  </p:clrMapOvr>
+</p:sld>
+</file>
+
+<file path=ppt/slides/slide14.xml><?xml version="1.0" encoding="utf-8"?>
+<p:sld xmlns:a="http://schemas.openxmlformats.org/drawingml/2006/main" xmlns:r="http://schemas.openxmlformats.org/officeDocument/2006/relationships" xmlns:p="http://schemas.openxmlformats.org/presentationml/2006/main">
+  <p:cSld>
+    <p:spTree>
+      <p:nvGrpSpPr>
+        <p:cNvPr id="1" name=""/>
+        <p:cNvGrpSpPr/>
+        <p:nvPr/>
+      </p:nvGrpSpPr>
+      <p:grpSpPr>
+        <a:xfrm>
+          <a:off x="0" y="0"/>
+          <a:ext cx="0" cy="0"/>
+          <a:chOff x="0" y="0"/>
+          <a:chExt cx="0" cy="0"/>
+        </a:xfrm>
+      </p:grpSpPr>
+      <p:cxnSp>
+        <p:nvCxnSpPr>
+          <p:cNvPr id="14" name="Straight Connector 13">
+            <a:extLst>
+              <a:ext uri="{FF2B5EF4-FFF2-40B4-BE49-F238E27FC236}">
+                <a16:creationId xmlns:a16="http://schemas.microsoft.com/office/drawing/2014/main" id="{C3863D73-C491-4E4D-80D0-897146A5D57D}"/>
+              </a:ext>
+            </a:extLst>
+          </p:cNvPr>
+          <p:cNvCxnSpPr>
+            <a:cxnSpLocks/>
+          </p:cNvCxnSpPr>
+          <p:nvPr/>
+        </p:nvCxnSpPr>
+        <p:spPr>
+          <a:xfrm>
+            <a:off x="1792721" y="1391881"/>
+            <a:ext cx="3251782" cy="10787"/>
+          </a:xfrm>
+          <a:prstGeom prst="line">
+            <a:avLst/>
+          </a:prstGeom>
+          <a:ln w="38100">
+            <a:solidFill>
+              <a:schemeClr val="tx1"/>
+            </a:solidFill>
+          </a:ln>
+        </p:spPr>
+        <p:style>
+          <a:lnRef idx="1">
+            <a:schemeClr val="accent1"/>
+          </a:lnRef>
+          <a:fillRef idx="0">
+            <a:schemeClr val="accent1"/>
+          </a:fillRef>
+          <a:effectRef idx="0">
+            <a:schemeClr val="accent1"/>
+          </a:effectRef>
+          <a:fontRef idx="minor">
+            <a:schemeClr val="tx1"/>
+          </a:fontRef>
+        </p:style>
+      </p:cxnSp>
+      <p:cxnSp>
+        <p:nvCxnSpPr>
+          <p:cNvPr id="64" name="Straight Connector 63">
+            <a:extLst>
+              <a:ext uri="{FF2B5EF4-FFF2-40B4-BE49-F238E27FC236}">
+                <a16:creationId xmlns:a16="http://schemas.microsoft.com/office/drawing/2014/main" id="{587DAF72-66D2-5943-B002-A9770408206C}"/>
+              </a:ext>
+            </a:extLst>
+          </p:cNvPr>
+          <p:cNvCxnSpPr>
+            <a:cxnSpLocks/>
+          </p:cNvCxnSpPr>
+          <p:nvPr/>
+        </p:nvCxnSpPr>
+        <p:spPr>
+          <a:xfrm flipV="1">
+            <a:off x="5267639" y="793226"/>
+            <a:ext cx="1" cy="557444"/>
+          </a:xfrm>
+          <a:prstGeom prst="line">
+            <a:avLst/>
+          </a:prstGeom>
+          <a:ln w="38100">
+            <a:solidFill>
+              <a:schemeClr val="tx1"/>
+            </a:solidFill>
+          </a:ln>
+        </p:spPr>
+        <p:style>
+          <a:lnRef idx="1">
+            <a:schemeClr val="accent1"/>
+          </a:lnRef>
+          <a:fillRef idx="0">
+            <a:schemeClr val="accent1"/>
+          </a:fillRef>
+          <a:effectRef idx="0">
+            <a:schemeClr val="accent1"/>
+          </a:effectRef>
+          <a:fontRef idx="minor">
+            <a:schemeClr val="tx1"/>
+          </a:fontRef>
+        </p:style>
+      </p:cxnSp>
+      <p:cxnSp>
+        <p:nvCxnSpPr>
+          <p:cNvPr id="65" name="Straight Connector 64">
+            <a:extLst>
+              <a:ext uri="{FF2B5EF4-FFF2-40B4-BE49-F238E27FC236}">
+                <a16:creationId xmlns:a16="http://schemas.microsoft.com/office/drawing/2014/main" id="{04760CAE-1BB6-5A42-BFA7-1971166FEC9F}"/>
+              </a:ext>
+            </a:extLst>
+          </p:cNvPr>
+          <p:cNvCxnSpPr>
+            <a:cxnSpLocks/>
+          </p:cNvCxnSpPr>
+          <p:nvPr/>
+        </p:nvCxnSpPr>
+        <p:spPr>
+          <a:xfrm flipV="1">
+            <a:off x="1570504" y="814341"/>
+            <a:ext cx="3687956" cy="9566"/>
+          </a:xfrm>
+          <a:prstGeom prst="line">
+            <a:avLst/>
+          </a:prstGeom>
+          <a:ln w="38100">
+            <a:solidFill>
+              <a:schemeClr val="tx1"/>
+            </a:solidFill>
+          </a:ln>
+        </p:spPr>
+        <p:style>
+          <a:lnRef idx="1">
+            <a:schemeClr val="accent1"/>
+          </a:lnRef>
+          <a:fillRef idx="0">
+            <a:schemeClr val="accent1"/>
+          </a:fillRef>
+          <a:effectRef idx="0">
+            <a:schemeClr val="accent1"/>
+          </a:effectRef>
+          <a:fontRef idx="minor">
+            <a:schemeClr val="tx1"/>
+          </a:fontRef>
+        </p:style>
+      </p:cxnSp>
+      <p:cxnSp>
+        <p:nvCxnSpPr>
+          <p:cNvPr id="66" name="Straight Connector 65">
+            <a:extLst>
+              <a:ext uri="{FF2B5EF4-FFF2-40B4-BE49-F238E27FC236}">
+                <a16:creationId xmlns:a16="http://schemas.microsoft.com/office/drawing/2014/main" id="{8BBAFE0B-DD60-584C-854A-387C1A16F855}"/>
+              </a:ext>
+            </a:extLst>
+          </p:cNvPr>
+          <p:cNvCxnSpPr>
+            <a:cxnSpLocks/>
+          </p:cNvCxnSpPr>
+          <p:nvPr/>
+        </p:nvCxnSpPr>
+        <p:spPr>
+          <a:xfrm flipV="1">
+            <a:off x="5262253" y="1609189"/>
+            <a:ext cx="7584" cy="384810"/>
+          </a:xfrm>
+          <a:prstGeom prst="line">
+            <a:avLst/>
+          </a:prstGeom>
+          <a:ln w="38100">
+            <a:solidFill>
+              <a:schemeClr val="tx1"/>
+            </a:solidFill>
+          </a:ln>
+        </p:spPr>
+        <p:style>
+          <a:lnRef idx="1">
+            <a:schemeClr val="accent1"/>
+          </a:lnRef>
+          <a:fillRef idx="0">
+            <a:schemeClr val="accent1"/>
+          </a:fillRef>
+          <a:effectRef idx="0">
+            <a:schemeClr val="accent1"/>
+          </a:effectRef>
+          <a:fontRef idx="minor">
+            <a:schemeClr val="tx1"/>
+          </a:fontRef>
+        </p:style>
+      </p:cxnSp>
+      <p:cxnSp>
+        <p:nvCxnSpPr>
+          <p:cNvPr id="67" name="Straight Connector 66">
+            <a:extLst>
+              <a:ext uri="{FF2B5EF4-FFF2-40B4-BE49-F238E27FC236}">
+                <a16:creationId xmlns:a16="http://schemas.microsoft.com/office/drawing/2014/main" id="{B7CDA229-B224-2343-82BC-4BF751D862F5}"/>
+              </a:ext>
+            </a:extLst>
+          </p:cNvPr>
+          <p:cNvCxnSpPr>
+            <a:cxnSpLocks/>
+          </p:cNvCxnSpPr>
+          <p:nvPr/>
+        </p:nvCxnSpPr>
+        <p:spPr>
+          <a:xfrm flipV="1">
+            <a:off x="1570504" y="1988903"/>
+            <a:ext cx="3687955" cy="20782"/>
+          </a:xfrm>
+          <a:prstGeom prst="line">
+            <a:avLst/>
+          </a:prstGeom>
+          <a:ln w="38100">
+            <a:solidFill>
+              <a:schemeClr val="tx1"/>
+            </a:solidFill>
+          </a:ln>
+        </p:spPr>
+        <p:style>
+          <a:lnRef idx="1">
+            <a:schemeClr val="accent1"/>
+          </a:lnRef>
+          <a:fillRef idx="0">
+            <a:schemeClr val="accent1"/>
+          </a:fillRef>
+          <a:effectRef idx="0">
+            <a:schemeClr val="accent1"/>
+          </a:effectRef>
+          <a:fontRef idx="minor">
+            <a:schemeClr val="tx1"/>
+          </a:fontRef>
+        </p:style>
+      </p:cxnSp>
+      <p:pic>
+        <p:nvPicPr>
+          <p:cNvPr id="70" name="Picture 69">
+            <a:extLst>
+              <a:ext uri="{FF2B5EF4-FFF2-40B4-BE49-F238E27FC236}">
+                <a16:creationId xmlns:a16="http://schemas.microsoft.com/office/drawing/2014/main" id="{315DF0D5-6C6E-AA40-86C2-A7949B054CC6}"/>
+              </a:ext>
+            </a:extLst>
+          </p:cNvPr>
+          <p:cNvPicPr>
+            <a:picLocks noChangeAspect="1"/>
+          </p:cNvPicPr>
+          <p:nvPr/>
+        </p:nvPicPr>
+        <p:blipFill>
+          <a:blip r:embed="rId2">
+            <a:extLst>
+              <a:ext uri="{28A0092B-C50C-407E-A947-70E740481C1C}">
+                <a14:useLocalDpi xmlns:a14="http://schemas.microsoft.com/office/drawing/2010/main" val="0"/>
+              </a:ext>
+            </a:extLst>
+          </a:blip>
+          <a:stretch>
+            <a:fillRect/>
+          </a:stretch>
+        </p:blipFill>
+        <p:spPr>
+          <a:xfrm>
+            <a:off x="911489" y="1350670"/>
+            <a:ext cx="1318030" cy="1318030"/>
+          </a:xfrm>
+          <a:prstGeom prst="rect">
+            <a:avLst/>
+          </a:prstGeom>
+        </p:spPr>
+      </p:pic>
+      <p:pic>
+        <p:nvPicPr>
+          <p:cNvPr id="72" name="Picture 71">
+            <a:extLst>
+              <a:ext uri="{FF2B5EF4-FFF2-40B4-BE49-F238E27FC236}">
+                <a16:creationId xmlns:a16="http://schemas.microsoft.com/office/drawing/2014/main" id="{9948355B-D9BA-BC44-9CE9-03E64741EE5C}"/>
+              </a:ext>
+            </a:extLst>
+          </p:cNvPr>
+          <p:cNvPicPr>
+            <a:picLocks noChangeAspect="1"/>
+          </p:cNvPicPr>
+          <p:nvPr/>
+        </p:nvPicPr>
+        <p:blipFill>
+          <a:blip r:embed="rId2">
+            <a:extLst>
+              <a:ext uri="{28A0092B-C50C-407E-A947-70E740481C1C}">
+                <a14:useLocalDpi xmlns:a14="http://schemas.microsoft.com/office/drawing/2010/main" val="0"/>
+              </a:ext>
+            </a:extLst>
+          </a:blip>
+          <a:stretch>
+            <a:fillRect/>
+          </a:stretch>
+        </p:blipFill>
+        <p:spPr>
+          <a:xfrm>
+            <a:off x="911489" y="144935"/>
+            <a:ext cx="1318030" cy="1318030"/>
+          </a:xfrm>
+          <a:prstGeom prst="rect">
+            <a:avLst/>
+          </a:prstGeom>
+        </p:spPr>
+      </p:pic>
+      <p:sp>
+        <p:nvSpPr>
+          <p:cNvPr id="9" name="TextBox 8">
+            <a:extLst>
+              <a:ext uri="{FF2B5EF4-FFF2-40B4-BE49-F238E27FC236}">
+                <a16:creationId xmlns:a16="http://schemas.microsoft.com/office/drawing/2014/main" id="{832C348F-B622-A24F-B6A5-3B2EC9C6368C}"/>
+              </a:ext>
+            </a:extLst>
+          </p:cNvPr>
+          <p:cNvSpPr txBox="1"/>
+          <p:nvPr/>
+        </p:nvSpPr>
+        <p:spPr>
+          <a:xfrm rot="5400000">
+            <a:off x="1413165" y="994530"/>
+            <a:ext cx="622286" cy="830997"/>
+          </a:xfrm>
+          <a:prstGeom prst="rect">
+            <a:avLst/>
+          </a:prstGeom>
+          <a:noFill/>
+        </p:spPr>
+        <p:txBody>
+          <a:bodyPr wrap="none" rtlCol="0">
+            <a:spAutoFit/>
+          </a:bodyPr>
+          <a:lstStyle/>
+          <a:p>
+            <a:r>
+              <a:rPr lang="en-US" sz="4800" b="1" dirty="0"/>
+              <a:t>…</a:t>
+            </a:r>
+          </a:p>
+        </p:txBody>
+      </p:sp>
+      <p:cxnSp>
+        <p:nvCxnSpPr>
+          <p:cNvPr id="73" name="Straight Connector 72">
+            <a:extLst>
+              <a:ext uri="{FF2B5EF4-FFF2-40B4-BE49-F238E27FC236}">
+                <a16:creationId xmlns:a16="http://schemas.microsoft.com/office/drawing/2014/main" id="{750C2D0F-BBD6-C24D-98C8-ADDA55C15B79}"/>
+              </a:ext>
+            </a:extLst>
+          </p:cNvPr>
+          <p:cNvCxnSpPr>
+            <a:cxnSpLocks/>
+          </p:cNvCxnSpPr>
+          <p:nvPr/>
+        </p:nvCxnSpPr>
+        <p:spPr>
+          <a:xfrm>
+            <a:off x="5486403" y="3428796"/>
+            <a:ext cx="1665518" cy="0"/>
+          </a:xfrm>
+          <a:prstGeom prst="line">
+            <a:avLst/>
+          </a:prstGeom>
+          <a:ln w="38100">
+            <a:solidFill>
+              <a:schemeClr val="tx1"/>
+            </a:solidFill>
+          </a:ln>
+        </p:spPr>
+        <p:style>
+          <a:lnRef idx="1">
+            <a:schemeClr val="accent1"/>
+          </a:lnRef>
+          <a:fillRef idx="0">
+            <a:schemeClr val="accent1"/>
+          </a:fillRef>
+          <a:effectRef idx="0">
+            <a:schemeClr val="accent1"/>
+          </a:effectRef>
+          <a:fontRef idx="minor">
+            <a:schemeClr val="tx1"/>
+          </a:fontRef>
+        </p:style>
+      </p:cxnSp>
+      <p:pic>
+        <p:nvPicPr>
+          <p:cNvPr id="91" name="Picture 90">
+            <a:extLst>
+              <a:ext uri="{FF2B5EF4-FFF2-40B4-BE49-F238E27FC236}">
+                <a16:creationId xmlns:a16="http://schemas.microsoft.com/office/drawing/2014/main" id="{0DBB8D16-B5C3-EF47-AB81-4638BFCD160A}"/>
+              </a:ext>
+            </a:extLst>
+          </p:cNvPr>
+          <p:cNvPicPr>
+            <a:picLocks noChangeAspect="1"/>
+          </p:cNvPicPr>
+          <p:nvPr/>
+        </p:nvPicPr>
+        <p:blipFill>
+          <a:blip r:embed="rId3">
+            <a:extLst>
+              <a:ext uri="{28A0092B-C50C-407E-A947-70E740481C1C}">
+                <a14:useLocalDpi xmlns:a14="http://schemas.microsoft.com/office/drawing/2010/main" val="0"/>
+              </a:ext>
+            </a:extLst>
+          </a:blip>
+          <a:stretch>
+            <a:fillRect/>
+          </a:stretch>
+        </p:blipFill>
+        <p:spPr>
+          <a:xfrm>
+            <a:off x="6513142" y="2869250"/>
+            <a:ext cx="1210903" cy="1210903"/>
+          </a:xfrm>
+          <a:prstGeom prst="rect">
+            <a:avLst/>
+          </a:prstGeom>
+        </p:spPr>
+      </p:pic>
+      <p:cxnSp>
+        <p:nvCxnSpPr>
+          <p:cNvPr id="92" name="Straight Connector 91">
+            <a:extLst>
+              <a:ext uri="{FF2B5EF4-FFF2-40B4-BE49-F238E27FC236}">
+                <a16:creationId xmlns:a16="http://schemas.microsoft.com/office/drawing/2014/main" id="{D5F750FE-C8F2-BD49-827D-F6CE23412E91}"/>
+              </a:ext>
+            </a:extLst>
+          </p:cNvPr>
+          <p:cNvCxnSpPr>
+            <a:cxnSpLocks/>
+          </p:cNvCxnSpPr>
+          <p:nvPr/>
+        </p:nvCxnSpPr>
+        <p:spPr>
+          <a:xfrm flipV="1">
+            <a:off x="7151921" y="1392926"/>
+            <a:ext cx="0" cy="1939654"/>
+          </a:xfrm>
+          <a:prstGeom prst="line">
+            <a:avLst/>
+          </a:prstGeom>
+          <a:ln w="38100">
+            <a:solidFill>
+              <a:schemeClr val="tx1"/>
+            </a:solidFill>
+          </a:ln>
+        </p:spPr>
+        <p:style>
+          <a:lnRef idx="1">
+            <a:schemeClr val="accent1"/>
+          </a:lnRef>
+          <a:fillRef idx="0">
+            <a:schemeClr val="accent1"/>
+          </a:fillRef>
+          <a:effectRef idx="0">
+            <a:schemeClr val="accent1"/>
+          </a:effectRef>
+          <a:fontRef idx="minor">
+            <a:schemeClr val="tx1"/>
+          </a:fontRef>
+        </p:style>
+      </p:cxnSp>
+      <p:cxnSp>
+        <p:nvCxnSpPr>
+          <p:cNvPr id="93" name="Straight Connector 92">
+            <a:extLst>
+              <a:ext uri="{FF2B5EF4-FFF2-40B4-BE49-F238E27FC236}">
+                <a16:creationId xmlns:a16="http://schemas.microsoft.com/office/drawing/2014/main" id="{3D5B2F0E-22C9-034D-ACCD-A1FB00861F7F}"/>
+              </a:ext>
+            </a:extLst>
+          </p:cNvPr>
+          <p:cNvCxnSpPr>
+            <a:cxnSpLocks/>
+          </p:cNvCxnSpPr>
+          <p:nvPr/>
+        </p:nvCxnSpPr>
+        <p:spPr>
+          <a:xfrm flipV="1">
+            <a:off x="5594104" y="1391881"/>
+            <a:ext cx="1557817" cy="1045"/>
+          </a:xfrm>
+          <a:prstGeom prst="line">
+            <a:avLst/>
+          </a:prstGeom>
+          <a:ln w="38100">
+            <a:solidFill>
+              <a:schemeClr val="tx1"/>
+            </a:solidFill>
+          </a:ln>
+        </p:spPr>
+        <p:style>
+          <a:lnRef idx="1">
+            <a:schemeClr val="accent1"/>
+          </a:lnRef>
+          <a:fillRef idx="0">
+            <a:schemeClr val="accent1"/>
+          </a:fillRef>
+          <a:effectRef idx="0">
+            <a:schemeClr val="accent1"/>
+          </a:effectRef>
+          <a:fontRef idx="minor">
+            <a:schemeClr val="tx1"/>
+          </a:fontRef>
+        </p:style>
+      </p:cxnSp>
+      <p:cxnSp>
+        <p:nvCxnSpPr>
+          <p:cNvPr id="94" name="Straight Connector 93">
+            <a:extLst>
+              <a:ext uri="{FF2B5EF4-FFF2-40B4-BE49-F238E27FC236}">
+                <a16:creationId xmlns:a16="http://schemas.microsoft.com/office/drawing/2014/main" id="{C83B53DF-74C6-2F4B-82CC-797D49772DB0}"/>
+              </a:ext>
+            </a:extLst>
+          </p:cNvPr>
+          <p:cNvCxnSpPr>
+            <a:cxnSpLocks/>
+          </p:cNvCxnSpPr>
+          <p:nvPr/>
+        </p:nvCxnSpPr>
+        <p:spPr>
+          <a:xfrm flipV="1">
+            <a:off x="7151921" y="3616037"/>
+            <a:ext cx="0" cy="1928552"/>
+          </a:xfrm>
+          <a:prstGeom prst="line">
+            <a:avLst/>
+          </a:prstGeom>
+          <a:ln w="38100">
+            <a:solidFill>
+              <a:schemeClr val="tx1"/>
+            </a:solidFill>
+          </a:ln>
+        </p:spPr>
+        <p:style>
+          <a:lnRef idx="1">
+            <a:schemeClr val="accent1"/>
+          </a:lnRef>
+          <a:fillRef idx="0">
+            <a:schemeClr val="accent1"/>
+          </a:fillRef>
+          <a:effectRef idx="0">
+            <a:schemeClr val="accent1"/>
+          </a:effectRef>
+          <a:fontRef idx="minor">
+            <a:schemeClr val="tx1"/>
+          </a:fontRef>
+        </p:style>
+      </p:cxnSp>
+      <p:cxnSp>
+        <p:nvCxnSpPr>
+          <p:cNvPr id="95" name="Straight Connector 94">
+            <a:extLst>
+              <a:ext uri="{FF2B5EF4-FFF2-40B4-BE49-F238E27FC236}">
+                <a16:creationId xmlns:a16="http://schemas.microsoft.com/office/drawing/2014/main" id="{0D882B62-A483-014D-8169-659BBC6851A9}"/>
+              </a:ext>
+            </a:extLst>
+          </p:cNvPr>
+          <p:cNvCxnSpPr>
+            <a:cxnSpLocks/>
+          </p:cNvCxnSpPr>
+          <p:nvPr/>
+        </p:nvCxnSpPr>
+        <p:spPr>
+          <a:xfrm>
+            <a:off x="5594104" y="5534847"/>
+            <a:ext cx="1557817" cy="0"/>
+          </a:xfrm>
+          <a:prstGeom prst="line">
+            <a:avLst/>
+          </a:prstGeom>
+          <a:ln w="38100">
+            <a:solidFill>
+              <a:schemeClr val="tx1"/>
+            </a:solidFill>
+          </a:ln>
+        </p:spPr>
+        <p:style>
+          <a:lnRef idx="1">
+            <a:schemeClr val="accent1"/>
+          </a:lnRef>
+          <a:fillRef idx="0">
+            <a:schemeClr val="accent1"/>
+          </a:fillRef>
+          <a:effectRef idx="0">
+            <a:schemeClr val="accent1"/>
+          </a:effectRef>
+          <a:fontRef idx="minor">
+            <a:schemeClr val="tx1"/>
+          </a:fontRef>
+        </p:style>
+      </p:cxnSp>
+      <p:pic>
+        <p:nvPicPr>
+          <p:cNvPr id="96" name="Picture 95">
+            <a:extLst>
+              <a:ext uri="{FF2B5EF4-FFF2-40B4-BE49-F238E27FC236}">
+                <a16:creationId xmlns:a16="http://schemas.microsoft.com/office/drawing/2014/main" id="{CE5925F2-BE43-6D4F-B523-91325BF1631D}"/>
+              </a:ext>
+            </a:extLst>
+          </p:cNvPr>
+          <p:cNvPicPr>
+            <a:picLocks noChangeAspect="1"/>
+          </p:cNvPicPr>
+          <p:nvPr/>
+        </p:nvPicPr>
+        <p:blipFill>
+          <a:blip r:embed="rId3">
+            <a:extLst>
+              <a:ext uri="{28A0092B-C50C-407E-A947-70E740481C1C}">
+                <a14:useLocalDpi xmlns:a14="http://schemas.microsoft.com/office/drawing/2010/main" val="0"/>
+              </a:ext>
+            </a:extLst>
+          </a:blip>
+          <a:stretch>
+            <a:fillRect/>
+          </a:stretch>
+        </p:blipFill>
+        <p:spPr>
+          <a:xfrm>
+            <a:off x="4638005" y="823907"/>
+            <a:ext cx="1210903" cy="1210903"/>
+          </a:xfrm>
+          <a:prstGeom prst="rect">
+            <a:avLst/>
+          </a:prstGeom>
+        </p:spPr>
+      </p:pic>
+      <p:cxnSp>
+        <p:nvCxnSpPr>
+          <p:cNvPr id="104" name="Straight Connector 103">
+            <a:extLst>
+              <a:ext uri="{FF2B5EF4-FFF2-40B4-BE49-F238E27FC236}">
+                <a16:creationId xmlns:a16="http://schemas.microsoft.com/office/drawing/2014/main" id="{6450A2FE-641A-7849-A134-8D47729E6771}"/>
+              </a:ext>
+            </a:extLst>
+          </p:cNvPr>
+          <p:cNvCxnSpPr>
+            <a:cxnSpLocks/>
+          </p:cNvCxnSpPr>
+          <p:nvPr/>
+        </p:nvCxnSpPr>
+        <p:spPr>
+          <a:xfrm>
+            <a:off x="1792721" y="3448011"/>
+            <a:ext cx="3251782" cy="0"/>
+          </a:xfrm>
+          <a:prstGeom prst="line">
+            <a:avLst/>
+          </a:prstGeom>
+          <a:ln w="38100">
+            <a:solidFill>
+              <a:schemeClr val="tx1"/>
+            </a:solidFill>
+          </a:ln>
+        </p:spPr>
+        <p:style>
+          <a:lnRef idx="1">
+            <a:schemeClr val="accent1"/>
+          </a:lnRef>
+          <a:fillRef idx="0">
+            <a:schemeClr val="accent1"/>
+          </a:fillRef>
+          <a:effectRef idx="0">
+            <a:schemeClr val="accent1"/>
+          </a:effectRef>
+          <a:fontRef idx="minor">
+            <a:schemeClr val="tx1"/>
+          </a:fontRef>
+        </p:style>
+      </p:cxnSp>
+      <p:cxnSp>
+        <p:nvCxnSpPr>
+          <p:cNvPr id="105" name="Straight Connector 104">
+            <a:extLst>
+              <a:ext uri="{FF2B5EF4-FFF2-40B4-BE49-F238E27FC236}">
+                <a16:creationId xmlns:a16="http://schemas.microsoft.com/office/drawing/2014/main" id="{AF050F1F-0CE2-4A45-9792-DDC094B8178B}"/>
+              </a:ext>
+            </a:extLst>
+          </p:cNvPr>
+          <p:cNvCxnSpPr>
+            <a:cxnSpLocks/>
+          </p:cNvCxnSpPr>
+          <p:nvPr/>
+        </p:nvCxnSpPr>
+        <p:spPr>
+          <a:xfrm flipV="1">
+            <a:off x="5267639" y="2838569"/>
+            <a:ext cx="1" cy="557444"/>
+          </a:xfrm>
+          <a:prstGeom prst="line">
+            <a:avLst/>
+          </a:prstGeom>
+          <a:ln w="38100">
+            <a:solidFill>
+              <a:schemeClr val="tx1"/>
+            </a:solidFill>
+          </a:ln>
+        </p:spPr>
+        <p:style>
+          <a:lnRef idx="1">
+            <a:schemeClr val="accent1"/>
+          </a:lnRef>
+          <a:fillRef idx="0">
+            <a:schemeClr val="accent1"/>
+          </a:fillRef>
+          <a:effectRef idx="0">
+            <a:schemeClr val="accent1"/>
+          </a:effectRef>
+          <a:fontRef idx="minor">
+            <a:schemeClr val="tx1"/>
+          </a:fontRef>
+        </p:style>
+      </p:cxnSp>
+      <p:cxnSp>
+        <p:nvCxnSpPr>
+          <p:cNvPr id="106" name="Straight Connector 105">
+            <a:extLst>
+              <a:ext uri="{FF2B5EF4-FFF2-40B4-BE49-F238E27FC236}">
+                <a16:creationId xmlns:a16="http://schemas.microsoft.com/office/drawing/2014/main" id="{A7655234-9BF8-4A47-9170-93EFEC221A9B}"/>
+              </a:ext>
+            </a:extLst>
+          </p:cNvPr>
+          <p:cNvCxnSpPr>
+            <a:cxnSpLocks/>
+          </p:cNvCxnSpPr>
+          <p:nvPr/>
+        </p:nvCxnSpPr>
+        <p:spPr>
+          <a:xfrm>
+            <a:off x="1570504" y="2838569"/>
+            <a:ext cx="3687956" cy="21115"/>
+          </a:xfrm>
+          <a:prstGeom prst="line">
+            <a:avLst/>
+          </a:prstGeom>
+          <a:ln w="38100">
+            <a:solidFill>
+              <a:schemeClr val="tx1"/>
+            </a:solidFill>
+          </a:ln>
+        </p:spPr>
+        <p:style>
+          <a:lnRef idx="1">
+            <a:schemeClr val="accent1"/>
+          </a:lnRef>
+          <a:fillRef idx="0">
+            <a:schemeClr val="accent1"/>
+          </a:fillRef>
+          <a:effectRef idx="0">
+            <a:schemeClr val="accent1"/>
+          </a:effectRef>
+          <a:fontRef idx="minor">
+            <a:schemeClr val="tx1"/>
+          </a:fontRef>
+        </p:style>
+      </p:cxnSp>
+      <p:cxnSp>
+        <p:nvCxnSpPr>
+          <p:cNvPr id="107" name="Straight Connector 106">
+            <a:extLst>
+              <a:ext uri="{FF2B5EF4-FFF2-40B4-BE49-F238E27FC236}">
+                <a16:creationId xmlns:a16="http://schemas.microsoft.com/office/drawing/2014/main" id="{1779B325-2818-2D48-B046-AC756A1C611B}"/>
+              </a:ext>
+            </a:extLst>
+          </p:cNvPr>
+          <p:cNvCxnSpPr>
+            <a:cxnSpLocks/>
+          </p:cNvCxnSpPr>
+          <p:nvPr/>
+        </p:nvCxnSpPr>
+        <p:spPr>
+          <a:xfrm flipV="1">
+            <a:off x="5262253" y="3654532"/>
+            <a:ext cx="7584" cy="384810"/>
+          </a:xfrm>
+          <a:prstGeom prst="line">
+            <a:avLst/>
+          </a:prstGeom>
+          <a:ln w="38100">
+            <a:solidFill>
+              <a:schemeClr val="tx1"/>
+            </a:solidFill>
+          </a:ln>
+        </p:spPr>
+        <p:style>
+          <a:lnRef idx="1">
+            <a:schemeClr val="accent1"/>
+          </a:lnRef>
+          <a:fillRef idx="0">
+            <a:schemeClr val="accent1"/>
+          </a:fillRef>
+          <a:effectRef idx="0">
+            <a:schemeClr val="accent1"/>
+          </a:effectRef>
+          <a:fontRef idx="minor">
+            <a:schemeClr val="tx1"/>
+          </a:fontRef>
+        </p:style>
+      </p:cxnSp>
+      <p:cxnSp>
+        <p:nvCxnSpPr>
+          <p:cNvPr id="108" name="Straight Connector 107">
+            <a:extLst>
+              <a:ext uri="{FF2B5EF4-FFF2-40B4-BE49-F238E27FC236}">
+                <a16:creationId xmlns:a16="http://schemas.microsoft.com/office/drawing/2014/main" id="{2BE7DBDA-616A-F84D-8A71-2B4D7E19514A}"/>
+              </a:ext>
+            </a:extLst>
+          </p:cNvPr>
+          <p:cNvCxnSpPr>
+            <a:cxnSpLocks/>
+          </p:cNvCxnSpPr>
+          <p:nvPr/>
+        </p:nvCxnSpPr>
+        <p:spPr>
+          <a:xfrm>
+            <a:off x="1570504" y="4034246"/>
+            <a:ext cx="3687955" cy="0"/>
+          </a:xfrm>
+          <a:prstGeom prst="line">
+            <a:avLst/>
+          </a:prstGeom>
+          <a:ln w="38100">
+            <a:solidFill>
+              <a:schemeClr val="tx1"/>
+            </a:solidFill>
+          </a:ln>
+        </p:spPr>
+        <p:style>
+          <a:lnRef idx="1">
+            <a:schemeClr val="accent1"/>
+          </a:lnRef>
+          <a:fillRef idx="0">
+            <a:schemeClr val="accent1"/>
+          </a:fillRef>
+          <a:effectRef idx="0">
+            <a:schemeClr val="accent1"/>
+          </a:effectRef>
+          <a:fontRef idx="minor">
+            <a:schemeClr val="tx1"/>
+          </a:fontRef>
+        </p:style>
+      </p:cxnSp>
+      <p:pic>
+        <p:nvPicPr>
+          <p:cNvPr id="109" name="Picture 108">
+            <a:extLst>
+              <a:ext uri="{FF2B5EF4-FFF2-40B4-BE49-F238E27FC236}">
+                <a16:creationId xmlns:a16="http://schemas.microsoft.com/office/drawing/2014/main" id="{D3F7384B-5E0C-0744-AD58-74C35206C032}"/>
+              </a:ext>
+            </a:extLst>
+          </p:cNvPr>
+          <p:cNvPicPr>
+            <a:picLocks noChangeAspect="1"/>
+          </p:cNvPicPr>
+          <p:nvPr/>
+        </p:nvPicPr>
+        <p:blipFill>
+          <a:blip r:embed="rId2">
+            <a:extLst>
+              <a:ext uri="{28A0092B-C50C-407E-A947-70E740481C1C}">
+                <a14:useLocalDpi xmlns:a14="http://schemas.microsoft.com/office/drawing/2010/main" val="0"/>
+              </a:ext>
+            </a:extLst>
+          </a:blip>
+          <a:stretch>
+            <a:fillRect/>
+          </a:stretch>
+        </p:blipFill>
+        <p:spPr>
+          <a:xfrm>
+            <a:off x="911489" y="3396013"/>
+            <a:ext cx="1318030" cy="1318030"/>
+          </a:xfrm>
+          <a:prstGeom prst="rect">
+            <a:avLst/>
+          </a:prstGeom>
+        </p:spPr>
+      </p:pic>
+      <p:pic>
+        <p:nvPicPr>
+          <p:cNvPr id="110" name="Picture 109">
+            <a:extLst>
+              <a:ext uri="{FF2B5EF4-FFF2-40B4-BE49-F238E27FC236}">
+                <a16:creationId xmlns:a16="http://schemas.microsoft.com/office/drawing/2014/main" id="{81054CC1-D12C-5E49-B36B-69BD81D682D9}"/>
+              </a:ext>
+            </a:extLst>
+          </p:cNvPr>
+          <p:cNvPicPr>
+            <a:picLocks noChangeAspect="1"/>
+          </p:cNvPicPr>
+          <p:nvPr/>
+        </p:nvPicPr>
+        <p:blipFill>
+          <a:blip r:embed="rId2">
+            <a:extLst>
+              <a:ext uri="{28A0092B-C50C-407E-A947-70E740481C1C}">
+                <a14:useLocalDpi xmlns:a14="http://schemas.microsoft.com/office/drawing/2010/main" val="0"/>
+              </a:ext>
+            </a:extLst>
+          </a:blip>
+          <a:stretch>
+            <a:fillRect/>
+          </a:stretch>
+        </p:blipFill>
+        <p:spPr>
+          <a:xfrm>
+            <a:off x="911489" y="2190278"/>
+            <a:ext cx="1318030" cy="1318030"/>
+          </a:xfrm>
+          <a:prstGeom prst="rect">
+            <a:avLst/>
+          </a:prstGeom>
+        </p:spPr>
+      </p:pic>
+      <p:sp>
+        <p:nvSpPr>
+          <p:cNvPr id="111" name="TextBox 110">
+            <a:extLst>
+              <a:ext uri="{FF2B5EF4-FFF2-40B4-BE49-F238E27FC236}">
+                <a16:creationId xmlns:a16="http://schemas.microsoft.com/office/drawing/2014/main" id="{005B62B6-6E8C-E04D-B200-D186A71A40FD}"/>
+              </a:ext>
+            </a:extLst>
+          </p:cNvPr>
+          <p:cNvSpPr txBox="1"/>
+          <p:nvPr/>
+        </p:nvSpPr>
+        <p:spPr>
+          <a:xfrm rot="5400000">
+            <a:off x="1413165" y="3039873"/>
+            <a:ext cx="622286" cy="830997"/>
+          </a:xfrm>
+          <a:prstGeom prst="rect">
+            <a:avLst/>
+          </a:prstGeom>
+          <a:noFill/>
+        </p:spPr>
+        <p:txBody>
+          <a:bodyPr wrap="none" rtlCol="0">
+            <a:spAutoFit/>
+          </a:bodyPr>
+          <a:lstStyle/>
+          <a:p>
+            <a:r>
+              <a:rPr lang="en-US" sz="4800" b="1" dirty="0"/>
+              <a:t>…</a:t>
+            </a:r>
+          </a:p>
+        </p:txBody>
+      </p:sp>
+      <p:pic>
+        <p:nvPicPr>
+          <p:cNvPr id="112" name="Picture 111">
+            <a:extLst>
+              <a:ext uri="{FF2B5EF4-FFF2-40B4-BE49-F238E27FC236}">
+                <a16:creationId xmlns:a16="http://schemas.microsoft.com/office/drawing/2014/main" id="{A9649E7C-5FA5-6648-95CA-00CD1AB00A3A}"/>
+              </a:ext>
+            </a:extLst>
+          </p:cNvPr>
+          <p:cNvPicPr>
+            <a:picLocks noChangeAspect="1"/>
+          </p:cNvPicPr>
+          <p:nvPr/>
+        </p:nvPicPr>
+        <p:blipFill>
+          <a:blip r:embed="rId3">
+            <a:extLst>
+              <a:ext uri="{28A0092B-C50C-407E-A947-70E740481C1C}">
+                <a14:useLocalDpi xmlns:a14="http://schemas.microsoft.com/office/drawing/2010/main" val="0"/>
+              </a:ext>
+            </a:extLst>
+          </a:blip>
+          <a:stretch>
+            <a:fillRect/>
+          </a:stretch>
+        </p:blipFill>
+        <p:spPr>
+          <a:xfrm>
+            <a:off x="4638005" y="2869250"/>
+            <a:ext cx="1210903" cy="1210903"/>
+          </a:xfrm>
+          <a:prstGeom prst="rect">
+            <a:avLst/>
+          </a:prstGeom>
+        </p:spPr>
+      </p:pic>
+      <p:cxnSp>
+        <p:nvCxnSpPr>
+          <p:cNvPr id="113" name="Straight Connector 112">
+            <a:extLst>
+              <a:ext uri="{FF2B5EF4-FFF2-40B4-BE49-F238E27FC236}">
+                <a16:creationId xmlns:a16="http://schemas.microsoft.com/office/drawing/2014/main" id="{E65EC68C-57DA-5848-9BFE-1558899257B1}"/>
+              </a:ext>
+            </a:extLst>
+          </p:cNvPr>
+          <p:cNvCxnSpPr>
+            <a:cxnSpLocks/>
+          </p:cNvCxnSpPr>
+          <p:nvPr/>
+        </p:nvCxnSpPr>
+        <p:spPr>
+          <a:xfrm flipV="1">
+            <a:off x="1792721" y="5544589"/>
+            <a:ext cx="3251782" cy="7360"/>
+          </a:xfrm>
+          <a:prstGeom prst="line">
+            <a:avLst/>
+          </a:prstGeom>
+          <a:ln w="38100">
+            <a:solidFill>
+              <a:schemeClr val="tx1"/>
+            </a:solidFill>
+          </a:ln>
+        </p:spPr>
+        <p:style>
+          <a:lnRef idx="1">
+            <a:schemeClr val="accent1"/>
+          </a:lnRef>
+          <a:fillRef idx="0">
+            <a:schemeClr val="accent1"/>
+          </a:fillRef>
+          <a:effectRef idx="0">
+            <a:schemeClr val="accent1"/>
+          </a:effectRef>
+          <a:fontRef idx="minor">
+            <a:schemeClr val="tx1"/>
+          </a:fontRef>
+        </p:style>
+      </p:cxnSp>
+      <p:cxnSp>
+        <p:nvCxnSpPr>
+          <p:cNvPr id="114" name="Straight Connector 113">
+            <a:extLst>
+              <a:ext uri="{FF2B5EF4-FFF2-40B4-BE49-F238E27FC236}">
+                <a16:creationId xmlns:a16="http://schemas.microsoft.com/office/drawing/2014/main" id="{0324557E-E990-FB4A-8A59-6153F3325ABC}"/>
+              </a:ext>
+            </a:extLst>
+          </p:cNvPr>
+          <p:cNvCxnSpPr>
+            <a:cxnSpLocks/>
+          </p:cNvCxnSpPr>
+          <p:nvPr/>
+        </p:nvCxnSpPr>
+        <p:spPr>
+          <a:xfrm flipV="1">
+            <a:off x="5267639" y="4935147"/>
+            <a:ext cx="1" cy="557444"/>
+          </a:xfrm>
+          <a:prstGeom prst="line">
+            <a:avLst/>
+          </a:prstGeom>
+          <a:ln w="38100">
+            <a:solidFill>
+              <a:schemeClr val="tx1"/>
+            </a:solidFill>
+          </a:ln>
+        </p:spPr>
+        <p:style>
+          <a:lnRef idx="1">
+            <a:schemeClr val="accent1"/>
+          </a:lnRef>
+          <a:fillRef idx="0">
+            <a:schemeClr val="accent1"/>
+          </a:fillRef>
+          <a:effectRef idx="0">
+            <a:schemeClr val="accent1"/>
+          </a:effectRef>
+          <a:fontRef idx="minor">
+            <a:schemeClr val="tx1"/>
+          </a:fontRef>
+        </p:style>
+      </p:cxnSp>
+      <p:cxnSp>
+        <p:nvCxnSpPr>
+          <p:cNvPr id="115" name="Straight Connector 114">
+            <a:extLst>
+              <a:ext uri="{FF2B5EF4-FFF2-40B4-BE49-F238E27FC236}">
+                <a16:creationId xmlns:a16="http://schemas.microsoft.com/office/drawing/2014/main" id="{12C7EF99-30A4-BA44-BEB3-CC07411EFDBB}"/>
+              </a:ext>
+            </a:extLst>
+          </p:cNvPr>
+          <p:cNvCxnSpPr>
+            <a:cxnSpLocks/>
+          </p:cNvCxnSpPr>
+          <p:nvPr/>
+        </p:nvCxnSpPr>
+        <p:spPr>
+          <a:xfrm flipV="1">
+            <a:off x="1485903" y="4956262"/>
+            <a:ext cx="3772557" cy="9566"/>
+          </a:xfrm>
+          <a:prstGeom prst="line">
+            <a:avLst/>
+          </a:prstGeom>
+          <a:ln w="38100">
+            <a:solidFill>
+              <a:schemeClr val="tx1"/>
+            </a:solidFill>
+          </a:ln>
+        </p:spPr>
+        <p:style>
+          <a:lnRef idx="1">
+            <a:schemeClr val="accent1"/>
+          </a:lnRef>
+          <a:fillRef idx="0">
+            <a:schemeClr val="accent1"/>
+          </a:fillRef>
+          <a:effectRef idx="0">
+            <a:schemeClr val="accent1"/>
+          </a:effectRef>
+          <a:fontRef idx="minor">
+            <a:schemeClr val="tx1"/>
+          </a:fontRef>
+        </p:style>
+      </p:cxnSp>
+      <p:cxnSp>
+        <p:nvCxnSpPr>
+          <p:cNvPr id="116" name="Straight Connector 115">
+            <a:extLst>
+              <a:ext uri="{FF2B5EF4-FFF2-40B4-BE49-F238E27FC236}">
+                <a16:creationId xmlns:a16="http://schemas.microsoft.com/office/drawing/2014/main" id="{250AFD57-4099-E14A-9820-75AD2880F466}"/>
+              </a:ext>
+            </a:extLst>
+          </p:cNvPr>
+          <p:cNvCxnSpPr>
+            <a:cxnSpLocks/>
+          </p:cNvCxnSpPr>
+          <p:nvPr/>
+        </p:nvCxnSpPr>
+        <p:spPr>
+          <a:xfrm flipV="1">
+            <a:off x="5262253" y="5751110"/>
+            <a:ext cx="7584" cy="384810"/>
+          </a:xfrm>
+          <a:prstGeom prst="line">
+            <a:avLst/>
+          </a:prstGeom>
+          <a:ln w="38100">
+            <a:solidFill>
+              <a:schemeClr val="tx1"/>
+            </a:solidFill>
+          </a:ln>
+        </p:spPr>
+        <p:style>
+          <a:lnRef idx="1">
+            <a:schemeClr val="accent1"/>
+          </a:lnRef>
+          <a:fillRef idx="0">
+            <a:schemeClr val="accent1"/>
+          </a:fillRef>
+          <a:effectRef idx="0">
+            <a:schemeClr val="accent1"/>
+          </a:effectRef>
+          <a:fontRef idx="minor">
+            <a:schemeClr val="tx1"/>
+          </a:fontRef>
+        </p:style>
+      </p:cxnSp>
+      <p:cxnSp>
+        <p:nvCxnSpPr>
+          <p:cNvPr id="117" name="Straight Connector 116">
+            <a:extLst>
+              <a:ext uri="{FF2B5EF4-FFF2-40B4-BE49-F238E27FC236}">
+                <a16:creationId xmlns:a16="http://schemas.microsoft.com/office/drawing/2014/main" id="{D13C7F7B-1F7D-A743-BF93-AE7A733248C7}"/>
+              </a:ext>
+            </a:extLst>
+          </p:cNvPr>
+          <p:cNvCxnSpPr>
+            <a:cxnSpLocks/>
+          </p:cNvCxnSpPr>
+          <p:nvPr/>
+        </p:nvCxnSpPr>
+        <p:spPr>
+          <a:xfrm flipV="1">
+            <a:off x="1570504" y="6130824"/>
+            <a:ext cx="3687955" cy="20782"/>
+          </a:xfrm>
+          <a:prstGeom prst="line">
+            <a:avLst/>
+          </a:prstGeom>
+          <a:ln w="38100">
+            <a:solidFill>
+              <a:schemeClr val="tx1"/>
+            </a:solidFill>
+          </a:ln>
+        </p:spPr>
+        <p:style>
+          <a:lnRef idx="1">
+            <a:schemeClr val="accent1"/>
+          </a:lnRef>
+          <a:fillRef idx="0">
+            <a:schemeClr val="accent1"/>
+          </a:fillRef>
+          <a:effectRef idx="0">
+            <a:schemeClr val="accent1"/>
+          </a:effectRef>
+          <a:fontRef idx="minor">
+            <a:schemeClr val="tx1"/>
+          </a:fontRef>
+        </p:style>
+      </p:cxnSp>
+      <p:pic>
+        <p:nvPicPr>
+          <p:cNvPr id="118" name="Picture 117">
+            <a:extLst>
+              <a:ext uri="{FF2B5EF4-FFF2-40B4-BE49-F238E27FC236}">
+                <a16:creationId xmlns:a16="http://schemas.microsoft.com/office/drawing/2014/main" id="{10342634-1758-8B46-A8B1-97BD9D53DB0A}"/>
+              </a:ext>
+            </a:extLst>
+          </p:cNvPr>
+          <p:cNvPicPr>
+            <a:picLocks noChangeAspect="1"/>
+          </p:cNvPicPr>
+          <p:nvPr/>
+        </p:nvPicPr>
+        <p:blipFill>
+          <a:blip r:embed="rId2">
+            <a:extLst>
+              <a:ext uri="{28A0092B-C50C-407E-A947-70E740481C1C}">
+                <a14:useLocalDpi xmlns:a14="http://schemas.microsoft.com/office/drawing/2010/main" val="0"/>
+              </a:ext>
+            </a:extLst>
+          </a:blip>
+          <a:stretch>
+            <a:fillRect/>
+          </a:stretch>
+        </p:blipFill>
+        <p:spPr>
+          <a:xfrm>
+            <a:off x="911489" y="5492591"/>
+            <a:ext cx="1318030" cy="1318030"/>
+          </a:xfrm>
+          <a:prstGeom prst="rect">
+            <a:avLst/>
+          </a:prstGeom>
+        </p:spPr>
+      </p:pic>
+      <p:pic>
+        <p:nvPicPr>
+          <p:cNvPr id="119" name="Picture 118">
+            <a:extLst>
+              <a:ext uri="{FF2B5EF4-FFF2-40B4-BE49-F238E27FC236}">
+                <a16:creationId xmlns:a16="http://schemas.microsoft.com/office/drawing/2014/main" id="{4AD0A893-1882-4847-895E-B6267CB74382}"/>
+              </a:ext>
+            </a:extLst>
+          </p:cNvPr>
+          <p:cNvPicPr>
+            <a:picLocks noChangeAspect="1"/>
+          </p:cNvPicPr>
+          <p:nvPr/>
+        </p:nvPicPr>
+        <p:blipFill>
+          <a:blip r:embed="rId2">
+            <a:extLst>
+              <a:ext uri="{28A0092B-C50C-407E-A947-70E740481C1C}">
+                <a14:useLocalDpi xmlns:a14="http://schemas.microsoft.com/office/drawing/2010/main" val="0"/>
+              </a:ext>
+            </a:extLst>
+          </a:blip>
+          <a:stretch>
+            <a:fillRect/>
+          </a:stretch>
+        </p:blipFill>
+        <p:spPr>
+          <a:xfrm>
+            <a:off x="911489" y="4286856"/>
+            <a:ext cx="1318030" cy="1318030"/>
+          </a:xfrm>
+          <a:prstGeom prst="rect">
+            <a:avLst/>
+          </a:prstGeom>
+        </p:spPr>
+      </p:pic>
+      <p:sp>
+        <p:nvSpPr>
+          <p:cNvPr id="120" name="TextBox 119">
+            <a:extLst>
+              <a:ext uri="{FF2B5EF4-FFF2-40B4-BE49-F238E27FC236}">
+                <a16:creationId xmlns:a16="http://schemas.microsoft.com/office/drawing/2014/main" id="{53AA855D-CD61-754F-9EC6-B3C5A201A8AF}"/>
+              </a:ext>
+            </a:extLst>
+          </p:cNvPr>
+          <p:cNvSpPr txBox="1"/>
+          <p:nvPr/>
+        </p:nvSpPr>
+        <p:spPr>
+          <a:xfrm rot="5400000">
+            <a:off x="1413165" y="5136451"/>
+            <a:ext cx="622286" cy="830997"/>
+          </a:xfrm>
+          <a:prstGeom prst="rect">
+            <a:avLst/>
+          </a:prstGeom>
+          <a:noFill/>
+        </p:spPr>
+        <p:txBody>
+          <a:bodyPr wrap="none" rtlCol="0">
+            <a:spAutoFit/>
+          </a:bodyPr>
+          <a:lstStyle/>
+          <a:p>
+            <a:r>
+              <a:rPr lang="en-US" sz="4800" b="1" dirty="0"/>
+              <a:t>…</a:t>
+            </a:r>
+          </a:p>
+        </p:txBody>
+      </p:sp>
+      <p:pic>
+        <p:nvPicPr>
+          <p:cNvPr id="121" name="Picture 120">
+            <a:extLst>
+              <a:ext uri="{FF2B5EF4-FFF2-40B4-BE49-F238E27FC236}">
+                <a16:creationId xmlns:a16="http://schemas.microsoft.com/office/drawing/2014/main" id="{78D195CA-393D-F642-8E57-707A7A5FD963}"/>
+              </a:ext>
+            </a:extLst>
+          </p:cNvPr>
+          <p:cNvPicPr>
+            <a:picLocks noChangeAspect="1"/>
+          </p:cNvPicPr>
+          <p:nvPr/>
+        </p:nvPicPr>
+        <p:blipFill>
+          <a:blip r:embed="rId3">
+            <a:extLst>
+              <a:ext uri="{28A0092B-C50C-407E-A947-70E740481C1C}">
+                <a14:useLocalDpi xmlns:a14="http://schemas.microsoft.com/office/drawing/2010/main" val="0"/>
+              </a:ext>
+            </a:extLst>
+          </a:blip>
+          <a:stretch>
+            <a:fillRect/>
+          </a:stretch>
+        </p:blipFill>
+        <p:spPr>
+          <a:xfrm>
+            <a:off x="4638005" y="4965828"/>
+            <a:ext cx="1210903" cy="1210903"/>
+          </a:xfrm>
+          <a:prstGeom prst="rect">
+            <a:avLst/>
+          </a:prstGeom>
+        </p:spPr>
+      </p:pic>
+      <p:sp>
+        <p:nvSpPr>
+          <p:cNvPr id="123" name="Rectangle 122">
+            <a:extLst>
+              <a:ext uri="{FF2B5EF4-FFF2-40B4-BE49-F238E27FC236}">
+                <a16:creationId xmlns:a16="http://schemas.microsoft.com/office/drawing/2014/main" id="{4961F995-7F68-564F-876A-15C44DC2E28B}"/>
+              </a:ext>
+            </a:extLst>
+          </p:cNvPr>
+          <p:cNvSpPr/>
+          <p:nvPr/>
+        </p:nvSpPr>
+        <p:spPr>
+          <a:xfrm>
+            <a:off x="2080008" y="436314"/>
+            <a:ext cx="2589170" cy="369332"/>
+          </a:xfrm>
+          <a:prstGeom prst="rect">
+            <a:avLst/>
+          </a:prstGeom>
+        </p:spPr>
+        <p:txBody>
+          <a:bodyPr wrap="none">
+            <a:spAutoFit/>
+          </a:bodyPr>
+          <a:lstStyle/>
+          <a:p>
+            <a:r>
+              <a:rPr lang="en-US" b="1" dirty="0">
+                <a:latin typeface="Yu Gothic" panose="020B0400000000000000" pitchFamily="34" charset="-128"/>
+                <a:ea typeface="Yu Gothic" panose="020B0400000000000000" pitchFamily="34" charset="-128"/>
+              </a:rPr>
+              <a:t>MAC: 0000.0000.0101</a:t>
+            </a:r>
+          </a:p>
+        </p:txBody>
+      </p:sp>
+      <p:sp>
+        <p:nvSpPr>
+          <p:cNvPr id="133" name="Rectangle 132">
+            <a:extLst>
+              <a:ext uri="{FF2B5EF4-FFF2-40B4-BE49-F238E27FC236}">
+                <a16:creationId xmlns:a16="http://schemas.microsoft.com/office/drawing/2014/main" id="{468D4335-5F12-C041-92B7-D841E0C5C833}"/>
+              </a:ext>
+            </a:extLst>
+          </p:cNvPr>
+          <p:cNvSpPr/>
+          <p:nvPr/>
+        </p:nvSpPr>
+        <p:spPr>
+          <a:xfrm>
+            <a:off x="2080008" y="1637795"/>
+            <a:ext cx="2589170" cy="369332"/>
+          </a:xfrm>
+          <a:prstGeom prst="rect">
+            <a:avLst/>
+          </a:prstGeom>
+        </p:spPr>
+        <p:txBody>
+          <a:bodyPr wrap="none">
+            <a:spAutoFit/>
+          </a:bodyPr>
+          <a:lstStyle/>
+          <a:p>
+            <a:r>
+              <a:rPr lang="en-US" b="1" dirty="0">
+                <a:latin typeface="Yu Gothic" panose="020B0400000000000000" pitchFamily="34" charset="-128"/>
+                <a:ea typeface="Yu Gothic" panose="020B0400000000000000" pitchFamily="34" charset="-128"/>
+              </a:rPr>
+              <a:t>MAC: 0000.0000.0109</a:t>
+            </a:r>
+          </a:p>
+        </p:txBody>
+      </p:sp>
+      <p:sp>
+        <p:nvSpPr>
+          <p:cNvPr id="134" name="Rectangle 133">
+            <a:extLst>
+              <a:ext uri="{FF2B5EF4-FFF2-40B4-BE49-F238E27FC236}">
+                <a16:creationId xmlns:a16="http://schemas.microsoft.com/office/drawing/2014/main" id="{774B3352-C811-C348-B785-A02AD97AD0E9}"/>
+              </a:ext>
+            </a:extLst>
+          </p:cNvPr>
+          <p:cNvSpPr/>
+          <p:nvPr/>
+        </p:nvSpPr>
+        <p:spPr>
+          <a:xfrm>
+            <a:off x="2073052" y="2474363"/>
+            <a:ext cx="2589170" cy="369332"/>
+          </a:xfrm>
+          <a:prstGeom prst="rect">
+            <a:avLst/>
+          </a:prstGeom>
+        </p:spPr>
+        <p:txBody>
+          <a:bodyPr wrap="none">
+            <a:spAutoFit/>
+          </a:bodyPr>
+          <a:lstStyle/>
+          <a:p>
+            <a:r>
+              <a:rPr lang="en-US" b="1" dirty="0">
+                <a:latin typeface="Yu Gothic" panose="020B0400000000000000" pitchFamily="34" charset="-128"/>
+                <a:ea typeface="Yu Gothic" panose="020B0400000000000000" pitchFamily="34" charset="-128"/>
+              </a:rPr>
+              <a:t>MAC: 0000.0000.0151</a:t>
+            </a:r>
+          </a:p>
+        </p:txBody>
+      </p:sp>
+      <p:sp>
+        <p:nvSpPr>
+          <p:cNvPr id="135" name="Rectangle 134">
+            <a:extLst>
+              <a:ext uri="{FF2B5EF4-FFF2-40B4-BE49-F238E27FC236}">
+                <a16:creationId xmlns:a16="http://schemas.microsoft.com/office/drawing/2014/main" id="{4E32F7B3-0802-9745-9C94-C53EEF9678ED}"/>
+              </a:ext>
+            </a:extLst>
+          </p:cNvPr>
+          <p:cNvSpPr/>
+          <p:nvPr/>
+        </p:nvSpPr>
+        <p:spPr>
+          <a:xfrm>
+            <a:off x="2080008" y="3686357"/>
+            <a:ext cx="2589170" cy="369332"/>
+          </a:xfrm>
+          <a:prstGeom prst="rect">
+            <a:avLst/>
+          </a:prstGeom>
+        </p:spPr>
+        <p:txBody>
+          <a:bodyPr wrap="none">
+            <a:spAutoFit/>
+          </a:bodyPr>
+          <a:lstStyle/>
+          <a:p>
+            <a:r>
+              <a:rPr lang="en-US" b="1" dirty="0">
+                <a:latin typeface="Yu Gothic" panose="020B0400000000000000" pitchFamily="34" charset="-128"/>
+                <a:ea typeface="Yu Gothic" panose="020B0400000000000000" pitchFamily="34" charset="-128"/>
+              </a:rPr>
+              <a:t>MAC: 0000.0000.0159</a:t>
+            </a:r>
+          </a:p>
+        </p:txBody>
+      </p:sp>
+      <p:sp>
+        <p:nvSpPr>
+          <p:cNvPr id="136" name="Rectangle 135">
+            <a:extLst>
+              <a:ext uri="{FF2B5EF4-FFF2-40B4-BE49-F238E27FC236}">
+                <a16:creationId xmlns:a16="http://schemas.microsoft.com/office/drawing/2014/main" id="{64FC5796-18D0-8345-AC72-AA7EB4E32418}"/>
+              </a:ext>
+            </a:extLst>
+          </p:cNvPr>
+          <p:cNvSpPr/>
+          <p:nvPr/>
+        </p:nvSpPr>
+        <p:spPr>
+          <a:xfrm>
+            <a:off x="2046950" y="4595405"/>
+            <a:ext cx="2589170" cy="369332"/>
+          </a:xfrm>
+          <a:prstGeom prst="rect">
+            <a:avLst/>
+          </a:prstGeom>
+        </p:spPr>
+        <p:txBody>
+          <a:bodyPr wrap="none">
+            <a:spAutoFit/>
+          </a:bodyPr>
+          <a:lstStyle/>
+          <a:p>
+            <a:r>
+              <a:rPr lang="en-US" b="1" dirty="0">
+                <a:latin typeface="Yu Gothic" panose="020B0400000000000000" pitchFamily="34" charset="-128"/>
+                <a:ea typeface="Yu Gothic" panose="020B0400000000000000" pitchFamily="34" charset="-128"/>
+              </a:rPr>
+              <a:t>MAC: 0000.0000.0201</a:t>
+            </a:r>
+          </a:p>
+        </p:txBody>
+      </p:sp>
+      <p:sp>
+        <p:nvSpPr>
+          <p:cNvPr id="137" name="Rectangle 136">
+            <a:extLst>
+              <a:ext uri="{FF2B5EF4-FFF2-40B4-BE49-F238E27FC236}">
+                <a16:creationId xmlns:a16="http://schemas.microsoft.com/office/drawing/2014/main" id="{E2C80A2E-7690-F348-AD3D-D466DA912CEE}"/>
+              </a:ext>
+            </a:extLst>
+          </p:cNvPr>
+          <p:cNvSpPr/>
+          <p:nvPr/>
+        </p:nvSpPr>
+        <p:spPr>
+          <a:xfrm>
+            <a:off x="2053906" y="5807399"/>
+            <a:ext cx="2589170" cy="369332"/>
+          </a:xfrm>
+          <a:prstGeom prst="rect">
+            <a:avLst/>
+          </a:prstGeom>
+        </p:spPr>
+        <p:txBody>
+          <a:bodyPr wrap="none">
+            <a:spAutoFit/>
+          </a:bodyPr>
+          <a:lstStyle/>
+          <a:p>
+            <a:r>
+              <a:rPr lang="en-US" b="1" dirty="0">
+                <a:latin typeface="Yu Gothic" panose="020B0400000000000000" pitchFamily="34" charset="-128"/>
+                <a:ea typeface="Yu Gothic" panose="020B0400000000000000" pitchFamily="34" charset="-128"/>
+              </a:rPr>
+              <a:t>MAC: 0000.0000.0209</a:t>
+            </a:r>
+          </a:p>
+        </p:txBody>
+      </p:sp>
+      <p:sp>
+        <p:nvSpPr>
+          <p:cNvPr id="141" name="TextBox 140">
+            <a:extLst>
+              <a:ext uri="{FF2B5EF4-FFF2-40B4-BE49-F238E27FC236}">
+                <a16:creationId xmlns:a16="http://schemas.microsoft.com/office/drawing/2014/main" id="{AE5F942E-A983-5343-93BA-1E29F130447C}"/>
+              </a:ext>
+            </a:extLst>
+          </p:cNvPr>
+          <p:cNvSpPr txBox="1"/>
+          <p:nvPr/>
+        </p:nvSpPr>
+        <p:spPr>
+          <a:xfrm>
+            <a:off x="5738695" y="1399902"/>
+            <a:ext cx="756938" cy="400110"/>
+          </a:xfrm>
+          <a:prstGeom prst="rect">
+            <a:avLst/>
+          </a:prstGeom>
+          <a:noFill/>
+        </p:spPr>
+        <p:txBody>
+          <a:bodyPr wrap="none" rtlCol="0">
+            <a:spAutoFit/>
+          </a:bodyPr>
+          <a:lstStyle/>
+          <a:p>
+            <a:r>
+              <a:rPr lang="en-US" sz="2000" b="1" dirty="0">
+                <a:latin typeface="Yu Gothic" panose="020B0400000000000000" pitchFamily="34" charset="-128"/>
+                <a:ea typeface="Yu Gothic" panose="020B0400000000000000" pitchFamily="34" charset="-128"/>
+              </a:rPr>
+              <a:t>g0/1</a:t>
+            </a:r>
+          </a:p>
+        </p:txBody>
+      </p:sp>
+      <p:sp>
+        <p:nvSpPr>
+          <p:cNvPr id="142" name="TextBox 141">
+            <a:extLst>
+              <a:ext uri="{FF2B5EF4-FFF2-40B4-BE49-F238E27FC236}">
+                <a16:creationId xmlns:a16="http://schemas.microsoft.com/office/drawing/2014/main" id="{95E8DF10-2665-3647-8B2E-76E4182E1F46}"/>
+              </a:ext>
+            </a:extLst>
+          </p:cNvPr>
+          <p:cNvSpPr txBox="1"/>
+          <p:nvPr/>
+        </p:nvSpPr>
+        <p:spPr>
+          <a:xfrm>
+            <a:off x="5319595" y="762593"/>
+            <a:ext cx="756938" cy="400110"/>
+          </a:xfrm>
+          <a:prstGeom prst="rect">
+            <a:avLst/>
+          </a:prstGeom>
+          <a:noFill/>
+        </p:spPr>
+        <p:txBody>
+          <a:bodyPr wrap="none" rtlCol="0">
+            <a:spAutoFit/>
+          </a:bodyPr>
+          <a:lstStyle/>
+          <a:p>
+            <a:r>
+              <a:rPr lang="en-US" sz="2000" b="1" dirty="0">
+                <a:latin typeface="Yu Gothic" panose="020B0400000000000000" pitchFamily="34" charset="-128"/>
+                <a:ea typeface="Yu Gothic" panose="020B0400000000000000" pitchFamily="34" charset="-128"/>
+              </a:rPr>
+              <a:t>g0/2</a:t>
+            </a:r>
+          </a:p>
+        </p:txBody>
+      </p:sp>
+      <p:sp>
+        <p:nvSpPr>
+          <p:cNvPr id="143" name="TextBox 142">
+            <a:extLst>
+              <a:ext uri="{FF2B5EF4-FFF2-40B4-BE49-F238E27FC236}">
+                <a16:creationId xmlns:a16="http://schemas.microsoft.com/office/drawing/2014/main" id="{ABD0C6FE-E00D-564A-9F14-813C015196E7}"/>
+              </a:ext>
+            </a:extLst>
+          </p:cNvPr>
+          <p:cNvSpPr txBox="1"/>
+          <p:nvPr/>
+        </p:nvSpPr>
+        <p:spPr>
+          <a:xfrm>
+            <a:off x="5291277" y="1788848"/>
+            <a:ext cx="756938" cy="400110"/>
+          </a:xfrm>
+          <a:prstGeom prst="rect">
+            <a:avLst/>
+          </a:prstGeom>
+          <a:noFill/>
+        </p:spPr>
+        <p:txBody>
+          <a:bodyPr wrap="none" rtlCol="0">
+            <a:spAutoFit/>
+          </a:bodyPr>
+          <a:lstStyle/>
+          <a:p>
+            <a:r>
+              <a:rPr lang="en-US" sz="2000" b="1" dirty="0">
+                <a:latin typeface="Yu Gothic" panose="020B0400000000000000" pitchFamily="34" charset="-128"/>
+                <a:ea typeface="Yu Gothic" panose="020B0400000000000000" pitchFamily="34" charset="-128"/>
+              </a:rPr>
+              <a:t>g0/3</a:t>
+            </a:r>
+          </a:p>
+        </p:txBody>
+      </p:sp>
+      <p:sp>
+        <p:nvSpPr>
+          <p:cNvPr id="144" name="TextBox 143">
+            <a:extLst>
+              <a:ext uri="{FF2B5EF4-FFF2-40B4-BE49-F238E27FC236}">
+                <a16:creationId xmlns:a16="http://schemas.microsoft.com/office/drawing/2014/main" id="{0D2FC8CE-E9B8-3E40-8631-CB8417BFCEB2}"/>
+              </a:ext>
+            </a:extLst>
+          </p:cNvPr>
+          <p:cNvSpPr txBox="1"/>
+          <p:nvPr/>
+        </p:nvSpPr>
+        <p:spPr>
+          <a:xfrm>
+            <a:off x="6412579" y="2869250"/>
+            <a:ext cx="756938" cy="400110"/>
+          </a:xfrm>
+          <a:prstGeom prst="rect">
+            <a:avLst/>
+          </a:prstGeom>
+          <a:noFill/>
+        </p:spPr>
+        <p:txBody>
+          <a:bodyPr wrap="none" rtlCol="0">
+            <a:spAutoFit/>
+          </a:bodyPr>
+          <a:lstStyle/>
+          <a:p>
+            <a:r>
+              <a:rPr lang="en-US" sz="2000" b="1" dirty="0">
+                <a:latin typeface="Yu Gothic" panose="020B0400000000000000" pitchFamily="34" charset="-128"/>
+                <a:ea typeface="Yu Gothic" panose="020B0400000000000000" pitchFamily="34" charset="-128"/>
+              </a:rPr>
+              <a:t>g0/1</a:t>
+            </a:r>
+          </a:p>
+        </p:txBody>
+      </p:sp>
+      <p:sp>
+        <p:nvSpPr>
+          <p:cNvPr id="145" name="TextBox 144">
+            <a:extLst>
+              <a:ext uri="{FF2B5EF4-FFF2-40B4-BE49-F238E27FC236}">
+                <a16:creationId xmlns:a16="http://schemas.microsoft.com/office/drawing/2014/main" id="{D78195FD-919F-8A41-8DA2-51A753EFF761}"/>
+              </a:ext>
+            </a:extLst>
+          </p:cNvPr>
+          <p:cNvSpPr txBox="1"/>
+          <p:nvPr/>
+        </p:nvSpPr>
+        <p:spPr>
+          <a:xfrm>
+            <a:off x="5915687" y="3416148"/>
+            <a:ext cx="756938" cy="400110"/>
+          </a:xfrm>
+          <a:prstGeom prst="rect">
+            <a:avLst/>
+          </a:prstGeom>
+          <a:noFill/>
+        </p:spPr>
+        <p:txBody>
+          <a:bodyPr wrap="none" rtlCol="0">
+            <a:spAutoFit/>
+          </a:bodyPr>
+          <a:lstStyle/>
+          <a:p>
+            <a:r>
+              <a:rPr lang="en-US" sz="2000" b="1" dirty="0">
+                <a:latin typeface="Yu Gothic" panose="020B0400000000000000" pitchFamily="34" charset="-128"/>
+                <a:ea typeface="Yu Gothic" panose="020B0400000000000000" pitchFamily="34" charset="-128"/>
+              </a:rPr>
+              <a:t>g0/2</a:t>
+            </a:r>
+          </a:p>
+        </p:txBody>
+      </p:sp>
+      <p:sp>
+        <p:nvSpPr>
+          <p:cNvPr id="146" name="TextBox 145">
+            <a:extLst>
+              <a:ext uri="{FF2B5EF4-FFF2-40B4-BE49-F238E27FC236}">
+                <a16:creationId xmlns:a16="http://schemas.microsoft.com/office/drawing/2014/main" id="{BF1E786F-B587-7548-8BCC-854907CF91AF}"/>
+              </a:ext>
+            </a:extLst>
+          </p:cNvPr>
+          <p:cNvSpPr txBox="1"/>
+          <p:nvPr/>
+        </p:nvSpPr>
+        <p:spPr>
+          <a:xfrm>
+            <a:off x="6361655" y="3753437"/>
+            <a:ext cx="756938" cy="400110"/>
+          </a:xfrm>
+          <a:prstGeom prst="rect">
+            <a:avLst/>
+          </a:prstGeom>
+          <a:noFill/>
+        </p:spPr>
+        <p:txBody>
+          <a:bodyPr wrap="none" rtlCol="0">
+            <a:spAutoFit/>
+          </a:bodyPr>
+          <a:lstStyle/>
+          <a:p>
+            <a:r>
+              <a:rPr lang="en-US" sz="2000" b="1" dirty="0">
+                <a:latin typeface="Yu Gothic" panose="020B0400000000000000" pitchFamily="34" charset="-128"/>
+                <a:ea typeface="Yu Gothic" panose="020B0400000000000000" pitchFamily="34" charset="-128"/>
+              </a:rPr>
+              <a:t>g0/3</a:t>
+            </a:r>
+          </a:p>
+        </p:txBody>
+      </p:sp>
+      <p:sp>
+        <p:nvSpPr>
+          <p:cNvPr id="147" name="Rectangular Callout 146">
+            <a:extLst>
+              <a:ext uri="{FF2B5EF4-FFF2-40B4-BE49-F238E27FC236}">
+                <a16:creationId xmlns:a16="http://schemas.microsoft.com/office/drawing/2014/main" id="{932D4D6D-B406-2E44-A48D-246A6B4CDB54}"/>
+              </a:ext>
+            </a:extLst>
+          </p:cNvPr>
+          <p:cNvSpPr/>
+          <p:nvPr/>
+        </p:nvSpPr>
+        <p:spPr>
+          <a:xfrm>
+            <a:off x="8106261" y="285131"/>
+            <a:ext cx="3459841" cy="2348944"/>
+          </a:xfrm>
+          <a:prstGeom prst="wedgeRectCallout">
+            <a:avLst>
+              <a:gd name="adj1" fmla="val -107868"/>
+              <a:gd name="adj2" fmla="val -11724"/>
+            </a:avLst>
+          </a:prstGeom>
+          <a:solidFill>
+            <a:schemeClr val="accent2"/>
+          </a:solidFill>
+          <a:ln>
+            <a:noFill/>
+          </a:ln>
+        </p:spPr>
+        <p:style>
+          <a:lnRef idx="2">
+            <a:schemeClr val="accent1">
+              <a:shade val="50000"/>
+            </a:schemeClr>
+          </a:lnRef>
+          <a:fillRef idx="1">
+            <a:schemeClr val="accent1"/>
+          </a:fillRef>
+          <a:effectRef idx="0">
+            <a:schemeClr val="accent1"/>
+          </a:effectRef>
+          <a:fontRef idx="minor">
+            <a:schemeClr val="lt1"/>
+          </a:fontRef>
+        </p:style>
+        <p:txBody>
+          <a:bodyPr rtlCol="0" anchor="ctr"/>
+          <a:lstStyle/>
+          <a:p>
+            <a:pPr algn="ctr"/>
+            <a:endParaRPr lang="en-US"/>
+          </a:p>
+        </p:txBody>
+      </p:sp>
+      <p:graphicFrame>
+        <p:nvGraphicFramePr>
+          <p:cNvPr id="148" name="Table 147">
+            <a:extLst>
+              <a:ext uri="{FF2B5EF4-FFF2-40B4-BE49-F238E27FC236}">
+                <a16:creationId xmlns:a16="http://schemas.microsoft.com/office/drawing/2014/main" id="{F145A2FE-DBDE-F543-861D-751A1D8962EF}"/>
+              </a:ext>
+            </a:extLst>
+          </p:cNvPr>
+          <p:cNvGraphicFramePr>
+            <a:graphicFrameLocks noGrp="1"/>
+          </p:cNvGraphicFramePr>
+          <p:nvPr>
+            <p:extLst>
+              <p:ext uri="{D42A27DB-BD31-4B8C-83A1-F6EECF244321}">
+                <p14:modId xmlns:p14="http://schemas.microsoft.com/office/powerpoint/2010/main" val="951880768"/>
+              </p:ext>
+            </p:extLst>
+          </p:nvPr>
+        </p:nvGraphicFramePr>
+        <p:xfrm>
+          <a:off x="8349197" y="866991"/>
+          <a:ext cx="3113630" cy="1584960"/>
+        </p:xfrm>
+        <a:graphic>
+          <a:graphicData uri="http://schemas.openxmlformats.org/drawingml/2006/table">
+            <a:tbl>
+              <a:tblPr firstRow="1" bandRow="1">
+                <a:tableStyleId>{5940675A-B579-460E-94D1-54222C63F5DA}</a:tableStyleId>
+              </a:tblPr>
+              <a:tblGrid>
+                <a:gridCol w="2265760">
+                  <a:extLst>
+                    <a:ext uri="{9D8B030D-6E8A-4147-A177-3AD203B41FA5}">
+                      <a16:colId xmlns:a16="http://schemas.microsoft.com/office/drawing/2014/main" val="3835641691"/>
+                    </a:ext>
+                  </a:extLst>
+                </a:gridCol>
+                <a:gridCol w="847870">
+                  <a:extLst>
+                    <a:ext uri="{9D8B030D-6E8A-4147-A177-3AD203B41FA5}">
+                      <a16:colId xmlns:a16="http://schemas.microsoft.com/office/drawing/2014/main" val="2513751279"/>
+                    </a:ext>
+                  </a:extLst>
+                </a:gridCol>
+              </a:tblGrid>
+              <a:tr h="393729">
+                <a:tc>
+                  <a:txBody>
+                    <a:bodyPr/>
+                    <a:lstStyle/>
+                    <a:p>
+                      <a:r>
+                        <a:rPr lang="en-US" sz="2000" b="1" i="0" dirty="0">
+                          <a:solidFill>
+                            <a:schemeClr val="bg1"/>
+                          </a:solidFill>
+                          <a:latin typeface="Yu Gothic" panose="020B0400000000000000" pitchFamily="34" charset="-128"/>
+                          <a:ea typeface="Yu Gothic" panose="020B0400000000000000" pitchFamily="34" charset="-128"/>
+                        </a:rPr>
+                        <a:t>Mac Address</a:t>
+                      </a:r>
+                    </a:p>
+                  </a:txBody>
+                  <a:tcPr>
+                    <a:lnL w="28575" cap="flat" cmpd="sng" algn="ctr">
+                      <a:solidFill>
+                        <a:schemeClr val="bg1"/>
+                      </a:solidFill>
+                      <a:prstDash val="solid"/>
+                      <a:round/>
+                      <a:headEnd type="none" w="med" len="med"/>
+                      <a:tailEnd type="none" w="med" len="med"/>
+                    </a:lnL>
+                    <a:lnR w="28575" cap="flat" cmpd="sng" algn="ctr">
+                      <a:solidFill>
+                        <a:schemeClr val="bg1"/>
+                      </a:solidFill>
+                      <a:prstDash val="solid"/>
+                      <a:round/>
+                      <a:headEnd type="none" w="med" len="med"/>
+                      <a:tailEnd type="none" w="med" len="med"/>
+                    </a:lnR>
+                    <a:lnT w="28575" cap="flat" cmpd="sng" algn="ctr">
+                      <a:solidFill>
+                        <a:schemeClr val="bg1"/>
+                      </a:solidFill>
+                      <a:prstDash val="solid"/>
+                      <a:round/>
+                      <a:headEnd type="none" w="med" len="med"/>
+                      <a:tailEnd type="none" w="med" len="med"/>
+                    </a:lnT>
+                    <a:lnB w="28575" cap="flat" cmpd="sng" algn="ctr">
+                      <a:solidFill>
+                        <a:schemeClr val="bg1"/>
+                      </a:solidFill>
+                      <a:prstDash val="solid"/>
+                      <a:round/>
+                      <a:headEnd type="none" w="med" len="med"/>
+                      <a:tailEnd type="none" w="med" len="med"/>
+                    </a:lnB>
+                    <a:lnTlToBr w="12700" cmpd="sng">
+                      <a:noFill/>
+                      <a:prstDash val="solid"/>
+                    </a:lnTlToBr>
+                    <a:lnBlToTr w="12700" cmpd="sng">
+                      <a:noFill/>
+                      <a:prstDash val="solid"/>
+                    </a:lnBlToTr>
+                  </a:tcPr>
+                </a:tc>
+                <a:tc>
+                  <a:txBody>
+                    <a:bodyPr/>
+                    <a:lstStyle/>
+                    <a:p>
+                      <a:r>
+                        <a:rPr lang="en-US" sz="2000" b="1" i="0" dirty="0">
+                          <a:solidFill>
+                            <a:schemeClr val="bg1"/>
+                          </a:solidFill>
+                          <a:latin typeface="Yu Gothic" panose="020B0400000000000000" pitchFamily="34" charset="-128"/>
+                          <a:ea typeface="Yu Gothic" panose="020B0400000000000000" pitchFamily="34" charset="-128"/>
+                        </a:rPr>
+                        <a:t>Ports</a:t>
+                      </a:r>
+                    </a:p>
+                  </a:txBody>
+                  <a:tcPr>
+                    <a:lnL w="28575" cap="flat" cmpd="sng" algn="ctr">
+                      <a:solidFill>
+                        <a:schemeClr val="bg1"/>
+                      </a:solidFill>
+                      <a:prstDash val="solid"/>
+                      <a:round/>
+                      <a:headEnd type="none" w="med" len="med"/>
+                      <a:tailEnd type="none" w="med" len="med"/>
+                    </a:lnL>
+                    <a:lnR w="28575" cap="flat" cmpd="sng" algn="ctr">
+                      <a:solidFill>
+                        <a:schemeClr val="bg1"/>
+                      </a:solidFill>
+                      <a:prstDash val="solid"/>
+                      <a:round/>
+                      <a:headEnd type="none" w="med" len="med"/>
+                      <a:tailEnd type="none" w="med" len="med"/>
+                    </a:lnR>
+                    <a:lnT w="28575" cap="flat" cmpd="sng" algn="ctr">
+                      <a:solidFill>
+                        <a:schemeClr val="bg1"/>
+                      </a:solidFill>
+                      <a:prstDash val="solid"/>
+                      <a:round/>
+                      <a:headEnd type="none" w="med" len="med"/>
+                      <a:tailEnd type="none" w="med" len="med"/>
+                    </a:lnT>
+                    <a:lnB w="28575" cap="flat" cmpd="sng" algn="ctr">
+                      <a:solidFill>
+                        <a:schemeClr val="bg1"/>
+                      </a:solidFill>
+                      <a:prstDash val="solid"/>
+                      <a:round/>
+                      <a:headEnd type="none" w="med" len="med"/>
+                      <a:tailEnd type="none" w="med" len="med"/>
+                    </a:lnB>
+                    <a:lnTlToBr w="12700" cmpd="sng">
+                      <a:noFill/>
+                      <a:prstDash val="solid"/>
+                    </a:lnTlToBr>
+                    <a:lnBlToTr w="12700" cmpd="sng">
+                      <a:noFill/>
+                      <a:prstDash val="solid"/>
+                    </a:lnBlToTr>
+                  </a:tcPr>
+                </a:tc>
+                <a:extLst>
+                  <a:ext uri="{0D108BD9-81ED-4DB2-BD59-A6C34878D82A}">
+                    <a16:rowId xmlns:a16="http://schemas.microsoft.com/office/drawing/2014/main" val="3830655834"/>
+                  </a:ext>
+                </a:extLst>
+              </a:tr>
+              <a:tr h="386637">
+                <a:tc>
+                  <a:txBody>
+                    <a:bodyPr/>
+                    <a:lstStyle/>
+                    <a:p>
+                      <a:r>
+                        <a:rPr lang="en-US" sz="2000" b="1" i="0" dirty="0">
+                          <a:solidFill>
+                            <a:schemeClr val="bg1"/>
+                          </a:solidFill>
+                          <a:latin typeface="Yu Gothic" panose="020B0400000000000000" pitchFamily="34" charset="-128"/>
+                          <a:ea typeface="Yu Gothic" panose="020B0400000000000000" pitchFamily="34" charset="-128"/>
+                        </a:rPr>
+                        <a:t>0000.0000.0101</a:t>
+                      </a:r>
+                    </a:p>
+                  </a:txBody>
+                  <a:tcPr>
+                    <a:lnL w="28575" cap="flat" cmpd="sng" algn="ctr">
+                      <a:solidFill>
+                        <a:schemeClr val="bg1"/>
+                      </a:solidFill>
+                      <a:prstDash val="solid"/>
+                      <a:round/>
+                      <a:headEnd type="none" w="med" len="med"/>
+                      <a:tailEnd type="none" w="med" len="med"/>
+                    </a:lnL>
+                    <a:lnR w="28575" cap="flat" cmpd="sng" algn="ctr">
+                      <a:solidFill>
+                        <a:schemeClr val="bg1"/>
+                      </a:solidFill>
+                      <a:prstDash val="solid"/>
+                      <a:round/>
+                      <a:headEnd type="none" w="med" len="med"/>
+                      <a:tailEnd type="none" w="med" len="med"/>
+                    </a:lnR>
+                    <a:lnT w="28575" cap="flat" cmpd="sng" algn="ctr">
+                      <a:solidFill>
+                        <a:schemeClr val="bg1"/>
+                      </a:solidFill>
+                      <a:prstDash val="solid"/>
+                      <a:round/>
+                      <a:headEnd type="none" w="med" len="med"/>
+                      <a:tailEnd type="none" w="med" len="med"/>
+                    </a:lnT>
+                    <a:lnB w="28575" cap="flat" cmpd="sng" algn="ctr">
+                      <a:solidFill>
+                        <a:schemeClr val="bg1"/>
+                      </a:solidFill>
+                      <a:prstDash val="solid"/>
+                      <a:round/>
+                      <a:headEnd type="none" w="med" len="med"/>
+                      <a:tailEnd type="none" w="med" len="med"/>
+                    </a:lnB>
+                    <a:lnTlToBr w="12700" cmpd="sng">
+                      <a:noFill/>
+                      <a:prstDash val="solid"/>
+                    </a:lnTlToBr>
+                    <a:lnBlToTr w="12700" cmpd="sng">
+                      <a:noFill/>
+                      <a:prstDash val="solid"/>
+                    </a:lnBlToTr>
+                  </a:tcPr>
+                </a:tc>
+                <a:tc>
+                  <a:txBody>
+                    <a:bodyPr/>
+                    <a:lstStyle/>
+                    <a:p>
+                      <a:r>
+                        <a:rPr lang="en-US" sz="2000" b="1" i="0" dirty="0">
+                          <a:solidFill>
+                            <a:schemeClr val="bg1"/>
+                          </a:solidFill>
+                          <a:latin typeface="Yu Gothic" panose="020B0400000000000000" pitchFamily="34" charset="-128"/>
+                          <a:ea typeface="Yu Gothic" panose="020B0400000000000000" pitchFamily="34" charset="-128"/>
+                        </a:rPr>
+                        <a:t>g0/2</a:t>
+                      </a:r>
+                    </a:p>
+                  </a:txBody>
+                  <a:tcPr>
+                    <a:lnL w="28575" cap="flat" cmpd="sng" algn="ctr">
+                      <a:solidFill>
+                        <a:schemeClr val="bg1"/>
+                      </a:solidFill>
+                      <a:prstDash val="solid"/>
+                      <a:round/>
+                      <a:headEnd type="none" w="med" len="med"/>
+                      <a:tailEnd type="none" w="med" len="med"/>
+                    </a:lnL>
+                    <a:lnR w="28575" cap="flat" cmpd="sng" algn="ctr">
+                      <a:solidFill>
+                        <a:schemeClr val="bg1"/>
+                      </a:solidFill>
+                      <a:prstDash val="solid"/>
+                      <a:round/>
+                      <a:headEnd type="none" w="med" len="med"/>
+                      <a:tailEnd type="none" w="med" len="med"/>
+                    </a:lnR>
+                    <a:lnT w="28575" cap="flat" cmpd="sng" algn="ctr">
+                      <a:solidFill>
+                        <a:schemeClr val="bg1"/>
+                      </a:solidFill>
+                      <a:prstDash val="solid"/>
+                      <a:round/>
+                      <a:headEnd type="none" w="med" len="med"/>
+                      <a:tailEnd type="none" w="med" len="med"/>
+                    </a:lnT>
+                    <a:lnB w="28575" cap="flat" cmpd="sng" algn="ctr">
+                      <a:solidFill>
+                        <a:schemeClr val="bg1"/>
+                      </a:solidFill>
+                      <a:prstDash val="solid"/>
+                      <a:round/>
+                      <a:headEnd type="none" w="med" len="med"/>
+                      <a:tailEnd type="none" w="med" len="med"/>
+                    </a:lnB>
+                    <a:lnTlToBr w="12700" cmpd="sng">
+                      <a:noFill/>
+                      <a:prstDash val="solid"/>
+                    </a:lnTlToBr>
+                    <a:lnBlToTr w="12700" cmpd="sng">
+                      <a:noFill/>
+                      <a:prstDash val="solid"/>
+                    </a:lnBlToTr>
+                  </a:tcPr>
+                </a:tc>
+                <a:extLst>
+                  <a:ext uri="{0D108BD9-81ED-4DB2-BD59-A6C34878D82A}">
+                    <a16:rowId xmlns:a16="http://schemas.microsoft.com/office/drawing/2014/main" val="3068683330"/>
+                  </a:ext>
+                </a:extLst>
+              </a:tr>
+              <a:tr h="386637">
                 <a:tc>
                   <a:txBody>
                     <a:bodyPr/>
@@ -13420,14 +15909,14 @@
                         <a:defRPr/>
                       </a:pPr>
                       <a:r>
-                        <a:rPr lang="en-US" sz="1800" b="1" i="0" dirty="0">
+                        <a:rPr lang="en-US" sz="2000" b="1" i="0" dirty="0">
                           <a:solidFill>
                             <a:schemeClr val="bg1"/>
                           </a:solidFill>
                           <a:latin typeface="Yu Gothic" panose="020B0400000000000000" pitchFamily="34" charset="-128"/>
                           <a:ea typeface="Yu Gothic" panose="020B0400000000000000" pitchFamily="34" charset="-128"/>
                         </a:rPr>
-                        <a:t>10.0.0.103</a:t>
+                        <a:t>0000.0000.0109</a:t>
                       </a:r>
                     </a:p>
                   </a:txBody>
@@ -13501,7 +15990,95 @@
                         <a:defRPr/>
                       </a:pPr>
                       <a:r>
-                        <a:rPr lang="en-US" sz="1800" b="1" i="0" dirty="0">
+                        <a:rPr lang="en-US" sz="2000" b="1" i="0" dirty="0">
+                          <a:solidFill>
+                            <a:schemeClr val="bg1"/>
+                          </a:solidFill>
+                          <a:latin typeface="Yu Gothic" panose="020B0400000000000000" pitchFamily="34" charset="-128"/>
+                          <a:ea typeface="Yu Gothic" panose="020B0400000000000000" pitchFamily="34" charset="-128"/>
+                        </a:rPr>
+                        <a:t>g0/3</a:t>
+                      </a:r>
+                    </a:p>
+                  </a:txBody>
+                  <a:tcPr>
+                    <a:lnL w="28575" cap="flat" cmpd="sng" algn="ctr">
+                      <a:solidFill>
+                        <a:schemeClr val="bg1"/>
+                      </a:solidFill>
+                      <a:prstDash val="solid"/>
+                      <a:round/>
+                      <a:headEnd type="none" w="med" len="med"/>
+                      <a:tailEnd type="none" w="med" len="med"/>
+                    </a:lnL>
+                    <a:lnR w="28575" cap="flat" cmpd="sng" algn="ctr">
+                      <a:solidFill>
+                        <a:schemeClr val="bg1"/>
+                      </a:solidFill>
+                      <a:prstDash val="solid"/>
+                      <a:round/>
+                      <a:headEnd type="none" w="med" len="med"/>
+                      <a:tailEnd type="none" w="med" len="med"/>
+                    </a:lnR>
+                    <a:lnT w="28575" cap="flat" cmpd="sng" algn="ctr">
+                      <a:solidFill>
+                        <a:schemeClr val="bg1"/>
+                      </a:solidFill>
+                      <a:prstDash val="solid"/>
+                      <a:round/>
+                      <a:headEnd type="none" w="med" len="med"/>
+                      <a:tailEnd type="none" w="med" len="med"/>
+                    </a:lnT>
+                    <a:lnB w="28575" cap="flat" cmpd="sng" algn="ctr">
+                      <a:solidFill>
+                        <a:schemeClr val="bg1"/>
+                      </a:solidFill>
+                      <a:prstDash val="solid"/>
+                      <a:round/>
+                      <a:headEnd type="none" w="med" len="med"/>
+                      <a:tailEnd type="none" w="med" len="med"/>
+                    </a:lnB>
+                    <a:lnTlToBr w="12700" cmpd="sng">
+                      <a:noFill/>
+                      <a:prstDash val="solid"/>
+                    </a:lnTlToBr>
+                    <a:lnBlToTr w="12700" cmpd="sng">
+                      <a:noFill/>
+                      <a:prstDash val="solid"/>
+                    </a:lnBlToTr>
+                  </a:tcPr>
+                </a:tc>
+                <a:extLst>
+                  <a:ext uri="{0D108BD9-81ED-4DB2-BD59-A6C34878D82A}">
+                    <a16:rowId xmlns:a16="http://schemas.microsoft.com/office/drawing/2014/main" val="973176712"/>
+                  </a:ext>
+                </a:extLst>
+              </a:tr>
+              <a:tr h="386637">
+                <a:tc>
+                  <a:txBody>
+                    <a:bodyPr/>
+                    <a:lstStyle/>
+                    <a:p>
+                      <a:pPr marL="0" marR="0" lvl="0" indent="0" algn="l" defTabSz="914400" rtl="0" eaLnBrk="1" fontAlgn="auto" latinLnBrk="0" hangingPunct="1">
+                        <a:lnSpc>
+                          <a:spcPct val="100000"/>
+                        </a:lnSpc>
+                        <a:spcBef>
+                          <a:spcPts val="0"/>
+                        </a:spcBef>
+                        <a:spcAft>
+                          <a:spcPts val="0"/>
+                        </a:spcAft>
+                        <a:buClrTx/>
+                        <a:buSzTx/>
+                        <a:buFontTx/>
+                        <a:buNone/>
+                        <a:tabLst/>
+                        <a:defRPr/>
+                      </a:pPr>
+                      <a:r>
+                        <a:rPr lang="en-US" sz="2000" b="1" i="0" dirty="0">
                           <a:solidFill>
                             <a:schemeClr val="bg1"/>
                           </a:solidFill>
@@ -13559,9 +16136,73 @@
                     </a:lnBlToTr>
                   </a:tcPr>
                 </a:tc>
+                <a:tc>
+                  <a:txBody>
+                    <a:bodyPr/>
+                    <a:lstStyle/>
+                    <a:p>
+                      <a:r>
+                        <a:rPr lang="en-US" sz="2000" b="1" i="0" dirty="0">
+                          <a:solidFill>
+                            <a:schemeClr val="bg1"/>
+                          </a:solidFill>
+                          <a:latin typeface="Yu Gothic" panose="020B0400000000000000" pitchFamily="34" charset="-128"/>
+                          <a:ea typeface="Yu Gothic" panose="020B0400000000000000" pitchFamily="34" charset="-128"/>
+                        </a:rPr>
+                        <a:t>g0/3</a:t>
+                      </a:r>
+                    </a:p>
+                  </a:txBody>
+                  <a:tcPr>
+                    <a:lnL w="28575" cap="flat" cmpd="sng" algn="ctr">
+                      <a:solidFill>
+                        <a:schemeClr val="bg1"/>
+                      </a:solidFill>
+                      <a:prstDash val="solid"/>
+                      <a:round/>
+                      <a:headEnd type="none" w="med" len="med"/>
+                      <a:tailEnd type="none" w="med" len="med"/>
+                    </a:lnL>
+                    <a:lnR w="28575" cap="flat" cmpd="sng" algn="ctr">
+                      <a:solidFill>
+                        <a:schemeClr val="bg1"/>
+                      </a:solidFill>
+                      <a:prstDash val="solid"/>
+                      <a:round/>
+                      <a:headEnd type="none" w="med" len="med"/>
+                      <a:tailEnd type="none" w="med" len="med"/>
+                    </a:lnR>
+                    <a:lnT w="28575" cap="flat" cmpd="sng" algn="ctr">
+                      <a:solidFill>
+                        <a:schemeClr val="bg1"/>
+                      </a:solidFill>
+                      <a:prstDash val="solid"/>
+                      <a:round/>
+                      <a:headEnd type="none" w="med" len="med"/>
+                      <a:tailEnd type="none" w="med" len="med"/>
+                    </a:lnT>
+                    <a:lnB w="28575" cap="flat" cmpd="sng" algn="ctr">
+                      <a:solidFill>
+                        <a:schemeClr val="bg1"/>
+                      </a:solidFill>
+                      <a:prstDash val="solid"/>
+                      <a:round/>
+                      <a:headEnd type="none" w="med" len="med"/>
+                      <a:tailEnd type="none" w="med" len="med"/>
+                    </a:lnB>
+                    <a:lnTlToBr w="12700" cmpd="sng">
+                      <a:noFill/>
+                      <a:prstDash val="solid"/>
+                    </a:lnTlToBr>
+                    <a:lnBlToTr w="12700" cmpd="sng">
+                      <a:noFill/>
+                      <a:prstDash val="solid"/>
+                    </a:lnBlToTr>
+                  </a:tcPr>
+                </a:tc>
                 <a:extLst>
                   <a:ext uri="{0D108BD9-81ED-4DB2-BD59-A6C34878D82A}">
-                    <a16:rowId xmlns:a16="http://schemas.microsoft.com/office/drawing/2014/main" val="1234729720"/>
+                    <a16:rowId xmlns:a16="http://schemas.microsoft.com/office/drawing/2014/main" val="1048302625"/>
                   </a:ext>
                 </a:extLst>
               </a:tr>
@@ -13571,10 +16212,10 @@
       </p:graphicFrame>
       <p:sp>
         <p:nvSpPr>
-          <p:cNvPr id="32" name="TextBox 31">
-            <a:extLst>
-              <a:ext uri="{FF2B5EF4-FFF2-40B4-BE49-F238E27FC236}">
-                <a16:creationId xmlns:a16="http://schemas.microsoft.com/office/drawing/2014/main" id="{5187253E-1A58-584A-88D6-C0F8C5435DA9}"/>
+          <p:cNvPr id="149" name="TextBox 148">
+            <a:extLst>
+              <a:ext uri="{FF2B5EF4-FFF2-40B4-BE49-F238E27FC236}">
+                <a16:creationId xmlns:a16="http://schemas.microsoft.com/office/drawing/2014/main" id="{309FDDD4-5A0D-8747-B99E-E8F14639161A}"/>
               </a:ext>
             </a:extLst>
           </p:cNvPr>
@@ -13583,8 +16224,8 @@
         </p:nvSpPr>
         <p:spPr>
           <a:xfrm>
-            <a:off x="8824860" y="1818089"/>
-            <a:ext cx="1752403" cy="461665"/>
+            <a:off x="8350004" y="370107"/>
+            <a:ext cx="3145413" cy="461665"/>
           </a:xfrm>
           <a:prstGeom prst="rect">
             <a:avLst/>
@@ -13605,45 +16246,7 @@
                 <a:latin typeface="Yu Gothic" panose="020B0400000000000000" pitchFamily="34" charset="-128"/>
                 <a:ea typeface="Yu Gothic" panose="020B0400000000000000" pitchFamily="34" charset="-128"/>
               </a:rPr>
-              <a:t>ARP Table</a:t>
-            </a:r>
-          </a:p>
-        </p:txBody>
-      </p:sp>
-      <p:sp>
-        <p:nvSpPr>
-          <p:cNvPr id="33" name="TextBox 32">
-            <a:extLst>
-              <a:ext uri="{FF2B5EF4-FFF2-40B4-BE49-F238E27FC236}">
-                <a16:creationId xmlns:a16="http://schemas.microsoft.com/office/drawing/2014/main" id="{E1522E67-7EEF-3545-ACD8-94EADEC0BF86}"/>
-              </a:ext>
-            </a:extLst>
-          </p:cNvPr>
-          <p:cNvSpPr txBox="1"/>
-          <p:nvPr/>
-        </p:nvSpPr>
-        <p:spPr>
-          <a:xfrm>
-            <a:off x="4872390" y="3734400"/>
-            <a:ext cx="756938" cy="400110"/>
-          </a:xfrm>
-          <a:prstGeom prst="rect">
-            <a:avLst/>
-          </a:prstGeom>
-          <a:noFill/>
-        </p:spPr>
-        <p:txBody>
-          <a:bodyPr wrap="none" rtlCol="0">
-            <a:spAutoFit/>
-          </a:bodyPr>
-          <a:lstStyle/>
-          <a:p>
-            <a:r>
-              <a:rPr lang="en-US" sz="2000" b="1" dirty="0">
-                <a:latin typeface="Yu Gothic" panose="020B0400000000000000" pitchFamily="34" charset="-128"/>
-                <a:ea typeface="Yu Gothic" panose="020B0400000000000000" pitchFamily="34" charset="-128"/>
-              </a:rPr>
-              <a:t>g0/1</a:t>
+              <a:t>MAC Address Table</a:t>
             </a:r>
           </a:p>
         </p:txBody>
@@ -13651,7 +16254,87 @@
     </p:spTree>
     <p:extLst>
       <p:ext uri="{BB962C8B-B14F-4D97-AF65-F5344CB8AC3E}">
-        <p14:creationId xmlns:p14="http://schemas.microsoft.com/office/powerpoint/2010/main" val="4011189958"/>
+        <p14:creationId xmlns:p14="http://schemas.microsoft.com/office/powerpoint/2010/main" val="1974490356"/>
+      </p:ext>
+    </p:extLst>
+  </p:cSld>
+  <p:clrMapOvr>
+    <a:masterClrMapping/>
+  </p:clrMapOvr>
+</p:sld>
+</file>
+
+<file path=ppt/slides/slide15.xml><?xml version="1.0" encoding="utf-8"?>
+<p:sld xmlns:a="http://schemas.openxmlformats.org/drawingml/2006/main" xmlns:r="http://schemas.openxmlformats.org/officeDocument/2006/relationships" xmlns:p="http://schemas.openxmlformats.org/presentationml/2006/main">
+  <p:cSld>
+    <p:spTree>
+      <p:nvGrpSpPr>
+        <p:cNvPr id="1" name=""/>
+        <p:cNvGrpSpPr/>
+        <p:nvPr/>
+      </p:nvGrpSpPr>
+      <p:grpSpPr>
+        <a:xfrm>
+          <a:off x="0" y="0"/>
+          <a:ext cx="0" cy="0"/>
+          <a:chOff x="0" y="0"/>
+          <a:chExt cx="0" cy="0"/>
+        </a:xfrm>
+      </p:grpSpPr>
+      <p:sp>
+        <p:nvSpPr>
+          <p:cNvPr id="2" name="Title 1">
+            <a:extLst>
+              <a:ext uri="{FF2B5EF4-FFF2-40B4-BE49-F238E27FC236}">
+                <a16:creationId xmlns:a16="http://schemas.microsoft.com/office/drawing/2014/main" id="{17EF528B-430C-684E-8F31-7DD0B837B733}"/>
+              </a:ext>
+            </a:extLst>
+          </p:cNvPr>
+          <p:cNvSpPr>
+            <a:spLocks noGrp="1"/>
+          </p:cNvSpPr>
+          <p:nvPr>
+            <p:ph type="title"/>
+          </p:nvPr>
+        </p:nvSpPr>
+        <p:spPr/>
+        <p:txBody>
+          <a:bodyPr/>
+          <a:lstStyle/>
+          <a:p>
+            <a:endParaRPr lang="en-US"/>
+          </a:p>
+        </p:txBody>
+      </p:sp>
+      <p:sp>
+        <p:nvSpPr>
+          <p:cNvPr id="3" name="Content Placeholder 2">
+            <a:extLst>
+              <a:ext uri="{FF2B5EF4-FFF2-40B4-BE49-F238E27FC236}">
+                <a16:creationId xmlns:a16="http://schemas.microsoft.com/office/drawing/2014/main" id="{8E264F0B-607D-DF49-A50A-8921AA29D0A5}"/>
+              </a:ext>
+            </a:extLst>
+          </p:cNvPr>
+          <p:cNvSpPr>
+            <a:spLocks noGrp="1"/>
+          </p:cNvSpPr>
+          <p:nvPr>
+            <p:ph idx="1"/>
+          </p:nvPr>
+        </p:nvSpPr>
+        <p:spPr/>
+        <p:txBody>
+          <a:bodyPr/>
+          <a:lstStyle/>
+          <a:p>
+            <a:endParaRPr lang="en-US"/>
+          </a:p>
+        </p:txBody>
+      </p:sp>
+    </p:spTree>
+    <p:extLst>
+      <p:ext uri="{BB962C8B-B14F-4D97-AF65-F5344CB8AC3E}">
+        <p14:creationId xmlns:p14="http://schemas.microsoft.com/office/powerpoint/2010/main" val="3684759717"/>
       </p:ext>
     </p:extLst>
   </p:cSld>
@@ -13662,6 +16345,1119 @@
 </file>
 
 <file path=ppt/slides/slide16.xml><?xml version="1.0" encoding="utf-8"?>
+<p:sld xmlns:a="http://schemas.openxmlformats.org/drawingml/2006/main" xmlns:r="http://schemas.openxmlformats.org/officeDocument/2006/relationships" xmlns:p="http://schemas.openxmlformats.org/presentationml/2006/main">
+  <p:cSld>
+    <p:spTree>
+      <p:nvGrpSpPr>
+        <p:cNvPr id="1" name=""/>
+        <p:cNvGrpSpPr/>
+        <p:nvPr/>
+      </p:nvGrpSpPr>
+      <p:grpSpPr>
+        <a:xfrm>
+          <a:off x="0" y="0"/>
+          <a:ext cx="0" cy="0"/>
+          <a:chOff x="0" y="0"/>
+          <a:chExt cx="0" cy="0"/>
+        </a:xfrm>
+      </p:grpSpPr>
+      <p:sp>
+        <p:nvSpPr>
+          <p:cNvPr id="17" name="Rounded Rectangle 16">
+            <a:extLst>
+              <a:ext uri="{FF2B5EF4-FFF2-40B4-BE49-F238E27FC236}">
+                <a16:creationId xmlns:a16="http://schemas.microsoft.com/office/drawing/2014/main" id="{BD98CFC9-E81F-B24F-A668-DFDDF3B4C4F1}"/>
+              </a:ext>
+            </a:extLst>
+          </p:cNvPr>
+          <p:cNvSpPr/>
+          <p:nvPr/>
+        </p:nvSpPr>
+        <p:spPr>
+          <a:xfrm>
+            <a:off x="1371600" y="933659"/>
+            <a:ext cx="5549882" cy="4374321"/>
+          </a:xfrm>
+          <a:prstGeom prst="roundRect">
+            <a:avLst/>
+          </a:prstGeom>
+          <a:noFill/>
+          <a:ln w="57150">
+            <a:solidFill>
+              <a:schemeClr val="accent5"/>
+            </a:solidFill>
+            <a:prstDash val="dash"/>
+          </a:ln>
+        </p:spPr>
+        <p:style>
+          <a:lnRef idx="2">
+            <a:schemeClr val="accent1">
+              <a:shade val="50000"/>
+            </a:schemeClr>
+          </a:lnRef>
+          <a:fillRef idx="1">
+            <a:schemeClr val="accent1"/>
+          </a:fillRef>
+          <a:effectRef idx="0">
+            <a:schemeClr val="accent1"/>
+          </a:effectRef>
+          <a:fontRef idx="minor">
+            <a:schemeClr val="lt1"/>
+          </a:fontRef>
+        </p:style>
+        <p:txBody>
+          <a:bodyPr rtlCol="0" anchor="ctr"/>
+          <a:lstStyle/>
+          <a:p>
+            <a:pPr algn="ctr"/>
+            <a:endParaRPr lang="en-US"/>
+          </a:p>
+        </p:txBody>
+      </p:sp>
+      <p:sp>
+        <p:nvSpPr>
+          <p:cNvPr id="18" name="Rounded Rectangle 17">
+            <a:extLst>
+              <a:ext uri="{FF2B5EF4-FFF2-40B4-BE49-F238E27FC236}">
+                <a16:creationId xmlns:a16="http://schemas.microsoft.com/office/drawing/2014/main" id="{E7B80113-21DC-1644-9302-F1E129ED7ECB}"/>
+              </a:ext>
+            </a:extLst>
+          </p:cNvPr>
+          <p:cNvSpPr/>
+          <p:nvPr/>
+        </p:nvSpPr>
+        <p:spPr>
+          <a:xfrm>
+            <a:off x="7221958" y="939699"/>
+            <a:ext cx="4115349" cy="4368281"/>
+          </a:xfrm>
+          <a:prstGeom prst="roundRect">
+            <a:avLst/>
+          </a:prstGeom>
+          <a:noFill/>
+          <a:ln w="57150">
+            <a:solidFill>
+              <a:schemeClr val="accent5"/>
+            </a:solidFill>
+            <a:prstDash val="dash"/>
+          </a:ln>
+        </p:spPr>
+        <p:style>
+          <a:lnRef idx="2">
+            <a:schemeClr val="accent1">
+              <a:shade val="50000"/>
+            </a:schemeClr>
+          </a:lnRef>
+          <a:fillRef idx="1">
+            <a:schemeClr val="accent1"/>
+          </a:fillRef>
+          <a:effectRef idx="0">
+            <a:schemeClr val="accent1"/>
+          </a:effectRef>
+          <a:fontRef idx="minor">
+            <a:schemeClr val="lt1"/>
+          </a:fontRef>
+        </p:style>
+        <p:txBody>
+          <a:bodyPr rtlCol="0" anchor="ctr"/>
+          <a:lstStyle/>
+          <a:p>
+            <a:pPr algn="ctr"/>
+            <a:endParaRPr lang="en-US"/>
+          </a:p>
+        </p:txBody>
+      </p:sp>
+      <p:cxnSp>
+        <p:nvCxnSpPr>
+          <p:cNvPr id="21" name="Straight Connector 20">
+            <a:extLst>
+              <a:ext uri="{FF2B5EF4-FFF2-40B4-BE49-F238E27FC236}">
+                <a16:creationId xmlns:a16="http://schemas.microsoft.com/office/drawing/2014/main" id="{D7F33E11-F8D9-8F46-A3ED-36FE137F8571}"/>
+              </a:ext>
+            </a:extLst>
+          </p:cNvPr>
+          <p:cNvCxnSpPr>
+            <a:cxnSpLocks/>
+          </p:cNvCxnSpPr>
+          <p:nvPr/>
+        </p:nvCxnSpPr>
+        <p:spPr>
+          <a:xfrm>
+            <a:off x="3111975" y="1782918"/>
+            <a:ext cx="1749957" cy="1138702"/>
+          </a:xfrm>
+          <a:prstGeom prst="line">
+            <a:avLst/>
+          </a:prstGeom>
+          <a:ln w="38100">
+            <a:solidFill>
+              <a:schemeClr val="tx1"/>
+            </a:solidFill>
+          </a:ln>
+        </p:spPr>
+        <p:style>
+          <a:lnRef idx="1">
+            <a:schemeClr val="accent1"/>
+          </a:lnRef>
+          <a:fillRef idx="0">
+            <a:schemeClr val="accent1"/>
+          </a:fillRef>
+          <a:effectRef idx="0">
+            <a:schemeClr val="accent1"/>
+          </a:effectRef>
+          <a:fontRef idx="minor">
+            <a:schemeClr val="tx1"/>
+          </a:fontRef>
+        </p:style>
+      </p:cxnSp>
+      <p:cxnSp>
+        <p:nvCxnSpPr>
+          <p:cNvPr id="25" name="Straight Connector 24">
+            <a:extLst>
+              <a:ext uri="{FF2B5EF4-FFF2-40B4-BE49-F238E27FC236}">
+                <a16:creationId xmlns:a16="http://schemas.microsoft.com/office/drawing/2014/main" id="{82F68239-DFD2-6E4A-9A31-A58481674091}"/>
+              </a:ext>
+            </a:extLst>
+          </p:cNvPr>
+          <p:cNvCxnSpPr>
+            <a:cxnSpLocks/>
+          </p:cNvCxnSpPr>
+          <p:nvPr/>
+        </p:nvCxnSpPr>
+        <p:spPr>
+          <a:xfrm flipV="1">
+            <a:off x="3221218" y="3222703"/>
+            <a:ext cx="1530360" cy="1070517"/>
+          </a:xfrm>
+          <a:prstGeom prst="line">
+            <a:avLst/>
+          </a:prstGeom>
+          <a:ln w="38100">
+            <a:solidFill>
+              <a:schemeClr val="tx1"/>
+            </a:solidFill>
+          </a:ln>
+        </p:spPr>
+        <p:style>
+          <a:lnRef idx="1">
+            <a:schemeClr val="accent1"/>
+          </a:lnRef>
+          <a:fillRef idx="0">
+            <a:schemeClr val="accent1"/>
+          </a:fillRef>
+          <a:effectRef idx="0">
+            <a:schemeClr val="accent1"/>
+          </a:effectRef>
+          <a:fontRef idx="minor">
+            <a:schemeClr val="tx1"/>
+          </a:fontRef>
+        </p:style>
+      </p:cxnSp>
+      <p:cxnSp>
+        <p:nvCxnSpPr>
+          <p:cNvPr id="32" name="Straight Connector 31">
+            <a:extLst>
+              <a:ext uri="{FF2B5EF4-FFF2-40B4-BE49-F238E27FC236}">
+                <a16:creationId xmlns:a16="http://schemas.microsoft.com/office/drawing/2014/main" id="{8FCE3C15-A2CC-EA4D-8AC3-8816408BFAAF}"/>
+              </a:ext>
+            </a:extLst>
+          </p:cNvPr>
+          <p:cNvCxnSpPr>
+            <a:cxnSpLocks/>
+          </p:cNvCxnSpPr>
+          <p:nvPr/>
+        </p:nvCxnSpPr>
+        <p:spPr>
+          <a:xfrm flipH="1">
+            <a:off x="4957235" y="2978891"/>
+            <a:ext cx="3393395" cy="0"/>
+          </a:xfrm>
+          <a:prstGeom prst="line">
+            <a:avLst/>
+          </a:prstGeom>
+          <a:ln w="38100">
+            <a:solidFill>
+              <a:schemeClr val="tx1"/>
+            </a:solidFill>
+          </a:ln>
+        </p:spPr>
+        <p:style>
+          <a:lnRef idx="1">
+            <a:schemeClr val="accent1"/>
+          </a:lnRef>
+          <a:fillRef idx="0">
+            <a:schemeClr val="accent1"/>
+          </a:fillRef>
+          <a:effectRef idx="0">
+            <a:schemeClr val="accent1"/>
+          </a:effectRef>
+          <a:fontRef idx="minor">
+            <a:schemeClr val="tx1"/>
+          </a:fontRef>
+        </p:style>
+      </p:cxnSp>
+      <p:cxnSp>
+        <p:nvCxnSpPr>
+          <p:cNvPr id="33" name="Straight Connector 32">
+            <a:extLst>
+              <a:ext uri="{FF2B5EF4-FFF2-40B4-BE49-F238E27FC236}">
+                <a16:creationId xmlns:a16="http://schemas.microsoft.com/office/drawing/2014/main" id="{047AB4D0-09DB-484C-911C-0C2E070FCA02}"/>
+              </a:ext>
+            </a:extLst>
+          </p:cNvPr>
+          <p:cNvCxnSpPr>
+            <a:cxnSpLocks/>
+          </p:cNvCxnSpPr>
+          <p:nvPr/>
+        </p:nvCxnSpPr>
+        <p:spPr>
+          <a:xfrm flipV="1">
+            <a:off x="8350630" y="1686190"/>
+            <a:ext cx="0" cy="3057132"/>
+          </a:xfrm>
+          <a:prstGeom prst="line">
+            <a:avLst/>
+          </a:prstGeom>
+          <a:ln w="38100">
+            <a:solidFill>
+              <a:schemeClr val="tx1"/>
+            </a:solidFill>
+          </a:ln>
+        </p:spPr>
+        <p:style>
+          <a:lnRef idx="1">
+            <a:schemeClr val="accent1"/>
+          </a:lnRef>
+          <a:fillRef idx="0">
+            <a:schemeClr val="accent1"/>
+          </a:fillRef>
+          <a:effectRef idx="0">
+            <a:schemeClr val="accent1"/>
+          </a:effectRef>
+          <a:fontRef idx="minor">
+            <a:schemeClr val="tx1"/>
+          </a:fontRef>
+        </p:style>
+      </p:cxnSp>
+      <p:cxnSp>
+        <p:nvCxnSpPr>
+          <p:cNvPr id="38" name="Straight Connector 37">
+            <a:extLst>
+              <a:ext uri="{FF2B5EF4-FFF2-40B4-BE49-F238E27FC236}">
+                <a16:creationId xmlns:a16="http://schemas.microsoft.com/office/drawing/2014/main" id="{4098BAD4-D6A3-8A46-98CA-356622C0A353}"/>
+              </a:ext>
+            </a:extLst>
+          </p:cNvPr>
+          <p:cNvCxnSpPr>
+            <a:cxnSpLocks/>
+          </p:cNvCxnSpPr>
+          <p:nvPr/>
+        </p:nvCxnSpPr>
+        <p:spPr>
+          <a:xfrm flipH="1">
+            <a:off x="8350630" y="4342208"/>
+            <a:ext cx="1563970" cy="0"/>
+          </a:xfrm>
+          <a:prstGeom prst="line">
+            <a:avLst/>
+          </a:prstGeom>
+          <a:ln w="38100">
+            <a:solidFill>
+              <a:schemeClr val="tx1"/>
+            </a:solidFill>
+          </a:ln>
+        </p:spPr>
+        <p:style>
+          <a:lnRef idx="1">
+            <a:schemeClr val="accent1"/>
+          </a:lnRef>
+          <a:fillRef idx="0">
+            <a:schemeClr val="accent1"/>
+          </a:fillRef>
+          <a:effectRef idx="0">
+            <a:schemeClr val="accent1"/>
+          </a:effectRef>
+          <a:fontRef idx="minor">
+            <a:schemeClr val="tx1"/>
+          </a:fontRef>
+        </p:style>
+      </p:cxnSp>
+      <p:cxnSp>
+        <p:nvCxnSpPr>
+          <p:cNvPr id="40" name="Straight Connector 39">
+            <a:extLst>
+              <a:ext uri="{FF2B5EF4-FFF2-40B4-BE49-F238E27FC236}">
+                <a16:creationId xmlns:a16="http://schemas.microsoft.com/office/drawing/2014/main" id="{E1C4F913-ABCB-DE43-AD1A-BEADCE4A3E81}"/>
+              </a:ext>
+            </a:extLst>
+          </p:cNvPr>
+          <p:cNvCxnSpPr>
+            <a:cxnSpLocks/>
+          </p:cNvCxnSpPr>
+          <p:nvPr/>
+        </p:nvCxnSpPr>
+        <p:spPr>
+          <a:xfrm flipH="1">
+            <a:off x="8327323" y="1986943"/>
+            <a:ext cx="1563970" cy="0"/>
+          </a:xfrm>
+          <a:prstGeom prst="line">
+            <a:avLst/>
+          </a:prstGeom>
+          <a:ln w="38100">
+            <a:solidFill>
+              <a:schemeClr val="tx1"/>
+            </a:solidFill>
+          </a:ln>
+        </p:spPr>
+        <p:style>
+          <a:lnRef idx="1">
+            <a:schemeClr val="accent1"/>
+          </a:lnRef>
+          <a:fillRef idx="0">
+            <a:schemeClr val="accent1"/>
+          </a:fillRef>
+          <a:effectRef idx="0">
+            <a:schemeClr val="accent1"/>
+          </a:effectRef>
+          <a:fontRef idx="minor">
+            <a:schemeClr val="tx1"/>
+          </a:fontRef>
+        </p:style>
+      </p:cxnSp>
+      <p:pic>
+        <p:nvPicPr>
+          <p:cNvPr id="41" name="Picture 40">
+            <a:extLst>
+              <a:ext uri="{FF2B5EF4-FFF2-40B4-BE49-F238E27FC236}">
+                <a16:creationId xmlns:a16="http://schemas.microsoft.com/office/drawing/2014/main" id="{85B21018-043A-3E4C-8F1D-2F1F0A22B8BF}"/>
+              </a:ext>
+            </a:extLst>
+          </p:cNvPr>
+          <p:cNvPicPr>
+            <a:picLocks noChangeAspect="1"/>
+          </p:cNvPicPr>
+          <p:nvPr/>
+        </p:nvPicPr>
+        <p:blipFill>
+          <a:blip r:embed="rId2">
+            <a:extLst>
+              <a:ext uri="{28A0092B-C50C-407E-A947-70E740481C1C}">
+                <a14:useLocalDpi xmlns:a14="http://schemas.microsoft.com/office/drawing/2010/main" val="0"/>
+              </a:ext>
+            </a:extLst>
+          </a:blip>
+          <a:stretch>
+            <a:fillRect/>
+          </a:stretch>
+        </p:blipFill>
+        <p:spPr>
+          <a:xfrm>
+            <a:off x="2304877" y="3683193"/>
+            <a:ext cx="1318030" cy="1318030"/>
+          </a:xfrm>
+          <a:prstGeom prst="rect">
+            <a:avLst/>
+          </a:prstGeom>
+        </p:spPr>
+      </p:pic>
+      <p:pic>
+        <p:nvPicPr>
+          <p:cNvPr id="42" name="Picture 41">
+            <a:extLst>
+              <a:ext uri="{FF2B5EF4-FFF2-40B4-BE49-F238E27FC236}">
+                <a16:creationId xmlns:a16="http://schemas.microsoft.com/office/drawing/2014/main" id="{74B1009B-8AD8-6448-A251-B0D52BE57D05}"/>
+              </a:ext>
+            </a:extLst>
+          </p:cNvPr>
+          <p:cNvPicPr>
+            <a:picLocks noChangeAspect="1"/>
+          </p:cNvPicPr>
+          <p:nvPr/>
+        </p:nvPicPr>
+        <p:blipFill>
+          <a:blip r:embed="rId2">
+            <a:extLst>
+              <a:ext uri="{28A0092B-C50C-407E-A947-70E740481C1C}">
+                <a14:useLocalDpi xmlns:a14="http://schemas.microsoft.com/office/drawing/2010/main" val="0"/>
+              </a:ext>
+            </a:extLst>
+          </a:blip>
+          <a:stretch>
+            <a:fillRect/>
+          </a:stretch>
+        </p:blipFill>
+        <p:spPr>
+          <a:xfrm>
+            <a:off x="9109308" y="3683193"/>
+            <a:ext cx="1318030" cy="1318030"/>
+          </a:xfrm>
+          <a:prstGeom prst="rect">
+            <a:avLst/>
+          </a:prstGeom>
+        </p:spPr>
+      </p:pic>
+      <p:pic>
+        <p:nvPicPr>
+          <p:cNvPr id="43" name="Picture 42">
+            <a:extLst>
+              <a:ext uri="{FF2B5EF4-FFF2-40B4-BE49-F238E27FC236}">
+                <a16:creationId xmlns:a16="http://schemas.microsoft.com/office/drawing/2014/main" id="{63A039D2-4928-AE4F-BF72-460D33ABF011}"/>
+              </a:ext>
+            </a:extLst>
+          </p:cNvPr>
+          <p:cNvPicPr>
+            <a:picLocks noChangeAspect="1"/>
+          </p:cNvPicPr>
+          <p:nvPr/>
+        </p:nvPicPr>
+        <p:blipFill>
+          <a:blip r:embed="rId2">
+            <a:extLst>
+              <a:ext uri="{28A0092B-C50C-407E-A947-70E740481C1C}">
+                <a14:useLocalDpi xmlns:a14="http://schemas.microsoft.com/office/drawing/2010/main" val="0"/>
+              </a:ext>
+            </a:extLst>
+          </a:blip>
+          <a:stretch>
+            <a:fillRect/>
+          </a:stretch>
+        </p:blipFill>
+        <p:spPr>
+          <a:xfrm>
+            <a:off x="9109308" y="1327928"/>
+            <a:ext cx="1318030" cy="1318030"/>
+          </a:xfrm>
+          <a:prstGeom prst="rect">
+            <a:avLst/>
+          </a:prstGeom>
+        </p:spPr>
+      </p:pic>
+      <p:pic>
+        <p:nvPicPr>
+          <p:cNvPr id="45" name="Picture 44">
+            <a:extLst>
+              <a:ext uri="{FF2B5EF4-FFF2-40B4-BE49-F238E27FC236}">
+                <a16:creationId xmlns:a16="http://schemas.microsoft.com/office/drawing/2014/main" id="{364C8925-A456-0C42-B9FA-47DC20C56CC7}"/>
+              </a:ext>
+            </a:extLst>
+          </p:cNvPr>
+          <p:cNvPicPr>
+            <a:picLocks noChangeAspect="1"/>
+          </p:cNvPicPr>
+          <p:nvPr/>
+        </p:nvPicPr>
+        <p:blipFill>
+          <a:blip r:embed="rId3">
+            <a:extLst>
+              <a:ext uri="{28A0092B-C50C-407E-A947-70E740481C1C}">
+                <a14:useLocalDpi xmlns:a14="http://schemas.microsoft.com/office/drawing/2010/main" val="0"/>
+              </a:ext>
+            </a:extLst>
+          </a:blip>
+          <a:stretch>
+            <a:fillRect/>
+          </a:stretch>
+        </p:blipFill>
+        <p:spPr>
+          <a:xfrm>
+            <a:off x="4351784" y="2455821"/>
+            <a:ext cx="1210903" cy="1210903"/>
+          </a:xfrm>
+          <a:prstGeom prst="rect">
+            <a:avLst/>
+          </a:prstGeom>
+        </p:spPr>
+      </p:pic>
+      <p:pic>
+        <p:nvPicPr>
+          <p:cNvPr id="46" name="Picture 45">
+            <a:extLst>
+              <a:ext uri="{FF2B5EF4-FFF2-40B4-BE49-F238E27FC236}">
+                <a16:creationId xmlns:a16="http://schemas.microsoft.com/office/drawing/2014/main" id="{2874AAC5-35F5-B742-9AD1-09FF158769E3}"/>
+              </a:ext>
+            </a:extLst>
+          </p:cNvPr>
+          <p:cNvPicPr>
+            <a:picLocks noChangeAspect="1"/>
+          </p:cNvPicPr>
+          <p:nvPr/>
+        </p:nvPicPr>
+        <p:blipFill>
+          <a:blip r:embed="rId2">
+            <a:extLst>
+              <a:ext uri="{28A0092B-C50C-407E-A947-70E740481C1C}">
+                <a14:useLocalDpi xmlns:a14="http://schemas.microsoft.com/office/drawing/2010/main" val="0"/>
+              </a:ext>
+            </a:extLst>
+          </a:blip>
+          <a:stretch>
+            <a:fillRect/>
+          </a:stretch>
+        </p:blipFill>
+        <p:spPr>
+          <a:xfrm>
+            <a:off x="2304877" y="1184057"/>
+            <a:ext cx="1318030" cy="1318030"/>
+          </a:xfrm>
+          <a:prstGeom prst="rect">
+            <a:avLst/>
+          </a:prstGeom>
+        </p:spPr>
+      </p:pic>
+      <p:sp>
+        <p:nvSpPr>
+          <p:cNvPr id="47" name="Rectangle 46">
+            <a:extLst>
+              <a:ext uri="{FF2B5EF4-FFF2-40B4-BE49-F238E27FC236}">
+                <a16:creationId xmlns:a16="http://schemas.microsoft.com/office/drawing/2014/main" id="{44B3603F-F1C6-A044-A401-2DBC844AA9AC}"/>
+              </a:ext>
+            </a:extLst>
+          </p:cNvPr>
+          <p:cNvSpPr/>
+          <p:nvPr/>
+        </p:nvSpPr>
+        <p:spPr>
+          <a:xfrm>
+            <a:off x="6683615" y="2368775"/>
+            <a:ext cx="674273" cy="1155794"/>
+          </a:xfrm>
+          <a:prstGeom prst="rect">
+            <a:avLst/>
+          </a:prstGeom>
+          <a:solidFill>
+            <a:schemeClr val="bg1"/>
+          </a:solidFill>
+          <a:ln>
+            <a:noFill/>
+          </a:ln>
+        </p:spPr>
+        <p:style>
+          <a:lnRef idx="2">
+            <a:schemeClr val="accent1">
+              <a:shade val="50000"/>
+            </a:schemeClr>
+          </a:lnRef>
+          <a:fillRef idx="1">
+            <a:schemeClr val="accent1"/>
+          </a:fillRef>
+          <a:effectRef idx="0">
+            <a:schemeClr val="accent1"/>
+          </a:effectRef>
+          <a:fontRef idx="minor">
+            <a:schemeClr val="lt1"/>
+          </a:fontRef>
+        </p:style>
+        <p:txBody>
+          <a:bodyPr rtlCol="0" anchor="ctr"/>
+          <a:lstStyle/>
+          <a:p>
+            <a:pPr algn="ctr"/>
+            <a:endParaRPr lang="en-US"/>
+          </a:p>
+        </p:txBody>
+      </p:sp>
+      <p:pic>
+        <p:nvPicPr>
+          <p:cNvPr id="48" name="Picture 47">
+            <a:extLst>
+              <a:ext uri="{FF2B5EF4-FFF2-40B4-BE49-F238E27FC236}">
+                <a16:creationId xmlns:a16="http://schemas.microsoft.com/office/drawing/2014/main" id="{DB41DA7E-B2F5-634C-B9B9-54BCB2F577DB}"/>
+              </a:ext>
+            </a:extLst>
+          </p:cNvPr>
+          <p:cNvPicPr>
+            <a:picLocks noChangeAspect="1"/>
+          </p:cNvPicPr>
+          <p:nvPr/>
+        </p:nvPicPr>
+        <p:blipFill>
+          <a:blip r:embed="rId4">
+            <a:extLst>
+              <a:ext uri="{28A0092B-C50C-407E-A947-70E740481C1C}">
+                <a14:useLocalDpi xmlns:a14="http://schemas.microsoft.com/office/drawing/2010/main" val="0"/>
+              </a:ext>
+            </a:extLst>
+          </a:blip>
+          <a:stretch>
+            <a:fillRect/>
+          </a:stretch>
+        </p:blipFill>
+        <p:spPr>
+          <a:xfrm>
+            <a:off x="6521203" y="2417025"/>
+            <a:ext cx="1059293" cy="1059293"/>
+          </a:xfrm>
+          <a:prstGeom prst="rect">
+            <a:avLst/>
+          </a:prstGeom>
+          <a:noFill/>
+        </p:spPr>
+      </p:pic>
+      <p:sp>
+        <p:nvSpPr>
+          <p:cNvPr id="51" name="Left-Right Arrow 50">
+            <a:extLst>
+              <a:ext uri="{FF2B5EF4-FFF2-40B4-BE49-F238E27FC236}">
+                <a16:creationId xmlns:a16="http://schemas.microsoft.com/office/drawing/2014/main" id="{09E5B9FB-144D-034F-93D6-9D5B6213BCBB}"/>
+              </a:ext>
+            </a:extLst>
+          </p:cNvPr>
+          <p:cNvSpPr/>
+          <p:nvPr/>
+        </p:nvSpPr>
+        <p:spPr>
+          <a:xfrm rot="5400000">
+            <a:off x="2184549" y="2826943"/>
+            <a:ext cx="1572322" cy="468658"/>
+          </a:xfrm>
+          <a:prstGeom prst="leftRightArrow">
+            <a:avLst/>
+          </a:prstGeom>
+          <a:solidFill>
+            <a:schemeClr val="accent2"/>
+          </a:solidFill>
+          <a:ln>
+            <a:noFill/>
+          </a:ln>
+        </p:spPr>
+        <p:style>
+          <a:lnRef idx="2">
+            <a:schemeClr val="accent1">
+              <a:shade val="50000"/>
+            </a:schemeClr>
+          </a:lnRef>
+          <a:fillRef idx="1">
+            <a:schemeClr val="accent1"/>
+          </a:fillRef>
+          <a:effectRef idx="0">
+            <a:schemeClr val="accent1"/>
+          </a:effectRef>
+          <a:fontRef idx="minor">
+            <a:schemeClr val="lt1"/>
+          </a:fontRef>
+        </p:style>
+        <p:txBody>
+          <a:bodyPr rtlCol="0" anchor="ctr"/>
+          <a:lstStyle/>
+          <a:p>
+            <a:pPr algn="ctr"/>
+            <a:endParaRPr lang="en-US"/>
+          </a:p>
+        </p:txBody>
+      </p:sp>
+      <p:sp>
+        <p:nvSpPr>
+          <p:cNvPr id="52" name="Left-Right Arrow 51">
+            <a:extLst>
+              <a:ext uri="{FF2B5EF4-FFF2-40B4-BE49-F238E27FC236}">
+                <a16:creationId xmlns:a16="http://schemas.microsoft.com/office/drawing/2014/main" id="{F94EAC0B-93CB-C240-8097-D0BD479112B3}"/>
+              </a:ext>
+            </a:extLst>
+          </p:cNvPr>
+          <p:cNvSpPr/>
+          <p:nvPr/>
+        </p:nvSpPr>
+        <p:spPr>
+          <a:xfrm rot="5400000">
+            <a:off x="8982162" y="2920606"/>
+            <a:ext cx="1572322" cy="468658"/>
+          </a:xfrm>
+          <a:prstGeom prst="leftRightArrow">
+            <a:avLst/>
+          </a:prstGeom>
+          <a:solidFill>
+            <a:schemeClr val="accent2"/>
+          </a:solidFill>
+          <a:ln>
+            <a:noFill/>
+          </a:ln>
+        </p:spPr>
+        <p:style>
+          <a:lnRef idx="2">
+            <a:schemeClr val="accent1">
+              <a:shade val="50000"/>
+            </a:schemeClr>
+          </a:lnRef>
+          <a:fillRef idx="1">
+            <a:schemeClr val="accent1"/>
+          </a:fillRef>
+          <a:effectRef idx="0">
+            <a:schemeClr val="accent1"/>
+          </a:effectRef>
+          <a:fontRef idx="minor">
+            <a:schemeClr val="lt1"/>
+          </a:fontRef>
+        </p:style>
+        <p:txBody>
+          <a:bodyPr rtlCol="0" anchor="ctr"/>
+          <a:lstStyle/>
+          <a:p>
+            <a:pPr algn="ctr"/>
+            <a:endParaRPr lang="en-US"/>
+          </a:p>
+        </p:txBody>
+      </p:sp>
+      <p:sp>
+        <p:nvSpPr>
+          <p:cNvPr id="54" name="Left-Right Arrow 53">
+            <a:extLst>
+              <a:ext uri="{FF2B5EF4-FFF2-40B4-BE49-F238E27FC236}">
+                <a16:creationId xmlns:a16="http://schemas.microsoft.com/office/drawing/2014/main" id="{6949B934-4C38-1E40-90A1-EC8B2A31BE7E}"/>
+              </a:ext>
+            </a:extLst>
+          </p:cNvPr>
+          <p:cNvSpPr/>
+          <p:nvPr/>
+        </p:nvSpPr>
+        <p:spPr>
+          <a:xfrm rot="10800000">
+            <a:off x="3622907" y="1148943"/>
+            <a:ext cx="5463094" cy="608935"/>
+          </a:xfrm>
+          <a:prstGeom prst="leftRightArrow">
+            <a:avLst>
+              <a:gd name="adj1" fmla="val 35350"/>
+              <a:gd name="adj2" fmla="val 50000"/>
+            </a:avLst>
+          </a:prstGeom>
+          <a:solidFill>
+            <a:schemeClr val="accent1"/>
+          </a:solidFill>
+          <a:ln>
+            <a:noFill/>
+          </a:ln>
+        </p:spPr>
+        <p:style>
+          <a:lnRef idx="2">
+            <a:schemeClr val="accent1">
+              <a:shade val="50000"/>
+            </a:schemeClr>
+          </a:lnRef>
+          <a:fillRef idx="1">
+            <a:schemeClr val="accent1"/>
+          </a:fillRef>
+          <a:effectRef idx="0">
+            <a:schemeClr val="accent1"/>
+          </a:effectRef>
+          <a:fontRef idx="minor">
+            <a:schemeClr val="lt1"/>
+          </a:fontRef>
+        </p:style>
+        <p:txBody>
+          <a:bodyPr rtlCol="0" anchor="ctr"/>
+          <a:lstStyle/>
+          <a:p>
+            <a:pPr algn="ctr"/>
+            <a:endParaRPr lang="en-US"/>
+          </a:p>
+        </p:txBody>
+      </p:sp>
+      <p:sp>
+        <p:nvSpPr>
+          <p:cNvPr id="57" name="TextBox 56">
+            <a:extLst>
+              <a:ext uri="{FF2B5EF4-FFF2-40B4-BE49-F238E27FC236}">
+                <a16:creationId xmlns:a16="http://schemas.microsoft.com/office/drawing/2014/main" id="{D2931D55-C56C-D544-8119-B8703A9EFBD3}"/>
+              </a:ext>
+            </a:extLst>
+          </p:cNvPr>
+          <p:cNvSpPr txBox="1"/>
+          <p:nvPr/>
+        </p:nvSpPr>
+        <p:spPr>
+          <a:xfrm>
+            <a:off x="3622907" y="5495363"/>
+            <a:ext cx="1893467" cy="523220"/>
+          </a:xfrm>
+          <a:prstGeom prst="rect">
+            <a:avLst/>
+          </a:prstGeom>
+          <a:noFill/>
+        </p:spPr>
+        <p:txBody>
+          <a:bodyPr wrap="none" rtlCol="0">
+            <a:spAutoFit/>
+          </a:bodyPr>
+          <a:lstStyle/>
+          <a:p>
+            <a:r>
+              <a:rPr lang="en-US" sz="2800" b="1" dirty="0">
+                <a:latin typeface="Yu Gothic" panose="020B0400000000000000" pitchFamily="34" charset="-128"/>
+                <a:ea typeface="Yu Gothic" panose="020B0400000000000000" pitchFamily="34" charset="-128"/>
+              </a:rPr>
+              <a:t>10.0.0.0/8</a:t>
+            </a:r>
+          </a:p>
+        </p:txBody>
+      </p:sp>
+      <p:sp>
+        <p:nvSpPr>
+          <p:cNvPr id="58" name="TextBox 57">
+            <a:extLst>
+              <a:ext uri="{FF2B5EF4-FFF2-40B4-BE49-F238E27FC236}">
+                <a16:creationId xmlns:a16="http://schemas.microsoft.com/office/drawing/2014/main" id="{74C8D693-B703-3049-BECD-63F8FF2AABEA}"/>
+              </a:ext>
+            </a:extLst>
+          </p:cNvPr>
+          <p:cNvSpPr txBox="1"/>
+          <p:nvPr/>
+        </p:nvSpPr>
+        <p:spPr>
+          <a:xfrm>
+            <a:off x="7818336" y="5473659"/>
+            <a:ext cx="2714205" cy="523220"/>
+          </a:xfrm>
+          <a:prstGeom prst="rect">
+            <a:avLst/>
+          </a:prstGeom>
+          <a:noFill/>
+        </p:spPr>
+        <p:txBody>
+          <a:bodyPr wrap="none" rtlCol="0">
+            <a:spAutoFit/>
+          </a:bodyPr>
+          <a:lstStyle/>
+          <a:p>
+            <a:r>
+              <a:rPr lang="en-US" sz="2800" b="1" dirty="0">
+                <a:latin typeface="Yu Gothic" panose="020B0400000000000000" pitchFamily="34" charset="-128"/>
+                <a:ea typeface="Yu Gothic" panose="020B0400000000000000" pitchFamily="34" charset="-128"/>
+              </a:rPr>
+              <a:t>192.168.0.0/24</a:t>
+            </a:r>
+          </a:p>
+        </p:txBody>
+      </p:sp>
+      <p:sp>
+        <p:nvSpPr>
+          <p:cNvPr id="59" name="TextBox 58">
+            <a:extLst>
+              <a:ext uri="{FF2B5EF4-FFF2-40B4-BE49-F238E27FC236}">
+                <a16:creationId xmlns:a16="http://schemas.microsoft.com/office/drawing/2014/main" id="{AC102A99-5AA9-0147-B2D2-FC8FD0FBC089}"/>
+              </a:ext>
+            </a:extLst>
+          </p:cNvPr>
+          <p:cNvSpPr txBox="1"/>
+          <p:nvPr/>
+        </p:nvSpPr>
+        <p:spPr>
+          <a:xfrm>
+            <a:off x="6179962" y="1560552"/>
+            <a:ext cx="1718740" cy="461665"/>
+          </a:xfrm>
+          <a:prstGeom prst="rect">
+            <a:avLst/>
+          </a:prstGeom>
+          <a:solidFill>
+            <a:schemeClr val="bg1"/>
+          </a:solidFill>
+        </p:spPr>
+        <p:txBody>
+          <a:bodyPr wrap="none" rtlCol="0">
+            <a:spAutoFit/>
+          </a:bodyPr>
+          <a:lstStyle/>
+          <a:p>
+            <a:pPr algn="ctr"/>
+            <a:r>
+              <a:rPr lang="en-US" sz="2400" b="1" dirty="0">
+                <a:solidFill>
+                  <a:schemeClr val="accent1"/>
+                </a:solidFill>
+                <a:latin typeface="Yu Gothic" panose="020B0400000000000000" pitchFamily="34" charset="-128"/>
+                <a:ea typeface="Yu Gothic" panose="020B0400000000000000" pitchFamily="34" charset="-128"/>
+              </a:rPr>
+              <a:t>L3</a:t>
+            </a:r>
+            <a:r>
+              <a:rPr lang="ja-JP" altLang="en-US" sz="2400" b="1">
+                <a:solidFill>
+                  <a:schemeClr val="accent1"/>
+                </a:solidFill>
+                <a:latin typeface="Yu Gothic" panose="020B0400000000000000" pitchFamily="34" charset="-128"/>
+                <a:ea typeface="Yu Gothic" panose="020B0400000000000000" pitchFamily="34" charset="-128"/>
+              </a:rPr>
+              <a:t>通信</a:t>
+            </a:r>
+            <a:r>
+              <a:rPr lang="en-US" altLang="ja-JP" sz="2400" b="1" dirty="0">
+                <a:solidFill>
+                  <a:schemeClr val="accent1"/>
+                </a:solidFill>
+                <a:latin typeface="Yu Gothic" panose="020B0400000000000000" pitchFamily="34" charset="-128"/>
+                <a:ea typeface="Yu Gothic" panose="020B0400000000000000" pitchFamily="34" charset="-128"/>
+              </a:rPr>
+              <a:t>(IP)</a:t>
+            </a:r>
+            <a:endParaRPr lang="en-US" sz="2400" b="1" dirty="0">
+              <a:solidFill>
+                <a:schemeClr val="accent1"/>
+              </a:solidFill>
+              <a:latin typeface="Yu Gothic" panose="020B0400000000000000" pitchFamily="34" charset="-128"/>
+              <a:ea typeface="Yu Gothic" panose="020B0400000000000000" pitchFamily="34" charset="-128"/>
+            </a:endParaRPr>
+          </a:p>
+        </p:txBody>
+      </p:sp>
+      <p:sp>
+        <p:nvSpPr>
+          <p:cNvPr id="60" name="TextBox 59">
+            <a:extLst>
+              <a:ext uri="{FF2B5EF4-FFF2-40B4-BE49-F238E27FC236}">
+                <a16:creationId xmlns:a16="http://schemas.microsoft.com/office/drawing/2014/main" id="{9FAD4404-F7FA-4248-A016-E4436F60121A}"/>
+              </a:ext>
+            </a:extLst>
+          </p:cNvPr>
+          <p:cNvSpPr txBox="1"/>
+          <p:nvPr/>
+        </p:nvSpPr>
+        <p:spPr>
+          <a:xfrm>
+            <a:off x="1580572" y="2694629"/>
+            <a:ext cx="1159292" cy="830997"/>
+          </a:xfrm>
+          <a:prstGeom prst="rect">
+            <a:avLst/>
+          </a:prstGeom>
+          <a:noFill/>
+        </p:spPr>
+        <p:txBody>
+          <a:bodyPr wrap="none" rtlCol="0">
+            <a:spAutoFit/>
+          </a:bodyPr>
+          <a:lstStyle/>
+          <a:p>
+            <a:pPr algn="ctr"/>
+            <a:r>
+              <a:rPr lang="en-US" sz="2400" b="1" dirty="0">
+                <a:solidFill>
+                  <a:schemeClr val="accent2"/>
+                </a:solidFill>
+                <a:latin typeface="Yu Gothic" panose="020B0400000000000000" pitchFamily="34" charset="-128"/>
+                <a:ea typeface="Yu Gothic" panose="020B0400000000000000" pitchFamily="34" charset="-128"/>
+              </a:rPr>
+              <a:t>L2</a:t>
+            </a:r>
+            <a:r>
+              <a:rPr lang="ja-JP" altLang="en-US" sz="2400" b="1">
+                <a:solidFill>
+                  <a:schemeClr val="accent2"/>
+                </a:solidFill>
+                <a:latin typeface="Yu Gothic" panose="020B0400000000000000" pitchFamily="34" charset="-128"/>
+                <a:ea typeface="Yu Gothic" panose="020B0400000000000000" pitchFamily="34" charset="-128"/>
+              </a:rPr>
+              <a:t>通信</a:t>
+            </a:r>
+            <a:endParaRPr lang="en-US" altLang="ja-JP" sz="2400" b="1" dirty="0">
+              <a:solidFill>
+                <a:schemeClr val="accent2"/>
+              </a:solidFill>
+              <a:latin typeface="Yu Gothic" panose="020B0400000000000000" pitchFamily="34" charset="-128"/>
+              <a:ea typeface="Yu Gothic" panose="020B0400000000000000" pitchFamily="34" charset="-128"/>
+            </a:endParaRPr>
+          </a:p>
+          <a:p>
+            <a:pPr algn="ctr"/>
+            <a:r>
+              <a:rPr lang="en-US" sz="2400" b="1" dirty="0">
+                <a:solidFill>
+                  <a:schemeClr val="accent2"/>
+                </a:solidFill>
+                <a:latin typeface="Yu Gothic" panose="020B0400000000000000" pitchFamily="34" charset="-128"/>
+                <a:ea typeface="Yu Gothic" panose="020B0400000000000000" pitchFamily="34" charset="-128"/>
+              </a:rPr>
+              <a:t>(MAC)</a:t>
+            </a:r>
+          </a:p>
+        </p:txBody>
+      </p:sp>
+      <p:sp>
+        <p:nvSpPr>
+          <p:cNvPr id="61" name="TextBox 60">
+            <a:extLst>
+              <a:ext uri="{FF2B5EF4-FFF2-40B4-BE49-F238E27FC236}">
+                <a16:creationId xmlns:a16="http://schemas.microsoft.com/office/drawing/2014/main" id="{AD38FC90-611A-2F49-9F50-EF8269303A15}"/>
+              </a:ext>
+            </a:extLst>
+          </p:cNvPr>
+          <p:cNvSpPr txBox="1"/>
+          <p:nvPr/>
+        </p:nvSpPr>
+        <p:spPr>
+          <a:xfrm>
+            <a:off x="9966054" y="2703561"/>
+            <a:ext cx="1159292" cy="830997"/>
+          </a:xfrm>
+          <a:prstGeom prst="rect">
+            <a:avLst/>
+          </a:prstGeom>
+          <a:noFill/>
+        </p:spPr>
+        <p:txBody>
+          <a:bodyPr wrap="none" rtlCol="0">
+            <a:spAutoFit/>
+          </a:bodyPr>
+          <a:lstStyle/>
+          <a:p>
+            <a:pPr algn="ctr"/>
+            <a:r>
+              <a:rPr lang="en-US" sz="2400" b="1" dirty="0">
+                <a:solidFill>
+                  <a:schemeClr val="accent2"/>
+                </a:solidFill>
+                <a:latin typeface="Yu Gothic" panose="020B0400000000000000" pitchFamily="34" charset="-128"/>
+                <a:ea typeface="Yu Gothic" panose="020B0400000000000000" pitchFamily="34" charset="-128"/>
+              </a:rPr>
+              <a:t>L2</a:t>
+            </a:r>
+            <a:r>
+              <a:rPr lang="ja-JP" altLang="en-US" sz="2400" b="1">
+                <a:solidFill>
+                  <a:schemeClr val="accent2"/>
+                </a:solidFill>
+                <a:latin typeface="Yu Gothic" panose="020B0400000000000000" pitchFamily="34" charset="-128"/>
+                <a:ea typeface="Yu Gothic" panose="020B0400000000000000" pitchFamily="34" charset="-128"/>
+              </a:rPr>
+              <a:t>通信</a:t>
+            </a:r>
+            <a:endParaRPr lang="en-US" altLang="ja-JP" sz="2400" b="1" dirty="0">
+              <a:solidFill>
+                <a:schemeClr val="accent2"/>
+              </a:solidFill>
+              <a:latin typeface="Yu Gothic" panose="020B0400000000000000" pitchFamily="34" charset="-128"/>
+              <a:ea typeface="Yu Gothic" panose="020B0400000000000000" pitchFamily="34" charset="-128"/>
+            </a:endParaRPr>
+          </a:p>
+          <a:p>
+            <a:pPr algn="ctr"/>
+            <a:r>
+              <a:rPr lang="en-US" sz="2400" b="1" dirty="0">
+                <a:solidFill>
+                  <a:schemeClr val="accent2"/>
+                </a:solidFill>
+                <a:latin typeface="Yu Gothic" panose="020B0400000000000000" pitchFamily="34" charset="-128"/>
+                <a:ea typeface="Yu Gothic" panose="020B0400000000000000" pitchFamily="34" charset="-128"/>
+              </a:rPr>
+              <a:t>(MAC)</a:t>
+            </a:r>
+          </a:p>
+        </p:txBody>
+      </p:sp>
+    </p:spTree>
+    <p:extLst>
+      <p:ext uri="{BB962C8B-B14F-4D97-AF65-F5344CB8AC3E}">
+        <p14:creationId xmlns:p14="http://schemas.microsoft.com/office/powerpoint/2010/main" val="365925002"/>
+      </p:ext>
+    </p:extLst>
+  </p:cSld>
+  <p:clrMapOvr>
+    <a:masterClrMapping/>
+  </p:clrMapOvr>
+</p:sld>
+</file>
+
+<file path=ppt/slides/slide17.xml><?xml version="1.0" encoding="utf-8"?>
 <p:sld xmlns:a="http://schemas.openxmlformats.org/drawingml/2006/main" xmlns:r="http://schemas.openxmlformats.org/officeDocument/2006/relationships" xmlns:p="http://schemas.openxmlformats.org/presentationml/2006/main">
   <p:cSld>
     <p:spTree>
